--- a/presentazione.pptx
+++ b/presentazione.pptx
@@ -21,6 +21,22 @@
     <p:sldId id="270" r:id="rId15"/>
     <p:sldId id="271" r:id="rId16"/>
     <p:sldId id="272" r:id="rId17"/>
+    <p:sldId id="273" r:id="rId18"/>
+    <p:sldId id="274" r:id="rId19"/>
+    <p:sldId id="275" r:id="rId20"/>
+    <p:sldId id="277" r:id="rId21"/>
+    <p:sldId id="278" r:id="rId22"/>
+    <p:sldId id="279" r:id="rId23"/>
+    <p:sldId id="289" r:id="rId24"/>
+    <p:sldId id="280" r:id="rId25"/>
+    <p:sldId id="281" r:id="rId26"/>
+    <p:sldId id="282" r:id="rId27"/>
+    <p:sldId id="283" r:id="rId28"/>
+    <p:sldId id="284" r:id="rId29"/>
+    <p:sldId id="285" r:id="rId30"/>
+    <p:sldId id="286" r:id="rId31"/>
+    <p:sldId id="287" r:id="rId32"/>
+    <p:sldId id="288" r:id="rId33"/>
   </p:sldIdLst>
   <p:sldSz cx="12192000" cy="6858000"/>
   <p:notesSz cx="6858000" cy="9144000"/>
@@ -125,6 +141,15 @@
     </p:ext>
   </p:extLst>
 </p:presentation>
+</file>
+
+<file path=ppt/revisionInfo.xml><?xml version="1.0" encoding="utf-8"?>
+<p1510:revInfo xmlns:a="http://schemas.openxmlformats.org/drawingml/2006/main" xmlns:r="http://schemas.openxmlformats.org/officeDocument/2006/relationships" xmlns:p1510="http://schemas.microsoft.com/office/powerpoint/2015/10/main">
+  <p1510:revLst>
+    <p1510:client id="{18A35D5A-2F8F-4E7A-83D5-81749FFD959E}" v="2923" dt="2025-12-05T10:42:56.594"/>
+    <p1510:client id="{B797F5BD-98D0-47E7-94A5-1C436E9EC037}" v="3802" dt="2025-12-05T11:56:41.358"/>
+  </p1510:revLst>
+</p1510:revInfo>
 </file>
 
 <file path=ppt/charts/chart1.xml><?xml version="1.0" encoding="utf-8"?>
@@ -264,6 +289,11 @@
               </a:ln>
               <a:effectLst/>
             </c:spPr>
+            <c:extLst>
+              <c:ext xmlns:c16="http://schemas.microsoft.com/office/drawing/2014/chart" uri="{C3380CC4-5D6E-409C-BE32-E72D297353CC}">
+                <c16:uniqueId val="{00000007-75B2-4F07-9DE4-B162922D3E30}"/>
+              </c:ext>
+            </c:extLst>
           </c:dPt>
           <c:dLbls>
             <c:spPr>
@@ -1194,7 +1224,7 @@
           <a:p>
             <a:fld id="{5B5BC3CB-4661-43F6-808C-2743A578ABD9}" type="datetimeFigureOut">
               <a:rPr lang="it-IT" smtClean="0"/>
-              <a:t>04/12/2025</a:t>
+              <a:t>05/12/2025</a:t>
             </a:fld>
             <a:endParaRPr lang="it-IT"/>
           </a:p>
@@ -1394,7 +1424,7 @@
           <a:p>
             <a:fld id="{5B5BC3CB-4661-43F6-808C-2743A578ABD9}" type="datetimeFigureOut">
               <a:rPr lang="it-IT" smtClean="0"/>
-              <a:t>04/12/2025</a:t>
+              <a:t>05/12/2025</a:t>
             </a:fld>
             <a:endParaRPr lang="it-IT"/>
           </a:p>
@@ -1604,7 +1634,7 @@
           <a:p>
             <a:fld id="{5B5BC3CB-4661-43F6-808C-2743A578ABD9}" type="datetimeFigureOut">
               <a:rPr lang="it-IT" smtClean="0"/>
-              <a:t>04/12/2025</a:t>
+              <a:t>05/12/2025</a:t>
             </a:fld>
             <a:endParaRPr lang="it-IT"/>
           </a:p>
@@ -1804,7 +1834,7 @@
           <a:p>
             <a:fld id="{5B5BC3CB-4661-43F6-808C-2743A578ABD9}" type="datetimeFigureOut">
               <a:rPr lang="it-IT" smtClean="0"/>
-              <a:t>04/12/2025</a:t>
+              <a:t>05/12/2025</a:t>
             </a:fld>
             <a:endParaRPr lang="it-IT"/>
           </a:p>
@@ -2080,7 +2110,7 @@
           <a:p>
             <a:fld id="{5B5BC3CB-4661-43F6-808C-2743A578ABD9}" type="datetimeFigureOut">
               <a:rPr lang="it-IT" smtClean="0"/>
-              <a:t>04/12/2025</a:t>
+              <a:t>05/12/2025</a:t>
             </a:fld>
             <a:endParaRPr lang="it-IT"/>
           </a:p>
@@ -2348,7 +2378,7 @@
           <a:p>
             <a:fld id="{5B5BC3CB-4661-43F6-808C-2743A578ABD9}" type="datetimeFigureOut">
               <a:rPr lang="it-IT" smtClean="0"/>
-              <a:t>04/12/2025</a:t>
+              <a:t>05/12/2025</a:t>
             </a:fld>
             <a:endParaRPr lang="it-IT"/>
           </a:p>
@@ -2763,7 +2793,7 @@
           <a:p>
             <a:fld id="{5B5BC3CB-4661-43F6-808C-2743A578ABD9}" type="datetimeFigureOut">
               <a:rPr lang="it-IT" smtClean="0"/>
-              <a:t>04/12/2025</a:t>
+              <a:t>05/12/2025</a:t>
             </a:fld>
             <a:endParaRPr lang="it-IT"/>
           </a:p>
@@ -2905,7 +2935,7 @@
           <a:p>
             <a:fld id="{5B5BC3CB-4661-43F6-808C-2743A578ABD9}" type="datetimeFigureOut">
               <a:rPr lang="it-IT" smtClean="0"/>
-              <a:t>04/12/2025</a:t>
+              <a:t>05/12/2025</a:t>
             </a:fld>
             <a:endParaRPr lang="it-IT"/>
           </a:p>
@@ -3018,7 +3048,7 @@
           <a:p>
             <a:fld id="{5B5BC3CB-4661-43F6-808C-2743A578ABD9}" type="datetimeFigureOut">
               <a:rPr lang="it-IT" smtClean="0"/>
-              <a:t>04/12/2025</a:t>
+              <a:t>05/12/2025</a:t>
             </a:fld>
             <a:endParaRPr lang="it-IT"/>
           </a:p>
@@ -3331,7 +3361,7 @@
           <a:p>
             <a:fld id="{5B5BC3CB-4661-43F6-808C-2743A578ABD9}" type="datetimeFigureOut">
               <a:rPr lang="it-IT" smtClean="0"/>
-              <a:t>04/12/2025</a:t>
+              <a:t>05/12/2025</a:t>
             </a:fld>
             <a:endParaRPr lang="it-IT"/>
           </a:p>
@@ -3620,7 +3650,7 @@
           <a:p>
             <a:fld id="{5B5BC3CB-4661-43F6-808C-2743A578ABD9}" type="datetimeFigureOut">
               <a:rPr lang="it-IT" smtClean="0"/>
-              <a:t>04/12/2025</a:t>
+              <a:t>05/12/2025</a:t>
             </a:fld>
             <a:endParaRPr lang="it-IT"/>
           </a:p>
@@ -3863,7 +3893,7 @@
           <a:p>
             <a:fld id="{5B5BC3CB-4661-43F6-808C-2743A578ABD9}" type="datetimeFigureOut">
               <a:rPr lang="it-IT" smtClean="0"/>
-              <a:t>04/12/2025</a:t>
+              <a:t>05/12/2025</a:t>
             </a:fld>
             <a:endParaRPr lang="it-IT"/>
           </a:p>
@@ -4928,7 +4958,7 @@
           </a:xfrm>
         </p:spPr>
         <p:txBody>
-          <a:bodyPr>
+          <a:bodyPr vert="horz" lIns="91440" tIns="45720" rIns="91440" bIns="45720" rtlCol="0" anchor="t">
             <a:normAutofit/>
           </a:bodyPr>
           <a:lstStyle/>
@@ -4959,8 +4989,12 @@
             <a:pPr lvl="1"/>
             <a:r>
               <a:rPr lang="it-IT" sz="2000" dirty="0"/>
-              <a:t>Analisi di immagini acquisite da droni</a:t>
-            </a:r>
+              <a:t>Analisi di immagini acquisite da droni (remote sensing)</a:t>
+            </a:r>
+            <a:endParaRPr lang="it-IT" sz="2000" dirty="0">
+              <a:ea typeface="Calibri"/>
+              <a:cs typeface="Calibri"/>
+            </a:endParaRPr>
           </a:p>
           <a:p>
             <a:pPr lvl="1"/>
@@ -5192,7 +5226,7 @@
         <p:spPr>
           <a:xfrm>
             <a:off x="986828" y="1276540"/>
-            <a:ext cx="10773623" cy="5016758"/>
+            <a:ext cx="10773623" cy="4647426"/>
           </a:xfrm>
           <a:prstGeom prst="rect">
             <a:avLst/>
@@ -5200,20 +5234,20 @@
           <a:noFill/>
         </p:spPr>
         <p:txBody>
-          <a:bodyPr wrap="square" rtlCol="0">
+          <a:bodyPr wrap="square" lIns="91440" tIns="45720" rIns="91440" bIns="45720" rtlCol="0" anchor="t">
             <a:spAutoFit/>
           </a:bodyPr>
           <a:lstStyle/>
           <a:p>
             <a:r>
               <a:rPr lang="it-IT" sz="2000" dirty="0"/>
-              <a:t>Uno dei fattori più importanti che influnza la risuabilità è la licenza con cui viene rilasciato</a:t>
+              <a:t>Fattore importante è la licenza con cui il modello è rilasciato.</a:t>
             </a:r>
           </a:p>
           <a:p>
             <a:r>
               <a:rPr lang="it-IT" sz="2000" dirty="0"/>
-              <a:t>Maggior parte dei modelli è rilasciato sotto Apache 2.0, una licenza che permette l’uso in ambito commerciale</a:t>
+              <a:t>Maggior parte dei modelli è rilasciato sotto Apache 2.0, permette l’uso in ambito commerciale</a:t>
             </a:r>
           </a:p>
           <a:p>
@@ -5222,8 +5256,12 @@
           <a:p>
             <a:r>
               <a:rPr lang="it-IT" sz="2000" dirty="0"/>
-              <a:t>I modelli segnati da (*) sono descritte in seguito:</a:t>
-            </a:r>
+              <a:t>I modelli segnati da (*) sono descritti in seguito:</a:t>
+            </a:r>
+            <a:endParaRPr lang="it-IT" sz="2000" dirty="0">
+              <a:ea typeface="Calibri"/>
+              <a:cs typeface="Calibri"/>
+            </a:endParaRPr>
           </a:p>
           <a:p>
             <a:pPr marL="742950" lvl="1" indent="-285750">
@@ -5231,7 +5269,7 @@
               <a:buChar char="•"/>
             </a:pPr>
             <a:r>
-              <a:rPr lang="it-IT" sz="2000" dirty="0"/>
+              <a:rPr lang="it-IT" dirty="0"/>
               <a:t>Disease Detection [17]: rilasciato sotto MIT, è un fine-tune di ViT che presenta Apache 2.0; entrambe sono licenze permissive</a:t>
             </a:r>
           </a:p>
@@ -5240,18 +5278,7 @@
               <a:buFont typeface="Arial" panose="020B0604020202020204" pitchFamily="34" charset="0"/>
               <a:buChar char="•"/>
             </a:pPr>
-            <a:r>
-              <a:rPr lang="it-IT" sz="2000" dirty="0"/>
-              <a:t>AdaptLLM Remote Sensing [20] [25]: non presentano licenza sulla model card, ma una repository GitHub che entrambe linkano presenta la licenza BIGAI: ‘’[...] the code and/or data i</a:t>
-            </a:r>
-            <a:r>
-              <a:rPr lang="en-US" sz="2000" dirty="0"/>
-              <a:t>s strictly for non-commercial academic research only. Any commercial use of the code or data requires prior contact and negotiation of licensing fees with the original authors […]</a:t>
-            </a:r>
-            <a:r>
-              <a:rPr lang="it-IT" sz="2000" dirty="0"/>
-              <a:t>’’</a:t>
-            </a:r>
+            <a:endParaRPr lang="it-IT" dirty="0"/>
           </a:p>
           <a:p>
             <a:pPr marL="742950" lvl="1" indent="-285750">
@@ -5259,48 +5286,8 @@
               <a:buChar char="•"/>
             </a:pPr>
             <a:r>
-              <a:rPr lang="en-US" sz="2000" dirty="0"/>
-              <a:t>Leaf Detection and Classification [22]: </a:t>
-            </a:r>
-            <a:r>
-              <a:rPr lang="en-US" sz="2000" dirty="0" err="1"/>
-              <a:t>basato</a:t>
-            </a:r>
-            <a:r>
-              <a:rPr lang="en-US" sz="2000" dirty="0"/>
-              <a:t> </a:t>
-            </a:r>
-            <a:r>
-              <a:rPr lang="en-US" sz="2000" dirty="0" err="1"/>
-              <a:t>sull’architettura</a:t>
-            </a:r>
-            <a:r>
-              <a:rPr lang="en-US" sz="2000" dirty="0"/>
-              <a:t> </a:t>
-            </a:r>
-            <a:r>
-              <a:rPr lang="en-US" sz="2000" dirty="0" err="1"/>
-              <a:t>YOLOv</a:t>
-            </a:r>
-            <a:r>
-              <a:rPr lang="en-US" sz="2000" dirty="0"/>
-              <a:t>, </a:t>
-            </a:r>
-            <a:r>
-              <a:rPr lang="en-US" sz="2000" dirty="0" err="1"/>
-              <a:t>disponibile</a:t>
-            </a:r>
-            <a:r>
-              <a:rPr lang="en-US" sz="2000" dirty="0"/>
-              <a:t> sotto </a:t>
-            </a:r>
-            <a:r>
-              <a:rPr lang="en-US" sz="2000" dirty="0" err="1"/>
-              <a:t>licenza</a:t>
-            </a:r>
-            <a:r>
-              <a:rPr lang="en-US" sz="2000" dirty="0"/>
-              <a:t> AGPL-3.0</a:t>
+              <a:rPr lang="it-IT" dirty="0"/>
+              <a:t>AdaptLLM Remote Sensing [20][25]: nessuna licenza sulla model card, una repository GitHub linkata da entrambe riporta licenza BIGAI</a:t>
             </a:r>
           </a:p>
           <a:p>
@@ -5308,10 +5295,7 @@
               <a:buFont typeface="Arial" panose="020B0604020202020204" pitchFamily="34" charset="0"/>
               <a:buChar char="•"/>
             </a:pPr>
-            <a:r>
-              <a:rPr lang="it-IT" sz="2000" dirty="0"/>
-              <a:t>CropSeekLLM [23]: fine-tune di DeepSeek-r1, rilasciato sotto MIT, mentre il modello presenta la licenza DARJYO 1.0, che proibisce gli usi commerciali</a:t>
-            </a:r>
+            <a:endParaRPr lang="it-IT" dirty="0"/>
           </a:p>
           <a:p>
             <a:pPr marL="742950" lvl="1" indent="-285750">
@@ -5319,42 +5303,124 @@
               <a:buChar char="•"/>
             </a:pPr>
             <a:r>
-              <a:rPr lang="en-US" sz="2000" dirty="0"/>
+              <a:rPr lang="en-US" dirty="0"/>
+              <a:t>Leaf Detection and Classification [22]: non </a:t>
+            </a:r>
+            <a:r>
+              <a:rPr lang="en-US" dirty="0" err="1"/>
+              <a:t>presenta</a:t>
+            </a:r>
+            <a:r>
+              <a:rPr lang="en-US" dirty="0"/>
+              <a:t> alcuna </a:t>
+            </a:r>
+            <a:r>
+              <a:rPr lang="en-US" dirty="0" err="1"/>
+              <a:t>licenza</a:t>
+            </a:r>
+            <a:r>
+              <a:rPr lang="en-US" dirty="0"/>
+              <a:t>, ma </a:t>
+            </a:r>
+            <a:r>
+              <a:rPr lang="en-US" dirty="0" err="1"/>
+              <a:t>basato</a:t>
+            </a:r>
+            <a:r>
+              <a:rPr lang="en-US" dirty="0"/>
+              <a:t> </a:t>
+            </a:r>
+            <a:r>
+              <a:rPr lang="en-US" dirty="0" err="1"/>
+              <a:t>sull’architettura</a:t>
+            </a:r>
+            <a:r>
+              <a:rPr lang="en-US" dirty="0"/>
+              <a:t> YOLOv8, </a:t>
+            </a:r>
+            <a:r>
+              <a:rPr lang="en-US" dirty="0" err="1"/>
+              <a:t>disponibile</a:t>
+            </a:r>
+            <a:r>
+              <a:rPr lang="en-US" dirty="0"/>
+              <a:t> sotto </a:t>
+            </a:r>
+            <a:r>
+              <a:rPr lang="en-US" dirty="0" err="1"/>
+              <a:t>licenza</a:t>
+            </a:r>
+            <a:r>
+              <a:rPr lang="en-US" dirty="0"/>
+              <a:t> AGPL-3.0</a:t>
+            </a:r>
+          </a:p>
+          <a:p>
+            <a:pPr marL="742950" lvl="1" indent="-285750">
+              <a:buFont typeface="Arial" panose="020B0604020202020204" pitchFamily="34" charset="0"/>
+              <a:buChar char="•"/>
+            </a:pPr>
+            <a:endParaRPr lang="en-US" dirty="0"/>
+          </a:p>
+          <a:p>
+            <a:pPr marL="742950" lvl="1" indent="-285750">
+              <a:buFont typeface="Arial" panose="020B0604020202020204" pitchFamily="34" charset="0"/>
+              <a:buChar char="•"/>
+            </a:pPr>
+            <a:r>
+              <a:rPr lang="it-IT" dirty="0"/>
+              <a:t>CropSeekLLM [23]: fine-tune di DeepSeek-r1 (MIT), il modello presenta la licenza DARJYO 1.0</a:t>
+            </a:r>
+          </a:p>
+          <a:p>
+            <a:pPr marL="742950" lvl="1" indent="-285750">
+              <a:buFont typeface="Arial" panose="020B0604020202020204" pitchFamily="34" charset="0"/>
+              <a:buChar char="•"/>
+            </a:pPr>
+            <a:endParaRPr lang="it-IT" dirty="0"/>
+          </a:p>
+          <a:p>
+            <a:pPr marL="742950" lvl="1" indent="-285750">
+              <a:buFont typeface="Arial" panose="020B0604020202020204" pitchFamily="34" charset="0"/>
+              <a:buChar char="•"/>
+            </a:pPr>
+            <a:r>
+              <a:rPr lang="en-US" dirty="0"/>
               <a:t>Classification of Leaf Diseases [24]: fine-tune di </a:t>
             </a:r>
             <a:r>
-              <a:rPr lang="en-US" sz="2000" dirty="0" err="1"/>
+              <a:rPr lang="en-US" dirty="0" err="1"/>
               <a:t>LLaVA</a:t>
             </a:r>
             <a:r>
-              <a:rPr lang="en-US" sz="2000" dirty="0"/>
+              <a:rPr lang="en-US" dirty="0"/>
               <a:t> 1.5, </a:t>
             </a:r>
             <a:r>
-              <a:rPr lang="en-US" sz="2000" dirty="0" err="1"/>
+              <a:rPr lang="en-US" dirty="0" err="1"/>
               <a:t>che</a:t>
             </a:r>
             <a:r>
-              <a:rPr lang="en-US" sz="2000" dirty="0"/>
+              <a:rPr lang="en-US" dirty="0"/>
               <a:t> </a:t>
             </a:r>
             <a:r>
-              <a:rPr lang="en-US" sz="2000" dirty="0" err="1"/>
+              <a:rPr lang="en-US" dirty="0" err="1"/>
               <a:t>presenta</a:t>
             </a:r>
             <a:r>
-              <a:rPr lang="en-US" sz="2000" dirty="0"/>
+              <a:rPr lang="en-US" dirty="0"/>
               <a:t> </a:t>
             </a:r>
             <a:r>
-              <a:rPr lang="en-US" sz="2000" dirty="0" err="1"/>
+              <a:rPr lang="en-US" dirty="0" err="1"/>
               <a:t>licenza</a:t>
             </a:r>
             <a:r>
-              <a:rPr lang="en-US" sz="2000" dirty="0"/>
+              <a:rPr lang="en-US" dirty="0"/>
               <a:t> llama2</a:t>
             </a:r>
-            <a:endParaRPr lang="it-IT" sz="2000" dirty="0"/>
+            <a:endParaRPr lang="it-IT" dirty="0"/>
           </a:p>
         </p:txBody>
       </p:sp>
@@ -5454,7 +5520,7 @@
           <a:noFill/>
         </p:spPr>
         <p:txBody>
-          <a:bodyPr wrap="square" rtlCol="0">
+          <a:bodyPr wrap="square" lIns="91440" tIns="45720" rIns="91440" bIns="45720" rtlCol="0" anchor="t">
             <a:spAutoFit/>
           </a:bodyPr>
           <a:lstStyle/>
@@ -5465,7 +5531,23 @@
             </a:pPr>
             <a:r>
               <a:rPr lang="it-IT" sz="2000" dirty="0"/>
-              <a:t>Parte della IBM Granite Suite, una famiglia di foundation models general-purpose</a:t>
+              <a:t>Parte della IBM Granite Suite, una famiglia di general-</a:t>
+            </a:r>
+            <a:r>
+              <a:rPr lang="it-IT" sz="2000" dirty="0" err="1"/>
+              <a:t>purpose</a:t>
+            </a:r>
+            <a:r>
+              <a:rPr lang="it-IT" sz="2000" dirty="0"/>
+              <a:t> </a:t>
+            </a:r>
+            <a:r>
+              <a:rPr lang="it-IT" sz="2000" dirty="0" err="1"/>
+              <a:t>foundation</a:t>
+            </a:r>
+            <a:r>
+              <a:rPr lang="it-IT" sz="2000" dirty="0"/>
+              <a:t> models</a:t>
             </a:r>
           </a:p>
           <a:p>
@@ -5643,7 +5725,7 @@
         <p:spPr>
           <a:xfrm>
             <a:off x="986828" y="1276540"/>
-            <a:ext cx="10773623" cy="3631763"/>
+            <a:ext cx="10773623" cy="3908762"/>
           </a:xfrm>
           <a:prstGeom prst="rect">
             <a:avLst/>
@@ -5651,7 +5733,7 @@
           <a:noFill/>
         </p:spPr>
         <p:txBody>
-          <a:bodyPr wrap="square" rtlCol="0">
+          <a:bodyPr wrap="square" lIns="91440" tIns="45720" rIns="91440" bIns="45720" rtlCol="0" anchor="t">
             <a:spAutoFit/>
           </a:bodyPr>
           <a:lstStyle/>
@@ -5713,6 +5795,19 @@
             <a:r>
               <a:rPr lang="it-IT" dirty="0"/>
               <a:t>Fluttuazioni del Bitcoin</a:t>
+            </a:r>
+          </a:p>
+          <a:p>
+            <a:pPr marL="800100" lvl="1" indent="-342900">
+              <a:buFont typeface="Arial" panose="020B0604020202020204" pitchFamily="34" charset="0"/>
+              <a:buChar char="•"/>
+            </a:pPr>
+            <a:r>
+              <a:rPr lang="it-IT" dirty="0">
+                <a:ea typeface="Calibri" panose="020F0502020204030204"/>
+                <a:cs typeface="Calibri" panose="020F0502020204030204"/>
+              </a:rPr>
+              <a:t>…</a:t>
             </a:r>
           </a:p>
           <a:p>
@@ -5939,7 +6034,7 @@
           <a:noFill/>
         </p:spPr>
         <p:txBody>
-          <a:bodyPr wrap="square" rtlCol="0">
+          <a:bodyPr wrap="square" lIns="91440" tIns="45720" rIns="91440" bIns="45720" rtlCol="0" anchor="t">
             <a:spAutoFit/>
           </a:bodyPr>
           <a:lstStyle/>
@@ -5950,7 +6045,23 @@
             </a:pPr>
             <a:r>
               <a:rPr lang="it-IT" sz="2000" dirty="0"/>
-              <a:t>Esistono vari modelli, diversi in termini di context e prediction length (</a:t>
+              <a:t>Esistono vari modelli, diversi in termini di </a:t>
+            </a:r>
+            <a:r>
+              <a:rPr lang="it-IT" sz="2000" i="1" dirty="0"/>
+              <a:t>context </a:t>
+            </a:r>
+            <a:r>
+              <a:rPr lang="it-IT" sz="2000" dirty="0"/>
+              <a:t>e </a:t>
+            </a:r>
+            <a:r>
+              <a:rPr lang="it-IT" sz="2000" i="1" dirty="0"/>
+              <a:t>prediction length</a:t>
+            </a:r>
+            <a:r>
+              <a:rPr lang="it-IT" sz="2000" dirty="0"/>
+              <a:t> (</a:t>
             </a:r>
             <a:r>
               <a:rPr lang="it-IT" sz="2000" i="1" dirty="0"/>
@@ -6010,6 +6121,10 @@
               <a:rPr lang="it-IT" i="1" dirty="0"/>
               <a:t>r2</a:t>
             </a:r>
+            <a:endParaRPr lang="it-IT" i="1">
+              <a:ea typeface="Calibri"/>
+              <a:cs typeface="Calibri"/>
+            </a:endParaRPr>
           </a:p>
           <a:p>
             <a:pPr marL="342900" indent="-342900">
@@ -6136,6 +6251,1062 @@
     <p:extLst>
       <p:ext uri="{BB962C8B-B14F-4D97-AF65-F5344CB8AC3E}">
         <p14:creationId xmlns:p14="http://schemas.microsoft.com/office/powerpoint/2010/main" val="2383543934"/>
+      </p:ext>
+    </p:extLst>
+  </p:cSld>
+  <p:clrMapOvr>
+    <a:masterClrMapping/>
+  </p:clrMapOvr>
+</p:sld>
+</file>
+
+<file path=ppt/slides/slide17.xml><?xml version="1.0" encoding="utf-8"?>
+<p:sld xmlns:a="http://schemas.openxmlformats.org/drawingml/2006/main" xmlns:r="http://schemas.openxmlformats.org/officeDocument/2006/relationships" xmlns:p="http://schemas.openxmlformats.org/presentationml/2006/main">
+  <p:cSld>
+    <p:spTree>
+      <p:nvGrpSpPr>
+        <p:cNvPr id="1" name="">
+          <a:extLst>
+            <a:ext uri="{FF2B5EF4-FFF2-40B4-BE49-F238E27FC236}">
+              <a16:creationId xmlns:a16="http://schemas.microsoft.com/office/drawing/2014/main" id="{F087B16E-52EE-0827-7017-DF8BDD2E7E43}"/>
+            </a:ext>
+          </a:extLst>
+        </p:cNvPr>
+        <p:cNvGrpSpPr/>
+        <p:nvPr/>
+      </p:nvGrpSpPr>
+      <p:grpSpPr>
+        <a:xfrm>
+          <a:off x="0" y="0"/>
+          <a:ext cx="0" cy="0"/>
+          <a:chOff x="0" y="0"/>
+          <a:chExt cx="0" cy="0"/>
+        </a:xfrm>
+      </p:grpSpPr>
+      <p:sp>
+        <p:nvSpPr>
+          <p:cNvPr id="2" name="Title 1">
+            <a:extLst>
+              <a:ext uri="{FF2B5EF4-FFF2-40B4-BE49-F238E27FC236}">
+                <a16:creationId xmlns:a16="http://schemas.microsoft.com/office/drawing/2014/main" id="{0AA4B87C-5FDC-3CA5-C263-C64A9C461F00}"/>
+              </a:ext>
+            </a:extLst>
+          </p:cNvPr>
+          <p:cNvSpPr>
+            <a:spLocks noGrp="1"/>
+          </p:cNvSpPr>
+          <p:nvPr>
+            <p:ph type="title"/>
+          </p:nvPr>
+        </p:nvSpPr>
+        <p:spPr>
+          <a:xfrm>
+            <a:off x="838200" y="365126"/>
+            <a:ext cx="10515600" cy="766558"/>
+          </a:xfrm>
+        </p:spPr>
+        <p:txBody>
+          <a:bodyPr>
+            <a:normAutofit/>
+          </a:bodyPr>
+          <a:lstStyle/>
+          <a:p>
+            <a:r>
+              <a:rPr lang="it-IT" sz="3200" dirty="0">
+                <a:latin typeface="+mn-lt"/>
+              </a:rPr>
+              <a:t>Classificazione</a:t>
+            </a:r>
+            <a:r>
+              <a:rPr lang="it-IT" sz="3200" noProof="0" dirty="0">
+                <a:latin typeface="+mn-lt"/>
+              </a:rPr>
+              <a:t> </a:t>
+            </a:r>
+            <a:r>
+              <a:rPr lang="it-IT" sz="3200" dirty="0">
+                <a:latin typeface="+mn-lt"/>
+              </a:rPr>
+              <a:t>Immagini – </a:t>
+            </a:r>
+            <a:r>
+              <a:rPr lang="it-IT" sz="3200" dirty="0" err="1">
+                <a:latin typeface="+mn-lt"/>
+              </a:rPr>
+              <a:t>Disease</a:t>
+            </a:r>
+            <a:r>
+              <a:rPr lang="it-IT" sz="3200" dirty="0">
+                <a:latin typeface="+mn-lt"/>
+              </a:rPr>
+              <a:t> </a:t>
+            </a:r>
+            <a:r>
+              <a:rPr lang="it-IT" sz="3200" dirty="0" err="1">
+                <a:latin typeface="+mn-lt"/>
+              </a:rPr>
+              <a:t>Detection</a:t>
+            </a:r>
+            <a:endParaRPr lang="it-IT" sz="3200" u="sng" noProof="0" dirty="0" err="1">
+              <a:latin typeface="+mn-lt"/>
+              <a:ea typeface="Calibri"/>
+              <a:cs typeface="Calibri"/>
+            </a:endParaRPr>
+          </a:p>
+        </p:txBody>
+      </p:sp>
+      <p:sp>
+        <p:nvSpPr>
+          <p:cNvPr id="4" name="TextBox 3">
+            <a:extLst>
+              <a:ext uri="{FF2B5EF4-FFF2-40B4-BE49-F238E27FC236}">
+                <a16:creationId xmlns:a16="http://schemas.microsoft.com/office/drawing/2014/main" id="{80D181B2-3585-0130-51D5-DCD370A44FFA}"/>
+              </a:ext>
+            </a:extLst>
+          </p:cNvPr>
+          <p:cNvSpPr txBox="1"/>
+          <p:nvPr/>
+        </p:nvSpPr>
+        <p:spPr>
+          <a:xfrm>
+            <a:off x="986828" y="1276540"/>
+            <a:ext cx="10773623" cy="3293209"/>
+          </a:xfrm>
+          <a:prstGeom prst="rect">
+            <a:avLst/>
+          </a:prstGeom>
+          <a:noFill/>
+        </p:spPr>
+        <p:txBody>
+          <a:bodyPr wrap="square" lIns="91440" tIns="45720" rIns="91440" bIns="45720" rtlCol="0" anchor="t">
+            <a:spAutoFit/>
+          </a:bodyPr>
+          <a:lstStyle/>
+          <a:p>
+            <a:pPr marL="342900" indent="-342900">
+              <a:buFont typeface="Arial" panose="020B0604020202020204" pitchFamily="34" charset="0"/>
+              <a:buChar char="•"/>
+            </a:pPr>
+            <a:r>
+              <a:rPr lang="it-IT" sz="2000" dirty="0"/>
+              <a:t>Rileva malattie in una coltura in base ad un immagine delle foglie</a:t>
+            </a:r>
+          </a:p>
+          <a:p>
+            <a:pPr marL="342900" indent="-342900">
+              <a:buFont typeface="Arial" panose="020B0604020202020204" pitchFamily="34" charset="0"/>
+              <a:buChar char="•"/>
+            </a:pPr>
+            <a:r>
+              <a:rPr lang="it-IT" sz="2000" dirty="0">
+                <a:ea typeface="Calibri"/>
+                <a:cs typeface="Calibri"/>
+              </a:rPr>
+              <a:t>Fine-</a:t>
+            </a:r>
+            <a:r>
+              <a:rPr lang="it-IT" sz="2000" dirty="0" err="1">
+                <a:ea typeface="Calibri"/>
+                <a:cs typeface="Calibri"/>
+              </a:rPr>
+              <a:t>tune</a:t>
+            </a:r>
+            <a:r>
+              <a:rPr lang="it-IT" sz="2000" dirty="0">
+                <a:ea typeface="Calibri"/>
+                <a:cs typeface="Calibri"/>
+              </a:rPr>
+              <a:t> del Vision Transformer (</a:t>
+            </a:r>
+            <a:r>
+              <a:rPr lang="it-IT" sz="2000" dirty="0" err="1">
+                <a:ea typeface="Calibri"/>
+                <a:cs typeface="Calibri"/>
+              </a:rPr>
+              <a:t>ViT</a:t>
+            </a:r>
+            <a:r>
+              <a:rPr lang="it-IT" sz="2000" dirty="0">
+                <a:ea typeface="Calibri"/>
+                <a:cs typeface="Calibri"/>
+              </a:rPr>
+              <a:t>) di Google (</a:t>
+            </a:r>
+            <a:r>
+              <a:rPr lang="it-IT" sz="2000" dirty="0">
+                <a:ea typeface="+mn-lt"/>
+                <a:cs typeface="+mn-lt"/>
+              </a:rPr>
+              <a:t>vit-tiny-patch16-224</a:t>
+            </a:r>
+            <a:r>
+              <a:rPr lang="it-IT" sz="2000" dirty="0">
+                <a:ea typeface="Calibri"/>
+                <a:cs typeface="Calibri"/>
+              </a:rPr>
+              <a:t>)</a:t>
+            </a:r>
+          </a:p>
+          <a:p>
+            <a:pPr marL="342900" indent="-342900">
+              <a:buFont typeface="Arial"/>
+              <a:buChar char="•"/>
+            </a:pPr>
+            <a:r>
+              <a:rPr lang="it-IT" sz="2000" dirty="0">
+                <a:ea typeface="Calibri"/>
+                <a:cs typeface="Calibri"/>
+              </a:rPr>
+              <a:t>Il dataset di addestramento non è stato condivise, ma è descritto il contenuto:</a:t>
+            </a:r>
+          </a:p>
+          <a:p>
+            <a:pPr marL="800100" indent="-342900">
+              <a:buFont typeface="Arial"/>
+              <a:buChar char="•"/>
+            </a:pPr>
+            <a:r>
+              <a:rPr lang="it-IT" dirty="0">
+                <a:ea typeface="+mn-lt"/>
+                <a:cs typeface="+mn-lt"/>
+              </a:rPr>
+              <a:t>Corn: Common Rust, Gray Leaf Spot, Leaf Blight, Healthy</a:t>
+            </a:r>
+          </a:p>
+          <a:p>
+            <a:pPr marL="800100" indent="-342900">
+              <a:buFont typeface="Arial"/>
+              <a:buChar char="•"/>
+            </a:pPr>
+            <a:r>
+              <a:rPr lang="it-IT" dirty="0">
+                <a:ea typeface="+mn-lt"/>
+                <a:cs typeface="+mn-lt"/>
+              </a:rPr>
+              <a:t>Potato: Early Blight, Late Blight, Healthy</a:t>
+            </a:r>
+            <a:endParaRPr lang="it-IT" u="sng" dirty="0">
+              <a:ea typeface="Calibri"/>
+              <a:cs typeface="Calibri"/>
+            </a:endParaRPr>
+          </a:p>
+          <a:p>
+            <a:pPr marL="800100" indent="-342900">
+              <a:buFont typeface="Arial"/>
+              <a:buChar char="•"/>
+            </a:pPr>
+            <a:r>
+              <a:rPr lang="it-IT" dirty="0">
+                <a:ea typeface="+mn-lt"/>
+                <a:cs typeface="+mn-lt"/>
+              </a:rPr>
+              <a:t>Rice: Brown Spot, Hispa, Leaf Blast, Healthy</a:t>
+            </a:r>
+            <a:endParaRPr lang="it-IT" u="sng" dirty="0">
+              <a:ea typeface="Calibri"/>
+              <a:cs typeface="Calibri"/>
+            </a:endParaRPr>
+          </a:p>
+          <a:p>
+            <a:pPr marL="800100" indent="-342900">
+              <a:buFont typeface="Arial"/>
+              <a:buChar char="•"/>
+            </a:pPr>
+            <a:r>
+              <a:rPr lang="it-IT" dirty="0" err="1">
+                <a:ea typeface="+mn-lt"/>
+                <a:cs typeface="+mn-lt"/>
+              </a:rPr>
+              <a:t>Wheat</a:t>
+            </a:r>
+            <a:r>
+              <a:rPr lang="it-IT" dirty="0">
+                <a:ea typeface="+mn-lt"/>
+                <a:cs typeface="+mn-lt"/>
+              </a:rPr>
+              <a:t>: Brown Rust, Yellow Rust, </a:t>
+            </a:r>
+            <a:r>
+              <a:rPr lang="it-IT" dirty="0" err="1">
+                <a:ea typeface="+mn-lt"/>
+                <a:cs typeface="+mn-lt"/>
+              </a:rPr>
+              <a:t>Healthy</a:t>
+            </a:r>
+            <a:endParaRPr lang="it-IT" dirty="0">
+              <a:ea typeface="+mn-lt"/>
+              <a:cs typeface="+mn-lt"/>
+            </a:endParaRPr>
+          </a:p>
+          <a:p>
+            <a:pPr marL="800100" indent="-342900">
+              <a:buFont typeface="Arial"/>
+              <a:buChar char="•"/>
+            </a:pPr>
+            <a:endParaRPr lang="it-IT" dirty="0">
+              <a:ea typeface="Calibri"/>
+              <a:cs typeface="Calibri"/>
+            </a:endParaRPr>
+          </a:p>
+          <a:p>
+            <a:pPr marL="800100" indent="-342900">
+              <a:buFont typeface="Arial"/>
+              <a:buChar char="•"/>
+            </a:pPr>
+            <a:endParaRPr lang="it-IT" dirty="0">
+              <a:ea typeface="Calibri"/>
+              <a:cs typeface="Calibri"/>
+            </a:endParaRPr>
+          </a:p>
+          <a:p>
+            <a:pPr marL="342900" indent="-342900">
+              <a:buFont typeface="Arial"/>
+              <a:buChar char="•"/>
+            </a:pPr>
+            <a:r>
+              <a:rPr lang="it-IT" sz="2000" dirty="0">
+                <a:ea typeface="Calibri"/>
+                <a:cs typeface="Calibri"/>
+              </a:rPr>
+              <a:t>"</a:t>
+            </a:r>
+            <a:r>
+              <a:rPr lang="it-IT" sz="2000" dirty="0">
+                <a:ea typeface="+mn-lt"/>
+                <a:cs typeface="+mn-lt"/>
+              </a:rPr>
+              <a:t>The model </a:t>
+            </a:r>
+            <a:r>
+              <a:rPr lang="it-IT" sz="2000" dirty="0" err="1">
+                <a:ea typeface="+mn-lt"/>
+                <a:cs typeface="+mn-lt"/>
+              </a:rPr>
+              <a:t>may</a:t>
+            </a:r>
+            <a:r>
+              <a:rPr lang="it-IT" sz="2000" dirty="0">
+                <a:ea typeface="+mn-lt"/>
+                <a:cs typeface="+mn-lt"/>
+              </a:rPr>
+              <a:t> </a:t>
+            </a:r>
+            <a:r>
+              <a:rPr lang="it-IT" sz="2000" dirty="0" err="1">
+                <a:ea typeface="+mn-lt"/>
+                <a:cs typeface="+mn-lt"/>
+              </a:rPr>
+              <a:t>exhibit</a:t>
+            </a:r>
+            <a:r>
+              <a:rPr lang="it-IT" sz="2000" dirty="0">
+                <a:ea typeface="+mn-lt"/>
+                <a:cs typeface="+mn-lt"/>
+              </a:rPr>
+              <a:t> </a:t>
+            </a:r>
+            <a:r>
+              <a:rPr lang="it-IT" sz="2000" dirty="0" err="1">
+                <a:ea typeface="+mn-lt"/>
+                <a:cs typeface="+mn-lt"/>
+              </a:rPr>
+              <a:t>bias</a:t>
+            </a:r>
+            <a:r>
+              <a:rPr lang="it-IT" sz="2000" dirty="0">
+                <a:ea typeface="+mn-lt"/>
+                <a:cs typeface="+mn-lt"/>
+              </a:rPr>
+              <a:t> </a:t>
+            </a:r>
+            <a:r>
+              <a:rPr lang="it-IT" sz="2000" dirty="0" err="1">
+                <a:ea typeface="+mn-lt"/>
+                <a:cs typeface="+mn-lt"/>
+              </a:rPr>
+              <a:t>toward</a:t>
+            </a:r>
+            <a:r>
+              <a:rPr lang="it-IT" sz="2000" dirty="0">
+                <a:ea typeface="+mn-lt"/>
+                <a:cs typeface="+mn-lt"/>
+              </a:rPr>
+              <a:t> the </a:t>
+            </a:r>
+            <a:r>
+              <a:rPr lang="it-IT" sz="2000" dirty="0" err="1">
+                <a:ea typeface="+mn-lt"/>
+                <a:cs typeface="+mn-lt"/>
+              </a:rPr>
+              <a:t>crops</a:t>
+            </a:r>
+            <a:r>
+              <a:rPr lang="it-IT" sz="2000" dirty="0">
+                <a:ea typeface="+mn-lt"/>
+                <a:cs typeface="+mn-lt"/>
+              </a:rPr>
+              <a:t> and </a:t>
+            </a:r>
+            <a:r>
+              <a:rPr lang="it-IT" sz="2000" dirty="0" err="1">
+                <a:ea typeface="+mn-lt"/>
+                <a:cs typeface="+mn-lt"/>
+              </a:rPr>
+              <a:t>diseases</a:t>
+            </a:r>
+            <a:r>
+              <a:rPr lang="it-IT" sz="2000" dirty="0">
+                <a:ea typeface="+mn-lt"/>
+                <a:cs typeface="+mn-lt"/>
+              </a:rPr>
+              <a:t> </a:t>
+            </a:r>
+            <a:r>
+              <a:rPr lang="it-IT" sz="2000" dirty="0" err="1">
+                <a:ea typeface="+mn-lt"/>
+                <a:cs typeface="+mn-lt"/>
+              </a:rPr>
+              <a:t>present</a:t>
+            </a:r>
+            <a:r>
+              <a:rPr lang="it-IT" sz="2000" dirty="0">
+                <a:ea typeface="+mn-lt"/>
+                <a:cs typeface="+mn-lt"/>
+              </a:rPr>
+              <a:t> in the training dataset, </a:t>
+            </a:r>
+            <a:r>
+              <a:rPr lang="it-IT" sz="2000" dirty="0" err="1">
+                <a:ea typeface="+mn-lt"/>
+                <a:cs typeface="+mn-lt"/>
+              </a:rPr>
+              <a:t>leading</a:t>
+            </a:r>
+            <a:r>
+              <a:rPr lang="it-IT" sz="2000" dirty="0">
+                <a:ea typeface="+mn-lt"/>
+                <a:cs typeface="+mn-lt"/>
+              </a:rPr>
+              <a:t> to </a:t>
+            </a:r>
+            <a:r>
+              <a:rPr lang="it-IT" sz="2000" dirty="0" err="1">
+                <a:ea typeface="+mn-lt"/>
+                <a:cs typeface="+mn-lt"/>
+              </a:rPr>
+              <a:t>lower</a:t>
+            </a:r>
+            <a:r>
+              <a:rPr lang="it-IT" sz="2000" dirty="0">
+                <a:ea typeface="+mn-lt"/>
+                <a:cs typeface="+mn-lt"/>
+              </a:rPr>
+              <a:t> performance on </a:t>
+            </a:r>
+            <a:r>
+              <a:rPr lang="it-IT" sz="2000" dirty="0" err="1">
+                <a:ea typeface="+mn-lt"/>
+                <a:cs typeface="+mn-lt"/>
+              </a:rPr>
+              <a:t>unrepresented</a:t>
+            </a:r>
+            <a:r>
+              <a:rPr lang="it-IT" sz="2000" dirty="0">
+                <a:ea typeface="+mn-lt"/>
+                <a:cs typeface="+mn-lt"/>
+              </a:rPr>
+              <a:t> </a:t>
+            </a:r>
+            <a:r>
+              <a:rPr lang="it-IT" sz="2000" dirty="0" err="1">
+                <a:ea typeface="+mn-lt"/>
+                <a:cs typeface="+mn-lt"/>
+              </a:rPr>
+              <a:t>diseases</a:t>
+            </a:r>
+            <a:r>
+              <a:rPr lang="it-IT" sz="2000" dirty="0">
+                <a:ea typeface="+mn-lt"/>
+                <a:cs typeface="+mn-lt"/>
+              </a:rPr>
+              <a:t> or </a:t>
+            </a:r>
+            <a:r>
+              <a:rPr lang="it-IT" sz="2000" dirty="0" err="1">
+                <a:ea typeface="+mn-lt"/>
+                <a:cs typeface="+mn-lt"/>
+              </a:rPr>
+              <a:t>crop</a:t>
+            </a:r>
+            <a:r>
+              <a:rPr lang="it-IT" sz="2000" dirty="0">
+                <a:ea typeface="+mn-lt"/>
+                <a:cs typeface="+mn-lt"/>
+              </a:rPr>
+              <a:t> </a:t>
+            </a:r>
+            <a:r>
+              <a:rPr lang="it-IT" sz="2000" dirty="0" err="1">
+                <a:ea typeface="+mn-lt"/>
+                <a:cs typeface="+mn-lt"/>
+              </a:rPr>
+              <a:t>varieties</a:t>
+            </a:r>
+            <a:r>
+              <a:rPr lang="it-IT" sz="2000" dirty="0">
+                <a:ea typeface="+mn-lt"/>
+                <a:cs typeface="+mn-lt"/>
+              </a:rPr>
+              <a:t>"</a:t>
+            </a:r>
+            <a:endParaRPr lang="it-IT" sz="2000" u="sng" dirty="0">
+              <a:ea typeface="Calibri"/>
+              <a:cs typeface="Calibri"/>
+            </a:endParaRPr>
+          </a:p>
+        </p:txBody>
+      </p:sp>
+    </p:spTree>
+    <p:extLst>
+      <p:ext uri="{BB962C8B-B14F-4D97-AF65-F5344CB8AC3E}">
+        <p14:creationId xmlns:p14="http://schemas.microsoft.com/office/powerpoint/2010/main" val="1957391432"/>
+      </p:ext>
+    </p:extLst>
+  </p:cSld>
+  <p:clrMapOvr>
+    <a:masterClrMapping/>
+  </p:clrMapOvr>
+</p:sld>
+</file>
+
+<file path=ppt/slides/slide18.xml><?xml version="1.0" encoding="utf-8"?>
+<p:sld xmlns:a="http://schemas.openxmlformats.org/drawingml/2006/main" xmlns:r="http://schemas.openxmlformats.org/officeDocument/2006/relationships" xmlns:p="http://schemas.openxmlformats.org/presentationml/2006/main">
+  <p:cSld>
+    <p:spTree>
+      <p:nvGrpSpPr>
+        <p:cNvPr id="1" name="">
+          <a:extLst>
+            <a:ext uri="{FF2B5EF4-FFF2-40B4-BE49-F238E27FC236}">
+              <a16:creationId xmlns:a16="http://schemas.microsoft.com/office/drawing/2014/main" id="{A1900BBE-E7F2-925E-7321-35A9125C36FE}"/>
+            </a:ext>
+          </a:extLst>
+        </p:cNvPr>
+        <p:cNvGrpSpPr/>
+        <p:nvPr/>
+      </p:nvGrpSpPr>
+      <p:grpSpPr>
+        <a:xfrm>
+          <a:off x="0" y="0"/>
+          <a:ext cx="0" cy="0"/>
+          <a:chOff x="0" y="0"/>
+          <a:chExt cx="0" cy="0"/>
+        </a:xfrm>
+      </p:grpSpPr>
+      <p:sp>
+        <p:nvSpPr>
+          <p:cNvPr id="2" name="Title 1">
+            <a:extLst>
+              <a:ext uri="{FF2B5EF4-FFF2-40B4-BE49-F238E27FC236}">
+                <a16:creationId xmlns:a16="http://schemas.microsoft.com/office/drawing/2014/main" id="{6766FAA5-D3E9-6482-3707-4C00438F04BC}"/>
+              </a:ext>
+            </a:extLst>
+          </p:cNvPr>
+          <p:cNvSpPr>
+            <a:spLocks noGrp="1"/>
+          </p:cNvSpPr>
+          <p:nvPr>
+            <p:ph type="title"/>
+          </p:nvPr>
+        </p:nvSpPr>
+        <p:spPr>
+          <a:xfrm>
+            <a:off x="838200" y="365126"/>
+            <a:ext cx="10515600" cy="766558"/>
+          </a:xfrm>
+        </p:spPr>
+        <p:txBody>
+          <a:bodyPr>
+            <a:normAutofit/>
+          </a:bodyPr>
+          <a:lstStyle/>
+          <a:p>
+            <a:r>
+              <a:rPr lang="it-IT" sz="3200" dirty="0">
+                <a:latin typeface="+mn-lt"/>
+              </a:rPr>
+              <a:t>Classificazione</a:t>
+            </a:r>
+            <a:r>
+              <a:rPr lang="it-IT" sz="3200" noProof="0" dirty="0">
+                <a:latin typeface="+mn-lt"/>
+              </a:rPr>
+              <a:t> </a:t>
+            </a:r>
+            <a:r>
+              <a:rPr lang="it-IT" sz="3200" dirty="0">
+                <a:latin typeface="+mn-lt"/>
+              </a:rPr>
+              <a:t>Immagini – </a:t>
+            </a:r>
+            <a:r>
+              <a:rPr lang="it-IT" sz="3200" dirty="0" err="1">
+                <a:latin typeface="+mn-lt"/>
+              </a:rPr>
+              <a:t>Disease</a:t>
+            </a:r>
+            <a:r>
+              <a:rPr lang="it-IT" sz="3200" dirty="0">
+                <a:latin typeface="+mn-lt"/>
+              </a:rPr>
+              <a:t> </a:t>
+            </a:r>
+            <a:r>
+              <a:rPr lang="it-IT" sz="3200" dirty="0" err="1">
+                <a:latin typeface="+mn-lt"/>
+              </a:rPr>
+              <a:t>Detection</a:t>
+            </a:r>
+            <a:endParaRPr lang="it-IT" sz="3200" u="sng" noProof="0" dirty="0" err="1">
+              <a:latin typeface="+mn-lt"/>
+              <a:ea typeface="Calibri"/>
+              <a:cs typeface="Calibri"/>
+            </a:endParaRPr>
+          </a:p>
+        </p:txBody>
+      </p:sp>
+      <p:sp>
+        <p:nvSpPr>
+          <p:cNvPr id="4" name="TextBox 3">
+            <a:extLst>
+              <a:ext uri="{FF2B5EF4-FFF2-40B4-BE49-F238E27FC236}">
+                <a16:creationId xmlns:a16="http://schemas.microsoft.com/office/drawing/2014/main" id="{EE274042-2DA5-8ECA-978A-1B6103B656B3}"/>
+              </a:ext>
+            </a:extLst>
+          </p:cNvPr>
+          <p:cNvSpPr txBox="1"/>
+          <p:nvPr/>
+        </p:nvSpPr>
+        <p:spPr>
+          <a:xfrm>
+            <a:off x="722668" y="1134300"/>
+            <a:ext cx="10773623" cy="3016210"/>
+          </a:xfrm>
+          <a:prstGeom prst="rect">
+            <a:avLst/>
+          </a:prstGeom>
+          <a:noFill/>
+        </p:spPr>
+        <p:txBody>
+          <a:bodyPr wrap="square" lIns="91440" tIns="45720" rIns="91440" bIns="45720" rtlCol="0" anchor="t">
+            <a:spAutoFit/>
+          </a:bodyPr>
+          <a:lstStyle/>
+          <a:p>
+            <a:pPr marL="342900" indent="-342900">
+              <a:buFont typeface="Arial" panose="020B0604020202020204" pitchFamily="34" charset="0"/>
+              <a:buChar char="•"/>
+            </a:pPr>
+            <a:r>
+              <a:rPr lang="it-IT" sz="2000" dirty="0"/>
+              <a:t>Il modello è stato valutato su un set di validazione il 20% del dataset di addestramento</a:t>
+            </a:r>
+          </a:p>
+          <a:p>
+            <a:pPr marL="800100" lvl="1" indent="-342900">
+              <a:buFont typeface="Arial" panose="020B0604020202020204" pitchFamily="34" charset="0"/>
+              <a:buChar char="•"/>
+            </a:pPr>
+            <a:r>
+              <a:rPr lang="it-IT" dirty="0" err="1">
+                <a:ea typeface="Calibri"/>
+                <a:cs typeface="Calibri"/>
+              </a:rPr>
+              <a:t>Accuracy</a:t>
+            </a:r>
+            <a:r>
+              <a:rPr lang="it-IT" dirty="0">
+                <a:ea typeface="Calibri"/>
+                <a:cs typeface="Calibri"/>
+              </a:rPr>
+              <a:t> 98%</a:t>
+            </a:r>
+          </a:p>
+          <a:p>
+            <a:pPr marL="800100" lvl="1" indent="-342900">
+              <a:buFont typeface="Arial" panose="020B0604020202020204" pitchFamily="34" charset="0"/>
+              <a:buChar char="•"/>
+            </a:pPr>
+            <a:r>
+              <a:rPr lang="it-IT" dirty="0">
+                <a:ea typeface="Calibri"/>
+                <a:cs typeface="Calibri"/>
+              </a:rPr>
+              <a:t>Precision 97%</a:t>
+            </a:r>
+          </a:p>
+          <a:p>
+            <a:pPr marL="800100" lvl="1" indent="-342900">
+              <a:buFont typeface="Arial" panose="020B0604020202020204" pitchFamily="34" charset="0"/>
+              <a:buChar char="•"/>
+            </a:pPr>
+            <a:r>
+              <a:rPr lang="it-IT" dirty="0">
+                <a:ea typeface="Calibri"/>
+                <a:cs typeface="Calibri"/>
+              </a:rPr>
+              <a:t>Recall 97%</a:t>
+            </a:r>
+          </a:p>
+          <a:p>
+            <a:pPr marL="800100" lvl="1" indent="-342900">
+              <a:buFont typeface="Arial" panose="020B0604020202020204" pitchFamily="34" charset="0"/>
+              <a:buChar char="•"/>
+            </a:pPr>
+            <a:r>
+              <a:rPr lang="it-IT" dirty="0">
+                <a:ea typeface="Calibri"/>
+                <a:cs typeface="Calibri"/>
+              </a:rPr>
+              <a:t>F1 Score 96%</a:t>
+            </a:r>
+          </a:p>
+          <a:p>
+            <a:pPr marL="342900" indent="-342900">
+              <a:buFont typeface="Arial" panose="020B0604020202020204" pitchFamily="34" charset="0"/>
+              <a:buChar char="•"/>
+            </a:pPr>
+            <a:endParaRPr lang="it-IT" dirty="0">
+              <a:ea typeface="Calibri"/>
+              <a:cs typeface="Calibri"/>
+            </a:endParaRPr>
+          </a:p>
+          <a:p>
+            <a:pPr marL="342900" indent="-342900">
+              <a:buFont typeface="Arial" panose="020B0604020202020204" pitchFamily="34" charset="0"/>
+              <a:buChar char="•"/>
+            </a:pPr>
+            <a:r>
+              <a:rPr lang="it-IT" sz="2000" dirty="0">
+                <a:ea typeface="Calibri"/>
+                <a:cs typeface="Calibri"/>
+              </a:rPr>
+              <a:t>Se la matrice di confusione fa riferimento</a:t>
+            </a:r>
+            <a:br>
+              <a:rPr lang="it-IT" sz="2000" dirty="0">
+                <a:ea typeface="Calibri"/>
+                <a:cs typeface="Calibri"/>
+              </a:rPr>
+            </a:br>
+            <a:r>
+              <a:rPr lang="it-IT" sz="2000" dirty="0">
+                <a:ea typeface="Calibri"/>
+                <a:cs typeface="Calibri"/>
+              </a:rPr>
+              <a:t>alla validazione di sopra, il dataset di</a:t>
+            </a:r>
+            <a:br>
+              <a:rPr lang="it-IT" sz="2000" dirty="0">
+                <a:ea typeface="Calibri"/>
+                <a:cs typeface="Calibri"/>
+              </a:rPr>
+            </a:br>
+            <a:r>
+              <a:rPr lang="it-IT" sz="2000" dirty="0">
+                <a:ea typeface="Calibri"/>
+                <a:cs typeface="Calibri"/>
+              </a:rPr>
+              <a:t>addestramento è composto da</a:t>
+            </a:r>
+            <a:br>
+              <a:rPr lang="it-IT" sz="2000" dirty="0">
+                <a:ea typeface="Calibri"/>
+                <a:cs typeface="Calibri"/>
+              </a:rPr>
+            </a:br>
+            <a:r>
+              <a:rPr lang="it-IT" sz="2000" dirty="0">
+                <a:ea typeface="Calibri"/>
+                <a:cs typeface="Calibri"/>
+              </a:rPr>
+              <a:t>4578/0.2</a:t>
+            </a:r>
+            <a:r>
+              <a:rPr lang="it-IT" sz="2000" b="1" dirty="0">
+                <a:ea typeface="+mn-lt"/>
+                <a:cs typeface="+mn-lt"/>
+              </a:rPr>
+              <a:t>≈23k </a:t>
+            </a:r>
+            <a:r>
+              <a:rPr lang="it-IT" sz="2000" dirty="0">
+                <a:ea typeface="+mn-lt"/>
+                <a:cs typeface="+mn-lt"/>
+              </a:rPr>
+              <a:t>immagini</a:t>
+            </a:r>
+            <a:endParaRPr lang="it-IT" sz="2000" dirty="0">
+              <a:ea typeface="Calibri"/>
+              <a:cs typeface="Calibri"/>
+            </a:endParaRPr>
+          </a:p>
+        </p:txBody>
+      </p:sp>
+      <p:pic>
+        <p:nvPicPr>
+          <p:cNvPr id="3" name="Immagine 2" descr="disease_classification_metrics.png">
+            <a:extLst>
+              <a:ext uri="{FF2B5EF4-FFF2-40B4-BE49-F238E27FC236}">
+                <a16:creationId xmlns:a16="http://schemas.microsoft.com/office/drawing/2014/main" id="{874ECD65-1253-6E56-13CD-47F7B485E041}"/>
+              </a:ext>
+            </a:extLst>
+          </p:cNvPr>
+          <p:cNvPicPr>
+            <a:picLocks noChangeAspect="1"/>
+          </p:cNvPicPr>
+          <p:nvPr/>
+        </p:nvPicPr>
+        <p:blipFill>
+          <a:blip r:embed="rId2"/>
+          <a:stretch>
+            <a:fillRect/>
+          </a:stretch>
+        </p:blipFill>
+        <p:spPr>
+          <a:xfrm>
+            <a:off x="5770880" y="1613366"/>
+            <a:ext cx="6187439" cy="5114628"/>
+          </a:xfrm>
+          <a:prstGeom prst="rect">
+            <a:avLst/>
+          </a:prstGeom>
+          <a:solidFill>
+            <a:srgbClr val="FFFFFF">
+              <a:shade val="85000"/>
+            </a:srgbClr>
+          </a:solidFill>
+          <a:ln w="88900" cap="sq">
+            <a:solidFill>
+              <a:srgbClr val="FFFFFF"/>
+            </a:solidFill>
+            <a:miter lim="800000"/>
+          </a:ln>
+          <a:effectLst>
+            <a:outerShdw blurRad="55000" dist="18000" dir="5400000" algn="tl" rotWithShape="0">
+              <a:srgbClr val="000000">
+                <a:alpha val="40000"/>
+              </a:srgbClr>
+            </a:outerShdw>
+          </a:effectLst>
+          <a:scene3d>
+            <a:camera prst="orthographicFront"/>
+            <a:lightRig rig="twoPt" dir="t">
+              <a:rot lat="0" lon="0" rev="7200000"/>
+            </a:lightRig>
+          </a:scene3d>
+          <a:sp3d>
+            <a:bevelT w="25400" h="19050"/>
+            <a:contourClr>
+              <a:srgbClr val="FFFFFF"/>
+            </a:contourClr>
+          </a:sp3d>
+        </p:spPr>
+      </p:pic>
+    </p:spTree>
+    <p:extLst>
+      <p:ext uri="{BB962C8B-B14F-4D97-AF65-F5344CB8AC3E}">
+        <p14:creationId xmlns:p14="http://schemas.microsoft.com/office/powerpoint/2010/main" val="897017627"/>
+      </p:ext>
+    </p:extLst>
+  </p:cSld>
+  <p:clrMapOvr>
+    <a:masterClrMapping/>
+  </p:clrMapOvr>
+</p:sld>
+</file>
+
+<file path=ppt/slides/slide19.xml><?xml version="1.0" encoding="utf-8"?>
+<p:sld xmlns:a="http://schemas.openxmlformats.org/drawingml/2006/main" xmlns:r="http://schemas.openxmlformats.org/officeDocument/2006/relationships" xmlns:p="http://schemas.openxmlformats.org/presentationml/2006/main">
+  <p:cSld>
+    <p:spTree>
+      <p:nvGrpSpPr>
+        <p:cNvPr id="1" name="">
+          <a:extLst>
+            <a:ext uri="{FF2B5EF4-FFF2-40B4-BE49-F238E27FC236}">
+              <a16:creationId xmlns:a16="http://schemas.microsoft.com/office/drawing/2014/main" id="{10094B5F-FC11-2960-4AE9-7FF838676F9A}"/>
+            </a:ext>
+          </a:extLst>
+        </p:cNvPr>
+        <p:cNvGrpSpPr/>
+        <p:nvPr/>
+      </p:nvGrpSpPr>
+      <p:grpSpPr>
+        <a:xfrm>
+          <a:off x="0" y="0"/>
+          <a:ext cx="0" cy="0"/>
+          <a:chOff x="0" y="0"/>
+          <a:chExt cx="0" cy="0"/>
+        </a:xfrm>
+      </p:grpSpPr>
+      <p:sp>
+        <p:nvSpPr>
+          <p:cNvPr id="2" name="Title 1">
+            <a:extLst>
+              <a:ext uri="{FF2B5EF4-FFF2-40B4-BE49-F238E27FC236}">
+                <a16:creationId xmlns:a16="http://schemas.microsoft.com/office/drawing/2014/main" id="{14C2CB3A-9C14-55BF-3B69-B694827BCFB8}"/>
+              </a:ext>
+            </a:extLst>
+          </p:cNvPr>
+          <p:cNvSpPr>
+            <a:spLocks noGrp="1"/>
+          </p:cNvSpPr>
+          <p:nvPr>
+            <p:ph type="title"/>
+          </p:nvPr>
+        </p:nvSpPr>
+        <p:spPr>
+          <a:xfrm>
+            <a:off x="838200" y="365126"/>
+            <a:ext cx="10515600" cy="766558"/>
+          </a:xfrm>
+        </p:spPr>
+        <p:txBody>
+          <a:bodyPr>
+            <a:normAutofit/>
+          </a:bodyPr>
+          <a:lstStyle/>
+          <a:p>
+            <a:r>
+              <a:rPr lang="it-IT" sz="3200" dirty="0">
+                <a:latin typeface="+mn-lt"/>
+              </a:rPr>
+              <a:t>Remote Sensing – </a:t>
+            </a:r>
+            <a:r>
+              <a:rPr lang="it-IT" sz="3200" dirty="0" err="1">
+                <a:latin typeface="+mn-lt"/>
+              </a:rPr>
+              <a:t>AdaptLLM</a:t>
+            </a:r>
+            <a:endParaRPr lang="it-IT" sz="3200" u="sng" noProof="0" dirty="0" err="1">
+              <a:latin typeface="+mn-lt"/>
+              <a:ea typeface="Calibri"/>
+              <a:cs typeface="Calibri"/>
+            </a:endParaRPr>
+          </a:p>
+        </p:txBody>
+      </p:sp>
+      <p:sp>
+        <p:nvSpPr>
+          <p:cNvPr id="4" name="TextBox 3">
+            <a:extLst>
+              <a:ext uri="{FF2B5EF4-FFF2-40B4-BE49-F238E27FC236}">
+                <a16:creationId xmlns:a16="http://schemas.microsoft.com/office/drawing/2014/main" id="{B5D615C6-C4D4-A9C8-F3BA-0D701DED08E5}"/>
+              </a:ext>
+            </a:extLst>
+          </p:cNvPr>
+          <p:cNvSpPr txBox="1"/>
+          <p:nvPr/>
+        </p:nvSpPr>
+        <p:spPr>
+          <a:xfrm>
+            <a:off x="986828" y="1276540"/>
+            <a:ext cx="10773623" cy="2985433"/>
+          </a:xfrm>
+          <a:prstGeom prst="rect">
+            <a:avLst/>
+          </a:prstGeom>
+          <a:noFill/>
+        </p:spPr>
+        <p:txBody>
+          <a:bodyPr wrap="square" lIns="91440" tIns="45720" rIns="91440" bIns="45720" rtlCol="0" anchor="t">
+            <a:spAutoFit/>
+          </a:bodyPr>
+          <a:lstStyle/>
+          <a:p>
+            <a:pPr marL="342900" indent="-342900">
+              <a:buFont typeface="Arial" panose="020B0604020202020204" pitchFamily="34" charset="0"/>
+              <a:buChar char="•"/>
+            </a:pPr>
+            <a:r>
+              <a:rPr lang="it-IT" sz="2000" dirty="0">
+                <a:ea typeface="Calibri"/>
+                <a:cs typeface="Calibri"/>
+              </a:rPr>
+              <a:t>Progetto di ricerca atto ad adattare LLM Multimodali a campi specifici</a:t>
+            </a:r>
+          </a:p>
+          <a:p>
+            <a:pPr marL="342900" indent="-342900">
+              <a:buFont typeface="Arial" panose="020B0604020202020204" pitchFamily="34" charset="0"/>
+              <a:buChar char="•"/>
+            </a:pPr>
+            <a:r>
+              <a:rPr lang="it-IT" sz="2000" dirty="0">
+                <a:ea typeface="Calibri"/>
+                <a:cs typeface="Calibri"/>
+              </a:rPr>
+              <a:t>L'output finale è la classificazione + una giustificazione (in linguaggio naturale) che supporta la classe scelta</a:t>
+            </a:r>
+          </a:p>
+          <a:p>
+            <a:pPr marL="342900" indent="-342900">
+              <a:buFont typeface="Arial" panose="020B0604020202020204" pitchFamily="34" charset="0"/>
+              <a:buChar char="•"/>
+            </a:pPr>
+            <a:r>
+              <a:rPr lang="it-IT" sz="2000" dirty="0">
+                <a:ea typeface="Calibri"/>
+                <a:cs typeface="Calibri"/>
+              </a:rPr>
+              <a:t>Procedimento (ad alto livello):</a:t>
+            </a:r>
+          </a:p>
+          <a:p>
+            <a:pPr marL="800100" lvl="1" indent="-342900">
+              <a:buFont typeface="Arial" panose="020B0604020202020204" pitchFamily="34" charset="0"/>
+              <a:buChar char="•"/>
+            </a:pPr>
+            <a:r>
+              <a:rPr lang="it-IT" dirty="0">
+                <a:ea typeface="Calibri"/>
+                <a:cs typeface="Calibri"/>
+              </a:rPr>
+              <a:t>Ad un primo modello (sintetizzatore) viene fornita una coppia immagine-descrizione, più alcune triplette che contengono un istruzione ("classifica questa immagine in base al suo dominio"), una risposta precisa ("dipinto") ed una giustificazione alla risposta ("l'immagine contiene un quadro..."); il sintetizzatore viene addestrato a generare più triplette</a:t>
+            </a:r>
+          </a:p>
+          <a:p>
+            <a:pPr marL="800100" lvl="1" indent="-342900">
+              <a:buFont typeface="Arial" panose="020B0604020202020204" pitchFamily="34" charset="0"/>
+              <a:buChar char="•"/>
+            </a:pPr>
+            <a:r>
+              <a:rPr lang="it-IT" dirty="0">
+                <a:ea typeface="Calibri"/>
+                <a:cs typeface="Calibri"/>
+              </a:rPr>
+              <a:t>Il sintetizzatore viene valutato da un LLM terzo che verifica le triplette generate siano consistenti</a:t>
+            </a:r>
+          </a:p>
+          <a:p>
+            <a:pPr marL="800100" lvl="1" indent="-342900">
+              <a:buFont typeface="Arial" panose="020B0604020202020204" pitchFamily="34" charset="0"/>
+              <a:buChar char="•"/>
+            </a:pPr>
+            <a:r>
+              <a:rPr lang="it-IT" dirty="0">
+                <a:ea typeface="Calibri"/>
+                <a:cs typeface="Calibri"/>
+              </a:rPr>
+              <a:t>Le triplette consistenti vengono utilizzate per adattare l'MLLM al campo d'interesse</a:t>
+            </a:r>
+          </a:p>
+        </p:txBody>
+      </p:sp>
+    </p:spTree>
+    <p:extLst>
+      <p:ext uri="{BB962C8B-B14F-4D97-AF65-F5344CB8AC3E}">
+        <p14:creationId xmlns:p14="http://schemas.microsoft.com/office/powerpoint/2010/main" val="1008624984"/>
       </p:ext>
     </p:extLst>
   </p:cSld>
@@ -6262,6 +7433,3005 @@
     <p:extLst>
       <p:ext uri="{BB962C8B-B14F-4D97-AF65-F5344CB8AC3E}">
         <p14:creationId xmlns:p14="http://schemas.microsoft.com/office/powerpoint/2010/main" val="2967086791"/>
+      </p:ext>
+    </p:extLst>
+  </p:cSld>
+  <p:clrMapOvr>
+    <a:masterClrMapping/>
+  </p:clrMapOvr>
+</p:sld>
+</file>
+
+<file path=ppt/slides/slide20.xml><?xml version="1.0" encoding="utf-8"?>
+<p:sld xmlns:a="http://schemas.openxmlformats.org/drawingml/2006/main" xmlns:r="http://schemas.openxmlformats.org/officeDocument/2006/relationships" xmlns:p="http://schemas.openxmlformats.org/presentationml/2006/main">
+  <p:cSld>
+    <p:spTree>
+      <p:nvGrpSpPr>
+        <p:cNvPr id="1" name="">
+          <a:extLst>
+            <a:ext uri="{FF2B5EF4-FFF2-40B4-BE49-F238E27FC236}">
+              <a16:creationId xmlns:a16="http://schemas.microsoft.com/office/drawing/2014/main" id="{1AB112A2-8763-F0F2-3612-1F7122252386}"/>
+            </a:ext>
+          </a:extLst>
+        </p:cNvPr>
+        <p:cNvGrpSpPr/>
+        <p:nvPr/>
+      </p:nvGrpSpPr>
+      <p:grpSpPr>
+        <a:xfrm>
+          <a:off x="0" y="0"/>
+          <a:ext cx="0" cy="0"/>
+          <a:chOff x="0" y="0"/>
+          <a:chExt cx="0" cy="0"/>
+        </a:xfrm>
+      </p:grpSpPr>
+      <p:sp>
+        <p:nvSpPr>
+          <p:cNvPr id="2" name="Title 1">
+            <a:extLst>
+              <a:ext uri="{FF2B5EF4-FFF2-40B4-BE49-F238E27FC236}">
+                <a16:creationId xmlns:a16="http://schemas.microsoft.com/office/drawing/2014/main" id="{55755E54-3EEA-2127-F1B4-50424444C46F}"/>
+              </a:ext>
+            </a:extLst>
+          </p:cNvPr>
+          <p:cNvSpPr>
+            <a:spLocks noGrp="1"/>
+          </p:cNvSpPr>
+          <p:nvPr>
+            <p:ph type="title"/>
+          </p:nvPr>
+        </p:nvSpPr>
+        <p:spPr>
+          <a:xfrm>
+            <a:off x="838200" y="365126"/>
+            <a:ext cx="10515600" cy="766558"/>
+          </a:xfrm>
+        </p:spPr>
+        <p:txBody>
+          <a:bodyPr>
+            <a:normAutofit/>
+          </a:bodyPr>
+          <a:lstStyle/>
+          <a:p>
+            <a:r>
+              <a:rPr lang="it-IT" sz="3200" dirty="0">
+                <a:latin typeface="+mn-lt"/>
+              </a:rPr>
+              <a:t>Remote Sensing – </a:t>
+            </a:r>
+            <a:r>
+              <a:rPr lang="it-IT" sz="3200" dirty="0" err="1">
+                <a:latin typeface="+mn-lt"/>
+              </a:rPr>
+              <a:t>AdaptLLM</a:t>
+            </a:r>
+            <a:endParaRPr lang="it-IT" sz="3200" u="sng" noProof="0" dirty="0" err="1">
+              <a:latin typeface="+mn-lt"/>
+              <a:ea typeface="Calibri"/>
+              <a:cs typeface="Calibri"/>
+            </a:endParaRPr>
+          </a:p>
+        </p:txBody>
+      </p:sp>
+      <p:sp>
+        <p:nvSpPr>
+          <p:cNvPr id="4" name="TextBox 3">
+            <a:extLst>
+              <a:ext uri="{FF2B5EF4-FFF2-40B4-BE49-F238E27FC236}">
+                <a16:creationId xmlns:a16="http://schemas.microsoft.com/office/drawing/2014/main" id="{F9589320-CF14-6B24-982E-F2398196E5A5}"/>
+              </a:ext>
+            </a:extLst>
+          </p:cNvPr>
+          <p:cNvSpPr txBox="1"/>
+          <p:nvPr/>
+        </p:nvSpPr>
+        <p:spPr>
+          <a:xfrm>
+            <a:off x="986828" y="1276540"/>
+            <a:ext cx="10773623" cy="4001095"/>
+          </a:xfrm>
+          <a:prstGeom prst="rect">
+            <a:avLst/>
+          </a:prstGeom>
+          <a:noFill/>
+        </p:spPr>
+        <p:txBody>
+          <a:bodyPr wrap="square" lIns="91440" tIns="45720" rIns="91440" bIns="45720" rtlCol="0" anchor="t">
+            <a:spAutoFit/>
+          </a:bodyPr>
+          <a:lstStyle/>
+          <a:p>
+            <a:pPr marL="342900" indent="-342900">
+              <a:buFont typeface="Arial"/>
+              <a:buChar char="•"/>
+            </a:pPr>
+            <a:r>
+              <a:rPr lang="it-IT" sz="2000" dirty="0">
+                <a:ea typeface="Calibri"/>
+                <a:cs typeface="Calibri"/>
+              </a:rPr>
+              <a:t>Metodo testato su tre campi: biomedicina, "food", remote sensing</a:t>
+            </a:r>
+          </a:p>
+          <a:p>
+            <a:pPr marL="742950" lvl="1" indent="-285750">
+              <a:buFont typeface="Arial"/>
+              <a:buChar char="•"/>
+            </a:pPr>
+            <a:r>
+              <a:rPr lang="it-IT" dirty="0">
+                <a:ea typeface="Calibri"/>
+                <a:cs typeface="Calibri"/>
+              </a:rPr>
+              <a:t>A noi interessa il remote sensing</a:t>
+            </a:r>
+          </a:p>
+          <a:p>
+            <a:pPr marL="342900" indent="-342900">
+              <a:buFont typeface="Arial"/>
+              <a:buChar char="•"/>
+            </a:pPr>
+            <a:r>
+              <a:rPr lang="it-IT" sz="2000" dirty="0">
+                <a:ea typeface="+mn-lt"/>
+                <a:cs typeface="+mn-lt"/>
+              </a:rPr>
+              <a:t>LLaVa-v1.6-8B usato come sintetizzatore, Llama-3-8B come "valutatore"</a:t>
+            </a:r>
+          </a:p>
+          <a:p>
+            <a:pPr marL="342900" indent="-342900">
+              <a:buFont typeface="Arial"/>
+              <a:buChar char="•"/>
+            </a:pPr>
+            <a:r>
+              <a:rPr lang="it-IT" sz="2000" dirty="0">
+                <a:ea typeface="+mn-lt"/>
+                <a:cs typeface="+mn-lt"/>
+              </a:rPr>
+              <a:t>Gli MLLM addestrati sono tre: LLaVA-v1.6-8B, Qwen2-VL-2B e Llama-3.2-11B</a:t>
+            </a:r>
+          </a:p>
+          <a:p>
+            <a:pPr marL="800100" lvl="1" indent="-342900">
+              <a:buFont typeface="Arial"/>
+              <a:buChar char="•"/>
+            </a:pPr>
+            <a:r>
+              <a:rPr lang="it-IT" dirty="0">
+                <a:ea typeface="+mn-lt"/>
+                <a:cs typeface="+mn-lt"/>
+              </a:rPr>
+              <a:t>Il modello basato su Llama non è stato recuperato perché &lt;100 downloads</a:t>
+            </a:r>
+          </a:p>
+          <a:p>
+            <a:endParaRPr lang="it-IT" dirty="0">
+              <a:ea typeface="+mn-lt"/>
+              <a:cs typeface="+mn-lt"/>
+            </a:endParaRPr>
+          </a:p>
+          <a:p>
+            <a:pPr marL="285750" indent="-285750">
+              <a:buFont typeface="Arial"/>
+              <a:buChar char="•"/>
+            </a:pPr>
+            <a:r>
+              <a:rPr lang="it-IT" sz="2000" dirty="0">
+                <a:ea typeface="+mn-lt"/>
+                <a:cs typeface="+mn-lt"/>
+              </a:rPr>
+              <a:t>Le immagini usate per l'addestramento sono immagini di droni generiche non rilevanti al precision farming</a:t>
+            </a:r>
+          </a:p>
+          <a:p>
+            <a:pPr marL="285750" indent="-285750">
+              <a:buFont typeface="Arial"/>
+              <a:buChar char="•"/>
+            </a:pPr>
+            <a:r>
+              <a:rPr lang="it-IT" sz="2000" dirty="0">
+                <a:ea typeface="+mn-lt"/>
+                <a:cs typeface="+mn-lt"/>
+              </a:rPr>
+              <a:t>Licenza BIGAI: contattare gli autori prima dell'utilizzo</a:t>
+            </a:r>
+          </a:p>
+          <a:p>
+            <a:pPr marL="285750" indent="-285750">
+              <a:buFont typeface="Arial"/>
+              <a:buChar char="•"/>
+            </a:pPr>
+            <a:endParaRPr lang="it-IT" sz="2000" dirty="0">
+              <a:ea typeface="+mn-lt"/>
+              <a:cs typeface="+mn-lt"/>
+            </a:endParaRPr>
+          </a:p>
+          <a:p>
+            <a:pPr marL="285750" indent="-285750">
+              <a:buFont typeface="Arial"/>
+              <a:buChar char="•"/>
+            </a:pPr>
+            <a:endParaRPr lang="it-IT" sz="2000" dirty="0">
+              <a:ea typeface="+mn-lt"/>
+              <a:cs typeface="+mn-lt"/>
+            </a:endParaRPr>
+          </a:p>
+          <a:p>
+            <a:r>
+              <a:rPr lang="it-IT" sz="2000" dirty="0">
+                <a:ea typeface="+mn-lt"/>
+                <a:cs typeface="+mn-lt"/>
+              </a:rPr>
+              <a:t>Questi modelli potrebbero essere utili per tenere traccia dello stato di campi; fine-tuning (o addestramento da zero) potrebbe essere necessario.</a:t>
+            </a:r>
+          </a:p>
+        </p:txBody>
+      </p:sp>
+    </p:spTree>
+    <p:extLst>
+      <p:ext uri="{BB962C8B-B14F-4D97-AF65-F5344CB8AC3E}">
+        <p14:creationId xmlns:p14="http://schemas.microsoft.com/office/powerpoint/2010/main" val="2384365899"/>
+      </p:ext>
+    </p:extLst>
+  </p:cSld>
+  <p:clrMapOvr>
+    <a:masterClrMapping/>
+  </p:clrMapOvr>
+</p:sld>
+</file>
+
+<file path=ppt/slides/slide21.xml><?xml version="1.0" encoding="utf-8"?>
+<p:sld xmlns:a="http://schemas.openxmlformats.org/drawingml/2006/main" xmlns:r="http://schemas.openxmlformats.org/officeDocument/2006/relationships" xmlns:p="http://schemas.openxmlformats.org/presentationml/2006/main">
+  <p:cSld>
+    <p:spTree>
+      <p:nvGrpSpPr>
+        <p:cNvPr id="1" name="">
+          <a:extLst>
+            <a:ext uri="{FF2B5EF4-FFF2-40B4-BE49-F238E27FC236}">
+              <a16:creationId xmlns:a16="http://schemas.microsoft.com/office/drawing/2014/main" id="{EF36FFD9-F906-A210-E4B6-142B0F0A3ED6}"/>
+            </a:ext>
+          </a:extLst>
+        </p:cNvPr>
+        <p:cNvGrpSpPr/>
+        <p:nvPr/>
+      </p:nvGrpSpPr>
+      <p:grpSpPr>
+        <a:xfrm>
+          <a:off x="0" y="0"/>
+          <a:ext cx="0" cy="0"/>
+          <a:chOff x="0" y="0"/>
+          <a:chExt cx="0" cy="0"/>
+        </a:xfrm>
+      </p:grpSpPr>
+      <p:sp>
+        <p:nvSpPr>
+          <p:cNvPr id="2" name="Title 1">
+            <a:extLst>
+              <a:ext uri="{FF2B5EF4-FFF2-40B4-BE49-F238E27FC236}">
+                <a16:creationId xmlns:a16="http://schemas.microsoft.com/office/drawing/2014/main" id="{4449B6E3-EFAF-E58A-B352-1835DD1D4738}"/>
+              </a:ext>
+            </a:extLst>
+          </p:cNvPr>
+          <p:cNvSpPr>
+            <a:spLocks noGrp="1"/>
+          </p:cNvSpPr>
+          <p:nvPr>
+            <p:ph type="title"/>
+          </p:nvPr>
+        </p:nvSpPr>
+        <p:spPr>
+          <a:xfrm>
+            <a:off x="670932" y="179272"/>
+            <a:ext cx="10515600" cy="766558"/>
+          </a:xfrm>
+        </p:spPr>
+        <p:txBody>
+          <a:bodyPr>
+            <a:normAutofit/>
+          </a:bodyPr>
+          <a:lstStyle/>
+          <a:p>
+            <a:r>
+              <a:rPr lang="it-IT" sz="3200" dirty="0">
+                <a:latin typeface="+mn-lt"/>
+              </a:rPr>
+              <a:t>Chatbot Assistant – </a:t>
+            </a:r>
+            <a:r>
+              <a:rPr lang="it-IT" sz="3200" dirty="0" err="1">
+                <a:latin typeface="+mn-lt"/>
+              </a:rPr>
+              <a:t>CropSeek</a:t>
+            </a:r>
+            <a:r>
+              <a:rPr lang="it-IT" sz="3200" dirty="0">
+                <a:latin typeface="+mn-lt"/>
+              </a:rPr>
+              <a:t> LLM</a:t>
+            </a:r>
+            <a:endParaRPr lang="it-IT" sz="3200" u="sng" noProof="0" dirty="0" err="1">
+              <a:latin typeface="+mn-lt"/>
+              <a:ea typeface="Calibri"/>
+              <a:cs typeface="Calibri"/>
+            </a:endParaRPr>
+          </a:p>
+        </p:txBody>
+      </p:sp>
+      <p:sp>
+        <p:nvSpPr>
+          <p:cNvPr id="4" name="TextBox 3">
+            <a:extLst>
+              <a:ext uri="{FF2B5EF4-FFF2-40B4-BE49-F238E27FC236}">
+                <a16:creationId xmlns:a16="http://schemas.microsoft.com/office/drawing/2014/main" id="{D07ECAB6-D7C9-5AED-94C9-6A77CDD297E5}"/>
+              </a:ext>
+            </a:extLst>
+          </p:cNvPr>
+          <p:cNvSpPr txBox="1"/>
+          <p:nvPr/>
+        </p:nvSpPr>
+        <p:spPr>
+          <a:xfrm>
+            <a:off x="931072" y="867662"/>
+            <a:ext cx="10773623" cy="3016210"/>
+          </a:xfrm>
+          <a:prstGeom prst="rect">
+            <a:avLst/>
+          </a:prstGeom>
+          <a:noFill/>
+        </p:spPr>
+        <p:txBody>
+          <a:bodyPr wrap="square" lIns="91440" tIns="45720" rIns="91440" bIns="45720" rtlCol="0" anchor="t">
+            <a:spAutoFit/>
+          </a:bodyPr>
+          <a:lstStyle/>
+          <a:p>
+            <a:pPr marL="342900" indent="-342900">
+              <a:buFont typeface="Arial"/>
+              <a:buChar char="•"/>
+            </a:pPr>
+            <a:r>
+              <a:rPr lang="it-IT" sz="2000" dirty="0">
+                <a:ea typeface="+mn-lt"/>
+                <a:cs typeface="+mn-lt"/>
+              </a:rPr>
+              <a:t>Fine-tuning di </a:t>
+            </a:r>
+            <a:r>
+              <a:rPr lang="it-IT" sz="2000" dirty="0">
+                <a:latin typeface="Calibri"/>
+                <a:ea typeface="+mn-lt"/>
+                <a:cs typeface="+mn-lt"/>
+              </a:rPr>
+              <a:t>DeepSeek-R1-Distill-Qwen-7B</a:t>
+            </a:r>
+          </a:p>
+          <a:p>
+            <a:pPr marL="342900" indent="-342900">
+              <a:buFont typeface="Arial"/>
+              <a:buChar char="•"/>
+            </a:pPr>
+            <a:r>
+              <a:rPr lang="it-IT" sz="2000" dirty="0">
+                <a:latin typeface="Calibri"/>
+                <a:ea typeface="+mn-lt"/>
+                <a:cs typeface="+mn-lt"/>
+              </a:rPr>
+              <a:t>Risponde a domande relative a "</a:t>
+            </a:r>
+            <a:r>
+              <a:rPr lang="it-IT" sz="2000" dirty="0" err="1">
+                <a:latin typeface="Calibri"/>
+                <a:ea typeface="+mn-lt"/>
+                <a:cs typeface="+mn-lt"/>
+              </a:rPr>
+              <a:t>crop</a:t>
+            </a:r>
+            <a:r>
+              <a:rPr lang="it-IT" sz="2000" dirty="0">
+                <a:latin typeface="Calibri"/>
+                <a:ea typeface="+mn-lt"/>
+                <a:cs typeface="+mn-lt"/>
+              </a:rPr>
+              <a:t> </a:t>
+            </a:r>
+            <a:r>
+              <a:rPr lang="it-IT" sz="2000" dirty="0" err="1">
+                <a:latin typeface="Calibri"/>
+                <a:ea typeface="+mn-lt"/>
+                <a:cs typeface="+mn-lt"/>
+              </a:rPr>
+              <a:t>otimization</a:t>
+            </a:r>
+            <a:r>
+              <a:rPr lang="it-IT" sz="2000" dirty="0">
+                <a:latin typeface="Calibri"/>
+                <a:ea typeface="+mn-lt"/>
+                <a:cs typeface="+mn-lt"/>
+              </a:rPr>
+              <a:t>"</a:t>
+            </a:r>
+          </a:p>
+          <a:p>
+            <a:pPr marL="342900" indent="-342900">
+              <a:buFont typeface="Arial"/>
+              <a:buChar char="•"/>
+            </a:pPr>
+            <a:endParaRPr lang="it-IT" sz="2000" dirty="0">
+              <a:latin typeface="Calibri"/>
+              <a:ea typeface="+mn-lt"/>
+              <a:cs typeface="+mn-lt"/>
+            </a:endParaRPr>
+          </a:p>
+          <a:p>
+            <a:pPr marL="342900" indent="-342900">
+              <a:buFont typeface="Arial"/>
+              <a:buChar char="•"/>
+            </a:pPr>
+            <a:r>
+              <a:rPr lang="it-IT" sz="2000" dirty="0">
+                <a:latin typeface="Calibri"/>
+                <a:ea typeface="+mn-lt"/>
+                <a:cs typeface="+mn-lt"/>
+              </a:rPr>
+              <a:t>Dataset di fine-tuning molto limitato</a:t>
+            </a:r>
+          </a:p>
+          <a:p>
+            <a:pPr marL="800100" lvl="1" indent="-342900">
+              <a:buFont typeface="Arial"/>
+              <a:buChar char="•"/>
+            </a:pPr>
+            <a:r>
+              <a:rPr lang="it-IT" dirty="0">
+                <a:latin typeface="Calibri"/>
+                <a:ea typeface="+mn-lt"/>
+                <a:cs typeface="+mn-lt"/>
+              </a:rPr>
+              <a:t>40 coppie domanda-risposta</a:t>
+            </a:r>
+          </a:p>
+          <a:p>
+            <a:pPr marL="800100" lvl="1" indent="-342900">
+              <a:buFont typeface="Arial"/>
+              <a:buChar char="•"/>
+            </a:pPr>
+            <a:r>
+              <a:rPr lang="it-IT" dirty="0">
+                <a:latin typeface="Calibri"/>
+                <a:ea typeface="+mn-lt"/>
+                <a:cs typeface="+mn-lt"/>
+              </a:rPr>
+              <a:t>4 colture considerate: </a:t>
+            </a:r>
+            <a:r>
+              <a:rPr lang="it-IT" dirty="0">
+                <a:ea typeface="+mn-lt"/>
+                <a:cs typeface="+mn-lt"/>
+              </a:rPr>
+              <a:t>Green Peppers, Jam </a:t>
+            </a:r>
+            <a:r>
+              <a:rPr lang="it-IT" dirty="0" err="1">
+                <a:ea typeface="+mn-lt"/>
+                <a:cs typeface="+mn-lt"/>
+              </a:rPr>
+              <a:t>Tomatoes</a:t>
+            </a:r>
+            <a:r>
+              <a:rPr lang="it-IT" dirty="0">
+                <a:ea typeface="+mn-lt"/>
+                <a:cs typeface="+mn-lt"/>
+              </a:rPr>
+              <a:t>, </a:t>
+            </a:r>
+            <a:r>
+              <a:rPr lang="it-IT" dirty="0" err="1">
+                <a:ea typeface="+mn-lt"/>
+                <a:cs typeface="+mn-lt"/>
+              </a:rPr>
+              <a:t>Cabbage</a:t>
+            </a:r>
+            <a:r>
+              <a:rPr lang="it-IT" dirty="0">
+                <a:ea typeface="+mn-lt"/>
+                <a:cs typeface="+mn-lt"/>
+              </a:rPr>
+              <a:t> and Marigold Flowers</a:t>
+            </a:r>
+          </a:p>
+          <a:p>
+            <a:pPr marL="800100" lvl="1" indent="-342900">
+              <a:buFont typeface="Arial"/>
+              <a:buChar char="•"/>
+            </a:pPr>
+            <a:r>
+              <a:rPr lang="it-IT" dirty="0">
+                <a:latin typeface="Calibri"/>
+                <a:ea typeface="+mn-lt"/>
+                <a:cs typeface="+mn-lt"/>
+              </a:rPr>
+              <a:t>10 coppie per coltura</a:t>
+            </a:r>
+          </a:p>
+          <a:p>
+            <a:pPr marL="800100" lvl="1" indent="-342900">
+              <a:buFont typeface="Arial"/>
+              <a:buChar char="•"/>
+            </a:pPr>
+            <a:endParaRPr lang="it-IT" dirty="0">
+              <a:latin typeface="Calibri"/>
+              <a:ea typeface="+mn-lt"/>
+              <a:cs typeface="+mn-lt"/>
+            </a:endParaRPr>
+          </a:p>
+          <a:p>
+            <a:pPr marL="342900" indent="-342900">
+              <a:buFont typeface="Arial"/>
+              <a:buChar char="•"/>
+            </a:pPr>
+            <a:r>
+              <a:rPr lang="it-IT" sz="2000" dirty="0">
+                <a:latin typeface="Calibri"/>
+                <a:ea typeface="+mn-lt"/>
+                <a:cs typeface="+mn-lt"/>
+              </a:rPr>
+              <a:t>Licenza </a:t>
+            </a:r>
+            <a:r>
+              <a:rPr lang="it-IT" sz="2000" dirty="0">
+                <a:ea typeface="+mn-lt"/>
+                <a:cs typeface="+mn-lt"/>
+              </a:rPr>
+              <a:t>DARJYO v1.0, proibisce gli usi commerciali</a:t>
+            </a:r>
+          </a:p>
+          <a:p>
+            <a:endParaRPr lang="it-IT" dirty="0">
+              <a:latin typeface="Calibri"/>
+              <a:ea typeface="+mn-lt"/>
+              <a:cs typeface="+mn-lt"/>
+            </a:endParaRPr>
+          </a:p>
+        </p:txBody>
+      </p:sp>
+      <p:pic>
+        <p:nvPicPr>
+          <p:cNvPr id="3" name="Immagine 2">
+            <a:extLst>
+              <a:ext uri="{FF2B5EF4-FFF2-40B4-BE49-F238E27FC236}">
+                <a16:creationId xmlns:a16="http://schemas.microsoft.com/office/drawing/2014/main" id="{3B2E9FAB-833A-6860-BBA4-66D54FF852E3}"/>
+              </a:ext>
+            </a:extLst>
+          </p:cNvPr>
+          <p:cNvPicPr>
+            <a:picLocks noChangeAspect="1"/>
+          </p:cNvPicPr>
+          <p:nvPr/>
+        </p:nvPicPr>
+        <p:blipFill>
+          <a:blip r:embed="rId2"/>
+          <a:stretch>
+            <a:fillRect/>
+          </a:stretch>
+        </p:blipFill>
+        <p:spPr>
+          <a:xfrm>
+            <a:off x="4098073" y="3613579"/>
+            <a:ext cx="8010293" cy="3162060"/>
+          </a:xfrm>
+          <a:prstGeom prst="rect">
+            <a:avLst/>
+          </a:prstGeom>
+        </p:spPr>
+      </p:pic>
+    </p:spTree>
+    <p:extLst>
+      <p:ext uri="{BB962C8B-B14F-4D97-AF65-F5344CB8AC3E}">
+        <p14:creationId xmlns:p14="http://schemas.microsoft.com/office/powerpoint/2010/main" val="1206454744"/>
+      </p:ext>
+    </p:extLst>
+  </p:cSld>
+  <p:clrMapOvr>
+    <a:masterClrMapping/>
+  </p:clrMapOvr>
+</p:sld>
+</file>
+
+<file path=ppt/slides/slide22.xml><?xml version="1.0" encoding="utf-8"?>
+<p:sld xmlns:a="http://schemas.openxmlformats.org/drawingml/2006/main" xmlns:r="http://schemas.openxmlformats.org/officeDocument/2006/relationships" xmlns:p="http://schemas.openxmlformats.org/presentationml/2006/main">
+  <p:cSld>
+    <p:spTree>
+      <p:nvGrpSpPr>
+        <p:cNvPr id="1" name="">
+          <a:extLst>
+            <a:ext uri="{FF2B5EF4-FFF2-40B4-BE49-F238E27FC236}">
+              <a16:creationId xmlns:a16="http://schemas.microsoft.com/office/drawing/2014/main" id="{26FACDEF-6D9A-D394-0BAB-EE7842EFA977}"/>
+            </a:ext>
+          </a:extLst>
+        </p:cNvPr>
+        <p:cNvGrpSpPr/>
+        <p:nvPr/>
+      </p:nvGrpSpPr>
+      <p:grpSpPr>
+        <a:xfrm>
+          <a:off x="0" y="0"/>
+          <a:ext cx="0" cy="0"/>
+          <a:chOff x="0" y="0"/>
+          <a:chExt cx="0" cy="0"/>
+        </a:xfrm>
+      </p:grpSpPr>
+      <p:sp>
+        <p:nvSpPr>
+          <p:cNvPr id="2" name="Title 1">
+            <a:extLst>
+              <a:ext uri="{FF2B5EF4-FFF2-40B4-BE49-F238E27FC236}">
+                <a16:creationId xmlns:a16="http://schemas.microsoft.com/office/drawing/2014/main" id="{23AD843F-7029-1F2E-7D08-B284C29B0F10}"/>
+              </a:ext>
+            </a:extLst>
+          </p:cNvPr>
+          <p:cNvSpPr>
+            <a:spLocks noGrp="1"/>
+          </p:cNvSpPr>
+          <p:nvPr>
+            <p:ph type="title"/>
+          </p:nvPr>
+        </p:nvSpPr>
+        <p:spPr>
+          <a:xfrm>
+            <a:off x="838200" y="365126"/>
+            <a:ext cx="10515600" cy="766558"/>
+          </a:xfrm>
+        </p:spPr>
+        <p:txBody>
+          <a:bodyPr>
+            <a:normAutofit/>
+          </a:bodyPr>
+          <a:lstStyle/>
+          <a:p>
+            <a:r>
+              <a:rPr lang="it-IT" sz="3200" dirty="0">
+                <a:latin typeface="+mn-lt"/>
+              </a:rPr>
+              <a:t>Valutazione Riusabilità – Transfer Learning</a:t>
+            </a:r>
+            <a:endParaRPr lang="it-IT" sz="3200" u="sng" noProof="0" dirty="0" err="1">
+              <a:latin typeface="+mn-lt"/>
+              <a:ea typeface="Calibri"/>
+              <a:cs typeface="Calibri"/>
+            </a:endParaRPr>
+          </a:p>
+        </p:txBody>
+      </p:sp>
+      <p:sp>
+        <p:nvSpPr>
+          <p:cNvPr id="4" name="TextBox 3">
+            <a:extLst>
+              <a:ext uri="{FF2B5EF4-FFF2-40B4-BE49-F238E27FC236}">
+                <a16:creationId xmlns:a16="http://schemas.microsoft.com/office/drawing/2014/main" id="{47017241-B898-E6A5-D692-D031F1A2C3AD}"/>
+              </a:ext>
+            </a:extLst>
+          </p:cNvPr>
+          <p:cNvSpPr txBox="1"/>
+          <p:nvPr/>
+        </p:nvSpPr>
+        <p:spPr>
+          <a:xfrm>
+            <a:off x="986828" y="1276540"/>
+            <a:ext cx="10773623" cy="3477875"/>
+          </a:xfrm>
+          <a:prstGeom prst="rect">
+            <a:avLst/>
+          </a:prstGeom>
+          <a:noFill/>
+        </p:spPr>
+        <p:txBody>
+          <a:bodyPr wrap="square" lIns="91440" tIns="45720" rIns="91440" bIns="45720" rtlCol="0" anchor="t">
+            <a:spAutoFit/>
+          </a:bodyPr>
+          <a:lstStyle/>
+          <a:p>
+            <a:r>
+              <a:rPr lang="it-IT" sz="2000" dirty="0">
+                <a:ea typeface="Calibri"/>
+                <a:cs typeface="Calibri"/>
+              </a:rPr>
+              <a:t>IBM: "</a:t>
+            </a:r>
+            <a:r>
+              <a:rPr lang="it-IT" sz="2000" dirty="0">
+                <a:ea typeface="+mn-lt"/>
+                <a:cs typeface="+mn-lt"/>
+              </a:rPr>
+              <a:t>Transfer learning </a:t>
+            </a:r>
+            <a:r>
+              <a:rPr lang="it-IT" sz="2000" err="1">
+                <a:ea typeface="+mn-lt"/>
+                <a:cs typeface="+mn-lt"/>
+              </a:rPr>
+              <a:t>is</a:t>
+            </a:r>
+            <a:r>
+              <a:rPr lang="it-IT" sz="2000" dirty="0">
+                <a:ea typeface="+mn-lt"/>
+                <a:cs typeface="+mn-lt"/>
+              </a:rPr>
+              <a:t> a machine learning technique in </a:t>
+            </a:r>
+            <a:r>
+              <a:rPr lang="it-IT" sz="2000" err="1">
+                <a:ea typeface="+mn-lt"/>
+                <a:cs typeface="+mn-lt"/>
+              </a:rPr>
+              <a:t>which</a:t>
+            </a:r>
+            <a:r>
+              <a:rPr lang="it-IT" sz="2000" dirty="0">
+                <a:ea typeface="+mn-lt"/>
+                <a:cs typeface="+mn-lt"/>
+              </a:rPr>
+              <a:t> knowledge </a:t>
+            </a:r>
+            <a:r>
+              <a:rPr lang="it-IT" sz="2000" err="1">
+                <a:ea typeface="+mn-lt"/>
+                <a:cs typeface="+mn-lt"/>
+              </a:rPr>
+              <a:t>gained</a:t>
+            </a:r>
+            <a:r>
+              <a:rPr lang="it-IT" sz="2000" dirty="0">
+                <a:ea typeface="+mn-lt"/>
+                <a:cs typeface="+mn-lt"/>
+              </a:rPr>
+              <a:t> </a:t>
+            </a:r>
+            <a:r>
+              <a:rPr lang="it-IT" sz="2000" err="1">
+                <a:ea typeface="+mn-lt"/>
+                <a:cs typeface="+mn-lt"/>
+              </a:rPr>
+              <a:t>through</a:t>
+            </a:r>
+            <a:r>
+              <a:rPr lang="it-IT" sz="2000" dirty="0">
+                <a:ea typeface="+mn-lt"/>
+                <a:cs typeface="+mn-lt"/>
+              </a:rPr>
+              <a:t> one task or dataset </a:t>
+            </a:r>
+            <a:r>
+              <a:rPr lang="it-IT" sz="2000" err="1">
+                <a:ea typeface="+mn-lt"/>
+                <a:cs typeface="+mn-lt"/>
+              </a:rPr>
+              <a:t>is</a:t>
+            </a:r>
+            <a:r>
+              <a:rPr lang="it-IT" sz="2000" dirty="0">
+                <a:ea typeface="+mn-lt"/>
+                <a:cs typeface="+mn-lt"/>
+              </a:rPr>
+              <a:t> </a:t>
+            </a:r>
+            <a:r>
+              <a:rPr lang="it-IT" sz="2000" err="1">
+                <a:ea typeface="+mn-lt"/>
+                <a:cs typeface="+mn-lt"/>
+              </a:rPr>
+              <a:t>used</a:t>
+            </a:r>
+            <a:r>
+              <a:rPr lang="it-IT" sz="2000" dirty="0">
+                <a:ea typeface="+mn-lt"/>
+                <a:cs typeface="+mn-lt"/>
+              </a:rPr>
+              <a:t> to </a:t>
+            </a:r>
+            <a:r>
+              <a:rPr lang="it-IT" sz="2000" err="1">
+                <a:ea typeface="+mn-lt"/>
+                <a:cs typeface="+mn-lt"/>
+              </a:rPr>
+              <a:t>improve</a:t>
+            </a:r>
+            <a:r>
+              <a:rPr lang="it-IT" sz="2000" dirty="0">
+                <a:ea typeface="+mn-lt"/>
+                <a:cs typeface="+mn-lt"/>
+              </a:rPr>
+              <a:t> model performance on </a:t>
+            </a:r>
+            <a:r>
+              <a:rPr lang="it-IT" sz="2000" err="1">
+                <a:ea typeface="+mn-lt"/>
+                <a:cs typeface="+mn-lt"/>
+              </a:rPr>
+              <a:t>another</a:t>
+            </a:r>
+            <a:r>
+              <a:rPr lang="it-IT" sz="2000" dirty="0">
+                <a:ea typeface="+mn-lt"/>
+                <a:cs typeface="+mn-lt"/>
+              </a:rPr>
+              <a:t> </a:t>
+            </a:r>
+            <a:r>
+              <a:rPr lang="it-IT" sz="2000" err="1">
+                <a:ea typeface="+mn-lt"/>
+                <a:cs typeface="+mn-lt"/>
+              </a:rPr>
+              <a:t>related</a:t>
+            </a:r>
+            <a:r>
+              <a:rPr lang="it-IT" sz="2000" dirty="0">
+                <a:ea typeface="+mn-lt"/>
+                <a:cs typeface="+mn-lt"/>
+              </a:rPr>
+              <a:t> task or </a:t>
+            </a:r>
+            <a:r>
+              <a:rPr lang="it-IT" sz="2000" err="1">
+                <a:ea typeface="+mn-lt"/>
+                <a:cs typeface="+mn-lt"/>
+              </a:rPr>
+              <a:t>different</a:t>
+            </a:r>
+            <a:r>
+              <a:rPr lang="it-IT" sz="2000" dirty="0">
+                <a:ea typeface="+mn-lt"/>
+                <a:cs typeface="+mn-lt"/>
+              </a:rPr>
+              <a:t> dataset. In </a:t>
+            </a:r>
+            <a:r>
+              <a:rPr lang="it-IT" sz="2000" err="1">
+                <a:ea typeface="+mn-lt"/>
+                <a:cs typeface="+mn-lt"/>
+              </a:rPr>
+              <a:t>other</a:t>
+            </a:r>
+            <a:r>
+              <a:rPr lang="it-IT" sz="2000" dirty="0">
+                <a:ea typeface="+mn-lt"/>
+                <a:cs typeface="+mn-lt"/>
+              </a:rPr>
+              <a:t> words, transfer learning </a:t>
+            </a:r>
+            <a:r>
+              <a:rPr lang="it-IT" sz="2000" err="1">
+                <a:ea typeface="+mn-lt"/>
+                <a:cs typeface="+mn-lt"/>
+              </a:rPr>
+              <a:t>uses</a:t>
+            </a:r>
+            <a:r>
+              <a:rPr lang="it-IT" sz="2000" dirty="0">
+                <a:ea typeface="+mn-lt"/>
+                <a:cs typeface="+mn-lt"/>
+              </a:rPr>
+              <a:t> </a:t>
+            </a:r>
+            <a:r>
+              <a:rPr lang="it-IT" sz="2000" err="1">
+                <a:ea typeface="+mn-lt"/>
+                <a:cs typeface="+mn-lt"/>
+              </a:rPr>
+              <a:t>what</a:t>
+            </a:r>
+            <a:r>
+              <a:rPr lang="it-IT" sz="2000" dirty="0">
+                <a:ea typeface="+mn-lt"/>
+                <a:cs typeface="+mn-lt"/>
+              </a:rPr>
+              <a:t> </a:t>
+            </a:r>
+            <a:r>
+              <a:rPr lang="it-IT" sz="2000" err="1">
+                <a:ea typeface="+mn-lt"/>
+                <a:cs typeface="+mn-lt"/>
+              </a:rPr>
+              <a:t>has</a:t>
+            </a:r>
+            <a:r>
+              <a:rPr lang="it-IT" sz="2000" dirty="0">
+                <a:ea typeface="+mn-lt"/>
+                <a:cs typeface="+mn-lt"/>
+              </a:rPr>
+              <a:t> </a:t>
+            </a:r>
+            <a:r>
+              <a:rPr lang="it-IT" sz="2000" err="1">
+                <a:ea typeface="+mn-lt"/>
+                <a:cs typeface="+mn-lt"/>
+              </a:rPr>
+              <a:t>been</a:t>
+            </a:r>
+            <a:r>
+              <a:rPr lang="it-IT" sz="2000" dirty="0">
+                <a:ea typeface="+mn-lt"/>
+                <a:cs typeface="+mn-lt"/>
+              </a:rPr>
+              <a:t> </a:t>
+            </a:r>
+            <a:r>
+              <a:rPr lang="it-IT" sz="2000" err="1">
+                <a:ea typeface="+mn-lt"/>
+                <a:cs typeface="+mn-lt"/>
+              </a:rPr>
+              <a:t>learned</a:t>
+            </a:r>
+            <a:r>
+              <a:rPr lang="it-IT" sz="2000" dirty="0">
+                <a:ea typeface="+mn-lt"/>
+                <a:cs typeface="+mn-lt"/>
+              </a:rPr>
+              <a:t> in one setting to </a:t>
+            </a:r>
+            <a:r>
+              <a:rPr lang="it-IT" sz="2000" err="1">
+                <a:ea typeface="+mn-lt"/>
+                <a:cs typeface="+mn-lt"/>
+              </a:rPr>
+              <a:t>improve</a:t>
+            </a:r>
+            <a:r>
+              <a:rPr lang="it-IT" sz="2000" dirty="0">
+                <a:ea typeface="+mn-lt"/>
+                <a:cs typeface="+mn-lt"/>
+              </a:rPr>
+              <a:t> </a:t>
+            </a:r>
+            <a:r>
+              <a:rPr lang="it-IT" sz="2000" err="1">
+                <a:ea typeface="+mn-lt"/>
+                <a:cs typeface="+mn-lt"/>
+              </a:rPr>
+              <a:t>generalization</a:t>
+            </a:r>
+            <a:r>
+              <a:rPr lang="it-IT" sz="2000" dirty="0">
+                <a:ea typeface="+mn-lt"/>
+                <a:cs typeface="+mn-lt"/>
+              </a:rPr>
+              <a:t> in </a:t>
+            </a:r>
+            <a:r>
+              <a:rPr lang="it-IT" sz="2000" err="1">
+                <a:ea typeface="+mn-lt"/>
+                <a:cs typeface="+mn-lt"/>
+              </a:rPr>
+              <a:t>another</a:t>
+            </a:r>
+            <a:r>
+              <a:rPr lang="it-IT" sz="2000" dirty="0">
+                <a:ea typeface="+mn-lt"/>
+                <a:cs typeface="+mn-lt"/>
+              </a:rPr>
+              <a:t> setting</a:t>
+            </a:r>
+            <a:r>
+              <a:rPr lang="it-IT" sz="2000" dirty="0">
+                <a:ea typeface="Calibri"/>
+                <a:cs typeface="Calibri"/>
+              </a:rPr>
+              <a:t>."</a:t>
+            </a:r>
+            <a:endParaRPr lang="it-IT"/>
+          </a:p>
+          <a:p>
+            <a:pPr marL="342900" indent="-342900">
+              <a:buFont typeface="Arial"/>
+              <a:buChar char="•"/>
+            </a:pPr>
+            <a:endParaRPr lang="it-IT" sz="2000" dirty="0">
+              <a:ea typeface="Calibri"/>
+              <a:cs typeface="Calibri"/>
+            </a:endParaRPr>
+          </a:p>
+          <a:p>
+            <a:r>
+              <a:rPr lang="it-IT" sz="2000" dirty="0">
+                <a:ea typeface="Calibri"/>
+                <a:cs typeface="Calibri"/>
+              </a:rPr>
+              <a:t>Fattori importanti:</a:t>
+            </a:r>
+          </a:p>
+          <a:p>
+            <a:pPr marL="342900" indent="-342900">
+              <a:buFont typeface="Arial"/>
+              <a:buChar char="•"/>
+            </a:pPr>
+            <a:r>
+              <a:rPr lang="it-IT" sz="2000" dirty="0">
+                <a:ea typeface="Calibri"/>
+                <a:cs typeface="Calibri"/>
+              </a:rPr>
+              <a:t>Compatibilità di Task</a:t>
+            </a:r>
+          </a:p>
+          <a:p>
+            <a:pPr marL="342900" indent="-342900">
+              <a:buFont typeface="Arial"/>
+              <a:buChar char="•"/>
+            </a:pPr>
+            <a:r>
+              <a:rPr lang="it-IT" sz="2000" dirty="0">
+                <a:ea typeface="Calibri"/>
+                <a:cs typeface="Calibri"/>
+              </a:rPr>
+              <a:t>Disponibilità di dati per fine-tuning</a:t>
+            </a:r>
+          </a:p>
+          <a:p>
+            <a:pPr marL="342900" indent="-342900">
+              <a:buFont typeface="Arial"/>
+              <a:buChar char="•"/>
+            </a:pPr>
+            <a:r>
+              <a:rPr lang="it-IT" sz="2000" dirty="0">
+                <a:ea typeface="Calibri"/>
+                <a:cs typeface="Calibri"/>
+              </a:rPr>
+              <a:t>Licenze</a:t>
+            </a:r>
+          </a:p>
+          <a:p>
+            <a:pPr marL="342900" indent="-342900">
+              <a:buFont typeface="Arial"/>
+              <a:buChar char="•"/>
+            </a:pPr>
+            <a:r>
+              <a:rPr lang="it-IT" sz="2000" dirty="0">
+                <a:ea typeface="Calibri"/>
+                <a:cs typeface="Calibri"/>
+              </a:rPr>
+              <a:t>Domain shift e </a:t>
+            </a:r>
+            <a:r>
+              <a:rPr lang="it-IT" sz="2000" dirty="0" err="1">
+                <a:ea typeface="Calibri"/>
+                <a:cs typeface="Calibri"/>
+              </a:rPr>
+              <a:t>Bias</a:t>
+            </a:r>
+            <a:r>
+              <a:rPr lang="it-IT" sz="2000" dirty="0">
+                <a:ea typeface="Calibri"/>
+                <a:cs typeface="Calibri"/>
+              </a:rPr>
+              <a:t>*</a:t>
+            </a:r>
+          </a:p>
+          <a:p>
+            <a:pPr marL="342900" indent="-342900">
+              <a:buFont typeface="Arial"/>
+              <a:buChar char="•"/>
+            </a:pPr>
+            <a:r>
+              <a:rPr lang="it-IT" sz="2000" dirty="0">
+                <a:ea typeface="Calibri"/>
+                <a:cs typeface="Calibri"/>
+              </a:rPr>
+              <a:t>Limiti operativi*</a:t>
+            </a:r>
+          </a:p>
+        </p:txBody>
+      </p:sp>
+      <p:sp>
+        <p:nvSpPr>
+          <p:cNvPr id="3" name="CasellaDiTesto 2">
+            <a:extLst>
+              <a:ext uri="{FF2B5EF4-FFF2-40B4-BE49-F238E27FC236}">
+                <a16:creationId xmlns:a16="http://schemas.microsoft.com/office/drawing/2014/main" id="{EDBA4BF4-5616-FB95-CDD8-E46AC7AE3040}"/>
+              </a:ext>
+            </a:extLst>
+          </p:cNvPr>
+          <p:cNvSpPr txBox="1"/>
+          <p:nvPr/>
+        </p:nvSpPr>
+        <p:spPr>
+          <a:xfrm>
+            <a:off x="988370" y="6410712"/>
+            <a:ext cx="9601199" cy="338554"/>
+          </a:xfrm>
+          <a:prstGeom prst="rect">
+            <a:avLst/>
+          </a:prstGeom>
+          <a:noFill/>
+        </p:spPr>
+        <p:txBody>
+          <a:bodyPr rot="0" spcFirstLastPara="0" vertOverflow="overflow" horzOverflow="overflow" vert="horz" wrap="square" lIns="91440" tIns="45720" rIns="91440" bIns="45720" numCol="1" spcCol="0" rtlCol="0" fromWordArt="0" anchor="t" anchorCtr="0" forceAA="0" compatLnSpc="1">
+            <a:prstTxWarp prst="textNoShape">
+              <a:avLst/>
+            </a:prstTxWarp>
+            <a:spAutoFit/>
+          </a:bodyPr>
+          <a:lstStyle/>
+          <a:p>
+            <a:r>
+              <a:rPr lang="it-IT" sz="1600" dirty="0">
+                <a:ea typeface="+mn-lt"/>
+                <a:cs typeface="+mn-lt"/>
+              </a:rPr>
+              <a:t>IBM, " </a:t>
+            </a:r>
+            <a:r>
+              <a:rPr lang="it-IT" sz="1600" dirty="0" err="1">
+                <a:ea typeface="+mn-lt"/>
+                <a:cs typeface="+mn-lt"/>
+              </a:rPr>
+              <a:t>What</a:t>
+            </a:r>
+            <a:r>
+              <a:rPr lang="it-IT" sz="1600" dirty="0">
+                <a:ea typeface="+mn-lt"/>
+                <a:cs typeface="+mn-lt"/>
+              </a:rPr>
+              <a:t> </a:t>
+            </a:r>
+            <a:r>
+              <a:rPr lang="it-IT" sz="1600" dirty="0" err="1">
+                <a:ea typeface="+mn-lt"/>
+                <a:cs typeface="+mn-lt"/>
+              </a:rPr>
+              <a:t>is</a:t>
+            </a:r>
+            <a:r>
+              <a:rPr lang="it-IT" sz="1600" dirty="0">
+                <a:ea typeface="+mn-lt"/>
+                <a:cs typeface="+mn-lt"/>
+              </a:rPr>
+              <a:t> transfer learning?" [Online]. </a:t>
+            </a:r>
+            <a:r>
+              <a:rPr lang="it-IT" sz="1600" dirty="0" err="1">
+                <a:ea typeface="+mn-lt"/>
+                <a:cs typeface="+mn-lt"/>
+              </a:rPr>
+              <a:t>Available</a:t>
+            </a:r>
+            <a:r>
+              <a:rPr lang="it-IT" sz="1600" dirty="0">
+                <a:ea typeface="+mn-lt"/>
+                <a:cs typeface="+mn-lt"/>
+              </a:rPr>
+              <a:t>: https://www.ibm.com/think/topics/transfer-learning.</a:t>
+            </a:r>
+            <a:endParaRPr lang="it-IT" dirty="0"/>
+          </a:p>
+        </p:txBody>
+      </p:sp>
+    </p:spTree>
+    <p:extLst>
+      <p:ext uri="{BB962C8B-B14F-4D97-AF65-F5344CB8AC3E}">
+        <p14:creationId xmlns:p14="http://schemas.microsoft.com/office/powerpoint/2010/main" val="1487935868"/>
+      </p:ext>
+    </p:extLst>
+  </p:cSld>
+  <p:clrMapOvr>
+    <a:masterClrMapping/>
+  </p:clrMapOvr>
+</p:sld>
+</file>
+
+<file path=ppt/slides/slide23.xml><?xml version="1.0" encoding="utf-8"?>
+<p:sld xmlns:a="http://schemas.openxmlformats.org/drawingml/2006/main" xmlns:r="http://schemas.openxmlformats.org/officeDocument/2006/relationships" xmlns:p="http://schemas.openxmlformats.org/presentationml/2006/main">
+  <p:cSld>
+    <p:spTree>
+      <p:nvGrpSpPr>
+        <p:cNvPr id="1" name="">
+          <a:extLst>
+            <a:ext uri="{FF2B5EF4-FFF2-40B4-BE49-F238E27FC236}">
+              <a16:creationId xmlns:a16="http://schemas.microsoft.com/office/drawing/2014/main" id="{98B1E8A0-35FE-A636-21A8-B2596DE4930C}"/>
+            </a:ext>
+          </a:extLst>
+        </p:cNvPr>
+        <p:cNvGrpSpPr/>
+        <p:nvPr/>
+      </p:nvGrpSpPr>
+      <p:grpSpPr>
+        <a:xfrm>
+          <a:off x="0" y="0"/>
+          <a:ext cx="0" cy="0"/>
+          <a:chOff x="0" y="0"/>
+          <a:chExt cx="0" cy="0"/>
+        </a:xfrm>
+      </p:grpSpPr>
+      <p:sp>
+        <p:nvSpPr>
+          <p:cNvPr id="2" name="Title 1">
+            <a:extLst>
+              <a:ext uri="{FF2B5EF4-FFF2-40B4-BE49-F238E27FC236}">
+                <a16:creationId xmlns:a16="http://schemas.microsoft.com/office/drawing/2014/main" id="{16587478-4503-BBF8-03D3-CA4085745E76}"/>
+              </a:ext>
+            </a:extLst>
+          </p:cNvPr>
+          <p:cNvSpPr>
+            <a:spLocks noGrp="1"/>
+          </p:cNvSpPr>
+          <p:nvPr>
+            <p:ph type="title"/>
+          </p:nvPr>
+        </p:nvSpPr>
+        <p:spPr>
+          <a:xfrm>
+            <a:off x="838200" y="365126"/>
+            <a:ext cx="10515600" cy="766558"/>
+          </a:xfrm>
+        </p:spPr>
+        <p:txBody>
+          <a:bodyPr>
+            <a:normAutofit/>
+          </a:bodyPr>
+          <a:lstStyle/>
+          <a:p>
+            <a:r>
+              <a:rPr lang="it-IT" sz="3200" dirty="0">
+                <a:latin typeface="+mn-lt"/>
+              </a:rPr>
+              <a:t>Valutazione Riusabilità</a:t>
+            </a:r>
+            <a:endParaRPr lang="it-IT" sz="3200" u="sng" noProof="0" dirty="0" err="1">
+              <a:latin typeface="+mn-lt"/>
+              <a:ea typeface="Calibri"/>
+              <a:cs typeface="Calibri"/>
+            </a:endParaRPr>
+          </a:p>
+        </p:txBody>
+      </p:sp>
+      <p:sp>
+        <p:nvSpPr>
+          <p:cNvPr id="4" name="TextBox 3">
+            <a:extLst>
+              <a:ext uri="{FF2B5EF4-FFF2-40B4-BE49-F238E27FC236}">
+                <a16:creationId xmlns:a16="http://schemas.microsoft.com/office/drawing/2014/main" id="{96509102-F7C8-6058-09B6-24692955FC5F}"/>
+              </a:ext>
+            </a:extLst>
+          </p:cNvPr>
+          <p:cNvSpPr txBox="1"/>
+          <p:nvPr/>
+        </p:nvSpPr>
+        <p:spPr>
+          <a:xfrm>
+            <a:off x="986828" y="1016345"/>
+            <a:ext cx="10773623" cy="3200876"/>
+          </a:xfrm>
+          <a:prstGeom prst="rect">
+            <a:avLst/>
+          </a:prstGeom>
+          <a:noFill/>
+        </p:spPr>
+        <p:txBody>
+          <a:bodyPr wrap="square" lIns="91440" tIns="45720" rIns="91440" bIns="45720" rtlCol="0" anchor="t">
+            <a:spAutoFit/>
+          </a:bodyPr>
+          <a:lstStyle/>
+          <a:p>
+            <a:r>
+              <a:rPr lang="it-IT" sz="2000" dirty="0">
+                <a:ea typeface="Calibri"/>
+                <a:cs typeface="Calibri"/>
+              </a:rPr>
+              <a:t>La metodologia proposta prevede l'assegnazione di un punteggio, da 1 a 3, in 4 categorie</a:t>
+            </a:r>
+          </a:p>
+          <a:p>
+            <a:endParaRPr lang="it-IT" sz="2000" dirty="0">
+              <a:ea typeface="Calibri"/>
+              <a:cs typeface="Calibri"/>
+            </a:endParaRPr>
+          </a:p>
+          <a:p>
+            <a:pPr marL="342900" indent="-342900">
+              <a:buFont typeface="Arial"/>
+              <a:buChar char="•"/>
+            </a:pPr>
+            <a:r>
+              <a:rPr lang="it-IT" b="1" dirty="0">
+                <a:ea typeface="Calibri"/>
+                <a:cs typeface="Calibri"/>
+              </a:rPr>
+              <a:t>Project Alignment (PA)</a:t>
+            </a:r>
+            <a:r>
+              <a:rPr lang="it-IT" dirty="0">
+                <a:ea typeface="Calibri"/>
+                <a:cs typeface="Calibri"/>
+              </a:rPr>
+              <a:t>: rilevanza verso Farm-Tech, sia in termini di task che dataset di addestramento</a:t>
+            </a:r>
+          </a:p>
+          <a:p>
+            <a:pPr marL="742950" lvl="1" indent="-285750">
+              <a:buFont typeface="Arial"/>
+              <a:buChar char="•"/>
+            </a:pPr>
+            <a:r>
+              <a:rPr lang="it-IT" dirty="0">
+                <a:ea typeface="Calibri"/>
+                <a:cs typeface="Calibri"/>
+              </a:rPr>
+              <a:t>1: affinità generale al </a:t>
+            </a:r>
+            <a:r>
+              <a:rPr lang="it-IT" dirty="0" err="1">
+                <a:ea typeface="Calibri"/>
+                <a:cs typeface="Calibri"/>
+              </a:rPr>
+              <a:t>precision</a:t>
+            </a:r>
+            <a:r>
+              <a:rPr lang="it-IT" dirty="0">
+                <a:ea typeface="Calibri"/>
+                <a:cs typeface="Calibri"/>
+              </a:rPr>
+              <a:t> farming</a:t>
+            </a:r>
+          </a:p>
+          <a:p>
+            <a:pPr marL="742950" lvl="1" indent="-285750">
+              <a:buFont typeface="Arial"/>
+              <a:buChar char="•"/>
+            </a:pPr>
+            <a:r>
+              <a:rPr lang="it-IT" dirty="0">
+                <a:ea typeface="Calibri"/>
+                <a:cs typeface="Calibri"/>
+              </a:rPr>
+              <a:t>2: correlazione immediata ad una task rilevante in Farm-Tech</a:t>
+            </a:r>
+          </a:p>
+          <a:p>
+            <a:pPr marL="742950" lvl="1" indent="-285750">
+              <a:buFont typeface="Arial"/>
+              <a:buChar char="•"/>
+            </a:pPr>
+            <a:r>
+              <a:rPr lang="it-IT" dirty="0">
+                <a:ea typeface="Calibri"/>
+                <a:cs typeface="Calibri"/>
+              </a:rPr>
+              <a:t>3: uso di dati immediatamente rilevanti</a:t>
+            </a:r>
+          </a:p>
+          <a:p>
+            <a:pPr marL="742950" lvl="1" indent="-285750">
+              <a:buFont typeface="Arial"/>
+              <a:buChar char="•"/>
+            </a:pPr>
+            <a:endParaRPr lang="it-IT" dirty="0">
+              <a:ea typeface="Calibri"/>
+              <a:cs typeface="Calibri"/>
+            </a:endParaRPr>
+          </a:p>
+          <a:p>
+            <a:pPr marL="285750" indent="-285750">
+              <a:buFont typeface="Arial"/>
+              <a:buChar char="•"/>
+            </a:pPr>
+            <a:r>
+              <a:rPr lang="it-IT" b="1" dirty="0">
+                <a:ea typeface="Calibri"/>
+                <a:cs typeface="Calibri"/>
+              </a:rPr>
+              <a:t>Quality of Documentation (QD)</a:t>
+            </a:r>
+            <a:r>
+              <a:rPr lang="it-IT" dirty="0">
+                <a:ea typeface="Calibri"/>
+                <a:cs typeface="Calibri"/>
+              </a:rPr>
+              <a:t>: utilità della documentazione nell'implementare il modello in un nuovo campo</a:t>
+            </a:r>
+          </a:p>
+          <a:p>
+            <a:pPr marL="742950" lvl="1" indent="-285750">
+              <a:buFont typeface="Arial"/>
+              <a:buChar char="•"/>
+            </a:pPr>
+            <a:r>
+              <a:rPr lang="it-IT" dirty="0">
+                <a:ea typeface="Calibri"/>
+                <a:cs typeface="Calibri"/>
+              </a:rPr>
+              <a:t>1: documentazione sufficiente per esecuzione del modello</a:t>
+            </a:r>
+          </a:p>
+          <a:p>
+            <a:pPr marL="742950" lvl="1" indent="-285750">
+              <a:buFont typeface="Arial"/>
+              <a:buChar char="•"/>
+            </a:pPr>
+            <a:r>
+              <a:rPr lang="it-IT" dirty="0">
+                <a:ea typeface="Calibri"/>
+                <a:cs typeface="Calibri"/>
+              </a:rPr>
+              <a:t>2: sintesi dell'architettura</a:t>
+            </a:r>
+          </a:p>
+          <a:p>
+            <a:pPr marL="742950" lvl="1" indent="-285750">
+              <a:buFont typeface="Arial"/>
+              <a:buChar char="•"/>
+            </a:pPr>
+            <a:r>
+              <a:rPr lang="it-IT" dirty="0">
+                <a:ea typeface="Calibri"/>
+                <a:cs typeface="Calibri"/>
+              </a:rPr>
+              <a:t>3: quantità significativa di guide/tutorial</a:t>
+            </a:r>
+          </a:p>
+        </p:txBody>
+      </p:sp>
+    </p:spTree>
+    <p:extLst>
+      <p:ext uri="{BB962C8B-B14F-4D97-AF65-F5344CB8AC3E}">
+        <p14:creationId xmlns:p14="http://schemas.microsoft.com/office/powerpoint/2010/main" val="375687149"/>
+      </p:ext>
+    </p:extLst>
+  </p:cSld>
+  <p:clrMapOvr>
+    <a:masterClrMapping/>
+  </p:clrMapOvr>
+</p:sld>
+</file>
+
+<file path=ppt/slides/slide24.xml><?xml version="1.0" encoding="utf-8"?>
+<p:sld xmlns:a="http://schemas.openxmlformats.org/drawingml/2006/main" xmlns:r="http://schemas.openxmlformats.org/officeDocument/2006/relationships" xmlns:p="http://schemas.openxmlformats.org/presentationml/2006/main">
+  <p:cSld>
+    <p:spTree>
+      <p:nvGrpSpPr>
+        <p:cNvPr id="1" name="">
+          <a:extLst>
+            <a:ext uri="{FF2B5EF4-FFF2-40B4-BE49-F238E27FC236}">
+              <a16:creationId xmlns:a16="http://schemas.microsoft.com/office/drawing/2014/main" id="{8443BEE8-B9A8-53CF-C076-4CD8B199A4E8}"/>
+            </a:ext>
+          </a:extLst>
+        </p:cNvPr>
+        <p:cNvGrpSpPr/>
+        <p:nvPr/>
+      </p:nvGrpSpPr>
+      <p:grpSpPr>
+        <a:xfrm>
+          <a:off x="0" y="0"/>
+          <a:ext cx="0" cy="0"/>
+          <a:chOff x="0" y="0"/>
+          <a:chExt cx="0" cy="0"/>
+        </a:xfrm>
+      </p:grpSpPr>
+      <p:sp>
+        <p:nvSpPr>
+          <p:cNvPr id="2" name="Title 1">
+            <a:extLst>
+              <a:ext uri="{FF2B5EF4-FFF2-40B4-BE49-F238E27FC236}">
+                <a16:creationId xmlns:a16="http://schemas.microsoft.com/office/drawing/2014/main" id="{847DBAB7-FD45-F0E3-B0FE-1EC42ACA7906}"/>
+              </a:ext>
+            </a:extLst>
+          </p:cNvPr>
+          <p:cNvSpPr>
+            <a:spLocks noGrp="1"/>
+          </p:cNvSpPr>
+          <p:nvPr>
+            <p:ph type="title"/>
+          </p:nvPr>
+        </p:nvSpPr>
+        <p:spPr>
+          <a:xfrm>
+            <a:off x="838200" y="365126"/>
+            <a:ext cx="10515600" cy="766558"/>
+          </a:xfrm>
+        </p:spPr>
+        <p:txBody>
+          <a:bodyPr>
+            <a:normAutofit/>
+          </a:bodyPr>
+          <a:lstStyle/>
+          <a:p>
+            <a:r>
+              <a:rPr lang="it-IT" sz="3200" dirty="0">
+                <a:latin typeface="+mn-lt"/>
+              </a:rPr>
+              <a:t>Valutazione Riusabilità</a:t>
+            </a:r>
+            <a:endParaRPr lang="it-IT" sz="3200" u="sng" noProof="0" dirty="0" err="1">
+              <a:latin typeface="+mn-lt"/>
+              <a:ea typeface="Calibri"/>
+              <a:cs typeface="Calibri"/>
+            </a:endParaRPr>
+          </a:p>
+        </p:txBody>
+      </p:sp>
+      <p:sp>
+        <p:nvSpPr>
+          <p:cNvPr id="4" name="TextBox 3">
+            <a:extLst>
+              <a:ext uri="{FF2B5EF4-FFF2-40B4-BE49-F238E27FC236}">
+                <a16:creationId xmlns:a16="http://schemas.microsoft.com/office/drawing/2014/main" id="{A5633DC3-A1B8-C8D4-3544-61606F06ECBB}"/>
+              </a:ext>
+            </a:extLst>
+          </p:cNvPr>
+          <p:cNvSpPr txBox="1"/>
+          <p:nvPr/>
+        </p:nvSpPr>
+        <p:spPr>
+          <a:xfrm>
+            <a:off x="986828" y="1016345"/>
+            <a:ext cx="10773623" cy="2923877"/>
+          </a:xfrm>
+          <a:prstGeom prst="rect">
+            <a:avLst/>
+          </a:prstGeom>
+          <a:noFill/>
+        </p:spPr>
+        <p:txBody>
+          <a:bodyPr wrap="square" lIns="91440" tIns="45720" rIns="91440" bIns="45720" rtlCol="0" anchor="t">
+            <a:spAutoFit/>
+          </a:bodyPr>
+          <a:lstStyle/>
+          <a:p>
+            <a:r>
+              <a:rPr lang="it-IT" sz="2000" dirty="0">
+                <a:ea typeface="Calibri"/>
+                <a:cs typeface="Calibri"/>
+              </a:rPr>
+              <a:t>La metodologia proposta prevede l'assegnazione di un punteggio, da 1 a 3, in 4 categorie</a:t>
+            </a:r>
+          </a:p>
+          <a:p>
+            <a:endParaRPr lang="it-IT" sz="2000" dirty="0">
+              <a:ea typeface="Calibri"/>
+              <a:cs typeface="Calibri"/>
+            </a:endParaRPr>
+          </a:p>
+          <a:p>
+            <a:pPr marL="285750" indent="-285750">
+              <a:buFont typeface="Arial"/>
+              <a:buChar char="•"/>
+            </a:pPr>
+            <a:r>
+              <a:rPr lang="it-IT" b="1" dirty="0">
+                <a:ea typeface="Calibri"/>
+                <a:cs typeface="Calibri"/>
+              </a:rPr>
+              <a:t>Ease of Evaluation (EE)</a:t>
+            </a:r>
+            <a:r>
+              <a:rPr lang="it-IT" dirty="0">
+                <a:ea typeface="Calibri"/>
+                <a:cs typeface="Calibri"/>
+              </a:rPr>
+              <a:t>: quanto è semplice valutare l'efficacia del modello nel nuovo campo</a:t>
+            </a:r>
+          </a:p>
+          <a:p>
+            <a:pPr marL="742950" lvl="1" indent="-285750">
+              <a:buFont typeface="Arial"/>
+              <a:buChar char="•"/>
+            </a:pPr>
+            <a:r>
+              <a:rPr lang="it-IT" dirty="0">
+                <a:ea typeface="Calibri"/>
+                <a:cs typeface="Calibri"/>
+              </a:rPr>
+              <a:t>1: testing intensivo</a:t>
+            </a:r>
+          </a:p>
+          <a:p>
+            <a:pPr marL="742950" lvl="1" indent="-285750">
+              <a:buFont typeface="Arial"/>
+              <a:buChar char="•"/>
+            </a:pPr>
+            <a:r>
+              <a:rPr lang="it-IT" dirty="0">
+                <a:ea typeface="Calibri"/>
+                <a:cs typeface="Calibri"/>
+              </a:rPr>
+              <a:t>2: necessità di dati specifici</a:t>
+            </a:r>
+          </a:p>
+          <a:p>
+            <a:pPr marL="742950" lvl="1" indent="-285750">
+              <a:buFont typeface="Arial"/>
+              <a:buChar char="•"/>
+            </a:pPr>
+            <a:r>
+              <a:rPr lang="it-IT" dirty="0">
+                <a:ea typeface="Calibri"/>
+                <a:cs typeface="Calibri"/>
+              </a:rPr>
+              <a:t>3: dati general-purpose sufficenti</a:t>
+            </a:r>
+          </a:p>
+          <a:p>
+            <a:pPr marL="285750" indent="-285750">
+              <a:buFont typeface="Arial"/>
+              <a:buChar char="•"/>
+            </a:pPr>
+            <a:r>
+              <a:rPr lang="it-IT" b="1" dirty="0">
+                <a:ea typeface="Calibri"/>
+                <a:cs typeface="Calibri"/>
+              </a:rPr>
+              <a:t>Licenza (LC)</a:t>
+            </a:r>
+          </a:p>
+          <a:p>
+            <a:pPr marL="742950" lvl="1" indent="-285750">
+              <a:buFont typeface="Arial"/>
+              <a:buChar char="•"/>
+            </a:pPr>
+            <a:r>
+              <a:rPr lang="it-IT" dirty="0">
+                <a:ea typeface="Calibri"/>
+                <a:cs typeface="Calibri"/>
+              </a:rPr>
+              <a:t>1:</a:t>
+            </a:r>
+            <a:r>
+              <a:rPr lang="it-IT" b="1" dirty="0">
+                <a:ea typeface="Calibri"/>
+                <a:cs typeface="Calibri"/>
+              </a:rPr>
+              <a:t> </a:t>
+            </a:r>
+            <a:r>
+              <a:rPr lang="it-IT" dirty="0">
+                <a:ea typeface="Calibri"/>
+                <a:cs typeface="Calibri"/>
+              </a:rPr>
+              <a:t>licenza restrittiva</a:t>
+            </a:r>
+          </a:p>
+          <a:p>
+            <a:pPr marL="742950" lvl="1" indent="-285750">
+              <a:buFont typeface="Arial"/>
+              <a:buChar char="•"/>
+            </a:pPr>
+            <a:r>
+              <a:rPr lang="it-IT" dirty="0">
+                <a:ea typeface="Calibri"/>
+                <a:cs typeface="Calibri"/>
+              </a:rPr>
+              <a:t>2: licenza assente/contraddittoria</a:t>
+            </a:r>
+          </a:p>
+          <a:p>
+            <a:pPr marL="742950" lvl="1" indent="-285750">
+              <a:buFont typeface="Arial"/>
+              <a:buChar char="•"/>
+            </a:pPr>
+            <a:r>
+              <a:rPr lang="it-IT" dirty="0">
+                <a:ea typeface="Calibri"/>
+                <a:cs typeface="Calibri"/>
+              </a:rPr>
+              <a:t>3: licenza permissiva</a:t>
+            </a:r>
+          </a:p>
+        </p:txBody>
+      </p:sp>
+    </p:spTree>
+    <p:extLst>
+      <p:ext uri="{BB962C8B-B14F-4D97-AF65-F5344CB8AC3E}">
+        <p14:creationId xmlns:p14="http://schemas.microsoft.com/office/powerpoint/2010/main" val="1392815347"/>
+      </p:ext>
+    </p:extLst>
+  </p:cSld>
+  <p:clrMapOvr>
+    <a:masterClrMapping/>
+  </p:clrMapOvr>
+</p:sld>
+</file>
+
+<file path=ppt/slides/slide25.xml><?xml version="1.0" encoding="utf-8"?>
+<p:sld xmlns:a="http://schemas.openxmlformats.org/drawingml/2006/main" xmlns:r="http://schemas.openxmlformats.org/officeDocument/2006/relationships" xmlns:p="http://schemas.openxmlformats.org/presentationml/2006/main">
+  <p:cSld>
+    <p:spTree>
+      <p:nvGrpSpPr>
+        <p:cNvPr id="1" name="">
+          <a:extLst>
+            <a:ext uri="{FF2B5EF4-FFF2-40B4-BE49-F238E27FC236}">
+              <a16:creationId xmlns:a16="http://schemas.microsoft.com/office/drawing/2014/main" id="{1D49745B-E151-546B-0636-115DBAC37724}"/>
+            </a:ext>
+          </a:extLst>
+        </p:cNvPr>
+        <p:cNvGrpSpPr/>
+        <p:nvPr/>
+      </p:nvGrpSpPr>
+      <p:grpSpPr>
+        <a:xfrm>
+          <a:off x="0" y="0"/>
+          <a:ext cx="0" cy="0"/>
+          <a:chOff x="0" y="0"/>
+          <a:chExt cx="0" cy="0"/>
+        </a:xfrm>
+      </p:grpSpPr>
+      <p:sp>
+        <p:nvSpPr>
+          <p:cNvPr id="2" name="Title 1">
+            <a:extLst>
+              <a:ext uri="{FF2B5EF4-FFF2-40B4-BE49-F238E27FC236}">
+                <a16:creationId xmlns:a16="http://schemas.microsoft.com/office/drawing/2014/main" id="{BADB0696-B8F2-7CC9-67FB-9A23E22DA33B}"/>
+              </a:ext>
+            </a:extLst>
+          </p:cNvPr>
+          <p:cNvSpPr>
+            <a:spLocks noGrp="1"/>
+          </p:cNvSpPr>
+          <p:nvPr>
+            <p:ph type="title"/>
+          </p:nvPr>
+        </p:nvSpPr>
+        <p:spPr>
+          <a:xfrm>
+            <a:off x="838200" y="365126"/>
+            <a:ext cx="10515600" cy="766558"/>
+          </a:xfrm>
+        </p:spPr>
+        <p:txBody>
+          <a:bodyPr>
+            <a:normAutofit/>
+          </a:bodyPr>
+          <a:lstStyle/>
+          <a:p>
+            <a:r>
+              <a:rPr lang="it-IT" sz="3200" dirty="0">
+                <a:latin typeface="+mn-lt"/>
+              </a:rPr>
+              <a:t>Valutazione Riusabilità</a:t>
+            </a:r>
+            <a:endParaRPr lang="it-IT" sz="3200" u="sng" noProof="0" dirty="0" err="1">
+              <a:latin typeface="+mn-lt"/>
+              <a:ea typeface="Calibri"/>
+              <a:cs typeface="Calibri"/>
+            </a:endParaRPr>
+          </a:p>
+        </p:txBody>
+      </p:sp>
+      <p:sp>
+        <p:nvSpPr>
+          <p:cNvPr id="4" name="TextBox 3">
+            <a:extLst>
+              <a:ext uri="{FF2B5EF4-FFF2-40B4-BE49-F238E27FC236}">
+                <a16:creationId xmlns:a16="http://schemas.microsoft.com/office/drawing/2014/main" id="{A9EB5CC1-BD15-FA0F-DC51-6D65BADFD02E}"/>
+              </a:ext>
+            </a:extLst>
+          </p:cNvPr>
+          <p:cNvSpPr txBox="1"/>
+          <p:nvPr/>
+        </p:nvSpPr>
+        <p:spPr>
+          <a:xfrm>
+            <a:off x="986828" y="1192906"/>
+            <a:ext cx="10773623" cy="2554545"/>
+          </a:xfrm>
+          <a:prstGeom prst="rect">
+            <a:avLst/>
+          </a:prstGeom>
+          <a:noFill/>
+        </p:spPr>
+        <p:txBody>
+          <a:bodyPr wrap="square" lIns="91440" tIns="45720" rIns="91440" bIns="45720" rtlCol="0" anchor="t">
+            <a:spAutoFit/>
+          </a:bodyPr>
+          <a:lstStyle/>
+          <a:p>
+            <a:r>
+              <a:rPr lang="it-IT" sz="2000" dirty="0">
+                <a:ea typeface="Calibri"/>
+                <a:cs typeface="Calibri"/>
+              </a:rPr>
+              <a:t>Un punteggio finale è calcolato dalla media di tutte le categorie</a:t>
+            </a:r>
+            <a:endParaRPr lang="it-IT" dirty="0">
+              <a:ea typeface="Calibri"/>
+              <a:cs typeface="Calibri"/>
+            </a:endParaRPr>
+          </a:p>
+          <a:p>
+            <a:endParaRPr lang="it-IT" sz="2000" dirty="0">
+              <a:ea typeface="Calibri"/>
+              <a:cs typeface="Calibri"/>
+            </a:endParaRPr>
+          </a:p>
+          <a:p>
+            <a:r>
+              <a:rPr lang="it-IT" sz="2000" dirty="0">
+                <a:ea typeface="Calibri"/>
+                <a:cs typeface="Calibri"/>
+              </a:rPr>
+              <a:t>Invece di una media, in base alle necessità del team di sviluppo, si può formulare un altro tipo di valutazione; ad esempio:</a:t>
+            </a:r>
+          </a:p>
+          <a:p>
+            <a:endParaRPr lang="it-IT" sz="2000" dirty="0">
+              <a:ea typeface="+mn-lt"/>
+              <a:cs typeface="+mn-lt"/>
+            </a:endParaRPr>
+          </a:p>
+          <a:p>
+            <a:pPr lvl="2"/>
+            <a:r>
+              <a:rPr lang="it-IT" sz="2000" dirty="0">
+                <a:ea typeface="+mn-lt"/>
+                <a:cs typeface="+mn-lt"/>
+              </a:rPr>
+              <a:t>     𝑇𝑜𝑡𝑎𝑙 𝑆𝑐𝑜𝑟𝑒 = 𝑃𝐴 ∗ 0.2 + 𝑄𝐷 ∗ 0.2 + 𝐸𝐸 ∗ 0.2 + 𝐿𝐶 ∗ 0.4</a:t>
+            </a:r>
+          </a:p>
+          <a:p>
+            <a:pPr lvl="2"/>
+            <a:endParaRPr lang="it-IT" sz="2000" dirty="0">
+              <a:ea typeface="Calibri" panose="020F0502020204030204"/>
+              <a:cs typeface="Calibri" panose="020F0502020204030204"/>
+            </a:endParaRPr>
+          </a:p>
+          <a:p>
+            <a:r>
+              <a:rPr lang="it-IT" sz="2000" dirty="0">
+                <a:ea typeface="Calibri" panose="020F0502020204030204"/>
+                <a:cs typeface="Calibri" panose="020F0502020204030204"/>
+              </a:rPr>
+              <a:t>Si può formulare una somma pesata dando più peso alla categoria di interesse maggiore</a:t>
+            </a:r>
+          </a:p>
+        </p:txBody>
+      </p:sp>
+    </p:spTree>
+    <p:extLst>
+      <p:ext uri="{BB962C8B-B14F-4D97-AF65-F5344CB8AC3E}">
+        <p14:creationId xmlns:p14="http://schemas.microsoft.com/office/powerpoint/2010/main" val="500491253"/>
+      </p:ext>
+    </p:extLst>
+  </p:cSld>
+  <p:clrMapOvr>
+    <a:masterClrMapping/>
+  </p:clrMapOvr>
+</p:sld>
+</file>
+
+<file path=ppt/slides/slide26.xml><?xml version="1.0" encoding="utf-8"?>
+<p:sld xmlns:a="http://schemas.openxmlformats.org/drawingml/2006/main" xmlns:r="http://schemas.openxmlformats.org/officeDocument/2006/relationships" xmlns:p="http://schemas.openxmlformats.org/presentationml/2006/main">
+  <p:cSld>
+    <p:spTree>
+      <p:nvGrpSpPr>
+        <p:cNvPr id="1" name="">
+          <a:extLst>
+            <a:ext uri="{FF2B5EF4-FFF2-40B4-BE49-F238E27FC236}">
+              <a16:creationId xmlns:a16="http://schemas.microsoft.com/office/drawing/2014/main" id="{38EFAA30-5B83-65C7-AC88-FEE887467793}"/>
+            </a:ext>
+          </a:extLst>
+        </p:cNvPr>
+        <p:cNvGrpSpPr/>
+        <p:nvPr/>
+      </p:nvGrpSpPr>
+      <p:grpSpPr>
+        <a:xfrm>
+          <a:off x="0" y="0"/>
+          <a:ext cx="0" cy="0"/>
+          <a:chOff x="0" y="0"/>
+          <a:chExt cx="0" cy="0"/>
+        </a:xfrm>
+      </p:grpSpPr>
+      <p:sp>
+        <p:nvSpPr>
+          <p:cNvPr id="2" name="Title 1">
+            <a:extLst>
+              <a:ext uri="{FF2B5EF4-FFF2-40B4-BE49-F238E27FC236}">
+                <a16:creationId xmlns:a16="http://schemas.microsoft.com/office/drawing/2014/main" id="{EA34CA08-7B7B-890C-1FA6-2A10358726FE}"/>
+              </a:ext>
+            </a:extLst>
+          </p:cNvPr>
+          <p:cNvSpPr>
+            <a:spLocks noGrp="1"/>
+          </p:cNvSpPr>
+          <p:nvPr>
+            <p:ph type="title"/>
+          </p:nvPr>
+        </p:nvSpPr>
+        <p:spPr>
+          <a:xfrm>
+            <a:off x="838200" y="365126"/>
+            <a:ext cx="10515600" cy="766558"/>
+          </a:xfrm>
+        </p:spPr>
+        <p:txBody>
+          <a:bodyPr>
+            <a:normAutofit/>
+          </a:bodyPr>
+          <a:lstStyle/>
+          <a:p>
+            <a:r>
+              <a:rPr lang="it-IT" sz="3200" dirty="0">
+                <a:latin typeface="+mn-lt"/>
+              </a:rPr>
+              <a:t>Valutazione Riusabilità</a:t>
+            </a:r>
+            <a:endParaRPr lang="it-IT" sz="3200" u="sng" noProof="0" dirty="0" err="1">
+              <a:latin typeface="+mn-lt"/>
+              <a:ea typeface="Calibri"/>
+              <a:cs typeface="Calibri"/>
+            </a:endParaRPr>
+          </a:p>
+        </p:txBody>
+      </p:sp>
+      <p:pic>
+        <p:nvPicPr>
+          <p:cNvPr id="3" name="Immagine 2" descr="Immagine che contiene testo, schermata, numero, Parallelo&#10;&#10;Il contenuto generato dall&amp;#39;IA potrebbe non essere corretto.">
+            <a:extLst>
+              <a:ext uri="{FF2B5EF4-FFF2-40B4-BE49-F238E27FC236}">
+                <a16:creationId xmlns:a16="http://schemas.microsoft.com/office/drawing/2014/main" id="{45DCDD2A-FA78-1CE0-D426-565C09516865}"/>
+              </a:ext>
+            </a:extLst>
+          </p:cNvPr>
+          <p:cNvPicPr>
+            <a:picLocks noChangeAspect="1"/>
+          </p:cNvPicPr>
+          <p:nvPr/>
+        </p:nvPicPr>
+        <p:blipFill>
+          <a:blip r:embed="rId2"/>
+          <a:stretch>
+            <a:fillRect/>
+          </a:stretch>
+        </p:blipFill>
+        <p:spPr>
+          <a:xfrm>
+            <a:off x="4956716" y="120805"/>
+            <a:ext cx="6850567" cy="6625683"/>
+          </a:xfrm>
+          <a:prstGeom prst="rect">
+            <a:avLst/>
+          </a:prstGeom>
+        </p:spPr>
+      </p:pic>
+    </p:spTree>
+    <p:extLst>
+      <p:ext uri="{BB962C8B-B14F-4D97-AF65-F5344CB8AC3E}">
+        <p14:creationId xmlns:p14="http://schemas.microsoft.com/office/powerpoint/2010/main" val="3757182568"/>
+      </p:ext>
+    </p:extLst>
+  </p:cSld>
+  <p:clrMapOvr>
+    <a:masterClrMapping/>
+  </p:clrMapOvr>
+</p:sld>
+</file>
+
+<file path=ppt/slides/slide27.xml><?xml version="1.0" encoding="utf-8"?>
+<p:sld xmlns:a="http://schemas.openxmlformats.org/drawingml/2006/main" xmlns:r="http://schemas.openxmlformats.org/officeDocument/2006/relationships" xmlns:p="http://schemas.openxmlformats.org/presentationml/2006/main">
+  <p:cSld>
+    <p:spTree>
+      <p:nvGrpSpPr>
+        <p:cNvPr id="1" name="">
+          <a:extLst>
+            <a:ext uri="{FF2B5EF4-FFF2-40B4-BE49-F238E27FC236}">
+              <a16:creationId xmlns:a16="http://schemas.microsoft.com/office/drawing/2014/main" id="{0B5B1F48-E3AD-DD00-C929-87E4B226DE70}"/>
+            </a:ext>
+          </a:extLst>
+        </p:cNvPr>
+        <p:cNvGrpSpPr/>
+        <p:nvPr/>
+      </p:nvGrpSpPr>
+      <p:grpSpPr>
+        <a:xfrm>
+          <a:off x="0" y="0"/>
+          <a:ext cx="0" cy="0"/>
+          <a:chOff x="0" y="0"/>
+          <a:chExt cx="0" cy="0"/>
+        </a:xfrm>
+      </p:grpSpPr>
+      <p:sp>
+        <p:nvSpPr>
+          <p:cNvPr id="2" name="Title 1">
+            <a:extLst>
+              <a:ext uri="{FF2B5EF4-FFF2-40B4-BE49-F238E27FC236}">
+                <a16:creationId xmlns:a16="http://schemas.microsoft.com/office/drawing/2014/main" id="{FB1C31DA-C330-F8F2-31CA-280EAAED1639}"/>
+              </a:ext>
+            </a:extLst>
+          </p:cNvPr>
+          <p:cNvSpPr>
+            <a:spLocks noGrp="1"/>
+          </p:cNvSpPr>
+          <p:nvPr>
+            <p:ph type="title"/>
+          </p:nvPr>
+        </p:nvSpPr>
+        <p:spPr>
+          <a:xfrm>
+            <a:off x="838200" y="365126"/>
+            <a:ext cx="10515600" cy="766558"/>
+          </a:xfrm>
+        </p:spPr>
+        <p:txBody>
+          <a:bodyPr>
+            <a:normAutofit/>
+          </a:bodyPr>
+          <a:lstStyle/>
+          <a:p>
+            <a:r>
+              <a:rPr lang="it-IT" sz="3200" dirty="0">
+                <a:latin typeface="+mn-lt"/>
+              </a:rPr>
+              <a:t>Valutazione Riusabilità</a:t>
+            </a:r>
+            <a:endParaRPr lang="it-IT" sz="3200" u="sng" noProof="0" dirty="0" err="1">
+              <a:latin typeface="+mn-lt"/>
+              <a:ea typeface="Calibri"/>
+              <a:cs typeface="Calibri"/>
+            </a:endParaRPr>
+          </a:p>
+        </p:txBody>
+      </p:sp>
+      <p:sp>
+        <p:nvSpPr>
+          <p:cNvPr id="4" name="TextBox 3">
+            <a:extLst>
+              <a:ext uri="{FF2B5EF4-FFF2-40B4-BE49-F238E27FC236}">
+                <a16:creationId xmlns:a16="http://schemas.microsoft.com/office/drawing/2014/main" id="{853C27A3-F714-9000-E19B-8A25D12469F7}"/>
+              </a:ext>
+            </a:extLst>
+          </p:cNvPr>
+          <p:cNvSpPr txBox="1"/>
+          <p:nvPr/>
+        </p:nvSpPr>
+        <p:spPr>
+          <a:xfrm>
+            <a:off x="986828" y="1137150"/>
+            <a:ext cx="10773623" cy="5170646"/>
+          </a:xfrm>
+          <a:prstGeom prst="rect">
+            <a:avLst/>
+          </a:prstGeom>
+          <a:noFill/>
+        </p:spPr>
+        <p:txBody>
+          <a:bodyPr wrap="square" lIns="91440" tIns="45720" rIns="91440" bIns="45720" rtlCol="0" anchor="t">
+            <a:spAutoFit/>
+          </a:bodyPr>
+          <a:lstStyle/>
+          <a:p>
+            <a:pPr marL="342900" indent="-342900">
+              <a:buFont typeface="Arial"/>
+              <a:buChar char="•"/>
+            </a:pPr>
+            <a:r>
+              <a:rPr lang="it-IT" sz="2000" b="1" dirty="0">
+                <a:ea typeface="Calibri"/>
+                <a:cs typeface="Calibri"/>
+              </a:rPr>
+              <a:t>IBM Granite</a:t>
+            </a:r>
+            <a:r>
+              <a:rPr lang="it-IT" sz="2000" dirty="0">
+                <a:ea typeface="Calibri"/>
+                <a:cs typeface="Calibri"/>
+              </a:rPr>
+              <a:t>: </a:t>
+            </a:r>
+          </a:p>
+          <a:p>
+            <a:pPr marL="800100" lvl="1" indent="-342900">
+              <a:buFont typeface="Arial"/>
+              <a:buChar char="•"/>
+            </a:pPr>
+            <a:r>
+              <a:rPr lang="it-IT" dirty="0">
+                <a:ea typeface="Calibri"/>
+                <a:cs typeface="Calibri"/>
+              </a:rPr>
+              <a:t>PA: 2, modelli general-purpose addestrati su dati generici; Flowstate 1 perchè opera su serie temporali univariate</a:t>
+            </a:r>
+          </a:p>
+          <a:p>
+            <a:pPr marL="800100" lvl="1" indent="-342900">
+              <a:buFont typeface="Arial"/>
+              <a:buChar char="•"/>
+            </a:pPr>
+            <a:r>
+              <a:rPr lang="it-IT" dirty="0">
+                <a:ea typeface="Calibri"/>
+                <a:cs typeface="Calibri"/>
+              </a:rPr>
+              <a:t>QD: 3, supporto di paper tecnici che descrivono l'architettura; numerose guide sull'utilizzo</a:t>
+            </a:r>
+          </a:p>
+          <a:p>
+            <a:pPr marL="800100" lvl="1" indent="-342900">
+              <a:buFont typeface="Arial"/>
+              <a:buChar char="•"/>
+            </a:pPr>
+            <a:r>
+              <a:rPr lang="it-IT" dirty="0">
+                <a:ea typeface="Calibri"/>
+                <a:cs typeface="Calibri"/>
+              </a:rPr>
+              <a:t>EE: 2, dati generici non sono sufficienti</a:t>
+            </a:r>
+          </a:p>
+          <a:p>
+            <a:pPr marL="800100" lvl="1" indent="-342900">
+              <a:buFont typeface="Arial"/>
+              <a:buChar char="•"/>
+            </a:pPr>
+            <a:r>
+              <a:rPr lang="it-IT" dirty="0">
+                <a:ea typeface="Calibri"/>
+                <a:cs typeface="Calibri"/>
+              </a:rPr>
+              <a:t>LC: 3, tutti i modelli sono Apache 2.0</a:t>
+            </a:r>
+          </a:p>
+          <a:p>
+            <a:pPr marL="800100" lvl="1" indent="-342900">
+              <a:buFont typeface="Arial"/>
+              <a:buChar char="•"/>
+            </a:pPr>
+            <a:endParaRPr lang="it-IT" dirty="0">
+              <a:ea typeface="Calibri"/>
+              <a:cs typeface="Calibri"/>
+            </a:endParaRPr>
+          </a:p>
+          <a:p>
+            <a:pPr marL="342900" indent="-342900">
+              <a:buFont typeface="Arial"/>
+              <a:buChar char="•"/>
+            </a:pPr>
+            <a:r>
+              <a:rPr lang="it-IT" sz="2000" b="1" dirty="0" err="1">
+                <a:ea typeface="Calibri"/>
+                <a:cs typeface="Calibri"/>
+              </a:rPr>
+              <a:t>Disease</a:t>
+            </a:r>
+            <a:r>
+              <a:rPr lang="it-IT" sz="2000" b="1" dirty="0">
+                <a:ea typeface="Calibri"/>
+                <a:cs typeface="Calibri"/>
+              </a:rPr>
+              <a:t> </a:t>
+            </a:r>
+            <a:r>
+              <a:rPr lang="it-IT" sz="2000" b="1" dirty="0" err="1">
+                <a:ea typeface="Calibri"/>
+                <a:cs typeface="Calibri"/>
+              </a:rPr>
+              <a:t>Detection</a:t>
+            </a:r>
+            <a:r>
+              <a:rPr lang="it-IT" sz="2000" dirty="0">
+                <a:ea typeface="Calibri"/>
+                <a:cs typeface="Calibri"/>
+              </a:rPr>
+              <a:t>, modello con il punteggio maggiore:</a:t>
+            </a:r>
+          </a:p>
+          <a:p>
+            <a:pPr marL="800100" lvl="1" indent="-342900">
+              <a:buFont typeface="Arial"/>
+              <a:buChar char="•"/>
+            </a:pPr>
+            <a:r>
+              <a:rPr lang="it-IT" dirty="0">
+                <a:ea typeface="Calibri"/>
+                <a:cs typeface="Calibri"/>
+              </a:rPr>
+              <a:t>PA: 3, detection di malattie in piante, addestrato su una grande quantità di colture comuni</a:t>
+            </a:r>
+          </a:p>
+          <a:p>
+            <a:pPr marL="800100" lvl="1" indent="-342900">
+              <a:buFont typeface="Arial"/>
+              <a:buChar char="•"/>
+            </a:pPr>
+            <a:r>
+              <a:rPr lang="it-IT" dirty="0">
+                <a:ea typeface="Calibri"/>
+                <a:cs typeface="Calibri"/>
+              </a:rPr>
+              <a:t>QD: 2, l'architettura di ViT è nota, non sono fornite guide all'utilizzo del modello</a:t>
+            </a:r>
+          </a:p>
+          <a:p>
+            <a:pPr marL="800100" lvl="1" indent="-342900">
+              <a:buFont typeface="Arial"/>
+              <a:buChar char="•"/>
+            </a:pPr>
+            <a:r>
+              <a:rPr lang="it-IT" dirty="0">
+                <a:ea typeface="Calibri"/>
+                <a:cs typeface="Calibri"/>
+              </a:rPr>
+              <a:t>EE: 3, si possono usare immagini di piante generiche</a:t>
+            </a:r>
+          </a:p>
+          <a:p>
+            <a:pPr marL="800100" lvl="1" indent="-342900">
+              <a:buFont typeface="Arial"/>
+              <a:buChar char="•"/>
+            </a:pPr>
+            <a:r>
+              <a:rPr lang="it-IT" dirty="0">
+                <a:ea typeface="Calibri"/>
+                <a:cs typeface="Calibri"/>
+              </a:rPr>
+              <a:t>LC: 3, ViT è rilasciato sotto Apache 2.0, il modello sotto MiT; entrambe licenze permissive</a:t>
+            </a:r>
+          </a:p>
+          <a:p>
+            <a:pPr marL="800100" lvl="1" indent="-342900">
+              <a:buFont typeface="Arial"/>
+              <a:buChar char="•"/>
+            </a:pPr>
+            <a:endParaRPr lang="it-IT" dirty="0">
+              <a:ea typeface="Calibri"/>
+              <a:cs typeface="Calibri"/>
+            </a:endParaRPr>
+          </a:p>
+          <a:p>
+            <a:pPr marL="342900" indent="-342900">
+              <a:buFont typeface="Arial"/>
+              <a:buChar char="•"/>
+            </a:pPr>
+            <a:r>
+              <a:rPr lang="it-IT" sz="2000" b="1" dirty="0" err="1">
+                <a:ea typeface="Calibri"/>
+                <a:cs typeface="Calibri"/>
+              </a:rPr>
+              <a:t>Fruits</a:t>
+            </a:r>
+            <a:r>
+              <a:rPr lang="it-IT" sz="2000" b="1" dirty="0">
+                <a:ea typeface="Calibri"/>
+                <a:cs typeface="Calibri"/>
+              </a:rPr>
+              <a:t> and </a:t>
+            </a:r>
+            <a:r>
+              <a:rPr lang="it-IT" sz="2000" b="1" dirty="0" err="1">
+                <a:ea typeface="Calibri"/>
+                <a:cs typeface="Calibri"/>
+              </a:rPr>
+              <a:t>Vedgetables</a:t>
+            </a:r>
+            <a:r>
+              <a:rPr lang="it-IT" sz="2000" b="1" dirty="0">
+                <a:ea typeface="Calibri"/>
+                <a:cs typeface="Calibri"/>
+              </a:rPr>
+              <a:t> Detector</a:t>
+            </a:r>
+            <a:r>
+              <a:rPr lang="it-IT" sz="2000" dirty="0">
+                <a:ea typeface="Calibri"/>
+                <a:cs typeface="Calibri"/>
+              </a:rPr>
+              <a:t>:</a:t>
+            </a:r>
+          </a:p>
+          <a:p>
+            <a:pPr marL="800100" lvl="1" indent="-342900">
+              <a:buFont typeface="Arial"/>
+              <a:buChar char="•"/>
+            </a:pPr>
+            <a:r>
+              <a:rPr lang="it-IT" dirty="0">
+                <a:ea typeface="Calibri"/>
+                <a:cs typeface="Calibri"/>
+              </a:rPr>
+              <a:t>PA: 2, a differenza di </a:t>
+            </a:r>
+            <a:r>
+              <a:rPr lang="it-IT" dirty="0" err="1">
+                <a:ea typeface="Calibri"/>
+                <a:cs typeface="Calibri"/>
+              </a:rPr>
+              <a:t>Disease</a:t>
+            </a:r>
+            <a:r>
+              <a:rPr lang="it-IT" dirty="0">
+                <a:ea typeface="Calibri"/>
+                <a:cs typeface="Calibri"/>
+              </a:rPr>
+              <a:t> </a:t>
+            </a:r>
+            <a:r>
+              <a:rPr lang="it-IT" dirty="0" err="1">
+                <a:ea typeface="Calibri"/>
+                <a:cs typeface="Calibri"/>
+              </a:rPr>
+              <a:t>Detection</a:t>
+            </a:r>
+            <a:r>
+              <a:rPr lang="it-IT" dirty="0">
+                <a:ea typeface="Calibri"/>
+                <a:cs typeface="Calibri"/>
+              </a:rPr>
+              <a:t>, è solo in grado di rilevare piante</a:t>
+            </a:r>
+          </a:p>
+          <a:p>
+            <a:pPr marL="800100" lvl="1" indent="-342900">
+              <a:buFont typeface="Arial"/>
+              <a:buChar char="•"/>
+            </a:pPr>
+            <a:r>
+              <a:rPr lang="it-IT" dirty="0">
+                <a:ea typeface="Calibri"/>
+                <a:cs typeface="Calibri"/>
+              </a:rPr>
+              <a:t>QD: 2, basato su </a:t>
+            </a:r>
+            <a:r>
+              <a:rPr lang="it-IT" dirty="0" err="1">
+                <a:ea typeface="Calibri"/>
+                <a:cs typeface="Calibri"/>
+              </a:rPr>
+              <a:t>ResNet</a:t>
+            </a:r>
+            <a:r>
+              <a:rPr lang="it-IT" dirty="0">
+                <a:ea typeface="Calibri"/>
+                <a:cs typeface="Calibri"/>
+              </a:rPr>
+              <a:t> di </a:t>
+            </a:r>
+            <a:r>
+              <a:rPr lang="it-IT" dirty="0" err="1">
+                <a:ea typeface="Calibri"/>
+                <a:cs typeface="Calibri"/>
+              </a:rPr>
+              <a:t>microsoft</a:t>
+            </a:r>
+            <a:r>
+              <a:rPr lang="it-IT" dirty="0">
+                <a:ea typeface="Calibri"/>
+                <a:cs typeface="Calibri"/>
+              </a:rPr>
+              <a:t>, architettura nota ma senza guide dettagliate</a:t>
+            </a:r>
+          </a:p>
+          <a:p>
+            <a:pPr marL="800100" lvl="1" indent="-342900">
+              <a:buFont typeface="Arial"/>
+              <a:buChar char="•"/>
+            </a:pPr>
+            <a:r>
+              <a:rPr lang="it-IT" dirty="0">
+                <a:ea typeface="Calibri"/>
+                <a:cs typeface="Calibri"/>
+              </a:rPr>
+              <a:t>EE: 3, sono sufficienti immagine generiche</a:t>
+            </a:r>
+          </a:p>
+          <a:p>
+            <a:pPr marL="800100" lvl="1" indent="-342900">
+              <a:buFont typeface="Arial"/>
+              <a:buChar char="•"/>
+            </a:pPr>
+            <a:r>
+              <a:rPr lang="it-IT" dirty="0">
+                <a:ea typeface="Calibri"/>
+                <a:cs typeface="Calibri"/>
+              </a:rPr>
+              <a:t>LC: 3, Apache 2.0</a:t>
+            </a:r>
+          </a:p>
+        </p:txBody>
+      </p:sp>
+    </p:spTree>
+    <p:extLst>
+      <p:ext uri="{BB962C8B-B14F-4D97-AF65-F5344CB8AC3E}">
+        <p14:creationId xmlns:p14="http://schemas.microsoft.com/office/powerpoint/2010/main" val="3037045698"/>
+      </p:ext>
+    </p:extLst>
+  </p:cSld>
+  <p:clrMapOvr>
+    <a:masterClrMapping/>
+  </p:clrMapOvr>
+</p:sld>
+</file>
+
+<file path=ppt/slides/slide28.xml><?xml version="1.0" encoding="utf-8"?>
+<p:sld xmlns:a="http://schemas.openxmlformats.org/drawingml/2006/main" xmlns:r="http://schemas.openxmlformats.org/officeDocument/2006/relationships" xmlns:p="http://schemas.openxmlformats.org/presentationml/2006/main">
+  <p:cSld>
+    <p:spTree>
+      <p:nvGrpSpPr>
+        <p:cNvPr id="1" name="">
+          <a:extLst>
+            <a:ext uri="{FF2B5EF4-FFF2-40B4-BE49-F238E27FC236}">
+              <a16:creationId xmlns:a16="http://schemas.microsoft.com/office/drawing/2014/main" id="{57067620-D232-7E70-5FAA-AFBA4D4A4952}"/>
+            </a:ext>
+          </a:extLst>
+        </p:cNvPr>
+        <p:cNvGrpSpPr/>
+        <p:nvPr/>
+      </p:nvGrpSpPr>
+      <p:grpSpPr>
+        <a:xfrm>
+          <a:off x="0" y="0"/>
+          <a:ext cx="0" cy="0"/>
+          <a:chOff x="0" y="0"/>
+          <a:chExt cx="0" cy="0"/>
+        </a:xfrm>
+      </p:grpSpPr>
+      <p:sp>
+        <p:nvSpPr>
+          <p:cNvPr id="2" name="Title 1">
+            <a:extLst>
+              <a:ext uri="{FF2B5EF4-FFF2-40B4-BE49-F238E27FC236}">
+                <a16:creationId xmlns:a16="http://schemas.microsoft.com/office/drawing/2014/main" id="{0411B563-E4CC-6C49-B6E2-25CACB9B00AD}"/>
+              </a:ext>
+            </a:extLst>
+          </p:cNvPr>
+          <p:cNvSpPr>
+            <a:spLocks noGrp="1"/>
+          </p:cNvSpPr>
+          <p:nvPr>
+            <p:ph type="title"/>
+          </p:nvPr>
+        </p:nvSpPr>
+        <p:spPr>
+          <a:xfrm>
+            <a:off x="838200" y="365126"/>
+            <a:ext cx="10515600" cy="766558"/>
+          </a:xfrm>
+        </p:spPr>
+        <p:txBody>
+          <a:bodyPr>
+            <a:normAutofit/>
+          </a:bodyPr>
+          <a:lstStyle/>
+          <a:p>
+            <a:r>
+              <a:rPr lang="it-IT" sz="3200" dirty="0">
+                <a:latin typeface="+mn-lt"/>
+              </a:rPr>
+              <a:t>Valutazione Riusabilità</a:t>
+            </a:r>
+            <a:endParaRPr lang="it-IT" sz="3200" u="sng" noProof="0" dirty="0" err="1">
+              <a:latin typeface="+mn-lt"/>
+              <a:ea typeface="Calibri"/>
+              <a:cs typeface="Calibri"/>
+            </a:endParaRPr>
+          </a:p>
+        </p:txBody>
+      </p:sp>
+      <p:sp>
+        <p:nvSpPr>
+          <p:cNvPr id="4" name="TextBox 3">
+            <a:extLst>
+              <a:ext uri="{FF2B5EF4-FFF2-40B4-BE49-F238E27FC236}">
+                <a16:creationId xmlns:a16="http://schemas.microsoft.com/office/drawing/2014/main" id="{0D4B9732-2DB5-6053-837E-288C7058093C}"/>
+              </a:ext>
+            </a:extLst>
+          </p:cNvPr>
+          <p:cNvSpPr txBox="1"/>
+          <p:nvPr/>
+        </p:nvSpPr>
+        <p:spPr>
+          <a:xfrm>
+            <a:off x="986828" y="1137150"/>
+            <a:ext cx="10773623" cy="5170646"/>
+          </a:xfrm>
+          <a:prstGeom prst="rect">
+            <a:avLst/>
+          </a:prstGeom>
+          <a:noFill/>
+        </p:spPr>
+        <p:txBody>
+          <a:bodyPr wrap="square" lIns="91440" tIns="45720" rIns="91440" bIns="45720" rtlCol="0" anchor="t">
+            <a:spAutoFit/>
+          </a:bodyPr>
+          <a:lstStyle/>
+          <a:p>
+            <a:pPr marL="342900" indent="-342900">
+              <a:buFont typeface="Arial"/>
+              <a:buChar char="•"/>
+            </a:pPr>
+            <a:r>
+              <a:rPr lang="it-IT" sz="2000" b="1" dirty="0">
+                <a:ea typeface="Calibri"/>
+                <a:cs typeface="Calibri"/>
+              </a:rPr>
+              <a:t>Leaf Detection and Classification</a:t>
+            </a:r>
+            <a:r>
+              <a:rPr lang="it-IT" sz="2000" dirty="0">
+                <a:ea typeface="Calibri"/>
+                <a:cs typeface="Calibri"/>
+              </a:rPr>
+              <a:t>: </a:t>
+            </a:r>
+          </a:p>
+          <a:p>
+            <a:pPr marL="800100" lvl="1" indent="-342900">
+              <a:buFont typeface="Arial"/>
+              <a:buChar char="•"/>
+            </a:pPr>
+            <a:r>
+              <a:rPr lang="it-IT" dirty="0">
+                <a:ea typeface="Calibri"/>
+                <a:cs typeface="Calibri"/>
+              </a:rPr>
+              <a:t>PA: 3, è in grado di rilevare sia piante che malattie</a:t>
+            </a:r>
+          </a:p>
+          <a:p>
+            <a:pPr marL="800100" lvl="1" indent="-342900">
+              <a:buFont typeface="Arial"/>
+              <a:buChar char="•"/>
+            </a:pPr>
+            <a:r>
+              <a:rPr lang="it-IT" dirty="0">
+                <a:ea typeface="Calibri"/>
+                <a:cs typeface="Calibri"/>
+              </a:rPr>
+              <a:t>QD: 2, il framework sottostante (YOLO) fornisce un’elevata quantità di guide</a:t>
+            </a:r>
+          </a:p>
+          <a:p>
+            <a:pPr marL="800100" lvl="1" indent="-342900">
+              <a:buFont typeface="Arial"/>
+              <a:buChar char="•"/>
+            </a:pPr>
+            <a:r>
+              <a:rPr lang="it-IT" dirty="0">
+                <a:ea typeface="Calibri"/>
+                <a:cs typeface="Calibri"/>
+              </a:rPr>
+              <a:t>EE: 3, come i precedenti detector di piante, sono sufficienti immagini generiche</a:t>
+            </a:r>
+          </a:p>
+          <a:p>
+            <a:pPr marL="800100" lvl="1" indent="-342900">
+              <a:buFont typeface="Arial"/>
+              <a:buChar char="•"/>
+            </a:pPr>
+            <a:r>
+              <a:rPr lang="it-IT" dirty="0">
+                <a:ea typeface="Calibri"/>
+                <a:cs typeface="Calibri"/>
+              </a:rPr>
+              <a:t>LC: 2, modelli derivati da YOLO necessitano una licenza commerciale</a:t>
+            </a:r>
+          </a:p>
+          <a:p>
+            <a:pPr marL="800100" lvl="1" indent="-342900">
+              <a:buFont typeface="Arial"/>
+              <a:buChar char="•"/>
+            </a:pPr>
+            <a:endParaRPr lang="it-IT" dirty="0">
+              <a:ea typeface="Calibri"/>
+              <a:cs typeface="Calibri"/>
+            </a:endParaRPr>
+          </a:p>
+          <a:p>
+            <a:pPr marL="342900" indent="-342900">
+              <a:buFont typeface="Arial"/>
+              <a:buChar char="•"/>
+            </a:pPr>
+            <a:r>
+              <a:rPr lang="it-IT" sz="2000" b="1" dirty="0">
+                <a:ea typeface="Calibri"/>
+                <a:cs typeface="Calibri"/>
+              </a:rPr>
+              <a:t>Classification of Leaf Diseases</a:t>
+            </a:r>
+            <a:r>
+              <a:rPr lang="it-IT" sz="2000" dirty="0">
+                <a:ea typeface="Calibri"/>
+                <a:cs typeface="Calibri"/>
+              </a:rPr>
+              <a:t>:</a:t>
+            </a:r>
+          </a:p>
+          <a:p>
+            <a:pPr marL="800100" lvl="1" indent="-342900">
+              <a:buFont typeface="Arial"/>
+              <a:buChar char="•"/>
+            </a:pPr>
+            <a:r>
+              <a:rPr lang="it-IT" dirty="0">
+                <a:ea typeface="Calibri"/>
+                <a:cs typeface="Calibri"/>
+              </a:rPr>
+              <a:t>PA: 3, stesso di sopra</a:t>
+            </a:r>
+          </a:p>
+          <a:p>
+            <a:pPr marL="800100" lvl="1" indent="-342900">
+              <a:buFont typeface="Arial"/>
+              <a:buChar char="•"/>
+            </a:pPr>
+            <a:r>
+              <a:rPr lang="it-IT" dirty="0">
+                <a:ea typeface="Calibri"/>
+                <a:cs typeface="Calibri"/>
+              </a:rPr>
+              <a:t>QD: 2, il modello è supportato da un paper che spiega il processo di addestramento</a:t>
+            </a:r>
+          </a:p>
+          <a:p>
+            <a:pPr marL="800100" lvl="1" indent="-342900">
+              <a:buFont typeface="Arial"/>
+              <a:buChar char="•"/>
+            </a:pPr>
+            <a:r>
+              <a:rPr lang="it-IT" dirty="0">
+                <a:ea typeface="Calibri"/>
+                <a:cs typeface="Calibri"/>
+              </a:rPr>
+              <a:t>EE: 1, il modello fa uso di un LLM (LLaVa) per determinare la malattia presente; in quanto tale, potrebbe essere necessario un testing approfondito per assicurare il funzionamento corretto dell’LLM</a:t>
+            </a:r>
+          </a:p>
+          <a:p>
+            <a:pPr marL="800100" lvl="1" indent="-342900">
+              <a:buFont typeface="Arial"/>
+              <a:buChar char="•"/>
+            </a:pPr>
+            <a:r>
+              <a:rPr lang="it-IT" dirty="0">
+                <a:ea typeface="Calibri"/>
+                <a:cs typeface="Calibri"/>
+              </a:rPr>
+              <a:t>LC: 2, una licenza potrebbe essere necessaria in base al numero di utenze mensili</a:t>
+            </a:r>
+          </a:p>
+          <a:p>
+            <a:pPr marL="800100" lvl="1" indent="-342900">
+              <a:buFont typeface="Arial"/>
+              <a:buChar char="•"/>
+            </a:pPr>
+            <a:endParaRPr lang="it-IT" dirty="0">
+              <a:ea typeface="Calibri"/>
+              <a:cs typeface="Calibri"/>
+            </a:endParaRPr>
+          </a:p>
+          <a:p>
+            <a:pPr marL="342900" indent="-342900">
+              <a:buFont typeface="Arial"/>
+              <a:buChar char="•"/>
+            </a:pPr>
+            <a:r>
+              <a:rPr lang="it-IT" sz="2000" b="1" dirty="0">
+                <a:ea typeface="Calibri"/>
+                <a:cs typeface="Calibri"/>
+              </a:rPr>
+              <a:t>Timeseries Anomaly Detection</a:t>
+            </a:r>
+            <a:endParaRPr lang="it-IT" sz="2000" dirty="0">
+              <a:ea typeface="Calibri"/>
+              <a:cs typeface="Calibri"/>
+            </a:endParaRPr>
+          </a:p>
+          <a:p>
+            <a:pPr marL="800100" lvl="1" indent="-342900">
+              <a:buFont typeface="Arial"/>
+              <a:buChar char="•"/>
+            </a:pPr>
+            <a:r>
+              <a:rPr lang="it-IT" dirty="0">
+                <a:ea typeface="Calibri"/>
+                <a:cs typeface="Calibri"/>
+              </a:rPr>
+              <a:t>PA: 1, il modello svolge solo anomaly detection esclusivamente su serie temporali univariate</a:t>
+            </a:r>
+          </a:p>
+          <a:p>
+            <a:pPr marL="800100" lvl="1" indent="-342900">
+              <a:buFont typeface="Arial"/>
+              <a:buChar char="•"/>
+            </a:pPr>
+            <a:r>
+              <a:rPr lang="it-IT" dirty="0">
+                <a:ea typeface="Calibri"/>
+                <a:cs typeface="Calibri"/>
+              </a:rPr>
+              <a:t>QD: 2, è addestrato come showcase della libreria Keras, il procedimento è noto</a:t>
+            </a:r>
+          </a:p>
+          <a:p>
+            <a:pPr marL="800100" lvl="1" indent="-342900">
+              <a:buFont typeface="Arial"/>
+              <a:buChar char="•"/>
+            </a:pPr>
+            <a:r>
+              <a:rPr lang="it-IT" dirty="0">
+                <a:ea typeface="Calibri"/>
+                <a:cs typeface="Calibri"/>
+              </a:rPr>
+              <a:t>EE: 2, stessa motivazione dei modelli IBM Granite</a:t>
+            </a:r>
+          </a:p>
+          <a:p>
+            <a:pPr marL="800100" lvl="1" indent="-342900">
+              <a:buFont typeface="Arial"/>
+              <a:buChar char="•"/>
+            </a:pPr>
+            <a:r>
+              <a:rPr lang="it-IT" dirty="0">
+                <a:ea typeface="Calibri"/>
+                <a:cs typeface="Calibri"/>
+              </a:rPr>
+              <a:t>LC: 2, non riporta nessuna licenza</a:t>
+            </a:r>
+          </a:p>
+        </p:txBody>
+      </p:sp>
+    </p:spTree>
+    <p:extLst>
+      <p:ext uri="{BB962C8B-B14F-4D97-AF65-F5344CB8AC3E}">
+        <p14:creationId xmlns:p14="http://schemas.microsoft.com/office/powerpoint/2010/main" val="4237367673"/>
+      </p:ext>
+    </p:extLst>
+  </p:cSld>
+  <p:clrMapOvr>
+    <a:masterClrMapping/>
+  </p:clrMapOvr>
+</p:sld>
+</file>
+
+<file path=ppt/slides/slide29.xml><?xml version="1.0" encoding="utf-8"?>
+<p:sld xmlns:a="http://schemas.openxmlformats.org/drawingml/2006/main" xmlns:r="http://schemas.openxmlformats.org/officeDocument/2006/relationships" xmlns:p="http://schemas.openxmlformats.org/presentationml/2006/main">
+  <p:cSld>
+    <p:spTree>
+      <p:nvGrpSpPr>
+        <p:cNvPr id="1" name="">
+          <a:extLst>
+            <a:ext uri="{FF2B5EF4-FFF2-40B4-BE49-F238E27FC236}">
+              <a16:creationId xmlns:a16="http://schemas.microsoft.com/office/drawing/2014/main" id="{81B3D920-DE11-2B28-E731-18D7F2D21168}"/>
+            </a:ext>
+          </a:extLst>
+        </p:cNvPr>
+        <p:cNvGrpSpPr/>
+        <p:nvPr/>
+      </p:nvGrpSpPr>
+      <p:grpSpPr>
+        <a:xfrm>
+          <a:off x="0" y="0"/>
+          <a:ext cx="0" cy="0"/>
+          <a:chOff x="0" y="0"/>
+          <a:chExt cx="0" cy="0"/>
+        </a:xfrm>
+      </p:grpSpPr>
+      <p:sp>
+        <p:nvSpPr>
+          <p:cNvPr id="2" name="Title 1">
+            <a:extLst>
+              <a:ext uri="{FF2B5EF4-FFF2-40B4-BE49-F238E27FC236}">
+                <a16:creationId xmlns:a16="http://schemas.microsoft.com/office/drawing/2014/main" id="{B2F6DD4F-1FD3-94F3-18E1-71A82F35C81A}"/>
+              </a:ext>
+            </a:extLst>
+          </p:cNvPr>
+          <p:cNvSpPr>
+            <a:spLocks noGrp="1"/>
+          </p:cNvSpPr>
+          <p:nvPr>
+            <p:ph type="title"/>
+          </p:nvPr>
+        </p:nvSpPr>
+        <p:spPr>
+          <a:xfrm>
+            <a:off x="838200" y="365126"/>
+            <a:ext cx="10515600" cy="766558"/>
+          </a:xfrm>
+        </p:spPr>
+        <p:txBody>
+          <a:bodyPr>
+            <a:normAutofit/>
+          </a:bodyPr>
+          <a:lstStyle/>
+          <a:p>
+            <a:r>
+              <a:rPr lang="it-IT" sz="3200" dirty="0">
+                <a:latin typeface="+mn-lt"/>
+              </a:rPr>
+              <a:t>Valutazione Riusabilità</a:t>
+            </a:r>
+            <a:endParaRPr lang="it-IT" sz="3200" u="sng" noProof="0" dirty="0" err="1">
+              <a:latin typeface="+mn-lt"/>
+              <a:ea typeface="Calibri"/>
+              <a:cs typeface="Calibri"/>
+            </a:endParaRPr>
+          </a:p>
+        </p:txBody>
+      </p:sp>
+      <p:sp>
+        <p:nvSpPr>
+          <p:cNvPr id="4" name="TextBox 3">
+            <a:extLst>
+              <a:ext uri="{FF2B5EF4-FFF2-40B4-BE49-F238E27FC236}">
+                <a16:creationId xmlns:a16="http://schemas.microsoft.com/office/drawing/2014/main" id="{448DB0B0-271C-B898-4FBD-28ADAE28EDEA}"/>
+              </a:ext>
+            </a:extLst>
+          </p:cNvPr>
+          <p:cNvSpPr txBox="1"/>
+          <p:nvPr/>
+        </p:nvSpPr>
+        <p:spPr>
+          <a:xfrm>
+            <a:off x="986828" y="1137150"/>
+            <a:ext cx="10773623" cy="3754874"/>
+          </a:xfrm>
+          <a:prstGeom prst="rect">
+            <a:avLst/>
+          </a:prstGeom>
+          <a:noFill/>
+        </p:spPr>
+        <p:txBody>
+          <a:bodyPr wrap="square" lIns="91440" tIns="45720" rIns="91440" bIns="45720" rtlCol="0" anchor="t">
+            <a:spAutoFit/>
+          </a:bodyPr>
+          <a:lstStyle/>
+          <a:p>
+            <a:pPr marL="342900" indent="-342900">
+              <a:buFont typeface="Arial"/>
+              <a:buChar char="•"/>
+            </a:pPr>
+            <a:r>
+              <a:rPr lang="it-IT" sz="2000" b="1" dirty="0">
+                <a:ea typeface="Calibri"/>
+                <a:cs typeface="Calibri"/>
+              </a:rPr>
+              <a:t>AdaptLLM Remote Sensing:</a:t>
+            </a:r>
+          </a:p>
+          <a:p>
+            <a:pPr marL="800100" lvl="1" indent="-342900">
+              <a:buFont typeface="Arial"/>
+              <a:buChar char="•"/>
+            </a:pPr>
+            <a:r>
+              <a:rPr lang="it-IT" dirty="0">
+                <a:ea typeface="Calibri"/>
+                <a:cs typeface="Calibri"/>
+              </a:rPr>
+              <a:t>PA: 3, fornire una descrizione in linguaggio naturale di immagini ottenute da droni può essere utile per tenere traccia dello stato delle colture</a:t>
+            </a:r>
+          </a:p>
+          <a:p>
+            <a:pPr marL="800100" lvl="1" indent="-342900">
+              <a:buFont typeface="Arial"/>
+              <a:buChar char="•"/>
+            </a:pPr>
+            <a:r>
+              <a:rPr lang="it-IT" dirty="0">
+                <a:ea typeface="Calibri"/>
+                <a:cs typeface="Calibri"/>
+              </a:rPr>
+              <a:t>QD: 2, architettura nota ma non sono forniti molti esempi di uso</a:t>
+            </a:r>
+          </a:p>
+          <a:p>
+            <a:pPr marL="800100" lvl="1" indent="-342900">
+              <a:buFont typeface="Arial"/>
+              <a:buChar char="•"/>
+            </a:pPr>
+            <a:r>
+              <a:rPr lang="it-IT" dirty="0">
+                <a:ea typeface="Calibri"/>
+                <a:cs typeface="Calibri"/>
+              </a:rPr>
+              <a:t>EE: 1, possibile testing intensivo per garantire il corretto funzionamento dell’LLM</a:t>
+            </a:r>
+          </a:p>
+          <a:p>
+            <a:pPr marL="800100" lvl="1" indent="-342900">
+              <a:buFont typeface="Arial"/>
+              <a:buChar char="•"/>
+            </a:pPr>
+            <a:r>
+              <a:rPr lang="it-IT" dirty="0">
+                <a:ea typeface="Calibri"/>
+                <a:cs typeface="Calibri"/>
+              </a:rPr>
+              <a:t>LC: 2, non è chiara la licenza di utilizzo</a:t>
+            </a:r>
+          </a:p>
+          <a:p>
+            <a:pPr marL="800100" lvl="1" indent="-342900">
+              <a:buFont typeface="Arial"/>
+              <a:buChar char="•"/>
+            </a:pPr>
+            <a:endParaRPr lang="it-IT" dirty="0">
+              <a:ea typeface="Calibri"/>
+              <a:cs typeface="Calibri"/>
+            </a:endParaRPr>
+          </a:p>
+          <a:p>
+            <a:pPr marL="342900" indent="-342900">
+              <a:buFont typeface="Arial"/>
+              <a:buChar char="•"/>
+            </a:pPr>
+            <a:r>
+              <a:rPr lang="it-IT" sz="2000" b="1" dirty="0">
+                <a:ea typeface="Calibri"/>
+                <a:cs typeface="Calibri"/>
+              </a:rPr>
+              <a:t>CropSeek LLM</a:t>
+            </a:r>
+            <a:r>
+              <a:rPr lang="it-IT" sz="2000" dirty="0">
+                <a:ea typeface="Calibri"/>
+                <a:cs typeface="Calibri"/>
+              </a:rPr>
+              <a:t>:</a:t>
+            </a:r>
+          </a:p>
+          <a:p>
+            <a:pPr marL="800100" lvl="1" indent="-342900">
+              <a:buFont typeface="Arial"/>
+              <a:buChar char="•"/>
+            </a:pPr>
+            <a:r>
+              <a:rPr lang="it-IT" dirty="0">
+                <a:ea typeface="Calibri"/>
+                <a:cs typeface="Calibri"/>
+              </a:rPr>
+              <a:t>PA: 2, dato lo scarso numero di dati usati per il fine-tuning</a:t>
+            </a:r>
+          </a:p>
+          <a:p>
+            <a:pPr marL="800100" lvl="1" indent="-342900">
+              <a:buFont typeface="Arial"/>
+              <a:buChar char="•"/>
+            </a:pPr>
+            <a:r>
+              <a:rPr lang="it-IT" dirty="0">
+                <a:ea typeface="Calibri"/>
+                <a:cs typeface="Calibri"/>
+              </a:rPr>
+              <a:t>QD: 3, essendo un chatbot non molta documentazione è necessaria</a:t>
+            </a:r>
+          </a:p>
+          <a:p>
+            <a:pPr marL="800100" lvl="1" indent="-342900">
+              <a:buFont typeface="Arial"/>
+              <a:buChar char="•"/>
+            </a:pPr>
+            <a:r>
+              <a:rPr lang="it-IT" dirty="0">
+                <a:ea typeface="Calibri"/>
+                <a:cs typeface="Calibri"/>
+              </a:rPr>
+              <a:t>EE: 1, come per gli altri LLM, potrebbe necessitare testing intensivo</a:t>
+            </a:r>
+          </a:p>
+          <a:p>
+            <a:pPr marL="800100" lvl="1" indent="-342900">
+              <a:buFont typeface="Arial"/>
+              <a:buChar char="•"/>
+            </a:pPr>
+            <a:r>
+              <a:rPr lang="it-IT" dirty="0">
+                <a:ea typeface="Calibri"/>
+                <a:cs typeface="Calibri"/>
+              </a:rPr>
+              <a:t>LC: 1, la licenza proibisce usi commerciali</a:t>
+            </a:r>
+          </a:p>
+          <a:p>
+            <a:pPr marL="800100" lvl="1" indent="-342900">
+              <a:buFont typeface="Arial"/>
+              <a:buChar char="•"/>
+            </a:pPr>
+            <a:endParaRPr lang="it-IT" dirty="0">
+              <a:ea typeface="Calibri"/>
+              <a:cs typeface="Calibri"/>
+            </a:endParaRPr>
+          </a:p>
+        </p:txBody>
+      </p:sp>
+    </p:spTree>
+    <p:extLst>
+      <p:ext uri="{BB962C8B-B14F-4D97-AF65-F5344CB8AC3E}">
+        <p14:creationId xmlns:p14="http://schemas.microsoft.com/office/powerpoint/2010/main" val="800466123"/>
       </p:ext>
     </p:extLst>
   </p:cSld>
@@ -6423,6 +10593,812 @@
 </p:sld>
 </file>
 
+<file path=ppt/slides/slide30.xml><?xml version="1.0" encoding="utf-8"?>
+<p:sld xmlns:a="http://schemas.openxmlformats.org/drawingml/2006/main" xmlns:r="http://schemas.openxmlformats.org/officeDocument/2006/relationships" xmlns:p="http://schemas.openxmlformats.org/presentationml/2006/main">
+  <p:cSld>
+    <p:spTree>
+      <p:nvGrpSpPr>
+        <p:cNvPr id="1" name="">
+          <a:extLst>
+            <a:ext uri="{FF2B5EF4-FFF2-40B4-BE49-F238E27FC236}">
+              <a16:creationId xmlns:a16="http://schemas.microsoft.com/office/drawing/2014/main" id="{13B12EDE-40AA-5C12-D139-6809F1FEC8BD}"/>
+            </a:ext>
+          </a:extLst>
+        </p:cNvPr>
+        <p:cNvGrpSpPr/>
+        <p:nvPr/>
+      </p:nvGrpSpPr>
+      <p:grpSpPr>
+        <a:xfrm>
+          <a:off x="0" y="0"/>
+          <a:ext cx="0" cy="0"/>
+          <a:chOff x="0" y="0"/>
+          <a:chExt cx="0" cy="0"/>
+        </a:xfrm>
+      </p:grpSpPr>
+      <p:sp>
+        <p:nvSpPr>
+          <p:cNvPr id="2" name="Title 1">
+            <a:extLst>
+              <a:ext uri="{FF2B5EF4-FFF2-40B4-BE49-F238E27FC236}">
+                <a16:creationId xmlns:a16="http://schemas.microsoft.com/office/drawing/2014/main" id="{4F5EE2C0-FD24-E8F0-C974-456CAD90F409}"/>
+              </a:ext>
+            </a:extLst>
+          </p:cNvPr>
+          <p:cNvSpPr>
+            <a:spLocks noGrp="1"/>
+          </p:cNvSpPr>
+          <p:nvPr>
+            <p:ph type="title"/>
+          </p:nvPr>
+        </p:nvSpPr>
+        <p:spPr>
+          <a:xfrm>
+            <a:off x="838200" y="365126"/>
+            <a:ext cx="10515600" cy="766558"/>
+          </a:xfrm>
+        </p:spPr>
+        <p:txBody>
+          <a:bodyPr>
+            <a:normAutofit/>
+          </a:bodyPr>
+          <a:lstStyle/>
+          <a:p>
+            <a:r>
+              <a:rPr lang="it-IT" sz="3200" dirty="0">
+                <a:latin typeface="+mn-lt"/>
+              </a:rPr>
+              <a:t>Limitazioni</a:t>
+            </a:r>
+            <a:endParaRPr lang="it-IT" sz="3200" u="sng" noProof="0" dirty="0" err="1">
+              <a:latin typeface="+mn-lt"/>
+              <a:ea typeface="Calibri"/>
+              <a:cs typeface="Calibri"/>
+            </a:endParaRPr>
+          </a:p>
+        </p:txBody>
+      </p:sp>
+      <p:sp>
+        <p:nvSpPr>
+          <p:cNvPr id="4" name="TextBox 3">
+            <a:extLst>
+              <a:ext uri="{FF2B5EF4-FFF2-40B4-BE49-F238E27FC236}">
+                <a16:creationId xmlns:a16="http://schemas.microsoft.com/office/drawing/2014/main" id="{9D3AAE23-A7D0-DF14-B184-7E0DC6327CD3}"/>
+              </a:ext>
+            </a:extLst>
+          </p:cNvPr>
+          <p:cNvSpPr txBox="1"/>
+          <p:nvPr/>
+        </p:nvSpPr>
+        <p:spPr>
+          <a:xfrm>
+            <a:off x="986828" y="1137150"/>
+            <a:ext cx="10773623" cy="1846659"/>
+          </a:xfrm>
+          <a:prstGeom prst="rect">
+            <a:avLst/>
+          </a:prstGeom>
+          <a:noFill/>
+        </p:spPr>
+        <p:txBody>
+          <a:bodyPr wrap="square" lIns="91440" tIns="45720" rIns="91440" bIns="45720" rtlCol="0" anchor="t">
+            <a:spAutoFit/>
+          </a:bodyPr>
+          <a:lstStyle/>
+          <a:p>
+            <a:pPr marL="342900" indent="-342900">
+              <a:buFont typeface="Arial"/>
+              <a:buChar char="•"/>
+            </a:pPr>
+            <a:r>
+              <a:rPr lang="it-IT" sz="2000" dirty="0">
+                <a:ea typeface="Calibri"/>
+                <a:cs typeface="Calibri"/>
+              </a:rPr>
+              <a:t>Metodo di ricerca</a:t>
+            </a:r>
+          </a:p>
+          <a:p>
+            <a:pPr marL="800100" lvl="1" indent="-342900">
+              <a:buFont typeface="Arial"/>
+              <a:buChar char="•"/>
+            </a:pPr>
+            <a:r>
+              <a:rPr lang="it-IT" dirty="0">
+                <a:ea typeface="Calibri"/>
+                <a:cs typeface="Calibri"/>
+              </a:rPr>
+              <a:t>Termini di inclusione</a:t>
+            </a:r>
+          </a:p>
+          <a:p>
+            <a:pPr marL="800100" lvl="1" indent="-342900">
+              <a:buFont typeface="Arial"/>
+              <a:buChar char="•"/>
+            </a:pPr>
+            <a:r>
+              <a:rPr lang="it-IT" dirty="0">
+                <a:ea typeface="Calibri"/>
+                <a:cs typeface="Calibri"/>
+              </a:rPr>
+              <a:t>Requisito download</a:t>
+            </a:r>
+          </a:p>
+          <a:p>
+            <a:pPr marL="800100" lvl="1" indent="-342900">
+              <a:buFont typeface="Arial"/>
+              <a:buChar char="•"/>
+            </a:pPr>
+            <a:r>
+              <a:rPr lang="it-IT" dirty="0">
+                <a:ea typeface="Calibri"/>
+                <a:cs typeface="Calibri"/>
+              </a:rPr>
+              <a:t>Singola sorgente</a:t>
+            </a:r>
+          </a:p>
+          <a:p>
+            <a:pPr marL="342900" indent="-342900">
+              <a:buFont typeface="Arial"/>
+              <a:buChar char="•"/>
+            </a:pPr>
+            <a:r>
+              <a:rPr lang="it-IT" sz="2000" dirty="0">
+                <a:ea typeface="Calibri"/>
+                <a:cs typeface="Calibri"/>
+              </a:rPr>
+              <a:t>Mancanza di dati per test empirici</a:t>
+            </a:r>
+          </a:p>
+          <a:p>
+            <a:pPr marL="342900" indent="-342900">
+              <a:buFont typeface="Arial"/>
+              <a:buChar char="•"/>
+            </a:pPr>
+            <a:r>
+              <a:rPr lang="it-IT" sz="2000" dirty="0">
+                <a:ea typeface="Calibri"/>
+                <a:cs typeface="Calibri"/>
+              </a:rPr>
+              <a:t>Dominanza di modelli IBM (46.6%)</a:t>
+            </a:r>
+          </a:p>
+        </p:txBody>
+      </p:sp>
+    </p:spTree>
+    <p:extLst>
+      <p:ext uri="{BB962C8B-B14F-4D97-AF65-F5344CB8AC3E}">
+        <p14:creationId xmlns:p14="http://schemas.microsoft.com/office/powerpoint/2010/main" val="2408469650"/>
+      </p:ext>
+    </p:extLst>
+  </p:cSld>
+  <p:clrMapOvr>
+    <a:masterClrMapping/>
+  </p:clrMapOvr>
+</p:sld>
+</file>
+
+<file path=ppt/slides/slide31.xml><?xml version="1.0" encoding="utf-8"?>
+<p:sld xmlns:a="http://schemas.openxmlformats.org/drawingml/2006/main" xmlns:r="http://schemas.openxmlformats.org/officeDocument/2006/relationships" xmlns:p="http://schemas.openxmlformats.org/presentationml/2006/main">
+  <p:cSld>
+    <p:spTree>
+      <p:nvGrpSpPr>
+        <p:cNvPr id="1" name="">
+          <a:extLst>
+            <a:ext uri="{FF2B5EF4-FFF2-40B4-BE49-F238E27FC236}">
+              <a16:creationId xmlns:a16="http://schemas.microsoft.com/office/drawing/2014/main" id="{6B877613-C027-BF08-DC6E-28E68DFD73B6}"/>
+            </a:ext>
+          </a:extLst>
+        </p:cNvPr>
+        <p:cNvGrpSpPr/>
+        <p:nvPr/>
+      </p:nvGrpSpPr>
+      <p:grpSpPr>
+        <a:xfrm>
+          <a:off x="0" y="0"/>
+          <a:ext cx="0" cy="0"/>
+          <a:chOff x="0" y="0"/>
+          <a:chExt cx="0" cy="0"/>
+        </a:xfrm>
+      </p:grpSpPr>
+      <p:sp>
+        <p:nvSpPr>
+          <p:cNvPr id="2" name="Title 1">
+            <a:extLst>
+              <a:ext uri="{FF2B5EF4-FFF2-40B4-BE49-F238E27FC236}">
+                <a16:creationId xmlns:a16="http://schemas.microsoft.com/office/drawing/2014/main" id="{6137EE9A-7BD0-BFBD-BCA4-56AC85D30145}"/>
+              </a:ext>
+            </a:extLst>
+          </p:cNvPr>
+          <p:cNvSpPr>
+            <a:spLocks noGrp="1"/>
+          </p:cNvSpPr>
+          <p:nvPr>
+            <p:ph type="title"/>
+          </p:nvPr>
+        </p:nvSpPr>
+        <p:spPr>
+          <a:xfrm>
+            <a:off x="838200" y="365126"/>
+            <a:ext cx="10515600" cy="766558"/>
+          </a:xfrm>
+        </p:spPr>
+        <p:txBody>
+          <a:bodyPr>
+            <a:normAutofit/>
+          </a:bodyPr>
+          <a:lstStyle/>
+          <a:p>
+            <a:r>
+              <a:rPr lang="it-IT" sz="3200" dirty="0">
+                <a:latin typeface="+mn-lt"/>
+              </a:rPr>
+              <a:t>Conclusioni</a:t>
+            </a:r>
+            <a:endParaRPr lang="it-IT" sz="3200" u="sng" noProof="0" dirty="0" err="1">
+              <a:latin typeface="+mn-lt"/>
+              <a:ea typeface="Calibri"/>
+              <a:cs typeface="Calibri"/>
+            </a:endParaRPr>
+          </a:p>
+        </p:txBody>
+      </p:sp>
+      <p:sp>
+        <p:nvSpPr>
+          <p:cNvPr id="4" name="TextBox 3">
+            <a:extLst>
+              <a:ext uri="{FF2B5EF4-FFF2-40B4-BE49-F238E27FC236}">
+                <a16:creationId xmlns:a16="http://schemas.microsoft.com/office/drawing/2014/main" id="{55CBDF80-F302-5887-856F-E1E99C82B6D5}"/>
+              </a:ext>
+            </a:extLst>
+          </p:cNvPr>
+          <p:cNvSpPr txBox="1"/>
+          <p:nvPr/>
+        </p:nvSpPr>
+        <p:spPr>
+          <a:xfrm>
+            <a:off x="986828" y="1137150"/>
+            <a:ext cx="10773623" cy="3539430"/>
+          </a:xfrm>
+          <a:prstGeom prst="rect">
+            <a:avLst/>
+          </a:prstGeom>
+          <a:noFill/>
+        </p:spPr>
+        <p:txBody>
+          <a:bodyPr wrap="square" lIns="91440" tIns="45720" rIns="91440" bIns="45720" rtlCol="0" anchor="t">
+            <a:spAutoFit/>
+          </a:bodyPr>
+          <a:lstStyle/>
+          <a:p>
+            <a:pPr marL="342900" indent="-342900">
+              <a:buFont typeface="Arial"/>
+              <a:buChar char="•"/>
+            </a:pPr>
+            <a:r>
+              <a:rPr lang="it-IT" sz="2000" dirty="0">
+                <a:ea typeface="Calibri"/>
+                <a:cs typeface="Calibri"/>
+              </a:rPr>
+              <a:t>Rilevanza e diversità dei modelli</a:t>
+            </a:r>
+          </a:p>
+          <a:p>
+            <a:pPr marL="800100" lvl="1" indent="-342900">
+              <a:buFont typeface="Arial"/>
+              <a:buChar char="•"/>
+            </a:pPr>
+            <a:r>
+              <a:rPr lang="it-IT" dirty="0">
+                <a:ea typeface="Calibri"/>
+                <a:cs typeface="Calibri"/>
+              </a:rPr>
+              <a:t>Solo il 15% dei modelli sono risultati rilevanti/documentati</a:t>
+            </a:r>
+          </a:p>
+          <a:p>
+            <a:pPr marL="800100" lvl="1" indent="-342900">
+              <a:buFont typeface="Arial"/>
+              <a:buChar char="•"/>
+            </a:pPr>
+            <a:r>
+              <a:rPr lang="it-IT" dirty="0">
+                <a:ea typeface="Calibri"/>
+                <a:cs typeface="Calibri"/>
+              </a:rPr>
+              <a:t>Il 46.6% di questi svolge analisi di serie temporali</a:t>
+            </a:r>
+          </a:p>
+          <a:p>
+            <a:pPr marL="342900" indent="-342900">
+              <a:buFont typeface="Arial"/>
+              <a:buChar char="•"/>
+            </a:pPr>
+            <a:r>
+              <a:rPr lang="it-IT" sz="2000" dirty="0">
+                <a:ea typeface="Calibri"/>
+                <a:cs typeface="Calibri"/>
+              </a:rPr>
+              <a:t>Licenze</a:t>
+            </a:r>
+          </a:p>
+          <a:p>
+            <a:pPr marL="800100" lvl="1" indent="-342900">
+              <a:buFont typeface="Arial"/>
+              <a:buChar char="•"/>
+            </a:pPr>
+            <a:r>
+              <a:rPr lang="it-IT" dirty="0">
+                <a:ea typeface="Calibri"/>
+                <a:cs typeface="Calibri"/>
+              </a:rPr>
+              <a:t>Maggior parte dei modelli rilasciati sotto Apache 2.0</a:t>
+            </a:r>
+          </a:p>
+          <a:p>
+            <a:pPr marL="800100" lvl="1" indent="-342900">
+              <a:buFont typeface="Arial"/>
+              <a:buChar char="•"/>
+            </a:pPr>
+            <a:r>
+              <a:rPr lang="it-IT" dirty="0">
+                <a:ea typeface="Calibri"/>
+                <a:cs typeface="Calibri"/>
+              </a:rPr>
+              <a:t>Quelli rimanenti, richiedono l’acquisto di una licenza commerciale (tranne CropSeek)</a:t>
+            </a:r>
+          </a:p>
+          <a:p>
+            <a:pPr marL="342900" indent="-342900">
+              <a:buFont typeface="Arial"/>
+              <a:buChar char="•"/>
+            </a:pPr>
+            <a:r>
+              <a:rPr lang="it-IT" sz="2000" dirty="0">
+                <a:ea typeface="Calibri"/>
+                <a:cs typeface="Calibri"/>
+              </a:rPr>
+              <a:t>Bias</a:t>
+            </a:r>
+          </a:p>
+          <a:p>
+            <a:pPr marL="800100" lvl="1" indent="-342900">
+              <a:buFont typeface="Arial"/>
+              <a:buChar char="•"/>
+            </a:pPr>
+            <a:r>
+              <a:rPr lang="it-IT" dirty="0">
+                <a:ea typeface="Calibri"/>
+                <a:cs typeface="Calibri"/>
+              </a:rPr>
+              <a:t>Scarsamente documentato</a:t>
+            </a:r>
+          </a:p>
+          <a:p>
+            <a:pPr marL="800100" lvl="1" indent="-342900">
+              <a:buFont typeface="Arial"/>
+              <a:buChar char="•"/>
+            </a:pPr>
+            <a:r>
+              <a:rPr lang="it-IT" dirty="0">
+                <a:ea typeface="Calibri"/>
+                <a:cs typeface="Calibri"/>
+              </a:rPr>
+              <a:t>Necessiterà un’attenta valutazione nella pratica</a:t>
+            </a:r>
+          </a:p>
+          <a:p>
+            <a:pPr marL="342900" indent="-342900">
+              <a:buFont typeface="Arial"/>
+              <a:buChar char="•"/>
+            </a:pPr>
+            <a:r>
+              <a:rPr lang="it-IT" sz="2000" dirty="0">
+                <a:ea typeface="Calibri"/>
+                <a:cs typeface="Calibri"/>
+              </a:rPr>
+              <a:t>IBM Granite</a:t>
+            </a:r>
+          </a:p>
+          <a:p>
+            <a:pPr marL="800100" lvl="1" indent="-342900">
+              <a:buFont typeface="Arial"/>
+              <a:buChar char="•"/>
+            </a:pPr>
+            <a:r>
+              <a:rPr lang="it-IT" dirty="0">
+                <a:ea typeface="Calibri"/>
+                <a:cs typeface="Calibri"/>
+              </a:rPr>
+              <a:t>I modelli general-purpose presentano comunque una solida opzione</a:t>
+            </a:r>
+          </a:p>
+          <a:p>
+            <a:pPr marL="800100" lvl="1" indent="-342900">
+              <a:buFont typeface="Arial"/>
+              <a:buChar char="•"/>
+            </a:pPr>
+            <a:r>
+              <a:rPr lang="it-IT" dirty="0">
+                <a:ea typeface="Calibri"/>
+                <a:cs typeface="Calibri"/>
+              </a:rPr>
+              <a:t>Modelli specializzati possono essere implementati più facilmente</a:t>
+            </a:r>
+          </a:p>
+        </p:txBody>
+      </p:sp>
+    </p:spTree>
+    <p:extLst>
+      <p:ext uri="{BB962C8B-B14F-4D97-AF65-F5344CB8AC3E}">
+        <p14:creationId xmlns:p14="http://schemas.microsoft.com/office/powerpoint/2010/main" val="951339458"/>
+      </p:ext>
+    </p:extLst>
+  </p:cSld>
+  <p:clrMapOvr>
+    <a:masterClrMapping/>
+  </p:clrMapOvr>
+</p:sld>
+</file>
+
+<file path=ppt/slides/slide32.xml><?xml version="1.0" encoding="utf-8"?>
+<p:sld xmlns:a="http://schemas.openxmlformats.org/drawingml/2006/main" xmlns:r="http://schemas.openxmlformats.org/officeDocument/2006/relationships" xmlns:p="http://schemas.openxmlformats.org/presentationml/2006/main">
+  <p:cSld>
+    <p:spTree>
+      <p:nvGrpSpPr>
+        <p:cNvPr id="1" name="">
+          <a:extLst>
+            <a:ext uri="{FF2B5EF4-FFF2-40B4-BE49-F238E27FC236}">
+              <a16:creationId xmlns:a16="http://schemas.microsoft.com/office/drawing/2014/main" id="{FF7B6C84-922C-B956-3DAD-E99F88C1632B}"/>
+            </a:ext>
+          </a:extLst>
+        </p:cNvPr>
+        <p:cNvGrpSpPr/>
+        <p:nvPr/>
+      </p:nvGrpSpPr>
+      <p:grpSpPr>
+        <a:xfrm>
+          <a:off x="0" y="0"/>
+          <a:ext cx="0" cy="0"/>
+          <a:chOff x="0" y="0"/>
+          <a:chExt cx="0" cy="0"/>
+        </a:xfrm>
+      </p:grpSpPr>
+      <p:sp>
+        <p:nvSpPr>
+          <p:cNvPr id="2" name="Title 1">
+            <a:extLst>
+              <a:ext uri="{FF2B5EF4-FFF2-40B4-BE49-F238E27FC236}">
+                <a16:creationId xmlns:a16="http://schemas.microsoft.com/office/drawing/2014/main" id="{1089A13B-3AA9-444D-F64E-D160B2B87D27}"/>
+              </a:ext>
+            </a:extLst>
+          </p:cNvPr>
+          <p:cNvSpPr>
+            <a:spLocks noGrp="1"/>
+          </p:cNvSpPr>
+          <p:nvPr>
+            <p:ph type="title"/>
+          </p:nvPr>
+        </p:nvSpPr>
+        <p:spPr>
+          <a:xfrm>
+            <a:off x="838200" y="365126"/>
+            <a:ext cx="10515600" cy="766558"/>
+          </a:xfrm>
+        </p:spPr>
+        <p:txBody>
+          <a:bodyPr>
+            <a:normAutofit/>
+          </a:bodyPr>
+          <a:lstStyle/>
+          <a:p>
+            <a:r>
+              <a:rPr lang="it-IT" sz="3200" noProof="0" dirty="0">
+                <a:latin typeface="+mn-lt"/>
+                <a:ea typeface="Calibri"/>
+                <a:cs typeface="Calibri"/>
+              </a:rPr>
+              <a:t>Sintesi</a:t>
+            </a:r>
+          </a:p>
+        </p:txBody>
+      </p:sp>
+      <p:sp>
+        <p:nvSpPr>
+          <p:cNvPr id="4" name="TextBox 3">
+            <a:extLst>
+              <a:ext uri="{FF2B5EF4-FFF2-40B4-BE49-F238E27FC236}">
+                <a16:creationId xmlns:a16="http://schemas.microsoft.com/office/drawing/2014/main" id="{1DFA91BF-EF06-C454-7F4E-647F05D6F3F7}"/>
+              </a:ext>
+            </a:extLst>
+          </p:cNvPr>
+          <p:cNvSpPr txBox="1"/>
+          <p:nvPr/>
+        </p:nvSpPr>
+        <p:spPr>
+          <a:xfrm>
+            <a:off x="986828" y="1137150"/>
+            <a:ext cx="10773623" cy="3385542"/>
+          </a:xfrm>
+          <a:prstGeom prst="rect">
+            <a:avLst/>
+          </a:prstGeom>
+          <a:noFill/>
+        </p:spPr>
+        <p:txBody>
+          <a:bodyPr wrap="square" lIns="91440" tIns="45720" rIns="91440" bIns="45720" rtlCol="0" anchor="t">
+            <a:spAutoFit/>
+          </a:bodyPr>
+          <a:lstStyle/>
+          <a:p>
+            <a:pPr marL="342900" indent="-342900">
+              <a:buFont typeface="Arial"/>
+              <a:buChar char="•"/>
+            </a:pPr>
+            <a:r>
+              <a:rPr lang="it-IT" sz="2000" dirty="0">
+                <a:ea typeface="Calibri"/>
+                <a:cs typeface="Calibri"/>
+              </a:rPr>
+              <a:t>Riuso modelli in Precision Farming</a:t>
+            </a:r>
+          </a:p>
+          <a:p>
+            <a:pPr marL="342900" indent="-342900">
+              <a:buFont typeface="Arial"/>
+              <a:buChar char="•"/>
+            </a:pPr>
+            <a:r>
+              <a:rPr lang="it-IT" sz="2000" dirty="0">
+                <a:ea typeface="Calibri"/>
+                <a:cs typeface="Calibri"/>
+              </a:rPr>
+              <a:t>Farm-Tech</a:t>
+            </a:r>
+          </a:p>
+          <a:p>
+            <a:pPr marL="342900" indent="-342900">
+              <a:buFont typeface="Arial"/>
+              <a:buChar char="•"/>
+            </a:pPr>
+            <a:r>
+              <a:rPr lang="it-IT" sz="2000" dirty="0">
+                <a:ea typeface="Calibri"/>
+                <a:cs typeface="Calibri"/>
+              </a:rPr>
+              <a:t>CRISP-DM per strutturare la ricerca</a:t>
+            </a:r>
+          </a:p>
+          <a:p>
+            <a:pPr marL="342900" indent="-342900">
+              <a:buFont typeface="Arial"/>
+              <a:buChar char="•"/>
+            </a:pPr>
+            <a:r>
+              <a:rPr lang="it-IT" sz="2000" dirty="0">
+                <a:ea typeface="Calibri"/>
+                <a:cs typeface="Calibri"/>
+              </a:rPr>
+              <a:t>Raccolta dei modelli da HuggingFace</a:t>
+            </a:r>
+          </a:p>
+          <a:p>
+            <a:pPr marL="342900" indent="-342900">
+              <a:buFont typeface="Arial"/>
+              <a:buChar char="•"/>
+            </a:pPr>
+            <a:r>
+              <a:rPr lang="it-IT" sz="2000" dirty="0">
+                <a:ea typeface="Calibri"/>
+                <a:cs typeface="Calibri"/>
+              </a:rPr>
+              <a:t>Revisione Manuale dei modelli</a:t>
+            </a:r>
+          </a:p>
+          <a:p>
+            <a:pPr marL="342900" indent="-342900">
+              <a:buFont typeface="Arial"/>
+              <a:buChar char="•"/>
+            </a:pPr>
+            <a:r>
+              <a:rPr lang="it-IT" sz="2000" dirty="0">
+                <a:ea typeface="Calibri"/>
+                <a:cs typeface="Calibri"/>
+              </a:rPr>
+              <a:t>Analisi di ogni modello</a:t>
+            </a:r>
+          </a:p>
+          <a:p>
+            <a:pPr marL="800100" lvl="1" indent="-342900">
+              <a:buFont typeface="Arial"/>
+              <a:buChar char="•"/>
+            </a:pPr>
+            <a:r>
+              <a:rPr lang="it-IT" dirty="0">
+                <a:ea typeface="Calibri"/>
+                <a:cs typeface="Calibri"/>
+              </a:rPr>
+              <a:t>Dataset</a:t>
+            </a:r>
+          </a:p>
+          <a:p>
+            <a:pPr marL="800100" lvl="1" indent="-342900">
+              <a:buFont typeface="Arial"/>
+              <a:buChar char="•"/>
+            </a:pPr>
+            <a:r>
+              <a:rPr lang="it-IT" dirty="0">
+                <a:ea typeface="Calibri"/>
+                <a:cs typeface="Calibri"/>
+              </a:rPr>
+              <a:t>Architettura</a:t>
+            </a:r>
+          </a:p>
+          <a:p>
+            <a:pPr marL="800100" lvl="1" indent="-342900">
+              <a:buFont typeface="Arial"/>
+              <a:buChar char="•"/>
+            </a:pPr>
+            <a:r>
+              <a:rPr lang="it-IT" dirty="0">
+                <a:ea typeface="Calibri"/>
+                <a:cs typeface="Calibri"/>
+              </a:rPr>
+              <a:t>Licenza</a:t>
+            </a:r>
+          </a:p>
+          <a:p>
+            <a:pPr marL="342900" indent="-342900">
+              <a:buFont typeface="Arial"/>
+              <a:buChar char="•"/>
+            </a:pPr>
+            <a:r>
+              <a:rPr lang="it-IT" sz="2000" dirty="0">
+                <a:ea typeface="Calibri"/>
+                <a:cs typeface="Calibri"/>
+              </a:rPr>
+              <a:t>Transfer Learning</a:t>
+            </a:r>
+          </a:p>
+          <a:p>
+            <a:pPr marL="342900" indent="-342900">
+              <a:buFont typeface="Arial"/>
+              <a:buChar char="•"/>
+            </a:pPr>
+            <a:r>
+              <a:rPr lang="it-IT" sz="2000" dirty="0">
+                <a:ea typeface="Calibri"/>
+                <a:cs typeface="Calibri"/>
+              </a:rPr>
+              <a:t>Metodo di valutazione</a:t>
+            </a:r>
+          </a:p>
+        </p:txBody>
+      </p:sp>
+      <p:sp>
+        <p:nvSpPr>
+          <p:cNvPr id="3" name="TextBox 2">
+            <a:extLst>
+              <a:ext uri="{FF2B5EF4-FFF2-40B4-BE49-F238E27FC236}">
+                <a16:creationId xmlns:a16="http://schemas.microsoft.com/office/drawing/2014/main" id="{05B42B90-9935-0982-5ED5-7384457D4913}"/>
+              </a:ext>
+            </a:extLst>
+          </p:cNvPr>
+          <p:cNvSpPr txBox="1"/>
+          <p:nvPr/>
+        </p:nvSpPr>
+        <p:spPr>
+          <a:xfrm>
+            <a:off x="10608397" y="6581001"/>
+            <a:ext cx="1907263" cy="276999"/>
+          </a:xfrm>
+          <a:prstGeom prst="rect">
+            <a:avLst/>
+          </a:prstGeom>
+          <a:noFill/>
+        </p:spPr>
+        <p:txBody>
+          <a:bodyPr wrap="square" rtlCol="0">
+            <a:spAutoFit/>
+          </a:bodyPr>
+          <a:lstStyle/>
+          <a:p>
+            <a:r>
+              <a:rPr lang="it-IT" sz="1200" dirty="0"/>
+              <a:t>Grazie per l’attenzione</a:t>
+            </a:r>
+          </a:p>
+        </p:txBody>
+      </p:sp>
+      <p:sp>
+        <p:nvSpPr>
+          <p:cNvPr id="5" name="TextBox 4">
+            <a:extLst>
+              <a:ext uri="{FF2B5EF4-FFF2-40B4-BE49-F238E27FC236}">
+                <a16:creationId xmlns:a16="http://schemas.microsoft.com/office/drawing/2014/main" id="{AB55BBBC-7A4B-31CD-86BD-708E078381C5}"/>
+              </a:ext>
+            </a:extLst>
+          </p:cNvPr>
+          <p:cNvSpPr txBox="1"/>
+          <p:nvPr/>
+        </p:nvSpPr>
+        <p:spPr>
+          <a:xfrm>
+            <a:off x="6818012" y="269296"/>
+            <a:ext cx="4994495" cy="1077218"/>
+          </a:xfrm>
+          <a:prstGeom prst="rect">
+            <a:avLst/>
+          </a:prstGeom>
+          <a:noFill/>
+        </p:spPr>
+        <p:txBody>
+          <a:bodyPr wrap="square" rtlCol="0">
+            <a:spAutoFit/>
+          </a:bodyPr>
+          <a:lstStyle/>
+          <a:p>
+            <a:r>
+              <a:rPr lang="it-IT" sz="1600" i="1" dirty="0"/>
+              <a:t>Questa slide di sintesi l’ha suggetita il prof di Penta per facilitare ulteriori chiarimenti alla fine della presentazione</a:t>
+            </a:r>
+          </a:p>
+          <a:p>
+            <a:r>
+              <a:rPr lang="it-IT" sz="1600" i="1" dirty="0"/>
+              <a:t>Naturalmente questo commento lo tolgo per la presentazione effettiva</a:t>
+            </a:r>
+          </a:p>
+        </p:txBody>
+      </p:sp>
+      <p:sp>
+        <p:nvSpPr>
+          <p:cNvPr id="8" name="TextBox 7">
+            <a:extLst>
+              <a:ext uri="{FF2B5EF4-FFF2-40B4-BE49-F238E27FC236}">
+                <a16:creationId xmlns:a16="http://schemas.microsoft.com/office/drawing/2014/main" id="{FDE08505-B2C3-42DD-1AAA-5ACCC9217F81}"/>
+              </a:ext>
+            </a:extLst>
+          </p:cNvPr>
+          <p:cNvSpPr txBox="1"/>
+          <p:nvPr/>
+        </p:nvSpPr>
+        <p:spPr>
+          <a:xfrm>
+            <a:off x="7305391" y="5996226"/>
+            <a:ext cx="4994495" cy="584775"/>
+          </a:xfrm>
+          <a:prstGeom prst="rect">
+            <a:avLst/>
+          </a:prstGeom>
+          <a:noFill/>
+        </p:spPr>
+        <p:txBody>
+          <a:bodyPr wrap="square" rtlCol="0">
+            <a:spAutoFit/>
+          </a:bodyPr>
+          <a:lstStyle/>
+          <a:p>
+            <a:r>
+              <a:rPr lang="it-IT" sz="1600" i="1" dirty="0"/>
+              <a:t>Questo è piccolo in basso perchè sempre il prof di Penta dice che non gli piace</a:t>
+            </a:r>
+          </a:p>
+        </p:txBody>
+      </p:sp>
+    </p:spTree>
+    <p:extLst>
+      <p:ext uri="{BB962C8B-B14F-4D97-AF65-F5344CB8AC3E}">
+        <p14:creationId xmlns:p14="http://schemas.microsoft.com/office/powerpoint/2010/main" val="1413644724"/>
+      </p:ext>
+    </p:extLst>
+  </p:cSld>
+  <p:clrMapOvr>
+    <a:masterClrMapping/>
+  </p:clrMapOvr>
+</p:sld>
+</file>
+
 <file path=ppt/slides/slide4.xml><?xml version="1.0" encoding="utf-8"?>
 <p:sld xmlns:a="http://schemas.openxmlformats.org/drawingml/2006/main" xmlns:r="http://schemas.openxmlformats.org/officeDocument/2006/relationships" xmlns:p="http://schemas.openxmlformats.org/presentationml/2006/main">
   <p:cSld>
@@ -6496,7 +11472,7 @@
         </p:nvSpPr>
         <p:spPr>
           <a:xfrm>
-            <a:off x="660903" y="1825625"/>
+            <a:off x="633025" y="1518966"/>
             <a:ext cx="10692897" cy="4351338"/>
           </a:xfrm>
         </p:spPr>
@@ -6622,7 +11598,7 @@
         </p:blipFill>
         <p:spPr>
           <a:xfrm>
-            <a:off x="6989279" y="2591921"/>
+            <a:off x="6989279" y="2501391"/>
             <a:ext cx="5112190" cy="4266079"/>
           </a:xfrm>
           <a:prstGeom prst="rect">

--- a/presentazione.pptx
+++ b/presentazione.pptx
@@ -18,25 +18,18 @@
     <p:sldId id="267" r:id="rId12"/>
     <p:sldId id="268" r:id="rId13"/>
     <p:sldId id="269" r:id="rId14"/>
-    <p:sldId id="270" r:id="rId15"/>
-    <p:sldId id="271" r:id="rId16"/>
-    <p:sldId id="272" r:id="rId17"/>
-    <p:sldId id="273" r:id="rId18"/>
-    <p:sldId id="274" r:id="rId19"/>
-    <p:sldId id="275" r:id="rId20"/>
-    <p:sldId id="277" r:id="rId21"/>
-    <p:sldId id="278" r:id="rId22"/>
-    <p:sldId id="279" r:id="rId23"/>
-    <p:sldId id="289" r:id="rId24"/>
-    <p:sldId id="280" r:id="rId25"/>
-    <p:sldId id="281" r:id="rId26"/>
-    <p:sldId id="282" r:id="rId27"/>
-    <p:sldId id="283" r:id="rId28"/>
-    <p:sldId id="284" r:id="rId29"/>
-    <p:sldId id="285" r:id="rId30"/>
-    <p:sldId id="286" r:id="rId31"/>
-    <p:sldId id="287" r:id="rId32"/>
-    <p:sldId id="288" r:id="rId33"/>
+    <p:sldId id="290" r:id="rId15"/>
+    <p:sldId id="279" r:id="rId16"/>
+    <p:sldId id="289" r:id="rId17"/>
+    <p:sldId id="280" r:id="rId18"/>
+    <p:sldId id="281" r:id="rId19"/>
+    <p:sldId id="282" r:id="rId20"/>
+    <p:sldId id="283" r:id="rId21"/>
+    <p:sldId id="284" r:id="rId22"/>
+    <p:sldId id="285" r:id="rId23"/>
+    <p:sldId id="286" r:id="rId24"/>
+    <p:sldId id="287" r:id="rId25"/>
+    <p:sldId id="288" r:id="rId26"/>
   </p:sldIdLst>
   <p:sldSz cx="12192000" cy="6858000"/>
   <p:notesSz cx="6858000" cy="9144000"/>
@@ -5445,7 +5438,7 @@
         <p:cNvPr id="1" name="">
           <a:extLst>
             <a:ext uri="{FF2B5EF4-FFF2-40B4-BE49-F238E27FC236}">
-              <a16:creationId xmlns:a16="http://schemas.microsoft.com/office/drawing/2014/main" id="{A89D9961-027D-0841-6E8B-605564590E0F}"/>
+              <a16:creationId xmlns:a16="http://schemas.microsoft.com/office/drawing/2014/main" id="{453543B9-7641-D660-AB72-911947DEAA25}"/>
             </a:ext>
           </a:extLst>
         </p:cNvPr>
@@ -5465,7 +5458,7 @@
           <p:cNvPr id="2" name="Title 1">
             <a:extLst>
               <a:ext uri="{FF2B5EF4-FFF2-40B4-BE49-F238E27FC236}">
-                <a16:creationId xmlns:a16="http://schemas.microsoft.com/office/drawing/2014/main" id="{E0151515-E6AB-3D64-B6A3-3A63AC46F515}"/>
+                <a16:creationId xmlns:a16="http://schemas.microsoft.com/office/drawing/2014/main" id="{29725F28-0816-C1F9-27A7-5BACA047E10C}"/>
               </a:ext>
             </a:extLst>
           </p:cNvPr>
@@ -5478,7 +5471,7 @@
         </p:nvSpPr>
         <p:spPr>
           <a:xfrm>
-            <a:off x="838200" y="365126"/>
+            <a:off x="774826" y="-87546"/>
             <a:ext cx="10515600" cy="766558"/>
           </a:xfrm>
         </p:spPr>
@@ -5492,82 +5485,13 @@
               <a:rPr lang="it-IT" sz="3200" noProof="0" dirty="0">
                 <a:latin typeface="+mn-lt"/>
               </a:rPr>
-              <a:t>Analisi Serie Temporali - TinyTimeMixers</a:t>
-            </a:r>
-          </a:p>
-        </p:txBody>
-      </p:sp>
-      <p:sp>
-        <p:nvSpPr>
-          <p:cNvPr id="4" name="TextBox 3">
-            <a:extLst>
-              <a:ext uri="{FF2B5EF4-FFF2-40B4-BE49-F238E27FC236}">
-                <a16:creationId xmlns:a16="http://schemas.microsoft.com/office/drawing/2014/main" id="{F35EF3E6-216F-8141-B60D-4939C290C789}"/>
-              </a:ext>
-            </a:extLst>
-          </p:cNvPr>
-          <p:cNvSpPr txBox="1"/>
-          <p:nvPr/>
-        </p:nvSpPr>
-        <p:spPr>
-          <a:xfrm>
-            <a:off x="986828" y="1276540"/>
-            <a:ext cx="10773623" cy="1631216"/>
-          </a:xfrm>
-          <a:prstGeom prst="rect">
-            <a:avLst/>
-          </a:prstGeom>
-          <a:noFill/>
-        </p:spPr>
-        <p:txBody>
-          <a:bodyPr wrap="square" lIns="91440" tIns="45720" rIns="91440" bIns="45720" rtlCol="0" anchor="t">
-            <a:spAutoFit/>
-          </a:bodyPr>
-          <a:lstStyle/>
-          <a:p>
-            <a:pPr marL="342900" indent="-342900">
-              <a:buFont typeface="Arial" panose="020B0604020202020204" pitchFamily="34" charset="0"/>
-              <a:buChar char="•"/>
-            </a:pPr>
-            <a:r>
-              <a:rPr lang="it-IT" sz="2000" dirty="0"/>
-              <a:t>Parte della IBM Granite Suite, una famiglia di general-</a:t>
-            </a:r>
-            <a:r>
-              <a:rPr lang="it-IT" sz="2000" dirty="0" err="1"/>
-              <a:t>purpose</a:t>
-            </a:r>
-            <a:r>
-              <a:rPr lang="it-IT" sz="2000" dirty="0"/>
-              <a:t> </a:t>
-            </a:r>
-            <a:r>
-              <a:rPr lang="it-IT" sz="2000" dirty="0" err="1"/>
-              <a:t>foundation</a:t>
-            </a:r>
-            <a:r>
-              <a:rPr lang="it-IT" sz="2000" dirty="0"/>
-              <a:t> models</a:t>
-            </a:r>
-          </a:p>
-          <a:p>
-            <a:pPr marL="342900" indent="-342900">
-              <a:buFont typeface="Arial" panose="020B0604020202020204" pitchFamily="34" charset="0"/>
-              <a:buChar char="•"/>
-            </a:pPr>
-            <a:r>
-              <a:rPr lang="it-IT" sz="2000" dirty="0"/>
-              <a:t>Serie Temporale Multivariata: una sequenza di osservazioni raccolte nel tempo che include più variabili misurate simultaneamente</a:t>
-            </a:r>
-          </a:p>
-          <a:p>
-            <a:pPr marL="342900" indent="-342900">
-              <a:buFont typeface="Arial" panose="020B0604020202020204" pitchFamily="34" charset="0"/>
-              <a:buChar char="•"/>
-            </a:pPr>
-            <a:r>
-              <a:rPr lang="it-IT" sz="2000" dirty="0"/>
-              <a:t>TinyTimeMixer (TTM) sono dei modelli che eseguono previsioni su serie temporali di grandi dimensioni</a:t>
+              <a:t>Modelli Rilevanti – Analisi </a:t>
+            </a:r>
+            <a:r>
+              <a:rPr lang="it-IT" sz="1600" noProof="0" dirty="0">
+                <a:latin typeface="+mn-lt"/>
+              </a:rPr>
+              <a:t>(in a nutshell)</a:t>
             </a:r>
           </a:p>
         </p:txBody>
@@ -5577,7 +5501,7 @@
           <p:cNvPr id="5" name="Picture 4">
             <a:extLst>
               <a:ext uri="{FF2B5EF4-FFF2-40B4-BE49-F238E27FC236}">
-                <a16:creationId xmlns:a16="http://schemas.microsoft.com/office/drawing/2014/main" id="{6A915C21-347A-5AB9-D871-B3F56D1DD320}"/>
+                <a16:creationId xmlns:a16="http://schemas.microsoft.com/office/drawing/2014/main" id="{99FB4E3F-59C4-A260-BA7C-618EF0FDB5B7}"/>
               </a:ext>
             </a:extLst>
           </p:cNvPr>
@@ -5594,53 +5518,18 @@
         </p:blipFill>
         <p:spPr>
           <a:xfrm>
-            <a:off x="2558890" y="3708793"/>
-            <a:ext cx="6642048" cy="2621119"/>
+            <a:off x="2393133" y="522851"/>
+            <a:ext cx="7405734" cy="6159745"/>
           </a:xfrm>
           <a:prstGeom prst="rect">
             <a:avLst/>
           </a:prstGeom>
         </p:spPr>
       </p:pic>
-      <p:sp>
-        <p:nvSpPr>
-          <p:cNvPr id="6" name="TextBox 5">
-            <a:extLst>
-              <a:ext uri="{FF2B5EF4-FFF2-40B4-BE49-F238E27FC236}">
-                <a16:creationId xmlns:a16="http://schemas.microsoft.com/office/drawing/2014/main" id="{3D15C9EA-128D-3DD0-B789-ABF9DAC6262A}"/>
-              </a:ext>
-            </a:extLst>
-          </p:cNvPr>
-          <p:cNvSpPr txBox="1"/>
-          <p:nvPr/>
-        </p:nvSpPr>
-        <p:spPr>
-          <a:xfrm>
-            <a:off x="4112090" y="6329912"/>
-            <a:ext cx="3535648" cy="338554"/>
-          </a:xfrm>
-          <a:prstGeom prst="rect">
-            <a:avLst/>
-          </a:prstGeom>
-          <a:noFill/>
-        </p:spPr>
-        <p:txBody>
-          <a:bodyPr wrap="none" rtlCol="0">
-            <a:spAutoFit/>
-          </a:bodyPr>
-          <a:lstStyle/>
-          <a:p>
-            <a:r>
-              <a:rPr lang="it-IT" sz="1600" i="1" dirty="0"/>
-              <a:t>Esempio di Serie Temporale Multivariata</a:t>
-            </a:r>
-          </a:p>
-        </p:txBody>
-      </p:sp>
     </p:spTree>
     <p:extLst>
       <p:ext uri="{BB962C8B-B14F-4D97-AF65-F5344CB8AC3E}">
-        <p14:creationId xmlns:p14="http://schemas.microsoft.com/office/powerpoint/2010/main" val="1479624093"/>
+        <p14:creationId xmlns:p14="http://schemas.microsoft.com/office/powerpoint/2010/main" val="345390546"/>
       </p:ext>
     </p:extLst>
   </p:cSld>
@@ -5658,7 +5547,7 @@
         <p:cNvPr id="1" name="">
           <a:extLst>
             <a:ext uri="{FF2B5EF4-FFF2-40B4-BE49-F238E27FC236}">
-              <a16:creationId xmlns:a16="http://schemas.microsoft.com/office/drawing/2014/main" id="{6507A805-0160-25AA-6EB4-B75A6EAB2DEE}"/>
+              <a16:creationId xmlns:a16="http://schemas.microsoft.com/office/drawing/2014/main" id="{26FACDEF-6D9A-D394-0BAB-EE7842EFA977}"/>
             </a:ext>
           </a:extLst>
         </p:cNvPr>
@@ -5678,7 +5567,7 @@
           <p:cNvPr id="2" name="Title 1">
             <a:extLst>
               <a:ext uri="{FF2B5EF4-FFF2-40B4-BE49-F238E27FC236}">
-                <a16:creationId xmlns:a16="http://schemas.microsoft.com/office/drawing/2014/main" id="{EE05F28E-7882-FE63-B296-FB7382E4CA25}"/>
+                <a16:creationId xmlns:a16="http://schemas.microsoft.com/office/drawing/2014/main" id="{23AD843F-7029-1F2E-7D08-B284C29B0F10}"/>
               </a:ext>
             </a:extLst>
           </p:cNvPr>
@@ -5702,11 +5591,16 @@
           <a:lstStyle/>
           <a:p>
             <a:r>
-              <a:rPr lang="it-IT" sz="3200" noProof="0" dirty="0">
+              <a:rPr lang="it-IT" sz="3200" dirty="0">
                 <a:latin typeface="+mn-lt"/>
               </a:rPr>
-              <a:t>Analisi Serie Temporali - TinyTimeMixers</a:t>
-            </a:r>
+              <a:t>Valutazione Riusabilità – Transfer Learning</a:t>
+            </a:r>
+            <a:endParaRPr lang="it-IT" sz="3200" u="sng" noProof="0" dirty="0" err="1">
+              <a:latin typeface="+mn-lt"/>
+              <a:ea typeface="Calibri"/>
+              <a:cs typeface="Calibri"/>
+            </a:endParaRPr>
           </a:p>
         </p:txBody>
       </p:sp>
@@ -5715,7 +5609,7 @@
           <p:cNvPr id="4" name="TextBox 3">
             <a:extLst>
               <a:ext uri="{FF2B5EF4-FFF2-40B4-BE49-F238E27FC236}">
-                <a16:creationId xmlns:a16="http://schemas.microsoft.com/office/drawing/2014/main" id="{7244B36A-82E9-2307-0A83-82F4E733C056}"/>
+                <a16:creationId xmlns:a16="http://schemas.microsoft.com/office/drawing/2014/main" id="{47017241-B898-E6A5-D692-D031F1A2C3AD}"/>
               </a:ext>
             </a:extLst>
           </p:cNvPr>
@@ -5725,7 +5619,7 @@
         <p:spPr>
           <a:xfrm>
             <a:off x="986828" y="1276540"/>
-            <a:ext cx="10773623" cy="3908762"/>
+            <a:ext cx="10773623" cy="3477875"/>
           </a:xfrm>
           <a:prstGeom prst="rect">
             <a:avLst/>
@@ -5738,187 +5632,411 @@
           </a:bodyPr>
           <a:lstStyle/>
           <a:p>
+            <a:r>
+              <a:rPr lang="it-IT" sz="2000" dirty="0">
+                <a:ea typeface="Calibri"/>
+                <a:cs typeface="Calibri"/>
+              </a:rPr>
+              <a:t>IBM: "</a:t>
+            </a:r>
+            <a:r>
+              <a:rPr lang="it-IT" sz="2000" dirty="0">
+                <a:ea typeface="+mn-lt"/>
+                <a:cs typeface="+mn-lt"/>
+              </a:rPr>
+              <a:t>Transfer learning </a:t>
+            </a:r>
+            <a:r>
+              <a:rPr lang="it-IT" sz="2000" err="1">
+                <a:ea typeface="+mn-lt"/>
+                <a:cs typeface="+mn-lt"/>
+              </a:rPr>
+              <a:t>is</a:t>
+            </a:r>
+            <a:r>
+              <a:rPr lang="it-IT" sz="2000" dirty="0">
+                <a:ea typeface="+mn-lt"/>
+                <a:cs typeface="+mn-lt"/>
+              </a:rPr>
+              <a:t> a machine learning technique in </a:t>
+            </a:r>
+            <a:r>
+              <a:rPr lang="it-IT" sz="2000" err="1">
+                <a:ea typeface="+mn-lt"/>
+                <a:cs typeface="+mn-lt"/>
+              </a:rPr>
+              <a:t>which</a:t>
+            </a:r>
+            <a:r>
+              <a:rPr lang="it-IT" sz="2000" dirty="0">
+                <a:ea typeface="+mn-lt"/>
+                <a:cs typeface="+mn-lt"/>
+              </a:rPr>
+              <a:t> knowledge </a:t>
+            </a:r>
+            <a:r>
+              <a:rPr lang="it-IT" sz="2000" err="1">
+                <a:ea typeface="+mn-lt"/>
+                <a:cs typeface="+mn-lt"/>
+              </a:rPr>
+              <a:t>gained</a:t>
+            </a:r>
+            <a:r>
+              <a:rPr lang="it-IT" sz="2000" dirty="0">
+                <a:ea typeface="+mn-lt"/>
+                <a:cs typeface="+mn-lt"/>
+              </a:rPr>
+              <a:t> </a:t>
+            </a:r>
+            <a:r>
+              <a:rPr lang="it-IT" sz="2000" err="1">
+                <a:ea typeface="+mn-lt"/>
+                <a:cs typeface="+mn-lt"/>
+              </a:rPr>
+              <a:t>through</a:t>
+            </a:r>
+            <a:r>
+              <a:rPr lang="it-IT" sz="2000" dirty="0">
+                <a:ea typeface="+mn-lt"/>
+                <a:cs typeface="+mn-lt"/>
+              </a:rPr>
+              <a:t> one task or dataset </a:t>
+            </a:r>
+            <a:r>
+              <a:rPr lang="it-IT" sz="2000" err="1">
+                <a:ea typeface="+mn-lt"/>
+                <a:cs typeface="+mn-lt"/>
+              </a:rPr>
+              <a:t>is</a:t>
+            </a:r>
+            <a:r>
+              <a:rPr lang="it-IT" sz="2000" dirty="0">
+                <a:ea typeface="+mn-lt"/>
+                <a:cs typeface="+mn-lt"/>
+              </a:rPr>
+              <a:t> </a:t>
+            </a:r>
+            <a:r>
+              <a:rPr lang="it-IT" sz="2000" err="1">
+                <a:ea typeface="+mn-lt"/>
+                <a:cs typeface="+mn-lt"/>
+              </a:rPr>
+              <a:t>used</a:t>
+            </a:r>
+            <a:r>
+              <a:rPr lang="it-IT" sz="2000" dirty="0">
+                <a:ea typeface="+mn-lt"/>
+                <a:cs typeface="+mn-lt"/>
+              </a:rPr>
+              <a:t> to </a:t>
+            </a:r>
+            <a:r>
+              <a:rPr lang="it-IT" sz="2000" err="1">
+                <a:ea typeface="+mn-lt"/>
+                <a:cs typeface="+mn-lt"/>
+              </a:rPr>
+              <a:t>improve</a:t>
+            </a:r>
+            <a:r>
+              <a:rPr lang="it-IT" sz="2000" dirty="0">
+                <a:ea typeface="+mn-lt"/>
+                <a:cs typeface="+mn-lt"/>
+              </a:rPr>
+              <a:t> model performance on </a:t>
+            </a:r>
+            <a:r>
+              <a:rPr lang="it-IT" sz="2000" err="1">
+                <a:ea typeface="+mn-lt"/>
+                <a:cs typeface="+mn-lt"/>
+              </a:rPr>
+              <a:t>another</a:t>
+            </a:r>
+            <a:r>
+              <a:rPr lang="it-IT" sz="2000" dirty="0">
+                <a:ea typeface="+mn-lt"/>
+                <a:cs typeface="+mn-lt"/>
+              </a:rPr>
+              <a:t> </a:t>
+            </a:r>
+            <a:r>
+              <a:rPr lang="it-IT" sz="2000" err="1">
+                <a:ea typeface="+mn-lt"/>
+                <a:cs typeface="+mn-lt"/>
+              </a:rPr>
+              <a:t>related</a:t>
+            </a:r>
+            <a:r>
+              <a:rPr lang="it-IT" sz="2000" dirty="0">
+                <a:ea typeface="+mn-lt"/>
+                <a:cs typeface="+mn-lt"/>
+              </a:rPr>
+              <a:t> task or </a:t>
+            </a:r>
+            <a:r>
+              <a:rPr lang="it-IT" sz="2000" err="1">
+                <a:ea typeface="+mn-lt"/>
+                <a:cs typeface="+mn-lt"/>
+              </a:rPr>
+              <a:t>different</a:t>
+            </a:r>
+            <a:r>
+              <a:rPr lang="it-IT" sz="2000" dirty="0">
+                <a:ea typeface="+mn-lt"/>
+                <a:cs typeface="+mn-lt"/>
+              </a:rPr>
+              <a:t> dataset. In </a:t>
+            </a:r>
+            <a:r>
+              <a:rPr lang="it-IT" sz="2000" err="1">
+                <a:ea typeface="+mn-lt"/>
+                <a:cs typeface="+mn-lt"/>
+              </a:rPr>
+              <a:t>other</a:t>
+            </a:r>
+            <a:r>
+              <a:rPr lang="it-IT" sz="2000" dirty="0">
+                <a:ea typeface="+mn-lt"/>
+                <a:cs typeface="+mn-lt"/>
+              </a:rPr>
+              <a:t> words, transfer learning </a:t>
+            </a:r>
+            <a:r>
+              <a:rPr lang="it-IT" sz="2000" err="1">
+                <a:ea typeface="+mn-lt"/>
+                <a:cs typeface="+mn-lt"/>
+              </a:rPr>
+              <a:t>uses</a:t>
+            </a:r>
+            <a:r>
+              <a:rPr lang="it-IT" sz="2000" dirty="0">
+                <a:ea typeface="+mn-lt"/>
+                <a:cs typeface="+mn-lt"/>
+              </a:rPr>
+              <a:t> </a:t>
+            </a:r>
+            <a:r>
+              <a:rPr lang="it-IT" sz="2000" err="1">
+                <a:ea typeface="+mn-lt"/>
+                <a:cs typeface="+mn-lt"/>
+              </a:rPr>
+              <a:t>what</a:t>
+            </a:r>
+            <a:r>
+              <a:rPr lang="it-IT" sz="2000" dirty="0">
+                <a:ea typeface="+mn-lt"/>
+                <a:cs typeface="+mn-lt"/>
+              </a:rPr>
+              <a:t> </a:t>
+            </a:r>
+            <a:r>
+              <a:rPr lang="it-IT" sz="2000" err="1">
+                <a:ea typeface="+mn-lt"/>
+                <a:cs typeface="+mn-lt"/>
+              </a:rPr>
+              <a:t>has</a:t>
+            </a:r>
+            <a:r>
+              <a:rPr lang="it-IT" sz="2000" dirty="0">
+                <a:ea typeface="+mn-lt"/>
+                <a:cs typeface="+mn-lt"/>
+              </a:rPr>
+              <a:t> </a:t>
+            </a:r>
+            <a:r>
+              <a:rPr lang="it-IT" sz="2000" err="1">
+                <a:ea typeface="+mn-lt"/>
+                <a:cs typeface="+mn-lt"/>
+              </a:rPr>
+              <a:t>been</a:t>
+            </a:r>
+            <a:r>
+              <a:rPr lang="it-IT" sz="2000" dirty="0">
+                <a:ea typeface="+mn-lt"/>
+                <a:cs typeface="+mn-lt"/>
+              </a:rPr>
+              <a:t> </a:t>
+            </a:r>
+            <a:r>
+              <a:rPr lang="it-IT" sz="2000" err="1">
+                <a:ea typeface="+mn-lt"/>
+                <a:cs typeface="+mn-lt"/>
+              </a:rPr>
+              <a:t>learned</a:t>
+            </a:r>
+            <a:r>
+              <a:rPr lang="it-IT" sz="2000" dirty="0">
+                <a:ea typeface="+mn-lt"/>
+                <a:cs typeface="+mn-lt"/>
+              </a:rPr>
+              <a:t> in one setting to </a:t>
+            </a:r>
+            <a:r>
+              <a:rPr lang="it-IT" sz="2000" err="1">
+                <a:ea typeface="+mn-lt"/>
+                <a:cs typeface="+mn-lt"/>
+              </a:rPr>
+              <a:t>improve</a:t>
+            </a:r>
+            <a:r>
+              <a:rPr lang="it-IT" sz="2000" dirty="0">
+                <a:ea typeface="+mn-lt"/>
+                <a:cs typeface="+mn-lt"/>
+              </a:rPr>
+              <a:t> </a:t>
+            </a:r>
+            <a:r>
+              <a:rPr lang="it-IT" sz="2000" err="1">
+                <a:ea typeface="+mn-lt"/>
+                <a:cs typeface="+mn-lt"/>
+              </a:rPr>
+              <a:t>generalization</a:t>
+            </a:r>
+            <a:r>
+              <a:rPr lang="it-IT" sz="2000" dirty="0">
+                <a:ea typeface="+mn-lt"/>
+                <a:cs typeface="+mn-lt"/>
+              </a:rPr>
+              <a:t> in </a:t>
+            </a:r>
+            <a:r>
+              <a:rPr lang="it-IT" sz="2000" err="1">
+                <a:ea typeface="+mn-lt"/>
+                <a:cs typeface="+mn-lt"/>
+              </a:rPr>
+              <a:t>another</a:t>
+            </a:r>
+            <a:r>
+              <a:rPr lang="it-IT" sz="2000" dirty="0">
+                <a:ea typeface="+mn-lt"/>
+                <a:cs typeface="+mn-lt"/>
+              </a:rPr>
+              <a:t> setting</a:t>
+            </a:r>
+            <a:r>
+              <a:rPr lang="it-IT" sz="2000" dirty="0">
+                <a:ea typeface="Calibri"/>
+                <a:cs typeface="Calibri"/>
+              </a:rPr>
+              <a:t>."</a:t>
+            </a:r>
+            <a:endParaRPr lang="it-IT"/>
+          </a:p>
+          <a:p>
             <a:pPr marL="342900" indent="-342900">
-              <a:buFont typeface="Arial" panose="020B0604020202020204" pitchFamily="34" charset="0"/>
+              <a:buFont typeface="Arial"/>
               <a:buChar char="•"/>
             </a:pPr>
-            <a:r>
-              <a:rPr lang="it-IT" sz="2000" dirty="0"/>
-              <a:t>Basati sull’architettura TSMixer, garantendo dimensioni molto ridotte (~1M parametri)</a:t>
+            <a:endParaRPr lang="it-IT" sz="2000" dirty="0">
+              <a:ea typeface="Calibri"/>
+              <a:cs typeface="Calibri"/>
+            </a:endParaRPr>
+          </a:p>
+          <a:p>
+            <a:r>
+              <a:rPr lang="it-IT" sz="2000" dirty="0">
+                <a:ea typeface="Calibri"/>
+                <a:cs typeface="Calibri"/>
+              </a:rPr>
+              <a:t>Fattori importanti:</a:t>
             </a:r>
           </a:p>
           <a:p>
             <a:pPr marL="342900" indent="-342900">
-              <a:buFont typeface="Arial" panose="020B0604020202020204" pitchFamily="34" charset="0"/>
+              <a:buFont typeface="Arial"/>
               <a:buChar char="•"/>
             </a:pPr>
             <a:r>
-              <a:rPr lang="it-IT" sz="2000" dirty="0"/>
-              <a:t>Addestrati su un’elevata quantità di dati eterogenei</a:t>
-            </a:r>
-          </a:p>
-          <a:p>
-            <a:pPr marL="800100" lvl="1" indent="-342900">
-              <a:buFont typeface="Arial" panose="020B0604020202020204" pitchFamily="34" charset="0"/>
+              <a:rPr lang="it-IT" sz="2000" dirty="0">
+                <a:ea typeface="Calibri"/>
+                <a:cs typeface="Calibri"/>
+              </a:rPr>
+              <a:t>Compatibilità di Task</a:t>
+            </a:r>
+          </a:p>
+          <a:p>
+            <a:pPr marL="342900" indent="-342900">
+              <a:buFont typeface="Arial"/>
               <a:buChar char="•"/>
             </a:pPr>
             <a:r>
-              <a:rPr lang="it-IT" dirty="0"/>
-              <a:t>Clima</a:t>
-            </a:r>
-          </a:p>
-          <a:p>
-            <a:pPr marL="800100" lvl="1" indent="-342900">
-              <a:buFont typeface="Arial" panose="020B0604020202020204" pitchFamily="34" charset="0"/>
+              <a:rPr lang="it-IT" sz="2000" dirty="0">
+                <a:ea typeface="Calibri"/>
+                <a:cs typeface="Calibri"/>
+              </a:rPr>
+              <a:t>Disponibilità di dati per fine-tuning</a:t>
+            </a:r>
+          </a:p>
+          <a:p>
+            <a:pPr marL="342900" indent="-342900">
+              <a:buFont typeface="Arial"/>
               <a:buChar char="•"/>
             </a:pPr>
             <a:r>
-              <a:rPr lang="it-IT" dirty="0"/>
-              <a:t>Consumi elettrici</a:t>
-            </a:r>
-          </a:p>
-          <a:p>
-            <a:pPr marL="800100" lvl="1" indent="-342900">
-              <a:buFont typeface="Arial" panose="020B0604020202020204" pitchFamily="34" charset="0"/>
+              <a:rPr lang="it-IT" sz="2000" dirty="0">
+                <a:ea typeface="Calibri"/>
+                <a:cs typeface="Calibri"/>
+              </a:rPr>
+              <a:t>Licenze</a:t>
+            </a:r>
+          </a:p>
+          <a:p>
+            <a:pPr marL="342900" indent="-342900">
+              <a:buFont typeface="Arial"/>
               <a:buChar char="•"/>
             </a:pPr>
             <a:r>
-              <a:rPr lang="it-IT" dirty="0"/>
-              <a:t>Produzione centrali eoliche e solari</a:t>
-            </a:r>
-          </a:p>
-          <a:p>
-            <a:pPr marL="800100" lvl="1" indent="-342900">
-              <a:buFont typeface="Arial" panose="020B0604020202020204" pitchFamily="34" charset="0"/>
+              <a:rPr lang="it-IT" sz="2000" dirty="0">
+                <a:ea typeface="Calibri"/>
+                <a:cs typeface="Calibri"/>
+              </a:rPr>
+              <a:t>Domain shift e </a:t>
+            </a:r>
+            <a:r>
+              <a:rPr lang="it-IT" sz="2000" dirty="0" err="1">
+                <a:ea typeface="Calibri"/>
+                <a:cs typeface="Calibri"/>
+              </a:rPr>
+              <a:t>Bias</a:t>
+            </a:r>
+            <a:r>
+              <a:rPr lang="it-IT" sz="2000" dirty="0">
+                <a:ea typeface="Calibri"/>
+                <a:cs typeface="Calibri"/>
+              </a:rPr>
+              <a:t>*</a:t>
+            </a:r>
+          </a:p>
+          <a:p>
+            <a:pPr marL="342900" indent="-342900">
+              <a:buFont typeface="Arial"/>
               <a:buChar char="•"/>
             </a:pPr>
             <a:r>
-              <a:rPr lang="it-IT" dirty="0"/>
-              <a:t>Fluttuazioni del Bitcoin</a:t>
-            </a:r>
-          </a:p>
-          <a:p>
-            <a:pPr marL="800100" lvl="1" indent="-342900">
-              <a:buFont typeface="Arial" panose="020B0604020202020204" pitchFamily="34" charset="0"/>
-              <a:buChar char="•"/>
-            </a:pPr>
-            <a:r>
-              <a:rPr lang="it-IT" dirty="0">
-                <a:ea typeface="Calibri" panose="020F0502020204030204"/>
-                <a:cs typeface="Calibri" panose="020F0502020204030204"/>
-              </a:rPr>
-              <a:t>…</a:t>
-            </a:r>
-          </a:p>
-          <a:p>
-            <a:pPr marL="800100" lvl="1" indent="-342900">
-              <a:buFont typeface="Arial" panose="020B0604020202020204" pitchFamily="34" charset="0"/>
-              <a:buChar char="•"/>
-            </a:pPr>
-            <a:endParaRPr lang="it-IT" dirty="0"/>
-          </a:p>
-          <a:p>
-            <a:pPr marL="285750" indent="-285750">
-              <a:buFont typeface="Arial" panose="020B0604020202020204" pitchFamily="34" charset="0"/>
-              <a:buChar char="•"/>
-            </a:pPr>
-            <a:r>
-              <a:rPr lang="it-IT" sz="2000" dirty="0"/>
-              <a:t>Due varianti principali, </a:t>
-            </a:r>
-            <a:r>
-              <a:rPr lang="it-IT" sz="2000" i="1" dirty="0"/>
-              <a:t>r1</a:t>
-            </a:r>
-            <a:r>
-              <a:rPr lang="it-IT" sz="2000" dirty="0"/>
-              <a:t> ed </a:t>
-            </a:r>
-            <a:r>
-              <a:rPr lang="it-IT" sz="2000" i="1" dirty="0"/>
-              <a:t>r2</a:t>
-            </a:r>
-            <a:r>
-              <a:rPr lang="it-IT" sz="2000" dirty="0"/>
-              <a:t>; differiscono per quantità </a:t>
-            </a:r>
-            <a:br>
-              <a:rPr lang="it-IT" sz="2000" dirty="0"/>
-            </a:br>
-            <a:r>
-              <a:rPr lang="it-IT" sz="2000" dirty="0"/>
-              <a:t>di dati usati durante l’addestramento</a:t>
-            </a:r>
-            <a:br>
-              <a:rPr lang="it-IT" sz="2000" dirty="0"/>
-            </a:br>
-            <a:r>
-              <a:rPr lang="it-IT" sz="2000" dirty="0"/>
-              <a:t>(~750M r2 e ~250M r1)</a:t>
-            </a:r>
-          </a:p>
-          <a:p>
-            <a:pPr marL="800100" lvl="1" indent="-342900">
-              <a:buFont typeface="Arial" panose="020B0604020202020204" pitchFamily="34" charset="0"/>
-              <a:buChar char="•"/>
-            </a:pPr>
-            <a:endParaRPr lang="it-IT" sz="2000" dirty="0"/>
-          </a:p>
-          <a:p>
-            <a:pPr marL="342900" indent="-342900">
-              <a:buFont typeface="Arial" panose="020B0604020202020204" pitchFamily="34" charset="0"/>
-              <a:buChar char="•"/>
-            </a:pPr>
-            <a:endParaRPr lang="it-IT" sz="2000" dirty="0"/>
-          </a:p>
-        </p:txBody>
-      </p:sp>
-      <p:pic>
-        <p:nvPicPr>
-          <p:cNvPr id="7" name="Picture 6">
-            <a:extLst>
-              <a:ext uri="{FF2B5EF4-FFF2-40B4-BE49-F238E27FC236}">
-                <a16:creationId xmlns:a16="http://schemas.microsoft.com/office/drawing/2014/main" id="{0C93F6C6-764E-3E5B-A8C5-DF089E294B00}"/>
-              </a:ext>
-            </a:extLst>
-          </p:cNvPr>
-          <p:cNvPicPr>
-            <a:picLocks noChangeAspect="1"/>
-          </p:cNvPicPr>
+              <a:rPr lang="it-IT" sz="2000" dirty="0">
+                <a:ea typeface="Calibri"/>
+                <a:cs typeface="Calibri"/>
+              </a:rPr>
+              <a:t>Limiti operativi*</a:t>
+            </a:r>
+          </a:p>
+        </p:txBody>
+      </p:sp>
+      <p:sp>
+        <p:nvSpPr>
+          <p:cNvPr id="3" name="CasellaDiTesto 2">
+            <a:extLst>
+              <a:ext uri="{FF2B5EF4-FFF2-40B4-BE49-F238E27FC236}">
+                <a16:creationId xmlns:a16="http://schemas.microsoft.com/office/drawing/2014/main" id="{EDBA4BF4-5616-FB95-CDD8-E46AC7AE3040}"/>
+              </a:ext>
+            </a:extLst>
+          </p:cNvPr>
+          <p:cNvSpPr txBox="1"/>
           <p:nvPr/>
-        </p:nvPicPr>
-        <p:blipFill>
-          <a:blip r:embed="rId2"/>
-          <a:stretch>
-            <a:fillRect/>
-          </a:stretch>
-        </p:blipFill>
+        </p:nvSpPr>
         <p:spPr>
           <a:xfrm>
-            <a:off x="7333307" y="2910569"/>
-            <a:ext cx="4427144" cy="3582305"/>
-          </a:xfrm>
-          <a:prstGeom prst="rect">
-            <a:avLst/>
-          </a:prstGeom>
-        </p:spPr>
-      </p:pic>
-      <p:sp>
-        <p:nvSpPr>
-          <p:cNvPr id="8" name="TextBox 7">
-            <a:extLst>
-              <a:ext uri="{FF2B5EF4-FFF2-40B4-BE49-F238E27FC236}">
-                <a16:creationId xmlns:a16="http://schemas.microsoft.com/office/drawing/2014/main" id="{8F617293-2E6D-558B-57AE-11A61E1593BB}"/>
-              </a:ext>
-            </a:extLst>
-          </p:cNvPr>
-          <p:cNvSpPr txBox="1"/>
-          <p:nvPr/>
-        </p:nvSpPr>
-        <p:spPr>
-          <a:xfrm>
-            <a:off x="7186990" y="6492874"/>
-            <a:ext cx="4691156" cy="338554"/>
+            <a:off x="988370" y="6410712"/>
+            <a:ext cx="9601199" cy="338554"/>
           </a:xfrm>
           <a:prstGeom prst="rect">
             <a:avLst/>
@@ -5926,22 +6044,71 @@
           <a:noFill/>
         </p:spPr>
         <p:txBody>
-          <a:bodyPr wrap="none" rtlCol="0">
+          <a:bodyPr rot="0" spcFirstLastPara="0" vertOverflow="overflow" horzOverflow="overflow" vert="horz" wrap="square" lIns="91440" tIns="45720" rIns="91440" bIns="45720" numCol="1" spcCol="0" rtlCol="0" fromWordArt="0" anchor="t" anchorCtr="0" forceAA="0" compatLnSpc="1">
+            <a:prstTxWarp prst="textNoShape">
+              <a:avLst/>
+            </a:prstTxWarp>
             <a:spAutoFit/>
           </a:bodyPr>
           <a:lstStyle/>
           <a:p>
             <a:r>
-              <a:rPr lang="it-IT" sz="1600" i="1" dirty="0"/>
-              <a:t>Rapporto dimensione/tempo previsione di vari modelli</a:t>
-            </a:r>
+              <a:rPr lang="it-IT" sz="1600" dirty="0">
+                <a:ea typeface="+mn-lt"/>
+                <a:cs typeface="+mn-lt"/>
+              </a:rPr>
+              <a:t>IBM, " </a:t>
+            </a:r>
+            <a:r>
+              <a:rPr lang="it-IT" sz="1600" dirty="0" err="1">
+                <a:ea typeface="+mn-lt"/>
+                <a:cs typeface="+mn-lt"/>
+              </a:rPr>
+              <a:t>What</a:t>
+            </a:r>
+            <a:r>
+              <a:rPr lang="it-IT" sz="1600" dirty="0">
+                <a:ea typeface="+mn-lt"/>
+                <a:cs typeface="+mn-lt"/>
+              </a:rPr>
+              <a:t> </a:t>
+            </a:r>
+            <a:r>
+              <a:rPr lang="it-IT" sz="1600" dirty="0" err="1">
+                <a:ea typeface="+mn-lt"/>
+                <a:cs typeface="+mn-lt"/>
+              </a:rPr>
+              <a:t>is</a:t>
+            </a:r>
+            <a:r>
+              <a:rPr lang="it-IT" sz="1600" dirty="0">
+                <a:ea typeface="+mn-lt"/>
+                <a:cs typeface="+mn-lt"/>
+              </a:rPr>
+              <a:t> transfer learning?" [Online]. </a:t>
+            </a:r>
+            <a:r>
+              <a:rPr lang="it-IT" sz="1600" dirty="0" err="1">
+                <a:ea typeface="+mn-lt"/>
+                <a:cs typeface="+mn-lt"/>
+              </a:rPr>
+              <a:t>Available</a:t>
+            </a:r>
+            <a:r>
+              <a:rPr lang="it-IT" sz="1600" dirty="0">
+                <a:ea typeface="+mn-lt"/>
+                <a:cs typeface="+mn-lt"/>
+              </a:rPr>
+              <a:t>: https://www.ibm.com/think/topics/transfer-learning.</a:t>
+            </a:r>
+            <a:endParaRPr lang="it-IT" dirty="0"/>
           </a:p>
         </p:txBody>
       </p:sp>
     </p:spTree>
     <p:extLst>
       <p:ext uri="{BB962C8B-B14F-4D97-AF65-F5344CB8AC3E}">
-        <p14:creationId xmlns:p14="http://schemas.microsoft.com/office/powerpoint/2010/main" val="2607692324"/>
+        <p14:creationId xmlns:p14="http://schemas.microsoft.com/office/powerpoint/2010/main" val="1487935868"/>
       </p:ext>
     </p:extLst>
   </p:cSld>
@@ -5959,7 +6126,7 @@
         <p:cNvPr id="1" name="">
           <a:extLst>
             <a:ext uri="{FF2B5EF4-FFF2-40B4-BE49-F238E27FC236}">
-              <a16:creationId xmlns:a16="http://schemas.microsoft.com/office/drawing/2014/main" id="{5D7105E7-66C8-8FF6-CECB-1F41CC54F4F4}"/>
+              <a16:creationId xmlns:a16="http://schemas.microsoft.com/office/drawing/2014/main" id="{98B1E8A0-35FE-A636-21A8-B2596DE4930C}"/>
             </a:ext>
           </a:extLst>
         </p:cNvPr>
@@ -5979,7 +6146,7 @@
           <p:cNvPr id="2" name="Title 1">
             <a:extLst>
               <a:ext uri="{FF2B5EF4-FFF2-40B4-BE49-F238E27FC236}">
-                <a16:creationId xmlns:a16="http://schemas.microsoft.com/office/drawing/2014/main" id="{1A8C7EA6-E654-7447-417C-F7DC221BED42}"/>
+                <a16:creationId xmlns:a16="http://schemas.microsoft.com/office/drawing/2014/main" id="{16587478-4503-BBF8-03D3-CA4085745E76}"/>
               </a:ext>
             </a:extLst>
           </p:cNvPr>
@@ -6003,11 +6170,16 @@
           <a:lstStyle/>
           <a:p>
             <a:r>
-              <a:rPr lang="it-IT" sz="3200" noProof="0" dirty="0">
+              <a:rPr lang="it-IT" sz="3200" dirty="0">
                 <a:latin typeface="+mn-lt"/>
               </a:rPr>
-              <a:t>Analisi Serie Temporali - TinyTimeMixers</a:t>
-            </a:r>
+              <a:t>Valutazione Riusabilità</a:t>
+            </a:r>
+            <a:endParaRPr lang="it-IT" sz="3200" u="sng" noProof="0" dirty="0" err="1">
+              <a:latin typeface="+mn-lt"/>
+              <a:ea typeface="Calibri"/>
+              <a:cs typeface="Calibri"/>
+            </a:endParaRPr>
           </a:p>
         </p:txBody>
       </p:sp>
@@ -6016,7 +6188,7 @@
           <p:cNvPr id="4" name="TextBox 3">
             <a:extLst>
               <a:ext uri="{FF2B5EF4-FFF2-40B4-BE49-F238E27FC236}">
-                <a16:creationId xmlns:a16="http://schemas.microsoft.com/office/drawing/2014/main" id="{C483338E-515E-35B2-C4FF-E2FDB94A3169}"/>
+                <a16:creationId xmlns:a16="http://schemas.microsoft.com/office/drawing/2014/main" id="{96509102-F7C8-6058-09B6-24692955FC5F}"/>
               </a:ext>
             </a:extLst>
           </p:cNvPr>
@@ -6025,8 +6197,8 @@
         </p:nvSpPr>
         <p:spPr>
           <a:xfrm>
-            <a:off x="986828" y="1276540"/>
-            <a:ext cx="10773623" cy="1600438"/>
+            <a:off x="986828" y="1016345"/>
+            <a:ext cx="10773623" cy="3200876"/>
           </a:xfrm>
           <a:prstGeom prst="rect">
             <a:avLst/>
@@ -6039,210 +6211,160 @@
           </a:bodyPr>
           <a:lstStyle/>
           <a:p>
-            <a:pPr marL="342900" indent="-342900">
-              <a:buFont typeface="Arial" panose="020B0604020202020204" pitchFamily="34" charset="0"/>
-              <a:buChar char="•"/>
-            </a:pPr>
-            <a:r>
-              <a:rPr lang="it-IT" sz="2000" dirty="0"/>
-              <a:t>Esistono vari modelli, diversi in termini di </a:t>
-            </a:r>
-            <a:r>
-              <a:rPr lang="it-IT" sz="2000" i="1" dirty="0"/>
-              <a:t>context </a:t>
-            </a:r>
-            <a:r>
-              <a:rPr lang="it-IT" sz="2000" dirty="0"/>
-              <a:t>e </a:t>
-            </a:r>
-            <a:r>
-              <a:rPr lang="it-IT" sz="2000" i="1" dirty="0"/>
-              <a:t>prediction length</a:t>
-            </a:r>
-            <a:r>
-              <a:rPr lang="it-IT" sz="2000" dirty="0"/>
-              <a:t> (</a:t>
-            </a:r>
-            <a:r>
-              <a:rPr lang="it-IT" sz="2000" i="1" dirty="0"/>
-              <a:t>cl </a:t>
-            </a:r>
-            <a:r>
-              <a:rPr lang="it-IT" sz="2000" dirty="0"/>
-              <a:t>e </a:t>
-            </a:r>
-            <a:r>
-              <a:rPr lang="it-IT" sz="2000" i="1" dirty="0"/>
-              <a:t>pl</a:t>
-            </a:r>
-            <a:r>
-              <a:rPr lang="it-IT" sz="2000" dirty="0"/>
-              <a:t> )</a:t>
-            </a:r>
-          </a:p>
-          <a:p>
-            <a:pPr marL="800100" lvl="1" indent="-342900">
-              <a:buFont typeface="Arial" panose="020B0604020202020204" pitchFamily="34" charset="0"/>
-              <a:buChar char="•"/>
-            </a:pPr>
-            <a:r>
-              <a:rPr lang="it-IT" i="1" dirty="0"/>
-              <a:t>cl</a:t>
-            </a:r>
-            <a:r>
-              <a:rPr lang="it-IT" dirty="0"/>
-              <a:t>-</a:t>
-            </a:r>
-            <a:r>
-              <a:rPr lang="it-IT" i="1" dirty="0"/>
-              <a:t>pl</a:t>
-            </a:r>
-            <a:r>
-              <a:rPr lang="it-IT" dirty="0"/>
-              <a:t>-</a:t>
-            </a:r>
-            <a:r>
-              <a:rPr lang="it-IT" i="1" dirty="0"/>
-              <a:t>rn, </a:t>
-            </a:r>
-            <a:r>
-              <a:rPr lang="it-IT" dirty="0"/>
-              <a:t>quest’ultimo indica la versione </a:t>
-            </a:r>
-            <a:r>
-              <a:rPr lang="it-IT" i="1" dirty="0"/>
-              <a:t>r1</a:t>
-            </a:r>
-            <a:r>
-              <a:rPr lang="it-IT" dirty="0"/>
-              <a:t> o </a:t>
-            </a:r>
-            <a:r>
-              <a:rPr lang="it-IT" i="1" dirty="0"/>
-              <a:t>r2</a:t>
-            </a:r>
-            <a:endParaRPr lang="it-IT" i="1">
+            <a:r>
+              <a:rPr lang="it-IT" sz="2000" dirty="0">
+                <a:ea typeface="Calibri"/>
+                <a:cs typeface="Calibri"/>
+              </a:rPr>
+              <a:t>La metodologia proposta prevede l'assegnazione di un punteggio, da 1 a 3, in 4 categorie</a:t>
+            </a:r>
+          </a:p>
+          <a:p>
+            <a:endParaRPr lang="it-IT" sz="2000" dirty="0">
               <a:ea typeface="Calibri"/>
               <a:cs typeface="Calibri"/>
             </a:endParaRPr>
           </a:p>
           <a:p>
             <a:pPr marL="342900" indent="-342900">
-              <a:buFont typeface="Arial" panose="020B0604020202020204" pitchFamily="34" charset="0"/>
+              <a:buFont typeface="Arial"/>
               <a:buChar char="•"/>
             </a:pPr>
             <a:r>
-              <a:rPr lang="it-IT" sz="2000" dirty="0"/>
-              <a:t>IBM ha rilasciato una grande quantità di guide e tutorial per eseguire il fine-tuning dei modelli</a:t>
-            </a:r>
-          </a:p>
-          <a:p>
-            <a:pPr marL="342900" indent="-342900">
-              <a:buFont typeface="Arial" panose="020B0604020202020204" pitchFamily="34" charset="0"/>
+              <a:rPr lang="it-IT" b="1" dirty="0">
+                <a:ea typeface="Calibri"/>
+                <a:cs typeface="Calibri"/>
+              </a:rPr>
+              <a:t>Project Alignment (PA)</a:t>
+            </a:r>
+            <a:r>
+              <a:rPr lang="it-IT" dirty="0">
+                <a:ea typeface="Calibri"/>
+                <a:cs typeface="Calibri"/>
+              </a:rPr>
+              <a:t>: rilevanza verso Farm-Tech, sia in termini di task che dataset di addestramento</a:t>
+            </a:r>
+          </a:p>
+          <a:p>
+            <a:pPr marL="742950" lvl="1" indent="-285750">
+              <a:buFont typeface="Arial"/>
               <a:buChar char="•"/>
             </a:pPr>
-            <a:endParaRPr lang="it-IT" sz="2000" dirty="0"/>
-          </a:p>
-          <a:p>
-            <a:pPr marL="342900" indent="-342900">
-              <a:buFont typeface="Arial" panose="020B0604020202020204" pitchFamily="34" charset="0"/>
+            <a:r>
+              <a:rPr lang="it-IT" dirty="0">
+                <a:ea typeface="Calibri"/>
+                <a:cs typeface="Calibri"/>
+              </a:rPr>
+              <a:t>1: affinità generale al </a:t>
+            </a:r>
+            <a:r>
+              <a:rPr lang="it-IT" dirty="0" err="1">
+                <a:ea typeface="Calibri"/>
+                <a:cs typeface="Calibri"/>
+              </a:rPr>
+              <a:t>precision</a:t>
+            </a:r>
+            <a:r>
+              <a:rPr lang="it-IT" dirty="0">
+                <a:ea typeface="Calibri"/>
+                <a:cs typeface="Calibri"/>
+              </a:rPr>
+              <a:t> farming</a:t>
+            </a:r>
+          </a:p>
+          <a:p>
+            <a:pPr marL="742950" lvl="1" indent="-285750">
+              <a:buFont typeface="Arial"/>
               <a:buChar char="•"/>
             </a:pPr>
-            <a:endParaRPr lang="it-IT" sz="2000" dirty="0"/>
-          </a:p>
-        </p:txBody>
-      </p:sp>
-      <p:pic>
-        <p:nvPicPr>
-          <p:cNvPr id="5" name="Picture 4">
-            <a:extLst>
-              <a:ext uri="{FF2B5EF4-FFF2-40B4-BE49-F238E27FC236}">
-                <a16:creationId xmlns:a16="http://schemas.microsoft.com/office/drawing/2014/main" id="{B3B16C81-C12B-B0EF-A5C4-0CFC5DD16F9A}"/>
-              </a:ext>
-            </a:extLst>
-          </p:cNvPr>
-          <p:cNvPicPr>
-            <a:picLocks noChangeAspect="1"/>
-          </p:cNvPicPr>
-          <p:nvPr/>
-        </p:nvPicPr>
-        <p:blipFill>
-          <a:blip r:embed="rId2"/>
-          <a:stretch>
-            <a:fillRect/>
-          </a:stretch>
-        </p:blipFill>
-        <p:spPr>
-          <a:xfrm>
-            <a:off x="7209788" y="2458330"/>
-            <a:ext cx="3220557" cy="3840209"/>
-          </a:xfrm>
-          <a:prstGeom prst="rect">
-            <a:avLst/>
-          </a:prstGeom>
-        </p:spPr>
-      </p:pic>
-      <p:pic>
-        <p:nvPicPr>
-          <p:cNvPr id="9" name="Picture 8">
-            <a:extLst>
-              <a:ext uri="{FF2B5EF4-FFF2-40B4-BE49-F238E27FC236}">
-                <a16:creationId xmlns:a16="http://schemas.microsoft.com/office/drawing/2014/main" id="{2FCAEC72-60B0-06CD-269A-82C0A4BDA8E6}"/>
-              </a:ext>
-            </a:extLst>
-          </p:cNvPr>
-          <p:cNvPicPr>
-            <a:picLocks noChangeAspect="1"/>
-          </p:cNvPicPr>
-          <p:nvPr/>
-        </p:nvPicPr>
-        <p:blipFill>
-          <a:blip r:embed="rId3"/>
-          <a:stretch>
-            <a:fillRect/>
-          </a:stretch>
-        </p:blipFill>
-        <p:spPr>
-          <a:xfrm>
-            <a:off x="838200" y="2394956"/>
-            <a:ext cx="4501398" cy="4294017"/>
-          </a:xfrm>
-          <a:prstGeom prst="rect">
-            <a:avLst/>
-          </a:prstGeom>
-        </p:spPr>
-      </p:pic>
-      <p:sp>
-        <p:nvSpPr>
-          <p:cNvPr id="10" name="TextBox 9">
-            <a:extLst>
-              <a:ext uri="{FF2B5EF4-FFF2-40B4-BE49-F238E27FC236}">
-                <a16:creationId xmlns:a16="http://schemas.microsoft.com/office/drawing/2014/main" id="{CDABD6BF-E073-2652-4608-D976C1C2FC74}"/>
-              </a:ext>
-            </a:extLst>
-          </p:cNvPr>
-          <p:cNvSpPr txBox="1"/>
-          <p:nvPr/>
-        </p:nvSpPr>
-        <p:spPr>
-          <a:xfrm>
-            <a:off x="7857655" y="6323597"/>
-            <a:ext cx="1924822" cy="338554"/>
-          </a:xfrm>
-          <a:prstGeom prst="rect">
-            <a:avLst/>
-          </a:prstGeom>
-          <a:noFill/>
-        </p:spPr>
-        <p:txBody>
-          <a:bodyPr wrap="none" rtlCol="0">
-            <a:spAutoFit/>
-          </a:bodyPr>
-          <a:lstStyle/>
-          <a:p>
-            <a:r>
-              <a:rPr lang="it-IT" sz="1600" i="1" dirty="0"/>
-              <a:t>Varie versioni di TTM</a:t>
+            <a:r>
+              <a:rPr lang="it-IT" dirty="0">
+                <a:ea typeface="Calibri"/>
+                <a:cs typeface="Calibri"/>
+              </a:rPr>
+              <a:t>2: correlazione immediata ad una task rilevante in Farm-Tech</a:t>
+            </a:r>
+          </a:p>
+          <a:p>
+            <a:pPr marL="742950" lvl="1" indent="-285750">
+              <a:buFont typeface="Arial"/>
+              <a:buChar char="•"/>
+            </a:pPr>
+            <a:r>
+              <a:rPr lang="it-IT" dirty="0">
+                <a:ea typeface="Calibri"/>
+                <a:cs typeface="Calibri"/>
+              </a:rPr>
+              <a:t>3: uso di dati immediatamente rilevanti</a:t>
+            </a:r>
+          </a:p>
+          <a:p>
+            <a:pPr marL="742950" lvl="1" indent="-285750">
+              <a:buFont typeface="Arial"/>
+              <a:buChar char="•"/>
+            </a:pPr>
+            <a:endParaRPr lang="it-IT" dirty="0">
+              <a:ea typeface="Calibri"/>
+              <a:cs typeface="Calibri"/>
+            </a:endParaRPr>
+          </a:p>
+          <a:p>
+            <a:pPr marL="285750" indent="-285750">
+              <a:buFont typeface="Arial"/>
+              <a:buChar char="•"/>
+            </a:pPr>
+            <a:r>
+              <a:rPr lang="it-IT" b="1" dirty="0">
+                <a:ea typeface="Calibri"/>
+                <a:cs typeface="Calibri"/>
+              </a:rPr>
+              <a:t>Quality of Documentation (QD)</a:t>
+            </a:r>
+            <a:r>
+              <a:rPr lang="it-IT" dirty="0">
+                <a:ea typeface="Calibri"/>
+                <a:cs typeface="Calibri"/>
+              </a:rPr>
+              <a:t>: utilità della documentazione nell'implementare il modello in un nuovo campo</a:t>
+            </a:r>
+          </a:p>
+          <a:p>
+            <a:pPr marL="742950" lvl="1" indent="-285750">
+              <a:buFont typeface="Arial"/>
+              <a:buChar char="•"/>
+            </a:pPr>
+            <a:r>
+              <a:rPr lang="it-IT" dirty="0">
+                <a:ea typeface="Calibri"/>
+                <a:cs typeface="Calibri"/>
+              </a:rPr>
+              <a:t>1: documentazione sufficiente per esecuzione del modello</a:t>
+            </a:r>
+          </a:p>
+          <a:p>
+            <a:pPr marL="742950" lvl="1" indent="-285750">
+              <a:buFont typeface="Arial"/>
+              <a:buChar char="•"/>
+            </a:pPr>
+            <a:r>
+              <a:rPr lang="it-IT" dirty="0">
+                <a:ea typeface="Calibri"/>
+                <a:cs typeface="Calibri"/>
+              </a:rPr>
+              <a:t>2: sintesi dell'architettura</a:t>
+            </a:r>
+          </a:p>
+          <a:p>
+            <a:pPr marL="742950" lvl="1" indent="-285750">
+              <a:buFont typeface="Arial"/>
+              <a:buChar char="•"/>
+            </a:pPr>
+            <a:r>
+              <a:rPr lang="it-IT" dirty="0">
+                <a:ea typeface="Calibri"/>
+                <a:cs typeface="Calibri"/>
+              </a:rPr>
+              <a:t>3: quantità significativa di guide/tutorial</a:t>
             </a:r>
           </a:p>
         </p:txBody>
@@ -6250,7 +6372,7 @@
     </p:spTree>
     <p:extLst>
       <p:ext uri="{BB962C8B-B14F-4D97-AF65-F5344CB8AC3E}">
-        <p14:creationId xmlns:p14="http://schemas.microsoft.com/office/powerpoint/2010/main" val="2383543934"/>
+        <p14:creationId xmlns:p14="http://schemas.microsoft.com/office/powerpoint/2010/main" val="375687149"/>
       </p:ext>
     </p:extLst>
   </p:cSld>
@@ -6268,7 +6390,7 @@
         <p:cNvPr id="1" name="">
           <a:extLst>
             <a:ext uri="{FF2B5EF4-FFF2-40B4-BE49-F238E27FC236}">
-              <a16:creationId xmlns:a16="http://schemas.microsoft.com/office/drawing/2014/main" id="{F087B16E-52EE-0827-7017-DF8BDD2E7E43}"/>
+              <a16:creationId xmlns:a16="http://schemas.microsoft.com/office/drawing/2014/main" id="{8443BEE8-B9A8-53CF-C076-4CD8B199A4E8}"/>
             </a:ext>
           </a:extLst>
         </p:cNvPr>
@@ -6288,7 +6410,7 @@
           <p:cNvPr id="2" name="Title 1">
             <a:extLst>
               <a:ext uri="{FF2B5EF4-FFF2-40B4-BE49-F238E27FC236}">
-                <a16:creationId xmlns:a16="http://schemas.microsoft.com/office/drawing/2014/main" id="{0AA4B87C-5FDC-3CA5-C263-C64A9C461F00}"/>
+                <a16:creationId xmlns:a16="http://schemas.microsoft.com/office/drawing/2014/main" id="{847DBAB7-FD45-F0E3-B0FE-1EC42ACA7906}"/>
               </a:ext>
             </a:extLst>
           </p:cNvPr>
@@ -6315,37 +6437,7 @@
               <a:rPr lang="it-IT" sz="3200" dirty="0">
                 <a:latin typeface="+mn-lt"/>
               </a:rPr>
-              <a:t>Classificazione</a:t>
-            </a:r>
-            <a:r>
-              <a:rPr lang="it-IT" sz="3200" noProof="0" dirty="0">
-                <a:latin typeface="+mn-lt"/>
-              </a:rPr>
-              <a:t> </a:t>
-            </a:r>
-            <a:r>
-              <a:rPr lang="it-IT" sz="3200" dirty="0">
-                <a:latin typeface="+mn-lt"/>
-              </a:rPr>
-              <a:t>Immagini – </a:t>
-            </a:r>
-            <a:r>
-              <a:rPr lang="it-IT" sz="3200" dirty="0" err="1">
-                <a:latin typeface="+mn-lt"/>
-              </a:rPr>
-              <a:t>Disease</a:t>
-            </a:r>
-            <a:r>
-              <a:rPr lang="it-IT" sz="3200" dirty="0">
-                <a:latin typeface="+mn-lt"/>
-              </a:rPr>
-              <a:t> </a:t>
-            </a:r>
-            <a:r>
-              <a:rPr lang="it-IT" sz="3200" dirty="0" err="1">
-                <a:latin typeface="+mn-lt"/>
-              </a:rPr>
-              <a:t>Detection</a:t>
+              <a:t>Valutazione Riusabilità</a:t>
             </a:r>
             <a:endParaRPr lang="it-IT" sz="3200" u="sng" noProof="0" dirty="0" err="1">
               <a:latin typeface="+mn-lt"/>
@@ -6360,7 +6452,7 @@
           <p:cNvPr id="4" name="TextBox 3">
             <a:extLst>
               <a:ext uri="{FF2B5EF4-FFF2-40B4-BE49-F238E27FC236}">
-                <a16:creationId xmlns:a16="http://schemas.microsoft.com/office/drawing/2014/main" id="{80D181B2-3585-0130-51D5-DCD370A44FFA}"/>
+                <a16:creationId xmlns:a16="http://schemas.microsoft.com/office/drawing/2014/main" id="{A5633DC3-A1B8-C8D4-3544-61606F06ECBB}"/>
               </a:ext>
             </a:extLst>
           </p:cNvPr>
@@ -6369,8 +6461,8 @@
         </p:nvSpPr>
         <p:spPr>
           <a:xfrm>
-            <a:off x="986828" y="1276540"/>
-            <a:ext cx="10773623" cy="3293209"/>
+            <a:off x="986828" y="1016345"/>
+            <a:ext cx="10773623" cy="2923877"/>
           </a:xfrm>
           <a:prstGeom prst="rect">
             <a:avLst/>
@@ -6383,393 +6475,151 @@
           </a:bodyPr>
           <a:lstStyle/>
           <a:p>
-            <a:pPr marL="342900" indent="-342900">
-              <a:buFont typeface="Arial" panose="020B0604020202020204" pitchFamily="34" charset="0"/>
-              <a:buChar char="•"/>
-            </a:pPr>
-            <a:r>
-              <a:rPr lang="it-IT" sz="2000" dirty="0"/>
-              <a:t>Rileva malattie in una coltura in base ad un immagine delle foglie</a:t>
-            </a:r>
-          </a:p>
-          <a:p>
-            <a:pPr marL="342900" indent="-342900">
-              <a:buFont typeface="Arial" panose="020B0604020202020204" pitchFamily="34" charset="0"/>
-              <a:buChar char="•"/>
-            </a:pPr>
             <a:r>
               <a:rPr lang="it-IT" sz="2000" dirty="0">
                 <a:ea typeface="Calibri"/>
                 <a:cs typeface="Calibri"/>
               </a:rPr>
-              <a:t>Fine-</a:t>
-            </a:r>
-            <a:r>
-              <a:rPr lang="it-IT" sz="2000" dirty="0" err="1">
-                <a:ea typeface="Calibri"/>
-                <a:cs typeface="Calibri"/>
-              </a:rPr>
-              <a:t>tune</a:t>
-            </a:r>
-            <a:r>
-              <a:rPr lang="it-IT" sz="2000" dirty="0">
-                <a:ea typeface="Calibri"/>
-                <a:cs typeface="Calibri"/>
-              </a:rPr>
-              <a:t> del Vision Transformer (</a:t>
-            </a:r>
-            <a:r>
-              <a:rPr lang="it-IT" sz="2000" dirty="0" err="1">
-                <a:ea typeface="Calibri"/>
-                <a:cs typeface="Calibri"/>
-              </a:rPr>
-              <a:t>ViT</a:t>
-            </a:r>
-            <a:r>
-              <a:rPr lang="it-IT" sz="2000" dirty="0">
-                <a:ea typeface="Calibri"/>
-                <a:cs typeface="Calibri"/>
-              </a:rPr>
-              <a:t>) di Google (</a:t>
-            </a:r>
-            <a:r>
-              <a:rPr lang="it-IT" sz="2000" dirty="0">
-                <a:ea typeface="+mn-lt"/>
-                <a:cs typeface="+mn-lt"/>
-              </a:rPr>
-              <a:t>vit-tiny-patch16-224</a:t>
-            </a:r>
-            <a:r>
-              <a:rPr lang="it-IT" sz="2000" dirty="0">
-                <a:ea typeface="Calibri"/>
-                <a:cs typeface="Calibri"/>
-              </a:rPr>
-              <a:t>)</a:t>
-            </a:r>
-          </a:p>
-          <a:p>
-            <a:pPr marL="342900" indent="-342900">
-              <a:buFont typeface="Arial"/>
-              <a:buChar char="•"/>
-            </a:pPr>
-            <a:r>
-              <a:rPr lang="it-IT" sz="2000" dirty="0">
-                <a:ea typeface="Calibri"/>
-                <a:cs typeface="Calibri"/>
-              </a:rPr>
-              <a:t>Il dataset di addestramento non è stato condivise, ma è descritto il contenuto:</a:t>
-            </a:r>
-          </a:p>
-          <a:p>
-            <a:pPr marL="800100" indent="-342900">
-              <a:buFont typeface="Arial"/>
-              <a:buChar char="•"/>
-            </a:pPr>
-            <a:r>
-              <a:rPr lang="it-IT" dirty="0">
-                <a:ea typeface="+mn-lt"/>
-                <a:cs typeface="+mn-lt"/>
-              </a:rPr>
-              <a:t>Corn: Common Rust, Gray Leaf Spot, Leaf Blight, Healthy</a:t>
-            </a:r>
-          </a:p>
-          <a:p>
-            <a:pPr marL="800100" indent="-342900">
-              <a:buFont typeface="Arial"/>
-              <a:buChar char="•"/>
-            </a:pPr>
-            <a:r>
-              <a:rPr lang="it-IT" dirty="0">
-                <a:ea typeface="+mn-lt"/>
-                <a:cs typeface="+mn-lt"/>
-              </a:rPr>
-              <a:t>Potato: Early Blight, Late Blight, Healthy</a:t>
-            </a:r>
-            <a:endParaRPr lang="it-IT" u="sng" dirty="0">
+              <a:t>La metodologia proposta prevede l'assegnazione di un punteggio, da 1 a 3, in 4 categorie</a:t>
+            </a:r>
+          </a:p>
+          <a:p>
+            <a:endParaRPr lang="it-IT" sz="2000" dirty="0">
               <a:ea typeface="Calibri"/>
               <a:cs typeface="Calibri"/>
             </a:endParaRPr>
           </a:p>
           <a:p>
-            <a:pPr marL="800100" indent="-342900">
+            <a:pPr marL="285750" indent="-285750">
               <a:buFont typeface="Arial"/>
               <a:buChar char="•"/>
             </a:pPr>
             <a:r>
+              <a:rPr lang="it-IT" b="1" dirty="0">
+                <a:ea typeface="Calibri"/>
+                <a:cs typeface="Calibri"/>
+              </a:rPr>
+              <a:t>Ease of Evaluation (EE)</a:t>
+            </a:r>
+            <a:r>
               <a:rPr lang="it-IT" dirty="0">
-                <a:ea typeface="+mn-lt"/>
-                <a:cs typeface="+mn-lt"/>
-              </a:rPr>
-              <a:t>Rice: Brown Spot, Hispa, Leaf Blast, Healthy</a:t>
-            </a:r>
-            <a:endParaRPr lang="it-IT" u="sng" dirty="0">
-              <a:ea typeface="Calibri"/>
-              <a:cs typeface="Calibri"/>
-            </a:endParaRPr>
-          </a:p>
-          <a:p>
-            <a:pPr marL="800100" indent="-342900">
+                <a:ea typeface="Calibri"/>
+                <a:cs typeface="Calibri"/>
+              </a:rPr>
+              <a:t>: quanto è semplice valutare l'efficacia del modello nel nuovo campo</a:t>
+            </a:r>
+          </a:p>
+          <a:p>
+            <a:pPr marL="742950" lvl="1" indent="-285750">
               <a:buFont typeface="Arial"/>
               <a:buChar char="•"/>
             </a:pPr>
             <a:r>
-              <a:rPr lang="it-IT" dirty="0" err="1">
-                <a:ea typeface="+mn-lt"/>
-                <a:cs typeface="+mn-lt"/>
-              </a:rPr>
-              <a:t>Wheat</a:t>
-            </a:r>
-            <a:r>
               <a:rPr lang="it-IT" dirty="0">
-                <a:ea typeface="+mn-lt"/>
-                <a:cs typeface="+mn-lt"/>
-              </a:rPr>
-              <a:t>: Brown Rust, Yellow Rust, </a:t>
-            </a:r>
-            <a:r>
-              <a:rPr lang="it-IT" dirty="0" err="1">
-                <a:ea typeface="+mn-lt"/>
-                <a:cs typeface="+mn-lt"/>
-              </a:rPr>
-              <a:t>Healthy</a:t>
-            </a:r>
-            <a:endParaRPr lang="it-IT" dirty="0">
-              <a:ea typeface="+mn-lt"/>
-              <a:cs typeface="+mn-lt"/>
-            </a:endParaRPr>
-          </a:p>
-          <a:p>
-            <a:pPr marL="800100" indent="-342900">
+                <a:ea typeface="Calibri"/>
+                <a:cs typeface="Calibri"/>
+              </a:rPr>
+              <a:t>1: testing intensivo</a:t>
+            </a:r>
+          </a:p>
+          <a:p>
+            <a:pPr marL="742950" lvl="1" indent="-285750">
               <a:buFont typeface="Arial"/>
               <a:buChar char="•"/>
             </a:pPr>
-            <a:endParaRPr lang="it-IT" dirty="0">
-              <a:ea typeface="Calibri"/>
-              <a:cs typeface="Calibri"/>
-            </a:endParaRPr>
-          </a:p>
-          <a:p>
-            <a:pPr marL="800100" indent="-342900">
+            <a:r>
+              <a:rPr lang="it-IT" dirty="0">
+                <a:ea typeface="Calibri"/>
+                <a:cs typeface="Calibri"/>
+              </a:rPr>
+              <a:t>2: necessità di dati specifici</a:t>
+            </a:r>
+          </a:p>
+          <a:p>
+            <a:pPr marL="742950" lvl="1" indent="-285750">
               <a:buFont typeface="Arial"/>
               <a:buChar char="•"/>
             </a:pPr>
-            <a:endParaRPr lang="it-IT" dirty="0">
-              <a:ea typeface="Calibri"/>
-              <a:cs typeface="Calibri"/>
-            </a:endParaRPr>
-          </a:p>
-          <a:p>
-            <a:pPr marL="342900" indent="-342900">
+            <a:r>
+              <a:rPr lang="it-IT" dirty="0">
+                <a:ea typeface="Calibri"/>
+                <a:cs typeface="Calibri"/>
+              </a:rPr>
+              <a:t>3: dati general-purpose sufficenti</a:t>
+            </a:r>
+          </a:p>
+          <a:p>
+            <a:pPr marL="285750" indent="-285750">
               <a:buFont typeface="Arial"/>
               <a:buChar char="•"/>
             </a:pPr>
             <a:r>
-              <a:rPr lang="it-IT" sz="2000" dirty="0">
-                <a:ea typeface="Calibri"/>
-                <a:cs typeface="Calibri"/>
-              </a:rPr>
-              <a:t>"</a:t>
-            </a:r>
-            <a:r>
-              <a:rPr lang="it-IT" sz="2000" dirty="0">
-                <a:ea typeface="+mn-lt"/>
-                <a:cs typeface="+mn-lt"/>
-              </a:rPr>
-              <a:t>The model </a:t>
-            </a:r>
-            <a:r>
-              <a:rPr lang="it-IT" sz="2000" dirty="0" err="1">
-                <a:ea typeface="+mn-lt"/>
-                <a:cs typeface="+mn-lt"/>
-              </a:rPr>
-              <a:t>may</a:t>
-            </a:r>
-            <a:r>
-              <a:rPr lang="it-IT" sz="2000" dirty="0">
-                <a:ea typeface="+mn-lt"/>
-                <a:cs typeface="+mn-lt"/>
+              <a:rPr lang="it-IT" b="1" dirty="0">
+                <a:ea typeface="Calibri"/>
+                <a:cs typeface="Calibri"/>
+              </a:rPr>
+              <a:t>Licenza (LC)</a:t>
+            </a:r>
+          </a:p>
+          <a:p>
+            <a:pPr marL="742950" lvl="1" indent="-285750">
+              <a:buFont typeface="Arial"/>
+              <a:buChar char="•"/>
+            </a:pPr>
+            <a:r>
+              <a:rPr lang="it-IT" dirty="0">
+                <a:ea typeface="Calibri"/>
+                <a:cs typeface="Calibri"/>
+              </a:rPr>
+              <a:t>1:</a:t>
+            </a:r>
+            <a:r>
+              <a:rPr lang="it-IT" b="1" dirty="0">
+                <a:ea typeface="Calibri"/>
+                <a:cs typeface="Calibri"/>
               </a:rPr>
               <a:t> </a:t>
             </a:r>
             <a:r>
-              <a:rPr lang="it-IT" sz="2000" dirty="0" err="1">
-                <a:ea typeface="+mn-lt"/>
-                <a:cs typeface="+mn-lt"/>
-              </a:rPr>
-              <a:t>exhibit</a:t>
-            </a:r>
-            <a:r>
-              <a:rPr lang="it-IT" sz="2000" dirty="0">
-                <a:ea typeface="+mn-lt"/>
-                <a:cs typeface="+mn-lt"/>
-              </a:rPr>
-              <a:t> </a:t>
-            </a:r>
-            <a:r>
-              <a:rPr lang="it-IT" sz="2000" dirty="0" err="1">
-                <a:ea typeface="+mn-lt"/>
-                <a:cs typeface="+mn-lt"/>
-              </a:rPr>
-              <a:t>bias</a:t>
-            </a:r>
-            <a:r>
-              <a:rPr lang="it-IT" sz="2000" dirty="0">
-                <a:ea typeface="+mn-lt"/>
-                <a:cs typeface="+mn-lt"/>
-              </a:rPr>
-              <a:t> </a:t>
-            </a:r>
-            <a:r>
-              <a:rPr lang="it-IT" sz="2000" dirty="0" err="1">
-                <a:ea typeface="+mn-lt"/>
-                <a:cs typeface="+mn-lt"/>
-              </a:rPr>
-              <a:t>toward</a:t>
-            </a:r>
-            <a:r>
-              <a:rPr lang="it-IT" sz="2000" dirty="0">
-                <a:ea typeface="+mn-lt"/>
-                <a:cs typeface="+mn-lt"/>
-              </a:rPr>
-              <a:t> the </a:t>
-            </a:r>
-            <a:r>
-              <a:rPr lang="it-IT" sz="2000" dirty="0" err="1">
-                <a:ea typeface="+mn-lt"/>
-                <a:cs typeface="+mn-lt"/>
-              </a:rPr>
-              <a:t>crops</a:t>
-            </a:r>
-            <a:r>
-              <a:rPr lang="it-IT" sz="2000" dirty="0">
-                <a:ea typeface="+mn-lt"/>
-                <a:cs typeface="+mn-lt"/>
-              </a:rPr>
-              <a:t> and </a:t>
-            </a:r>
-            <a:r>
-              <a:rPr lang="it-IT" sz="2000" dirty="0" err="1">
-                <a:ea typeface="+mn-lt"/>
-                <a:cs typeface="+mn-lt"/>
-              </a:rPr>
-              <a:t>diseases</a:t>
-            </a:r>
-            <a:r>
-              <a:rPr lang="it-IT" sz="2000" dirty="0">
-                <a:ea typeface="+mn-lt"/>
-                <a:cs typeface="+mn-lt"/>
-              </a:rPr>
-              <a:t> </a:t>
-            </a:r>
-            <a:r>
-              <a:rPr lang="it-IT" sz="2000" dirty="0" err="1">
-                <a:ea typeface="+mn-lt"/>
-                <a:cs typeface="+mn-lt"/>
-              </a:rPr>
-              <a:t>present</a:t>
-            </a:r>
-            <a:r>
-              <a:rPr lang="it-IT" sz="2000" dirty="0">
-                <a:ea typeface="+mn-lt"/>
-                <a:cs typeface="+mn-lt"/>
-              </a:rPr>
-              <a:t> in the training dataset, </a:t>
-            </a:r>
-            <a:r>
-              <a:rPr lang="it-IT" sz="2000" dirty="0" err="1">
-                <a:ea typeface="+mn-lt"/>
-                <a:cs typeface="+mn-lt"/>
-              </a:rPr>
-              <a:t>leading</a:t>
-            </a:r>
-            <a:r>
-              <a:rPr lang="it-IT" sz="2000" dirty="0">
-                <a:ea typeface="+mn-lt"/>
-                <a:cs typeface="+mn-lt"/>
-              </a:rPr>
-              <a:t> to </a:t>
-            </a:r>
-            <a:r>
-              <a:rPr lang="it-IT" sz="2000" dirty="0" err="1">
-                <a:ea typeface="+mn-lt"/>
-                <a:cs typeface="+mn-lt"/>
-              </a:rPr>
-              <a:t>lower</a:t>
-            </a:r>
-            <a:r>
-              <a:rPr lang="it-IT" sz="2000" dirty="0">
-                <a:ea typeface="+mn-lt"/>
-                <a:cs typeface="+mn-lt"/>
-              </a:rPr>
-              <a:t> performance on </a:t>
-            </a:r>
-            <a:r>
-              <a:rPr lang="it-IT" sz="2000" dirty="0" err="1">
-                <a:ea typeface="+mn-lt"/>
-                <a:cs typeface="+mn-lt"/>
-              </a:rPr>
-              <a:t>unrepresented</a:t>
-            </a:r>
-            <a:r>
-              <a:rPr lang="it-IT" sz="2000" dirty="0">
-                <a:ea typeface="+mn-lt"/>
-                <a:cs typeface="+mn-lt"/>
-              </a:rPr>
-              <a:t> </a:t>
-            </a:r>
-            <a:r>
-              <a:rPr lang="it-IT" sz="2000" dirty="0" err="1">
-                <a:ea typeface="+mn-lt"/>
-                <a:cs typeface="+mn-lt"/>
-              </a:rPr>
-              <a:t>diseases</a:t>
-            </a:r>
-            <a:r>
-              <a:rPr lang="it-IT" sz="2000" dirty="0">
-                <a:ea typeface="+mn-lt"/>
-                <a:cs typeface="+mn-lt"/>
-              </a:rPr>
-              <a:t> or </a:t>
-            </a:r>
-            <a:r>
-              <a:rPr lang="it-IT" sz="2000" dirty="0" err="1">
-                <a:ea typeface="+mn-lt"/>
-                <a:cs typeface="+mn-lt"/>
-              </a:rPr>
-              <a:t>crop</a:t>
-            </a:r>
-            <a:r>
-              <a:rPr lang="it-IT" sz="2000" dirty="0">
-                <a:ea typeface="+mn-lt"/>
-                <a:cs typeface="+mn-lt"/>
-              </a:rPr>
-              <a:t> </a:t>
-            </a:r>
-            <a:r>
-              <a:rPr lang="it-IT" sz="2000" dirty="0" err="1">
-                <a:ea typeface="+mn-lt"/>
-                <a:cs typeface="+mn-lt"/>
-              </a:rPr>
-              <a:t>varieties</a:t>
-            </a:r>
-            <a:r>
-              <a:rPr lang="it-IT" sz="2000" dirty="0">
-                <a:ea typeface="+mn-lt"/>
-                <a:cs typeface="+mn-lt"/>
-              </a:rPr>
-              <a:t>"</a:t>
-            </a:r>
-            <a:endParaRPr lang="it-IT" sz="2000" u="sng" dirty="0">
-              <a:ea typeface="Calibri"/>
-              <a:cs typeface="Calibri"/>
-            </a:endParaRPr>
+              <a:rPr lang="it-IT" dirty="0">
+                <a:ea typeface="Calibri"/>
+                <a:cs typeface="Calibri"/>
+              </a:rPr>
+              <a:t>licenza restrittiva</a:t>
+            </a:r>
+          </a:p>
+          <a:p>
+            <a:pPr marL="742950" lvl="1" indent="-285750">
+              <a:buFont typeface="Arial"/>
+              <a:buChar char="•"/>
+            </a:pPr>
+            <a:r>
+              <a:rPr lang="it-IT" dirty="0">
+                <a:ea typeface="Calibri"/>
+                <a:cs typeface="Calibri"/>
+              </a:rPr>
+              <a:t>2: licenza assente/contraddittoria</a:t>
+            </a:r>
+          </a:p>
+          <a:p>
+            <a:pPr marL="742950" lvl="1" indent="-285750">
+              <a:buFont typeface="Arial"/>
+              <a:buChar char="•"/>
+            </a:pPr>
+            <a:r>
+              <a:rPr lang="it-IT" dirty="0">
+                <a:ea typeface="Calibri"/>
+                <a:cs typeface="Calibri"/>
+              </a:rPr>
+              <a:t>3: licenza permissiva</a:t>
+            </a:r>
           </a:p>
         </p:txBody>
       </p:sp>
     </p:spTree>
     <p:extLst>
       <p:ext uri="{BB962C8B-B14F-4D97-AF65-F5344CB8AC3E}">
-        <p14:creationId xmlns:p14="http://schemas.microsoft.com/office/powerpoint/2010/main" val="1957391432"/>
+        <p14:creationId xmlns:p14="http://schemas.microsoft.com/office/powerpoint/2010/main" val="1392815347"/>
       </p:ext>
     </p:extLst>
   </p:cSld>
@@ -6787,7 +6637,7 @@
         <p:cNvPr id="1" name="">
           <a:extLst>
             <a:ext uri="{FF2B5EF4-FFF2-40B4-BE49-F238E27FC236}">
-              <a16:creationId xmlns:a16="http://schemas.microsoft.com/office/drawing/2014/main" id="{A1900BBE-E7F2-925E-7321-35A9125C36FE}"/>
+              <a16:creationId xmlns:a16="http://schemas.microsoft.com/office/drawing/2014/main" id="{1D49745B-E151-546B-0636-115DBAC37724}"/>
             </a:ext>
           </a:extLst>
         </p:cNvPr>
@@ -6807,7 +6657,7 @@
           <p:cNvPr id="2" name="Title 1">
             <a:extLst>
               <a:ext uri="{FF2B5EF4-FFF2-40B4-BE49-F238E27FC236}">
-                <a16:creationId xmlns:a16="http://schemas.microsoft.com/office/drawing/2014/main" id="{6766FAA5-D3E9-6482-3707-4C00438F04BC}"/>
+                <a16:creationId xmlns:a16="http://schemas.microsoft.com/office/drawing/2014/main" id="{BADB0696-B8F2-7CC9-67FB-9A23E22DA33B}"/>
               </a:ext>
             </a:extLst>
           </p:cNvPr>
@@ -6834,37 +6684,7 @@
               <a:rPr lang="it-IT" sz="3200" dirty="0">
                 <a:latin typeface="+mn-lt"/>
               </a:rPr>
-              <a:t>Classificazione</a:t>
-            </a:r>
-            <a:r>
-              <a:rPr lang="it-IT" sz="3200" noProof="0" dirty="0">
-                <a:latin typeface="+mn-lt"/>
-              </a:rPr>
-              <a:t> </a:t>
-            </a:r>
-            <a:r>
-              <a:rPr lang="it-IT" sz="3200" dirty="0">
-                <a:latin typeface="+mn-lt"/>
-              </a:rPr>
-              <a:t>Immagini – </a:t>
-            </a:r>
-            <a:r>
-              <a:rPr lang="it-IT" sz="3200" dirty="0" err="1">
-                <a:latin typeface="+mn-lt"/>
-              </a:rPr>
-              <a:t>Disease</a:t>
-            </a:r>
-            <a:r>
-              <a:rPr lang="it-IT" sz="3200" dirty="0">
-                <a:latin typeface="+mn-lt"/>
-              </a:rPr>
-              <a:t> </a:t>
-            </a:r>
-            <a:r>
-              <a:rPr lang="it-IT" sz="3200" dirty="0" err="1">
-                <a:latin typeface="+mn-lt"/>
-              </a:rPr>
-              <a:t>Detection</a:t>
+              <a:t>Valutazione Riusabilità</a:t>
             </a:r>
             <a:endParaRPr lang="it-IT" sz="3200" u="sng" noProof="0" dirty="0" err="1">
               <a:latin typeface="+mn-lt"/>
@@ -6879,7 +6699,7 @@
           <p:cNvPr id="4" name="TextBox 3">
             <a:extLst>
               <a:ext uri="{FF2B5EF4-FFF2-40B4-BE49-F238E27FC236}">
-                <a16:creationId xmlns:a16="http://schemas.microsoft.com/office/drawing/2014/main" id="{EE274042-2DA5-8ECA-978A-1B6103B656B3}"/>
+                <a16:creationId xmlns:a16="http://schemas.microsoft.com/office/drawing/2014/main" id="{A9EB5CC1-BD15-FA0F-DC51-6D65BADFD02E}"/>
               </a:ext>
             </a:extLst>
           </p:cNvPr>
@@ -6888,8 +6708,8 @@
         </p:nvSpPr>
         <p:spPr>
           <a:xfrm>
-            <a:off x="722668" y="1134300"/>
-            <a:ext cx="10773623" cy="3016210"/>
+            <a:off x="986828" y="1192906"/>
+            <a:ext cx="10773623" cy="2554545"/>
           </a:xfrm>
           <a:prstGeom prst="rect">
             <a:avLst/>
@@ -6902,220 +6722,71 @@
           </a:bodyPr>
           <a:lstStyle/>
           <a:p>
-            <a:pPr marL="342900" indent="-342900">
-              <a:buFont typeface="Arial" panose="020B0604020202020204" pitchFamily="34" charset="0"/>
-              <a:buChar char="•"/>
-            </a:pPr>
-            <a:r>
-              <a:rPr lang="it-IT" sz="2000" dirty="0"/>
-              <a:t>Il modello è stato valutato su un set di validazione il 20% del dataset di addestramento</a:t>
-            </a:r>
-          </a:p>
-          <a:p>
-            <a:pPr marL="800100" lvl="1" indent="-342900">
-              <a:buFont typeface="Arial" panose="020B0604020202020204" pitchFamily="34" charset="0"/>
-              <a:buChar char="•"/>
-            </a:pPr>
-            <a:r>
-              <a:rPr lang="it-IT" dirty="0" err="1">
-                <a:ea typeface="Calibri"/>
-                <a:cs typeface="Calibri"/>
-              </a:rPr>
-              <a:t>Accuracy</a:t>
-            </a:r>
-            <a:r>
-              <a:rPr lang="it-IT" dirty="0">
-                <a:ea typeface="Calibri"/>
-                <a:cs typeface="Calibri"/>
-              </a:rPr>
-              <a:t> 98%</a:t>
-            </a:r>
-          </a:p>
-          <a:p>
-            <a:pPr marL="800100" lvl="1" indent="-342900">
-              <a:buFont typeface="Arial" panose="020B0604020202020204" pitchFamily="34" charset="0"/>
-              <a:buChar char="•"/>
-            </a:pPr>
-            <a:r>
-              <a:rPr lang="it-IT" dirty="0">
-                <a:ea typeface="Calibri"/>
-                <a:cs typeface="Calibri"/>
-              </a:rPr>
-              <a:t>Precision 97%</a:t>
-            </a:r>
-          </a:p>
-          <a:p>
-            <a:pPr marL="800100" lvl="1" indent="-342900">
-              <a:buFont typeface="Arial" panose="020B0604020202020204" pitchFamily="34" charset="0"/>
-              <a:buChar char="•"/>
-            </a:pPr>
-            <a:r>
-              <a:rPr lang="it-IT" dirty="0">
-                <a:ea typeface="Calibri"/>
-                <a:cs typeface="Calibri"/>
-              </a:rPr>
-              <a:t>Recall 97%</a:t>
-            </a:r>
-          </a:p>
-          <a:p>
-            <a:pPr marL="800100" lvl="1" indent="-342900">
-              <a:buFont typeface="Arial" panose="020B0604020202020204" pitchFamily="34" charset="0"/>
-              <a:buChar char="•"/>
-            </a:pPr>
-            <a:r>
-              <a:rPr lang="it-IT" dirty="0">
-                <a:ea typeface="Calibri"/>
-                <a:cs typeface="Calibri"/>
-              </a:rPr>
-              <a:t>F1 Score 96%</a:t>
-            </a:r>
-          </a:p>
-          <a:p>
-            <a:pPr marL="342900" indent="-342900">
-              <a:buFont typeface="Arial" panose="020B0604020202020204" pitchFamily="34" charset="0"/>
-              <a:buChar char="•"/>
-            </a:pPr>
+            <a:r>
+              <a:rPr lang="it-IT" sz="2000" dirty="0">
+                <a:ea typeface="Calibri"/>
+                <a:cs typeface="Calibri"/>
+              </a:rPr>
+              <a:t>Un punteggio finale è calcolato come la media di tutte le categorie</a:t>
+            </a:r>
             <a:endParaRPr lang="it-IT" dirty="0">
               <a:ea typeface="Calibri"/>
               <a:cs typeface="Calibri"/>
             </a:endParaRPr>
           </a:p>
           <a:p>
-            <a:pPr marL="342900" indent="-342900">
-              <a:buFont typeface="Arial" panose="020B0604020202020204" pitchFamily="34" charset="0"/>
-              <a:buChar char="•"/>
-            </a:pPr>
-            <a:r>
-              <a:rPr lang="it-IT" sz="2000" dirty="0">
-                <a:ea typeface="Calibri"/>
-                <a:cs typeface="Calibri"/>
-              </a:rPr>
-              <a:t>Se la matrice di confusione fa riferimento</a:t>
-            </a:r>
-            <a:br>
-              <a:rPr lang="it-IT" sz="2000" dirty="0">
-                <a:ea typeface="Calibri"/>
-                <a:cs typeface="Calibri"/>
-              </a:rPr>
-            </a:br>
-            <a:r>
-              <a:rPr lang="it-IT" sz="2000" dirty="0">
-                <a:ea typeface="Calibri"/>
-                <a:cs typeface="Calibri"/>
-              </a:rPr>
-              <a:t>alla validazione di sopra, il dataset di</a:t>
-            </a:r>
-            <a:br>
-              <a:rPr lang="it-IT" sz="2000" dirty="0">
-                <a:ea typeface="Calibri"/>
-                <a:cs typeface="Calibri"/>
-              </a:rPr>
-            </a:br>
-            <a:r>
-              <a:rPr lang="it-IT" sz="2000" dirty="0">
-                <a:ea typeface="Calibri"/>
-                <a:cs typeface="Calibri"/>
-              </a:rPr>
-              <a:t>addestramento è composto da</a:t>
-            </a:r>
-            <a:br>
-              <a:rPr lang="it-IT" sz="2000" dirty="0">
-                <a:ea typeface="Calibri"/>
-                <a:cs typeface="Calibri"/>
-              </a:rPr>
-            </a:br>
-            <a:r>
-              <a:rPr lang="it-IT" sz="2000" dirty="0">
-                <a:ea typeface="Calibri"/>
-                <a:cs typeface="Calibri"/>
-              </a:rPr>
-              <a:t>4578/0.2</a:t>
-            </a:r>
-            <a:r>
-              <a:rPr lang="it-IT" sz="2000" b="1" dirty="0">
-                <a:ea typeface="+mn-lt"/>
-                <a:cs typeface="+mn-lt"/>
-              </a:rPr>
-              <a:t>≈23k </a:t>
-            </a:r>
-            <a:r>
-              <a:rPr lang="it-IT" sz="2000" dirty="0">
-                <a:ea typeface="+mn-lt"/>
-                <a:cs typeface="+mn-lt"/>
-              </a:rPr>
-              <a:t>immagini</a:t>
-            </a:r>
             <a:endParaRPr lang="it-IT" sz="2000" dirty="0">
               <a:ea typeface="Calibri"/>
               <a:cs typeface="Calibri"/>
             </a:endParaRPr>
           </a:p>
-        </p:txBody>
-      </p:sp>
-      <p:pic>
-        <p:nvPicPr>
-          <p:cNvPr id="3" name="Immagine 2" descr="disease_classification_metrics.png">
-            <a:extLst>
-              <a:ext uri="{FF2B5EF4-FFF2-40B4-BE49-F238E27FC236}">
-                <a16:creationId xmlns:a16="http://schemas.microsoft.com/office/drawing/2014/main" id="{874ECD65-1253-6E56-13CD-47F7B485E041}"/>
-              </a:ext>
-            </a:extLst>
-          </p:cNvPr>
-          <p:cNvPicPr>
-            <a:picLocks noChangeAspect="1"/>
-          </p:cNvPicPr>
-          <p:nvPr/>
-        </p:nvPicPr>
-        <p:blipFill>
-          <a:blip r:embed="rId2"/>
-          <a:stretch>
-            <a:fillRect/>
-          </a:stretch>
-        </p:blipFill>
-        <p:spPr>
-          <a:xfrm>
-            <a:off x="5770880" y="1613366"/>
-            <a:ext cx="6187439" cy="5114628"/>
-          </a:xfrm>
-          <a:prstGeom prst="rect">
-            <a:avLst/>
-          </a:prstGeom>
-          <a:solidFill>
-            <a:srgbClr val="FFFFFF">
-              <a:shade val="85000"/>
-            </a:srgbClr>
-          </a:solidFill>
-          <a:ln w="88900" cap="sq">
-            <a:solidFill>
-              <a:srgbClr val="FFFFFF"/>
-            </a:solidFill>
-            <a:miter lim="800000"/>
-          </a:ln>
-          <a:effectLst>
-            <a:outerShdw blurRad="55000" dist="18000" dir="5400000" algn="tl" rotWithShape="0">
-              <a:srgbClr val="000000">
-                <a:alpha val="40000"/>
-              </a:srgbClr>
-            </a:outerShdw>
-          </a:effectLst>
-          <a:scene3d>
-            <a:camera prst="orthographicFront"/>
-            <a:lightRig rig="twoPt" dir="t">
-              <a:rot lat="0" lon="0" rev="7200000"/>
-            </a:lightRig>
-          </a:scene3d>
-          <a:sp3d>
-            <a:bevelT w="25400" h="19050"/>
-            <a:contourClr>
-              <a:srgbClr val="FFFFFF"/>
-            </a:contourClr>
-          </a:sp3d>
-        </p:spPr>
-      </p:pic>
+          <a:p>
+            <a:r>
+              <a:rPr lang="it-IT" sz="2000" dirty="0">
+                <a:ea typeface="Calibri"/>
+                <a:cs typeface="Calibri"/>
+              </a:rPr>
+              <a:t>Invece di una media, in base alle necessità del team di sviluppo, si può formulare un altro tipo di valutazione; ad esempio:</a:t>
+            </a:r>
+          </a:p>
+          <a:p>
+            <a:endParaRPr lang="it-IT" sz="2000" dirty="0">
+              <a:ea typeface="+mn-lt"/>
+              <a:cs typeface="+mn-lt"/>
+            </a:endParaRPr>
+          </a:p>
+          <a:p>
+            <a:pPr lvl="2"/>
+            <a:r>
+              <a:rPr lang="it-IT" sz="2000" dirty="0">
+                <a:ea typeface="+mn-lt"/>
+                <a:cs typeface="+mn-lt"/>
+              </a:rPr>
+              <a:t>     𝑇𝑜𝑡𝑎𝑙 𝑆𝑐𝑜𝑟𝑒 = 𝑃𝐴 ∗ 0.2 + 𝑄𝐷 ∗ 0.2 + 𝐸𝐸 ∗ 0.2 + 𝐿𝐶 ∗ 0.4</a:t>
+            </a:r>
+          </a:p>
+          <a:p>
+            <a:pPr lvl="2"/>
+            <a:endParaRPr lang="it-IT" sz="2000" dirty="0">
+              <a:ea typeface="Calibri" panose="020F0502020204030204"/>
+              <a:cs typeface="Calibri" panose="020F0502020204030204"/>
+            </a:endParaRPr>
+          </a:p>
+          <a:p>
+            <a:r>
+              <a:rPr lang="it-IT" sz="2000" dirty="0">
+                <a:ea typeface="Calibri" panose="020F0502020204030204"/>
+                <a:cs typeface="Calibri" panose="020F0502020204030204"/>
+              </a:rPr>
+              <a:t>Tramite una somma pesata si dà più peso alla categoria di interesse maggiore</a:t>
+            </a:r>
+          </a:p>
+        </p:txBody>
+      </p:sp>
     </p:spTree>
     <p:extLst>
       <p:ext uri="{BB962C8B-B14F-4D97-AF65-F5344CB8AC3E}">
-        <p14:creationId xmlns:p14="http://schemas.microsoft.com/office/powerpoint/2010/main" val="897017627"/>
+        <p14:creationId xmlns:p14="http://schemas.microsoft.com/office/powerpoint/2010/main" val="500491253"/>
       </p:ext>
     </p:extLst>
   </p:cSld>
@@ -7133,7 +6804,7 @@
         <p:cNvPr id="1" name="">
           <a:extLst>
             <a:ext uri="{FF2B5EF4-FFF2-40B4-BE49-F238E27FC236}">
-              <a16:creationId xmlns:a16="http://schemas.microsoft.com/office/drawing/2014/main" id="{10094B5F-FC11-2960-4AE9-7FF838676F9A}"/>
+              <a16:creationId xmlns:a16="http://schemas.microsoft.com/office/drawing/2014/main" id="{38EFAA30-5B83-65C7-AC88-FEE887467793}"/>
             </a:ext>
           </a:extLst>
         </p:cNvPr>
@@ -7153,7 +6824,7 @@
           <p:cNvPr id="2" name="Title 1">
             <a:extLst>
               <a:ext uri="{FF2B5EF4-FFF2-40B4-BE49-F238E27FC236}">
-                <a16:creationId xmlns:a16="http://schemas.microsoft.com/office/drawing/2014/main" id="{14C2CB3A-9C14-55BF-3B69-B694827BCFB8}"/>
+                <a16:creationId xmlns:a16="http://schemas.microsoft.com/office/drawing/2014/main" id="{EA34CA08-7B7B-890C-1FA6-2A10358726FE}"/>
               </a:ext>
             </a:extLst>
           </p:cNvPr>
@@ -7180,13 +6851,7 @@
               <a:rPr lang="it-IT" sz="3200" dirty="0">
                 <a:latin typeface="+mn-lt"/>
               </a:rPr>
-              <a:t>Remote Sensing – </a:t>
-            </a:r>
-            <a:r>
-              <a:rPr lang="it-IT" sz="3200" dirty="0" err="1">
-                <a:latin typeface="+mn-lt"/>
-              </a:rPr>
-              <a:t>AdaptLLM</a:t>
+              <a:t>Valutazione Riusabilità</a:t>
             </a:r>
             <a:endParaRPr lang="it-IT" sz="3200" u="sng" noProof="0" dirty="0" err="1">
               <a:latin typeface="+mn-lt"/>
@@ -7196,117 +6861,401 @@
           </a:p>
         </p:txBody>
       </p:sp>
-      <p:sp>
-        <p:nvSpPr>
-          <p:cNvPr id="4" name="TextBox 3">
-            <a:extLst>
-              <a:ext uri="{FF2B5EF4-FFF2-40B4-BE49-F238E27FC236}">
-                <a16:creationId xmlns:a16="http://schemas.microsoft.com/office/drawing/2014/main" id="{B5D615C6-C4D4-A9C8-F3BA-0D701DED08E5}"/>
-              </a:ext>
-            </a:extLst>
-          </p:cNvPr>
-          <p:cNvSpPr txBox="1"/>
+      <p:pic>
+        <p:nvPicPr>
+          <p:cNvPr id="3" name="Immagine 2" descr="Immagine che contiene testo, schermata, numero, Parallelo&#10;&#10;Il contenuto generato dall&amp;#39;IA potrebbe non essere corretto.">
+            <a:extLst>
+              <a:ext uri="{FF2B5EF4-FFF2-40B4-BE49-F238E27FC236}">
+                <a16:creationId xmlns:a16="http://schemas.microsoft.com/office/drawing/2014/main" id="{45DCDD2A-FA78-1CE0-D426-565C09516865}"/>
+              </a:ext>
+            </a:extLst>
+          </p:cNvPr>
+          <p:cNvPicPr>
+            <a:picLocks noChangeAspect="1"/>
+          </p:cNvPicPr>
           <p:nvPr/>
-        </p:nvSpPr>
+        </p:nvPicPr>
+        <p:blipFill>
+          <a:blip r:embed="rId2"/>
+          <a:stretch>
+            <a:fillRect/>
+          </a:stretch>
+        </p:blipFill>
         <p:spPr>
           <a:xfrm>
-            <a:off x="986828" y="1276540"/>
-            <a:ext cx="10773623" cy="2985433"/>
+            <a:off x="4956716" y="120805"/>
+            <a:ext cx="6850567" cy="6625683"/>
           </a:xfrm>
           <a:prstGeom prst="rect">
             <a:avLst/>
           </a:prstGeom>
-          <a:noFill/>
         </p:spPr>
-        <p:txBody>
-          <a:bodyPr wrap="square" lIns="91440" tIns="45720" rIns="91440" bIns="45720" rtlCol="0" anchor="t">
-            <a:spAutoFit/>
-          </a:bodyPr>
-          <a:lstStyle/>
-          <a:p>
-            <a:pPr marL="342900" indent="-342900">
-              <a:buFont typeface="Arial" panose="020B0604020202020204" pitchFamily="34" charset="0"/>
-              <a:buChar char="•"/>
-            </a:pPr>
-            <a:r>
-              <a:rPr lang="it-IT" sz="2000" dirty="0">
-                <a:ea typeface="Calibri"/>
-                <a:cs typeface="Calibri"/>
-              </a:rPr>
-              <a:t>Progetto di ricerca atto ad adattare LLM Multimodali a campi specifici</a:t>
-            </a:r>
-          </a:p>
-          <a:p>
-            <a:pPr marL="342900" indent="-342900">
-              <a:buFont typeface="Arial" panose="020B0604020202020204" pitchFamily="34" charset="0"/>
-              <a:buChar char="•"/>
-            </a:pPr>
-            <a:r>
-              <a:rPr lang="it-IT" sz="2000" dirty="0">
-                <a:ea typeface="Calibri"/>
-                <a:cs typeface="Calibri"/>
-              </a:rPr>
-              <a:t>L'output finale è la classificazione + una giustificazione (in linguaggio naturale) che supporta la classe scelta</a:t>
-            </a:r>
-          </a:p>
-          <a:p>
-            <a:pPr marL="342900" indent="-342900">
-              <a:buFont typeface="Arial" panose="020B0604020202020204" pitchFamily="34" charset="0"/>
-              <a:buChar char="•"/>
-            </a:pPr>
-            <a:r>
-              <a:rPr lang="it-IT" sz="2000" dirty="0">
-                <a:ea typeface="Calibri"/>
-                <a:cs typeface="Calibri"/>
-              </a:rPr>
-              <a:t>Procedimento (ad alto livello):</a:t>
-            </a:r>
-          </a:p>
-          <a:p>
-            <a:pPr marL="800100" lvl="1" indent="-342900">
-              <a:buFont typeface="Arial" panose="020B0604020202020204" pitchFamily="34" charset="0"/>
-              <a:buChar char="•"/>
-            </a:pPr>
-            <a:r>
-              <a:rPr lang="it-IT" dirty="0">
-                <a:ea typeface="Calibri"/>
-                <a:cs typeface="Calibri"/>
-              </a:rPr>
-              <a:t>Ad un primo modello (sintetizzatore) viene fornita una coppia immagine-descrizione, più alcune triplette che contengono un istruzione ("classifica questa immagine in base al suo dominio"), una risposta precisa ("dipinto") ed una giustificazione alla risposta ("l'immagine contiene un quadro..."); il sintetizzatore viene addestrato a generare più triplette</a:t>
-            </a:r>
-          </a:p>
-          <a:p>
-            <a:pPr marL="800100" lvl="1" indent="-342900">
-              <a:buFont typeface="Arial" panose="020B0604020202020204" pitchFamily="34" charset="0"/>
-              <a:buChar char="•"/>
-            </a:pPr>
-            <a:r>
-              <a:rPr lang="it-IT" dirty="0">
-                <a:ea typeface="Calibri"/>
-                <a:cs typeface="Calibri"/>
-              </a:rPr>
-              <a:t>Il sintetizzatore viene valutato da un LLM terzo che verifica le triplette generate siano consistenti</a:t>
-            </a:r>
-          </a:p>
-          <a:p>
-            <a:pPr marL="800100" lvl="1" indent="-342900">
-              <a:buFont typeface="Arial" panose="020B0604020202020204" pitchFamily="34" charset="0"/>
-              <a:buChar char="•"/>
-            </a:pPr>
-            <a:r>
-              <a:rPr lang="it-IT" dirty="0">
-                <a:ea typeface="Calibri"/>
-                <a:cs typeface="Calibri"/>
-              </a:rPr>
-              <a:t>Le triplette consistenti vengono utilizzate per adattare l'MLLM al campo d'interesse</a:t>
-            </a:r>
-          </a:p>
-        </p:txBody>
-      </p:sp>
+      </p:pic>
+      <mc:AlternateContent xmlns:mc="http://schemas.openxmlformats.org/markup-compatibility/2006">
+        <mc:Choice xmlns:a14="http://schemas.microsoft.com/office/drawing/2010/main" Requires="a14">
+          <p:sp>
+            <p:nvSpPr>
+              <p:cNvPr id="4" name="TextBox 3">
+                <a:extLst>
+                  <a:ext uri="{FF2B5EF4-FFF2-40B4-BE49-F238E27FC236}">
+                    <a16:creationId xmlns:a16="http://schemas.microsoft.com/office/drawing/2014/main" id="{2F64F934-476C-407A-FA28-CA94535F8784}"/>
+                  </a:ext>
+                </a:extLst>
+              </p:cNvPr>
+              <p:cNvSpPr txBox="1"/>
+              <p:nvPr/>
+            </p:nvSpPr>
+            <p:spPr>
+              <a:xfrm>
+                <a:off x="1249379" y="3040175"/>
+                <a:ext cx="2708562" cy="777649"/>
+              </a:xfrm>
+              <a:prstGeom prst="rect">
+                <a:avLst/>
+              </a:prstGeom>
+              <a:noFill/>
+            </p:spPr>
+            <p:txBody>
+              <a:bodyPr wrap="none" lIns="0" tIns="0" rIns="0" bIns="0" rtlCol="0">
+                <a:spAutoFit/>
+              </a:bodyPr>
+              <a:lstStyle/>
+              <a:p>
+                <a14:m>
+                  <m:oMathPara xmlns:m="http://schemas.openxmlformats.org/officeDocument/2006/math">
+                    <m:oMathParaPr>
+                      <m:jc m:val="centerGroup"/>
+                    </m:oMathParaPr>
+                    <m:oMath xmlns:m="http://schemas.openxmlformats.org/officeDocument/2006/math">
+                      <m:r>
+                        <a:rPr lang="it-IT" b="0" i="1" smtClean="0">
+                          <a:latin typeface="Cambria Math" panose="02040503050406030204" pitchFamily="18" charset="0"/>
+                        </a:rPr>
+                        <m:t>𝑇𝑜𝑡𝑎𝑙</m:t>
+                      </m:r>
+                      <m:r>
+                        <a:rPr lang="it-IT" b="0" i="1" smtClean="0">
+                          <a:latin typeface="Cambria Math" panose="02040503050406030204" pitchFamily="18" charset="0"/>
+                        </a:rPr>
+                        <m:t> </m:t>
+                      </m:r>
+                      <m:r>
+                        <a:rPr lang="it-IT" b="0" i="1" smtClean="0">
+                          <a:latin typeface="Cambria Math" panose="02040503050406030204" pitchFamily="18" charset="0"/>
+                        </a:rPr>
+                        <m:t>𝑆𝑐𝑜𝑟𝑒</m:t>
+                      </m:r>
+                      <m:r>
+                        <a:rPr lang="it-IT" b="0" i="1" smtClean="0">
+                          <a:latin typeface="Cambria Math" panose="02040503050406030204" pitchFamily="18" charset="0"/>
+                        </a:rPr>
+                        <m:t>=</m:t>
+                      </m:r>
+                      <m:f>
+                        <m:fPr>
+                          <m:ctrlPr>
+                            <a:rPr lang="it-IT" b="0" i="1" smtClean="0">
+                              <a:latin typeface="Cambria Math" panose="02040503050406030204" pitchFamily="18" charset="0"/>
+                            </a:rPr>
+                          </m:ctrlPr>
+                        </m:fPr>
+                        <m:num>
+                          <m:r>
+                            <a:rPr lang="it-IT" b="0" i="1" smtClean="0">
+                              <a:latin typeface="Cambria Math" panose="02040503050406030204" pitchFamily="18" charset="0"/>
+                            </a:rPr>
+                            <m:t>1</m:t>
+                          </m:r>
+                        </m:num>
+                        <m:den>
+                          <m:r>
+                            <a:rPr lang="it-IT" b="0" i="1" smtClean="0">
+                              <a:latin typeface="Cambria Math" panose="02040503050406030204" pitchFamily="18" charset="0"/>
+                            </a:rPr>
+                            <m:t>4</m:t>
+                          </m:r>
+                        </m:den>
+                      </m:f>
+                      <m:r>
+                        <a:rPr lang="it-IT" i="1">
+                          <a:latin typeface="Cambria Math" panose="02040503050406030204" pitchFamily="18" charset="0"/>
+                          <a:ea typeface="Cambria Math" panose="02040503050406030204" pitchFamily="18" charset="0"/>
+                        </a:rPr>
+                        <m:t>∙</m:t>
+                      </m:r>
+                      <m:nary>
+                        <m:naryPr>
+                          <m:chr m:val="∑"/>
+                          <m:ctrlPr>
+                            <a:rPr lang="it-IT" b="0" i="1" smtClean="0">
+                              <a:latin typeface="Cambria Math" panose="02040503050406030204" pitchFamily="18" charset="0"/>
+                            </a:rPr>
+                          </m:ctrlPr>
+                        </m:naryPr>
+                        <m:sub>
+                          <m:r>
+                            <m:rPr>
+                              <m:brk m:alnAt="23"/>
+                            </m:rPr>
+                            <a:rPr lang="it-IT" b="0" i="1" smtClean="0">
+                              <a:latin typeface="Cambria Math" panose="02040503050406030204" pitchFamily="18" charset="0"/>
+                            </a:rPr>
+                            <m:t>𝑖</m:t>
+                          </m:r>
+                          <m:r>
+                            <a:rPr lang="it-IT" b="0" i="1" smtClean="0">
+                              <a:latin typeface="Cambria Math" panose="02040503050406030204" pitchFamily="18" charset="0"/>
+                            </a:rPr>
+                            <m:t>=1</m:t>
+                          </m:r>
+                        </m:sub>
+                        <m:sup>
+                          <m:r>
+                            <a:rPr lang="it-IT" b="0" i="1" smtClean="0">
+                              <a:latin typeface="Cambria Math" panose="02040503050406030204" pitchFamily="18" charset="0"/>
+                            </a:rPr>
+                            <m:t>4</m:t>
+                          </m:r>
+                        </m:sup>
+                        <m:e>
+                          <m:sSub>
+                            <m:sSubPr>
+                              <m:ctrlPr>
+                                <a:rPr lang="it-IT" b="0" i="1" smtClean="0">
+                                  <a:latin typeface="Cambria Math" panose="02040503050406030204" pitchFamily="18" charset="0"/>
+                                </a:rPr>
+                              </m:ctrlPr>
+                            </m:sSubPr>
+                            <m:e>
+                              <m:r>
+                                <a:rPr lang="it-IT" b="0" i="1" smtClean="0">
+                                  <a:latin typeface="Cambria Math" panose="02040503050406030204" pitchFamily="18" charset="0"/>
+                                </a:rPr>
+                                <m:t>𝐶𝐴𝑇</m:t>
+                              </m:r>
+                            </m:e>
+                            <m:sub>
+                              <m:r>
+                                <a:rPr lang="it-IT" b="0" i="1" smtClean="0">
+                                  <a:latin typeface="Cambria Math" panose="02040503050406030204" pitchFamily="18" charset="0"/>
+                                </a:rPr>
+                                <m:t>𝑖</m:t>
+                              </m:r>
+                            </m:sub>
+                          </m:sSub>
+                          <m:r>
+                            <a:rPr lang="it-IT" b="0" i="1" smtClean="0">
+                              <a:latin typeface="Cambria Math" panose="02040503050406030204" pitchFamily="18" charset="0"/>
+                            </a:rPr>
+                            <m:t> </m:t>
+                          </m:r>
+                        </m:e>
+                      </m:nary>
+                    </m:oMath>
+                  </m:oMathPara>
+                </a14:m>
+                <a:endParaRPr lang="it-IT" dirty="0"/>
+              </a:p>
+            </p:txBody>
+          </p:sp>
+        </mc:Choice>
+        <mc:Fallback>
+          <p:sp>
+            <p:nvSpPr>
+              <p:cNvPr id="4" name="TextBox 3">
+                <a:extLst>
+                  <a:ext uri="{FF2B5EF4-FFF2-40B4-BE49-F238E27FC236}">
+                    <a16:creationId xmlns:a16="http://schemas.microsoft.com/office/drawing/2014/main" id="{2F64F934-476C-407A-FA28-CA94535F8784}"/>
+                  </a:ext>
+                </a:extLst>
+              </p:cNvPr>
+              <p:cNvSpPr txBox="1">
+                <a:spLocks noRot="1" noChangeAspect="1" noMove="1" noResize="1" noEditPoints="1" noAdjustHandles="1" noChangeArrowheads="1" noChangeShapeType="1" noTextEdit="1"/>
+              </p:cNvSpPr>
+              <p:nvPr/>
+            </p:nvSpPr>
+            <p:spPr>
+              <a:xfrm>
+                <a:off x="1249379" y="3040175"/>
+                <a:ext cx="2708562" cy="777649"/>
+              </a:xfrm>
+              <a:prstGeom prst="rect">
+                <a:avLst/>
+              </a:prstGeom>
+              <a:blipFill>
+                <a:blip r:embed="rId3"/>
+                <a:stretch>
+                  <a:fillRect/>
+                </a:stretch>
+              </a:blipFill>
+            </p:spPr>
+            <p:txBody>
+              <a:bodyPr/>
+              <a:lstStyle/>
+              <a:p>
+                <a:r>
+                  <a:rPr lang="it-IT">
+                    <a:noFill/>
+                  </a:rPr>
+                  <a:t> </a:t>
+                </a:r>
+              </a:p>
+            </p:txBody>
+          </p:sp>
+        </mc:Fallback>
+      </mc:AlternateContent>
+      <mc:AlternateContent xmlns:mc="http://schemas.openxmlformats.org/markup-compatibility/2006">
+        <mc:Choice xmlns:a14="http://schemas.microsoft.com/office/drawing/2010/main" Requires="a14">
+          <p:sp>
+            <p:nvSpPr>
+              <p:cNvPr id="7" name="TextBox 6">
+                <a:extLst>
+                  <a:ext uri="{FF2B5EF4-FFF2-40B4-BE49-F238E27FC236}">
+                    <a16:creationId xmlns:a16="http://schemas.microsoft.com/office/drawing/2014/main" id="{E5C8105A-5E39-3894-D6F7-436FC53AEDAA}"/>
+                  </a:ext>
+                </a:extLst>
+              </p:cNvPr>
+              <p:cNvSpPr txBox="1"/>
+              <p:nvPr/>
+            </p:nvSpPr>
+            <p:spPr>
+              <a:xfrm>
+                <a:off x="1196964" y="4189894"/>
+                <a:ext cx="2813392" cy="338554"/>
+              </a:xfrm>
+              <a:prstGeom prst="rect">
+                <a:avLst/>
+              </a:prstGeom>
+              <a:noFill/>
+            </p:spPr>
+            <p:txBody>
+              <a:bodyPr wrap="square" rtlCol="0">
+                <a:spAutoFit/>
+              </a:bodyPr>
+              <a:lstStyle/>
+              <a:p>
+                <a:r>
+                  <a:rPr lang="it-IT" sz="1600" dirty="0"/>
+                  <a:t>Dove </a:t>
+                </a:r>
+                <a14:m>
+                  <m:oMath xmlns:m="http://schemas.openxmlformats.org/officeDocument/2006/math">
+                    <m:r>
+                      <a:rPr lang="it-IT" sz="1600" i="1">
+                        <a:latin typeface="Cambria Math" panose="02040503050406030204" pitchFamily="18" charset="0"/>
+                      </a:rPr>
+                      <m:t>𝐶𝐴𝑇</m:t>
+                    </m:r>
+                    <m:r>
+                      <a:rPr lang="it-IT" sz="1600" b="0" i="1" smtClean="0">
+                        <a:latin typeface="Cambria Math" panose="02040503050406030204" pitchFamily="18" charset="0"/>
+                      </a:rPr>
+                      <m:t>={</m:t>
+                    </m:r>
+                    <m:r>
+                      <a:rPr lang="it-IT" sz="1600" b="0" i="1" smtClean="0">
+                        <a:latin typeface="Cambria Math" panose="02040503050406030204" pitchFamily="18" charset="0"/>
+                      </a:rPr>
+                      <m:t>𝑃𝐴</m:t>
+                    </m:r>
+                    <m:r>
+                      <a:rPr lang="it-IT" sz="1600" b="0" i="1" smtClean="0">
+                        <a:latin typeface="Cambria Math" panose="02040503050406030204" pitchFamily="18" charset="0"/>
+                      </a:rPr>
+                      <m:t>, </m:t>
+                    </m:r>
+                    <m:r>
+                      <a:rPr lang="it-IT" sz="1600" b="0" i="1" smtClean="0">
+                        <a:latin typeface="Cambria Math" panose="02040503050406030204" pitchFamily="18" charset="0"/>
+                      </a:rPr>
+                      <m:t>𝐷𝑄</m:t>
+                    </m:r>
+                    <m:r>
+                      <a:rPr lang="it-IT" sz="1600" b="0" i="1" smtClean="0">
+                        <a:latin typeface="Cambria Math" panose="02040503050406030204" pitchFamily="18" charset="0"/>
+                      </a:rPr>
+                      <m:t>, </m:t>
+                    </m:r>
+                    <m:r>
+                      <a:rPr lang="it-IT" sz="1600" b="0" i="1" smtClean="0">
+                        <a:latin typeface="Cambria Math" panose="02040503050406030204" pitchFamily="18" charset="0"/>
+                      </a:rPr>
+                      <m:t>𝐸𝐸</m:t>
+                    </m:r>
+                    <m:r>
+                      <a:rPr lang="it-IT" sz="1600" b="0" i="1" smtClean="0">
+                        <a:latin typeface="Cambria Math" panose="02040503050406030204" pitchFamily="18" charset="0"/>
+                      </a:rPr>
+                      <m:t>,  </m:t>
+                    </m:r>
+                    <m:r>
+                      <a:rPr lang="it-IT" sz="1600" b="0" i="1" smtClean="0">
+                        <a:latin typeface="Cambria Math" panose="02040503050406030204" pitchFamily="18" charset="0"/>
+                      </a:rPr>
+                      <m:t>𝐿𝐶</m:t>
+                    </m:r>
+                    <m:r>
+                      <a:rPr lang="it-IT" sz="1600" b="0" i="1" smtClean="0">
+                        <a:latin typeface="Cambria Math" panose="02040503050406030204" pitchFamily="18" charset="0"/>
+                      </a:rPr>
+                      <m:t>}</m:t>
+                    </m:r>
+                  </m:oMath>
+                </a14:m>
+                <a:endParaRPr lang="it-IT" sz="1600" dirty="0"/>
+              </a:p>
+            </p:txBody>
+          </p:sp>
+        </mc:Choice>
+        <mc:Fallback>
+          <p:sp>
+            <p:nvSpPr>
+              <p:cNvPr id="7" name="TextBox 6">
+                <a:extLst>
+                  <a:ext uri="{FF2B5EF4-FFF2-40B4-BE49-F238E27FC236}">
+                    <a16:creationId xmlns:a16="http://schemas.microsoft.com/office/drawing/2014/main" id="{E5C8105A-5E39-3894-D6F7-436FC53AEDAA}"/>
+                  </a:ext>
+                </a:extLst>
+              </p:cNvPr>
+              <p:cNvSpPr txBox="1">
+                <a:spLocks noRot="1" noChangeAspect="1" noMove="1" noResize="1" noEditPoints="1" noAdjustHandles="1" noChangeArrowheads="1" noChangeShapeType="1" noTextEdit="1"/>
+              </p:cNvSpPr>
+              <p:nvPr/>
+            </p:nvSpPr>
+            <p:spPr>
+              <a:xfrm>
+                <a:off x="1196964" y="4189894"/>
+                <a:ext cx="2813392" cy="338554"/>
+              </a:xfrm>
+              <a:prstGeom prst="rect">
+                <a:avLst/>
+              </a:prstGeom>
+              <a:blipFill>
+                <a:blip r:embed="rId4"/>
+                <a:stretch>
+                  <a:fillRect l="-1082" t="-5357" b="-21429"/>
+                </a:stretch>
+              </a:blipFill>
+            </p:spPr>
+            <p:txBody>
+              <a:bodyPr/>
+              <a:lstStyle/>
+              <a:p>
+                <a:r>
+                  <a:rPr lang="it-IT">
+                    <a:noFill/>
+                  </a:rPr>
+                  <a:t> </a:t>
+                </a:r>
+              </a:p>
+            </p:txBody>
+          </p:sp>
+        </mc:Fallback>
+      </mc:AlternateContent>
     </p:spTree>
     <p:extLst>
       <p:ext uri="{BB962C8B-B14F-4D97-AF65-F5344CB8AC3E}">
-        <p14:creationId xmlns:p14="http://schemas.microsoft.com/office/powerpoint/2010/main" val="1008624984"/>
+        <p14:creationId xmlns:p14="http://schemas.microsoft.com/office/powerpoint/2010/main" val="3757182568"/>
       </p:ext>
     </p:extLst>
   </p:cSld>
@@ -7450,1967 +7399,6 @@
         <p:cNvPr id="1" name="">
           <a:extLst>
             <a:ext uri="{FF2B5EF4-FFF2-40B4-BE49-F238E27FC236}">
-              <a16:creationId xmlns:a16="http://schemas.microsoft.com/office/drawing/2014/main" id="{1AB112A2-8763-F0F2-3612-1F7122252386}"/>
-            </a:ext>
-          </a:extLst>
-        </p:cNvPr>
-        <p:cNvGrpSpPr/>
-        <p:nvPr/>
-      </p:nvGrpSpPr>
-      <p:grpSpPr>
-        <a:xfrm>
-          <a:off x="0" y="0"/>
-          <a:ext cx="0" cy="0"/>
-          <a:chOff x="0" y="0"/>
-          <a:chExt cx="0" cy="0"/>
-        </a:xfrm>
-      </p:grpSpPr>
-      <p:sp>
-        <p:nvSpPr>
-          <p:cNvPr id="2" name="Title 1">
-            <a:extLst>
-              <a:ext uri="{FF2B5EF4-FFF2-40B4-BE49-F238E27FC236}">
-                <a16:creationId xmlns:a16="http://schemas.microsoft.com/office/drawing/2014/main" id="{55755E54-3EEA-2127-F1B4-50424444C46F}"/>
-              </a:ext>
-            </a:extLst>
-          </p:cNvPr>
-          <p:cNvSpPr>
-            <a:spLocks noGrp="1"/>
-          </p:cNvSpPr>
-          <p:nvPr>
-            <p:ph type="title"/>
-          </p:nvPr>
-        </p:nvSpPr>
-        <p:spPr>
-          <a:xfrm>
-            <a:off x="838200" y="365126"/>
-            <a:ext cx="10515600" cy="766558"/>
-          </a:xfrm>
-        </p:spPr>
-        <p:txBody>
-          <a:bodyPr>
-            <a:normAutofit/>
-          </a:bodyPr>
-          <a:lstStyle/>
-          <a:p>
-            <a:r>
-              <a:rPr lang="it-IT" sz="3200" dirty="0">
-                <a:latin typeface="+mn-lt"/>
-              </a:rPr>
-              <a:t>Remote Sensing – </a:t>
-            </a:r>
-            <a:r>
-              <a:rPr lang="it-IT" sz="3200" dirty="0" err="1">
-                <a:latin typeface="+mn-lt"/>
-              </a:rPr>
-              <a:t>AdaptLLM</a:t>
-            </a:r>
-            <a:endParaRPr lang="it-IT" sz="3200" u="sng" noProof="0" dirty="0" err="1">
-              <a:latin typeface="+mn-lt"/>
-              <a:ea typeface="Calibri"/>
-              <a:cs typeface="Calibri"/>
-            </a:endParaRPr>
-          </a:p>
-        </p:txBody>
-      </p:sp>
-      <p:sp>
-        <p:nvSpPr>
-          <p:cNvPr id="4" name="TextBox 3">
-            <a:extLst>
-              <a:ext uri="{FF2B5EF4-FFF2-40B4-BE49-F238E27FC236}">
-                <a16:creationId xmlns:a16="http://schemas.microsoft.com/office/drawing/2014/main" id="{F9589320-CF14-6B24-982E-F2398196E5A5}"/>
-              </a:ext>
-            </a:extLst>
-          </p:cNvPr>
-          <p:cNvSpPr txBox="1"/>
-          <p:nvPr/>
-        </p:nvSpPr>
-        <p:spPr>
-          <a:xfrm>
-            <a:off x="986828" y="1276540"/>
-            <a:ext cx="10773623" cy="4001095"/>
-          </a:xfrm>
-          <a:prstGeom prst="rect">
-            <a:avLst/>
-          </a:prstGeom>
-          <a:noFill/>
-        </p:spPr>
-        <p:txBody>
-          <a:bodyPr wrap="square" lIns="91440" tIns="45720" rIns="91440" bIns="45720" rtlCol="0" anchor="t">
-            <a:spAutoFit/>
-          </a:bodyPr>
-          <a:lstStyle/>
-          <a:p>
-            <a:pPr marL="342900" indent="-342900">
-              <a:buFont typeface="Arial"/>
-              <a:buChar char="•"/>
-            </a:pPr>
-            <a:r>
-              <a:rPr lang="it-IT" sz="2000" dirty="0">
-                <a:ea typeface="Calibri"/>
-                <a:cs typeface="Calibri"/>
-              </a:rPr>
-              <a:t>Metodo testato su tre campi: biomedicina, "food", remote sensing</a:t>
-            </a:r>
-          </a:p>
-          <a:p>
-            <a:pPr marL="742950" lvl="1" indent="-285750">
-              <a:buFont typeface="Arial"/>
-              <a:buChar char="•"/>
-            </a:pPr>
-            <a:r>
-              <a:rPr lang="it-IT" dirty="0">
-                <a:ea typeface="Calibri"/>
-                <a:cs typeface="Calibri"/>
-              </a:rPr>
-              <a:t>A noi interessa il remote sensing</a:t>
-            </a:r>
-          </a:p>
-          <a:p>
-            <a:pPr marL="342900" indent="-342900">
-              <a:buFont typeface="Arial"/>
-              <a:buChar char="•"/>
-            </a:pPr>
-            <a:r>
-              <a:rPr lang="it-IT" sz="2000" dirty="0">
-                <a:ea typeface="+mn-lt"/>
-                <a:cs typeface="+mn-lt"/>
-              </a:rPr>
-              <a:t>LLaVa-v1.6-8B usato come sintetizzatore, Llama-3-8B come "valutatore"</a:t>
-            </a:r>
-          </a:p>
-          <a:p>
-            <a:pPr marL="342900" indent="-342900">
-              <a:buFont typeface="Arial"/>
-              <a:buChar char="•"/>
-            </a:pPr>
-            <a:r>
-              <a:rPr lang="it-IT" sz="2000" dirty="0">
-                <a:ea typeface="+mn-lt"/>
-                <a:cs typeface="+mn-lt"/>
-              </a:rPr>
-              <a:t>Gli MLLM addestrati sono tre: LLaVA-v1.6-8B, Qwen2-VL-2B e Llama-3.2-11B</a:t>
-            </a:r>
-          </a:p>
-          <a:p>
-            <a:pPr marL="800100" lvl="1" indent="-342900">
-              <a:buFont typeface="Arial"/>
-              <a:buChar char="•"/>
-            </a:pPr>
-            <a:r>
-              <a:rPr lang="it-IT" dirty="0">
-                <a:ea typeface="+mn-lt"/>
-                <a:cs typeface="+mn-lt"/>
-              </a:rPr>
-              <a:t>Il modello basato su Llama non è stato recuperato perché &lt;100 downloads</a:t>
-            </a:r>
-          </a:p>
-          <a:p>
-            <a:endParaRPr lang="it-IT" dirty="0">
-              <a:ea typeface="+mn-lt"/>
-              <a:cs typeface="+mn-lt"/>
-            </a:endParaRPr>
-          </a:p>
-          <a:p>
-            <a:pPr marL="285750" indent="-285750">
-              <a:buFont typeface="Arial"/>
-              <a:buChar char="•"/>
-            </a:pPr>
-            <a:r>
-              <a:rPr lang="it-IT" sz="2000" dirty="0">
-                <a:ea typeface="+mn-lt"/>
-                <a:cs typeface="+mn-lt"/>
-              </a:rPr>
-              <a:t>Le immagini usate per l'addestramento sono immagini di droni generiche non rilevanti al precision farming</a:t>
-            </a:r>
-          </a:p>
-          <a:p>
-            <a:pPr marL="285750" indent="-285750">
-              <a:buFont typeface="Arial"/>
-              <a:buChar char="•"/>
-            </a:pPr>
-            <a:r>
-              <a:rPr lang="it-IT" sz="2000" dirty="0">
-                <a:ea typeface="+mn-lt"/>
-                <a:cs typeface="+mn-lt"/>
-              </a:rPr>
-              <a:t>Licenza BIGAI: contattare gli autori prima dell'utilizzo</a:t>
-            </a:r>
-          </a:p>
-          <a:p>
-            <a:pPr marL="285750" indent="-285750">
-              <a:buFont typeface="Arial"/>
-              <a:buChar char="•"/>
-            </a:pPr>
-            <a:endParaRPr lang="it-IT" sz="2000" dirty="0">
-              <a:ea typeface="+mn-lt"/>
-              <a:cs typeface="+mn-lt"/>
-            </a:endParaRPr>
-          </a:p>
-          <a:p>
-            <a:pPr marL="285750" indent="-285750">
-              <a:buFont typeface="Arial"/>
-              <a:buChar char="•"/>
-            </a:pPr>
-            <a:endParaRPr lang="it-IT" sz="2000" dirty="0">
-              <a:ea typeface="+mn-lt"/>
-              <a:cs typeface="+mn-lt"/>
-            </a:endParaRPr>
-          </a:p>
-          <a:p>
-            <a:r>
-              <a:rPr lang="it-IT" sz="2000" dirty="0">
-                <a:ea typeface="+mn-lt"/>
-                <a:cs typeface="+mn-lt"/>
-              </a:rPr>
-              <a:t>Questi modelli potrebbero essere utili per tenere traccia dello stato di campi; fine-tuning (o addestramento da zero) potrebbe essere necessario.</a:t>
-            </a:r>
-          </a:p>
-        </p:txBody>
-      </p:sp>
-    </p:spTree>
-    <p:extLst>
-      <p:ext uri="{BB962C8B-B14F-4D97-AF65-F5344CB8AC3E}">
-        <p14:creationId xmlns:p14="http://schemas.microsoft.com/office/powerpoint/2010/main" val="2384365899"/>
-      </p:ext>
-    </p:extLst>
-  </p:cSld>
-  <p:clrMapOvr>
-    <a:masterClrMapping/>
-  </p:clrMapOvr>
-</p:sld>
-</file>
-
-<file path=ppt/slides/slide21.xml><?xml version="1.0" encoding="utf-8"?>
-<p:sld xmlns:a="http://schemas.openxmlformats.org/drawingml/2006/main" xmlns:r="http://schemas.openxmlformats.org/officeDocument/2006/relationships" xmlns:p="http://schemas.openxmlformats.org/presentationml/2006/main">
-  <p:cSld>
-    <p:spTree>
-      <p:nvGrpSpPr>
-        <p:cNvPr id="1" name="">
-          <a:extLst>
-            <a:ext uri="{FF2B5EF4-FFF2-40B4-BE49-F238E27FC236}">
-              <a16:creationId xmlns:a16="http://schemas.microsoft.com/office/drawing/2014/main" id="{EF36FFD9-F906-A210-E4B6-142B0F0A3ED6}"/>
-            </a:ext>
-          </a:extLst>
-        </p:cNvPr>
-        <p:cNvGrpSpPr/>
-        <p:nvPr/>
-      </p:nvGrpSpPr>
-      <p:grpSpPr>
-        <a:xfrm>
-          <a:off x="0" y="0"/>
-          <a:ext cx="0" cy="0"/>
-          <a:chOff x="0" y="0"/>
-          <a:chExt cx="0" cy="0"/>
-        </a:xfrm>
-      </p:grpSpPr>
-      <p:sp>
-        <p:nvSpPr>
-          <p:cNvPr id="2" name="Title 1">
-            <a:extLst>
-              <a:ext uri="{FF2B5EF4-FFF2-40B4-BE49-F238E27FC236}">
-                <a16:creationId xmlns:a16="http://schemas.microsoft.com/office/drawing/2014/main" id="{4449B6E3-EFAF-E58A-B352-1835DD1D4738}"/>
-              </a:ext>
-            </a:extLst>
-          </p:cNvPr>
-          <p:cNvSpPr>
-            <a:spLocks noGrp="1"/>
-          </p:cNvSpPr>
-          <p:nvPr>
-            <p:ph type="title"/>
-          </p:nvPr>
-        </p:nvSpPr>
-        <p:spPr>
-          <a:xfrm>
-            <a:off x="670932" y="179272"/>
-            <a:ext cx="10515600" cy="766558"/>
-          </a:xfrm>
-        </p:spPr>
-        <p:txBody>
-          <a:bodyPr>
-            <a:normAutofit/>
-          </a:bodyPr>
-          <a:lstStyle/>
-          <a:p>
-            <a:r>
-              <a:rPr lang="it-IT" sz="3200" dirty="0">
-                <a:latin typeface="+mn-lt"/>
-              </a:rPr>
-              <a:t>Chatbot Assistant – </a:t>
-            </a:r>
-            <a:r>
-              <a:rPr lang="it-IT" sz="3200" dirty="0" err="1">
-                <a:latin typeface="+mn-lt"/>
-              </a:rPr>
-              <a:t>CropSeek</a:t>
-            </a:r>
-            <a:r>
-              <a:rPr lang="it-IT" sz="3200" dirty="0">
-                <a:latin typeface="+mn-lt"/>
-              </a:rPr>
-              <a:t> LLM</a:t>
-            </a:r>
-            <a:endParaRPr lang="it-IT" sz="3200" u="sng" noProof="0" dirty="0" err="1">
-              <a:latin typeface="+mn-lt"/>
-              <a:ea typeface="Calibri"/>
-              <a:cs typeface="Calibri"/>
-            </a:endParaRPr>
-          </a:p>
-        </p:txBody>
-      </p:sp>
-      <p:sp>
-        <p:nvSpPr>
-          <p:cNvPr id="4" name="TextBox 3">
-            <a:extLst>
-              <a:ext uri="{FF2B5EF4-FFF2-40B4-BE49-F238E27FC236}">
-                <a16:creationId xmlns:a16="http://schemas.microsoft.com/office/drawing/2014/main" id="{D07ECAB6-D7C9-5AED-94C9-6A77CDD297E5}"/>
-              </a:ext>
-            </a:extLst>
-          </p:cNvPr>
-          <p:cNvSpPr txBox="1"/>
-          <p:nvPr/>
-        </p:nvSpPr>
-        <p:spPr>
-          <a:xfrm>
-            <a:off x="931072" y="867662"/>
-            <a:ext cx="10773623" cy="3016210"/>
-          </a:xfrm>
-          <a:prstGeom prst="rect">
-            <a:avLst/>
-          </a:prstGeom>
-          <a:noFill/>
-        </p:spPr>
-        <p:txBody>
-          <a:bodyPr wrap="square" lIns="91440" tIns="45720" rIns="91440" bIns="45720" rtlCol="0" anchor="t">
-            <a:spAutoFit/>
-          </a:bodyPr>
-          <a:lstStyle/>
-          <a:p>
-            <a:pPr marL="342900" indent="-342900">
-              <a:buFont typeface="Arial"/>
-              <a:buChar char="•"/>
-            </a:pPr>
-            <a:r>
-              <a:rPr lang="it-IT" sz="2000" dirty="0">
-                <a:ea typeface="+mn-lt"/>
-                <a:cs typeface="+mn-lt"/>
-              </a:rPr>
-              <a:t>Fine-tuning di </a:t>
-            </a:r>
-            <a:r>
-              <a:rPr lang="it-IT" sz="2000" dirty="0">
-                <a:latin typeface="Calibri"/>
-                <a:ea typeface="+mn-lt"/>
-                <a:cs typeface="+mn-lt"/>
-              </a:rPr>
-              <a:t>DeepSeek-R1-Distill-Qwen-7B</a:t>
-            </a:r>
-          </a:p>
-          <a:p>
-            <a:pPr marL="342900" indent="-342900">
-              <a:buFont typeface="Arial"/>
-              <a:buChar char="•"/>
-            </a:pPr>
-            <a:r>
-              <a:rPr lang="it-IT" sz="2000" dirty="0">
-                <a:latin typeface="Calibri"/>
-                <a:ea typeface="+mn-lt"/>
-                <a:cs typeface="+mn-lt"/>
-              </a:rPr>
-              <a:t>Risponde a domande relative a "</a:t>
-            </a:r>
-            <a:r>
-              <a:rPr lang="it-IT" sz="2000" dirty="0" err="1">
-                <a:latin typeface="Calibri"/>
-                <a:ea typeface="+mn-lt"/>
-                <a:cs typeface="+mn-lt"/>
-              </a:rPr>
-              <a:t>crop</a:t>
-            </a:r>
-            <a:r>
-              <a:rPr lang="it-IT" sz="2000" dirty="0">
-                <a:latin typeface="Calibri"/>
-                <a:ea typeface="+mn-lt"/>
-                <a:cs typeface="+mn-lt"/>
-              </a:rPr>
-              <a:t> </a:t>
-            </a:r>
-            <a:r>
-              <a:rPr lang="it-IT" sz="2000" dirty="0" err="1">
-                <a:latin typeface="Calibri"/>
-                <a:ea typeface="+mn-lt"/>
-                <a:cs typeface="+mn-lt"/>
-              </a:rPr>
-              <a:t>otimization</a:t>
-            </a:r>
-            <a:r>
-              <a:rPr lang="it-IT" sz="2000" dirty="0">
-                <a:latin typeface="Calibri"/>
-                <a:ea typeface="+mn-lt"/>
-                <a:cs typeface="+mn-lt"/>
-              </a:rPr>
-              <a:t>"</a:t>
-            </a:r>
-          </a:p>
-          <a:p>
-            <a:pPr marL="342900" indent="-342900">
-              <a:buFont typeface="Arial"/>
-              <a:buChar char="•"/>
-            </a:pPr>
-            <a:endParaRPr lang="it-IT" sz="2000" dirty="0">
-              <a:latin typeface="Calibri"/>
-              <a:ea typeface="+mn-lt"/>
-              <a:cs typeface="+mn-lt"/>
-            </a:endParaRPr>
-          </a:p>
-          <a:p>
-            <a:pPr marL="342900" indent="-342900">
-              <a:buFont typeface="Arial"/>
-              <a:buChar char="•"/>
-            </a:pPr>
-            <a:r>
-              <a:rPr lang="it-IT" sz="2000" dirty="0">
-                <a:latin typeface="Calibri"/>
-                <a:ea typeface="+mn-lt"/>
-                <a:cs typeface="+mn-lt"/>
-              </a:rPr>
-              <a:t>Dataset di fine-tuning molto limitato</a:t>
-            </a:r>
-          </a:p>
-          <a:p>
-            <a:pPr marL="800100" lvl="1" indent="-342900">
-              <a:buFont typeface="Arial"/>
-              <a:buChar char="•"/>
-            </a:pPr>
-            <a:r>
-              <a:rPr lang="it-IT" dirty="0">
-                <a:latin typeface="Calibri"/>
-                <a:ea typeface="+mn-lt"/>
-                <a:cs typeface="+mn-lt"/>
-              </a:rPr>
-              <a:t>40 coppie domanda-risposta</a:t>
-            </a:r>
-          </a:p>
-          <a:p>
-            <a:pPr marL="800100" lvl="1" indent="-342900">
-              <a:buFont typeface="Arial"/>
-              <a:buChar char="•"/>
-            </a:pPr>
-            <a:r>
-              <a:rPr lang="it-IT" dirty="0">
-                <a:latin typeface="Calibri"/>
-                <a:ea typeface="+mn-lt"/>
-                <a:cs typeface="+mn-lt"/>
-              </a:rPr>
-              <a:t>4 colture considerate: </a:t>
-            </a:r>
-            <a:r>
-              <a:rPr lang="it-IT" dirty="0">
-                <a:ea typeface="+mn-lt"/>
-                <a:cs typeface="+mn-lt"/>
-              </a:rPr>
-              <a:t>Green Peppers, Jam </a:t>
-            </a:r>
-            <a:r>
-              <a:rPr lang="it-IT" dirty="0" err="1">
-                <a:ea typeface="+mn-lt"/>
-                <a:cs typeface="+mn-lt"/>
-              </a:rPr>
-              <a:t>Tomatoes</a:t>
-            </a:r>
-            <a:r>
-              <a:rPr lang="it-IT" dirty="0">
-                <a:ea typeface="+mn-lt"/>
-                <a:cs typeface="+mn-lt"/>
-              </a:rPr>
-              <a:t>, </a:t>
-            </a:r>
-            <a:r>
-              <a:rPr lang="it-IT" dirty="0" err="1">
-                <a:ea typeface="+mn-lt"/>
-                <a:cs typeface="+mn-lt"/>
-              </a:rPr>
-              <a:t>Cabbage</a:t>
-            </a:r>
-            <a:r>
-              <a:rPr lang="it-IT" dirty="0">
-                <a:ea typeface="+mn-lt"/>
-                <a:cs typeface="+mn-lt"/>
-              </a:rPr>
-              <a:t> and Marigold Flowers</a:t>
-            </a:r>
-          </a:p>
-          <a:p>
-            <a:pPr marL="800100" lvl="1" indent="-342900">
-              <a:buFont typeface="Arial"/>
-              <a:buChar char="•"/>
-            </a:pPr>
-            <a:r>
-              <a:rPr lang="it-IT" dirty="0">
-                <a:latin typeface="Calibri"/>
-                <a:ea typeface="+mn-lt"/>
-                <a:cs typeface="+mn-lt"/>
-              </a:rPr>
-              <a:t>10 coppie per coltura</a:t>
-            </a:r>
-          </a:p>
-          <a:p>
-            <a:pPr marL="800100" lvl="1" indent="-342900">
-              <a:buFont typeface="Arial"/>
-              <a:buChar char="•"/>
-            </a:pPr>
-            <a:endParaRPr lang="it-IT" dirty="0">
-              <a:latin typeface="Calibri"/>
-              <a:ea typeface="+mn-lt"/>
-              <a:cs typeface="+mn-lt"/>
-            </a:endParaRPr>
-          </a:p>
-          <a:p>
-            <a:pPr marL="342900" indent="-342900">
-              <a:buFont typeface="Arial"/>
-              <a:buChar char="•"/>
-            </a:pPr>
-            <a:r>
-              <a:rPr lang="it-IT" sz="2000" dirty="0">
-                <a:latin typeface="Calibri"/>
-                <a:ea typeface="+mn-lt"/>
-                <a:cs typeface="+mn-lt"/>
-              </a:rPr>
-              <a:t>Licenza </a:t>
-            </a:r>
-            <a:r>
-              <a:rPr lang="it-IT" sz="2000" dirty="0">
-                <a:ea typeface="+mn-lt"/>
-                <a:cs typeface="+mn-lt"/>
-              </a:rPr>
-              <a:t>DARJYO v1.0, proibisce gli usi commerciali</a:t>
-            </a:r>
-          </a:p>
-          <a:p>
-            <a:endParaRPr lang="it-IT" dirty="0">
-              <a:latin typeface="Calibri"/>
-              <a:ea typeface="+mn-lt"/>
-              <a:cs typeface="+mn-lt"/>
-            </a:endParaRPr>
-          </a:p>
-        </p:txBody>
-      </p:sp>
-      <p:pic>
-        <p:nvPicPr>
-          <p:cNvPr id="3" name="Immagine 2">
-            <a:extLst>
-              <a:ext uri="{FF2B5EF4-FFF2-40B4-BE49-F238E27FC236}">
-                <a16:creationId xmlns:a16="http://schemas.microsoft.com/office/drawing/2014/main" id="{3B2E9FAB-833A-6860-BBA4-66D54FF852E3}"/>
-              </a:ext>
-            </a:extLst>
-          </p:cNvPr>
-          <p:cNvPicPr>
-            <a:picLocks noChangeAspect="1"/>
-          </p:cNvPicPr>
-          <p:nvPr/>
-        </p:nvPicPr>
-        <p:blipFill>
-          <a:blip r:embed="rId2"/>
-          <a:stretch>
-            <a:fillRect/>
-          </a:stretch>
-        </p:blipFill>
-        <p:spPr>
-          <a:xfrm>
-            <a:off x="4098073" y="3613579"/>
-            <a:ext cx="8010293" cy="3162060"/>
-          </a:xfrm>
-          <a:prstGeom prst="rect">
-            <a:avLst/>
-          </a:prstGeom>
-        </p:spPr>
-      </p:pic>
-    </p:spTree>
-    <p:extLst>
-      <p:ext uri="{BB962C8B-B14F-4D97-AF65-F5344CB8AC3E}">
-        <p14:creationId xmlns:p14="http://schemas.microsoft.com/office/powerpoint/2010/main" val="1206454744"/>
-      </p:ext>
-    </p:extLst>
-  </p:cSld>
-  <p:clrMapOvr>
-    <a:masterClrMapping/>
-  </p:clrMapOvr>
-</p:sld>
-</file>
-
-<file path=ppt/slides/slide22.xml><?xml version="1.0" encoding="utf-8"?>
-<p:sld xmlns:a="http://schemas.openxmlformats.org/drawingml/2006/main" xmlns:r="http://schemas.openxmlformats.org/officeDocument/2006/relationships" xmlns:p="http://schemas.openxmlformats.org/presentationml/2006/main">
-  <p:cSld>
-    <p:spTree>
-      <p:nvGrpSpPr>
-        <p:cNvPr id="1" name="">
-          <a:extLst>
-            <a:ext uri="{FF2B5EF4-FFF2-40B4-BE49-F238E27FC236}">
-              <a16:creationId xmlns:a16="http://schemas.microsoft.com/office/drawing/2014/main" id="{26FACDEF-6D9A-D394-0BAB-EE7842EFA977}"/>
-            </a:ext>
-          </a:extLst>
-        </p:cNvPr>
-        <p:cNvGrpSpPr/>
-        <p:nvPr/>
-      </p:nvGrpSpPr>
-      <p:grpSpPr>
-        <a:xfrm>
-          <a:off x="0" y="0"/>
-          <a:ext cx="0" cy="0"/>
-          <a:chOff x="0" y="0"/>
-          <a:chExt cx="0" cy="0"/>
-        </a:xfrm>
-      </p:grpSpPr>
-      <p:sp>
-        <p:nvSpPr>
-          <p:cNvPr id="2" name="Title 1">
-            <a:extLst>
-              <a:ext uri="{FF2B5EF4-FFF2-40B4-BE49-F238E27FC236}">
-                <a16:creationId xmlns:a16="http://schemas.microsoft.com/office/drawing/2014/main" id="{23AD843F-7029-1F2E-7D08-B284C29B0F10}"/>
-              </a:ext>
-            </a:extLst>
-          </p:cNvPr>
-          <p:cNvSpPr>
-            <a:spLocks noGrp="1"/>
-          </p:cNvSpPr>
-          <p:nvPr>
-            <p:ph type="title"/>
-          </p:nvPr>
-        </p:nvSpPr>
-        <p:spPr>
-          <a:xfrm>
-            <a:off x="838200" y="365126"/>
-            <a:ext cx="10515600" cy="766558"/>
-          </a:xfrm>
-        </p:spPr>
-        <p:txBody>
-          <a:bodyPr>
-            <a:normAutofit/>
-          </a:bodyPr>
-          <a:lstStyle/>
-          <a:p>
-            <a:r>
-              <a:rPr lang="it-IT" sz="3200" dirty="0">
-                <a:latin typeface="+mn-lt"/>
-              </a:rPr>
-              <a:t>Valutazione Riusabilità – Transfer Learning</a:t>
-            </a:r>
-            <a:endParaRPr lang="it-IT" sz="3200" u="sng" noProof="0" dirty="0" err="1">
-              <a:latin typeface="+mn-lt"/>
-              <a:ea typeface="Calibri"/>
-              <a:cs typeface="Calibri"/>
-            </a:endParaRPr>
-          </a:p>
-        </p:txBody>
-      </p:sp>
-      <p:sp>
-        <p:nvSpPr>
-          <p:cNvPr id="4" name="TextBox 3">
-            <a:extLst>
-              <a:ext uri="{FF2B5EF4-FFF2-40B4-BE49-F238E27FC236}">
-                <a16:creationId xmlns:a16="http://schemas.microsoft.com/office/drawing/2014/main" id="{47017241-B898-E6A5-D692-D031F1A2C3AD}"/>
-              </a:ext>
-            </a:extLst>
-          </p:cNvPr>
-          <p:cNvSpPr txBox="1"/>
-          <p:nvPr/>
-        </p:nvSpPr>
-        <p:spPr>
-          <a:xfrm>
-            <a:off x="986828" y="1276540"/>
-            <a:ext cx="10773623" cy="3477875"/>
-          </a:xfrm>
-          <a:prstGeom prst="rect">
-            <a:avLst/>
-          </a:prstGeom>
-          <a:noFill/>
-        </p:spPr>
-        <p:txBody>
-          <a:bodyPr wrap="square" lIns="91440" tIns="45720" rIns="91440" bIns="45720" rtlCol="0" anchor="t">
-            <a:spAutoFit/>
-          </a:bodyPr>
-          <a:lstStyle/>
-          <a:p>
-            <a:r>
-              <a:rPr lang="it-IT" sz="2000" dirty="0">
-                <a:ea typeface="Calibri"/>
-                <a:cs typeface="Calibri"/>
-              </a:rPr>
-              <a:t>IBM: "</a:t>
-            </a:r>
-            <a:r>
-              <a:rPr lang="it-IT" sz="2000" dirty="0">
-                <a:ea typeface="+mn-lt"/>
-                <a:cs typeface="+mn-lt"/>
-              </a:rPr>
-              <a:t>Transfer learning </a:t>
-            </a:r>
-            <a:r>
-              <a:rPr lang="it-IT" sz="2000" err="1">
-                <a:ea typeface="+mn-lt"/>
-                <a:cs typeface="+mn-lt"/>
-              </a:rPr>
-              <a:t>is</a:t>
-            </a:r>
-            <a:r>
-              <a:rPr lang="it-IT" sz="2000" dirty="0">
-                <a:ea typeface="+mn-lt"/>
-                <a:cs typeface="+mn-lt"/>
-              </a:rPr>
-              <a:t> a machine learning technique in </a:t>
-            </a:r>
-            <a:r>
-              <a:rPr lang="it-IT" sz="2000" err="1">
-                <a:ea typeface="+mn-lt"/>
-                <a:cs typeface="+mn-lt"/>
-              </a:rPr>
-              <a:t>which</a:t>
-            </a:r>
-            <a:r>
-              <a:rPr lang="it-IT" sz="2000" dirty="0">
-                <a:ea typeface="+mn-lt"/>
-                <a:cs typeface="+mn-lt"/>
-              </a:rPr>
-              <a:t> knowledge </a:t>
-            </a:r>
-            <a:r>
-              <a:rPr lang="it-IT" sz="2000" err="1">
-                <a:ea typeface="+mn-lt"/>
-                <a:cs typeface="+mn-lt"/>
-              </a:rPr>
-              <a:t>gained</a:t>
-            </a:r>
-            <a:r>
-              <a:rPr lang="it-IT" sz="2000" dirty="0">
-                <a:ea typeface="+mn-lt"/>
-                <a:cs typeface="+mn-lt"/>
-              </a:rPr>
-              <a:t> </a:t>
-            </a:r>
-            <a:r>
-              <a:rPr lang="it-IT" sz="2000" err="1">
-                <a:ea typeface="+mn-lt"/>
-                <a:cs typeface="+mn-lt"/>
-              </a:rPr>
-              <a:t>through</a:t>
-            </a:r>
-            <a:r>
-              <a:rPr lang="it-IT" sz="2000" dirty="0">
-                <a:ea typeface="+mn-lt"/>
-                <a:cs typeface="+mn-lt"/>
-              </a:rPr>
-              <a:t> one task or dataset </a:t>
-            </a:r>
-            <a:r>
-              <a:rPr lang="it-IT" sz="2000" err="1">
-                <a:ea typeface="+mn-lt"/>
-                <a:cs typeface="+mn-lt"/>
-              </a:rPr>
-              <a:t>is</a:t>
-            </a:r>
-            <a:r>
-              <a:rPr lang="it-IT" sz="2000" dirty="0">
-                <a:ea typeface="+mn-lt"/>
-                <a:cs typeface="+mn-lt"/>
-              </a:rPr>
-              <a:t> </a:t>
-            </a:r>
-            <a:r>
-              <a:rPr lang="it-IT" sz="2000" err="1">
-                <a:ea typeface="+mn-lt"/>
-                <a:cs typeface="+mn-lt"/>
-              </a:rPr>
-              <a:t>used</a:t>
-            </a:r>
-            <a:r>
-              <a:rPr lang="it-IT" sz="2000" dirty="0">
-                <a:ea typeface="+mn-lt"/>
-                <a:cs typeface="+mn-lt"/>
-              </a:rPr>
-              <a:t> to </a:t>
-            </a:r>
-            <a:r>
-              <a:rPr lang="it-IT" sz="2000" err="1">
-                <a:ea typeface="+mn-lt"/>
-                <a:cs typeface="+mn-lt"/>
-              </a:rPr>
-              <a:t>improve</a:t>
-            </a:r>
-            <a:r>
-              <a:rPr lang="it-IT" sz="2000" dirty="0">
-                <a:ea typeface="+mn-lt"/>
-                <a:cs typeface="+mn-lt"/>
-              </a:rPr>
-              <a:t> model performance on </a:t>
-            </a:r>
-            <a:r>
-              <a:rPr lang="it-IT" sz="2000" err="1">
-                <a:ea typeface="+mn-lt"/>
-                <a:cs typeface="+mn-lt"/>
-              </a:rPr>
-              <a:t>another</a:t>
-            </a:r>
-            <a:r>
-              <a:rPr lang="it-IT" sz="2000" dirty="0">
-                <a:ea typeface="+mn-lt"/>
-                <a:cs typeface="+mn-lt"/>
-              </a:rPr>
-              <a:t> </a:t>
-            </a:r>
-            <a:r>
-              <a:rPr lang="it-IT" sz="2000" err="1">
-                <a:ea typeface="+mn-lt"/>
-                <a:cs typeface="+mn-lt"/>
-              </a:rPr>
-              <a:t>related</a:t>
-            </a:r>
-            <a:r>
-              <a:rPr lang="it-IT" sz="2000" dirty="0">
-                <a:ea typeface="+mn-lt"/>
-                <a:cs typeface="+mn-lt"/>
-              </a:rPr>
-              <a:t> task or </a:t>
-            </a:r>
-            <a:r>
-              <a:rPr lang="it-IT" sz="2000" err="1">
-                <a:ea typeface="+mn-lt"/>
-                <a:cs typeface="+mn-lt"/>
-              </a:rPr>
-              <a:t>different</a:t>
-            </a:r>
-            <a:r>
-              <a:rPr lang="it-IT" sz="2000" dirty="0">
-                <a:ea typeface="+mn-lt"/>
-                <a:cs typeface="+mn-lt"/>
-              </a:rPr>
-              <a:t> dataset. In </a:t>
-            </a:r>
-            <a:r>
-              <a:rPr lang="it-IT" sz="2000" err="1">
-                <a:ea typeface="+mn-lt"/>
-                <a:cs typeface="+mn-lt"/>
-              </a:rPr>
-              <a:t>other</a:t>
-            </a:r>
-            <a:r>
-              <a:rPr lang="it-IT" sz="2000" dirty="0">
-                <a:ea typeface="+mn-lt"/>
-                <a:cs typeface="+mn-lt"/>
-              </a:rPr>
-              <a:t> words, transfer learning </a:t>
-            </a:r>
-            <a:r>
-              <a:rPr lang="it-IT" sz="2000" err="1">
-                <a:ea typeface="+mn-lt"/>
-                <a:cs typeface="+mn-lt"/>
-              </a:rPr>
-              <a:t>uses</a:t>
-            </a:r>
-            <a:r>
-              <a:rPr lang="it-IT" sz="2000" dirty="0">
-                <a:ea typeface="+mn-lt"/>
-                <a:cs typeface="+mn-lt"/>
-              </a:rPr>
-              <a:t> </a:t>
-            </a:r>
-            <a:r>
-              <a:rPr lang="it-IT" sz="2000" err="1">
-                <a:ea typeface="+mn-lt"/>
-                <a:cs typeface="+mn-lt"/>
-              </a:rPr>
-              <a:t>what</a:t>
-            </a:r>
-            <a:r>
-              <a:rPr lang="it-IT" sz="2000" dirty="0">
-                <a:ea typeface="+mn-lt"/>
-                <a:cs typeface="+mn-lt"/>
-              </a:rPr>
-              <a:t> </a:t>
-            </a:r>
-            <a:r>
-              <a:rPr lang="it-IT" sz="2000" err="1">
-                <a:ea typeface="+mn-lt"/>
-                <a:cs typeface="+mn-lt"/>
-              </a:rPr>
-              <a:t>has</a:t>
-            </a:r>
-            <a:r>
-              <a:rPr lang="it-IT" sz="2000" dirty="0">
-                <a:ea typeface="+mn-lt"/>
-                <a:cs typeface="+mn-lt"/>
-              </a:rPr>
-              <a:t> </a:t>
-            </a:r>
-            <a:r>
-              <a:rPr lang="it-IT" sz="2000" err="1">
-                <a:ea typeface="+mn-lt"/>
-                <a:cs typeface="+mn-lt"/>
-              </a:rPr>
-              <a:t>been</a:t>
-            </a:r>
-            <a:r>
-              <a:rPr lang="it-IT" sz="2000" dirty="0">
-                <a:ea typeface="+mn-lt"/>
-                <a:cs typeface="+mn-lt"/>
-              </a:rPr>
-              <a:t> </a:t>
-            </a:r>
-            <a:r>
-              <a:rPr lang="it-IT" sz="2000" err="1">
-                <a:ea typeface="+mn-lt"/>
-                <a:cs typeface="+mn-lt"/>
-              </a:rPr>
-              <a:t>learned</a:t>
-            </a:r>
-            <a:r>
-              <a:rPr lang="it-IT" sz="2000" dirty="0">
-                <a:ea typeface="+mn-lt"/>
-                <a:cs typeface="+mn-lt"/>
-              </a:rPr>
-              <a:t> in one setting to </a:t>
-            </a:r>
-            <a:r>
-              <a:rPr lang="it-IT" sz="2000" err="1">
-                <a:ea typeface="+mn-lt"/>
-                <a:cs typeface="+mn-lt"/>
-              </a:rPr>
-              <a:t>improve</a:t>
-            </a:r>
-            <a:r>
-              <a:rPr lang="it-IT" sz="2000" dirty="0">
-                <a:ea typeface="+mn-lt"/>
-                <a:cs typeface="+mn-lt"/>
-              </a:rPr>
-              <a:t> </a:t>
-            </a:r>
-            <a:r>
-              <a:rPr lang="it-IT" sz="2000" err="1">
-                <a:ea typeface="+mn-lt"/>
-                <a:cs typeface="+mn-lt"/>
-              </a:rPr>
-              <a:t>generalization</a:t>
-            </a:r>
-            <a:r>
-              <a:rPr lang="it-IT" sz="2000" dirty="0">
-                <a:ea typeface="+mn-lt"/>
-                <a:cs typeface="+mn-lt"/>
-              </a:rPr>
-              <a:t> in </a:t>
-            </a:r>
-            <a:r>
-              <a:rPr lang="it-IT" sz="2000" err="1">
-                <a:ea typeface="+mn-lt"/>
-                <a:cs typeface="+mn-lt"/>
-              </a:rPr>
-              <a:t>another</a:t>
-            </a:r>
-            <a:r>
-              <a:rPr lang="it-IT" sz="2000" dirty="0">
-                <a:ea typeface="+mn-lt"/>
-                <a:cs typeface="+mn-lt"/>
-              </a:rPr>
-              <a:t> setting</a:t>
-            </a:r>
-            <a:r>
-              <a:rPr lang="it-IT" sz="2000" dirty="0">
-                <a:ea typeface="Calibri"/>
-                <a:cs typeface="Calibri"/>
-              </a:rPr>
-              <a:t>."</a:t>
-            </a:r>
-            <a:endParaRPr lang="it-IT"/>
-          </a:p>
-          <a:p>
-            <a:pPr marL="342900" indent="-342900">
-              <a:buFont typeface="Arial"/>
-              <a:buChar char="•"/>
-            </a:pPr>
-            <a:endParaRPr lang="it-IT" sz="2000" dirty="0">
-              <a:ea typeface="Calibri"/>
-              <a:cs typeface="Calibri"/>
-            </a:endParaRPr>
-          </a:p>
-          <a:p>
-            <a:r>
-              <a:rPr lang="it-IT" sz="2000" dirty="0">
-                <a:ea typeface="Calibri"/>
-                <a:cs typeface="Calibri"/>
-              </a:rPr>
-              <a:t>Fattori importanti:</a:t>
-            </a:r>
-          </a:p>
-          <a:p>
-            <a:pPr marL="342900" indent="-342900">
-              <a:buFont typeface="Arial"/>
-              <a:buChar char="•"/>
-            </a:pPr>
-            <a:r>
-              <a:rPr lang="it-IT" sz="2000" dirty="0">
-                <a:ea typeface="Calibri"/>
-                <a:cs typeface="Calibri"/>
-              </a:rPr>
-              <a:t>Compatibilità di Task</a:t>
-            </a:r>
-          </a:p>
-          <a:p>
-            <a:pPr marL="342900" indent="-342900">
-              <a:buFont typeface="Arial"/>
-              <a:buChar char="•"/>
-            </a:pPr>
-            <a:r>
-              <a:rPr lang="it-IT" sz="2000" dirty="0">
-                <a:ea typeface="Calibri"/>
-                <a:cs typeface="Calibri"/>
-              </a:rPr>
-              <a:t>Disponibilità di dati per fine-tuning</a:t>
-            </a:r>
-          </a:p>
-          <a:p>
-            <a:pPr marL="342900" indent="-342900">
-              <a:buFont typeface="Arial"/>
-              <a:buChar char="•"/>
-            </a:pPr>
-            <a:r>
-              <a:rPr lang="it-IT" sz="2000" dirty="0">
-                <a:ea typeface="Calibri"/>
-                <a:cs typeface="Calibri"/>
-              </a:rPr>
-              <a:t>Licenze</a:t>
-            </a:r>
-          </a:p>
-          <a:p>
-            <a:pPr marL="342900" indent="-342900">
-              <a:buFont typeface="Arial"/>
-              <a:buChar char="•"/>
-            </a:pPr>
-            <a:r>
-              <a:rPr lang="it-IT" sz="2000" dirty="0">
-                <a:ea typeface="Calibri"/>
-                <a:cs typeface="Calibri"/>
-              </a:rPr>
-              <a:t>Domain shift e </a:t>
-            </a:r>
-            <a:r>
-              <a:rPr lang="it-IT" sz="2000" dirty="0" err="1">
-                <a:ea typeface="Calibri"/>
-                <a:cs typeface="Calibri"/>
-              </a:rPr>
-              <a:t>Bias</a:t>
-            </a:r>
-            <a:r>
-              <a:rPr lang="it-IT" sz="2000" dirty="0">
-                <a:ea typeface="Calibri"/>
-                <a:cs typeface="Calibri"/>
-              </a:rPr>
-              <a:t>*</a:t>
-            </a:r>
-          </a:p>
-          <a:p>
-            <a:pPr marL="342900" indent="-342900">
-              <a:buFont typeface="Arial"/>
-              <a:buChar char="•"/>
-            </a:pPr>
-            <a:r>
-              <a:rPr lang="it-IT" sz="2000" dirty="0">
-                <a:ea typeface="Calibri"/>
-                <a:cs typeface="Calibri"/>
-              </a:rPr>
-              <a:t>Limiti operativi*</a:t>
-            </a:r>
-          </a:p>
-        </p:txBody>
-      </p:sp>
-      <p:sp>
-        <p:nvSpPr>
-          <p:cNvPr id="3" name="CasellaDiTesto 2">
-            <a:extLst>
-              <a:ext uri="{FF2B5EF4-FFF2-40B4-BE49-F238E27FC236}">
-                <a16:creationId xmlns:a16="http://schemas.microsoft.com/office/drawing/2014/main" id="{EDBA4BF4-5616-FB95-CDD8-E46AC7AE3040}"/>
-              </a:ext>
-            </a:extLst>
-          </p:cNvPr>
-          <p:cNvSpPr txBox="1"/>
-          <p:nvPr/>
-        </p:nvSpPr>
-        <p:spPr>
-          <a:xfrm>
-            <a:off x="988370" y="6410712"/>
-            <a:ext cx="9601199" cy="338554"/>
-          </a:xfrm>
-          <a:prstGeom prst="rect">
-            <a:avLst/>
-          </a:prstGeom>
-          <a:noFill/>
-        </p:spPr>
-        <p:txBody>
-          <a:bodyPr rot="0" spcFirstLastPara="0" vertOverflow="overflow" horzOverflow="overflow" vert="horz" wrap="square" lIns="91440" tIns="45720" rIns="91440" bIns="45720" numCol="1" spcCol="0" rtlCol="0" fromWordArt="0" anchor="t" anchorCtr="0" forceAA="0" compatLnSpc="1">
-            <a:prstTxWarp prst="textNoShape">
-              <a:avLst/>
-            </a:prstTxWarp>
-            <a:spAutoFit/>
-          </a:bodyPr>
-          <a:lstStyle/>
-          <a:p>
-            <a:r>
-              <a:rPr lang="it-IT" sz="1600" dirty="0">
-                <a:ea typeface="+mn-lt"/>
-                <a:cs typeface="+mn-lt"/>
-              </a:rPr>
-              <a:t>IBM, " </a:t>
-            </a:r>
-            <a:r>
-              <a:rPr lang="it-IT" sz="1600" dirty="0" err="1">
-                <a:ea typeface="+mn-lt"/>
-                <a:cs typeface="+mn-lt"/>
-              </a:rPr>
-              <a:t>What</a:t>
-            </a:r>
-            <a:r>
-              <a:rPr lang="it-IT" sz="1600" dirty="0">
-                <a:ea typeface="+mn-lt"/>
-                <a:cs typeface="+mn-lt"/>
-              </a:rPr>
-              <a:t> </a:t>
-            </a:r>
-            <a:r>
-              <a:rPr lang="it-IT" sz="1600" dirty="0" err="1">
-                <a:ea typeface="+mn-lt"/>
-                <a:cs typeface="+mn-lt"/>
-              </a:rPr>
-              <a:t>is</a:t>
-            </a:r>
-            <a:r>
-              <a:rPr lang="it-IT" sz="1600" dirty="0">
-                <a:ea typeface="+mn-lt"/>
-                <a:cs typeface="+mn-lt"/>
-              </a:rPr>
-              <a:t> transfer learning?" [Online]. </a:t>
-            </a:r>
-            <a:r>
-              <a:rPr lang="it-IT" sz="1600" dirty="0" err="1">
-                <a:ea typeface="+mn-lt"/>
-                <a:cs typeface="+mn-lt"/>
-              </a:rPr>
-              <a:t>Available</a:t>
-            </a:r>
-            <a:r>
-              <a:rPr lang="it-IT" sz="1600" dirty="0">
-                <a:ea typeface="+mn-lt"/>
-                <a:cs typeface="+mn-lt"/>
-              </a:rPr>
-              <a:t>: https://www.ibm.com/think/topics/transfer-learning.</a:t>
-            </a:r>
-            <a:endParaRPr lang="it-IT" dirty="0"/>
-          </a:p>
-        </p:txBody>
-      </p:sp>
-    </p:spTree>
-    <p:extLst>
-      <p:ext uri="{BB962C8B-B14F-4D97-AF65-F5344CB8AC3E}">
-        <p14:creationId xmlns:p14="http://schemas.microsoft.com/office/powerpoint/2010/main" val="1487935868"/>
-      </p:ext>
-    </p:extLst>
-  </p:cSld>
-  <p:clrMapOvr>
-    <a:masterClrMapping/>
-  </p:clrMapOvr>
-</p:sld>
-</file>
-
-<file path=ppt/slides/slide23.xml><?xml version="1.0" encoding="utf-8"?>
-<p:sld xmlns:a="http://schemas.openxmlformats.org/drawingml/2006/main" xmlns:r="http://schemas.openxmlformats.org/officeDocument/2006/relationships" xmlns:p="http://schemas.openxmlformats.org/presentationml/2006/main">
-  <p:cSld>
-    <p:spTree>
-      <p:nvGrpSpPr>
-        <p:cNvPr id="1" name="">
-          <a:extLst>
-            <a:ext uri="{FF2B5EF4-FFF2-40B4-BE49-F238E27FC236}">
-              <a16:creationId xmlns:a16="http://schemas.microsoft.com/office/drawing/2014/main" id="{98B1E8A0-35FE-A636-21A8-B2596DE4930C}"/>
-            </a:ext>
-          </a:extLst>
-        </p:cNvPr>
-        <p:cNvGrpSpPr/>
-        <p:nvPr/>
-      </p:nvGrpSpPr>
-      <p:grpSpPr>
-        <a:xfrm>
-          <a:off x="0" y="0"/>
-          <a:ext cx="0" cy="0"/>
-          <a:chOff x="0" y="0"/>
-          <a:chExt cx="0" cy="0"/>
-        </a:xfrm>
-      </p:grpSpPr>
-      <p:sp>
-        <p:nvSpPr>
-          <p:cNvPr id="2" name="Title 1">
-            <a:extLst>
-              <a:ext uri="{FF2B5EF4-FFF2-40B4-BE49-F238E27FC236}">
-                <a16:creationId xmlns:a16="http://schemas.microsoft.com/office/drawing/2014/main" id="{16587478-4503-BBF8-03D3-CA4085745E76}"/>
-              </a:ext>
-            </a:extLst>
-          </p:cNvPr>
-          <p:cNvSpPr>
-            <a:spLocks noGrp="1"/>
-          </p:cNvSpPr>
-          <p:nvPr>
-            <p:ph type="title"/>
-          </p:nvPr>
-        </p:nvSpPr>
-        <p:spPr>
-          <a:xfrm>
-            <a:off x="838200" y="365126"/>
-            <a:ext cx="10515600" cy="766558"/>
-          </a:xfrm>
-        </p:spPr>
-        <p:txBody>
-          <a:bodyPr>
-            <a:normAutofit/>
-          </a:bodyPr>
-          <a:lstStyle/>
-          <a:p>
-            <a:r>
-              <a:rPr lang="it-IT" sz="3200" dirty="0">
-                <a:latin typeface="+mn-lt"/>
-              </a:rPr>
-              <a:t>Valutazione Riusabilità</a:t>
-            </a:r>
-            <a:endParaRPr lang="it-IT" sz="3200" u="sng" noProof="0" dirty="0" err="1">
-              <a:latin typeface="+mn-lt"/>
-              <a:ea typeface="Calibri"/>
-              <a:cs typeface="Calibri"/>
-            </a:endParaRPr>
-          </a:p>
-        </p:txBody>
-      </p:sp>
-      <p:sp>
-        <p:nvSpPr>
-          <p:cNvPr id="4" name="TextBox 3">
-            <a:extLst>
-              <a:ext uri="{FF2B5EF4-FFF2-40B4-BE49-F238E27FC236}">
-                <a16:creationId xmlns:a16="http://schemas.microsoft.com/office/drawing/2014/main" id="{96509102-F7C8-6058-09B6-24692955FC5F}"/>
-              </a:ext>
-            </a:extLst>
-          </p:cNvPr>
-          <p:cNvSpPr txBox="1"/>
-          <p:nvPr/>
-        </p:nvSpPr>
-        <p:spPr>
-          <a:xfrm>
-            <a:off x="986828" y="1016345"/>
-            <a:ext cx="10773623" cy="3200876"/>
-          </a:xfrm>
-          <a:prstGeom prst="rect">
-            <a:avLst/>
-          </a:prstGeom>
-          <a:noFill/>
-        </p:spPr>
-        <p:txBody>
-          <a:bodyPr wrap="square" lIns="91440" tIns="45720" rIns="91440" bIns="45720" rtlCol="0" anchor="t">
-            <a:spAutoFit/>
-          </a:bodyPr>
-          <a:lstStyle/>
-          <a:p>
-            <a:r>
-              <a:rPr lang="it-IT" sz="2000" dirty="0">
-                <a:ea typeface="Calibri"/>
-                <a:cs typeface="Calibri"/>
-              </a:rPr>
-              <a:t>La metodologia proposta prevede l'assegnazione di un punteggio, da 1 a 3, in 4 categorie</a:t>
-            </a:r>
-          </a:p>
-          <a:p>
-            <a:endParaRPr lang="it-IT" sz="2000" dirty="0">
-              <a:ea typeface="Calibri"/>
-              <a:cs typeface="Calibri"/>
-            </a:endParaRPr>
-          </a:p>
-          <a:p>
-            <a:pPr marL="342900" indent="-342900">
-              <a:buFont typeface="Arial"/>
-              <a:buChar char="•"/>
-            </a:pPr>
-            <a:r>
-              <a:rPr lang="it-IT" b="1" dirty="0">
-                <a:ea typeface="Calibri"/>
-                <a:cs typeface="Calibri"/>
-              </a:rPr>
-              <a:t>Project Alignment (PA)</a:t>
-            </a:r>
-            <a:r>
-              <a:rPr lang="it-IT" dirty="0">
-                <a:ea typeface="Calibri"/>
-                <a:cs typeface="Calibri"/>
-              </a:rPr>
-              <a:t>: rilevanza verso Farm-Tech, sia in termini di task che dataset di addestramento</a:t>
-            </a:r>
-          </a:p>
-          <a:p>
-            <a:pPr marL="742950" lvl="1" indent="-285750">
-              <a:buFont typeface="Arial"/>
-              <a:buChar char="•"/>
-            </a:pPr>
-            <a:r>
-              <a:rPr lang="it-IT" dirty="0">
-                <a:ea typeface="Calibri"/>
-                <a:cs typeface="Calibri"/>
-              </a:rPr>
-              <a:t>1: affinità generale al </a:t>
-            </a:r>
-            <a:r>
-              <a:rPr lang="it-IT" dirty="0" err="1">
-                <a:ea typeface="Calibri"/>
-                <a:cs typeface="Calibri"/>
-              </a:rPr>
-              <a:t>precision</a:t>
-            </a:r>
-            <a:r>
-              <a:rPr lang="it-IT" dirty="0">
-                <a:ea typeface="Calibri"/>
-                <a:cs typeface="Calibri"/>
-              </a:rPr>
-              <a:t> farming</a:t>
-            </a:r>
-          </a:p>
-          <a:p>
-            <a:pPr marL="742950" lvl="1" indent="-285750">
-              <a:buFont typeface="Arial"/>
-              <a:buChar char="•"/>
-            </a:pPr>
-            <a:r>
-              <a:rPr lang="it-IT" dirty="0">
-                <a:ea typeface="Calibri"/>
-                <a:cs typeface="Calibri"/>
-              </a:rPr>
-              <a:t>2: correlazione immediata ad una task rilevante in Farm-Tech</a:t>
-            </a:r>
-          </a:p>
-          <a:p>
-            <a:pPr marL="742950" lvl="1" indent="-285750">
-              <a:buFont typeface="Arial"/>
-              <a:buChar char="•"/>
-            </a:pPr>
-            <a:r>
-              <a:rPr lang="it-IT" dirty="0">
-                <a:ea typeface="Calibri"/>
-                <a:cs typeface="Calibri"/>
-              </a:rPr>
-              <a:t>3: uso di dati immediatamente rilevanti</a:t>
-            </a:r>
-          </a:p>
-          <a:p>
-            <a:pPr marL="742950" lvl="1" indent="-285750">
-              <a:buFont typeface="Arial"/>
-              <a:buChar char="•"/>
-            </a:pPr>
-            <a:endParaRPr lang="it-IT" dirty="0">
-              <a:ea typeface="Calibri"/>
-              <a:cs typeface="Calibri"/>
-            </a:endParaRPr>
-          </a:p>
-          <a:p>
-            <a:pPr marL="285750" indent="-285750">
-              <a:buFont typeface="Arial"/>
-              <a:buChar char="•"/>
-            </a:pPr>
-            <a:r>
-              <a:rPr lang="it-IT" b="1" dirty="0">
-                <a:ea typeface="Calibri"/>
-                <a:cs typeface="Calibri"/>
-              </a:rPr>
-              <a:t>Quality of Documentation (QD)</a:t>
-            </a:r>
-            <a:r>
-              <a:rPr lang="it-IT" dirty="0">
-                <a:ea typeface="Calibri"/>
-                <a:cs typeface="Calibri"/>
-              </a:rPr>
-              <a:t>: utilità della documentazione nell'implementare il modello in un nuovo campo</a:t>
-            </a:r>
-          </a:p>
-          <a:p>
-            <a:pPr marL="742950" lvl="1" indent="-285750">
-              <a:buFont typeface="Arial"/>
-              <a:buChar char="•"/>
-            </a:pPr>
-            <a:r>
-              <a:rPr lang="it-IT" dirty="0">
-                <a:ea typeface="Calibri"/>
-                <a:cs typeface="Calibri"/>
-              </a:rPr>
-              <a:t>1: documentazione sufficiente per esecuzione del modello</a:t>
-            </a:r>
-          </a:p>
-          <a:p>
-            <a:pPr marL="742950" lvl="1" indent="-285750">
-              <a:buFont typeface="Arial"/>
-              <a:buChar char="•"/>
-            </a:pPr>
-            <a:r>
-              <a:rPr lang="it-IT" dirty="0">
-                <a:ea typeface="Calibri"/>
-                <a:cs typeface="Calibri"/>
-              </a:rPr>
-              <a:t>2: sintesi dell'architettura</a:t>
-            </a:r>
-          </a:p>
-          <a:p>
-            <a:pPr marL="742950" lvl="1" indent="-285750">
-              <a:buFont typeface="Arial"/>
-              <a:buChar char="•"/>
-            </a:pPr>
-            <a:r>
-              <a:rPr lang="it-IT" dirty="0">
-                <a:ea typeface="Calibri"/>
-                <a:cs typeface="Calibri"/>
-              </a:rPr>
-              <a:t>3: quantità significativa di guide/tutorial</a:t>
-            </a:r>
-          </a:p>
-        </p:txBody>
-      </p:sp>
-    </p:spTree>
-    <p:extLst>
-      <p:ext uri="{BB962C8B-B14F-4D97-AF65-F5344CB8AC3E}">
-        <p14:creationId xmlns:p14="http://schemas.microsoft.com/office/powerpoint/2010/main" val="375687149"/>
-      </p:ext>
-    </p:extLst>
-  </p:cSld>
-  <p:clrMapOvr>
-    <a:masterClrMapping/>
-  </p:clrMapOvr>
-</p:sld>
-</file>
-
-<file path=ppt/slides/slide24.xml><?xml version="1.0" encoding="utf-8"?>
-<p:sld xmlns:a="http://schemas.openxmlformats.org/drawingml/2006/main" xmlns:r="http://schemas.openxmlformats.org/officeDocument/2006/relationships" xmlns:p="http://schemas.openxmlformats.org/presentationml/2006/main">
-  <p:cSld>
-    <p:spTree>
-      <p:nvGrpSpPr>
-        <p:cNvPr id="1" name="">
-          <a:extLst>
-            <a:ext uri="{FF2B5EF4-FFF2-40B4-BE49-F238E27FC236}">
-              <a16:creationId xmlns:a16="http://schemas.microsoft.com/office/drawing/2014/main" id="{8443BEE8-B9A8-53CF-C076-4CD8B199A4E8}"/>
-            </a:ext>
-          </a:extLst>
-        </p:cNvPr>
-        <p:cNvGrpSpPr/>
-        <p:nvPr/>
-      </p:nvGrpSpPr>
-      <p:grpSpPr>
-        <a:xfrm>
-          <a:off x="0" y="0"/>
-          <a:ext cx="0" cy="0"/>
-          <a:chOff x="0" y="0"/>
-          <a:chExt cx="0" cy="0"/>
-        </a:xfrm>
-      </p:grpSpPr>
-      <p:sp>
-        <p:nvSpPr>
-          <p:cNvPr id="2" name="Title 1">
-            <a:extLst>
-              <a:ext uri="{FF2B5EF4-FFF2-40B4-BE49-F238E27FC236}">
-                <a16:creationId xmlns:a16="http://schemas.microsoft.com/office/drawing/2014/main" id="{847DBAB7-FD45-F0E3-B0FE-1EC42ACA7906}"/>
-              </a:ext>
-            </a:extLst>
-          </p:cNvPr>
-          <p:cNvSpPr>
-            <a:spLocks noGrp="1"/>
-          </p:cNvSpPr>
-          <p:nvPr>
-            <p:ph type="title"/>
-          </p:nvPr>
-        </p:nvSpPr>
-        <p:spPr>
-          <a:xfrm>
-            <a:off x="838200" y="365126"/>
-            <a:ext cx="10515600" cy="766558"/>
-          </a:xfrm>
-        </p:spPr>
-        <p:txBody>
-          <a:bodyPr>
-            <a:normAutofit/>
-          </a:bodyPr>
-          <a:lstStyle/>
-          <a:p>
-            <a:r>
-              <a:rPr lang="it-IT" sz="3200" dirty="0">
-                <a:latin typeface="+mn-lt"/>
-              </a:rPr>
-              <a:t>Valutazione Riusabilità</a:t>
-            </a:r>
-            <a:endParaRPr lang="it-IT" sz="3200" u="sng" noProof="0" dirty="0" err="1">
-              <a:latin typeface="+mn-lt"/>
-              <a:ea typeface="Calibri"/>
-              <a:cs typeface="Calibri"/>
-            </a:endParaRPr>
-          </a:p>
-        </p:txBody>
-      </p:sp>
-      <p:sp>
-        <p:nvSpPr>
-          <p:cNvPr id="4" name="TextBox 3">
-            <a:extLst>
-              <a:ext uri="{FF2B5EF4-FFF2-40B4-BE49-F238E27FC236}">
-                <a16:creationId xmlns:a16="http://schemas.microsoft.com/office/drawing/2014/main" id="{A5633DC3-A1B8-C8D4-3544-61606F06ECBB}"/>
-              </a:ext>
-            </a:extLst>
-          </p:cNvPr>
-          <p:cNvSpPr txBox="1"/>
-          <p:nvPr/>
-        </p:nvSpPr>
-        <p:spPr>
-          <a:xfrm>
-            <a:off x="986828" y="1016345"/>
-            <a:ext cx="10773623" cy="2923877"/>
-          </a:xfrm>
-          <a:prstGeom prst="rect">
-            <a:avLst/>
-          </a:prstGeom>
-          <a:noFill/>
-        </p:spPr>
-        <p:txBody>
-          <a:bodyPr wrap="square" lIns="91440" tIns="45720" rIns="91440" bIns="45720" rtlCol="0" anchor="t">
-            <a:spAutoFit/>
-          </a:bodyPr>
-          <a:lstStyle/>
-          <a:p>
-            <a:r>
-              <a:rPr lang="it-IT" sz="2000" dirty="0">
-                <a:ea typeface="Calibri"/>
-                <a:cs typeface="Calibri"/>
-              </a:rPr>
-              <a:t>La metodologia proposta prevede l'assegnazione di un punteggio, da 1 a 3, in 4 categorie</a:t>
-            </a:r>
-          </a:p>
-          <a:p>
-            <a:endParaRPr lang="it-IT" sz="2000" dirty="0">
-              <a:ea typeface="Calibri"/>
-              <a:cs typeface="Calibri"/>
-            </a:endParaRPr>
-          </a:p>
-          <a:p>
-            <a:pPr marL="285750" indent="-285750">
-              <a:buFont typeface="Arial"/>
-              <a:buChar char="•"/>
-            </a:pPr>
-            <a:r>
-              <a:rPr lang="it-IT" b="1" dirty="0">
-                <a:ea typeface="Calibri"/>
-                <a:cs typeface="Calibri"/>
-              </a:rPr>
-              <a:t>Ease of Evaluation (EE)</a:t>
-            </a:r>
-            <a:r>
-              <a:rPr lang="it-IT" dirty="0">
-                <a:ea typeface="Calibri"/>
-                <a:cs typeface="Calibri"/>
-              </a:rPr>
-              <a:t>: quanto è semplice valutare l'efficacia del modello nel nuovo campo</a:t>
-            </a:r>
-          </a:p>
-          <a:p>
-            <a:pPr marL="742950" lvl="1" indent="-285750">
-              <a:buFont typeface="Arial"/>
-              <a:buChar char="•"/>
-            </a:pPr>
-            <a:r>
-              <a:rPr lang="it-IT" dirty="0">
-                <a:ea typeface="Calibri"/>
-                <a:cs typeface="Calibri"/>
-              </a:rPr>
-              <a:t>1: testing intensivo</a:t>
-            </a:r>
-          </a:p>
-          <a:p>
-            <a:pPr marL="742950" lvl="1" indent="-285750">
-              <a:buFont typeface="Arial"/>
-              <a:buChar char="•"/>
-            </a:pPr>
-            <a:r>
-              <a:rPr lang="it-IT" dirty="0">
-                <a:ea typeface="Calibri"/>
-                <a:cs typeface="Calibri"/>
-              </a:rPr>
-              <a:t>2: necessità di dati specifici</a:t>
-            </a:r>
-          </a:p>
-          <a:p>
-            <a:pPr marL="742950" lvl="1" indent="-285750">
-              <a:buFont typeface="Arial"/>
-              <a:buChar char="•"/>
-            </a:pPr>
-            <a:r>
-              <a:rPr lang="it-IT" dirty="0">
-                <a:ea typeface="Calibri"/>
-                <a:cs typeface="Calibri"/>
-              </a:rPr>
-              <a:t>3: dati general-purpose sufficenti</a:t>
-            </a:r>
-          </a:p>
-          <a:p>
-            <a:pPr marL="285750" indent="-285750">
-              <a:buFont typeface="Arial"/>
-              <a:buChar char="•"/>
-            </a:pPr>
-            <a:r>
-              <a:rPr lang="it-IT" b="1" dirty="0">
-                <a:ea typeface="Calibri"/>
-                <a:cs typeface="Calibri"/>
-              </a:rPr>
-              <a:t>Licenza (LC)</a:t>
-            </a:r>
-          </a:p>
-          <a:p>
-            <a:pPr marL="742950" lvl="1" indent="-285750">
-              <a:buFont typeface="Arial"/>
-              <a:buChar char="•"/>
-            </a:pPr>
-            <a:r>
-              <a:rPr lang="it-IT" dirty="0">
-                <a:ea typeface="Calibri"/>
-                <a:cs typeface="Calibri"/>
-              </a:rPr>
-              <a:t>1:</a:t>
-            </a:r>
-            <a:r>
-              <a:rPr lang="it-IT" b="1" dirty="0">
-                <a:ea typeface="Calibri"/>
-                <a:cs typeface="Calibri"/>
-              </a:rPr>
-              <a:t> </a:t>
-            </a:r>
-            <a:r>
-              <a:rPr lang="it-IT" dirty="0">
-                <a:ea typeface="Calibri"/>
-                <a:cs typeface="Calibri"/>
-              </a:rPr>
-              <a:t>licenza restrittiva</a:t>
-            </a:r>
-          </a:p>
-          <a:p>
-            <a:pPr marL="742950" lvl="1" indent="-285750">
-              <a:buFont typeface="Arial"/>
-              <a:buChar char="•"/>
-            </a:pPr>
-            <a:r>
-              <a:rPr lang="it-IT" dirty="0">
-                <a:ea typeface="Calibri"/>
-                <a:cs typeface="Calibri"/>
-              </a:rPr>
-              <a:t>2: licenza assente/contraddittoria</a:t>
-            </a:r>
-          </a:p>
-          <a:p>
-            <a:pPr marL="742950" lvl="1" indent="-285750">
-              <a:buFont typeface="Arial"/>
-              <a:buChar char="•"/>
-            </a:pPr>
-            <a:r>
-              <a:rPr lang="it-IT" dirty="0">
-                <a:ea typeface="Calibri"/>
-                <a:cs typeface="Calibri"/>
-              </a:rPr>
-              <a:t>3: licenza permissiva</a:t>
-            </a:r>
-          </a:p>
-        </p:txBody>
-      </p:sp>
-    </p:spTree>
-    <p:extLst>
-      <p:ext uri="{BB962C8B-B14F-4D97-AF65-F5344CB8AC3E}">
-        <p14:creationId xmlns:p14="http://schemas.microsoft.com/office/powerpoint/2010/main" val="1392815347"/>
-      </p:ext>
-    </p:extLst>
-  </p:cSld>
-  <p:clrMapOvr>
-    <a:masterClrMapping/>
-  </p:clrMapOvr>
-</p:sld>
-</file>
-
-<file path=ppt/slides/slide25.xml><?xml version="1.0" encoding="utf-8"?>
-<p:sld xmlns:a="http://schemas.openxmlformats.org/drawingml/2006/main" xmlns:r="http://schemas.openxmlformats.org/officeDocument/2006/relationships" xmlns:p="http://schemas.openxmlformats.org/presentationml/2006/main">
-  <p:cSld>
-    <p:spTree>
-      <p:nvGrpSpPr>
-        <p:cNvPr id="1" name="">
-          <a:extLst>
-            <a:ext uri="{FF2B5EF4-FFF2-40B4-BE49-F238E27FC236}">
-              <a16:creationId xmlns:a16="http://schemas.microsoft.com/office/drawing/2014/main" id="{1D49745B-E151-546B-0636-115DBAC37724}"/>
-            </a:ext>
-          </a:extLst>
-        </p:cNvPr>
-        <p:cNvGrpSpPr/>
-        <p:nvPr/>
-      </p:nvGrpSpPr>
-      <p:grpSpPr>
-        <a:xfrm>
-          <a:off x="0" y="0"/>
-          <a:ext cx="0" cy="0"/>
-          <a:chOff x="0" y="0"/>
-          <a:chExt cx="0" cy="0"/>
-        </a:xfrm>
-      </p:grpSpPr>
-      <p:sp>
-        <p:nvSpPr>
-          <p:cNvPr id="2" name="Title 1">
-            <a:extLst>
-              <a:ext uri="{FF2B5EF4-FFF2-40B4-BE49-F238E27FC236}">
-                <a16:creationId xmlns:a16="http://schemas.microsoft.com/office/drawing/2014/main" id="{BADB0696-B8F2-7CC9-67FB-9A23E22DA33B}"/>
-              </a:ext>
-            </a:extLst>
-          </p:cNvPr>
-          <p:cNvSpPr>
-            <a:spLocks noGrp="1"/>
-          </p:cNvSpPr>
-          <p:nvPr>
-            <p:ph type="title"/>
-          </p:nvPr>
-        </p:nvSpPr>
-        <p:spPr>
-          <a:xfrm>
-            <a:off x="838200" y="365126"/>
-            <a:ext cx="10515600" cy="766558"/>
-          </a:xfrm>
-        </p:spPr>
-        <p:txBody>
-          <a:bodyPr>
-            <a:normAutofit/>
-          </a:bodyPr>
-          <a:lstStyle/>
-          <a:p>
-            <a:r>
-              <a:rPr lang="it-IT" sz="3200" dirty="0">
-                <a:latin typeface="+mn-lt"/>
-              </a:rPr>
-              <a:t>Valutazione Riusabilità</a:t>
-            </a:r>
-            <a:endParaRPr lang="it-IT" sz="3200" u="sng" noProof="0" dirty="0" err="1">
-              <a:latin typeface="+mn-lt"/>
-              <a:ea typeface="Calibri"/>
-              <a:cs typeface="Calibri"/>
-            </a:endParaRPr>
-          </a:p>
-        </p:txBody>
-      </p:sp>
-      <p:sp>
-        <p:nvSpPr>
-          <p:cNvPr id="4" name="TextBox 3">
-            <a:extLst>
-              <a:ext uri="{FF2B5EF4-FFF2-40B4-BE49-F238E27FC236}">
-                <a16:creationId xmlns:a16="http://schemas.microsoft.com/office/drawing/2014/main" id="{A9EB5CC1-BD15-FA0F-DC51-6D65BADFD02E}"/>
-              </a:ext>
-            </a:extLst>
-          </p:cNvPr>
-          <p:cNvSpPr txBox="1"/>
-          <p:nvPr/>
-        </p:nvSpPr>
-        <p:spPr>
-          <a:xfrm>
-            <a:off x="986828" y="1192906"/>
-            <a:ext cx="10773623" cy="2554545"/>
-          </a:xfrm>
-          <a:prstGeom prst="rect">
-            <a:avLst/>
-          </a:prstGeom>
-          <a:noFill/>
-        </p:spPr>
-        <p:txBody>
-          <a:bodyPr wrap="square" lIns="91440" tIns="45720" rIns="91440" bIns="45720" rtlCol="0" anchor="t">
-            <a:spAutoFit/>
-          </a:bodyPr>
-          <a:lstStyle/>
-          <a:p>
-            <a:r>
-              <a:rPr lang="it-IT" sz="2000" dirty="0">
-                <a:ea typeface="Calibri"/>
-                <a:cs typeface="Calibri"/>
-              </a:rPr>
-              <a:t>Un punteggio finale è calcolato dalla media di tutte le categorie</a:t>
-            </a:r>
-            <a:endParaRPr lang="it-IT" dirty="0">
-              <a:ea typeface="Calibri"/>
-              <a:cs typeface="Calibri"/>
-            </a:endParaRPr>
-          </a:p>
-          <a:p>
-            <a:endParaRPr lang="it-IT" sz="2000" dirty="0">
-              <a:ea typeface="Calibri"/>
-              <a:cs typeface="Calibri"/>
-            </a:endParaRPr>
-          </a:p>
-          <a:p>
-            <a:r>
-              <a:rPr lang="it-IT" sz="2000" dirty="0">
-                <a:ea typeface="Calibri"/>
-                <a:cs typeface="Calibri"/>
-              </a:rPr>
-              <a:t>Invece di una media, in base alle necessità del team di sviluppo, si può formulare un altro tipo di valutazione; ad esempio:</a:t>
-            </a:r>
-          </a:p>
-          <a:p>
-            <a:endParaRPr lang="it-IT" sz="2000" dirty="0">
-              <a:ea typeface="+mn-lt"/>
-              <a:cs typeface="+mn-lt"/>
-            </a:endParaRPr>
-          </a:p>
-          <a:p>
-            <a:pPr lvl="2"/>
-            <a:r>
-              <a:rPr lang="it-IT" sz="2000" dirty="0">
-                <a:ea typeface="+mn-lt"/>
-                <a:cs typeface="+mn-lt"/>
-              </a:rPr>
-              <a:t>     𝑇𝑜𝑡𝑎𝑙 𝑆𝑐𝑜𝑟𝑒 = 𝑃𝐴 ∗ 0.2 + 𝑄𝐷 ∗ 0.2 + 𝐸𝐸 ∗ 0.2 + 𝐿𝐶 ∗ 0.4</a:t>
-            </a:r>
-          </a:p>
-          <a:p>
-            <a:pPr lvl="2"/>
-            <a:endParaRPr lang="it-IT" sz="2000" dirty="0">
-              <a:ea typeface="Calibri" panose="020F0502020204030204"/>
-              <a:cs typeface="Calibri" panose="020F0502020204030204"/>
-            </a:endParaRPr>
-          </a:p>
-          <a:p>
-            <a:r>
-              <a:rPr lang="it-IT" sz="2000" dirty="0">
-                <a:ea typeface="Calibri" panose="020F0502020204030204"/>
-                <a:cs typeface="Calibri" panose="020F0502020204030204"/>
-              </a:rPr>
-              <a:t>Si può formulare una somma pesata dando più peso alla categoria di interesse maggiore</a:t>
-            </a:r>
-          </a:p>
-        </p:txBody>
-      </p:sp>
-    </p:spTree>
-    <p:extLst>
-      <p:ext uri="{BB962C8B-B14F-4D97-AF65-F5344CB8AC3E}">
-        <p14:creationId xmlns:p14="http://schemas.microsoft.com/office/powerpoint/2010/main" val="500491253"/>
-      </p:ext>
-    </p:extLst>
-  </p:cSld>
-  <p:clrMapOvr>
-    <a:masterClrMapping/>
-  </p:clrMapOvr>
-</p:sld>
-</file>
-
-<file path=ppt/slides/slide26.xml><?xml version="1.0" encoding="utf-8"?>
-<p:sld xmlns:a="http://schemas.openxmlformats.org/drawingml/2006/main" xmlns:r="http://schemas.openxmlformats.org/officeDocument/2006/relationships" xmlns:p="http://schemas.openxmlformats.org/presentationml/2006/main">
-  <p:cSld>
-    <p:spTree>
-      <p:nvGrpSpPr>
-        <p:cNvPr id="1" name="">
-          <a:extLst>
-            <a:ext uri="{FF2B5EF4-FFF2-40B4-BE49-F238E27FC236}">
-              <a16:creationId xmlns:a16="http://schemas.microsoft.com/office/drawing/2014/main" id="{38EFAA30-5B83-65C7-AC88-FEE887467793}"/>
-            </a:ext>
-          </a:extLst>
-        </p:cNvPr>
-        <p:cNvGrpSpPr/>
-        <p:nvPr/>
-      </p:nvGrpSpPr>
-      <p:grpSpPr>
-        <a:xfrm>
-          <a:off x="0" y="0"/>
-          <a:ext cx="0" cy="0"/>
-          <a:chOff x="0" y="0"/>
-          <a:chExt cx="0" cy="0"/>
-        </a:xfrm>
-      </p:grpSpPr>
-      <p:sp>
-        <p:nvSpPr>
-          <p:cNvPr id="2" name="Title 1">
-            <a:extLst>
-              <a:ext uri="{FF2B5EF4-FFF2-40B4-BE49-F238E27FC236}">
-                <a16:creationId xmlns:a16="http://schemas.microsoft.com/office/drawing/2014/main" id="{EA34CA08-7B7B-890C-1FA6-2A10358726FE}"/>
-              </a:ext>
-            </a:extLst>
-          </p:cNvPr>
-          <p:cNvSpPr>
-            <a:spLocks noGrp="1"/>
-          </p:cNvSpPr>
-          <p:nvPr>
-            <p:ph type="title"/>
-          </p:nvPr>
-        </p:nvSpPr>
-        <p:spPr>
-          <a:xfrm>
-            <a:off x="838200" y="365126"/>
-            <a:ext cx="10515600" cy="766558"/>
-          </a:xfrm>
-        </p:spPr>
-        <p:txBody>
-          <a:bodyPr>
-            <a:normAutofit/>
-          </a:bodyPr>
-          <a:lstStyle/>
-          <a:p>
-            <a:r>
-              <a:rPr lang="it-IT" sz="3200" dirty="0">
-                <a:latin typeface="+mn-lt"/>
-              </a:rPr>
-              <a:t>Valutazione Riusabilità</a:t>
-            </a:r>
-            <a:endParaRPr lang="it-IT" sz="3200" u="sng" noProof="0" dirty="0" err="1">
-              <a:latin typeface="+mn-lt"/>
-              <a:ea typeface="Calibri"/>
-              <a:cs typeface="Calibri"/>
-            </a:endParaRPr>
-          </a:p>
-        </p:txBody>
-      </p:sp>
-      <p:pic>
-        <p:nvPicPr>
-          <p:cNvPr id="3" name="Immagine 2" descr="Immagine che contiene testo, schermata, numero, Parallelo&#10;&#10;Il contenuto generato dall&amp;#39;IA potrebbe non essere corretto.">
-            <a:extLst>
-              <a:ext uri="{FF2B5EF4-FFF2-40B4-BE49-F238E27FC236}">
-                <a16:creationId xmlns:a16="http://schemas.microsoft.com/office/drawing/2014/main" id="{45DCDD2A-FA78-1CE0-D426-565C09516865}"/>
-              </a:ext>
-            </a:extLst>
-          </p:cNvPr>
-          <p:cNvPicPr>
-            <a:picLocks noChangeAspect="1"/>
-          </p:cNvPicPr>
-          <p:nvPr/>
-        </p:nvPicPr>
-        <p:blipFill>
-          <a:blip r:embed="rId2"/>
-          <a:stretch>
-            <a:fillRect/>
-          </a:stretch>
-        </p:blipFill>
-        <p:spPr>
-          <a:xfrm>
-            <a:off x="4956716" y="120805"/>
-            <a:ext cx="6850567" cy="6625683"/>
-          </a:xfrm>
-          <a:prstGeom prst="rect">
-            <a:avLst/>
-          </a:prstGeom>
-        </p:spPr>
-      </p:pic>
-    </p:spTree>
-    <p:extLst>
-      <p:ext uri="{BB962C8B-B14F-4D97-AF65-F5344CB8AC3E}">
-        <p14:creationId xmlns:p14="http://schemas.microsoft.com/office/powerpoint/2010/main" val="3757182568"/>
-      </p:ext>
-    </p:extLst>
-  </p:cSld>
-  <p:clrMapOvr>
-    <a:masterClrMapping/>
-  </p:clrMapOvr>
-</p:sld>
-</file>
-
-<file path=ppt/slides/slide27.xml><?xml version="1.0" encoding="utf-8"?>
-<p:sld xmlns:a="http://schemas.openxmlformats.org/drawingml/2006/main" xmlns:r="http://schemas.openxmlformats.org/officeDocument/2006/relationships" xmlns:p="http://schemas.openxmlformats.org/presentationml/2006/main">
-  <p:cSld>
-    <p:spTree>
-      <p:nvGrpSpPr>
-        <p:cNvPr id="1" name="">
-          <a:extLst>
-            <a:ext uri="{FF2B5EF4-FFF2-40B4-BE49-F238E27FC236}">
               <a16:creationId xmlns:a16="http://schemas.microsoft.com/office/drawing/2014/main" id="{0B5B1F48-E3AD-DD00-C929-87E4B226DE70}"/>
             </a:ext>
           </a:extLst>
@@ -9837,7 +7825,7 @@
 </p:sld>
 </file>
 
-<file path=ppt/slides/slide28.xml><?xml version="1.0" encoding="utf-8"?>
+<file path=ppt/slides/slide21.xml><?xml version="1.0" encoding="utf-8"?>
 <p:sld xmlns:a="http://schemas.openxmlformats.org/drawingml/2006/main" xmlns:r="http://schemas.openxmlformats.org/officeDocument/2006/relationships" xmlns:p="http://schemas.openxmlformats.org/presentationml/2006/main">
   <p:cSld>
     <p:spTree>
@@ -10177,7 +8165,7 @@
 </p:sld>
 </file>
 
-<file path=ppt/slides/slide29.xml><?xml version="1.0" encoding="utf-8"?>
+<file path=ppt/slides/slide22.xml><?xml version="1.0" encoding="utf-8"?>
 <p:sld xmlns:a="http://schemas.openxmlformats.org/drawingml/2006/main" xmlns:r="http://schemas.openxmlformats.org/officeDocument/2006/relationships" xmlns:p="http://schemas.openxmlformats.org/presentationml/2006/main">
   <p:cSld>
     <p:spTree>
@@ -10432,6 +8420,812 @@
     <p:extLst>
       <p:ext uri="{BB962C8B-B14F-4D97-AF65-F5344CB8AC3E}">
         <p14:creationId xmlns:p14="http://schemas.microsoft.com/office/powerpoint/2010/main" val="800466123"/>
+      </p:ext>
+    </p:extLst>
+  </p:cSld>
+  <p:clrMapOvr>
+    <a:masterClrMapping/>
+  </p:clrMapOvr>
+</p:sld>
+</file>
+
+<file path=ppt/slides/slide23.xml><?xml version="1.0" encoding="utf-8"?>
+<p:sld xmlns:a="http://schemas.openxmlformats.org/drawingml/2006/main" xmlns:r="http://schemas.openxmlformats.org/officeDocument/2006/relationships" xmlns:p="http://schemas.openxmlformats.org/presentationml/2006/main">
+  <p:cSld>
+    <p:spTree>
+      <p:nvGrpSpPr>
+        <p:cNvPr id="1" name="">
+          <a:extLst>
+            <a:ext uri="{FF2B5EF4-FFF2-40B4-BE49-F238E27FC236}">
+              <a16:creationId xmlns:a16="http://schemas.microsoft.com/office/drawing/2014/main" id="{13B12EDE-40AA-5C12-D139-6809F1FEC8BD}"/>
+            </a:ext>
+          </a:extLst>
+        </p:cNvPr>
+        <p:cNvGrpSpPr/>
+        <p:nvPr/>
+      </p:nvGrpSpPr>
+      <p:grpSpPr>
+        <a:xfrm>
+          <a:off x="0" y="0"/>
+          <a:ext cx="0" cy="0"/>
+          <a:chOff x="0" y="0"/>
+          <a:chExt cx="0" cy="0"/>
+        </a:xfrm>
+      </p:grpSpPr>
+      <p:sp>
+        <p:nvSpPr>
+          <p:cNvPr id="2" name="Title 1">
+            <a:extLst>
+              <a:ext uri="{FF2B5EF4-FFF2-40B4-BE49-F238E27FC236}">
+                <a16:creationId xmlns:a16="http://schemas.microsoft.com/office/drawing/2014/main" id="{4F5EE2C0-FD24-E8F0-C974-456CAD90F409}"/>
+              </a:ext>
+            </a:extLst>
+          </p:cNvPr>
+          <p:cNvSpPr>
+            <a:spLocks noGrp="1"/>
+          </p:cNvSpPr>
+          <p:nvPr>
+            <p:ph type="title"/>
+          </p:nvPr>
+        </p:nvSpPr>
+        <p:spPr>
+          <a:xfrm>
+            <a:off x="838200" y="365126"/>
+            <a:ext cx="10515600" cy="766558"/>
+          </a:xfrm>
+        </p:spPr>
+        <p:txBody>
+          <a:bodyPr>
+            <a:normAutofit/>
+          </a:bodyPr>
+          <a:lstStyle/>
+          <a:p>
+            <a:r>
+              <a:rPr lang="it-IT" sz="3200" dirty="0">
+                <a:latin typeface="+mn-lt"/>
+              </a:rPr>
+              <a:t>Limitazioni</a:t>
+            </a:r>
+            <a:endParaRPr lang="it-IT" sz="3200" u="sng" noProof="0" dirty="0" err="1">
+              <a:latin typeface="+mn-lt"/>
+              <a:ea typeface="Calibri"/>
+              <a:cs typeface="Calibri"/>
+            </a:endParaRPr>
+          </a:p>
+        </p:txBody>
+      </p:sp>
+      <p:sp>
+        <p:nvSpPr>
+          <p:cNvPr id="4" name="TextBox 3">
+            <a:extLst>
+              <a:ext uri="{FF2B5EF4-FFF2-40B4-BE49-F238E27FC236}">
+                <a16:creationId xmlns:a16="http://schemas.microsoft.com/office/drawing/2014/main" id="{9D3AAE23-A7D0-DF14-B184-7E0DC6327CD3}"/>
+              </a:ext>
+            </a:extLst>
+          </p:cNvPr>
+          <p:cNvSpPr txBox="1"/>
+          <p:nvPr/>
+        </p:nvSpPr>
+        <p:spPr>
+          <a:xfrm>
+            <a:off x="986828" y="1137150"/>
+            <a:ext cx="10773623" cy="1846659"/>
+          </a:xfrm>
+          <a:prstGeom prst="rect">
+            <a:avLst/>
+          </a:prstGeom>
+          <a:noFill/>
+        </p:spPr>
+        <p:txBody>
+          <a:bodyPr wrap="square" lIns="91440" tIns="45720" rIns="91440" bIns="45720" rtlCol="0" anchor="t">
+            <a:spAutoFit/>
+          </a:bodyPr>
+          <a:lstStyle/>
+          <a:p>
+            <a:pPr marL="342900" indent="-342900">
+              <a:buFont typeface="Arial"/>
+              <a:buChar char="•"/>
+            </a:pPr>
+            <a:r>
+              <a:rPr lang="it-IT" sz="2000" dirty="0">
+                <a:ea typeface="Calibri"/>
+                <a:cs typeface="Calibri"/>
+              </a:rPr>
+              <a:t>Metodo di ricerca</a:t>
+            </a:r>
+          </a:p>
+          <a:p>
+            <a:pPr marL="800100" lvl="1" indent="-342900">
+              <a:buFont typeface="Arial"/>
+              <a:buChar char="•"/>
+            </a:pPr>
+            <a:r>
+              <a:rPr lang="it-IT" dirty="0">
+                <a:ea typeface="Calibri"/>
+                <a:cs typeface="Calibri"/>
+              </a:rPr>
+              <a:t>Termini di inclusione</a:t>
+            </a:r>
+          </a:p>
+          <a:p>
+            <a:pPr marL="800100" lvl="1" indent="-342900">
+              <a:buFont typeface="Arial"/>
+              <a:buChar char="•"/>
+            </a:pPr>
+            <a:r>
+              <a:rPr lang="it-IT" dirty="0">
+                <a:ea typeface="Calibri"/>
+                <a:cs typeface="Calibri"/>
+              </a:rPr>
+              <a:t>Requisito download</a:t>
+            </a:r>
+          </a:p>
+          <a:p>
+            <a:pPr marL="800100" lvl="1" indent="-342900">
+              <a:buFont typeface="Arial"/>
+              <a:buChar char="•"/>
+            </a:pPr>
+            <a:r>
+              <a:rPr lang="it-IT" dirty="0">
+                <a:ea typeface="Calibri"/>
+                <a:cs typeface="Calibri"/>
+              </a:rPr>
+              <a:t>Singola sorgente</a:t>
+            </a:r>
+          </a:p>
+          <a:p>
+            <a:pPr marL="342900" indent="-342900">
+              <a:buFont typeface="Arial"/>
+              <a:buChar char="•"/>
+            </a:pPr>
+            <a:r>
+              <a:rPr lang="it-IT" sz="2000" dirty="0">
+                <a:ea typeface="Calibri"/>
+                <a:cs typeface="Calibri"/>
+              </a:rPr>
+              <a:t>Mancanza di dati per test empirici</a:t>
+            </a:r>
+          </a:p>
+          <a:p>
+            <a:pPr marL="342900" indent="-342900">
+              <a:buFont typeface="Arial"/>
+              <a:buChar char="•"/>
+            </a:pPr>
+            <a:r>
+              <a:rPr lang="it-IT" sz="2000" dirty="0">
+                <a:ea typeface="Calibri"/>
+                <a:cs typeface="Calibri"/>
+              </a:rPr>
+              <a:t>Dominanza di modelli IBM (46.6%)</a:t>
+            </a:r>
+          </a:p>
+        </p:txBody>
+      </p:sp>
+    </p:spTree>
+    <p:extLst>
+      <p:ext uri="{BB962C8B-B14F-4D97-AF65-F5344CB8AC3E}">
+        <p14:creationId xmlns:p14="http://schemas.microsoft.com/office/powerpoint/2010/main" val="2408469650"/>
+      </p:ext>
+    </p:extLst>
+  </p:cSld>
+  <p:clrMapOvr>
+    <a:masterClrMapping/>
+  </p:clrMapOvr>
+</p:sld>
+</file>
+
+<file path=ppt/slides/slide24.xml><?xml version="1.0" encoding="utf-8"?>
+<p:sld xmlns:a="http://schemas.openxmlformats.org/drawingml/2006/main" xmlns:r="http://schemas.openxmlformats.org/officeDocument/2006/relationships" xmlns:p="http://schemas.openxmlformats.org/presentationml/2006/main">
+  <p:cSld>
+    <p:spTree>
+      <p:nvGrpSpPr>
+        <p:cNvPr id="1" name="">
+          <a:extLst>
+            <a:ext uri="{FF2B5EF4-FFF2-40B4-BE49-F238E27FC236}">
+              <a16:creationId xmlns:a16="http://schemas.microsoft.com/office/drawing/2014/main" id="{6B877613-C027-BF08-DC6E-28E68DFD73B6}"/>
+            </a:ext>
+          </a:extLst>
+        </p:cNvPr>
+        <p:cNvGrpSpPr/>
+        <p:nvPr/>
+      </p:nvGrpSpPr>
+      <p:grpSpPr>
+        <a:xfrm>
+          <a:off x="0" y="0"/>
+          <a:ext cx="0" cy="0"/>
+          <a:chOff x="0" y="0"/>
+          <a:chExt cx="0" cy="0"/>
+        </a:xfrm>
+      </p:grpSpPr>
+      <p:sp>
+        <p:nvSpPr>
+          <p:cNvPr id="2" name="Title 1">
+            <a:extLst>
+              <a:ext uri="{FF2B5EF4-FFF2-40B4-BE49-F238E27FC236}">
+                <a16:creationId xmlns:a16="http://schemas.microsoft.com/office/drawing/2014/main" id="{6137EE9A-7BD0-BFBD-BCA4-56AC85D30145}"/>
+              </a:ext>
+            </a:extLst>
+          </p:cNvPr>
+          <p:cNvSpPr>
+            <a:spLocks noGrp="1"/>
+          </p:cNvSpPr>
+          <p:nvPr>
+            <p:ph type="title"/>
+          </p:nvPr>
+        </p:nvSpPr>
+        <p:spPr>
+          <a:xfrm>
+            <a:off x="838200" y="365126"/>
+            <a:ext cx="10515600" cy="766558"/>
+          </a:xfrm>
+        </p:spPr>
+        <p:txBody>
+          <a:bodyPr>
+            <a:normAutofit/>
+          </a:bodyPr>
+          <a:lstStyle/>
+          <a:p>
+            <a:r>
+              <a:rPr lang="it-IT" sz="3200" dirty="0">
+                <a:latin typeface="+mn-lt"/>
+              </a:rPr>
+              <a:t>Conclusioni</a:t>
+            </a:r>
+            <a:endParaRPr lang="it-IT" sz="3200" u="sng" noProof="0" dirty="0" err="1">
+              <a:latin typeface="+mn-lt"/>
+              <a:ea typeface="Calibri"/>
+              <a:cs typeface="Calibri"/>
+            </a:endParaRPr>
+          </a:p>
+        </p:txBody>
+      </p:sp>
+      <p:sp>
+        <p:nvSpPr>
+          <p:cNvPr id="4" name="TextBox 3">
+            <a:extLst>
+              <a:ext uri="{FF2B5EF4-FFF2-40B4-BE49-F238E27FC236}">
+                <a16:creationId xmlns:a16="http://schemas.microsoft.com/office/drawing/2014/main" id="{55CBDF80-F302-5887-856F-E1E99C82B6D5}"/>
+              </a:ext>
+            </a:extLst>
+          </p:cNvPr>
+          <p:cNvSpPr txBox="1"/>
+          <p:nvPr/>
+        </p:nvSpPr>
+        <p:spPr>
+          <a:xfrm>
+            <a:off x="986828" y="1137150"/>
+            <a:ext cx="10773623" cy="3539430"/>
+          </a:xfrm>
+          <a:prstGeom prst="rect">
+            <a:avLst/>
+          </a:prstGeom>
+          <a:noFill/>
+        </p:spPr>
+        <p:txBody>
+          <a:bodyPr wrap="square" lIns="91440" tIns="45720" rIns="91440" bIns="45720" rtlCol="0" anchor="t">
+            <a:spAutoFit/>
+          </a:bodyPr>
+          <a:lstStyle/>
+          <a:p>
+            <a:pPr marL="342900" indent="-342900">
+              <a:buFont typeface="Arial"/>
+              <a:buChar char="•"/>
+            </a:pPr>
+            <a:r>
+              <a:rPr lang="it-IT" sz="2000" dirty="0">
+                <a:ea typeface="Calibri"/>
+                <a:cs typeface="Calibri"/>
+              </a:rPr>
+              <a:t>Rilevanza e diversità dei modelli</a:t>
+            </a:r>
+          </a:p>
+          <a:p>
+            <a:pPr marL="800100" lvl="1" indent="-342900">
+              <a:buFont typeface="Arial"/>
+              <a:buChar char="•"/>
+            </a:pPr>
+            <a:r>
+              <a:rPr lang="it-IT" dirty="0">
+                <a:ea typeface="Calibri"/>
+                <a:cs typeface="Calibri"/>
+              </a:rPr>
+              <a:t>Solo il 15% dei modelli sono risultati rilevanti/documentati</a:t>
+            </a:r>
+          </a:p>
+          <a:p>
+            <a:pPr marL="800100" lvl="1" indent="-342900">
+              <a:buFont typeface="Arial"/>
+              <a:buChar char="•"/>
+            </a:pPr>
+            <a:r>
+              <a:rPr lang="it-IT" dirty="0">
+                <a:ea typeface="Calibri"/>
+                <a:cs typeface="Calibri"/>
+              </a:rPr>
+              <a:t>Il 46.6% di questi svolge analisi di serie temporali</a:t>
+            </a:r>
+          </a:p>
+          <a:p>
+            <a:pPr marL="342900" indent="-342900">
+              <a:buFont typeface="Arial"/>
+              <a:buChar char="•"/>
+            </a:pPr>
+            <a:r>
+              <a:rPr lang="it-IT" sz="2000" dirty="0">
+                <a:ea typeface="Calibri"/>
+                <a:cs typeface="Calibri"/>
+              </a:rPr>
+              <a:t>Licenze</a:t>
+            </a:r>
+          </a:p>
+          <a:p>
+            <a:pPr marL="800100" lvl="1" indent="-342900">
+              <a:buFont typeface="Arial"/>
+              <a:buChar char="•"/>
+            </a:pPr>
+            <a:r>
+              <a:rPr lang="it-IT" dirty="0">
+                <a:ea typeface="Calibri"/>
+                <a:cs typeface="Calibri"/>
+              </a:rPr>
+              <a:t>Maggior parte dei modelli rilasciati sotto Apache 2.0</a:t>
+            </a:r>
+          </a:p>
+          <a:p>
+            <a:pPr marL="800100" lvl="1" indent="-342900">
+              <a:buFont typeface="Arial"/>
+              <a:buChar char="•"/>
+            </a:pPr>
+            <a:r>
+              <a:rPr lang="it-IT" dirty="0">
+                <a:ea typeface="Calibri"/>
+                <a:cs typeface="Calibri"/>
+              </a:rPr>
+              <a:t>Quelli rimanenti, richiedono l’acquisto di una licenza commerciale (tranne CropSeek)</a:t>
+            </a:r>
+          </a:p>
+          <a:p>
+            <a:pPr marL="342900" indent="-342900">
+              <a:buFont typeface="Arial"/>
+              <a:buChar char="•"/>
+            </a:pPr>
+            <a:r>
+              <a:rPr lang="it-IT" sz="2000" dirty="0">
+                <a:ea typeface="Calibri"/>
+                <a:cs typeface="Calibri"/>
+              </a:rPr>
+              <a:t>Bias</a:t>
+            </a:r>
+          </a:p>
+          <a:p>
+            <a:pPr marL="800100" lvl="1" indent="-342900">
+              <a:buFont typeface="Arial"/>
+              <a:buChar char="•"/>
+            </a:pPr>
+            <a:r>
+              <a:rPr lang="it-IT" dirty="0">
+                <a:ea typeface="Calibri"/>
+                <a:cs typeface="Calibri"/>
+              </a:rPr>
+              <a:t>Scarsamente documentato</a:t>
+            </a:r>
+          </a:p>
+          <a:p>
+            <a:pPr marL="800100" lvl="1" indent="-342900">
+              <a:buFont typeface="Arial"/>
+              <a:buChar char="•"/>
+            </a:pPr>
+            <a:r>
+              <a:rPr lang="it-IT" dirty="0">
+                <a:ea typeface="Calibri"/>
+                <a:cs typeface="Calibri"/>
+              </a:rPr>
+              <a:t>Necessiterà un’attenta valutazione nella pratica</a:t>
+            </a:r>
+          </a:p>
+          <a:p>
+            <a:pPr marL="342900" indent="-342900">
+              <a:buFont typeface="Arial"/>
+              <a:buChar char="•"/>
+            </a:pPr>
+            <a:r>
+              <a:rPr lang="it-IT" sz="2000" dirty="0">
+                <a:ea typeface="Calibri"/>
+                <a:cs typeface="Calibri"/>
+              </a:rPr>
+              <a:t>IBM Granite</a:t>
+            </a:r>
+          </a:p>
+          <a:p>
+            <a:pPr marL="800100" lvl="1" indent="-342900">
+              <a:buFont typeface="Arial"/>
+              <a:buChar char="•"/>
+            </a:pPr>
+            <a:r>
+              <a:rPr lang="it-IT" dirty="0">
+                <a:ea typeface="Calibri"/>
+                <a:cs typeface="Calibri"/>
+              </a:rPr>
+              <a:t>I modelli general-purpose presentano comunque una solida opzione</a:t>
+            </a:r>
+          </a:p>
+          <a:p>
+            <a:pPr marL="800100" lvl="1" indent="-342900">
+              <a:buFont typeface="Arial"/>
+              <a:buChar char="•"/>
+            </a:pPr>
+            <a:r>
+              <a:rPr lang="it-IT" dirty="0">
+                <a:ea typeface="Calibri"/>
+                <a:cs typeface="Calibri"/>
+              </a:rPr>
+              <a:t>Modelli specializzati possono essere implementati più facilmente</a:t>
+            </a:r>
+          </a:p>
+        </p:txBody>
+      </p:sp>
+    </p:spTree>
+    <p:extLst>
+      <p:ext uri="{BB962C8B-B14F-4D97-AF65-F5344CB8AC3E}">
+        <p14:creationId xmlns:p14="http://schemas.microsoft.com/office/powerpoint/2010/main" val="951339458"/>
+      </p:ext>
+    </p:extLst>
+  </p:cSld>
+  <p:clrMapOvr>
+    <a:masterClrMapping/>
+  </p:clrMapOvr>
+</p:sld>
+</file>
+
+<file path=ppt/slides/slide25.xml><?xml version="1.0" encoding="utf-8"?>
+<p:sld xmlns:a="http://schemas.openxmlformats.org/drawingml/2006/main" xmlns:r="http://schemas.openxmlformats.org/officeDocument/2006/relationships" xmlns:p="http://schemas.openxmlformats.org/presentationml/2006/main">
+  <p:cSld>
+    <p:spTree>
+      <p:nvGrpSpPr>
+        <p:cNvPr id="1" name="">
+          <a:extLst>
+            <a:ext uri="{FF2B5EF4-FFF2-40B4-BE49-F238E27FC236}">
+              <a16:creationId xmlns:a16="http://schemas.microsoft.com/office/drawing/2014/main" id="{FF7B6C84-922C-B956-3DAD-E99F88C1632B}"/>
+            </a:ext>
+          </a:extLst>
+        </p:cNvPr>
+        <p:cNvGrpSpPr/>
+        <p:nvPr/>
+      </p:nvGrpSpPr>
+      <p:grpSpPr>
+        <a:xfrm>
+          <a:off x="0" y="0"/>
+          <a:ext cx="0" cy="0"/>
+          <a:chOff x="0" y="0"/>
+          <a:chExt cx="0" cy="0"/>
+        </a:xfrm>
+      </p:grpSpPr>
+      <p:sp>
+        <p:nvSpPr>
+          <p:cNvPr id="2" name="Title 1">
+            <a:extLst>
+              <a:ext uri="{FF2B5EF4-FFF2-40B4-BE49-F238E27FC236}">
+                <a16:creationId xmlns:a16="http://schemas.microsoft.com/office/drawing/2014/main" id="{1089A13B-3AA9-444D-F64E-D160B2B87D27}"/>
+              </a:ext>
+            </a:extLst>
+          </p:cNvPr>
+          <p:cNvSpPr>
+            <a:spLocks noGrp="1"/>
+          </p:cNvSpPr>
+          <p:nvPr>
+            <p:ph type="title"/>
+          </p:nvPr>
+        </p:nvSpPr>
+        <p:spPr>
+          <a:xfrm>
+            <a:off x="838200" y="365126"/>
+            <a:ext cx="10515600" cy="766558"/>
+          </a:xfrm>
+        </p:spPr>
+        <p:txBody>
+          <a:bodyPr>
+            <a:normAutofit/>
+          </a:bodyPr>
+          <a:lstStyle/>
+          <a:p>
+            <a:r>
+              <a:rPr lang="it-IT" sz="3200" noProof="0" dirty="0">
+                <a:latin typeface="+mn-lt"/>
+                <a:ea typeface="Calibri"/>
+                <a:cs typeface="Calibri"/>
+              </a:rPr>
+              <a:t>Sintesi</a:t>
+            </a:r>
+          </a:p>
+        </p:txBody>
+      </p:sp>
+      <p:sp>
+        <p:nvSpPr>
+          <p:cNvPr id="4" name="TextBox 3">
+            <a:extLst>
+              <a:ext uri="{FF2B5EF4-FFF2-40B4-BE49-F238E27FC236}">
+                <a16:creationId xmlns:a16="http://schemas.microsoft.com/office/drawing/2014/main" id="{1DFA91BF-EF06-C454-7F4E-647F05D6F3F7}"/>
+              </a:ext>
+            </a:extLst>
+          </p:cNvPr>
+          <p:cNvSpPr txBox="1"/>
+          <p:nvPr/>
+        </p:nvSpPr>
+        <p:spPr>
+          <a:xfrm>
+            <a:off x="986828" y="1137150"/>
+            <a:ext cx="10773623" cy="3385542"/>
+          </a:xfrm>
+          <a:prstGeom prst="rect">
+            <a:avLst/>
+          </a:prstGeom>
+          <a:noFill/>
+        </p:spPr>
+        <p:txBody>
+          <a:bodyPr wrap="square" lIns="91440" tIns="45720" rIns="91440" bIns="45720" rtlCol="0" anchor="t">
+            <a:spAutoFit/>
+          </a:bodyPr>
+          <a:lstStyle/>
+          <a:p>
+            <a:pPr marL="342900" indent="-342900">
+              <a:buFont typeface="Arial"/>
+              <a:buChar char="•"/>
+            </a:pPr>
+            <a:r>
+              <a:rPr lang="it-IT" sz="2000" dirty="0">
+                <a:ea typeface="Calibri"/>
+                <a:cs typeface="Calibri"/>
+              </a:rPr>
+              <a:t>Riuso modelli in Precision Farming</a:t>
+            </a:r>
+          </a:p>
+          <a:p>
+            <a:pPr marL="342900" indent="-342900">
+              <a:buFont typeface="Arial"/>
+              <a:buChar char="•"/>
+            </a:pPr>
+            <a:r>
+              <a:rPr lang="it-IT" sz="2000" dirty="0">
+                <a:ea typeface="Calibri"/>
+                <a:cs typeface="Calibri"/>
+              </a:rPr>
+              <a:t>Farm-Tech</a:t>
+            </a:r>
+          </a:p>
+          <a:p>
+            <a:pPr marL="342900" indent="-342900">
+              <a:buFont typeface="Arial"/>
+              <a:buChar char="•"/>
+            </a:pPr>
+            <a:r>
+              <a:rPr lang="it-IT" sz="2000" dirty="0">
+                <a:ea typeface="Calibri"/>
+                <a:cs typeface="Calibri"/>
+              </a:rPr>
+              <a:t>CRISP-DM per strutturare la ricerca</a:t>
+            </a:r>
+          </a:p>
+          <a:p>
+            <a:pPr marL="342900" indent="-342900">
+              <a:buFont typeface="Arial"/>
+              <a:buChar char="•"/>
+            </a:pPr>
+            <a:r>
+              <a:rPr lang="it-IT" sz="2000" dirty="0">
+                <a:ea typeface="Calibri"/>
+                <a:cs typeface="Calibri"/>
+              </a:rPr>
+              <a:t>Raccolta dei modelli da HuggingFace</a:t>
+            </a:r>
+          </a:p>
+          <a:p>
+            <a:pPr marL="342900" indent="-342900">
+              <a:buFont typeface="Arial"/>
+              <a:buChar char="•"/>
+            </a:pPr>
+            <a:r>
+              <a:rPr lang="it-IT" sz="2000" dirty="0">
+                <a:ea typeface="Calibri"/>
+                <a:cs typeface="Calibri"/>
+              </a:rPr>
+              <a:t>Revisione Manuale dei modelli</a:t>
+            </a:r>
+          </a:p>
+          <a:p>
+            <a:pPr marL="342900" indent="-342900">
+              <a:buFont typeface="Arial"/>
+              <a:buChar char="•"/>
+            </a:pPr>
+            <a:r>
+              <a:rPr lang="it-IT" sz="2000" dirty="0">
+                <a:ea typeface="Calibri"/>
+                <a:cs typeface="Calibri"/>
+              </a:rPr>
+              <a:t>Analisi di ogni modello</a:t>
+            </a:r>
+          </a:p>
+          <a:p>
+            <a:pPr marL="800100" lvl="1" indent="-342900">
+              <a:buFont typeface="Arial"/>
+              <a:buChar char="•"/>
+            </a:pPr>
+            <a:r>
+              <a:rPr lang="it-IT" dirty="0">
+                <a:ea typeface="Calibri"/>
+                <a:cs typeface="Calibri"/>
+              </a:rPr>
+              <a:t>Dataset</a:t>
+            </a:r>
+          </a:p>
+          <a:p>
+            <a:pPr marL="800100" lvl="1" indent="-342900">
+              <a:buFont typeface="Arial"/>
+              <a:buChar char="•"/>
+            </a:pPr>
+            <a:r>
+              <a:rPr lang="it-IT" dirty="0">
+                <a:ea typeface="Calibri"/>
+                <a:cs typeface="Calibri"/>
+              </a:rPr>
+              <a:t>Architettura</a:t>
+            </a:r>
+          </a:p>
+          <a:p>
+            <a:pPr marL="800100" lvl="1" indent="-342900">
+              <a:buFont typeface="Arial"/>
+              <a:buChar char="•"/>
+            </a:pPr>
+            <a:r>
+              <a:rPr lang="it-IT" dirty="0">
+                <a:ea typeface="Calibri"/>
+                <a:cs typeface="Calibri"/>
+              </a:rPr>
+              <a:t>Licenza</a:t>
+            </a:r>
+          </a:p>
+          <a:p>
+            <a:pPr marL="342900" indent="-342900">
+              <a:buFont typeface="Arial"/>
+              <a:buChar char="•"/>
+            </a:pPr>
+            <a:r>
+              <a:rPr lang="it-IT" sz="2000" dirty="0">
+                <a:ea typeface="Calibri"/>
+                <a:cs typeface="Calibri"/>
+              </a:rPr>
+              <a:t>Transfer Learning</a:t>
+            </a:r>
+          </a:p>
+          <a:p>
+            <a:pPr marL="342900" indent="-342900">
+              <a:buFont typeface="Arial"/>
+              <a:buChar char="•"/>
+            </a:pPr>
+            <a:r>
+              <a:rPr lang="it-IT" sz="2000" dirty="0">
+                <a:ea typeface="Calibri"/>
+                <a:cs typeface="Calibri"/>
+              </a:rPr>
+              <a:t>Metodo di valutazione</a:t>
+            </a:r>
+          </a:p>
+        </p:txBody>
+      </p:sp>
+      <p:sp>
+        <p:nvSpPr>
+          <p:cNvPr id="3" name="TextBox 2">
+            <a:extLst>
+              <a:ext uri="{FF2B5EF4-FFF2-40B4-BE49-F238E27FC236}">
+                <a16:creationId xmlns:a16="http://schemas.microsoft.com/office/drawing/2014/main" id="{05B42B90-9935-0982-5ED5-7384457D4913}"/>
+              </a:ext>
+            </a:extLst>
+          </p:cNvPr>
+          <p:cNvSpPr txBox="1"/>
+          <p:nvPr/>
+        </p:nvSpPr>
+        <p:spPr>
+          <a:xfrm>
+            <a:off x="10608397" y="6581001"/>
+            <a:ext cx="1907263" cy="276999"/>
+          </a:xfrm>
+          <a:prstGeom prst="rect">
+            <a:avLst/>
+          </a:prstGeom>
+          <a:noFill/>
+        </p:spPr>
+        <p:txBody>
+          <a:bodyPr wrap="square" rtlCol="0">
+            <a:spAutoFit/>
+          </a:bodyPr>
+          <a:lstStyle/>
+          <a:p>
+            <a:r>
+              <a:rPr lang="it-IT" sz="1200" dirty="0"/>
+              <a:t>Grazie per l’attenzione</a:t>
+            </a:r>
+          </a:p>
+        </p:txBody>
+      </p:sp>
+      <p:sp>
+        <p:nvSpPr>
+          <p:cNvPr id="5" name="TextBox 4">
+            <a:extLst>
+              <a:ext uri="{FF2B5EF4-FFF2-40B4-BE49-F238E27FC236}">
+                <a16:creationId xmlns:a16="http://schemas.microsoft.com/office/drawing/2014/main" id="{AB55BBBC-7A4B-31CD-86BD-708E078381C5}"/>
+              </a:ext>
+            </a:extLst>
+          </p:cNvPr>
+          <p:cNvSpPr txBox="1"/>
+          <p:nvPr/>
+        </p:nvSpPr>
+        <p:spPr>
+          <a:xfrm>
+            <a:off x="6818012" y="269296"/>
+            <a:ext cx="4994495" cy="1077218"/>
+          </a:xfrm>
+          <a:prstGeom prst="rect">
+            <a:avLst/>
+          </a:prstGeom>
+          <a:noFill/>
+        </p:spPr>
+        <p:txBody>
+          <a:bodyPr wrap="square" rtlCol="0">
+            <a:spAutoFit/>
+          </a:bodyPr>
+          <a:lstStyle/>
+          <a:p>
+            <a:r>
+              <a:rPr lang="it-IT" sz="1600" i="1" dirty="0"/>
+              <a:t>Questa slide di sintesi l’ha suggetita il prof di Penta per facilitare ulteriori chiarimenti alla fine della presentazione</a:t>
+            </a:r>
+          </a:p>
+          <a:p>
+            <a:r>
+              <a:rPr lang="it-IT" sz="1600" i="1" dirty="0"/>
+              <a:t>Naturalmente questo commento lo tolgo per la presentazione effettiva</a:t>
+            </a:r>
+          </a:p>
+        </p:txBody>
+      </p:sp>
+      <p:sp>
+        <p:nvSpPr>
+          <p:cNvPr id="8" name="TextBox 7">
+            <a:extLst>
+              <a:ext uri="{FF2B5EF4-FFF2-40B4-BE49-F238E27FC236}">
+                <a16:creationId xmlns:a16="http://schemas.microsoft.com/office/drawing/2014/main" id="{FDE08505-B2C3-42DD-1AAA-5ACCC9217F81}"/>
+              </a:ext>
+            </a:extLst>
+          </p:cNvPr>
+          <p:cNvSpPr txBox="1"/>
+          <p:nvPr/>
+        </p:nvSpPr>
+        <p:spPr>
+          <a:xfrm>
+            <a:off x="7305391" y="5996226"/>
+            <a:ext cx="4994495" cy="584775"/>
+          </a:xfrm>
+          <a:prstGeom prst="rect">
+            <a:avLst/>
+          </a:prstGeom>
+          <a:noFill/>
+        </p:spPr>
+        <p:txBody>
+          <a:bodyPr wrap="square" rtlCol="0">
+            <a:spAutoFit/>
+          </a:bodyPr>
+          <a:lstStyle/>
+          <a:p>
+            <a:r>
+              <a:rPr lang="it-IT" sz="1600" i="1" dirty="0"/>
+              <a:t>Questo è piccolo in basso perchè sempre il prof di Penta dice che non gli piace</a:t>
+            </a:r>
+          </a:p>
+        </p:txBody>
+      </p:sp>
+    </p:spTree>
+    <p:extLst>
+      <p:ext uri="{BB962C8B-B14F-4D97-AF65-F5344CB8AC3E}">
+        <p14:creationId xmlns:p14="http://schemas.microsoft.com/office/powerpoint/2010/main" val="1413644724"/>
       </p:ext>
     </p:extLst>
   </p:cSld>
@@ -10584,812 +9378,6 @@
     <p:extLst>
       <p:ext uri="{BB962C8B-B14F-4D97-AF65-F5344CB8AC3E}">
         <p14:creationId xmlns:p14="http://schemas.microsoft.com/office/powerpoint/2010/main" val="1211411134"/>
-      </p:ext>
-    </p:extLst>
-  </p:cSld>
-  <p:clrMapOvr>
-    <a:masterClrMapping/>
-  </p:clrMapOvr>
-</p:sld>
-</file>
-
-<file path=ppt/slides/slide30.xml><?xml version="1.0" encoding="utf-8"?>
-<p:sld xmlns:a="http://schemas.openxmlformats.org/drawingml/2006/main" xmlns:r="http://schemas.openxmlformats.org/officeDocument/2006/relationships" xmlns:p="http://schemas.openxmlformats.org/presentationml/2006/main">
-  <p:cSld>
-    <p:spTree>
-      <p:nvGrpSpPr>
-        <p:cNvPr id="1" name="">
-          <a:extLst>
-            <a:ext uri="{FF2B5EF4-FFF2-40B4-BE49-F238E27FC236}">
-              <a16:creationId xmlns:a16="http://schemas.microsoft.com/office/drawing/2014/main" id="{13B12EDE-40AA-5C12-D139-6809F1FEC8BD}"/>
-            </a:ext>
-          </a:extLst>
-        </p:cNvPr>
-        <p:cNvGrpSpPr/>
-        <p:nvPr/>
-      </p:nvGrpSpPr>
-      <p:grpSpPr>
-        <a:xfrm>
-          <a:off x="0" y="0"/>
-          <a:ext cx="0" cy="0"/>
-          <a:chOff x="0" y="0"/>
-          <a:chExt cx="0" cy="0"/>
-        </a:xfrm>
-      </p:grpSpPr>
-      <p:sp>
-        <p:nvSpPr>
-          <p:cNvPr id="2" name="Title 1">
-            <a:extLst>
-              <a:ext uri="{FF2B5EF4-FFF2-40B4-BE49-F238E27FC236}">
-                <a16:creationId xmlns:a16="http://schemas.microsoft.com/office/drawing/2014/main" id="{4F5EE2C0-FD24-E8F0-C974-456CAD90F409}"/>
-              </a:ext>
-            </a:extLst>
-          </p:cNvPr>
-          <p:cNvSpPr>
-            <a:spLocks noGrp="1"/>
-          </p:cNvSpPr>
-          <p:nvPr>
-            <p:ph type="title"/>
-          </p:nvPr>
-        </p:nvSpPr>
-        <p:spPr>
-          <a:xfrm>
-            <a:off x="838200" y="365126"/>
-            <a:ext cx="10515600" cy="766558"/>
-          </a:xfrm>
-        </p:spPr>
-        <p:txBody>
-          <a:bodyPr>
-            <a:normAutofit/>
-          </a:bodyPr>
-          <a:lstStyle/>
-          <a:p>
-            <a:r>
-              <a:rPr lang="it-IT" sz="3200" dirty="0">
-                <a:latin typeface="+mn-lt"/>
-              </a:rPr>
-              <a:t>Limitazioni</a:t>
-            </a:r>
-            <a:endParaRPr lang="it-IT" sz="3200" u="sng" noProof="0" dirty="0" err="1">
-              <a:latin typeface="+mn-lt"/>
-              <a:ea typeface="Calibri"/>
-              <a:cs typeface="Calibri"/>
-            </a:endParaRPr>
-          </a:p>
-        </p:txBody>
-      </p:sp>
-      <p:sp>
-        <p:nvSpPr>
-          <p:cNvPr id="4" name="TextBox 3">
-            <a:extLst>
-              <a:ext uri="{FF2B5EF4-FFF2-40B4-BE49-F238E27FC236}">
-                <a16:creationId xmlns:a16="http://schemas.microsoft.com/office/drawing/2014/main" id="{9D3AAE23-A7D0-DF14-B184-7E0DC6327CD3}"/>
-              </a:ext>
-            </a:extLst>
-          </p:cNvPr>
-          <p:cNvSpPr txBox="1"/>
-          <p:nvPr/>
-        </p:nvSpPr>
-        <p:spPr>
-          <a:xfrm>
-            <a:off x="986828" y="1137150"/>
-            <a:ext cx="10773623" cy="1846659"/>
-          </a:xfrm>
-          <a:prstGeom prst="rect">
-            <a:avLst/>
-          </a:prstGeom>
-          <a:noFill/>
-        </p:spPr>
-        <p:txBody>
-          <a:bodyPr wrap="square" lIns="91440" tIns="45720" rIns="91440" bIns="45720" rtlCol="0" anchor="t">
-            <a:spAutoFit/>
-          </a:bodyPr>
-          <a:lstStyle/>
-          <a:p>
-            <a:pPr marL="342900" indent="-342900">
-              <a:buFont typeface="Arial"/>
-              <a:buChar char="•"/>
-            </a:pPr>
-            <a:r>
-              <a:rPr lang="it-IT" sz="2000" dirty="0">
-                <a:ea typeface="Calibri"/>
-                <a:cs typeface="Calibri"/>
-              </a:rPr>
-              <a:t>Metodo di ricerca</a:t>
-            </a:r>
-          </a:p>
-          <a:p>
-            <a:pPr marL="800100" lvl="1" indent="-342900">
-              <a:buFont typeface="Arial"/>
-              <a:buChar char="•"/>
-            </a:pPr>
-            <a:r>
-              <a:rPr lang="it-IT" dirty="0">
-                <a:ea typeface="Calibri"/>
-                <a:cs typeface="Calibri"/>
-              </a:rPr>
-              <a:t>Termini di inclusione</a:t>
-            </a:r>
-          </a:p>
-          <a:p>
-            <a:pPr marL="800100" lvl="1" indent="-342900">
-              <a:buFont typeface="Arial"/>
-              <a:buChar char="•"/>
-            </a:pPr>
-            <a:r>
-              <a:rPr lang="it-IT" dirty="0">
-                <a:ea typeface="Calibri"/>
-                <a:cs typeface="Calibri"/>
-              </a:rPr>
-              <a:t>Requisito download</a:t>
-            </a:r>
-          </a:p>
-          <a:p>
-            <a:pPr marL="800100" lvl="1" indent="-342900">
-              <a:buFont typeface="Arial"/>
-              <a:buChar char="•"/>
-            </a:pPr>
-            <a:r>
-              <a:rPr lang="it-IT" dirty="0">
-                <a:ea typeface="Calibri"/>
-                <a:cs typeface="Calibri"/>
-              </a:rPr>
-              <a:t>Singola sorgente</a:t>
-            </a:r>
-          </a:p>
-          <a:p>
-            <a:pPr marL="342900" indent="-342900">
-              <a:buFont typeface="Arial"/>
-              <a:buChar char="•"/>
-            </a:pPr>
-            <a:r>
-              <a:rPr lang="it-IT" sz="2000" dirty="0">
-                <a:ea typeface="Calibri"/>
-                <a:cs typeface="Calibri"/>
-              </a:rPr>
-              <a:t>Mancanza di dati per test empirici</a:t>
-            </a:r>
-          </a:p>
-          <a:p>
-            <a:pPr marL="342900" indent="-342900">
-              <a:buFont typeface="Arial"/>
-              <a:buChar char="•"/>
-            </a:pPr>
-            <a:r>
-              <a:rPr lang="it-IT" sz="2000" dirty="0">
-                <a:ea typeface="Calibri"/>
-                <a:cs typeface="Calibri"/>
-              </a:rPr>
-              <a:t>Dominanza di modelli IBM (46.6%)</a:t>
-            </a:r>
-          </a:p>
-        </p:txBody>
-      </p:sp>
-    </p:spTree>
-    <p:extLst>
-      <p:ext uri="{BB962C8B-B14F-4D97-AF65-F5344CB8AC3E}">
-        <p14:creationId xmlns:p14="http://schemas.microsoft.com/office/powerpoint/2010/main" val="2408469650"/>
-      </p:ext>
-    </p:extLst>
-  </p:cSld>
-  <p:clrMapOvr>
-    <a:masterClrMapping/>
-  </p:clrMapOvr>
-</p:sld>
-</file>
-
-<file path=ppt/slides/slide31.xml><?xml version="1.0" encoding="utf-8"?>
-<p:sld xmlns:a="http://schemas.openxmlformats.org/drawingml/2006/main" xmlns:r="http://schemas.openxmlformats.org/officeDocument/2006/relationships" xmlns:p="http://schemas.openxmlformats.org/presentationml/2006/main">
-  <p:cSld>
-    <p:spTree>
-      <p:nvGrpSpPr>
-        <p:cNvPr id="1" name="">
-          <a:extLst>
-            <a:ext uri="{FF2B5EF4-FFF2-40B4-BE49-F238E27FC236}">
-              <a16:creationId xmlns:a16="http://schemas.microsoft.com/office/drawing/2014/main" id="{6B877613-C027-BF08-DC6E-28E68DFD73B6}"/>
-            </a:ext>
-          </a:extLst>
-        </p:cNvPr>
-        <p:cNvGrpSpPr/>
-        <p:nvPr/>
-      </p:nvGrpSpPr>
-      <p:grpSpPr>
-        <a:xfrm>
-          <a:off x="0" y="0"/>
-          <a:ext cx="0" cy="0"/>
-          <a:chOff x="0" y="0"/>
-          <a:chExt cx="0" cy="0"/>
-        </a:xfrm>
-      </p:grpSpPr>
-      <p:sp>
-        <p:nvSpPr>
-          <p:cNvPr id="2" name="Title 1">
-            <a:extLst>
-              <a:ext uri="{FF2B5EF4-FFF2-40B4-BE49-F238E27FC236}">
-                <a16:creationId xmlns:a16="http://schemas.microsoft.com/office/drawing/2014/main" id="{6137EE9A-7BD0-BFBD-BCA4-56AC85D30145}"/>
-              </a:ext>
-            </a:extLst>
-          </p:cNvPr>
-          <p:cNvSpPr>
-            <a:spLocks noGrp="1"/>
-          </p:cNvSpPr>
-          <p:nvPr>
-            <p:ph type="title"/>
-          </p:nvPr>
-        </p:nvSpPr>
-        <p:spPr>
-          <a:xfrm>
-            <a:off x="838200" y="365126"/>
-            <a:ext cx="10515600" cy="766558"/>
-          </a:xfrm>
-        </p:spPr>
-        <p:txBody>
-          <a:bodyPr>
-            <a:normAutofit/>
-          </a:bodyPr>
-          <a:lstStyle/>
-          <a:p>
-            <a:r>
-              <a:rPr lang="it-IT" sz="3200" dirty="0">
-                <a:latin typeface="+mn-lt"/>
-              </a:rPr>
-              <a:t>Conclusioni</a:t>
-            </a:r>
-            <a:endParaRPr lang="it-IT" sz="3200" u="sng" noProof="0" dirty="0" err="1">
-              <a:latin typeface="+mn-lt"/>
-              <a:ea typeface="Calibri"/>
-              <a:cs typeface="Calibri"/>
-            </a:endParaRPr>
-          </a:p>
-        </p:txBody>
-      </p:sp>
-      <p:sp>
-        <p:nvSpPr>
-          <p:cNvPr id="4" name="TextBox 3">
-            <a:extLst>
-              <a:ext uri="{FF2B5EF4-FFF2-40B4-BE49-F238E27FC236}">
-                <a16:creationId xmlns:a16="http://schemas.microsoft.com/office/drawing/2014/main" id="{55CBDF80-F302-5887-856F-E1E99C82B6D5}"/>
-              </a:ext>
-            </a:extLst>
-          </p:cNvPr>
-          <p:cNvSpPr txBox="1"/>
-          <p:nvPr/>
-        </p:nvSpPr>
-        <p:spPr>
-          <a:xfrm>
-            <a:off x="986828" y="1137150"/>
-            <a:ext cx="10773623" cy="3539430"/>
-          </a:xfrm>
-          <a:prstGeom prst="rect">
-            <a:avLst/>
-          </a:prstGeom>
-          <a:noFill/>
-        </p:spPr>
-        <p:txBody>
-          <a:bodyPr wrap="square" lIns="91440" tIns="45720" rIns="91440" bIns="45720" rtlCol="0" anchor="t">
-            <a:spAutoFit/>
-          </a:bodyPr>
-          <a:lstStyle/>
-          <a:p>
-            <a:pPr marL="342900" indent="-342900">
-              <a:buFont typeface="Arial"/>
-              <a:buChar char="•"/>
-            </a:pPr>
-            <a:r>
-              <a:rPr lang="it-IT" sz="2000" dirty="0">
-                <a:ea typeface="Calibri"/>
-                <a:cs typeface="Calibri"/>
-              </a:rPr>
-              <a:t>Rilevanza e diversità dei modelli</a:t>
-            </a:r>
-          </a:p>
-          <a:p>
-            <a:pPr marL="800100" lvl="1" indent="-342900">
-              <a:buFont typeface="Arial"/>
-              <a:buChar char="•"/>
-            </a:pPr>
-            <a:r>
-              <a:rPr lang="it-IT" dirty="0">
-                <a:ea typeface="Calibri"/>
-                <a:cs typeface="Calibri"/>
-              </a:rPr>
-              <a:t>Solo il 15% dei modelli sono risultati rilevanti/documentati</a:t>
-            </a:r>
-          </a:p>
-          <a:p>
-            <a:pPr marL="800100" lvl="1" indent="-342900">
-              <a:buFont typeface="Arial"/>
-              <a:buChar char="•"/>
-            </a:pPr>
-            <a:r>
-              <a:rPr lang="it-IT" dirty="0">
-                <a:ea typeface="Calibri"/>
-                <a:cs typeface="Calibri"/>
-              </a:rPr>
-              <a:t>Il 46.6% di questi svolge analisi di serie temporali</a:t>
-            </a:r>
-          </a:p>
-          <a:p>
-            <a:pPr marL="342900" indent="-342900">
-              <a:buFont typeface="Arial"/>
-              <a:buChar char="•"/>
-            </a:pPr>
-            <a:r>
-              <a:rPr lang="it-IT" sz="2000" dirty="0">
-                <a:ea typeface="Calibri"/>
-                <a:cs typeface="Calibri"/>
-              </a:rPr>
-              <a:t>Licenze</a:t>
-            </a:r>
-          </a:p>
-          <a:p>
-            <a:pPr marL="800100" lvl="1" indent="-342900">
-              <a:buFont typeface="Arial"/>
-              <a:buChar char="•"/>
-            </a:pPr>
-            <a:r>
-              <a:rPr lang="it-IT" dirty="0">
-                <a:ea typeface="Calibri"/>
-                <a:cs typeface="Calibri"/>
-              </a:rPr>
-              <a:t>Maggior parte dei modelli rilasciati sotto Apache 2.0</a:t>
-            </a:r>
-          </a:p>
-          <a:p>
-            <a:pPr marL="800100" lvl="1" indent="-342900">
-              <a:buFont typeface="Arial"/>
-              <a:buChar char="•"/>
-            </a:pPr>
-            <a:r>
-              <a:rPr lang="it-IT" dirty="0">
-                <a:ea typeface="Calibri"/>
-                <a:cs typeface="Calibri"/>
-              </a:rPr>
-              <a:t>Quelli rimanenti, richiedono l’acquisto di una licenza commerciale (tranne CropSeek)</a:t>
-            </a:r>
-          </a:p>
-          <a:p>
-            <a:pPr marL="342900" indent="-342900">
-              <a:buFont typeface="Arial"/>
-              <a:buChar char="•"/>
-            </a:pPr>
-            <a:r>
-              <a:rPr lang="it-IT" sz="2000" dirty="0">
-                <a:ea typeface="Calibri"/>
-                <a:cs typeface="Calibri"/>
-              </a:rPr>
-              <a:t>Bias</a:t>
-            </a:r>
-          </a:p>
-          <a:p>
-            <a:pPr marL="800100" lvl="1" indent="-342900">
-              <a:buFont typeface="Arial"/>
-              <a:buChar char="•"/>
-            </a:pPr>
-            <a:r>
-              <a:rPr lang="it-IT" dirty="0">
-                <a:ea typeface="Calibri"/>
-                <a:cs typeface="Calibri"/>
-              </a:rPr>
-              <a:t>Scarsamente documentato</a:t>
-            </a:r>
-          </a:p>
-          <a:p>
-            <a:pPr marL="800100" lvl="1" indent="-342900">
-              <a:buFont typeface="Arial"/>
-              <a:buChar char="•"/>
-            </a:pPr>
-            <a:r>
-              <a:rPr lang="it-IT" dirty="0">
-                <a:ea typeface="Calibri"/>
-                <a:cs typeface="Calibri"/>
-              </a:rPr>
-              <a:t>Necessiterà un’attenta valutazione nella pratica</a:t>
-            </a:r>
-          </a:p>
-          <a:p>
-            <a:pPr marL="342900" indent="-342900">
-              <a:buFont typeface="Arial"/>
-              <a:buChar char="•"/>
-            </a:pPr>
-            <a:r>
-              <a:rPr lang="it-IT" sz="2000" dirty="0">
-                <a:ea typeface="Calibri"/>
-                <a:cs typeface="Calibri"/>
-              </a:rPr>
-              <a:t>IBM Granite</a:t>
-            </a:r>
-          </a:p>
-          <a:p>
-            <a:pPr marL="800100" lvl="1" indent="-342900">
-              <a:buFont typeface="Arial"/>
-              <a:buChar char="•"/>
-            </a:pPr>
-            <a:r>
-              <a:rPr lang="it-IT" dirty="0">
-                <a:ea typeface="Calibri"/>
-                <a:cs typeface="Calibri"/>
-              </a:rPr>
-              <a:t>I modelli general-purpose presentano comunque una solida opzione</a:t>
-            </a:r>
-          </a:p>
-          <a:p>
-            <a:pPr marL="800100" lvl="1" indent="-342900">
-              <a:buFont typeface="Arial"/>
-              <a:buChar char="•"/>
-            </a:pPr>
-            <a:r>
-              <a:rPr lang="it-IT" dirty="0">
-                <a:ea typeface="Calibri"/>
-                <a:cs typeface="Calibri"/>
-              </a:rPr>
-              <a:t>Modelli specializzati possono essere implementati più facilmente</a:t>
-            </a:r>
-          </a:p>
-        </p:txBody>
-      </p:sp>
-    </p:spTree>
-    <p:extLst>
-      <p:ext uri="{BB962C8B-B14F-4D97-AF65-F5344CB8AC3E}">
-        <p14:creationId xmlns:p14="http://schemas.microsoft.com/office/powerpoint/2010/main" val="951339458"/>
-      </p:ext>
-    </p:extLst>
-  </p:cSld>
-  <p:clrMapOvr>
-    <a:masterClrMapping/>
-  </p:clrMapOvr>
-</p:sld>
-</file>
-
-<file path=ppt/slides/slide32.xml><?xml version="1.0" encoding="utf-8"?>
-<p:sld xmlns:a="http://schemas.openxmlformats.org/drawingml/2006/main" xmlns:r="http://schemas.openxmlformats.org/officeDocument/2006/relationships" xmlns:p="http://schemas.openxmlformats.org/presentationml/2006/main">
-  <p:cSld>
-    <p:spTree>
-      <p:nvGrpSpPr>
-        <p:cNvPr id="1" name="">
-          <a:extLst>
-            <a:ext uri="{FF2B5EF4-FFF2-40B4-BE49-F238E27FC236}">
-              <a16:creationId xmlns:a16="http://schemas.microsoft.com/office/drawing/2014/main" id="{FF7B6C84-922C-B956-3DAD-E99F88C1632B}"/>
-            </a:ext>
-          </a:extLst>
-        </p:cNvPr>
-        <p:cNvGrpSpPr/>
-        <p:nvPr/>
-      </p:nvGrpSpPr>
-      <p:grpSpPr>
-        <a:xfrm>
-          <a:off x="0" y="0"/>
-          <a:ext cx="0" cy="0"/>
-          <a:chOff x="0" y="0"/>
-          <a:chExt cx="0" cy="0"/>
-        </a:xfrm>
-      </p:grpSpPr>
-      <p:sp>
-        <p:nvSpPr>
-          <p:cNvPr id="2" name="Title 1">
-            <a:extLst>
-              <a:ext uri="{FF2B5EF4-FFF2-40B4-BE49-F238E27FC236}">
-                <a16:creationId xmlns:a16="http://schemas.microsoft.com/office/drawing/2014/main" id="{1089A13B-3AA9-444D-F64E-D160B2B87D27}"/>
-              </a:ext>
-            </a:extLst>
-          </p:cNvPr>
-          <p:cNvSpPr>
-            <a:spLocks noGrp="1"/>
-          </p:cNvSpPr>
-          <p:nvPr>
-            <p:ph type="title"/>
-          </p:nvPr>
-        </p:nvSpPr>
-        <p:spPr>
-          <a:xfrm>
-            <a:off x="838200" y="365126"/>
-            <a:ext cx="10515600" cy="766558"/>
-          </a:xfrm>
-        </p:spPr>
-        <p:txBody>
-          <a:bodyPr>
-            <a:normAutofit/>
-          </a:bodyPr>
-          <a:lstStyle/>
-          <a:p>
-            <a:r>
-              <a:rPr lang="it-IT" sz="3200" noProof="0" dirty="0">
-                <a:latin typeface="+mn-lt"/>
-                <a:ea typeface="Calibri"/>
-                <a:cs typeface="Calibri"/>
-              </a:rPr>
-              <a:t>Sintesi</a:t>
-            </a:r>
-          </a:p>
-        </p:txBody>
-      </p:sp>
-      <p:sp>
-        <p:nvSpPr>
-          <p:cNvPr id="4" name="TextBox 3">
-            <a:extLst>
-              <a:ext uri="{FF2B5EF4-FFF2-40B4-BE49-F238E27FC236}">
-                <a16:creationId xmlns:a16="http://schemas.microsoft.com/office/drawing/2014/main" id="{1DFA91BF-EF06-C454-7F4E-647F05D6F3F7}"/>
-              </a:ext>
-            </a:extLst>
-          </p:cNvPr>
-          <p:cNvSpPr txBox="1"/>
-          <p:nvPr/>
-        </p:nvSpPr>
-        <p:spPr>
-          <a:xfrm>
-            <a:off x="986828" y="1137150"/>
-            <a:ext cx="10773623" cy="3385542"/>
-          </a:xfrm>
-          <a:prstGeom prst="rect">
-            <a:avLst/>
-          </a:prstGeom>
-          <a:noFill/>
-        </p:spPr>
-        <p:txBody>
-          <a:bodyPr wrap="square" lIns="91440" tIns="45720" rIns="91440" bIns="45720" rtlCol="0" anchor="t">
-            <a:spAutoFit/>
-          </a:bodyPr>
-          <a:lstStyle/>
-          <a:p>
-            <a:pPr marL="342900" indent="-342900">
-              <a:buFont typeface="Arial"/>
-              <a:buChar char="•"/>
-            </a:pPr>
-            <a:r>
-              <a:rPr lang="it-IT" sz="2000" dirty="0">
-                <a:ea typeface="Calibri"/>
-                <a:cs typeface="Calibri"/>
-              </a:rPr>
-              <a:t>Riuso modelli in Precision Farming</a:t>
-            </a:r>
-          </a:p>
-          <a:p>
-            <a:pPr marL="342900" indent="-342900">
-              <a:buFont typeface="Arial"/>
-              <a:buChar char="•"/>
-            </a:pPr>
-            <a:r>
-              <a:rPr lang="it-IT" sz="2000" dirty="0">
-                <a:ea typeface="Calibri"/>
-                <a:cs typeface="Calibri"/>
-              </a:rPr>
-              <a:t>Farm-Tech</a:t>
-            </a:r>
-          </a:p>
-          <a:p>
-            <a:pPr marL="342900" indent="-342900">
-              <a:buFont typeface="Arial"/>
-              <a:buChar char="•"/>
-            </a:pPr>
-            <a:r>
-              <a:rPr lang="it-IT" sz="2000" dirty="0">
-                <a:ea typeface="Calibri"/>
-                <a:cs typeface="Calibri"/>
-              </a:rPr>
-              <a:t>CRISP-DM per strutturare la ricerca</a:t>
-            </a:r>
-          </a:p>
-          <a:p>
-            <a:pPr marL="342900" indent="-342900">
-              <a:buFont typeface="Arial"/>
-              <a:buChar char="•"/>
-            </a:pPr>
-            <a:r>
-              <a:rPr lang="it-IT" sz="2000" dirty="0">
-                <a:ea typeface="Calibri"/>
-                <a:cs typeface="Calibri"/>
-              </a:rPr>
-              <a:t>Raccolta dei modelli da HuggingFace</a:t>
-            </a:r>
-          </a:p>
-          <a:p>
-            <a:pPr marL="342900" indent="-342900">
-              <a:buFont typeface="Arial"/>
-              <a:buChar char="•"/>
-            </a:pPr>
-            <a:r>
-              <a:rPr lang="it-IT" sz="2000" dirty="0">
-                <a:ea typeface="Calibri"/>
-                <a:cs typeface="Calibri"/>
-              </a:rPr>
-              <a:t>Revisione Manuale dei modelli</a:t>
-            </a:r>
-          </a:p>
-          <a:p>
-            <a:pPr marL="342900" indent="-342900">
-              <a:buFont typeface="Arial"/>
-              <a:buChar char="•"/>
-            </a:pPr>
-            <a:r>
-              <a:rPr lang="it-IT" sz="2000" dirty="0">
-                <a:ea typeface="Calibri"/>
-                <a:cs typeface="Calibri"/>
-              </a:rPr>
-              <a:t>Analisi di ogni modello</a:t>
-            </a:r>
-          </a:p>
-          <a:p>
-            <a:pPr marL="800100" lvl="1" indent="-342900">
-              <a:buFont typeface="Arial"/>
-              <a:buChar char="•"/>
-            </a:pPr>
-            <a:r>
-              <a:rPr lang="it-IT" dirty="0">
-                <a:ea typeface="Calibri"/>
-                <a:cs typeface="Calibri"/>
-              </a:rPr>
-              <a:t>Dataset</a:t>
-            </a:r>
-          </a:p>
-          <a:p>
-            <a:pPr marL="800100" lvl="1" indent="-342900">
-              <a:buFont typeface="Arial"/>
-              <a:buChar char="•"/>
-            </a:pPr>
-            <a:r>
-              <a:rPr lang="it-IT" dirty="0">
-                <a:ea typeface="Calibri"/>
-                <a:cs typeface="Calibri"/>
-              </a:rPr>
-              <a:t>Architettura</a:t>
-            </a:r>
-          </a:p>
-          <a:p>
-            <a:pPr marL="800100" lvl="1" indent="-342900">
-              <a:buFont typeface="Arial"/>
-              <a:buChar char="•"/>
-            </a:pPr>
-            <a:r>
-              <a:rPr lang="it-IT" dirty="0">
-                <a:ea typeface="Calibri"/>
-                <a:cs typeface="Calibri"/>
-              </a:rPr>
-              <a:t>Licenza</a:t>
-            </a:r>
-          </a:p>
-          <a:p>
-            <a:pPr marL="342900" indent="-342900">
-              <a:buFont typeface="Arial"/>
-              <a:buChar char="•"/>
-            </a:pPr>
-            <a:r>
-              <a:rPr lang="it-IT" sz="2000" dirty="0">
-                <a:ea typeface="Calibri"/>
-                <a:cs typeface="Calibri"/>
-              </a:rPr>
-              <a:t>Transfer Learning</a:t>
-            </a:r>
-          </a:p>
-          <a:p>
-            <a:pPr marL="342900" indent="-342900">
-              <a:buFont typeface="Arial"/>
-              <a:buChar char="•"/>
-            </a:pPr>
-            <a:r>
-              <a:rPr lang="it-IT" sz="2000" dirty="0">
-                <a:ea typeface="Calibri"/>
-                <a:cs typeface="Calibri"/>
-              </a:rPr>
-              <a:t>Metodo di valutazione</a:t>
-            </a:r>
-          </a:p>
-        </p:txBody>
-      </p:sp>
-      <p:sp>
-        <p:nvSpPr>
-          <p:cNvPr id="3" name="TextBox 2">
-            <a:extLst>
-              <a:ext uri="{FF2B5EF4-FFF2-40B4-BE49-F238E27FC236}">
-                <a16:creationId xmlns:a16="http://schemas.microsoft.com/office/drawing/2014/main" id="{05B42B90-9935-0982-5ED5-7384457D4913}"/>
-              </a:ext>
-            </a:extLst>
-          </p:cNvPr>
-          <p:cNvSpPr txBox="1"/>
-          <p:nvPr/>
-        </p:nvSpPr>
-        <p:spPr>
-          <a:xfrm>
-            <a:off x="10608397" y="6581001"/>
-            <a:ext cx="1907263" cy="276999"/>
-          </a:xfrm>
-          <a:prstGeom prst="rect">
-            <a:avLst/>
-          </a:prstGeom>
-          <a:noFill/>
-        </p:spPr>
-        <p:txBody>
-          <a:bodyPr wrap="square" rtlCol="0">
-            <a:spAutoFit/>
-          </a:bodyPr>
-          <a:lstStyle/>
-          <a:p>
-            <a:r>
-              <a:rPr lang="it-IT" sz="1200" dirty="0"/>
-              <a:t>Grazie per l’attenzione</a:t>
-            </a:r>
-          </a:p>
-        </p:txBody>
-      </p:sp>
-      <p:sp>
-        <p:nvSpPr>
-          <p:cNvPr id="5" name="TextBox 4">
-            <a:extLst>
-              <a:ext uri="{FF2B5EF4-FFF2-40B4-BE49-F238E27FC236}">
-                <a16:creationId xmlns:a16="http://schemas.microsoft.com/office/drawing/2014/main" id="{AB55BBBC-7A4B-31CD-86BD-708E078381C5}"/>
-              </a:ext>
-            </a:extLst>
-          </p:cNvPr>
-          <p:cNvSpPr txBox="1"/>
-          <p:nvPr/>
-        </p:nvSpPr>
-        <p:spPr>
-          <a:xfrm>
-            <a:off x="6818012" y="269296"/>
-            <a:ext cx="4994495" cy="1077218"/>
-          </a:xfrm>
-          <a:prstGeom prst="rect">
-            <a:avLst/>
-          </a:prstGeom>
-          <a:noFill/>
-        </p:spPr>
-        <p:txBody>
-          <a:bodyPr wrap="square" rtlCol="0">
-            <a:spAutoFit/>
-          </a:bodyPr>
-          <a:lstStyle/>
-          <a:p>
-            <a:r>
-              <a:rPr lang="it-IT" sz="1600" i="1" dirty="0"/>
-              <a:t>Questa slide di sintesi l’ha suggetita il prof di Penta per facilitare ulteriori chiarimenti alla fine della presentazione</a:t>
-            </a:r>
-          </a:p>
-          <a:p>
-            <a:r>
-              <a:rPr lang="it-IT" sz="1600" i="1" dirty="0"/>
-              <a:t>Naturalmente questo commento lo tolgo per la presentazione effettiva</a:t>
-            </a:r>
-          </a:p>
-        </p:txBody>
-      </p:sp>
-      <p:sp>
-        <p:nvSpPr>
-          <p:cNvPr id="8" name="TextBox 7">
-            <a:extLst>
-              <a:ext uri="{FF2B5EF4-FFF2-40B4-BE49-F238E27FC236}">
-                <a16:creationId xmlns:a16="http://schemas.microsoft.com/office/drawing/2014/main" id="{FDE08505-B2C3-42DD-1AAA-5ACCC9217F81}"/>
-              </a:ext>
-            </a:extLst>
-          </p:cNvPr>
-          <p:cNvSpPr txBox="1"/>
-          <p:nvPr/>
-        </p:nvSpPr>
-        <p:spPr>
-          <a:xfrm>
-            <a:off x="7305391" y="5996226"/>
-            <a:ext cx="4994495" cy="584775"/>
-          </a:xfrm>
-          <a:prstGeom prst="rect">
-            <a:avLst/>
-          </a:prstGeom>
-          <a:noFill/>
-        </p:spPr>
-        <p:txBody>
-          <a:bodyPr wrap="square" rtlCol="0">
-            <a:spAutoFit/>
-          </a:bodyPr>
-          <a:lstStyle/>
-          <a:p>
-            <a:r>
-              <a:rPr lang="it-IT" sz="1600" i="1" dirty="0"/>
-              <a:t>Questo è piccolo in basso perchè sempre il prof di Penta dice che non gli piace</a:t>
-            </a:r>
-          </a:p>
-        </p:txBody>
-      </p:sp>
-    </p:spTree>
-    <p:extLst>
-      <p:ext uri="{BB962C8B-B14F-4D97-AF65-F5344CB8AC3E}">
-        <p14:creationId xmlns:p14="http://schemas.microsoft.com/office/powerpoint/2010/main" val="1413644724"/>
       </p:ext>
     </p:extLst>
   </p:cSld>

--- a/presentazione.pptx
+++ b/presentazione.pptx
@@ -4,6 +4,9 @@
   <p:sldMasterIdLst>
     <p:sldMasterId id="2147483648" r:id="rId1"/>
   </p:sldMasterIdLst>
+  <p:notesMasterIdLst>
+    <p:notesMasterId r:id="rId27"/>
+  </p:notesMasterIdLst>
   <p:sldIdLst>
     <p:sldId id="256" r:id="rId2"/>
     <p:sldId id="257" r:id="rId3"/>
@@ -1068,6 +1071,440 @@
 </cs:chartStyle>
 </file>
 
+<file path=ppt/notesMasters/notesMaster1.xml><?xml version="1.0" encoding="utf-8"?>
+<p:notesMaster xmlns:a="http://schemas.openxmlformats.org/drawingml/2006/main" xmlns:r="http://schemas.openxmlformats.org/officeDocument/2006/relationships" xmlns:p="http://schemas.openxmlformats.org/presentationml/2006/main">
+  <p:cSld>
+    <p:bg>
+      <p:bgRef idx="1001">
+        <a:schemeClr val="bg1"/>
+      </p:bgRef>
+    </p:bg>
+    <p:spTree>
+      <p:nvGrpSpPr>
+        <p:cNvPr id="1" name=""/>
+        <p:cNvGrpSpPr/>
+        <p:nvPr/>
+      </p:nvGrpSpPr>
+      <p:grpSpPr>
+        <a:xfrm>
+          <a:off x="0" y="0"/>
+          <a:ext cx="0" cy="0"/>
+          <a:chOff x="0" y="0"/>
+          <a:chExt cx="0" cy="0"/>
+        </a:xfrm>
+      </p:grpSpPr>
+      <p:sp>
+        <p:nvSpPr>
+          <p:cNvPr id="2" name="Header Placeholder 1"/>
+          <p:cNvSpPr>
+            <a:spLocks noGrp="1"/>
+          </p:cNvSpPr>
+          <p:nvPr>
+            <p:ph type="hdr" sz="quarter"/>
+          </p:nvPr>
+        </p:nvSpPr>
+        <p:spPr>
+          <a:xfrm>
+            <a:off x="0" y="0"/>
+            <a:ext cx="2971800" cy="458788"/>
+          </a:xfrm>
+          <a:prstGeom prst="rect">
+            <a:avLst/>
+          </a:prstGeom>
+        </p:spPr>
+        <p:txBody>
+          <a:bodyPr vert="horz" lIns="91440" tIns="45720" rIns="91440" bIns="45720" rtlCol="0"/>
+          <a:lstStyle>
+            <a:lvl1pPr algn="l">
+              <a:defRPr sz="1200"/>
+            </a:lvl1pPr>
+          </a:lstStyle>
+          <a:p>
+            <a:endParaRPr lang="it-IT"/>
+          </a:p>
+        </p:txBody>
+      </p:sp>
+      <p:sp>
+        <p:nvSpPr>
+          <p:cNvPr id="3" name="Date Placeholder 2"/>
+          <p:cNvSpPr>
+            <a:spLocks noGrp="1"/>
+          </p:cNvSpPr>
+          <p:nvPr>
+            <p:ph type="dt" idx="1"/>
+          </p:nvPr>
+        </p:nvSpPr>
+        <p:spPr>
+          <a:xfrm>
+            <a:off x="3884613" y="0"/>
+            <a:ext cx="2971800" cy="458788"/>
+          </a:xfrm>
+          <a:prstGeom prst="rect">
+            <a:avLst/>
+          </a:prstGeom>
+        </p:spPr>
+        <p:txBody>
+          <a:bodyPr vert="horz" lIns="91440" tIns="45720" rIns="91440" bIns="45720" rtlCol="0"/>
+          <a:lstStyle>
+            <a:lvl1pPr algn="r">
+              <a:defRPr sz="1200"/>
+            </a:lvl1pPr>
+          </a:lstStyle>
+          <a:p>
+            <a:fld id="{E61F0387-846B-40EA-946D-51BC87A90898}" type="datetimeFigureOut">
+              <a:rPr lang="it-IT" smtClean="0"/>
+              <a:t>06/12/2025</a:t>
+            </a:fld>
+            <a:endParaRPr lang="it-IT"/>
+          </a:p>
+        </p:txBody>
+      </p:sp>
+      <p:sp>
+        <p:nvSpPr>
+          <p:cNvPr id="4" name="Slide Image Placeholder 3"/>
+          <p:cNvSpPr>
+            <a:spLocks noGrp="1" noRot="1" noChangeAspect="1"/>
+          </p:cNvSpPr>
+          <p:nvPr>
+            <p:ph type="sldImg" idx="2"/>
+          </p:nvPr>
+        </p:nvSpPr>
+        <p:spPr>
+          <a:xfrm>
+            <a:off x="685800" y="1143000"/>
+            <a:ext cx="5486400" cy="3086100"/>
+          </a:xfrm>
+          <a:prstGeom prst="rect">
+            <a:avLst/>
+          </a:prstGeom>
+          <a:noFill/>
+          <a:ln w="12700">
+            <a:solidFill>
+              <a:prstClr val="black"/>
+            </a:solidFill>
+          </a:ln>
+        </p:spPr>
+        <p:txBody>
+          <a:bodyPr vert="horz" lIns="91440" tIns="45720" rIns="91440" bIns="45720" rtlCol="0" anchor="ctr"/>
+          <a:lstStyle/>
+          <a:p>
+            <a:endParaRPr lang="it-IT"/>
+          </a:p>
+        </p:txBody>
+      </p:sp>
+      <p:sp>
+        <p:nvSpPr>
+          <p:cNvPr id="5" name="Notes Placeholder 4"/>
+          <p:cNvSpPr>
+            <a:spLocks noGrp="1"/>
+          </p:cNvSpPr>
+          <p:nvPr>
+            <p:ph type="body" sz="quarter" idx="3"/>
+          </p:nvPr>
+        </p:nvSpPr>
+        <p:spPr>
+          <a:xfrm>
+            <a:off x="685800" y="4400550"/>
+            <a:ext cx="5486400" cy="3600450"/>
+          </a:xfrm>
+          <a:prstGeom prst="rect">
+            <a:avLst/>
+          </a:prstGeom>
+        </p:spPr>
+        <p:txBody>
+          <a:bodyPr vert="horz" lIns="91440" tIns="45720" rIns="91440" bIns="45720" rtlCol="0"/>
+          <a:lstStyle/>
+          <a:p>
+            <a:pPr lvl="0"/>
+            <a:r>
+              <a:rPr lang="en-US"/>
+              <a:t>Click to edit Master text styles</a:t>
+            </a:r>
+          </a:p>
+          <a:p>
+            <a:pPr lvl="1"/>
+            <a:r>
+              <a:rPr lang="en-US"/>
+              <a:t>Second level</a:t>
+            </a:r>
+          </a:p>
+          <a:p>
+            <a:pPr lvl="2"/>
+            <a:r>
+              <a:rPr lang="en-US"/>
+              <a:t>Third level</a:t>
+            </a:r>
+          </a:p>
+          <a:p>
+            <a:pPr lvl="3"/>
+            <a:r>
+              <a:rPr lang="en-US"/>
+              <a:t>Fourth level</a:t>
+            </a:r>
+          </a:p>
+          <a:p>
+            <a:pPr lvl="4"/>
+            <a:r>
+              <a:rPr lang="en-US"/>
+              <a:t>Fifth level</a:t>
+            </a:r>
+            <a:endParaRPr lang="it-IT"/>
+          </a:p>
+        </p:txBody>
+      </p:sp>
+      <p:sp>
+        <p:nvSpPr>
+          <p:cNvPr id="6" name="Footer Placeholder 5"/>
+          <p:cNvSpPr>
+            <a:spLocks noGrp="1"/>
+          </p:cNvSpPr>
+          <p:nvPr>
+            <p:ph type="ftr" sz="quarter" idx="4"/>
+          </p:nvPr>
+        </p:nvSpPr>
+        <p:spPr>
+          <a:xfrm>
+            <a:off x="0" y="8685213"/>
+            <a:ext cx="2971800" cy="458787"/>
+          </a:xfrm>
+          <a:prstGeom prst="rect">
+            <a:avLst/>
+          </a:prstGeom>
+        </p:spPr>
+        <p:txBody>
+          <a:bodyPr vert="horz" lIns="91440" tIns="45720" rIns="91440" bIns="45720" rtlCol="0" anchor="b"/>
+          <a:lstStyle>
+            <a:lvl1pPr algn="l">
+              <a:defRPr sz="1200"/>
+            </a:lvl1pPr>
+          </a:lstStyle>
+          <a:p>
+            <a:endParaRPr lang="it-IT"/>
+          </a:p>
+        </p:txBody>
+      </p:sp>
+      <p:sp>
+        <p:nvSpPr>
+          <p:cNvPr id="7" name="Slide Number Placeholder 6"/>
+          <p:cNvSpPr>
+            <a:spLocks noGrp="1"/>
+          </p:cNvSpPr>
+          <p:nvPr>
+            <p:ph type="sldNum" sz="quarter" idx="5"/>
+          </p:nvPr>
+        </p:nvSpPr>
+        <p:spPr>
+          <a:xfrm>
+            <a:off x="3884613" y="8685213"/>
+            <a:ext cx="2971800" cy="458787"/>
+          </a:xfrm>
+          <a:prstGeom prst="rect">
+            <a:avLst/>
+          </a:prstGeom>
+        </p:spPr>
+        <p:txBody>
+          <a:bodyPr vert="horz" lIns="91440" tIns="45720" rIns="91440" bIns="45720" rtlCol="0" anchor="b"/>
+          <a:lstStyle>
+            <a:lvl1pPr algn="r">
+              <a:defRPr sz="1200"/>
+            </a:lvl1pPr>
+          </a:lstStyle>
+          <a:p>
+            <a:fld id="{E25AF114-2902-442D-919C-9E8824142BF2}" type="slidenum">
+              <a:rPr lang="it-IT" smtClean="0"/>
+              <a:t>‹#›</a:t>
+            </a:fld>
+            <a:endParaRPr lang="it-IT"/>
+          </a:p>
+        </p:txBody>
+      </p:sp>
+    </p:spTree>
+    <p:extLst>
+      <p:ext uri="{BB962C8B-B14F-4D97-AF65-F5344CB8AC3E}">
+        <p14:creationId xmlns:p14="http://schemas.microsoft.com/office/powerpoint/2010/main" val="4280389781"/>
+      </p:ext>
+    </p:extLst>
+  </p:cSld>
+  <p:clrMap bg1="lt1" tx1="dk1" bg2="lt2" tx2="dk2" accent1="accent1" accent2="accent2" accent3="accent3" accent4="accent4" accent5="accent5" accent6="accent6" hlink="hlink" folHlink="folHlink"/>
+  <p:notesStyle>
+    <a:lvl1pPr marL="0" algn="l" defTabSz="914400" rtl="0" eaLnBrk="1" latinLnBrk="0" hangingPunct="1">
+      <a:defRPr sz="1200" kern="1200">
+        <a:solidFill>
+          <a:schemeClr val="tx1"/>
+        </a:solidFill>
+        <a:latin typeface="+mn-lt"/>
+        <a:ea typeface="+mn-ea"/>
+        <a:cs typeface="+mn-cs"/>
+      </a:defRPr>
+    </a:lvl1pPr>
+    <a:lvl2pPr marL="457200" algn="l" defTabSz="914400" rtl="0" eaLnBrk="1" latinLnBrk="0" hangingPunct="1">
+      <a:defRPr sz="1200" kern="1200">
+        <a:solidFill>
+          <a:schemeClr val="tx1"/>
+        </a:solidFill>
+        <a:latin typeface="+mn-lt"/>
+        <a:ea typeface="+mn-ea"/>
+        <a:cs typeface="+mn-cs"/>
+      </a:defRPr>
+    </a:lvl2pPr>
+    <a:lvl3pPr marL="914400" algn="l" defTabSz="914400" rtl="0" eaLnBrk="1" latinLnBrk="0" hangingPunct="1">
+      <a:defRPr sz="1200" kern="1200">
+        <a:solidFill>
+          <a:schemeClr val="tx1"/>
+        </a:solidFill>
+        <a:latin typeface="+mn-lt"/>
+        <a:ea typeface="+mn-ea"/>
+        <a:cs typeface="+mn-cs"/>
+      </a:defRPr>
+    </a:lvl3pPr>
+    <a:lvl4pPr marL="1371600" algn="l" defTabSz="914400" rtl="0" eaLnBrk="1" latinLnBrk="0" hangingPunct="1">
+      <a:defRPr sz="1200" kern="1200">
+        <a:solidFill>
+          <a:schemeClr val="tx1"/>
+        </a:solidFill>
+        <a:latin typeface="+mn-lt"/>
+        <a:ea typeface="+mn-ea"/>
+        <a:cs typeface="+mn-cs"/>
+      </a:defRPr>
+    </a:lvl4pPr>
+    <a:lvl5pPr marL="1828800" algn="l" defTabSz="914400" rtl="0" eaLnBrk="1" latinLnBrk="0" hangingPunct="1">
+      <a:defRPr sz="1200" kern="1200">
+        <a:solidFill>
+          <a:schemeClr val="tx1"/>
+        </a:solidFill>
+        <a:latin typeface="+mn-lt"/>
+        <a:ea typeface="+mn-ea"/>
+        <a:cs typeface="+mn-cs"/>
+      </a:defRPr>
+    </a:lvl5pPr>
+    <a:lvl6pPr marL="2286000" algn="l" defTabSz="914400" rtl="0" eaLnBrk="1" latinLnBrk="0" hangingPunct="1">
+      <a:defRPr sz="1200" kern="1200">
+        <a:solidFill>
+          <a:schemeClr val="tx1"/>
+        </a:solidFill>
+        <a:latin typeface="+mn-lt"/>
+        <a:ea typeface="+mn-ea"/>
+        <a:cs typeface="+mn-cs"/>
+      </a:defRPr>
+    </a:lvl6pPr>
+    <a:lvl7pPr marL="2743200" algn="l" defTabSz="914400" rtl="0" eaLnBrk="1" latinLnBrk="0" hangingPunct="1">
+      <a:defRPr sz="1200" kern="1200">
+        <a:solidFill>
+          <a:schemeClr val="tx1"/>
+        </a:solidFill>
+        <a:latin typeface="+mn-lt"/>
+        <a:ea typeface="+mn-ea"/>
+        <a:cs typeface="+mn-cs"/>
+      </a:defRPr>
+    </a:lvl7pPr>
+    <a:lvl8pPr marL="3200400" algn="l" defTabSz="914400" rtl="0" eaLnBrk="1" latinLnBrk="0" hangingPunct="1">
+      <a:defRPr sz="1200" kern="1200">
+        <a:solidFill>
+          <a:schemeClr val="tx1"/>
+        </a:solidFill>
+        <a:latin typeface="+mn-lt"/>
+        <a:ea typeface="+mn-ea"/>
+        <a:cs typeface="+mn-cs"/>
+      </a:defRPr>
+    </a:lvl8pPr>
+    <a:lvl9pPr marL="3657600" algn="l" defTabSz="914400" rtl="0" eaLnBrk="1" latinLnBrk="0" hangingPunct="1">
+      <a:defRPr sz="1200" kern="1200">
+        <a:solidFill>
+          <a:schemeClr val="tx1"/>
+        </a:solidFill>
+        <a:latin typeface="+mn-lt"/>
+        <a:ea typeface="+mn-ea"/>
+        <a:cs typeface="+mn-cs"/>
+      </a:defRPr>
+    </a:lvl9pPr>
+  </p:notesStyle>
+</p:notesMaster>
+</file>
+
+<file path=ppt/notesSlides/notesSlide1.xml><?xml version="1.0" encoding="utf-8"?>
+<p:notes xmlns:a="http://schemas.openxmlformats.org/drawingml/2006/main" xmlns:r="http://schemas.openxmlformats.org/officeDocument/2006/relationships" xmlns:p="http://schemas.openxmlformats.org/presentationml/2006/main">
+  <p:cSld>
+    <p:spTree>
+      <p:nvGrpSpPr>
+        <p:cNvPr id="1" name=""/>
+        <p:cNvGrpSpPr/>
+        <p:nvPr/>
+      </p:nvGrpSpPr>
+      <p:grpSpPr>
+        <a:xfrm>
+          <a:off x="0" y="0"/>
+          <a:ext cx="0" cy="0"/>
+          <a:chOff x="0" y="0"/>
+          <a:chExt cx="0" cy="0"/>
+        </a:xfrm>
+      </p:grpSpPr>
+      <p:sp>
+        <p:nvSpPr>
+          <p:cNvPr id="2" name="Slide Image Placeholder 1"/>
+          <p:cNvSpPr>
+            <a:spLocks noGrp="1" noRot="1" noChangeAspect="1"/>
+          </p:cNvSpPr>
+          <p:nvPr>
+            <p:ph type="sldImg"/>
+          </p:nvPr>
+        </p:nvSpPr>
+        <p:spPr/>
+      </p:sp>
+      <p:sp>
+        <p:nvSpPr>
+          <p:cNvPr id="3" name="Notes Placeholder 2"/>
+          <p:cNvSpPr>
+            <a:spLocks noGrp="1"/>
+          </p:cNvSpPr>
+          <p:nvPr>
+            <p:ph type="body" idx="1"/>
+          </p:nvPr>
+        </p:nvSpPr>
+        <p:spPr/>
+        <p:txBody>
+          <a:bodyPr/>
+          <a:lstStyle/>
+          <a:p>
+            <a:endParaRPr lang="it-IT" dirty="0"/>
+          </a:p>
+        </p:txBody>
+      </p:sp>
+      <p:sp>
+        <p:nvSpPr>
+          <p:cNvPr id="4" name="Slide Number Placeholder 3"/>
+          <p:cNvSpPr>
+            <a:spLocks noGrp="1"/>
+          </p:cNvSpPr>
+          <p:nvPr>
+            <p:ph type="sldNum" sz="quarter" idx="5"/>
+          </p:nvPr>
+        </p:nvSpPr>
+        <p:spPr/>
+        <p:txBody>
+          <a:bodyPr/>
+          <a:lstStyle/>
+          <a:p>
+            <a:fld id="{E25AF114-2902-442D-919C-9E8824142BF2}" type="slidenum">
+              <a:rPr lang="it-IT" smtClean="0"/>
+              <a:t>25</a:t>
+            </a:fld>
+            <a:endParaRPr lang="it-IT"/>
+          </a:p>
+        </p:txBody>
+      </p:sp>
+    </p:spTree>
+    <p:extLst>
+      <p:ext uri="{BB962C8B-B14F-4D97-AF65-F5344CB8AC3E}">
+        <p14:creationId xmlns:p14="http://schemas.microsoft.com/office/powerpoint/2010/main" val="3485922077"/>
+      </p:ext>
+    </p:extLst>
+  </p:cSld>
+  <p:clrMapOvr>
+    <a:masterClrMapping/>
+  </p:clrMapOvr>
+</p:notes>
+</file>
+
 <file path=ppt/slideLayouts/slideLayout1.xml><?xml version="1.0" encoding="utf-8"?>
 <p:sldLayout xmlns:a="http://schemas.openxmlformats.org/drawingml/2006/main" xmlns:r="http://schemas.openxmlformats.org/officeDocument/2006/relationships" xmlns:p="http://schemas.openxmlformats.org/presentationml/2006/main" type="title" preserve="1">
   <p:cSld name="Title Slide">
@@ -1217,7 +1654,7 @@
           <a:p>
             <a:fld id="{5B5BC3CB-4661-43F6-808C-2743A578ABD9}" type="datetimeFigureOut">
               <a:rPr lang="it-IT" smtClean="0"/>
-              <a:t>05/12/2025</a:t>
+              <a:t>06/12/2025</a:t>
             </a:fld>
             <a:endParaRPr lang="it-IT"/>
           </a:p>
@@ -1417,7 +1854,7 @@
           <a:p>
             <a:fld id="{5B5BC3CB-4661-43F6-808C-2743A578ABD9}" type="datetimeFigureOut">
               <a:rPr lang="it-IT" smtClean="0"/>
-              <a:t>05/12/2025</a:t>
+              <a:t>06/12/2025</a:t>
             </a:fld>
             <a:endParaRPr lang="it-IT"/>
           </a:p>
@@ -1627,7 +2064,7 @@
           <a:p>
             <a:fld id="{5B5BC3CB-4661-43F6-808C-2743A578ABD9}" type="datetimeFigureOut">
               <a:rPr lang="it-IT" smtClean="0"/>
-              <a:t>05/12/2025</a:t>
+              <a:t>06/12/2025</a:t>
             </a:fld>
             <a:endParaRPr lang="it-IT"/>
           </a:p>
@@ -1827,7 +2264,7 @@
           <a:p>
             <a:fld id="{5B5BC3CB-4661-43F6-808C-2743A578ABD9}" type="datetimeFigureOut">
               <a:rPr lang="it-IT" smtClean="0"/>
-              <a:t>05/12/2025</a:t>
+              <a:t>06/12/2025</a:t>
             </a:fld>
             <a:endParaRPr lang="it-IT"/>
           </a:p>
@@ -2103,7 +2540,7 @@
           <a:p>
             <a:fld id="{5B5BC3CB-4661-43F6-808C-2743A578ABD9}" type="datetimeFigureOut">
               <a:rPr lang="it-IT" smtClean="0"/>
-              <a:t>05/12/2025</a:t>
+              <a:t>06/12/2025</a:t>
             </a:fld>
             <a:endParaRPr lang="it-IT"/>
           </a:p>
@@ -2371,7 +2808,7 @@
           <a:p>
             <a:fld id="{5B5BC3CB-4661-43F6-808C-2743A578ABD9}" type="datetimeFigureOut">
               <a:rPr lang="it-IT" smtClean="0"/>
-              <a:t>05/12/2025</a:t>
+              <a:t>06/12/2025</a:t>
             </a:fld>
             <a:endParaRPr lang="it-IT"/>
           </a:p>
@@ -2786,7 +3223,7 @@
           <a:p>
             <a:fld id="{5B5BC3CB-4661-43F6-808C-2743A578ABD9}" type="datetimeFigureOut">
               <a:rPr lang="it-IT" smtClean="0"/>
-              <a:t>05/12/2025</a:t>
+              <a:t>06/12/2025</a:t>
             </a:fld>
             <a:endParaRPr lang="it-IT"/>
           </a:p>
@@ -2928,7 +3365,7 @@
           <a:p>
             <a:fld id="{5B5BC3CB-4661-43F6-808C-2743A578ABD9}" type="datetimeFigureOut">
               <a:rPr lang="it-IT" smtClean="0"/>
-              <a:t>05/12/2025</a:t>
+              <a:t>06/12/2025</a:t>
             </a:fld>
             <a:endParaRPr lang="it-IT"/>
           </a:p>
@@ -3041,7 +3478,7 @@
           <a:p>
             <a:fld id="{5B5BC3CB-4661-43F6-808C-2743A578ABD9}" type="datetimeFigureOut">
               <a:rPr lang="it-IT" smtClean="0"/>
-              <a:t>05/12/2025</a:t>
+              <a:t>06/12/2025</a:t>
             </a:fld>
             <a:endParaRPr lang="it-IT"/>
           </a:p>
@@ -3354,7 +3791,7 @@
           <a:p>
             <a:fld id="{5B5BC3CB-4661-43F6-808C-2743A578ABD9}" type="datetimeFigureOut">
               <a:rPr lang="it-IT" smtClean="0"/>
-              <a:t>05/12/2025</a:t>
+              <a:t>06/12/2025</a:t>
             </a:fld>
             <a:endParaRPr lang="it-IT"/>
           </a:p>
@@ -3643,7 +4080,7 @@
           <a:p>
             <a:fld id="{5B5BC3CB-4661-43F6-808C-2743A578ABD9}" type="datetimeFigureOut">
               <a:rPr lang="it-IT" smtClean="0"/>
-              <a:t>05/12/2025</a:t>
+              <a:t>06/12/2025</a:t>
             </a:fld>
             <a:endParaRPr lang="it-IT"/>
           </a:p>
@@ -3886,7 +4323,7 @@
           <a:p>
             <a:fld id="{5B5BC3CB-4661-43F6-808C-2743A578ABD9}" type="datetimeFigureOut">
               <a:rPr lang="it-IT" smtClean="0"/>
-              <a:t>05/12/2025</a:t>
+              <a:t>06/12/2025</a:t>
             </a:fld>
             <a:endParaRPr lang="it-IT"/>
           </a:p>
@@ -5219,7 +5656,7 @@
         <p:spPr>
           <a:xfrm>
             <a:off x="986828" y="1276540"/>
-            <a:ext cx="10773623" cy="4647426"/>
+            <a:ext cx="10773623" cy="4370427"/>
           </a:xfrm>
           <a:prstGeom prst="rect">
             <a:avLst/>
@@ -5263,7 +5700,7 @@
             </a:pPr>
             <a:r>
               <a:rPr lang="it-IT" dirty="0"/>
-              <a:t>Disease Detection [17]: rilasciato sotto MIT, è un fine-tune di ViT che presenta Apache 2.0; entrambe sono licenze permissive</a:t>
+              <a:t>Disease Detection [17]: rilasciato sotto MIT, è un fine-tune di ViT che presenta Apache 2.0; entrambe licenze permissive</a:t>
             </a:r>
           </a:p>
           <a:p>
@@ -5280,7 +5717,7 @@
             </a:pPr>
             <a:r>
               <a:rPr lang="it-IT" dirty="0"/>
-              <a:t>AdaptLLM Remote Sensing [20][25]: nessuna licenza sulla model card, una repository GitHub linkata da entrambe riporta licenza BIGAI</a:t>
+              <a:t>AdaptLLM Remote Sensing [20][25]: nessuna licenza, una repository GitHub linkata riporta licenza BIGAI</a:t>
             </a:r>
           </a:p>
           <a:p>
@@ -5297,15 +5734,15 @@
             </a:pPr>
             <a:r>
               <a:rPr lang="en-US" dirty="0"/>
-              <a:t>Leaf Detection and Classification [22]: non </a:t>
+              <a:t>Leaf Detection and Classification [22]: </a:t>
             </a:r>
             <a:r>
               <a:rPr lang="en-US" dirty="0" err="1"/>
-              <a:t>presenta</a:t>
+              <a:t>nessuna</a:t>
             </a:r>
             <a:r>
               <a:rPr lang="en-US" dirty="0"/>
-              <a:t> alcuna </a:t>
+              <a:t> </a:t>
             </a:r>
             <a:r>
               <a:rPr lang="en-US" dirty="0" err="1"/>
@@ -5362,7 +5799,7 @@
             </a:pPr>
             <a:r>
               <a:rPr lang="it-IT" dirty="0"/>
-              <a:t>CropSeekLLM [23]: fine-tune di DeepSeek-r1 (MIT), il modello presenta la licenza DARJYO 1.0</a:t>
+              <a:t>CropSeekLLM [23]: fine-tune di DeepSeek-r1 (MIT), il modello ha licenza DARJYO 1.0</a:t>
             </a:r>
           </a:p>
           <a:p>
@@ -6891,8 +7328,8 @@
           </a:prstGeom>
         </p:spPr>
       </p:pic>
-      <mc:AlternateContent xmlns:mc="http://schemas.openxmlformats.org/markup-compatibility/2006">
-        <mc:Choice xmlns:a14="http://schemas.microsoft.com/office/drawing/2010/main" Requires="a14">
+      <mc:AlternateContent xmlns:mc="http://schemas.openxmlformats.org/markup-compatibility/2006" xmlns:a14="http://schemas.microsoft.com/office/drawing/2010/main">
+        <mc:Choice Requires="a14">
           <p:sp>
             <p:nvSpPr>
               <p:cNvPr id="4" name="TextBox 3">
@@ -6921,6 +7358,7 @@
               </a:bodyPr>
               <a:lstStyle/>
               <a:p>
+                <a:pPr/>
                 <a14:m>
                   <m:oMathPara xmlns:m="http://schemas.openxmlformats.org/officeDocument/2006/math">
                     <m:oMathParaPr>
@@ -7059,7 +7497,7 @@
             </p:txBody>
           </p:sp>
         </mc:Choice>
-        <mc:Fallback>
+        <mc:Fallback xmlns="">
           <p:sp>
             <p:nvSpPr>
               <p:cNvPr id="4" name="TextBox 3">
@@ -7186,7 +7624,7 @@
                       <a:rPr lang="it-IT" sz="1600" b="0" i="1" smtClean="0">
                         <a:latin typeface="Cambria Math" panose="02040503050406030204" pitchFamily="18" charset="0"/>
                       </a:rPr>
-                      <m:t>,  </m:t>
+                      <m:t>, </m:t>
                     </m:r>
                     <m:r>
                       <a:rPr lang="it-IT" sz="1600" b="0" i="1" smtClean="0">
@@ -8055,7 +8493,7 @@
                 <a:ea typeface="Calibri"/>
                 <a:cs typeface="Calibri"/>
               </a:rPr>
-              <a:t>EE: 1, il modello fa uso di un LLM (LLaVa) per determinare la malattia presente; in quanto tale, potrebbe essere necessario un testing approfondito per assicurare il funzionamento corretto dell’LLM</a:t>
+              <a:t>EE: 1, il modello fa uso di un LLM (LLaVa) per determinare la malattia presente, potrebbe essere necessario un testing approfondito per assicurare il funzionamento corretto dell’LLM</a:t>
             </a:r>
           </a:p>
           <a:p>
@@ -8954,7 +9392,7 @@
         <p:spPr>
           <a:xfrm>
             <a:off x="986828" y="1137150"/>
-            <a:ext cx="10773623" cy="3385542"/>
+            <a:ext cx="10773623" cy="3693319"/>
           </a:xfrm>
           <a:prstGeom prst="rect">
             <a:avLst/>
@@ -9097,17 +9535,27 @@
             </a:r>
           </a:p>
           <a:p>
-            <a:pPr marL="342900" indent="-342900">
+            <a:pPr marL="800100" lvl="1" indent="-342900">
               <a:buFont typeface="Arial"/>
               <a:buChar char="•"/>
             </a:pPr>
             <a:r>
-              <a:rPr lang="it-IT" sz="2000" dirty="0">
+              <a:rPr lang="it-IT" dirty="0">
                 <a:ea typeface="Calibri"/>
                 <a:cs typeface="Calibri"/>
               </a:rPr>
               <a:t>Metodo di valutazione</a:t>
             </a:r>
+          </a:p>
+          <a:p>
+            <a:pPr marL="800100" lvl="1" indent="-342900">
+              <a:buFont typeface="Arial"/>
+              <a:buChar char="•"/>
+            </a:pPr>
+            <a:endParaRPr lang="it-IT" sz="2000" dirty="0">
+              <a:ea typeface="Calibri"/>
+              <a:cs typeface="Calibri"/>
+            </a:endParaRPr>
           </a:p>
         </p:txBody>
       </p:sp>
@@ -10731,4 +11179,299 @@
     </a:ext>
   </a:extLst>
 </a:theme>
+</file>
+
+<file path=ppt/theme/theme2.xml><?xml version="1.0" encoding="utf-8"?>
+<a:theme xmlns:a="http://schemas.openxmlformats.org/drawingml/2006/main" name="Office Theme">
+  <a:themeElements>
+    <a:clrScheme name="Office">
+      <a:dk1>
+        <a:sysClr val="windowText" lastClr="000000"/>
+      </a:dk1>
+      <a:lt1>
+        <a:sysClr val="window" lastClr="FFFFFF"/>
+      </a:lt1>
+      <a:dk2>
+        <a:srgbClr val="44546A"/>
+      </a:dk2>
+      <a:lt2>
+        <a:srgbClr val="E7E6E6"/>
+      </a:lt2>
+      <a:accent1>
+        <a:srgbClr val="4472C4"/>
+      </a:accent1>
+      <a:accent2>
+        <a:srgbClr val="ED7D31"/>
+      </a:accent2>
+      <a:accent3>
+        <a:srgbClr val="A5A5A5"/>
+      </a:accent3>
+      <a:accent4>
+        <a:srgbClr val="FFC000"/>
+      </a:accent4>
+      <a:accent5>
+        <a:srgbClr val="5B9BD5"/>
+      </a:accent5>
+      <a:accent6>
+        <a:srgbClr val="70AD47"/>
+      </a:accent6>
+      <a:hlink>
+        <a:srgbClr val="0563C1"/>
+      </a:hlink>
+      <a:folHlink>
+        <a:srgbClr val="954F72"/>
+      </a:folHlink>
+    </a:clrScheme>
+    <a:fontScheme name="Office">
+      <a:majorFont>
+        <a:latin typeface="Calibri Light" panose="020F0302020204030204"/>
+        <a:ea typeface=""/>
+        <a:cs typeface=""/>
+        <a:font script="Jpan" typeface="游ゴシック Light"/>
+        <a:font script="Hang" typeface="맑은 고딕"/>
+        <a:font script="Hans" typeface="等线 Light"/>
+        <a:font script="Hant" typeface="新細明體"/>
+        <a:font script="Arab" typeface="Times New Roman"/>
+        <a:font script="Hebr" typeface="Times New Roman"/>
+        <a:font script="Thai" typeface="Angsana New"/>
+        <a:font script="Ethi" typeface="Nyala"/>
+        <a:font script="Beng" typeface="Vrinda"/>
+        <a:font script="Gujr" typeface="Shruti"/>
+        <a:font script="Khmr" typeface="MoolBoran"/>
+        <a:font script="Knda" typeface="Tunga"/>
+        <a:font script="Guru" typeface="Raavi"/>
+        <a:font script="Cans" typeface="Euphemia"/>
+        <a:font script="Cher" typeface="Plantagenet Cherokee"/>
+        <a:font script="Yiii" typeface="Microsoft Yi Baiti"/>
+        <a:font script="Tibt" typeface="Microsoft Himalaya"/>
+        <a:font script="Thaa" typeface="MV Boli"/>
+        <a:font script="Deva" typeface="Mangal"/>
+        <a:font script="Telu" typeface="Gautami"/>
+        <a:font script="Taml" typeface="Latha"/>
+        <a:font script="Syrc" typeface="Estrangelo Edessa"/>
+        <a:font script="Orya" typeface="Kalinga"/>
+        <a:font script="Mlym" typeface="Kartika"/>
+        <a:font script="Laoo" typeface="DokChampa"/>
+        <a:font script="Sinh" typeface="Iskoola Pota"/>
+        <a:font script="Mong" typeface="Mongolian Baiti"/>
+        <a:font script="Viet" typeface="Times New Roman"/>
+        <a:font script="Uigh" typeface="Microsoft Uighur"/>
+        <a:font script="Geor" typeface="Sylfaen"/>
+        <a:font script="Armn" typeface="Arial"/>
+        <a:font script="Bugi" typeface="Leelawadee UI"/>
+        <a:font script="Bopo" typeface="Microsoft JhengHei"/>
+        <a:font script="Java" typeface="Javanese Text"/>
+        <a:font script="Lisu" typeface="Segoe UI"/>
+        <a:font script="Mymr" typeface="Myanmar Text"/>
+        <a:font script="Nkoo" typeface="Ebrima"/>
+        <a:font script="Olck" typeface="Nirmala UI"/>
+        <a:font script="Osma" typeface="Ebrima"/>
+        <a:font script="Phag" typeface="Phagspa"/>
+        <a:font script="Syrn" typeface="Estrangelo Edessa"/>
+        <a:font script="Syrj" typeface="Estrangelo Edessa"/>
+        <a:font script="Syre" typeface="Estrangelo Edessa"/>
+        <a:font script="Sora" typeface="Nirmala UI"/>
+        <a:font script="Tale" typeface="Microsoft Tai Le"/>
+        <a:font script="Talu" typeface="Microsoft New Tai Lue"/>
+        <a:font script="Tfng" typeface="Ebrima"/>
+      </a:majorFont>
+      <a:minorFont>
+        <a:latin typeface="Calibri" panose="020F0502020204030204"/>
+        <a:ea typeface=""/>
+        <a:cs typeface=""/>
+        <a:font script="Jpan" typeface="游ゴシック"/>
+        <a:font script="Hang" typeface="맑은 고딕"/>
+        <a:font script="Hans" typeface="等线"/>
+        <a:font script="Hant" typeface="新細明體"/>
+        <a:font script="Arab" typeface="Arial"/>
+        <a:font script="Hebr" typeface="Arial"/>
+        <a:font script="Thai" typeface="Cordia New"/>
+        <a:font script="Ethi" typeface="Nyala"/>
+        <a:font script="Beng" typeface="Vrinda"/>
+        <a:font script="Gujr" typeface="Shruti"/>
+        <a:font script="Khmr" typeface="DaunPenh"/>
+        <a:font script="Knda" typeface="Tunga"/>
+        <a:font script="Guru" typeface="Raavi"/>
+        <a:font script="Cans" typeface="Euphemia"/>
+        <a:font script="Cher" typeface="Plantagenet Cherokee"/>
+        <a:font script="Yiii" typeface="Microsoft Yi Baiti"/>
+        <a:font script="Tibt" typeface="Microsoft Himalaya"/>
+        <a:font script="Thaa" typeface="MV Boli"/>
+        <a:font script="Deva" typeface="Mangal"/>
+        <a:font script="Telu" typeface="Gautami"/>
+        <a:font script="Taml" typeface="Latha"/>
+        <a:font script="Syrc" typeface="Estrangelo Edessa"/>
+        <a:font script="Orya" typeface="Kalinga"/>
+        <a:font script="Mlym" typeface="Kartika"/>
+        <a:font script="Laoo" typeface="DokChampa"/>
+        <a:font script="Sinh" typeface="Iskoola Pota"/>
+        <a:font script="Mong" typeface="Mongolian Baiti"/>
+        <a:font script="Viet" typeface="Arial"/>
+        <a:font script="Uigh" typeface="Microsoft Uighur"/>
+        <a:font script="Geor" typeface="Sylfaen"/>
+        <a:font script="Armn" typeface="Arial"/>
+        <a:font script="Bugi" typeface="Leelawadee UI"/>
+        <a:font script="Bopo" typeface="Microsoft JhengHei"/>
+        <a:font script="Java" typeface="Javanese Text"/>
+        <a:font script="Lisu" typeface="Segoe UI"/>
+        <a:font script="Mymr" typeface="Myanmar Text"/>
+        <a:font script="Nkoo" typeface="Ebrima"/>
+        <a:font script="Olck" typeface="Nirmala UI"/>
+        <a:font script="Osma" typeface="Ebrima"/>
+        <a:font script="Phag" typeface="Phagspa"/>
+        <a:font script="Syrn" typeface="Estrangelo Edessa"/>
+        <a:font script="Syrj" typeface="Estrangelo Edessa"/>
+        <a:font script="Syre" typeface="Estrangelo Edessa"/>
+        <a:font script="Sora" typeface="Nirmala UI"/>
+        <a:font script="Tale" typeface="Microsoft Tai Le"/>
+        <a:font script="Talu" typeface="Microsoft New Tai Lue"/>
+        <a:font script="Tfng" typeface="Ebrima"/>
+      </a:minorFont>
+    </a:fontScheme>
+    <a:fmtScheme name="Office">
+      <a:fillStyleLst>
+        <a:solidFill>
+          <a:schemeClr val="phClr"/>
+        </a:solidFill>
+        <a:gradFill rotWithShape="1">
+          <a:gsLst>
+            <a:gs pos="0">
+              <a:schemeClr val="phClr">
+                <a:lumMod val="110000"/>
+                <a:satMod val="105000"/>
+                <a:tint val="67000"/>
+              </a:schemeClr>
+            </a:gs>
+            <a:gs pos="50000">
+              <a:schemeClr val="phClr">
+                <a:lumMod val="105000"/>
+                <a:satMod val="103000"/>
+                <a:tint val="73000"/>
+              </a:schemeClr>
+            </a:gs>
+            <a:gs pos="100000">
+              <a:schemeClr val="phClr">
+                <a:lumMod val="105000"/>
+                <a:satMod val="109000"/>
+                <a:tint val="81000"/>
+              </a:schemeClr>
+            </a:gs>
+          </a:gsLst>
+          <a:lin ang="5400000" scaled="0"/>
+        </a:gradFill>
+        <a:gradFill rotWithShape="1">
+          <a:gsLst>
+            <a:gs pos="0">
+              <a:schemeClr val="phClr">
+                <a:satMod val="103000"/>
+                <a:lumMod val="102000"/>
+                <a:tint val="94000"/>
+              </a:schemeClr>
+            </a:gs>
+            <a:gs pos="50000">
+              <a:schemeClr val="phClr">
+                <a:satMod val="110000"/>
+                <a:lumMod val="100000"/>
+                <a:shade val="100000"/>
+              </a:schemeClr>
+            </a:gs>
+            <a:gs pos="100000">
+              <a:schemeClr val="phClr">
+                <a:lumMod val="99000"/>
+                <a:satMod val="120000"/>
+                <a:shade val="78000"/>
+              </a:schemeClr>
+            </a:gs>
+          </a:gsLst>
+          <a:lin ang="5400000" scaled="0"/>
+        </a:gradFill>
+      </a:fillStyleLst>
+      <a:lnStyleLst>
+        <a:ln w="6350" cap="flat" cmpd="sng" algn="ctr">
+          <a:solidFill>
+            <a:schemeClr val="phClr"/>
+          </a:solidFill>
+          <a:prstDash val="solid"/>
+          <a:miter lim="800000"/>
+        </a:ln>
+        <a:ln w="12700" cap="flat" cmpd="sng" algn="ctr">
+          <a:solidFill>
+            <a:schemeClr val="phClr"/>
+          </a:solidFill>
+          <a:prstDash val="solid"/>
+          <a:miter lim="800000"/>
+        </a:ln>
+        <a:ln w="19050" cap="flat" cmpd="sng" algn="ctr">
+          <a:solidFill>
+            <a:schemeClr val="phClr"/>
+          </a:solidFill>
+          <a:prstDash val="solid"/>
+          <a:miter lim="800000"/>
+        </a:ln>
+      </a:lnStyleLst>
+      <a:effectStyleLst>
+        <a:effectStyle>
+          <a:effectLst/>
+        </a:effectStyle>
+        <a:effectStyle>
+          <a:effectLst/>
+        </a:effectStyle>
+        <a:effectStyle>
+          <a:effectLst>
+            <a:outerShdw blurRad="57150" dist="19050" dir="5400000" algn="ctr" rotWithShape="0">
+              <a:srgbClr val="000000">
+                <a:alpha val="63000"/>
+              </a:srgbClr>
+            </a:outerShdw>
+          </a:effectLst>
+        </a:effectStyle>
+      </a:effectStyleLst>
+      <a:bgFillStyleLst>
+        <a:solidFill>
+          <a:schemeClr val="phClr"/>
+        </a:solidFill>
+        <a:solidFill>
+          <a:schemeClr val="phClr">
+            <a:tint val="95000"/>
+            <a:satMod val="170000"/>
+          </a:schemeClr>
+        </a:solidFill>
+        <a:gradFill rotWithShape="1">
+          <a:gsLst>
+            <a:gs pos="0">
+              <a:schemeClr val="phClr">
+                <a:tint val="93000"/>
+                <a:satMod val="150000"/>
+                <a:shade val="98000"/>
+                <a:lumMod val="102000"/>
+              </a:schemeClr>
+            </a:gs>
+            <a:gs pos="50000">
+              <a:schemeClr val="phClr">
+                <a:tint val="98000"/>
+                <a:satMod val="130000"/>
+                <a:shade val="90000"/>
+                <a:lumMod val="103000"/>
+              </a:schemeClr>
+            </a:gs>
+            <a:gs pos="100000">
+              <a:schemeClr val="phClr">
+                <a:shade val="63000"/>
+                <a:satMod val="120000"/>
+              </a:schemeClr>
+            </a:gs>
+          </a:gsLst>
+          <a:lin ang="5400000" scaled="0"/>
+        </a:gradFill>
+      </a:bgFillStyleLst>
+    </a:fmtScheme>
+  </a:themeElements>
+  <a:objectDefaults/>
+  <a:extraClrSchemeLst/>
+  <a:extLst>
+    <a:ext uri="{05A4C25C-085E-4340-85A3-A5531E510DB2}">
+      <thm15:themeFamily xmlns:thm15="http://schemas.microsoft.com/office/thememl/2012/main" name="Office Theme" id="{62F939B6-93AF-4DB8-9C6B-D6C7DFDC589F}" vid="{4A3C46E8-61CC-4603-A589-7422A47A8E4A}"/>
+    </a:ext>
+  </a:extLst>
+</a:theme>
 </file>
--- a/presentazione.pptx
+++ b/presentazione.pptx
@@ -5,7 +5,7 @@
     <p:sldMasterId id="2147483648" r:id="rId1"/>
   </p:sldMasterIdLst>
   <p:notesMasterIdLst>
-    <p:notesMasterId r:id="rId27"/>
+    <p:notesMasterId r:id="rId22"/>
   </p:notesMasterIdLst>
   <p:sldIdLst>
     <p:sldId id="256" r:id="rId2"/>
@@ -14,25 +14,20 @@
     <p:sldId id="261" r:id="rId5"/>
     <p:sldId id="259" r:id="rId6"/>
     <p:sldId id="262" r:id="rId7"/>
-    <p:sldId id="263" r:id="rId8"/>
-    <p:sldId id="264" r:id="rId9"/>
-    <p:sldId id="265" r:id="rId10"/>
-    <p:sldId id="266" r:id="rId11"/>
-    <p:sldId id="267" r:id="rId12"/>
-    <p:sldId id="268" r:id="rId13"/>
-    <p:sldId id="269" r:id="rId14"/>
-    <p:sldId id="290" r:id="rId15"/>
-    <p:sldId id="279" r:id="rId16"/>
-    <p:sldId id="289" r:id="rId17"/>
-    <p:sldId id="280" r:id="rId18"/>
-    <p:sldId id="281" r:id="rId19"/>
-    <p:sldId id="282" r:id="rId20"/>
-    <p:sldId id="283" r:id="rId21"/>
-    <p:sldId id="284" r:id="rId22"/>
-    <p:sldId id="285" r:id="rId23"/>
-    <p:sldId id="286" r:id="rId24"/>
-    <p:sldId id="287" r:id="rId25"/>
-    <p:sldId id="288" r:id="rId26"/>
+    <p:sldId id="264" r:id="rId8"/>
+    <p:sldId id="265" r:id="rId9"/>
+    <p:sldId id="266" r:id="rId10"/>
+    <p:sldId id="267" r:id="rId11"/>
+    <p:sldId id="268" r:id="rId12"/>
+    <p:sldId id="269" r:id="rId13"/>
+    <p:sldId id="290" r:id="rId14"/>
+    <p:sldId id="279" r:id="rId15"/>
+    <p:sldId id="289" r:id="rId16"/>
+    <p:sldId id="281" r:id="rId17"/>
+    <p:sldId id="282" r:id="rId18"/>
+    <p:sldId id="286" r:id="rId19"/>
+    <p:sldId id="287" r:id="rId20"/>
+    <p:sldId id="288" r:id="rId21"/>
   </p:sldIdLst>
   <p:sldSz cx="12192000" cy="6858000"/>
   <p:notesSz cx="6858000" cy="9144000"/>
@@ -1153,7 +1148,7 @@
           <a:p>
             <a:fld id="{E61F0387-846B-40EA-946D-51BC87A90898}" type="datetimeFigureOut">
               <a:rPr lang="it-IT" smtClean="0"/>
-              <a:t>06/12/2025</a:t>
+              <a:t>08/12/2025</a:t>
             </a:fld>
             <a:endParaRPr lang="it-IT"/>
           </a:p>
@@ -1486,7 +1481,7 @@
           <a:p>
             <a:fld id="{E25AF114-2902-442D-919C-9E8824142BF2}" type="slidenum">
               <a:rPr lang="it-IT" smtClean="0"/>
-              <a:t>25</a:t>
+              <a:t>20</a:t>
             </a:fld>
             <a:endParaRPr lang="it-IT"/>
           </a:p>
@@ -1654,7 +1649,7 @@
           <a:p>
             <a:fld id="{5B5BC3CB-4661-43F6-808C-2743A578ABD9}" type="datetimeFigureOut">
               <a:rPr lang="it-IT" smtClean="0"/>
-              <a:t>06/12/2025</a:t>
+              <a:t>08/12/2025</a:t>
             </a:fld>
             <a:endParaRPr lang="it-IT"/>
           </a:p>
@@ -1854,7 +1849,7 @@
           <a:p>
             <a:fld id="{5B5BC3CB-4661-43F6-808C-2743A578ABD9}" type="datetimeFigureOut">
               <a:rPr lang="it-IT" smtClean="0"/>
-              <a:t>06/12/2025</a:t>
+              <a:t>08/12/2025</a:t>
             </a:fld>
             <a:endParaRPr lang="it-IT"/>
           </a:p>
@@ -2064,7 +2059,7 @@
           <a:p>
             <a:fld id="{5B5BC3CB-4661-43F6-808C-2743A578ABD9}" type="datetimeFigureOut">
               <a:rPr lang="it-IT" smtClean="0"/>
-              <a:t>06/12/2025</a:t>
+              <a:t>08/12/2025</a:t>
             </a:fld>
             <a:endParaRPr lang="it-IT"/>
           </a:p>
@@ -2264,7 +2259,7 @@
           <a:p>
             <a:fld id="{5B5BC3CB-4661-43F6-808C-2743A578ABD9}" type="datetimeFigureOut">
               <a:rPr lang="it-IT" smtClean="0"/>
-              <a:t>06/12/2025</a:t>
+              <a:t>08/12/2025</a:t>
             </a:fld>
             <a:endParaRPr lang="it-IT"/>
           </a:p>
@@ -2540,7 +2535,7 @@
           <a:p>
             <a:fld id="{5B5BC3CB-4661-43F6-808C-2743A578ABD9}" type="datetimeFigureOut">
               <a:rPr lang="it-IT" smtClean="0"/>
-              <a:t>06/12/2025</a:t>
+              <a:t>08/12/2025</a:t>
             </a:fld>
             <a:endParaRPr lang="it-IT"/>
           </a:p>
@@ -2808,7 +2803,7 @@
           <a:p>
             <a:fld id="{5B5BC3CB-4661-43F6-808C-2743A578ABD9}" type="datetimeFigureOut">
               <a:rPr lang="it-IT" smtClean="0"/>
-              <a:t>06/12/2025</a:t>
+              <a:t>08/12/2025</a:t>
             </a:fld>
             <a:endParaRPr lang="it-IT"/>
           </a:p>
@@ -3223,7 +3218,7 @@
           <a:p>
             <a:fld id="{5B5BC3CB-4661-43F6-808C-2743A578ABD9}" type="datetimeFigureOut">
               <a:rPr lang="it-IT" smtClean="0"/>
-              <a:t>06/12/2025</a:t>
+              <a:t>08/12/2025</a:t>
             </a:fld>
             <a:endParaRPr lang="it-IT"/>
           </a:p>
@@ -3365,7 +3360,7 @@
           <a:p>
             <a:fld id="{5B5BC3CB-4661-43F6-808C-2743A578ABD9}" type="datetimeFigureOut">
               <a:rPr lang="it-IT" smtClean="0"/>
-              <a:t>06/12/2025</a:t>
+              <a:t>08/12/2025</a:t>
             </a:fld>
             <a:endParaRPr lang="it-IT"/>
           </a:p>
@@ -3478,7 +3473,7 @@
           <a:p>
             <a:fld id="{5B5BC3CB-4661-43F6-808C-2743A578ABD9}" type="datetimeFigureOut">
               <a:rPr lang="it-IT" smtClean="0"/>
-              <a:t>06/12/2025</a:t>
+              <a:t>08/12/2025</a:t>
             </a:fld>
             <a:endParaRPr lang="it-IT"/>
           </a:p>
@@ -3791,7 +3786,7 @@
           <a:p>
             <a:fld id="{5B5BC3CB-4661-43F6-808C-2743A578ABD9}" type="datetimeFigureOut">
               <a:rPr lang="it-IT" smtClean="0"/>
-              <a:t>06/12/2025</a:t>
+              <a:t>08/12/2025</a:t>
             </a:fld>
             <a:endParaRPr lang="it-IT"/>
           </a:p>
@@ -4080,7 +4075,7 @@
           <a:p>
             <a:fld id="{5B5BC3CB-4661-43F6-808C-2743A578ABD9}" type="datetimeFigureOut">
               <a:rPr lang="it-IT" smtClean="0"/>
-              <a:t>06/12/2025</a:t>
+              <a:t>08/12/2025</a:t>
             </a:fld>
             <a:endParaRPr lang="it-IT"/>
           </a:p>
@@ -4323,7 +4318,7 @@
           <a:p>
             <a:fld id="{5B5BC3CB-4661-43F6-808C-2743A578ABD9}" type="datetimeFigureOut">
               <a:rPr lang="it-IT" smtClean="0"/>
-              <a:t>06/12/2025</a:t>
+              <a:t>08/12/2025</a:t>
             </a:fld>
             <a:endParaRPr lang="it-IT"/>
           </a:p>
@@ -5073,246 +5068,6 @@
         <p:cNvPr id="1" name="">
           <a:extLst>
             <a:ext uri="{FF2B5EF4-FFF2-40B4-BE49-F238E27FC236}">
-              <a16:creationId xmlns:a16="http://schemas.microsoft.com/office/drawing/2014/main" id="{C7D5AE15-F7CC-911E-0A0B-427E474E606D}"/>
-            </a:ext>
-          </a:extLst>
-        </p:cNvPr>
-        <p:cNvGrpSpPr/>
-        <p:nvPr/>
-      </p:nvGrpSpPr>
-      <p:grpSpPr>
-        <a:xfrm>
-          <a:off x="0" y="0"/>
-          <a:ext cx="0" cy="0"/>
-          <a:chOff x="0" y="0"/>
-          <a:chExt cx="0" cy="0"/>
-        </a:xfrm>
-      </p:grpSpPr>
-      <p:sp>
-        <p:nvSpPr>
-          <p:cNvPr id="2" name="Title 1">
-            <a:extLst>
-              <a:ext uri="{FF2B5EF4-FFF2-40B4-BE49-F238E27FC236}">
-                <a16:creationId xmlns:a16="http://schemas.microsoft.com/office/drawing/2014/main" id="{24BC11CF-743E-D110-4E8E-DC4AE4E10A2D}"/>
-              </a:ext>
-            </a:extLst>
-          </p:cNvPr>
-          <p:cNvSpPr>
-            <a:spLocks noGrp="1"/>
-          </p:cNvSpPr>
-          <p:nvPr>
-            <p:ph type="title"/>
-          </p:nvPr>
-        </p:nvSpPr>
-        <p:spPr>
-          <a:xfrm>
-            <a:off x="838200" y="365126"/>
-            <a:ext cx="10515600" cy="766558"/>
-          </a:xfrm>
-        </p:spPr>
-        <p:txBody>
-          <a:bodyPr>
-            <a:normAutofit/>
-          </a:bodyPr>
-          <a:lstStyle/>
-          <a:p>
-            <a:r>
-              <a:rPr lang="it-IT" sz="3200" noProof="0" dirty="0">
-                <a:latin typeface="+mn-lt"/>
-              </a:rPr>
-              <a:t>Filtraggio Manuale</a:t>
-            </a:r>
-          </a:p>
-        </p:txBody>
-      </p:sp>
-      <p:sp>
-        <p:nvSpPr>
-          <p:cNvPr id="4" name="Content Placeholder 3">
-            <a:extLst>
-              <a:ext uri="{FF2B5EF4-FFF2-40B4-BE49-F238E27FC236}">
-                <a16:creationId xmlns:a16="http://schemas.microsoft.com/office/drawing/2014/main" id="{8747B235-AABE-407D-A715-B06DA6886003}"/>
-              </a:ext>
-            </a:extLst>
-          </p:cNvPr>
-          <p:cNvSpPr>
-            <a:spLocks noGrp="1"/>
-          </p:cNvSpPr>
-          <p:nvPr>
-            <p:ph idx="1"/>
-          </p:nvPr>
-        </p:nvSpPr>
-        <p:spPr>
-          <a:xfrm>
-            <a:off x="838200" y="1182837"/>
-            <a:ext cx="10515600" cy="4351338"/>
-          </a:xfrm>
-        </p:spPr>
-        <p:txBody>
-          <a:bodyPr>
-            <a:normAutofit/>
-          </a:bodyPr>
-          <a:lstStyle/>
-          <a:p>
-            <a:pPr marL="0" indent="0">
-              <a:buNone/>
-            </a:pPr>
-            <a:r>
-              <a:rPr lang="it-IT" sz="2000" noProof="0" dirty="0"/>
-              <a:t>In tutto:</a:t>
-            </a:r>
-          </a:p>
-          <a:p>
-            <a:pPr lvl="1"/>
-            <a:r>
-              <a:rPr lang="it-IT" sz="2000" dirty="0"/>
-              <a:t>60 modelli rimossi perchè non rilevanti</a:t>
-            </a:r>
-          </a:p>
-          <a:p>
-            <a:pPr lvl="1"/>
-            <a:r>
-              <a:rPr lang="it-IT" sz="2000" noProof="0" dirty="0"/>
-              <a:t>25 modell</a:t>
-            </a:r>
-            <a:r>
-              <a:rPr lang="it-IT" sz="2000" dirty="0"/>
-              <a:t>i rimossi perchè non documentati</a:t>
-            </a:r>
-          </a:p>
-          <a:p>
-            <a:pPr lvl="1"/>
-            <a:r>
-              <a:rPr lang="it-IT" sz="2000" noProof="0" dirty="0"/>
-              <a:t>15 modelli approvati come </a:t>
-            </a:r>
-            <a:r>
-              <a:rPr lang="it-IT" sz="2000" dirty="0"/>
-              <a:t>‘’rilevanti’’</a:t>
-            </a:r>
-            <a:endParaRPr lang="it-IT" sz="2000" noProof="0" dirty="0"/>
-          </a:p>
-          <a:p>
-            <a:pPr marL="0" indent="0">
-              <a:buNone/>
-            </a:pPr>
-            <a:endParaRPr lang="it-IT" sz="1800" dirty="0"/>
-          </a:p>
-        </p:txBody>
-      </p:sp>
-      <p:graphicFrame>
-        <p:nvGraphicFramePr>
-          <p:cNvPr id="10" name="Chart 9">
-            <a:extLst>
-              <a:ext uri="{FF2B5EF4-FFF2-40B4-BE49-F238E27FC236}">
-                <a16:creationId xmlns:a16="http://schemas.microsoft.com/office/drawing/2014/main" id="{C8802C40-067F-D040-4D14-92204662DC69}"/>
-              </a:ext>
-            </a:extLst>
-          </p:cNvPr>
-          <p:cNvGraphicFramePr/>
-          <p:nvPr>
-            <p:extLst>
-              <p:ext uri="{D42A27DB-BD31-4B8C-83A1-F6EECF244321}">
-                <p14:modId xmlns:p14="http://schemas.microsoft.com/office/powerpoint/2010/main" val="474084117"/>
-              </p:ext>
-            </p:extLst>
-          </p:nvPr>
-        </p:nvGraphicFramePr>
-        <p:xfrm>
-          <a:off x="6427960" y="1720159"/>
-          <a:ext cx="5687589" cy="4870848"/>
-        </p:xfrm>
-        <a:graphic>
-          <a:graphicData uri="http://schemas.openxmlformats.org/drawingml/2006/chart">
-            <c:chart xmlns:c="http://schemas.openxmlformats.org/drawingml/2006/chart" xmlns:r="http://schemas.openxmlformats.org/officeDocument/2006/relationships" r:id="rId2"/>
-          </a:graphicData>
-        </a:graphic>
-      </p:graphicFrame>
-      <p:pic>
-        <p:nvPicPr>
-          <p:cNvPr id="12" name="Picture 11">
-            <a:extLst>
-              <a:ext uri="{FF2B5EF4-FFF2-40B4-BE49-F238E27FC236}">
-                <a16:creationId xmlns:a16="http://schemas.microsoft.com/office/drawing/2014/main" id="{96E66FA2-D553-DCF2-92C2-9AC5C22603F3}"/>
-              </a:ext>
-            </a:extLst>
-          </p:cNvPr>
-          <p:cNvPicPr>
-            <a:picLocks noChangeAspect="1"/>
-          </p:cNvPicPr>
-          <p:nvPr/>
-        </p:nvPicPr>
-        <p:blipFill>
-          <a:blip r:embed="rId3"/>
-          <a:stretch>
-            <a:fillRect/>
-          </a:stretch>
-        </p:blipFill>
-        <p:spPr>
-          <a:xfrm>
-            <a:off x="157931" y="3930059"/>
-            <a:ext cx="6605006" cy="2769504"/>
-          </a:xfrm>
-          <a:prstGeom prst="rect">
-            <a:avLst/>
-          </a:prstGeom>
-        </p:spPr>
-      </p:pic>
-      <p:sp>
-        <p:nvSpPr>
-          <p:cNvPr id="13" name="TextBox 12">
-            <a:extLst>
-              <a:ext uri="{FF2B5EF4-FFF2-40B4-BE49-F238E27FC236}">
-                <a16:creationId xmlns:a16="http://schemas.microsoft.com/office/drawing/2014/main" id="{7AF91A73-5C3A-7167-1416-C81158F1F11F}"/>
-              </a:ext>
-            </a:extLst>
-          </p:cNvPr>
-          <p:cNvSpPr txBox="1"/>
-          <p:nvPr/>
-        </p:nvSpPr>
-        <p:spPr>
-          <a:xfrm>
-            <a:off x="1744880" y="3509574"/>
-            <a:ext cx="2976777" cy="369332"/>
-          </a:xfrm>
-          <a:prstGeom prst="rect">
-            <a:avLst/>
-          </a:prstGeom>
-          <a:noFill/>
-        </p:spPr>
-        <p:txBody>
-          <a:bodyPr wrap="none" rtlCol="0">
-            <a:spAutoFit/>
-          </a:bodyPr>
-          <a:lstStyle/>
-          <a:p>
-            <a:r>
-              <a:rPr lang="it-IT" dirty="0"/>
-              <a:t>Lista Intera accessibile da [12]</a:t>
-            </a:r>
-          </a:p>
-        </p:txBody>
-      </p:sp>
-    </p:spTree>
-    <p:extLst>
-      <p:ext uri="{BB962C8B-B14F-4D97-AF65-F5344CB8AC3E}">
-        <p14:creationId xmlns:p14="http://schemas.microsoft.com/office/powerpoint/2010/main" val="2235080143"/>
-      </p:ext>
-    </p:extLst>
-  </p:cSld>
-  <p:clrMapOvr>
-    <a:masterClrMapping/>
-  </p:clrMapOvr>
-</p:sld>
-</file>
-
-<file path=ppt/slides/slide11.xml><?xml version="1.0" encoding="utf-8"?>
-<p:sld xmlns:a="http://schemas.openxmlformats.org/drawingml/2006/main" xmlns:r="http://schemas.openxmlformats.org/officeDocument/2006/relationships" xmlns:p="http://schemas.openxmlformats.org/presentationml/2006/main">
-  <p:cSld>
-    <p:spTree>
-      <p:nvGrpSpPr>
-        <p:cNvPr id="1" name="">
-          <a:extLst>
-            <a:ext uri="{FF2B5EF4-FFF2-40B4-BE49-F238E27FC236}">
               <a16:creationId xmlns:a16="http://schemas.microsoft.com/office/drawing/2014/main" id="{2996D1DD-CAF5-5B43-24D9-C2AFD5BF4876}"/>
             </a:ext>
           </a:extLst>
@@ -5419,7 +5174,7 @@
             <a:pPr lvl="1"/>
             <a:r>
               <a:rPr lang="it-IT" sz="2000" dirty="0"/>
-              <a:t>Analisi di immagini acquisite da droni (remote sensing)</a:t>
+              <a:t>Analisi di immagini acquisite da droni (Drone Image Processing)</a:t>
             </a:r>
             <a:endParaRPr lang="it-IT" sz="2000" dirty="0">
               <a:ea typeface="Calibri"/>
@@ -5478,7 +5233,7 @@
 </p:sld>
 </file>
 
-<file path=ppt/slides/slide12.xml><?xml version="1.0" encoding="utf-8"?>
+<file path=ppt/slides/slide11.xml><?xml version="1.0" encoding="utf-8"?>
 <p:sld xmlns:a="http://schemas.openxmlformats.org/drawingml/2006/main" xmlns:r="http://schemas.openxmlformats.org/officeDocument/2006/relationships" xmlns:p="http://schemas.openxmlformats.org/presentationml/2006/main">
   <p:cSld>
     <p:spTree>
@@ -5581,7 +5336,7 @@
 </p:sld>
 </file>
 
-<file path=ppt/slides/slide13.xml><?xml version="1.0" encoding="utf-8"?>
+<file path=ppt/slides/slide12.xml><?xml version="1.0" encoding="utf-8"?>
 <p:sld xmlns:a="http://schemas.openxmlformats.org/drawingml/2006/main" xmlns:r="http://schemas.openxmlformats.org/officeDocument/2006/relationships" xmlns:p="http://schemas.openxmlformats.org/presentationml/2006/main">
   <p:cSld>
     <p:spTree>
@@ -5867,7 +5622,7 @@
 </p:sld>
 </file>
 
-<file path=ppt/slides/slide14.xml><?xml version="1.0" encoding="utf-8"?>
+<file path=ppt/slides/slide13.xml><?xml version="1.0" encoding="utf-8"?>
 <p:sld xmlns:a="http://schemas.openxmlformats.org/drawingml/2006/main" xmlns:r="http://schemas.openxmlformats.org/officeDocument/2006/relationships" xmlns:p="http://schemas.openxmlformats.org/presentationml/2006/main">
   <p:cSld>
     <p:spTree>
@@ -5976,7 +5731,7 @@
 </p:sld>
 </file>
 
-<file path=ppt/slides/slide15.xml><?xml version="1.0" encoding="utf-8"?>
+<file path=ppt/slides/slide14.xml><?xml version="1.0" encoding="utf-8"?>
 <p:sld xmlns:a="http://schemas.openxmlformats.org/drawingml/2006/main" xmlns:r="http://schemas.openxmlformats.org/officeDocument/2006/relationships" xmlns:p="http://schemas.openxmlformats.org/presentationml/2006/main">
   <p:cSld>
     <p:spTree>
@@ -6555,7 +6310,7 @@
 </p:sld>
 </file>
 
-<file path=ppt/slides/slide16.xml><?xml version="1.0" encoding="utf-8"?>
+<file path=ppt/slides/slide15.xml><?xml version="1.0" encoding="utf-8"?>
 <p:sld xmlns:a="http://schemas.openxmlformats.org/drawingml/2006/main" xmlns:r="http://schemas.openxmlformats.org/officeDocument/2006/relationships" xmlns:p="http://schemas.openxmlformats.org/presentationml/2006/main">
   <p:cSld>
     <p:spTree>
@@ -6635,7 +6390,7 @@
         <p:spPr>
           <a:xfrm>
             <a:off x="986828" y="1016345"/>
-            <a:ext cx="10773623" cy="3200876"/>
+            <a:ext cx="10773623" cy="2954655"/>
           </a:xfrm>
           <a:prstGeom prst="rect">
             <a:avLst/>
@@ -6663,6 +6418,12 @@
             </a:endParaRPr>
           </a:p>
           <a:p>
+            <a:endParaRPr lang="it-IT" sz="2000" dirty="0">
+              <a:ea typeface="Calibri"/>
+              <a:cs typeface="Calibri"/>
+            </a:endParaRPr>
+          </a:p>
+          <a:p>
             <a:pPr marL="342900" indent="-342900">
               <a:buFont typeface="Arial"/>
               <a:buChar char="•"/>
@@ -6683,60 +6444,7 @@
             </a:r>
           </a:p>
           <a:p>
-            <a:pPr marL="742950" lvl="1" indent="-285750">
-              <a:buFont typeface="Arial"/>
-              <a:buChar char="•"/>
-            </a:pPr>
-            <a:r>
-              <a:rPr lang="it-IT" dirty="0">
-                <a:ea typeface="Calibri"/>
-                <a:cs typeface="Calibri"/>
-              </a:rPr>
-              <a:t>1: affinità generale al </a:t>
-            </a:r>
-            <a:r>
-              <a:rPr lang="it-IT" dirty="0" err="1">
-                <a:ea typeface="Calibri"/>
-                <a:cs typeface="Calibri"/>
-              </a:rPr>
-              <a:t>precision</a:t>
-            </a:r>
-            <a:r>
-              <a:rPr lang="it-IT" dirty="0">
-                <a:ea typeface="Calibri"/>
-                <a:cs typeface="Calibri"/>
-              </a:rPr>
-              <a:t> farming</a:t>
-            </a:r>
-          </a:p>
-          <a:p>
-            <a:pPr marL="742950" lvl="1" indent="-285750">
-              <a:buFont typeface="Arial"/>
-              <a:buChar char="•"/>
-            </a:pPr>
-            <a:r>
-              <a:rPr lang="it-IT" dirty="0">
-                <a:ea typeface="Calibri"/>
-                <a:cs typeface="Calibri"/>
-              </a:rPr>
-              <a:t>2: correlazione immediata ad una task rilevante in Farm-Tech</a:t>
-            </a:r>
-          </a:p>
-          <a:p>
-            <a:pPr marL="742950" lvl="1" indent="-285750">
-              <a:buFont typeface="Arial"/>
-              <a:buChar char="•"/>
-            </a:pPr>
-            <a:r>
-              <a:rPr lang="it-IT" dirty="0">
-                <a:ea typeface="Calibri"/>
-                <a:cs typeface="Calibri"/>
-              </a:rPr>
-              <a:t>3: uso di dati immediatamente rilevanti</a:t>
-            </a:r>
-          </a:p>
-          <a:p>
-            <a:pPr marL="742950" lvl="1" indent="-285750">
+            <a:pPr marL="342900" indent="-342900">
               <a:buFont typeface="Arial"/>
               <a:buChar char="•"/>
             </a:pPr>
@@ -6766,43 +6474,61 @@
             </a:r>
           </a:p>
           <a:p>
-            <a:pPr marL="742950" lvl="1" indent="-285750">
+            <a:pPr marL="285750" indent="-285750">
               <a:buFont typeface="Arial"/>
               <a:buChar char="•"/>
             </a:pPr>
+            <a:endParaRPr lang="it-IT" dirty="0">
+              <a:ea typeface="Calibri"/>
+              <a:cs typeface="Calibri"/>
+            </a:endParaRPr>
+          </a:p>
+          <a:p>
+            <a:pPr marL="285750" indent="-285750">
+              <a:buFont typeface="Arial"/>
+              <a:buChar char="•"/>
+            </a:pPr>
+            <a:r>
+              <a:rPr lang="it-IT" b="1" dirty="0">
+                <a:ea typeface="Calibri"/>
+                <a:cs typeface="Calibri"/>
+              </a:rPr>
+              <a:t>Ease of Evaluation (EE)</a:t>
+            </a:r>
             <a:r>
               <a:rPr lang="it-IT" dirty="0">
                 <a:ea typeface="Calibri"/>
                 <a:cs typeface="Calibri"/>
               </a:rPr>
-              <a:t>1: documentazione sufficiente per esecuzione del modello</a:t>
-            </a:r>
-          </a:p>
-          <a:p>
-            <a:pPr marL="742950" lvl="1" indent="-285750">
+              <a:t>: quanto è semplice valutare l'efficacia del modello nel nuovo campo</a:t>
+            </a:r>
+          </a:p>
+          <a:p>
+            <a:pPr marL="285750" indent="-285750">
               <a:buFont typeface="Arial"/>
               <a:buChar char="•"/>
             </a:pPr>
-            <a:r>
-              <a:rPr lang="it-IT" dirty="0">
-                <a:ea typeface="Calibri"/>
-                <a:cs typeface="Calibri"/>
-              </a:rPr>
-              <a:t>2: sintesi dell'architettura</a:t>
-            </a:r>
-          </a:p>
-          <a:p>
-            <a:pPr marL="742950" lvl="1" indent="-285750">
+            <a:endParaRPr lang="it-IT" dirty="0">
+              <a:ea typeface="Calibri"/>
+              <a:cs typeface="Calibri"/>
+            </a:endParaRPr>
+          </a:p>
+          <a:p>
+            <a:pPr marL="285750" indent="-285750">
               <a:buFont typeface="Arial"/>
               <a:buChar char="•"/>
             </a:pPr>
             <a:r>
-              <a:rPr lang="it-IT" dirty="0">
+              <a:rPr lang="it-IT" b="1" dirty="0">
                 <a:ea typeface="Calibri"/>
                 <a:cs typeface="Calibri"/>
               </a:rPr>
-              <a:t>3: quantità significativa di guide/tutorial</a:t>
-            </a:r>
+              <a:t>Licenza (LC)</a:t>
+            </a:r>
+            <a:endParaRPr lang="it-IT" dirty="0">
+              <a:ea typeface="Calibri"/>
+              <a:cs typeface="Calibri"/>
+            </a:endParaRPr>
           </a:p>
         </p:txBody>
       </p:sp>
@@ -6819,254 +6545,7 @@
 </p:sld>
 </file>
 
-<file path=ppt/slides/slide17.xml><?xml version="1.0" encoding="utf-8"?>
-<p:sld xmlns:a="http://schemas.openxmlformats.org/drawingml/2006/main" xmlns:r="http://schemas.openxmlformats.org/officeDocument/2006/relationships" xmlns:p="http://schemas.openxmlformats.org/presentationml/2006/main">
-  <p:cSld>
-    <p:spTree>
-      <p:nvGrpSpPr>
-        <p:cNvPr id="1" name="">
-          <a:extLst>
-            <a:ext uri="{FF2B5EF4-FFF2-40B4-BE49-F238E27FC236}">
-              <a16:creationId xmlns:a16="http://schemas.microsoft.com/office/drawing/2014/main" id="{8443BEE8-B9A8-53CF-C076-4CD8B199A4E8}"/>
-            </a:ext>
-          </a:extLst>
-        </p:cNvPr>
-        <p:cNvGrpSpPr/>
-        <p:nvPr/>
-      </p:nvGrpSpPr>
-      <p:grpSpPr>
-        <a:xfrm>
-          <a:off x="0" y="0"/>
-          <a:ext cx="0" cy="0"/>
-          <a:chOff x="0" y="0"/>
-          <a:chExt cx="0" cy="0"/>
-        </a:xfrm>
-      </p:grpSpPr>
-      <p:sp>
-        <p:nvSpPr>
-          <p:cNvPr id="2" name="Title 1">
-            <a:extLst>
-              <a:ext uri="{FF2B5EF4-FFF2-40B4-BE49-F238E27FC236}">
-                <a16:creationId xmlns:a16="http://schemas.microsoft.com/office/drawing/2014/main" id="{847DBAB7-FD45-F0E3-B0FE-1EC42ACA7906}"/>
-              </a:ext>
-            </a:extLst>
-          </p:cNvPr>
-          <p:cNvSpPr>
-            <a:spLocks noGrp="1"/>
-          </p:cNvSpPr>
-          <p:nvPr>
-            <p:ph type="title"/>
-          </p:nvPr>
-        </p:nvSpPr>
-        <p:spPr>
-          <a:xfrm>
-            <a:off x="838200" y="365126"/>
-            <a:ext cx="10515600" cy="766558"/>
-          </a:xfrm>
-        </p:spPr>
-        <p:txBody>
-          <a:bodyPr>
-            <a:normAutofit/>
-          </a:bodyPr>
-          <a:lstStyle/>
-          <a:p>
-            <a:r>
-              <a:rPr lang="it-IT" sz="3200" dirty="0">
-                <a:latin typeface="+mn-lt"/>
-              </a:rPr>
-              <a:t>Valutazione Riusabilità</a:t>
-            </a:r>
-            <a:endParaRPr lang="it-IT" sz="3200" u="sng" noProof="0" dirty="0" err="1">
-              <a:latin typeface="+mn-lt"/>
-              <a:ea typeface="Calibri"/>
-              <a:cs typeface="Calibri"/>
-            </a:endParaRPr>
-          </a:p>
-        </p:txBody>
-      </p:sp>
-      <p:sp>
-        <p:nvSpPr>
-          <p:cNvPr id="4" name="TextBox 3">
-            <a:extLst>
-              <a:ext uri="{FF2B5EF4-FFF2-40B4-BE49-F238E27FC236}">
-                <a16:creationId xmlns:a16="http://schemas.microsoft.com/office/drawing/2014/main" id="{A5633DC3-A1B8-C8D4-3544-61606F06ECBB}"/>
-              </a:ext>
-            </a:extLst>
-          </p:cNvPr>
-          <p:cNvSpPr txBox="1"/>
-          <p:nvPr/>
-        </p:nvSpPr>
-        <p:spPr>
-          <a:xfrm>
-            <a:off x="986828" y="1016345"/>
-            <a:ext cx="10773623" cy="2923877"/>
-          </a:xfrm>
-          <a:prstGeom prst="rect">
-            <a:avLst/>
-          </a:prstGeom>
-          <a:noFill/>
-        </p:spPr>
-        <p:txBody>
-          <a:bodyPr wrap="square" lIns="91440" tIns="45720" rIns="91440" bIns="45720" rtlCol="0" anchor="t">
-            <a:spAutoFit/>
-          </a:bodyPr>
-          <a:lstStyle/>
-          <a:p>
-            <a:r>
-              <a:rPr lang="it-IT" sz="2000" dirty="0">
-                <a:ea typeface="Calibri"/>
-                <a:cs typeface="Calibri"/>
-              </a:rPr>
-              <a:t>La metodologia proposta prevede l'assegnazione di un punteggio, da 1 a 3, in 4 categorie</a:t>
-            </a:r>
-          </a:p>
-          <a:p>
-            <a:endParaRPr lang="it-IT" sz="2000" dirty="0">
-              <a:ea typeface="Calibri"/>
-              <a:cs typeface="Calibri"/>
-            </a:endParaRPr>
-          </a:p>
-          <a:p>
-            <a:pPr marL="285750" indent="-285750">
-              <a:buFont typeface="Arial"/>
-              <a:buChar char="•"/>
-            </a:pPr>
-            <a:r>
-              <a:rPr lang="it-IT" b="1" dirty="0">
-                <a:ea typeface="Calibri"/>
-                <a:cs typeface="Calibri"/>
-              </a:rPr>
-              <a:t>Ease of Evaluation (EE)</a:t>
-            </a:r>
-            <a:r>
-              <a:rPr lang="it-IT" dirty="0">
-                <a:ea typeface="Calibri"/>
-                <a:cs typeface="Calibri"/>
-              </a:rPr>
-              <a:t>: quanto è semplice valutare l'efficacia del modello nel nuovo campo</a:t>
-            </a:r>
-          </a:p>
-          <a:p>
-            <a:pPr marL="742950" lvl="1" indent="-285750">
-              <a:buFont typeface="Arial"/>
-              <a:buChar char="•"/>
-            </a:pPr>
-            <a:r>
-              <a:rPr lang="it-IT" dirty="0">
-                <a:ea typeface="Calibri"/>
-                <a:cs typeface="Calibri"/>
-              </a:rPr>
-              <a:t>1: testing intensivo</a:t>
-            </a:r>
-          </a:p>
-          <a:p>
-            <a:pPr marL="742950" lvl="1" indent="-285750">
-              <a:buFont typeface="Arial"/>
-              <a:buChar char="•"/>
-            </a:pPr>
-            <a:r>
-              <a:rPr lang="it-IT" dirty="0">
-                <a:ea typeface="Calibri"/>
-                <a:cs typeface="Calibri"/>
-              </a:rPr>
-              <a:t>2: necessità di dati specifici</a:t>
-            </a:r>
-          </a:p>
-          <a:p>
-            <a:pPr marL="742950" lvl="1" indent="-285750">
-              <a:buFont typeface="Arial"/>
-              <a:buChar char="•"/>
-            </a:pPr>
-            <a:r>
-              <a:rPr lang="it-IT" dirty="0">
-                <a:ea typeface="Calibri"/>
-                <a:cs typeface="Calibri"/>
-              </a:rPr>
-              <a:t>3: dati general-purpose sufficenti</a:t>
-            </a:r>
-          </a:p>
-          <a:p>
-            <a:pPr marL="285750" indent="-285750">
-              <a:buFont typeface="Arial"/>
-              <a:buChar char="•"/>
-            </a:pPr>
-            <a:r>
-              <a:rPr lang="it-IT" b="1" dirty="0">
-                <a:ea typeface="Calibri"/>
-                <a:cs typeface="Calibri"/>
-              </a:rPr>
-              <a:t>Licenza (LC)</a:t>
-            </a:r>
-          </a:p>
-          <a:p>
-            <a:pPr marL="742950" lvl="1" indent="-285750">
-              <a:buFont typeface="Arial"/>
-              <a:buChar char="•"/>
-            </a:pPr>
-            <a:r>
-              <a:rPr lang="it-IT" dirty="0">
-                <a:ea typeface="Calibri"/>
-                <a:cs typeface="Calibri"/>
-              </a:rPr>
-              <a:t>1:</a:t>
-            </a:r>
-            <a:r>
-              <a:rPr lang="it-IT" b="1" dirty="0">
-                <a:ea typeface="Calibri"/>
-                <a:cs typeface="Calibri"/>
-              </a:rPr>
-              <a:t> </a:t>
-            </a:r>
-            <a:r>
-              <a:rPr lang="it-IT" dirty="0">
-                <a:ea typeface="Calibri"/>
-                <a:cs typeface="Calibri"/>
-              </a:rPr>
-              <a:t>licenza restrittiva</a:t>
-            </a:r>
-          </a:p>
-          <a:p>
-            <a:pPr marL="742950" lvl="1" indent="-285750">
-              <a:buFont typeface="Arial"/>
-              <a:buChar char="•"/>
-            </a:pPr>
-            <a:r>
-              <a:rPr lang="it-IT" dirty="0">
-                <a:ea typeface="Calibri"/>
-                <a:cs typeface="Calibri"/>
-              </a:rPr>
-              <a:t>2: licenza assente/contraddittoria</a:t>
-            </a:r>
-          </a:p>
-          <a:p>
-            <a:pPr marL="742950" lvl="1" indent="-285750">
-              <a:buFont typeface="Arial"/>
-              <a:buChar char="•"/>
-            </a:pPr>
-            <a:r>
-              <a:rPr lang="it-IT" dirty="0">
-                <a:ea typeface="Calibri"/>
-                <a:cs typeface="Calibri"/>
-              </a:rPr>
-              <a:t>3: licenza permissiva</a:t>
-            </a:r>
-          </a:p>
-        </p:txBody>
-      </p:sp>
-    </p:spTree>
-    <p:extLst>
-      <p:ext uri="{BB962C8B-B14F-4D97-AF65-F5344CB8AC3E}">
-        <p14:creationId xmlns:p14="http://schemas.microsoft.com/office/powerpoint/2010/main" val="1392815347"/>
-      </p:ext>
-    </p:extLst>
-  </p:cSld>
-  <p:clrMapOvr>
-    <a:masterClrMapping/>
-  </p:clrMapOvr>
-</p:sld>
-</file>
-
-<file path=ppt/slides/slide18.xml><?xml version="1.0" encoding="utf-8"?>
+<file path=ppt/slides/slide16.xml><?xml version="1.0" encoding="utf-8"?>
 <p:sld xmlns:a="http://schemas.openxmlformats.org/drawingml/2006/main" xmlns:r="http://schemas.openxmlformats.org/officeDocument/2006/relationships" xmlns:p="http://schemas.openxmlformats.org/presentationml/2006/main">
   <p:cSld>
     <p:spTree>
@@ -7233,7 +6712,7 @@
 </p:sld>
 </file>
 
-<file path=ppt/slides/slide19.xml><?xml version="1.0" encoding="utf-8"?>
+<file path=ppt/slides/slide17.xml><?xml version="1.0" encoding="utf-8"?>
 <p:sld xmlns:a="http://schemas.openxmlformats.org/drawingml/2006/main" xmlns:r="http://schemas.openxmlformats.org/officeDocument/2006/relationships" xmlns:p="http://schemas.openxmlformats.org/presentationml/2006/main">
   <p:cSld>
     <p:spTree>
@@ -7542,8 +7021,8 @@
           </p:sp>
         </mc:Fallback>
       </mc:AlternateContent>
-      <mc:AlternateContent xmlns:mc="http://schemas.openxmlformats.org/markup-compatibility/2006">
-        <mc:Choice xmlns:a14="http://schemas.microsoft.com/office/drawing/2010/main" Requires="a14">
+      <mc:AlternateContent xmlns:mc="http://schemas.openxmlformats.org/markup-compatibility/2006" xmlns:a14="http://schemas.microsoft.com/office/drawing/2010/main">
+        <mc:Choice Requires="a14">
           <p:sp>
             <p:nvSpPr>
               <p:cNvPr id="7" name="TextBox 6">
@@ -7645,7 +7124,7 @@
             </p:txBody>
           </p:sp>
         </mc:Choice>
-        <mc:Fallback>
+        <mc:Fallback xmlns="">
           <p:sp>
             <p:nvSpPr>
               <p:cNvPr id="7" name="TextBox 6">
@@ -7703,1171 +7182,7 @@
 </p:sld>
 </file>
 
-<file path=ppt/slides/slide2.xml><?xml version="1.0" encoding="utf-8"?>
-<p:sld xmlns:a="http://schemas.openxmlformats.org/drawingml/2006/main" xmlns:r="http://schemas.openxmlformats.org/officeDocument/2006/relationships" xmlns:p="http://schemas.openxmlformats.org/presentationml/2006/main">
-  <p:cSld>
-    <p:spTree>
-      <p:nvGrpSpPr>
-        <p:cNvPr id="1" name=""/>
-        <p:cNvGrpSpPr/>
-        <p:nvPr/>
-      </p:nvGrpSpPr>
-      <p:grpSpPr>
-        <a:xfrm>
-          <a:off x="0" y="0"/>
-          <a:ext cx="0" cy="0"/>
-          <a:chOff x="0" y="0"/>
-          <a:chExt cx="0" cy="0"/>
-        </a:xfrm>
-      </p:grpSpPr>
-      <p:sp>
-        <p:nvSpPr>
-          <p:cNvPr id="2" name="Title 1">
-            <a:extLst>
-              <a:ext uri="{FF2B5EF4-FFF2-40B4-BE49-F238E27FC236}">
-                <a16:creationId xmlns:a16="http://schemas.microsoft.com/office/drawing/2014/main" id="{391CF9F3-0A4B-2598-4BD4-CFEFAA88793E}"/>
-              </a:ext>
-            </a:extLst>
-          </p:cNvPr>
-          <p:cNvSpPr>
-            <a:spLocks noGrp="1"/>
-          </p:cNvSpPr>
-          <p:nvPr>
-            <p:ph type="title"/>
-          </p:nvPr>
-        </p:nvSpPr>
-        <p:spPr/>
-        <p:txBody>
-          <a:bodyPr>
-            <a:normAutofit/>
-          </a:bodyPr>
-          <a:lstStyle/>
-          <a:p>
-            <a:r>
-              <a:rPr lang="it-IT" sz="3200" noProof="0" dirty="0">
-                <a:latin typeface="+mn-lt"/>
-              </a:rPr>
-              <a:t>Perchè riusare i modelli?</a:t>
-            </a:r>
-          </a:p>
-        </p:txBody>
-      </p:sp>
-      <p:sp>
-        <p:nvSpPr>
-          <p:cNvPr id="3" name="Content Placeholder 2">
-            <a:extLst>
-              <a:ext uri="{FF2B5EF4-FFF2-40B4-BE49-F238E27FC236}">
-                <a16:creationId xmlns:a16="http://schemas.microsoft.com/office/drawing/2014/main" id="{B90A285E-0CBB-4FCB-DFD4-8CF59BD276EA}"/>
-              </a:ext>
-            </a:extLst>
-          </p:cNvPr>
-          <p:cNvSpPr>
-            <a:spLocks noGrp="1"/>
-          </p:cNvSpPr>
-          <p:nvPr>
-            <p:ph idx="1"/>
-          </p:nvPr>
-        </p:nvSpPr>
-        <p:spPr/>
-        <p:txBody>
-          <a:bodyPr/>
-          <a:lstStyle/>
-          <a:p>
-            <a:r>
-              <a:rPr lang="it-IT" sz="1800" noProof="0" dirty="0"/>
-              <a:t>Il riuso consiste nell’adattare modelli AI già addestrati su grandi dataset a nuovi compiti</a:t>
-            </a:r>
-          </a:p>
-          <a:p>
-            <a:r>
-              <a:rPr lang="it-IT" sz="1800" noProof="0" dirty="0"/>
-              <a:t>Solo su HuggingFace sono caricati più di 2 milioni di modelli</a:t>
-            </a:r>
-          </a:p>
-          <a:p>
-            <a:r>
-              <a:rPr lang="it-IT" sz="1800" noProof="0" dirty="0"/>
-              <a:t>Riusare modelli pre-addestrati conviene in quanto:</a:t>
-            </a:r>
-          </a:p>
-          <a:p>
-            <a:pPr lvl="1"/>
-            <a:r>
-              <a:rPr lang="it-IT" sz="1400" noProof="0" dirty="0"/>
-              <a:t>riduce tempi e costi di addestramento</a:t>
-            </a:r>
-          </a:p>
-          <a:p>
-            <a:pPr lvl="1"/>
-            <a:r>
-              <a:rPr lang="it-IT" sz="1400" noProof="0" dirty="0"/>
-              <a:t>sfrutta conoscenze già acquisite su grandi dataset</a:t>
-            </a:r>
-          </a:p>
-          <a:p>
-            <a:pPr lvl="1"/>
-            <a:r>
-              <a:rPr lang="it-IT" sz="1400" noProof="0" dirty="0"/>
-              <a:t>‘’facile’’ adattamento a compiti specifici</a:t>
-            </a:r>
-          </a:p>
-          <a:p>
-            <a:endParaRPr lang="it-IT" noProof="0" dirty="0"/>
-          </a:p>
-        </p:txBody>
-      </p:sp>
-    </p:spTree>
-    <p:extLst>
-      <p:ext uri="{BB962C8B-B14F-4D97-AF65-F5344CB8AC3E}">
-        <p14:creationId xmlns:p14="http://schemas.microsoft.com/office/powerpoint/2010/main" val="2967086791"/>
-      </p:ext>
-    </p:extLst>
-  </p:cSld>
-  <p:clrMapOvr>
-    <a:masterClrMapping/>
-  </p:clrMapOvr>
-</p:sld>
-</file>
-
-<file path=ppt/slides/slide20.xml><?xml version="1.0" encoding="utf-8"?>
-<p:sld xmlns:a="http://schemas.openxmlformats.org/drawingml/2006/main" xmlns:r="http://schemas.openxmlformats.org/officeDocument/2006/relationships" xmlns:p="http://schemas.openxmlformats.org/presentationml/2006/main">
-  <p:cSld>
-    <p:spTree>
-      <p:nvGrpSpPr>
-        <p:cNvPr id="1" name="">
-          <a:extLst>
-            <a:ext uri="{FF2B5EF4-FFF2-40B4-BE49-F238E27FC236}">
-              <a16:creationId xmlns:a16="http://schemas.microsoft.com/office/drawing/2014/main" id="{0B5B1F48-E3AD-DD00-C929-87E4B226DE70}"/>
-            </a:ext>
-          </a:extLst>
-        </p:cNvPr>
-        <p:cNvGrpSpPr/>
-        <p:nvPr/>
-      </p:nvGrpSpPr>
-      <p:grpSpPr>
-        <a:xfrm>
-          <a:off x="0" y="0"/>
-          <a:ext cx="0" cy="0"/>
-          <a:chOff x="0" y="0"/>
-          <a:chExt cx="0" cy="0"/>
-        </a:xfrm>
-      </p:grpSpPr>
-      <p:sp>
-        <p:nvSpPr>
-          <p:cNvPr id="2" name="Title 1">
-            <a:extLst>
-              <a:ext uri="{FF2B5EF4-FFF2-40B4-BE49-F238E27FC236}">
-                <a16:creationId xmlns:a16="http://schemas.microsoft.com/office/drawing/2014/main" id="{FB1C31DA-C330-F8F2-31CA-280EAAED1639}"/>
-              </a:ext>
-            </a:extLst>
-          </p:cNvPr>
-          <p:cNvSpPr>
-            <a:spLocks noGrp="1"/>
-          </p:cNvSpPr>
-          <p:nvPr>
-            <p:ph type="title"/>
-          </p:nvPr>
-        </p:nvSpPr>
-        <p:spPr>
-          <a:xfrm>
-            <a:off x="838200" y="365126"/>
-            <a:ext cx="10515600" cy="766558"/>
-          </a:xfrm>
-        </p:spPr>
-        <p:txBody>
-          <a:bodyPr>
-            <a:normAutofit/>
-          </a:bodyPr>
-          <a:lstStyle/>
-          <a:p>
-            <a:r>
-              <a:rPr lang="it-IT" sz="3200" dirty="0">
-                <a:latin typeface="+mn-lt"/>
-              </a:rPr>
-              <a:t>Valutazione Riusabilità</a:t>
-            </a:r>
-            <a:endParaRPr lang="it-IT" sz="3200" u="sng" noProof="0" dirty="0" err="1">
-              <a:latin typeface="+mn-lt"/>
-              <a:ea typeface="Calibri"/>
-              <a:cs typeface="Calibri"/>
-            </a:endParaRPr>
-          </a:p>
-        </p:txBody>
-      </p:sp>
-      <p:sp>
-        <p:nvSpPr>
-          <p:cNvPr id="4" name="TextBox 3">
-            <a:extLst>
-              <a:ext uri="{FF2B5EF4-FFF2-40B4-BE49-F238E27FC236}">
-                <a16:creationId xmlns:a16="http://schemas.microsoft.com/office/drawing/2014/main" id="{853C27A3-F714-9000-E19B-8A25D12469F7}"/>
-              </a:ext>
-            </a:extLst>
-          </p:cNvPr>
-          <p:cNvSpPr txBox="1"/>
-          <p:nvPr/>
-        </p:nvSpPr>
-        <p:spPr>
-          <a:xfrm>
-            <a:off x="986828" y="1137150"/>
-            <a:ext cx="10773623" cy="5170646"/>
-          </a:xfrm>
-          <a:prstGeom prst="rect">
-            <a:avLst/>
-          </a:prstGeom>
-          <a:noFill/>
-        </p:spPr>
-        <p:txBody>
-          <a:bodyPr wrap="square" lIns="91440" tIns="45720" rIns="91440" bIns="45720" rtlCol="0" anchor="t">
-            <a:spAutoFit/>
-          </a:bodyPr>
-          <a:lstStyle/>
-          <a:p>
-            <a:pPr marL="342900" indent="-342900">
-              <a:buFont typeface="Arial"/>
-              <a:buChar char="•"/>
-            </a:pPr>
-            <a:r>
-              <a:rPr lang="it-IT" sz="2000" b="1" dirty="0">
-                <a:ea typeface="Calibri"/>
-                <a:cs typeface="Calibri"/>
-              </a:rPr>
-              <a:t>IBM Granite</a:t>
-            </a:r>
-            <a:r>
-              <a:rPr lang="it-IT" sz="2000" dirty="0">
-                <a:ea typeface="Calibri"/>
-                <a:cs typeface="Calibri"/>
-              </a:rPr>
-              <a:t>: </a:t>
-            </a:r>
-          </a:p>
-          <a:p>
-            <a:pPr marL="800100" lvl="1" indent="-342900">
-              <a:buFont typeface="Arial"/>
-              <a:buChar char="•"/>
-            </a:pPr>
-            <a:r>
-              <a:rPr lang="it-IT" dirty="0">
-                <a:ea typeface="Calibri"/>
-                <a:cs typeface="Calibri"/>
-              </a:rPr>
-              <a:t>PA: 2, modelli general-purpose addestrati su dati generici; Flowstate 1 perchè opera su serie temporali univariate</a:t>
-            </a:r>
-          </a:p>
-          <a:p>
-            <a:pPr marL="800100" lvl="1" indent="-342900">
-              <a:buFont typeface="Arial"/>
-              <a:buChar char="•"/>
-            </a:pPr>
-            <a:r>
-              <a:rPr lang="it-IT" dirty="0">
-                <a:ea typeface="Calibri"/>
-                <a:cs typeface="Calibri"/>
-              </a:rPr>
-              <a:t>QD: 3, supporto di paper tecnici che descrivono l'architettura; numerose guide sull'utilizzo</a:t>
-            </a:r>
-          </a:p>
-          <a:p>
-            <a:pPr marL="800100" lvl="1" indent="-342900">
-              <a:buFont typeface="Arial"/>
-              <a:buChar char="•"/>
-            </a:pPr>
-            <a:r>
-              <a:rPr lang="it-IT" dirty="0">
-                <a:ea typeface="Calibri"/>
-                <a:cs typeface="Calibri"/>
-              </a:rPr>
-              <a:t>EE: 2, dati generici non sono sufficienti</a:t>
-            </a:r>
-          </a:p>
-          <a:p>
-            <a:pPr marL="800100" lvl="1" indent="-342900">
-              <a:buFont typeface="Arial"/>
-              <a:buChar char="•"/>
-            </a:pPr>
-            <a:r>
-              <a:rPr lang="it-IT" dirty="0">
-                <a:ea typeface="Calibri"/>
-                <a:cs typeface="Calibri"/>
-              </a:rPr>
-              <a:t>LC: 3, tutti i modelli sono Apache 2.0</a:t>
-            </a:r>
-          </a:p>
-          <a:p>
-            <a:pPr marL="800100" lvl="1" indent="-342900">
-              <a:buFont typeface="Arial"/>
-              <a:buChar char="•"/>
-            </a:pPr>
-            <a:endParaRPr lang="it-IT" dirty="0">
-              <a:ea typeface="Calibri"/>
-              <a:cs typeface="Calibri"/>
-            </a:endParaRPr>
-          </a:p>
-          <a:p>
-            <a:pPr marL="342900" indent="-342900">
-              <a:buFont typeface="Arial"/>
-              <a:buChar char="•"/>
-            </a:pPr>
-            <a:r>
-              <a:rPr lang="it-IT" sz="2000" b="1" dirty="0" err="1">
-                <a:ea typeface="Calibri"/>
-                <a:cs typeface="Calibri"/>
-              </a:rPr>
-              <a:t>Disease</a:t>
-            </a:r>
-            <a:r>
-              <a:rPr lang="it-IT" sz="2000" b="1" dirty="0">
-                <a:ea typeface="Calibri"/>
-                <a:cs typeface="Calibri"/>
-              </a:rPr>
-              <a:t> </a:t>
-            </a:r>
-            <a:r>
-              <a:rPr lang="it-IT" sz="2000" b="1" dirty="0" err="1">
-                <a:ea typeface="Calibri"/>
-                <a:cs typeface="Calibri"/>
-              </a:rPr>
-              <a:t>Detection</a:t>
-            </a:r>
-            <a:r>
-              <a:rPr lang="it-IT" sz="2000" dirty="0">
-                <a:ea typeface="Calibri"/>
-                <a:cs typeface="Calibri"/>
-              </a:rPr>
-              <a:t>, modello con il punteggio maggiore:</a:t>
-            </a:r>
-          </a:p>
-          <a:p>
-            <a:pPr marL="800100" lvl="1" indent="-342900">
-              <a:buFont typeface="Arial"/>
-              <a:buChar char="•"/>
-            </a:pPr>
-            <a:r>
-              <a:rPr lang="it-IT" dirty="0">
-                <a:ea typeface="Calibri"/>
-                <a:cs typeface="Calibri"/>
-              </a:rPr>
-              <a:t>PA: 3, detection di malattie in piante, addestrato su una grande quantità di colture comuni</a:t>
-            </a:r>
-          </a:p>
-          <a:p>
-            <a:pPr marL="800100" lvl="1" indent="-342900">
-              <a:buFont typeface="Arial"/>
-              <a:buChar char="•"/>
-            </a:pPr>
-            <a:r>
-              <a:rPr lang="it-IT" dirty="0">
-                <a:ea typeface="Calibri"/>
-                <a:cs typeface="Calibri"/>
-              </a:rPr>
-              <a:t>QD: 2, l'architettura di ViT è nota, non sono fornite guide all'utilizzo del modello</a:t>
-            </a:r>
-          </a:p>
-          <a:p>
-            <a:pPr marL="800100" lvl="1" indent="-342900">
-              <a:buFont typeface="Arial"/>
-              <a:buChar char="•"/>
-            </a:pPr>
-            <a:r>
-              <a:rPr lang="it-IT" dirty="0">
-                <a:ea typeface="Calibri"/>
-                <a:cs typeface="Calibri"/>
-              </a:rPr>
-              <a:t>EE: 3, si possono usare immagini di piante generiche</a:t>
-            </a:r>
-          </a:p>
-          <a:p>
-            <a:pPr marL="800100" lvl="1" indent="-342900">
-              <a:buFont typeface="Arial"/>
-              <a:buChar char="•"/>
-            </a:pPr>
-            <a:r>
-              <a:rPr lang="it-IT" dirty="0">
-                <a:ea typeface="Calibri"/>
-                <a:cs typeface="Calibri"/>
-              </a:rPr>
-              <a:t>LC: 3, ViT è rilasciato sotto Apache 2.0, il modello sotto MiT; entrambe licenze permissive</a:t>
-            </a:r>
-          </a:p>
-          <a:p>
-            <a:pPr marL="800100" lvl="1" indent="-342900">
-              <a:buFont typeface="Arial"/>
-              <a:buChar char="•"/>
-            </a:pPr>
-            <a:endParaRPr lang="it-IT" dirty="0">
-              <a:ea typeface="Calibri"/>
-              <a:cs typeface="Calibri"/>
-            </a:endParaRPr>
-          </a:p>
-          <a:p>
-            <a:pPr marL="342900" indent="-342900">
-              <a:buFont typeface="Arial"/>
-              <a:buChar char="•"/>
-            </a:pPr>
-            <a:r>
-              <a:rPr lang="it-IT" sz="2000" b="1" dirty="0" err="1">
-                <a:ea typeface="Calibri"/>
-                <a:cs typeface="Calibri"/>
-              </a:rPr>
-              <a:t>Fruits</a:t>
-            </a:r>
-            <a:r>
-              <a:rPr lang="it-IT" sz="2000" b="1" dirty="0">
-                <a:ea typeface="Calibri"/>
-                <a:cs typeface="Calibri"/>
-              </a:rPr>
-              <a:t> and </a:t>
-            </a:r>
-            <a:r>
-              <a:rPr lang="it-IT" sz="2000" b="1" dirty="0" err="1">
-                <a:ea typeface="Calibri"/>
-                <a:cs typeface="Calibri"/>
-              </a:rPr>
-              <a:t>Vedgetables</a:t>
-            </a:r>
-            <a:r>
-              <a:rPr lang="it-IT" sz="2000" b="1" dirty="0">
-                <a:ea typeface="Calibri"/>
-                <a:cs typeface="Calibri"/>
-              </a:rPr>
-              <a:t> Detector</a:t>
-            </a:r>
-            <a:r>
-              <a:rPr lang="it-IT" sz="2000" dirty="0">
-                <a:ea typeface="Calibri"/>
-                <a:cs typeface="Calibri"/>
-              </a:rPr>
-              <a:t>:</a:t>
-            </a:r>
-          </a:p>
-          <a:p>
-            <a:pPr marL="800100" lvl="1" indent="-342900">
-              <a:buFont typeface="Arial"/>
-              <a:buChar char="•"/>
-            </a:pPr>
-            <a:r>
-              <a:rPr lang="it-IT" dirty="0">
-                <a:ea typeface="Calibri"/>
-                <a:cs typeface="Calibri"/>
-              </a:rPr>
-              <a:t>PA: 2, a differenza di </a:t>
-            </a:r>
-            <a:r>
-              <a:rPr lang="it-IT" dirty="0" err="1">
-                <a:ea typeface="Calibri"/>
-                <a:cs typeface="Calibri"/>
-              </a:rPr>
-              <a:t>Disease</a:t>
-            </a:r>
-            <a:r>
-              <a:rPr lang="it-IT" dirty="0">
-                <a:ea typeface="Calibri"/>
-                <a:cs typeface="Calibri"/>
-              </a:rPr>
-              <a:t> </a:t>
-            </a:r>
-            <a:r>
-              <a:rPr lang="it-IT" dirty="0" err="1">
-                <a:ea typeface="Calibri"/>
-                <a:cs typeface="Calibri"/>
-              </a:rPr>
-              <a:t>Detection</a:t>
-            </a:r>
-            <a:r>
-              <a:rPr lang="it-IT" dirty="0">
-                <a:ea typeface="Calibri"/>
-                <a:cs typeface="Calibri"/>
-              </a:rPr>
-              <a:t>, è solo in grado di rilevare piante</a:t>
-            </a:r>
-          </a:p>
-          <a:p>
-            <a:pPr marL="800100" lvl="1" indent="-342900">
-              <a:buFont typeface="Arial"/>
-              <a:buChar char="•"/>
-            </a:pPr>
-            <a:r>
-              <a:rPr lang="it-IT" dirty="0">
-                <a:ea typeface="Calibri"/>
-                <a:cs typeface="Calibri"/>
-              </a:rPr>
-              <a:t>QD: 2, basato su </a:t>
-            </a:r>
-            <a:r>
-              <a:rPr lang="it-IT" dirty="0" err="1">
-                <a:ea typeface="Calibri"/>
-                <a:cs typeface="Calibri"/>
-              </a:rPr>
-              <a:t>ResNet</a:t>
-            </a:r>
-            <a:r>
-              <a:rPr lang="it-IT" dirty="0">
-                <a:ea typeface="Calibri"/>
-                <a:cs typeface="Calibri"/>
-              </a:rPr>
-              <a:t> di </a:t>
-            </a:r>
-            <a:r>
-              <a:rPr lang="it-IT" dirty="0" err="1">
-                <a:ea typeface="Calibri"/>
-                <a:cs typeface="Calibri"/>
-              </a:rPr>
-              <a:t>microsoft</a:t>
-            </a:r>
-            <a:r>
-              <a:rPr lang="it-IT" dirty="0">
-                <a:ea typeface="Calibri"/>
-                <a:cs typeface="Calibri"/>
-              </a:rPr>
-              <a:t>, architettura nota ma senza guide dettagliate</a:t>
-            </a:r>
-          </a:p>
-          <a:p>
-            <a:pPr marL="800100" lvl="1" indent="-342900">
-              <a:buFont typeface="Arial"/>
-              <a:buChar char="•"/>
-            </a:pPr>
-            <a:r>
-              <a:rPr lang="it-IT" dirty="0">
-                <a:ea typeface="Calibri"/>
-                <a:cs typeface="Calibri"/>
-              </a:rPr>
-              <a:t>EE: 3, sono sufficienti immagine generiche</a:t>
-            </a:r>
-          </a:p>
-          <a:p>
-            <a:pPr marL="800100" lvl="1" indent="-342900">
-              <a:buFont typeface="Arial"/>
-              <a:buChar char="•"/>
-            </a:pPr>
-            <a:r>
-              <a:rPr lang="it-IT" dirty="0">
-                <a:ea typeface="Calibri"/>
-                <a:cs typeface="Calibri"/>
-              </a:rPr>
-              <a:t>LC: 3, Apache 2.0</a:t>
-            </a:r>
-          </a:p>
-        </p:txBody>
-      </p:sp>
-    </p:spTree>
-    <p:extLst>
-      <p:ext uri="{BB962C8B-B14F-4D97-AF65-F5344CB8AC3E}">
-        <p14:creationId xmlns:p14="http://schemas.microsoft.com/office/powerpoint/2010/main" val="3037045698"/>
-      </p:ext>
-    </p:extLst>
-  </p:cSld>
-  <p:clrMapOvr>
-    <a:masterClrMapping/>
-  </p:clrMapOvr>
-</p:sld>
-</file>
-
-<file path=ppt/slides/slide21.xml><?xml version="1.0" encoding="utf-8"?>
-<p:sld xmlns:a="http://schemas.openxmlformats.org/drawingml/2006/main" xmlns:r="http://schemas.openxmlformats.org/officeDocument/2006/relationships" xmlns:p="http://schemas.openxmlformats.org/presentationml/2006/main">
-  <p:cSld>
-    <p:spTree>
-      <p:nvGrpSpPr>
-        <p:cNvPr id="1" name="">
-          <a:extLst>
-            <a:ext uri="{FF2B5EF4-FFF2-40B4-BE49-F238E27FC236}">
-              <a16:creationId xmlns:a16="http://schemas.microsoft.com/office/drawing/2014/main" id="{57067620-D232-7E70-5FAA-AFBA4D4A4952}"/>
-            </a:ext>
-          </a:extLst>
-        </p:cNvPr>
-        <p:cNvGrpSpPr/>
-        <p:nvPr/>
-      </p:nvGrpSpPr>
-      <p:grpSpPr>
-        <a:xfrm>
-          <a:off x="0" y="0"/>
-          <a:ext cx="0" cy="0"/>
-          <a:chOff x="0" y="0"/>
-          <a:chExt cx="0" cy="0"/>
-        </a:xfrm>
-      </p:grpSpPr>
-      <p:sp>
-        <p:nvSpPr>
-          <p:cNvPr id="2" name="Title 1">
-            <a:extLst>
-              <a:ext uri="{FF2B5EF4-FFF2-40B4-BE49-F238E27FC236}">
-                <a16:creationId xmlns:a16="http://schemas.microsoft.com/office/drawing/2014/main" id="{0411B563-E4CC-6C49-B6E2-25CACB9B00AD}"/>
-              </a:ext>
-            </a:extLst>
-          </p:cNvPr>
-          <p:cNvSpPr>
-            <a:spLocks noGrp="1"/>
-          </p:cNvSpPr>
-          <p:nvPr>
-            <p:ph type="title"/>
-          </p:nvPr>
-        </p:nvSpPr>
-        <p:spPr>
-          <a:xfrm>
-            <a:off x="838200" y="365126"/>
-            <a:ext cx="10515600" cy="766558"/>
-          </a:xfrm>
-        </p:spPr>
-        <p:txBody>
-          <a:bodyPr>
-            <a:normAutofit/>
-          </a:bodyPr>
-          <a:lstStyle/>
-          <a:p>
-            <a:r>
-              <a:rPr lang="it-IT" sz="3200" dirty="0">
-                <a:latin typeface="+mn-lt"/>
-              </a:rPr>
-              <a:t>Valutazione Riusabilità</a:t>
-            </a:r>
-            <a:endParaRPr lang="it-IT" sz="3200" u="sng" noProof="0" dirty="0" err="1">
-              <a:latin typeface="+mn-lt"/>
-              <a:ea typeface="Calibri"/>
-              <a:cs typeface="Calibri"/>
-            </a:endParaRPr>
-          </a:p>
-        </p:txBody>
-      </p:sp>
-      <p:sp>
-        <p:nvSpPr>
-          <p:cNvPr id="4" name="TextBox 3">
-            <a:extLst>
-              <a:ext uri="{FF2B5EF4-FFF2-40B4-BE49-F238E27FC236}">
-                <a16:creationId xmlns:a16="http://schemas.microsoft.com/office/drawing/2014/main" id="{0D4B9732-2DB5-6053-837E-288C7058093C}"/>
-              </a:ext>
-            </a:extLst>
-          </p:cNvPr>
-          <p:cNvSpPr txBox="1"/>
-          <p:nvPr/>
-        </p:nvSpPr>
-        <p:spPr>
-          <a:xfrm>
-            <a:off x="986828" y="1137150"/>
-            <a:ext cx="10773623" cy="5170646"/>
-          </a:xfrm>
-          <a:prstGeom prst="rect">
-            <a:avLst/>
-          </a:prstGeom>
-          <a:noFill/>
-        </p:spPr>
-        <p:txBody>
-          <a:bodyPr wrap="square" lIns="91440" tIns="45720" rIns="91440" bIns="45720" rtlCol="0" anchor="t">
-            <a:spAutoFit/>
-          </a:bodyPr>
-          <a:lstStyle/>
-          <a:p>
-            <a:pPr marL="342900" indent="-342900">
-              <a:buFont typeface="Arial"/>
-              <a:buChar char="•"/>
-            </a:pPr>
-            <a:r>
-              <a:rPr lang="it-IT" sz="2000" b="1" dirty="0">
-                <a:ea typeface="Calibri"/>
-                <a:cs typeface="Calibri"/>
-              </a:rPr>
-              <a:t>Leaf Detection and Classification</a:t>
-            </a:r>
-            <a:r>
-              <a:rPr lang="it-IT" sz="2000" dirty="0">
-                <a:ea typeface="Calibri"/>
-                <a:cs typeface="Calibri"/>
-              </a:rPr>
-              <a:t>: </a:t>
-            </a:r>
-          </a:p>
-          <a:p>
-            <a:pPr marL="800100" lvl="1" indent="-342900">
-              <a:buFont typeface="Arial"/>
-              <a:buChar char="•"/>
-            </a:pPr>
-            <a:r>
-              <a:rPr lang="it-IT" dirty="0">
-                <a:ea typeface="Calibri"/>
-                <a:cs typeface="Calibri"/>
-              </a:rPr>
-              <a:t>PA: 3, è in grado di rilevare sia piante che malattie</a:t>
-            </a:r>
-          </a:p>
-          <a:p>
-            <a:pPr marL="800100" lvl="1" indent="-342900">
-              <a:buFont typeface="Arial"/>
-              <a:buChar char="•"/>
-            </a:pPr>
-            <a:r>
-              <a:rPr lang="it-IT" dirty="0">
-                <a:ea typeface="Calibri"/>
-                <a:cs typeface="Calibri"/>
-              </a:rPr>
-              <a:t>QD: 2, il framework sottostante (YOLO) fornisce un’elevata quantità di guide</a:t>
-            </a:r>
-          </a:p>
-          <a:p>
-            <a:pPr marL="800100" lvl="1" indent="-342900">
-              <a:buFont typeface="Arial"/>
-              <a:buChar char="•"/>
-            </a:pPr>
-            <a:r>
-              <a:rPr lang="it-IT" dirty="0">
-                <a:ea typeface="Calibri"/>
-                <a:cs typeface="Calibri"/>
-              </a:rPr>
-              <a:t>EE: 3, come i precedenti detector di piante, sono sufficienti immagini generiche</a:t>
-            </a:r>
-          </a:p>
-          <a:p>
-            <a:pPr marL="800100" lvl="1" indent="-342900">
-              <a:buFont typeface="Arial"/>
-              <a:buChar char="•"/>
-            </a:pPr>
-            <a:r>
-              <a:rPr lang="it-IT" dirty="0">
-                <a:ea typeface="Calibri"/>
-                <a:cs typeface="Calibri"/>
-              </a:rPr>
-              <a:t>LC: 2, modelli derivati da YOLO necessitano una licenza commerciale</a:t>
-            </a:r>
-          </a:p>
-          <a:p>
-            <a:pPr marL="800100" lvl="1" indent="-342900">
-              <a:buFont typeface="Arial"/>
-              <a:buChar char="•"/>
-            </a:pPr>
-            <a:endParaRPr lang="it-IT" dirty="0">
-              <a:ea typeface="Calibri"/>
-              <a:cs typeface="Calibri"/>
-            </a:endParaRPr>
-          </a:p>
-          <a:p>
-            <a:pPr marL="342900" indent="-342900">
-              <a:buFont typeface="Arial"/>
-              <a:buChar char="•"/>
-            </a:pPr>
-            <a:r>
-              <a:rPr lang="it-IT" sz="2000" b="1" dirty="0">
-                <a:ea typeface="Calibri"/>
-                <a:cs typeface="Calibri"/>
-              </a:rPr>
-              <a:t>Classification of Leaf Diseases</a:t>
-            </a:r>
-            <a:r>
-              <a:rPr lang="it-IT" sz="2000" dirty="0">
-                <a:ea typeface="Calibri"/>
-                <a:cs typeface="Calibri"/>
-              </a:rPr>
-              <a:t>:</a:t>
-            </a:r>
-          </a:p>
-          <a:p>
-            <a:pPr marL="800100" lvl="1" indent="-342900">
-              <a:buFont typeface="Arial"/>
-              <a:buChar char="•"/>
-            </a:pPr>
-            <a:r>
-              <a:rPr lang="it-IT" dirty="0">
-                <a:ea typeface="Calibri"/>
-                <a:cs typeface="Calibri"/>
-              </a:rPr>
-              <a:t>PA: 3, stesso di sopra</a:t>
-            </a:r>
-          </a:p>
-          <a:p>
-            <a:pPr marL="800100" lvl="1" indent="-342900">
-              <a:buFont typeface="Arial"/>
-              <a:buChar char="•"/>
-            </a:pPr>
-            <a:r>
-              <a:rPr lang="it-IT" dirty="0">
-                <a:ea typeface="Calibri"/>
-                <a:cs typeface="Calibri"/>
-              </a:rPr>
-              <a:t>QD: 2, il modello è supportato da un paper che spiega il processo di addestramento</a:t>
-            </a:r>
-          </a:p>
-          <a:p>
-            <a:pPr marL="800100" lvl="1" indent="-342900">
-              <a:buFont typeface="Arial"/>
-              <a:buChar char="•"/>
-            </a:pPr>
-            <a:r>
-              <a:rPr lang="it-IT" dirty="0">
-                <a:ea typeface="Calibri"/>
-                <a:cs typeface="Calibri"/>
-              </a:rPr>
-              <a:t>EE: 1, il modello fa uso di un LLM (LLaVa) per determinare la malattia presente, potrebbe essere necessario un testing approfondito per assicurare il funzionamento corretto dell’LLM</a:t>
-            </a:r>
-          </a:p>
-          <a:p>
-            <a:pPr marL="800100" lvl="1" indent="-342900">
-              <a:buFont typeface="Arial"/>
-              <a:buChar char="•"/>
-            </a:pPr>
-            <a:r>
-              <a:rPr lang="it-IT" dirty="0">
-                <a:ea typeface="Calibri"/>
-                <a:cs typeface="Calibri"/>
-              </a:rPr>
-              <a:t>LC: 2, una licenza potrebbe essere necessaria in base al numero di utenze mensili</a:t>
-            </a:r>
-          </a:p>
-          <a:p>
-            <a:pPr marL="800100" lvl="1" indent="-342900">
-              <a:buFont typeface="Arial"/>
-              <a:buChar char="•"/>
-            </a:pPr>
-            <a:endParaRPr lang="it-IT" dirty="0">
-              <a:ea typeface="Calibri"/>
-              <a:cs typeface="Calibri"/>
-            </a:endParaRPr>
-          </a:p>
-          <a:p>
-            <a:pPr marL="342900" indent="-342900">
-              <a:buFont typeface="Arial"/>
-              <a:buChar char="•"/>
-            </a:pPr>
-            <a:r>
-              <a:rPr lang="it-IT" sz="2000" b="1" dirty="0">
-                <a:ea typeface="Calibri"/>
-                <a:cs typeface="Calibri"/>
-              </a:rPr>
-              <a:t>Timeseries Anomaly Detection</a:t>
-            </a:r>
-            <a:endParaRPr lang="it-IT" sz="2000" dirty="0">
-              <a:ea typeface="Calibri"/>
-              <a:cs typeface="Calibri"/>
-            </a:endParaRPr>
-          </a:p>
-          <a:p>
-            <a:pPr marL="800100" lvl="1" indent="-342900">
-              <a:buFont typeface="Arial"/>
-              <a:buChar char="•"/>
-            </a:pPr>
-            <a:r>
-              <a:rPr lang="it-IT" dirty="0">
-                <a:ea typeface="Calibri"/>
-                <a:cs typeface="Calibri"/>
-              </a:rPr>
-              <a:t>PA: 1, il modello svolge solo anomaly detection esclusivamente su serie temporali univariate</a:t>
-            </a:r>
-          </a:p>
-          <a:p>
-            <a:pPr marL="800100" lvl="1" indent="-342900">
-              <a:buFont typeface="Arial"/>
-              <a:buChar char="•"/>
-            </a:pPr>
-            <a:r>
-              <a:rPr lang="it-IT" dirty="0">
-                <a:ea typeface="Calibri"/>
-                <a:cs typeface="Calibri"/>
-              </a:rPr>
-              <a:t>QD: 2, è addestrato come showcase della libreria Keras, il procedimento è noto</a:t>
-            </a:r>
-          </a:p>
-          <a:p>
-            <a:pPr marL="800100" lvl="1" indent="-342900">
-              <a:buFont typeface="Arial"/>
-              <a:buChar char="•"/>
-            </a:pPr>
-            <a:r>
-              <a:rPr lang="it-IT" dirty="0">
-                <a:ea typeface="Calibri"/>
-                <a:cs typeface="Calibri"/>
-              </a:rPr>
-              <a:t>EE: 2, stessa motivazione dei modelli IBM Granite</a:t>
-            </a:r>
-          </a:p>
-          <a:p>
-            <a:pPr marL="800100" lvl="1" indent="-342900">
-              <a:buFont typeface="Arial"/>
-              <a:buChar char="•"/>
-            </a:pPr>
-            <a:r>
-              <a:rPr lang="it-IT" dirty="0">
-                <a:ea typeface="Calibri"/>
-                <a:cs typeface="Calibri"/>
-              </a:rPr>
-              <a:t>LC: 2, non riporta nessuna licenza</a:t>
-            </a:r>
-          </a:p>
-        </p:txBody>
-      </p:sp>
-    </p:spTree>
-    <p:extLst>
-      <p:ext uri="{BB962C8B-B14F-4D97-AF65-F5344CB8AC3E}">
-        <p14:creationId xmlns:p14="http://schemas.microsoft.com/office/powerpoint/2010/main" val="4237367673"/>
-      </p:ext>
-    </p:extLst>
-  </p:cSld>
-  <p:clrMapOvr>
-    <a:masterClrMapping/>
-  </p:clrMapOvr>
-</p:sld>
-</file>
-
-<file path=ppt/slides/slide22.xml><?xml version="1.0" encoding="utf-8"?>
-<p:sld xmlns:a="http://schemas.openxmlformats.org/drawingml/2006/main" xmlns:r="http://schemas.openxmlformats.org/officeDocument/2006/relationships" xmlns:p="http://schemas.openxmlformats.org/presentationml/2006/main">
-  <p:cSld>
-    <p:spTree>
-      <p:nvGrpSpPr>
-        <p:cNvPr id="1" name="">
-          <a:extLst>
-            <a:ext uri="{FF2B5EF4-FFF2-40B4-BE49-F238E27FC236}">
-              <a16:creationId xmlns:a16="http://schemas.microsoft.com/office/drawing/2014/main" id="{81B3D920-DE11-2B28-E731-18D7F2D21168}"/>
-            </a:ext>
-          </a:extLst>
-        </p:cNvPr>
-        <p:cNvGrpSpPr/>
-        <p:nvPr/>
-      </p:nvGrpSpPr>
-      <p:grpSpPr>
-        <a:xfrm>
-          <a:off x="0" y="0"/>
-          <a:ext cx="0" cy="0"/>
-          <a:chOff x="0" y="0"/>
-          <a:chExt cx="0" cy="0"/>
-        </a:xfrm>
-      </p:grpSpPr>
-      <p:sp>
-        <p:nvSpPr>
-          <p:cNvPr id="2" name="Title 1">
-            <a:extLst>
-              <a:ext uri="{FF2B5EF4-FFF2-40B4-BE49-F238E27FC236}">
-                <a16:creationId xmlns:a16="http://schemas.microsoft.com/office/drawing/2014/main" id="{B2F6DD4F-1FD3-94F3-18E1-71A82F35C81A}"/>
-              </a:ext>
-            </a:extLst>
-          </p:cNvPr>
-          <p:cNvSpPr>
-            <a:spLocks noGrp="1"/>
-          </p:cNvSpPr>
-          <p:nvPr>
-            <p:ph type="title"/>
-          </p:nvPr>
-        </p:nvSpPr>
-        <p:spPr>
-          <a:xfrm>
-            <a:off x="838200" y="365126"/>
-            <a:ext cx="10515600" cy="766558"/>
-          </a:xfrm>
-        </p:spPr>
-        <p:txBody>
-          <a:bodyPr>
-            <a:normAutofit/>
-          </a:bodyPr>
-          <a:lstStyle/>
-          <a:p>
-            <a:r>
-              <a:rPr lang="it-IT" sz="3200" dirty="0">
-                <a:latin typeface="+mn-lt"/>
-              </a:rPr>
-              <a:t>Valutazione Riusabilità</a:t>
-            </a:r>
-            <a:endParaRPr lang="it-IT" sz="3200" u="sng" noProof="0" dirty="0" err="1">
-              <a:latin typeface="+mn-lt"/>
-              <a:ea typeface="Calibri"/>
-              <a:cs typeface="Calibri"/>
-            </a:endParaRPr>
-          </a:p>
-        </p:txBody>
-      </p:sp>
-      <p:sp>
-        <p:nvSpPr>
-          <p:cNvPr id="4" name="TextBox 3">
-            <a:extLst>
-              <a:ext uri="{FF2B5EF4-FFF2-40B4-BE49-F238E27FC236}">
-                <a16:creationId xmlns:a16="http://schemas.microsoft.com/office/drawing/2014/main" id="{448DB0B0-271C-B898-4FBD-28ADAE28EDEA}"/>
-              </a:ext>
-            </a:extLst>
-          </p:cNvPr>
-          <p:cNvSpPr txBox="1"/>
-          <p:nvPr/>
-        </p:nvSpPr>
-        <p:spPr>
-          <a:xfrm>
-            <a:off x="986828" y="1137150"/>
-            <a:ext cx="10773623" cy="3754874"/>
-          </a:xfrm>
-          <a:prstGeom prst="rect">
-            <a:avLst/>
-          </a:prstGeom>
-          <a:noFill/>
-        </p:spPr>
-        <p:txBody>
-          <a:bodyPr wrap="square" lIns="91440" tIns="45720" rIns="91440" bIns="45720" rtlCol="0" anchor="t">
-            <a:spAutoFit/>
-          </a:bodyPr>
-          <a:lstStyle/>
-          <a:p>
-            <a:pPr marL="342900" indent="-342900">
-              <a:buFont typeface="Arial"/>
-              <a:buChar char="•"/>
-            </a:pPr>
-            <a:r>
-              <a:rPr lang="it-IT" sz="2000" b="1" dirty="0">
-                <a:ea typeface="Calibri"/>
-                <a:cs typeface="Calibri"/>
-              </a:rPr>
-              <a:t>AdaptLLM Remote Sensing:</a:t>
-            </a:r>
-          </a:p>
-          <a:p>
-            <a:pPr marL="800100" lvl="1" indent="-342900">
-              <a:buFont typeface="Arial"/>
-              <a:buChar char="•"/>
-            </a:pPr>
-            <a:r>
-              <a:rPr lang="it-IT" dirty="0">
-                <a:ea typeface="Calibri"/>
-                <a:cs typeface="Calibri"/>
-              </a:rPr>
-              <a:t>PA: 3, fornire una descrizione in linguaggio naturale di immagini ottenute da droni può essere utile per tenere traccia dello stato delle colture</a:t>
-            </a:r>
-          </a:p>
-          <a:p>
-            <a:pPr marL="800100" lvl="1" indent="-342900">
-              <a:buFont typeface="Arial"/>
-              <a:buChar char="•"/>
-            </a:pPr>
-            <a:r>
-              <a:rPr lang="it-IT" dirty="0">
-                <a:ea typeface="Calibri"/>
-                <a:cs typeface="Calibri"/>
-              </a:rPr>
-              <a:t>QD: 2, architettura nota ma non sono forniti molti esempi di uso</a:t>
-            </a:r>
-          </a:p>
-          <a:p>
-            <a:pPr marL="800100" lvl="1" indent="-342900">
-              <a:buFont typeface="Arial"/>
-              <a:buChar char="•"/>
-            </a:pPr>
-            <a:r>
-              <a:rPr lang="it-IT" dirty="0">
-                <a:ea typeface="Calibri"/>
-                <a:cs typeface="Calibri"/>
-              </a:rPr>
-              <a:t>EE: 1, possibile testing intensivo per garantire il corretto funzionamento dell’LLM</a:t>
-            </a:r>
-          </a:p>
-          <a:p>
-            <a:pPr marL="800100" lvl="1" indent="-342900">
-              <a:buFont typeface="Arial"/>
-              <a:buChar char="•"/>
-            </a:pPr>
-            <a:r>
-              <a:rPr lang="it-IT" dirty="0">
-                <a:ea typeface="Calibri"/>
-                <a:cs typeface="Calibri"/>
-              </a:rPr>
-              <a:t>LC: 2, non è chiara la licenza di utilizzo</a:t>
-            </a:r>
-          </a:p>
-          <a:p>
-            <a:pPr marL="800100" lvl="1" indent="-342900">
-              <a:buFont typeface="Arial"/>
-              <a:buChar char="•"/>
-            </a:pPr>
-            <a:endParaRPr lang="it-IT" dirty="0">
-              <a:ea typeface="Calibri"/>
-              <a:cs typeface="Calibri"/>
-            </a:endParaRPr>
-          </a:p>
-          <a:p>
-            <a:pPr marL="342900" indent="-342900">
-              <a:buFont typeface="Arial"/>
-              <a:buChar char="•"/>
-            </a:pPr>
-            <a:r>
-              <a:rPr lang="it-IT" sz="2000" b="1" dirty="0">
-                <a:ea typeface="Calibri"/>
-                <a:cs typeface="Calibri"/>
-              </a:rPr>
-              <a:t>CropSeek LLM</a:t>
-            </a:r>
-            <a:r>
-              <a:rPr lang="it-IT" sz="2000" dirty="0">
-                <a:ea typeface="Calibri"/>
-                <a:cs typeface="Calibri"/>
-              </a:rPr>
-              <a:t>:</a:t>
-            </a:r>
-          </a:p>
-          <a:p>
-            <a:pPr marL="800100" lvl="1" indent="-342900">
-              <a:buFont typeface="Arial"/>
-              <a:buChar char="•"/>
-            </a:pPr>
-            <a:r>
-              <a:rPr lang="it-IT" dirty="0">
-                <a:ea typeface="Calibri"/>
-                <a:cs typeface="Calibri"/>
-              </a:rPr>
-              <a:t>PA: 2, dato lo scarso numero di dati usati per il fine-tuning</a:t>
-            </a:r>
-          </a:p>
-          <a:p>
-            <a:pPr marL="800100" lvl="1" indent="-342900">
-              <a:buFont typeface="Arial"/>
-              <a:buChar char="•"/>
-            </a:pPr>
-            <a:r>
-              <a:rPr lang="it-IT" dirty="0">
-                <a:ea typeface="Calibri"/>
-                <a:cs typeface="Calibri"/>
-              </a:rPr>
-              <a:t>QD: 3, essendo un chatbot non molta documentazione è necessaria</a:t>
-            </a:r>
-          </a:p>
-          <a:p>
-            <a:pPr marL="800100" lvl="1" indent="-342900">
-              <a:buFont typeface="Arial"/>
-              <a:buChar char="•"/>
-            </a:pPr>
-            <a:r>
-              <a:rPr lang="it-IT" dirty="0">
-                <a:ea typeface="Calibri"/>
-                <a:cs typeface="Calibri"/>
-              </a:rPr>
-              <a:t>EE: 1, come per gli altri LLM, potrebbe necessitare testing intensivo</a:t>
-            </a:r>
-          </a:p>
-          <a:p>
-            <a:pPr marL="800100" lvl="1" indent="-342900">
-              <a:buFont typeface="Arial"/>
-              <a:buChar char="•"/>
-            </a:pPr>
-            <a:r>
-              <a:rPr lang="it-IT" dirty="0">
-                <a:ea typeface="Calibri"/>
-                <a:cs typeface="Calibri"/>
-              </a:rPr>
-              <a:t>LC: 1, la licenza proibisce usi commerciali</a:t>
-            </a:r>
-          </a:p>
-          <a:p>
-            <a:pPr marL="800100" lvl="1" indent="-342900">
-              <a:buFont typeface="Arial"/>
-              <a:buChar char="•"/>
-            </a:pPr>
-            <a:endParaRPr lang="it-IT" dirty="0">
-              <a:ea typeface="Calibri"/>
-              <a:cs typeface="Calibri"/>
-            </a:endParaRPr>
-          </a:p>
-        </p:txBody>
-      </p:sp>
-    </p:spTree>
-    <p:extLst>
-      <p:ext uri="{BB962C8B-B14F-4D97-AF65-F5344CB8AC3E}">
-        <p14:creationId xmlns:p14="http://schemas.microsoft.com/office/powerpoint/2010/main" val="800466123"/>
-      </p:ext>
-    </p:extLst>
-  </p:cSld>
-  <p:clrMapOvr>
-    <a:masterClrMapping/>
-  </p:clrMapOvr>
-</p:sld>
-</file>
-
-<file path=ppt/slides/slide23.xml><?xml version="1.0" encoding="utf-8"?>
+<file path=ppt/slides/slide18.xml><?xml version="1.0" encoding="utf-8"?>
 <p:sld xmlns:a="http://schemas.openxmlformats.org/drawingml/2006/main" xmlns:r="http://schemas.openxmlformats.org/officeDocument/2006/relationships" xmlns:p="http://schemas.openxmlformats.org/presentationml/2006/main">
   <p:cSld>
     <p:spTree>
@@ -9052,7 +7367,7 @@
 </p:sld>
 </file>
 
-<file path=ppt/slides/slide24.xml><?xml version="1.0" encoding="utf-8"?>
+<file path=ppt/slides/slide19.xml><?xml version="1.0" encoding="utf-8"?>
 <p:sld xmlns:a="http://schemas.openxmlformats.org/drawingml/2006/main" xmlns:r="http://schemas.openxmlformats.org/officeDocument/2006/relationships" xmlns:p="http://schemas.openxmlformats.org/presentationml/2006/main">
   <p:cSld>
     <p:spTree>
@@ -9219,7 +7534,7 @@
                 <a:ea typeface="Calibri"/>
                 <a:cs typeface="Calibri"/>
               </a:rPr>
-              <a:t>Quelli rimanenti, richiedono l’acquisto di una licenza commerciale (tranne CropSeek)</a:t>
+              <a:t>Quelli rimanenti richiedono l’acquisto di una licenza commerciale (tranne CropSeek)</a:t>
             </a:r>
           </a:p>
           <a:p>
@@ -9315,7 +7630,133 @@
 </p:sld>
 </file>
 
-<file path=ppt/slides/slide25.xml><?xml version="1.0" encoding="utf-8"?>
+<file path=ppt/slides/slide2.xml><?xml version="1.0" encoding="utf-8"?>
+<p:sld xmlns:a="http://schemas.openxmlformats.org/drawingml/2006/main" xmlns:r="http://schemas.openxmlformats.org/officeDocument/2006/relationships" xmlns:p="http://schemas.openxmlformats.org/presentationml/2006/main">
+  <p:cSld>
+    <p:spTree>
+      <p:nvGrpSpPr>
+        <p:cNvPr id="1" name=""/>
+        <p:cNvGrpSpPr/>
+        <p:nvPr/>
+      </p:nvGrpSpPr>
+      <p:grpSpPr>
+        <a:xfrm>
+          <a:off x="0" y="0"/>
+          <a:ext cx="0" cy="0"/>
+          <a:chOff x="0" y="0"/>
+          <a:chExt cx="0" cy="0"/>
+        </a:xfrm>
+      </p:grpSpPr>
+      <p:sp>
+        <p:nvSpPr>
+          <p:cNvPr id="2" name="Title 1">
+            <a:extLst>
+              <a:ext uri="{FF2B5EF4-FFF2-40B4-BE49-F238E27FC236}">
+                <a16:creationId xmlns:a16="http://schemas.microsoft.com/office/drawing/2014/main" id="{391CF9F3-0A4B-2598-4BD4-CFEFAA88793E}"/>
+              </a:ext>
+            </a:extLst>
+          </p:cNvPr>
+          <p:cNvSpPr>
+            <a:spLocks noGrp="1"/>
+          </p:cNvSpPr>
+          <p:nvPr>
+            <p:ph type="title"/>
+          </p:nvPr>
+        </p:nvSpPr>
+        <p:spPr/>
+        <p:txBody>
+          <a:bodyPr>
+            <a:normAutofit/>
+          </a:bodyPr>
+          <a:lstStyle/>
+          <a:p>
+            <a:r>
+              <a:rPr lang="it-IT" sz="3200" noProof="0" dirty="0">
+                <a:latin typeface="+mn-lt"/>
+              </a:rPr>
+              <a:t>Perchè riusare i modelli?</a:t>
+            </a:r>
+          </a:p>
+        </p:txBody>
+      </p:sp>
+      <p:sp>
+        <p:nvSpPr>
+          <p:cNvPr id="3" name="Content Placeholder 2">
+            <a:extLst>
+              <a:ext uri="{FF2B5EF4-FFF2-40B4-BE49-F238E27FC236}">
+                <a16:creationId xmlns:a16="http://schemas.microsoft.com/office/drawing/2014/main" id="{B90A285E-0CBB-4FCB-DFD4-8CF59BD276EA}"/>
+              </a:ext>
+            </a:extLst>
+          </p:cNvPr>
+          <p:cNvSpPr>
+            <a:spLocks noGrp="1"/>
+          </p:cNvSpPr>
+          <p:nvPr>
+            <p:ph idx="1"/>
+          </p:nvPr>
+        </p:nvSpPr>
+        <p:spPr/>
+        <p:txBody>
+          <a:bodyPr/>
+          <a:lstStyle/>
+          <a:p>
+            <a:r>
+              <a:rPr lang="it-IT" sz="1800" noProof="0" dirty="0"/>
+              <a:t>Il riuso consiste nell’adattare modelli AI già addestrati su grandi dataset a nuovi compiti</a:t>
+            </a:r>
+          </a:p>
+          <a:p>
+            <a:r>
+              <a:rPr lang="it-IT" sz="1800" noProof="0" dirty="0"/>
+              <a:t>Solo su HuggingFace sono caricati più di 2 milioni di modelli</a:t>
+            </a:r>
+          </a:p>
+          <a:p>
+            <a:r>
+              <a:rPr lang="it-IT" sz="1800" noProof="0" dirty="0"/>
+              <a:t>Riusare modelli pre-addestrati conviene in quanto:</a:t>
+            </a:r>
+          </a:p>
+          <a:p>
+            <a:pPr lvl="1"/>
+            <a:r>
+              <a:rPr lang="it-IT" sz="1400" noProof="0" dirty="0"/>
+              <a:t>riduce tempi e costi di addestramento</a:t>
+            </a:r>
+          </a:p>
+          <a:p>
+            <a:pPr lvl="1"/>
+            <a:r>
+              <a:rPr lang="it-IT" sz="1400" noProof="0" dirty="0"/>
+              <a:t>sfrutta conoscenze già acquisite su grandi dataset</a:t>
+            </a:r>
+          </a:p>
+          <a:p>
+            <a:pPr lvl="1"/>
+            <a:r>
+              <a:rPr lang="it-IT" sz="1400" noProof="0" dirty="0"/>
+              <a:t>‘’facile’’ adattamento a compiti specifici</a:t>
+            </a:r>
+          </a:p>
+          <a:p>
+            <a:endParaRPr lang="it-IT" noProof="0" dirty="0"/>
+          </a:p>
+        </p:txBody>
+      </p:sp>
+    </p:spTree>
+    <p:extLst>
+      <p:ext uri="{BB962C8B-B14F-4D97-AF65-F5344CB8AC3E}">
+        <p14:creationId xmlns:p14="http://schemas.microsoft.com/office/powerpoint/2010/main" val="2967086791"/>
+      </p:ext>
+    </p:extLst>
+  </p:cSld>
+  <p:clrMapOvr>
+    <a:masterClrMapping/>
+  </p:clrMapOvr>
+</p:sld>
+</file>
+
+<file path=ppt/slides/slide20.xml><?xml version="1.0" encoding="utf-8"?>
 <p:sld xmlns:a="http://schemas.openxmlformats.org/drawingml/2006/main" xmlns:r="http://schemas.openxmlformats.org/officeDocument/2006/relationships" xmlns:p="http://schemas.openxmlformats.org/presentationml/2006/main">
   <p:cSld>
     <p:spTree>
@@ -9590,82 +8031,6 @@
             <a:r>
               <a:rPr lang="it-IT" sz="1200" dirty="0"/>
               <a:t>Grazie per l’attenzione</a:t>
-            </a:r>
-          </a:p>
-        </p:txBody>
-      </p:sp>
-      <p:sp>
-        <p:nvSpPr>
-          <p:cNvPr id="5" name="TextBox 4">
-            <a:extLst>
-              <a:ext uri="{FF2B5EF4-FFF2-40B4-BE49-F238E27FC236}">
-                <a16:creationId xmlns:a16="http://schemas.microsoft.com/office/drawing/2014/main" id="{AB55BBBC-7A4B-31CD-86BD-708E078381C5}"/>
-              </a:ext>
-            </a:extLst>
-          </p:cNvPr>
-          <p:cNvSpPr txBox="1"/>
-          <p:nvPr/>
-        </p:nvSpPr>
-        <p:spPr>
-          <a:xfrm>
-            <a:off x="6818012" y="269296"/>
-            <a:ext cx="4994495" cy="1077218"/>
-          </a:xfrm>
-          <a:prstGeom prst="rect">
-            <a:avLst/>
-          </a:prstGeom>
-          <a:noFill/>
-        </p:spPr>
-        <p:txBody>
-          <a:bodyPr wrap="square" rtlCol="0">
-            <a:spAutoFit/>
-          </a:bodyPr>
-          <a:lstStyle/>
-          <a:p>
-            <a:r>
-              <a:rPr lang="it-IT" sz="1600" i="1" dirty="0"/>
-              <a:t>Questa slide di sintesi l’ha suggetita il prof di Penta per facilitare ulteriori chiarimenti alla fine della presentazione</a:t>
-            </a:r>
-          </a:p>
-          <a:p>
-            <a:r>
-              <a:rPr lang="it-IT" sz="1600" i="1" dirty="0"/>
-              <a:t>Naturalmente questo commento lo tolgo per la presentazione effettiva</a:t>
-            </a:r>
-          </a:p>
-        </p:txBody>
-      </p:sp>
-      <p:sp>
-        <p:nvSpPr>
-          <p:cNvPr id="8" name="TextBox 7">
-            <a:extLst>
-              <a:ext uri="{FF2B5EF4-FFF2-40B4-BE49-F238E27FC236}">
-                <a16:creationId xmlns:a16="http://schemas.microsoft.com/office/drawing/2014/main" id="{FDE08505-B2C3-42DD-1AAA-5ACCC9217F81}"/>
-              </a:ext>
-            </a:extLst>
-          </p:cNvPr>
-          <p:cNvSpPr txBox="1"/>
-          <p:nvPr/>
-        </p:nvSpPr>
-        <p:spPr>
-          <a:xfrm>
-            <a:off x="7305391" y="5996226"/>
-            <a:ext cx="4994495" cy="584775"/>
-          </a:xfrm>
-          <a:prstGeom prst="rect">
-            <a:avLst/>
-          </a:prstGeom>
-          <a:noFill/>
-        </p:spPr>
-        <p:txBody>
-          <a:bodyPr wrap="square" rtlCol="0">
-            <a:spAutoFit/>
-          </a:bodyPr>
-          <a:lstStyle/>
-          <a:p>
-            <a:r>
-              <a:rPr lang="it-IT" sz="1600" i="1" dirty="0"/>
-              <a:t>Questo è piccolo in basso perchè sempre il prof di Penta dice che non gli piace</a:t>
             </a:r>
           </a:p>
         </p:txBody>
@@ -10343,135 +8708,6 @@
         <p:cNvPr id="1" name="">
           <a:extLst>
             <a:ext uri="{FF2B5EF4-FFF2-40B4-BE49-F238E27FC236}">
-              <a16:creationId xmlns:a16="http://schemas.microsoft.com/office/drawing/2014/main" id="{4B956913-B985-2897-46E7-126F19081B3E}"/>
-            </a:ext>
-          </a:extLst>
-        </p:cNvPr>
-        <p:cNvGrpSpPr/>
-        <p:nvPr/>
-      </p:nvGrpSpPr>
-      <p:grpSpPr>
-        <a:xfrm>
-          <a:off x="0" y="0"/>
-          <a:ext cx="0" cy="0"/>
-          <a:chOff x="0" y="0"/>
-          <a:chExt cx="0" cy="0"/>
-        </a:xfrm>
-      </p:grpSpPr>
-      <p:sp>
-        <p:nvSpPr>
-          <p:cNvPr id="2" name="Title 1">
-            <a:extLst>
-              <a:ext uri="{FF2B5EF4-FFF2-40B4-BE49-F238E27FC236}">
-                <a16:creationId xmlns:a16="http://schemas.microsoft.com/office/drawing/2014/main" id="{3503BF40-BE79-5D10-B38A-BFDC94D64862}"/>
-              </a:ext>
-            </a:extLst>
-          </p:cNvPr>
-          <p:cNvSpPr>
-            <a:spLocks noGrp="1"/>
-          </p:cNvSpPr>
-          <p:nvPr>
-            <p:ph type="title"/>
-          </p:nvPr>
-        </p:nvSpPr>
-        <p:spPr/>
-        <p:txBody>
-          <a:bodyPr>
-            <a:normAutofit/>
-          </a:bodyPr>
-          <a:lstStyle/>
-          <a:p>
-            <a:r>
-              <a:rPr lang="it-IT" sz="3200" noProof="0" dirty="0">
-                <a:latin typeface="+mn-lt"/>
-              </a:rPr>
-              <a:t>Metodologia di Ricerca</a:t>
-            </a:r>
-          </a:p>
-        </p:txBody>
-      </p:sp>
-      <p:sp>
-        <p:nvSpPr>
-          <p:cNvPr id="4" name="Content Placeholder 3">
-            <a:extLst>
-              <a:ext uri="{FF2B5EF4-FFF2-40B4-BE49-F238E27FC236}">
-                <a16:creationId xmlns:a16="http://schemas.microsoft.com/office/drawing/2014/main" id="{609167E6-727B-C726-3DBC-2D031933465D}"/>
-              </a:ext>
-            </a:extLst>
-          </p:cNvPr>
-          <p:cNvSpPr>
-            <a:spLocks noGrp="1"/>
-          </p:cNvSpPr>
-          <p:nvPr>
-            <p:ph idx="1"/>
-          </p:nvPr>
-        </p:nvSpPr>
-        <p:spPr/>
-        <p:txBody>
-          <a:bodyPr>
-            <a:normAutofit/>
-          </a:bodyPr>
-          <a:lstStyle/>
-          <a:p>
-            <a:r>
-              <a:rPr lang="it-IT" sz="2000" noProof="0" dirty="0"/>
-              <a:t>Business Understanding: valutare la riusabilità di modelli pre-addestrati all’interno di Farm-Tech</a:t>
-            </a:r>
-          </a:p>
-          <a:p>
-            <a:r>
-              <a:rPr lang="it-IT" sz="2000" noProof="0" dirty="0"/>
-              <a:t>Data Understanding: partendo da una lista di modelli, possiamo determinare il loro scopo in base alle informazioni fornite sulla loro model card</a:t>
-            </a:r>
-          </a:p>
-          <a:p>
-            <a:r>
-              <a:rPr lang="it-IT" sz="2000" noProof="0" dirty="0"/>
-              <a:t>Data Preparation: rimozione dei modelli non rilevanti dalla lista (revisione manuale)</a:t>
-            </a:r>
-          </a:p>
-          <a:p>
-            <a:r>
-              <a:rPr lang="it-IT" sz="2000" noProof="0" dirty="0"/>
-              <a:t>Modeling: I modelli rilevanti possono essere raggruppati in base alla task che compiono e analizzati a livello di dati, architettura, licenza</a:t>
-            </a:r>
-          </a:p>
-          <a:p>
-            <a:r>
-              <a:rPr lang="it-IT" sz="2000" noProof="0" dirty="0"/>
-              <a:t>Evaluation: combinando le informazioni ottenute dalle fasi precedenti, possiamo formulare una metrica per valutare la riusabilità di ogni modello considerato</a:t>
-            </a:r>
-          </a:p>
-          <a:p>
-            <a:r>
-              <a:rPr lang="it-IT" sz="2000" dirty="0"/>
-              <a:t>Deployment (?): considerazioni sulle implementazioni pratiche di ogni modello in Farm-Tech</a:t>
-            </a:r>
-            <a:endParaRPr lang="it-IT" sz="2000" noProof="0" dirty="0"/>
-          </a:p>
-        </p:txBody>
-      </p:sp>
-    </p:spTree>
-    <p:extLst>
-      <p:ext uri="{BB962C8B-B14F-4D97-AF65-F5344CB8AC3E}">
-        <p14:creationId xmlns:p14="http://schemas.microsoft.com/office/powerpoint/2010/main" val="3478071412"/>
-      </p:ext>
-    </p:extLst>
-  </p:cSld>
-  <p:clrMapOvr>
-    <a:masterClrMapping/>
-  </p:clrMapOvr>
-</p:sld>
-</file>
-
-<file path=ppt/slides/slide8.xml><?xml version="1.0" encoding="utf-8"?>
-<p:sld xmlns:a="http://schemas.openxmlformats.org/drawingml/2006/main" xmlns:r="http://schemas.openxmlformats.org/officeDocument/2006/relationships" xmlns:p="http://schemas.openxmlformats.org/presentationml/2006/main">
-  <p:cSld>
-    <p:spTree>
-      <p:nvGrpSpPr>
-        <p:cNvPr id="1" name="">
-          <a:extLst>
-            <a:ext uri="{FF2B5EF4-FFF2-40B4-BE49-F238E27FC236}">
               <a16:creationId xmlns:a16="http://schemas.microsoft.com/office/drawing/2014/main" id="{CB8EC75E-C1D6-1EB5-1CB0-BA9E3EF59E09}"/>
             </a:ext>
           </a:extLst>
@@ -10622,7 +8858,7 @@
 </p:sld>
 </file>
 
-<file path=ppt/slides/slide9.xml><?xml version="1.0" encoding="utf-8"?>
+<file path=ppt/slides/slide8.xml><?xml version="1.0" encoding="utf-8"?>
 <p:sld xmlns:a="http://schemas.openxmlformats.org/drawingml/2006/main" xmlns:r="http://schemas.openxmlformats.org/officeDocument/2006/relationships" xmlns:p="http://schemas.openxmlformats.org/presentationml/2006/main">
   <p:cSld>
     <p:spTree>
@@ -10877,6 +9113,246 @@
     <p:extLst>
       <p:ext uri="{BB962C8B-B14F-4D97-AF65-F5344CB8AC3E}">
         <p14:creationId xmlns:p14="http://schemas.microsoft.com/office/powerpoint/2010/main" val="1465074217"/>
+      </p:ext>
+    </p:extLst>
+  </p:cSld>
+  <p:clrMapOvr>
+    <a:masterClrMapping/>
+  </p:clrMapOvr>
+</p:sld>
+</file>
+
+<file path=ppt/slides/slide9.xml><?xml version="1.0" encoding="utf-8"?>
+<p:sld xmlns:a="http://schemas.openxmlformats.org/drawingml/2006/main" xmlns:r="http://schemas.openxmlformats.org/officeDocument/2006/relationships" xmlns:p="http://schemas.openxmlformats.org/presentationml/2006/main">
+  <p:cSld>
+    <p:spTree>
+      <p:nvGrpSpPr>
+        <p:cNvPr id="1" name="">
+          <a:extLst>
+            <a:ext uri="{FF2B5EF4-FFF2-40B4-BE49-F238E27FC236}">
+              <a16:creationId xmlns:a16="http://schemas.microsoft.com/office/drawing/2014/main" id="{C7D5AE15-F7CC-911E-0A0B-427E474E606D}"/>
+            </a:ext>
+          </a:extLst>
+        </p:cNvPr>
+        <p:cNvGrpSpPr/>
+        <p:nvPr/>
+      </p:nvGrpSpPr>
+      <p:grpSpPr>
+        <a:xfrm>
+          <a:off x="0" y="0"/>
+          <a:ext cx="0" cy="0"/>
+          <a:chOff x="0" y="0"/>
+          <a:chExt cx="0" cy="0"/>
+        </a:xfrm>
+      </p:grpSpPr>
+      <p:sp>
+        <p:nvSpPr>
+          <p:cNvPr id="2" name="Title 1">
+            <a:extLst>
+              <a:ext uri="{FF2B5EF4-FFF2-40B4-BE49-F238E27FC236}">
+                <a16:creationId xmlns:a16="http://schemas.microsoft.com/office/drawing/2014/main" id="{24BC11CF-743E-D110-4E8E-DC4AE4E10A2D}"/>
+              </a:ext>
+            </a:extLst>
+          </p:cNvPr>
+          <p:cNvSpPr>
+            <a:spLocks noGrp="1"/>
+          </p:cNvSpPr>
+          <p:nvPr>
+            <p:ph type="title"/>
+          </p:nvPr>
+        </p:nvSpPr>
+        <p:spPr>
+          <a:xfrm>
+            <a:off x="838200" y="365126"/>
+            <a:ext cx="10515600" cy="766558"/>
+          </a:xfrm>
+        </p:spPr>
+        <p:txBody>
+          <a:bodyPr>
+            <a:normAutofit/>
+          </a:bodyPr>
+          <a:lstStyle/>
+          <a:p>
+            <a:r>
+              <a:rPr lang="it-IT" sz="3200" noProof="0" dirty="0">
+                <a:latin typeface="+mn-lt"/>
+              </a:rPr>
+              <a:t>Filtraggio Manuale</a:t>
+            </a:r>
+          </a:p>
+        </p:txBody>
+      </p:sp>
+      <p:sp>
+        <p:nvSpPr>
+          <p:cNvPr id="4" name="Content Placeholder 3">
+            <a:extLst>
+              <a:ext uri="{FF2B5EF4-FFF2-40B4-BE49-F238E27FC236}">
+                <a16:creationId xmlns:a16="http://schemas.microsoft.com/office/drawing/2014/main" id="{8747B235-AABE-407D-A715-B06DA6886003}"/>
+              </a:ext>
+            </a:extLst>
+          </p:cNvPr>
+          <p:cNvSpPr>
+            <a:spLocks noGrp="1"/>
+          </p:cNvSpPr>
+          <p:nvPr>
+            <p:ph idx="1"/>
+          </p:nvPr>
+        </p:nvSpPr>
+        <p:spPr>
+          <a:xfrm>
+            <a:off x="838200" y="1182837"/>
+            <a:ext cx="10515600" cy="4351338"/>
+          </a:xfrm>
+        </p:spPr>
+        <p:txBody>
+          <a:bodyPr>
+            <a:normAutofit/>
+          </a:bodyPr>
+          <a:lstStyle/>
+          <a:p>
+            <a:pPr marL="0" indent="0">
+              <a:buNone/>
+            </a:pPr>
+            <a:r>
+              <a:rPr lang="it-IT" sz="2000" noProof="0" dirty="0"/>
+              <a:t>In tutto:</a:t>
+            </a:r>
+          </a:p>
+          <a:p>
+            <a:pPr lvl="1"/>
+            <a:r>
+              <a:rPr lang="it-IT" sz="2000" dirty="0"/>
+              <a:t>60 modelli rimossi perchè non rilevanti</a:t>
+            </a:r>
+          </a:p>
+          <a:p>
+            <a:pPr lvl="1"/>
+            <a:r>
+              <a:rPr lang="it-IT" sz="2000" noProof="0" dirty="0"/>
+              <a:t>25 modell</a:t>
+            </a:r>
+            <a:r>
+              <a:rPr lang="it-IT" sz="2000" dirty="0"/>
+              <a:t>i rimossi perchè non documentati</a:t>
+            </a:r>
+          </a:p>
+          <a:p>
+            <a:pPr lvl="1"/>
+            <a:r>
+              <a:rPr lang="it-IT" sz="2000" noProof="0" dirty="0"/>
+              <a:t>15 modelli approvati come </a:t>
+            </a:r>
+            <a:r>
+              <a:rPr lang="it-IT" sz="2000" dirty="0"/>
+              <a:t>‘’rilevanti’’</a:t>
+            </a:r>
+            <a:endParaRPr lang="it-IT" sz="2000" noProof="0" dirty="0"/>
+          </a:p>
+          <a:p>
+            <a:pPr marL="0" indent="0">
+              <a:buNone/>
+            </a:pPr>
+            <a:endParaRPr lang="it-IT" sz="1800" dirty="0"/>
+          </a:p>
+        </p:txBody>
+      </p:sp>
+      <p:graphicFrame>
+        <p:nvGraphicFramePr>
+          <p:cNvPr id="10" name="Chart 9">
+            <a:extLst>
+              <a:ext uri="{FF2B5EF4-FFF2-40B4-BE49-F238E27FC236}">
+                <a16:creationId xmlns:a16="http://schemas.microsoft.com/office/drawing/2014/main" id="{C8802C40-067F-D040-4D14-92204662DC69}"/>
+              </a:ext>
+            </a:extLst>
+          </p:cNvPr>
+          <p:cNvGraphicFramePr/>
+          <p:nvPr>
+            <p:extLst>
+              <p:ext uri="{D42A27DB-BD31-4B8C-83A1-F6EECF244321}">
+                <p14:modId xmlns:p14="http://schemas.microsoft.com/office/powerpoint/2010/main" val="474084117"/>
+              </p:ext>
+            </p:extLst>
+          </p:nvPr>
+        </p:nvGraphicFramePr>
+        <p:xfrm>
+          <a:off x="6427960" y="1720159"/>
+          <a:ext cx="5687589" cy="4870848"/>
+        </p:xfrm>
+        <a:graphic>
+          <a:graphicData uri="http://schemas.openxmlformats.org/drawingml/2006/chart">
+            <c:chart xmlns:c="http://schemas.openxmlformats.org/drawingml/2006/chart" xmlns:r="http://schemas.openxmlformats.org/officeDocument/2006/relationships" r:id="rId2"/>
+          </a:graphicData>
+        </a:graphic>
+      </p:graphicFrame>
+      <p:pic>
+        <p:nvPicPr>
+          <p:cNvPr id="12" name="Picture 11">
+            <a:extLst>
+              <a:ext uri="{FF2B5EF4-FFF2-40B4-BE49-F238E27FC236}">
+                <a16:creationId xmlns:a16="http://schemas.microsoft.com/office/drawing/2014/main" id="{96E66FA2-D553-DCF2-92C2-9AC5C22603F3}"/>
+              </a:ext>
+            </a:extLst>
+          </p:cNvPr>
+          <p:cNvPicPr>
+            <a:picLocks noChangeAspect="1"/>
+          </p:cNvPicPr>
+          <p:nvPr/>
+        </p:nvPicPr>
+        <p:blipFill>
+          <a:blip r:embed="rId3"/>
+          <a:stretch>
+            <a:fillRect/>
+          </a:stretch>
+        </p:blipFill>
+        <p:spPr>
+          <a:xfrm>
+            <a:off x="157931" y="3930059"/>
+            <a:ext cx="6605006" cy="2769504"/>
+          </a:xfrm>
+          <a:prstGeom prst="rect">
+            <a:avLst/>
+          </a:prstGeom>
+        </p:spPr>
+      </p:pic>
+      <p:sp>
+        <p:nvSpPr>
+          <p:cNvPr id="13" name="TextBox 12">
+            <a:extLst>
+              <a:ext uri="{FF2B5EF4-FFF2-40B4-BE49-F238E27FC236}">
+                <a16:creationId xmlns:a16="http://schemas.microsoft.com/office/drawing/2014/main" id="{7AF91A73-5C3A-7167-1416-C81158F1F11F}"/>
+              </a:ext>
+            </a:extLst>
+          </p:cNvPr>
+          <p:cNvSpPr txBox="1"/>
+          <p:nvPr/>
+        </p:nvSpPr>
+        <p:spPr>
+          <a:xfrm>
+            <a:off x="1744880" y="3509574"/>
+            <a:ext cx="2976777" cy="369332"/>
+          </a:xfrm>
+          <a:prstGeom prst="rect">
+            <a:avLst/>
+          </a:prstGeom>
+          <a:noFill/>
+        </p:spPr>
+        <p:txBody>
+          <a:bodyPr wrap="none" rtlCol="0">
+            <a:spAutoFit/>
+          </a:bodyPr>
+          <a:lstStyle/>
+          <a:p>
+            <a:r>
+              <a:rPr lang="it-IT" dirty="0"/>
+              <a:t>Lista Intera accessibile da [12]</a:t>
+            </a:r>
+          </a:p>
+        </p:txBody>
+      </p:sp>
+    </p:spTree>
+    <p:extLst>
+      <p:ext uri="{BB962C8B-B14F-4D97-AF65-F5344CB8AC3E}">
+        <p14:creationId xmlns:p14="http://schemas.microsoft.com/office/powerpoint/2010/main" val="2235080143"/>
       </p:ext>
     </p:extLst>
   </p:cSld>

--- a/presentazione.pptx
+++ b/presentazione.pptx
@@ -5,29 +5,26 @@
     <p:sldMasterId id="2147483648" r:id="rId1"/>
   </p:sldMasterIdLst>
   <p:notesMasterIdLst>
-    <p:notesMasterId r:id="rId22"/>
+    <p:notesMasterId r:id="rId19"/>
   </p:notesMasterIdLst>
   <p:sldIdLst>
     <p:sldId id="256" r:id="rId2"/>
     <p:sldId id="257" r:id="rId3"/>
     <p:sldId id="258" r:id="rId4"/>
-    <p:sldId id="261" r:id="rId5"/>
-    <p:sldId id="259" r:id="rId6"/>
-    <p:sldId id="262" r:id="rId7"/>
-    <p:sldId id="264" r:id="rId8"/>
-    <p:sldId id="265" r:id="rId9"/>
-    <p:sldId id="266" r:id="rId10"/>
-    <p:sldId id="267" r:id="rId11"/>
-    <p:sldId id="268" r:id="rId12"/>
-    <p:sldId id="269" r:id="rId13"/>
-    <p:sldId id="290" r:id="rId14"/>
-    <p:sldId id="279" r:id="rId15"/>
-    <p:sldId id="289" r:id="rId16"/>
-    <p:sldId id="281" r:id="rId17"/>
-    <p:sldId id="282" r:id="rId18"/>
-    <p:sldId id="286" r:id="rId19"/>
-    <p:sldId id="287" r:id="rId20"/>
-    <p:sldId id="288" r:id="rId21"/>
+    <p:sldId id="259" r:id="rId5"/>
+    <p:sldId id="262" r:id="rId6"/>
+    <p:sldId id="264" r:id="rId7"/>
+    <p:sldId id="265" r:id="rId8"/>
+    <p:sldId id="266" r:id="rId9"/>
+    <p:sldId id="267" r:id="rId10"/>
+    <p:sldId id="268" r:id="rId11"/>
+    <p:sldId id="290" r:id="rId12"/>
+    <p:sldId id="279" r:id="rId13"/>
+    <p:sldId id="289" r:id="rId14"/>
+    <p:sldId id="282" r:id="rId15"/>
+    <p:sldId id="286" r:id="rId16"/>
+    <p:sldId id="287" r:id="rId17"/>
+    <p:sldId id="288" r:id="rId18"/>
   </p:sldIdLst>
   <p:sldSz cx="12192000" cy="6858000"/>
   <p:notesSz cx="6858000" cy="9144000"/>
@@ -1066,6 +1063,470 @@
 </cs:chartStyle>
 </file>
 
+<file path=ppt/ink/ink1.xml><?xml version="1.0" encoding="utf-8"?>
+<inkml:ink xmlns:inkml="http://www.w3.org/2003/InkML">
+  <inkml:definitions>
+    <inkml:context xml:id="ctx0">
+      <inkml:inkSource xml:id="inkSrc0">
+        <inkml:traceFormat>
+          <inkml:channel name="X" type="integer" min="-2.14748E9" max="2.14748E9" units="cm"/>
+          <inkml:channel name="Y" type="integer" min="-2.14748E9" max="2.14748E9" units="cm"/>
+        </inkml:traceFormat>
+        <inkml:channelProperties>
+          <inkml:channelProperty channel="X" name="resolution" value="1000" units="1/cm"/>
+          <inkml:channelProperty channel="Y" name="resolution" value="1000" units="1/cm"/>
+        </inkml:channelProperties>
+      </inkml:inkSource>
+      <inkml:timestamp xml:id="ts0" timeString="2025-12-09T09:29:26.559"/>
+    </inkml:context>
+    <inkml:brush xml:id="br0">
+      <inkml:brushProperty name="width" value="0.3" units="cm"/>
+      <inkml:brushProperty name="height" value="0.6" units="cm"/>
+      <inkml:brushProperty name="color" value="#66FF66"/>
+      <inkml:brushProperty name="tip" value="rectangle"/>
+      <inkml:brushProperty name="rasterOp" value="maskPen"/>
+      <inkml:brushProperty name="ignorePressure" value="1"/>
+    </inkml:brush>
+  </inkml:definitions>
+  <inkml:trace contextRef="#ctx0" brushRef="#br0">1 1,'5370'0,"-5347"0</inkml:trace>
+</inkml:ink>
+</file>
+
+<file path=ppt/ink/ink10.xml><?xml version="1.0" encoding="utf-8"?>
+<inkml:ink xmlns:inkml="http://www.w3.org/2003/InkML">
+  <inkml:definitions>
+    <inkml:context xml:id="ctx0">
+      <inkml:inkSource xml:id="inkSrc0">
+        <inkml:traceFormat>
+          <inkml:channel name="X" type="integer" min="-2.14748E9" max="2.14748E9" units="cm"/>
+          <inkml:channel name="Y" type="integer" min="-2.14748E9" max="2.14748E9" units="cm"/>
+        </inkml:traceFormat>
+        <inkml:channelProperties>
+          <inkml:channelProperty channel="X" name="resolution" value="1000" units="1/cm"/>
+          <inkml:channelProperty channel="Y" name="resolution" value="1000" units="1/cm"/>
+        </inkml:channelProperties>
+      </inkml:inkSource>
+      <inkml:timestamp xml:id="ts0" timeString="2025-12-09T09:31:26.565"/>
+    </inkml:context>
+    <inkml:brush xml:id="br0">
+      <inkml:brushProperty name="width" value="0.3" units="cm"/>
+      <inkml:brushProperty name="height" value="0.6" units="cm"/>
+      <inkml:brushProperty name="color" value="#FF9933"/>
+      <inkml:brushProperty name="tip" value="rectangle"/>
+      <inkml:brushProperty name="rasterOp" value="maskPen"/>
+      <inkml:brushProperty name="ignorePressure" value="1"/>
+    </inkml:brush>
+  </inkml:definitions>
+  <inkml:trace contextRef="#ctx0" brushRef="#br0">1 0,'7567'0,"-7544"0</inkml:trace>
+</inkml:ink>
+</file>
+
+<file path=ppt/ink/ink11.xml><?xml version="1.0" encoding="utf-8"?>
+<inkml:ink xmlns:inkml="http://www.w3.org/2003/InkML">
+  <inkml:definitions>
+    <inkml:context xml:id="ctx0">
+      <inkml:inkSource xml:id="inkSrc0">
+        <inkml:traceFormat>
+          <inkml:channel name="X" type="integer" min="-2.14748E9" max="2.14748E9" units="cm"/>
+          <inkml:channel name="Y" type="integer" min="-2.14748E9" max="2.14748E9" units="cm"/>
+        </inkml:traceFormat>
+        <inkml:channelProperties>
+          <inkml:channelProperty channel="X" name="resolution" value="1000" units="1/cm"/>
+          <inkml:channelProperty channel="Y" name="resolution" value="1000" units="1/cm"/>
+        </inkml:channelProperties>
+      </inkml:inkSource>
+      <inkml:timestamp xml:id="ts0" timeString="2025-12-09T09:31:40.606"/>
+    </inkml:context>
+    <inkml:brush xml:id="br0">
+      <inkml:brushProperty name="width" value="0.3" units="cm"/>
+      <inkml:brushProperty name="height" value="0.6" units="cm"/>
+      <inkml:brushProperty name="color" value="#FF3300"/>
+      <inkml:brushProperty name="tip" value="rectangle"/>
+      <inkml:brushProperty name="rasterOp" value="maskPen"/>
+      <inkml:brushProperty name="ignorePressure" value="1"/>
+    </inkml:brush>
+  </inkml:definitions>
+  <inkml:trace contextRef="#ctx0" brushRef="#br0">1 0,'4129'0,"-4107"0</inkml:trace>
+</inkml:ink>
+</file>
+
+<file path=ppt/ink/ink12.xml><?xml version="1.0" encoding="utf-8"?>
+<inkml:ink xmlns:inkml="http://www.w3.org/2003/InkML">
+  <inkml:definitions>
+    <inkml:context xml:id="ctx0">
+      <inkml:inkSource xml:id="inkSrc0">
+        <inkml:traceFormat>
+          <inkml:channel name="X" type="integer" min="-2.14748E9" max="2.14748E9" units="cm"/>
+          <inkml:channel name="Y" type="integer" min="-2.14748E9" max="2.14748E9" units="cm"/>
+        </inkml:traceFormat>
+        <inkml:channelProperties>
+          <inkml:channelProperty channel="X" name="resolution" value="1000" units="1/cm"/>
+          <inkml:channelProperty channel="Y" name="resolution" value="1000" units="1/cm"/>
+        </inkml:channelProperties>
+      </inkml:inkSource>
+      <inkml:timestamp xml:id="ts0" timeString="2025-12-09T09:32:04.544"/>
+    </inkml:context>
+    <inkml:brush xml:id="br0">
+      <inkml:brushProperty name="width" value="0.3" units="cm"/>
+      <inkml:brushProperty name="height" value="0.6" units="cm"/>
+      <inkml:brushProperty name="color" value="#66FF66"/>
+      <inkml:brushProperty name="tip" value="rectangle"/>
+      <inkml:brushProperty name="rasterOp" value="maskPen"/>
+      <inkml:brushProperty name="ignorePressure" value="1"/>
+    </inkml:brush>
+  </inkml:definitions>
+  <inkml:trace contextRef="#ctx0" brushRef="#br0">1 1,'7938'0,"-7916"0</inkml:trace>
+</inkml:ink>
+</file>
+
+<file path=ppt/ink/ink13.xml><?xml version="1.0" encoding="utf-8"?>
+<inkml:ink xmlns:inkml="http://www.w3.org/2003/InkML">
+  <inkml:definitions>
+    <inkml:context xml:id="ctx0">
+      <inkml:inkSource xml:id="inkSrc0">
+        <inkml:traceFormat>
+          <inkml:channel name="X" type="integer" min="-2.14748E9" max="2.14748E9" units="cm"/>
+          <inkml:channel name="Y" type="integer" min="-2.14748E9" max="2.14748E9" units="cm"/>
+        </inkml:traceFormat>
+        <inkml:channelProperties>
+          <inkml:channelProperty channel="X" name="resolution" value="1000" units="1/cm"/>
+          <inkml:channelProperty channel="Y" name="resolution" value="1000" units="1/cm"/>
+        </inkml:channelProperties>
+      </inkml:inkSource>
+      <inkml:timestamp xml:id="ts0" timeString="2025-12-09T09:32:13.640"/>
+    </inkml:context>
+    <inkml:brush xml:id="br0">
+      <inkml:brushProperty name="width" value="0.3" units="cm"/>
+      <inkml:brushProperty name="height" value="0.6" units="cm"/>
+      <inkml:brushProperty name="color" value="#66FF66"/>
+      <inkml:brushProperty name="tip" value="rectangle"/>
+      <inkml:brushProperty name="rasterOp" value="maskPen"/>
+      <inkml:brushProperty name="ignorePressure" value="1"/>
+    </inkml:brush>
+  </inkml:definitions>
+  <inkml:trace contextRef="#ctx0" brushRef="#br0">1 1,'4816'0,"-4794"0</inkml:trace>
+</inkml:ink>
+</file>
+
+<file path=ppt/ink/ink14.xml><?xml version="1.0" encoding="utf-8"?>
+<inkml:ink xmlns:inkml="http://www.w3.org/2003/InkML">
+  <inkml:definitions>
+    <inkml:context xml:id="ctx0">
+      <inkml:inkSource xml:id="inkSrc0">
+        <inkml:traceFormat>
+          <inkml:channel name="X" type="integer" min="-2.14748E9" max="2.14748E9" units="cm"/>
+          <inkml:channel name="Y" type="integer" min="-2.14748E9" max="2.14748E9" units="cm"/>
+        </inkml:traceFormat>
+        <inkml:channelProperties>
+          <inkml:channelProperty channel="X" name="resolution" value="1000" units="1/cm"/>
+          <inkml:channelProperty channel="Y" name="resolution" value="1000" units="1/cm"/>
+        </inkml:channelProperties>
+      </inkml:inkSource>
+      <inkml:timestamp xml:id="ts0" timeString="2025-12-09T09:32:36.064"/>
+    </inkml:context>
+    <inkml:brush xml:id="br0">
+      <inkml:brushProperty name="width" value="0.3" units="cm"/>
+      <inkml:brushProperty name="height" value="0.6" units="cm"/>
+      <inkml:brushProperty name="color" value="#66FF66"/>
+      <inkml:brushProperty name="tip" value="rectangle"/>
+      <inkml:brushProperty name="rasterOp" value="maskPen"/>
+      <inkml:brushProperty name="ignorePressure" value="1"/>
+    </inkml:brush>
+  </inkml:definitions>
+  <inkml:trace contextRef="#ctx0" brushRef="#br0">1 0</inkml:trace>
+</inkml:ink>
+</file>
+
+<file path=ppt/ink/ink15.xml><?xml version="1.0" encoding="utf-8"?>
+<inkml:ink xmlns:inkml="http://www.w3.org/2003/InkML">
+  <inkml:definitions>
+    <inkml:context xml:id="ctx0">
+      <inkml:inkSource xml:id="inkSrc0">
+        <inkml:traceFormat>
+          <inkml:channel name="X" type="integer" min="-2.14748E9" max="2.14748E9" units="cm"/>
+          <inkml:channel name="Y" type="integer" min="-2.14748E9" max="2.14748E9" units="cm"/>
+        </inkml:traceFormat>
+        <inkml:channelProperties>
+          <inkml:channelProperty channel="X" name="resolution" value="1000" units="1/cm"/>
+          <inkml:channelProperty channel="Y" name="resolution" value="1000" units="1/cm"/>
+        </inkml:channelProperties>
+      </inkml:inkSource>
+      <inkml:timestamp xml:id="ts0" timeString="2025-12-09T09:32:41.005"/>
+    </inkml:context>
+    <inkml:brush xml:id="br0">
+      <inkml:brushProperty name="width" value="0.3" units="cm"/>
+      <inkml:brushProperty name="height" value="0.6" units="cm"/>
+      <inkml:brushProperty name="color" value="#FF9933"/>
+      <inkml:brushProperty name="tip" value="rectangle"/>
+      <inkml:brushProperty name="rasterOp" value="maskPen"/>
+      <inkml:brushProperty name="ignorePressure" value="1"/>
+    </inkml:brush>
+  </inkml:definitions>
+  <inkml:trace contextRef="#ctx0" brushRef="#br0">1 0,'0'0</inkml:trace>
+</inkml:ink>
+</file>
+
+<file path=ppt/ink/ink16.xml><?xml version="1.0" encoding="utf-8"?>
+<inkml:ink xmlns:inkml="http://www.w3.org/2003/InkML">
+  <inkml:definitions>
+    <inkml:context xml:id="ctx0">
+      <inkml:inkSource xml:id="inkSrc0">
+        <inkml:traceFormat>
+          <inkml:channel name="X" type="integer" min="-2.14748E9" max="2.14748E9" units="cm"/>
+          <inkml:channel name="Y" type="integer" min="-2.14748E9" max="2.14748E9" units="cm"/>
+        </inkml:traceFormat>
+        <inkml:channelProperties>
+          <inkml:channelProperty channel="X" name="resolution" value="1000" units="1/cm"/>
+          <inkml:channelProperty channel="Y" name="resolution" value="1000" units="1/cm"/>
+        </inkml:channelProperties>
+      </inkml:inkSource>
+      <inkml:timestamp xml:id="ts0" timeString="2025-12-09T09:32:45.087"/>
+    </inkml:context>
+    <inkml:brush xml:id="br0">
+      <inkml:brushProperty name="width" value="0.3" units="cm"/>
+      <inkml:brushProperty name="height" value="0.6" units="cm"/>
+      <inkml:brushProperty name="color" value="#FF3300"/>
+      <inkml:brushProperty name="tip" value="rectangle"/>
+      <inkml:brushProperty name="rasterOp" value="maskPen"/>
+      <inkml:brushProperty name="ignorePressure" value="1"/>
+    </inkml:brush>
+  </inkml:definitions>
+  <inkml:trace contextRef="#ctx0" brushRef="#br0">1 0,'0'0</inkml:trace>
+</inkml:ink>
+</file>
+
+<file path=ppt/ink/ink2.xml><?xml version="1.0" encoding="utf-8"?>
+<inkml:ink xmlns:inkml="http://www.w3.org/2003/InkML">
+  <inkml:definitions>
+    <inkml:context xml:id="ctx0">
+      <inkml:inkSource xml:id="inkSrc0">
+        <inkml:traceFormat>
+          <inkml:channel name="X" type="integer" min="-2.14748E9" max="2.14748E9" units="cm"/>
+          <inkml:channel name="Y" type="integer" min="-2.14748E9" max="2.14748E9" units="cm"/>
+        </inkml:traceFormat>
+        <inkml:channelProperties>
+          <inkml:channelProperty channel="X" name="resolution" value="1000" units="1/cm"/>
+          <inkml:channelProperty channel="Y" name="resolution" value="1000" units="1/cm"/>
+        </inkml:channelProperties>
+      </inkml:inkSource>
+      <inkml:timestamp xml:id="ts0" timeString="2025-12-09T09:29:32.624"/>
+    </inkml:context>
+    <inkml:brush xml:id="br0">
+      <inkml:brushProperty name="width" value="0.3" units="cm"/>
+      <inkml:brushProperty name="height" value="0.6" units="cm"/>
+      <inkml:brushProperty name="color" value="#66FF66"/>
+      <inkml:brushProperty name="tip" value="rectangle"/>
+      <inkml:brushProperty name="rasterOp" value="maskPen"/>
+      <inkml:brushProperty name="ignorePressure" value="1"/>
+    </inkml:brush>
+  </inkml:definitions>
+  <inkml:trace contextRef="#ctx0" brushRef="#br0">1 0,'2722'0,"-2706"0</inkml:trace>
+</inkml:ink>
+</file>
+
+<file path=ppt/ink/ink3.xml><?xml version="1.0" encoding="utf-8"?>
+<inkml:ink xmlns:inkml="http://www.w3.org/2003/InkML">
+  <inkml:definitions>
+    <inkml:context xml:id="ctx0">
+      <inkml:inkSource xml:id="inkSrc0">
+        <inkml:traceFormat>
+          <inkml:channel name="X" type="integer" min="-2.14748E9" max="2.14748E9" units="cm"/>
+          <inkml:channel name="Y" type="integer" min="-2.14748E9" max="2.14748E9" units="cm"/>
+        </inkml:traceFormat>
+        <inkml:channelProperties>
+          <inkml:channelProperty channel="X" name="resolution" value="1000" units="1/cm"/>
+          <inkml:channelProperty channel="Y" name="resolution" value="1000" units="1/cm"/>
+        </inkml:channelProperties>
+      </inkml:inkSource>
+      <inkml:timestamp xml:id="ts0" timeString="2025-12-09T09:29:45.932"/>
+    </inkml:context>
+    <inkml:brush xml:id="br0">
+      <inkml:brushProperty name="width" value="0.3" units="cm"/>
+      <inkml:brushProperty name="height" value="0.6" units="cm"/>
+      <inkml:brushProperty name="color" value="#66FF66"/>
+      <inkml:brushProperty name="tip" value="rectangle"/>
+      <inkml:brushProperty name="rasterOp" value="maskPen"/>
+      <inkml:brushProperty name="ignorePressure" value="1"/>
+    </inkml:brush>
+  </inkml:definitions>
+  <inkml:trace contextRef="#ctx0" brushRef="#br0">1 0,'4127'0,"-4104"0</inkml:trace>
+</inkml:ink>
+</file>
+
+<file path=ppt/ink/ink4.xml><?xml version="1.0" encoding="utf-8"?>
+<inkml:ink xmlns:inkml="http://www.w3.org/2003/InkML">
+  <inkml:definitions>
+    <inkml:context xml:id="ctx0">
+      <inkml:inkSource xml:id="inkSrc0">
+        <inkml:traceFormat>
+          <inkml:channel name="X" type="integer" min="-2.14748E9" max="2.14748E9" units="cm"/>
+          <inkml:channel name="Y" type="integer" min="-2.14748E9" max="2.14748E9" units="cm"/>
+        </inkml:traceFormat>
+        <inkml:channelProperties>
+          <inkml:channelProperty channel="X" name="resolution" value="1000" units="1/cm"/>
+          <inkml:channelProperty channel="Y" name="resolution" value="1000" units="1/cm"/>
+        </inkml:channelProperties>
+      </inkml:inkSource>
+      <inkml:timestamp xml:id="ts0" timeString="2025-12-09T09:29:52.990"/>
+    </inkml:context>
+    <inkml:brush xml:id="br0">
+      <inkml:brushProperty name="width" value="0.3" units="cm"/>
+      <inkml:brushProperty name="height" value="0.6" units="cm"/>
+      <inkml:brushProperty name="color" value="#66FF66"/>
+      <inkml:brushProperty name="tip" value="rectangle"/>
+      <inkml:brushProperty name="rasterOp" value="maskPen"/>
+      <inkml:brushProperty name="ignorePressure" value="1"/>
+    </inkml:brush>
+  </inkml:definitions>
+  <inkml:trace contextRef="#ctx0" brushRef="#br0">1 0,'3201'0,"-3178"0</inkml:trace>
+</inkml:ink>
+</file>
+
+<file path=ppt/ink/ink5.xml><?xml version="1.0" encoding="utf-8"?>
+<inkml:ink xmlns:inkml="http://www.w3.org/2003/InkML">
+  <inkml:definitions>
+    <inkml:context xml:id="ctx0">
+      <inkml:inkSource xml:id="inkSrc0">
+        <inkml:traceFormat>
+          <inkml:channel name="X" type="integer" min="-2.14748E9" max="2.14748E9" units="cm"/>
+          <inkml:channel name="Y" type="integer" min="-2.14748E9" max="2.14748E9" units="cm"/>
+        </inkml:traceFormat>
+        <inkml:channelProperties>
+          <inkml:channelProperty channel="X" name="resolution" value="1000" units="1/cm"/>
+          <inkml:channelProperty channel="Y" name="resolution" value="1000" units="1/cm"/>
+        </inkml:channelProperties>
+      </inkml:inkSource>
+      <inkml:timestamp xml:id="ts0" timeString="2025-12-09T09:30:03.386"/>
+    </inkml:context>
+    <inkml:brush xml:id="br0">
+      <inkml:brushProperty name="width" value="0.3" units="cm"/>
+      <inkml:brushProperty name="height" value="0.6" units="cm"/>
+      <inkml:brushProperty name="color" value="#66FF66"/>
+      <inkml:brushProperty name="tip" value="rectangle"/>
+      <inkml:brushProperty name="rasterOp" value="maskPen"/>
+      <inkml:brushProperty name="ignorePressure" value="1"/>
+    </inkml:brush>
+  </inkml:definitions>
+  <inkml:trace contextRef="#ctx0" brushRef="#br0">1 0,'5370'0,"-5347"0</inkml:trace>
+</inkml:ink>
+</file>
+
+<file path=ppt/ink/ink6.xml><?xml version="1.0" encoding="utf-8"?>
+<inkml:ink xmlns:inkml="http://www.w3.org/2003/InkML">
+  <inkml:definitions>
+    <inkml:context xml:id="ctx0">
+      <inkml:inkSource xml:id="inkSrc0">
+        <inkml:traceFormat>
+          <inkml:channel name="X" type="integer" min="-2.14748E9" max="2.14748E9" units="cm"/>
+          <inkml:channel name="Y" type="integer" min="-2.14748E9" max="2.14748E9" units="cm"/>
+        </inkml:traceFormat>
+        <inkml:channelProperties>
+          <inkml:channelProperty channel="X" name="resolution" value="1000" units="1/cm"/>
+          <inkml:channelProperty channel="Y" name="resolution" value="1000" units="1/cm"/>
+        </inkml:channelProperties>
+      </inkml:inkSource>
+      <inkml:timestamp xml:id="ts0" timeString="2025-12-09T09:30:11.868"/>
+    </inkml:context>
+    <inkml:brush xml:id="br0">
+      <inkml:brushProperty name="width" value="0.3" units="cm"/>
+      <inkml:brushProperty name="height" value="0.6" units="cm"/>
+      <inkml:brushProperty name="color" value="#66FF66"/>
+      <inkml:brushProperty name="tip" value="rectangle"/>
+      <inkml:brushProperty name="rasterOp" value="maskPen"/>
+      <inkml:brushProperty name="ignorePressure" value="1"/>
+    </inkml:brush>
+  </inkml:definitions>
+  <inkml:trace contextRef="#ctx0" brushRef="#br0">28 1,'-27'0,"46"0,47 0,2824 0,-2872 0</inkml:trace>
+</inkml:ink>
+</file>
+
+<file path=ppt/ink/ink7.xml><?xml version="1.0" encoding="utf-8"?>
+<inkml:ink xmlns:inkml="http://www.w3.org/2003/InkML">
+  <inkml:definitions>
+    <inkml:context xml:id="ctx0">
+      <inkml:inkSource xml:id="inkSrc0">
+        <inkml:traceFormat>
+          <inkml:channel name="X" type="integer" min="-2.14748E9" max="2.14748E9" units="cm"/>
+          <inkml:channel name="Y" type="integer" min="-2.14748E9" max="2.14748E9" units="cm"/>
+        </inkml:traceFormat>
+        <inkml:channelProperties>
+          <inkml:channelProperty channel="X" name="resolution" value="1000" units="1/cm"/>
+          <inkml:channelProperty channel="Y" name="resolution" value="1000" units="1/cm"/>
+        </inkml:channelProperties>
+      </inkml:inkSource>
+      <inkml:timestamp xml:id="ts0" timeString="2025-12-09T09:30:50.099"/>
+    </inkml:context>
+    <inkml:brush xml:id="br0">
+      <inkml:brushProperty name="width" value="0.3" units="cm"/>
+      <inkml:brushProperty name="height" value="0.6" units="cm"/>
+      <inkml:brushProperty name="color" value="#FF9933"/>
+      <inkml:brushProperty name="tip" value="rectangle"/>
+      <inkml:brushProperty name="rasterOp" value="maskPen"/>
+      <inkml:brushProperty name="ignorePressure" value="1"/>
+    </inkml:brush>
+  </inkml:definitions>
+  <inkml:trace contextRef="#ctx0" brushRef="#br0">1 0,'7990'0,"-7967"0</inkml:trace>
+</inkml:ink>
+</file>
+
+<file path=ppt/ink/ink8.xml><?xml version="1.0" encoding="utf-8"?>
+<inkml:ink xmlns:inkml="http://www.w3.org/2003/InkML">
+  <inkml:definitions>
+    <inkml:context xml:id="ctx0">
+      <inkml:inkSource xml:id="inkSrc0">
+        <inkml:traceFormat>
+          <inkml:channel name="X" type="integer" min="-2.14748E9" max="2.14748E9" units="cm"/>
+          <inkml:channel name="Y" type="integer" min="-2.14748E9" max="2.14748E9" units="cm"/>
+        </inkml:traceFormat>
+        <inkml:channelProperties>
+          <inkml:channelProperty channel="X" name="resolution" value="1000" units="1/cm"/>
+          <inkml:channelProperty channel="Y" name="resolution" value="1000" units="1/cm"/>
+        </inkml:channelProperties>
+      </inkml:inkSource>
+      <inkml:timestamp xml:id="ts0" timeString="2025-12-09T09:30:57.972"/>
+    </inkml:context>
+    <inkml:brush xml:id="br0">
+      <inkml:brushProperty name="width" value="0.3" units="cm"/>
+      <inkml:brushProperty name="height" value="0.6" units="cm"/>
+      <inkml:brushProperty name="color" value="#FF9933"/>
+      <inkml:brushProperty name="tip" value="rectangle"/>
+      <inkml:brushProperty name="rasterOp" value="maskPen"/>
+      <inkml:brushProperty name="ignorePressure" value="1"/>
+    </inkml:brush>
+  </inkml:definitions>
+  <inkml:trace contextRef="#ctx0" brushRef="#br0">1 0,'7912'0,"-7890"0</inkml:trace>
+</inkml:ink>
+</file>
+
+<file path=ppt/ink/ink9.xml><?xml version="1.0" encoding="utf-8"?>
+<inkml:ink xmlns:inkml="http://www.w3.org/2003/InkML">
+  <inkml:definitions>
+    <inkml:context xml:id="ctx0">
+      <inkml:inkSource xml:id="inkSrc0">
+        <inkml:traceFormat>
+          <inkml:channel name="X" type="integer" min="-2.14748E9" max="2.14748E9" units="cm"/>
+          <inkml:channel name="Y" type="integer" min="-2.14748E9" max="2.14748E9" units="cm"/>
+        </inkml:traceFormat>
+        <inkml:channelProperties>
+          <inkml:channelProperty channel="X" name="resolution" value="1000" units="1/cm"/>
+          <inkml:channelProperty channel="Y" name="resolution" value="1000" units="1/cm"/>
+        </inkml:channelProperties>
+      </inkml:inkSource>
+      <inkml:timestamp xml:id="ts0" timeString="2025-12-09T09:31:14.031"/>
+    </inkml:context>
+    <inkml:brush xml:id="br0">
+      <inkml:brushProperty name="width" value="0.3" units="cm"/>
+      <inkml:brushProperty name="height" value="0.6" units="cm"/>
+      <inkml:brushProperty name="color" value="#FF9933"/>
+      <inkml:brushProperty name="tip" value="rectangle"/>
+      <inkml:brushProperty name="rasterOp" value="maskPen"/>
+      <inkml:brushProperty name="ignorePressure" value="1"/>
+    </inkml:brush>
+  </inkml:definitions>
+  <inkml:trace contextRef="#ctx0" brushRef="#br0">1 0,'8256'0,"-8234"0</inkml:trace>
+</inkml:ink>
+</file>
+
 <file path=ppt/notesMasters/notesMaster1.xml><?xml version="1.0" encoding="utf-8"?>
 <p:notesMaster xmlns:a="http://schemas.openxmlformats.org/drawingml/2006/main" xmlns:r="http://schemas.openxmlformats.org/officeDocument/2006/relationships" xmlns:p="http://schemas.openxmlformats.org/presentationml/2006/main">
   <p:cSld>
@@ -1148,7 +1609,7 @@
           <a:p>
             <a:fld id="{E61F0387-846B-40EA-946D-51BC87A90898}" type="datetimeFigureOut">
               <a:rPr lang="it-IT" smtClean="0"/>
-              <a:t>08/12/2025</a:t>
+              <a:t>09/12/2025</a:t>
             </a:fld>
             <a:endParaRPr lang="it-IT"/>
           </a:p>
@@ -1481,7 +1942,7 @@
           <a:p>
             <a:fld id="{E25AF114-2902-442D-919C-9E8824142BF2}" type="slidenum">
               <a:rPr lang="it-IT" smtClean="0"/>
-              <a:t>20</a:t>
+              <a:t>17</a:t>
             </a:fld>
             <a:endParaRPr lang="it-IT"/>
           </a:p>
@@ -1649,7 +2110,7 @@
           <a:p>
             <a:fld id="{5B5BC3CB-4661-43F6-808C-2743A578ABD9}" type="datetimeFigureOut">
               <a:rPr lang="it-IT" smtClean="0"/>
-              <a:t>08/12/2025</a:t>
+              <a:t>09/12/2025</a:t>
             </a:fld>
             <a:endParaRPr lang="it-IT"/>
           </a:p>
@@ -1849,7 +2310,7 @@
           <a:p>
             <a:fld id="{5B5BC3CB-4661-43F6-808C-2743A578ABD9}" type="datetimeFigureOut">
               <a:rPr lang="it-IT" smtClean="0"/>
-              <a:t>08/12/2025</a:t>
+              <a:t>09/12/2025</a:t>
             </a:fld>
             <a:endParaRPr lang="it-IT"/>
           </a:p>
@@ -2059,7 +2520,7 @@
           <a:p>
             <a:fld id="{5B5BC3CB-4661-43F6-808C-2743A578ABD9}" type="datetimeFigureOut">
               <a:rPr lang="it-IT" smtClean="0"/>
-              <a:t>08/12/2025</a:t>
+              <a:t>09/12/2025</a:t>
             </a:fld>
             <a:endParaRPr lang="it-IT"/>
           </a:p>
@@ -2259,7 +2720,7 @@
           <a:p>
             <a:fld id="{5B5BC3CB-4661-43F6-808C-2743A578ABD9}" type="datetimeFigureOut">
               <a:rPr lang="it-IT" smtClean="0"/>
-              <a:t>08/12/2025</a:t>
+              <a:t>09/12/2025</a:t>
             </a:fld>
             <a:endParaRPr lang="it-IT"/>
           </a:p>
@@ -2535,7 +2996,7 @@
           <a:p>
             <a:fld id="{5B5BC3CB-4661-43F6-808C-2743A578ABD9}" type="datetimeFigureOut">
               <a:rPr lang="it-IT" smtClean="0"/>
-              <a:t>08/12/2025</a:t>
+              <a:t>09/12/2025</a:t>
             </a:fld>
             <a:endParaRPr lang="it-IT"/>
           </a:p>
@@ -2803,7 +3264,7 @@
           <a:p>
             <a:fld id="{5B5BC3CB-4661-43F6-808C-2743A578ABD9}" type="datetimeFigureOut">
               <a:rPr lang="it-IT" smtClean="0"/>
-              <a:t>08/12/2025</a:t>
+              <a:t>09/12/2025</a:t>
             </a:fld>
             <a:endParaRPr lang="it-IT"/>
           </a:p>
@@ -3218,7 +3679,7 @@
           <a:p>
             <a:fld id="{5B5BC3CB-4661-43F6-808C-2743A578ABD9}" type="datetimeFigureOut">
               <a:rPr lang="it-IT" smtClean="0"/>
-              <a:t>08/12/2025</a:t>
+              <a:t>09/12/2025</a:t>
             </a:fld>
             <a:endParaRPr lang="it-IT"/>
           </a:p>
@@ -3360,7 +3821,7 @@
           <a:p>
             <a:fld id="{5B5BC3CB-4661-43F6-808C-2743A578ABD9}" type="datetimeFigureOut">
               <a:rPr lang="it-IT" smtClean="0"/>
-              <a:t>08/12/2025</a:t>
+              <a:t>09/12/2025</a:t>
             </a:fld>
             <a:endParaRPr lang="it-IT"/>
           </a:p>
@@ -3473,7 +3934,7 @@
           <a:p>
             <a:fld id="{5B5BC3CB-4661-43F6-808C-2743A578ABD9}" type="datetimeFigureOut">
               <a:rPr lang="it-IT" smtClean="0"/>
-              <a:t>08/12/2025</a:t>
+              <a:t>09/12/2025</a:t>
             </a:fld>
             <a:endParaRPr lang="it-IT"/>
           </a:p>
@@ -3786,7 +4247,7 @@
           <a:p>
             <a:fld id="{5B5BC3CB-4661-43F6-808C-2743A578ABD9}" type="datetimeFigureOut">
               <a:rPr lang="it-IT" smtClean="0"/>
-              <a:t>08/12/2025</a:t>
+              <a:t>09/12/2025</a:t>
             </a:fld>
             <a:endParaRPr lang="it-IT"/>
           </a:p>
@@ -4075,7 +4536,7 @@
           <a:p>
             <a:fld id="{5B5BC3CB-4661-43F6-808C-2743A578ABD9}" type="datetimeFigureOut">
               <a:rPr lang="it-IT" smtClean="0"/>
-              <a:t>08/12/2025</a:t>
+              <a:t>09/12/2025</a:t>
             </a:fld>
             <a:endParaRPr lang="it-IT"/>
           </a:p>
@@ -4318,7 +4779,7 @@
           <a:p>
             <a:fld id="{5B5BC3CB-4661-43F6-808C-2743A578ABD9}" type="datetimeFigureOut">
               <a:rPr lang="it-IT" smtClean="0"/>
-              <a:t>08/12/2025</a:t>
+              <a:t>09/12/2025</a:t>
             </a:fld>
             <a:endParaRPr lang="it-IT"/>
           </a:p>
@@ -5068,179 +5529,6 @@
         <p:cNvPr id="1" name="">
           <a:extLst>
             <a:ext uri="{FF2B5EF4-FFF2-40B4-BE49-F238E27FC236}">
-              <a16:creationId xmlns:a16="http://schemas.microsoft.com/office/drawing/2014/main" id="{2996D1DD-CAF5-5B43-24D9-C2AFD5BF4876}"/>
-            </a:ext>
-          </a:extLst>
-        </p:cNvPr>
-        <p:cNvGrpSpPr/>
-        <p:nvPr/>
-      </p:nvGrpSpPr>
-      <p:grpSpPr>
-        <a:xfrm>
-          <a:off x="0" y="0"/>
-          <a:ext cx="0" cy="0"/>
-          <a:chOff x="0" y="0"/>
-          <a:chExt cx="0" cy="0"/>
-        </a:xfrm>
-      </p:grpSpPr>
-      <p:sp>
-        <p:nvSpPr>
-          <p:cNvPr id="2" name="Title 1">
-            <a:extLst>
-              <a:ext uri="{FF2B5EF4-FFF2-40B4-BE49-F238E27FC236}">
-                <a16:creationId xmlns:a16="http://schemas.microsoft.com/office/drawing/2014/main" id="{692298ED-78F5-6C8A-A53E-2834298F67C6}"/>
-              </a:ext>
-            </a:extLst>
-          </p:cNvPr>
-          <p:cNvSpPr>
-            <a:spLocks noGrp="1"/>
-          </p:cNvSpPr>
-          <p:nvPr>
-            <p:ph type="title"/>
-          </p:nvPr>
-        </p:nvSpPr>
-        <p:spPr>
-          <a:xfrm>
-            <a:off x="838200" y="365126"/>
-            <a:ext cx="10515600" cy="766558"/>
-          </a:xfrm>
-        </p:spPr>
-        <p:txBody>
-          <a:bodyPr>
-            <a:normAutofit/>
-          </a:bodyPr>
-          <a:lstStyle/>
-          <a:p>
-            <a:r>
-              <a:rPr lang="it-IT" sz="3200" noProof="0" dirty="0">
-                <a:latin typeface="+mn-lt"/>
-              </a:rPr>
-              <a:t>Modelli Rilevanti</a:t>
-            </a:r>
-          </a:p>
-        </p:txBody>
-      </p:sp>
-      <p:sp>
-        <p:nvSpPr>
-          <p:cNvPr id="4" name="Content Placeholder 3">
-            <a:extLst>
-              <a:ext uri="{FF2B5EF4-FFF2-40B4-BE49-F238E27FC236}">
-                <a16:creationId xmlns:a16="http://schemas.microsoft.com/office/drawing/2014/main" id="{DFDEA30E-715D-CF1B-8468-3304A7F48756}"/>
-              </a:ext>
-            </a:extLst>
-          </p:cNvPr>
-          <p:cNvSpPr>
-            <a:spLocks noGrp="1"/>
-          </p:cNvSpPr>
-          <p:nvPr>
-            <p:ph idx="1"/>
-          </p:nvPr>
-        </p:nvSpPr>
-        <p:spPr>
-          <a:xfrm>
-            <a:off x="838200" y="1182837"/>
-            <a:ext cx="10515600" cy="4351338"/>
-          </a:xfrm>
-        </p:spPr>
-        <p:txBody>
-          <a:bodyPr vert="horz" lIns="91440" tIns="45720" rIns="91440" bIns="45720" rtlCol="0" anchor="t">
-            <a:normAutofit/>
-          </a:bodyPr>
-          <a:lstStyle/>
-          <a:p>
-            <a:pPr marL="0" indent="0">
-              <a:buNone/>
-            </a:pPr>
-            <a:r>
-              <a:rPr lang="it-IT" sz="2000" dirty="0"/>
-              <a:t>I 15 modelli rilevanti svolgono 4 task:</a:t>
-            </a:r>
-          </a:p>
-          <a:p>
-            <a:pPr lvl="1"/>
-            <a:r>
-              <a:rPr lang="it-IT" sz="2000" dirty="0"/>
-              <a:t>Analisi di Serie Temporali</a:t>
-            </a:r>
-          </a:p>
-          <a:p>
-            <a:pPr lvl="1"/>
-            <a:r>
-              <a:rPr lang="it-IT" sz="2000" dirty="0"/>
-              <a:t>Classificazione di Immagini</a:t>
-            </a:r>
-          </a:p>
-          <a:p>
-            <a:pPr lvl="1"/>
-            <a:r>
-              <a:rPr lang="it-IT" sz="2000" dirty="0"/>
-              <a:t>Analisi di immagini acquisite da droni (Drone Image Processing)</a:t>
-            </a:r>
-            <a:endParaRPr lang="it-IT" sz="2000" dirty="0">
-              <a:ea typeface="Calibri"/>
-              <a:cs typeface="Calibri"/>
-            </a:endParaRPr>
-          </a:p>
-          <a:p>
-            <a:pPr lvl="1"/>
-            <a:r>
-              <a:rPr lang="it-IT" sz="2000" dirty="0"/>
-              <a:t>Assistente chatbot</a:t>
-            </a:r>
-          </a:p>
-        </p:txBody>
-      </p:sp>
-      <p:pic>
-        <p:nvPicPr>
-          <p:cNvPr id="5" name="Picture 4">
-            <a:extLst>
-              <a:ext uri="{FF2B5EF4-FFF2-40B4-BE49-F238E27FC236}">
-                <a16:creationId xmlns:a16="http://schemas.microsoft.com/office/drawing/2014/main" id="{8955469E-0F76-91F6-0E0C-7B626250A723}"/>
-              </a:ext>
-            </a:extLst>
-          </p:cNvPr>
-          <p:cNvPicPr>
-            <a:picLocks noChangeAspect="1"/>
-          </p:cNvPicPr>
-          <p:nvPr/>
-        </p:nvPicPr>
-        <p:blipFill>
-          <a:blip r:embed="rId2"/>
-          <a:stretch>
-            <a:fillRect/>
-          </a:stretch>
-        </p:blipFill>
-        <p:spPr>
-          <a:xfrm>
-            <a:off x="838200" y="3517629"/>
-            <a:ext cx="9103740" cy="2774529"/>
-          </a:xfrm>
-          <a:prstGeom prst="rect">
-            <a:avLst/>
-          </a:prstGeom>
-        </p:spPr>
-      </p:pic>
-    </p:spTree>
-    <p:extLst>
-      <p:ext uri="{BB962C8B-B14F-4D97-AF65-F5344CB8AC3E}">
-        <p14:creationId xmlns:p14="http://schemas.microsoft.com/office/powerpoint/2010/main" val="744833003"/>
-      </p:ext>
-    </p:extLst>
-  </p:cSld>
-  <p:clrMapOvr>
-    <a:masterClrMapping/>
-  </p:clrMapOvr>
-</p:sld>
-</file>
-
-<file path=ppt/slides/slide11.xml><?xml version="1.0" encoding="utf-8"?>
-<p:sld xmlns:a="http://schemas.openxmlformats.org/drawingml/2006/main" xmlns:r="http://schemas.openxmlformats.org/officeDocument/2006/relationships" xmlns:p="http://schemas.openxmlformats.org/presentationml/2006/main">
-  <p:cSld>
-    <p:spTree>
-      <p:nvGrpSpPr>
-        <p:cNvPr id="1" name="">
-          <a:extLst>
-            <a:ext uri="{FF2B5EF4-FFF2-40B4-BE49-F238E27FC236}">
               <a16:creationId xmlns:a16="http://schemas.microsoft.com/office/drawing/2014/main" id="{196A717C-F8F5-0091-E9F1-FD7384015C06}"/>
             </a:ext>
           </a:extLst>
@@ -5315,8 +5603,8 @@
         </p:blipFill>
         <p:spPr>
           <a:xfrm>
-            <a:off x="4332638" y="117695"/>
-            <a:ext cx="7021162" cy="6622610"/>
+            <a:off x="4707771" y="0"/>
+            <a:ext cx="7270719" cy="6858000"/>
           </a:xfrm>
           <a:prstGeom prst="rect">
             <a:avLst/>
@@ -5336,293 +5624,7 @@
 </p:sld>
 </file>
 
-<file path=ppt/slides/slide12.xml><?xml version="1.0" encoding="utf-8"?>
-<p:sld xmlns:a="http://schemas.openxmlformats.org/drawingml/2006/main" xmlns:r="http://schemas.openxmlformats.org/officeDocument/2006/relationships" xmlns:p="http://schemas.openxmlformats.org/presentationml/2006/main">
-  <p:cSld>
-    <p:spTree>
-      <p:nvGrpSpPr>
-        <p:cNvPr id="1" name="">
-          <a:extLst>
-            <a:ext uri="{FF2B5EF4-FFF2-40B4-BE49-F238E27FC236}">
-              <a16:creationId xmlns:a16="http://schemas.microsoft.com/office/drawing/2014/main" id="{7654DAD5-FF8A-0D1A-835E-F1816F72EEE2}"/>
-            </a:ext>
-          </a:extLst>
-        </p:cNvPr>
-        <p:cNvGrpSpPr/>
-        <p:nvPr/>
-      </p:nvGrpSpPr>
-      <p:grpSpPr>
-        <a:xfrm>
-          <a:off x="0" y="0"/>
-          <a:ext cx="0" cy="0"/>
-          <a:chOff x="0" y="0"/>
-          <a:chExt cx="0" cy="0"/>
-        </a:xfrm>
-      </p:grpSpPr>
-      <p:sp>
-        <p:nvSpPr>
-          <p:cNvPr id="2" name="Title 1">
-            <a:extLst>
-              <a:ext uri="{FF2B5EF4-FFF2-40B4-BE49-F238E27FC236}">
-                <a16:creationId xmlns:a16="http://schemas.microsoft.com/office/drawing/2014/main" id="{0B0E4392-CCFA-B0B2-A005-ED9B61C1D154}"/>
-              </a:ext>
-            </a:extLst>
-          </p:cNvPr>
-          <p:cNvSpPr>
-            <a:spLocks noGrp="1"/>
-          </p:cNvSpPr>
-          <p:nvPr>
-            <p:ph type="title"/>
-          </p:nvPr>
-        </p:nvSpPr>
-        <p:spPr>
-          <a:xfrm>
-            <a:off x="838200" y="365126"/>
-            <a:ext cx="10515600" cy="766558"/>
-          </a:xfrm>
-        </p:spPr>
-        <p:txBody>
-          <a:bodyPr>
-            <a:normAutofit/>
-          </a:bodyPr>
-          <a:lstStyle/>
-          <a:p>
-            <a:r>
-              <a:rPr lang="it-IT" sz="3200" noProof="0" dirty="0">
-                <a:latin typeface="+mn-lt"/>
-              </a:rPr>
-              <a:t>Modelli Rilevanti - Licenze</a:t>
-            </a:r>
-          </a:p>
-        </p:txBody>
-      </p:sp>
-      <p:sp>
-        <p:nvSpPr>
-          <p:cNvPr id="4" name="TextBox 3">
-            <a:extLst>
-              <a:ext uri="{FF2B5EF4-FFF2-40B4-BE49-F238E27FC236}">
-                <a16:creationId xmlns:a16="http://schemas.microsoft.com/office/drawing/2014/main" id="{801ACEF4-7552-94A1-327C-48A27C559D9A}"/>
-              </a:ext>
-            </a:extLst>
-          </p:cNvPr>
-          <p:cNvSpPr txBox="1"/>
-          <p:nvPr/>
-        </p:nvSpPr>
-        <p:spPr>
-          <a:xfrm>
-            <a:off x="986828" y="1276540"/>
-            <a:ext cx="10773623" cy="4370427"/>
-          </a:xfrm>
-          <a:prstGeom prst="rect">
-            <a:avLst/>
-          </a:prstGeom>
-          <a:noFill/>
-        </p:spPr>
-        <p:txBody>
-          <a:bodyPr wrap="square" lIns="91440" tIns="45720" rIns="91440" bIns="45720" rtlCol="0" anchor="t">
-            <a:spAutoFit/>
-          </a:bodyPr>
-          <a:lstStyle/>
-          <a:p>
-            <a:r>
-              <a:rPr lang="it-IT" sz="2000" dirty="0"/>
-              <a:t>Fattore importante è la licenza con cui il modello è rilasciato.</a:t>
-            </a:r>
-          </a:p>
-          <a:p>
-            <a:r>
-              <a:rPr lang="it-IT" sz="2000" dirty="0"/>
-              <a:t>Maggior parte dei modelli è rilasciato sotto Apache 2.0, permette l’uso in ambito commerciale</a:t>
-            </a:r>
-          </a:p>
-          <a:p>
-            <a:endParaRPr lang="it-IT" sz="2000" dirty="0"/>
-          </a:p>
-          <a:p>
-            <a:r>
-              <a:rPr lang="it-IT" sz="2000" dirty="0"/>
-              <a:t>I modelli segnati da (*) sono descritti in seguito:</a:t>
-            </a:r>
-            <a:endParaRPr lang="it-IT" sz="2000" dirty="0">
-              <a:ea typeface="Calibri"/>
-              <a:cs typeface="Calibri"/>
-            </a:endParaRPr>
-          </a:p>
-          <a:p>
-            <a:pPr marL="742950" lvl="1" indent="-285750">
-              <a:buFont typeface="Arial" panose="020B0604020202020204" pitchFamily="34" charset="0"/>
-              <a:buChar char="•"/>
-            </a:pPr>
-            <a:r>
-              <a:rPr lang="it-IT" dirty="0"/>
-              <a:t>Disease Detection [17]: rilasciato sotto MIT, è un fine-tune di ViT che presenta Apache 2.0; entrambe licenze permissive</a:t>
-            </a:r>
-          </a:p>
-          <a:p>
-            <a:pPr marL="742950" lvl="1" indent="-285750">
-              <a:buFont typeface="Arial" panose="020B0604020202020204" pitchFamily="34" charset="0"/>
-              <a:buChar char="•"/>
-            </a:pPr>
-            <a:endParaRPr lang="it-IT" dirty="0"/>
-          </a:p>
-          <a:p>
-            <a:pPr marL="742950" lvl="1" indent="-285750">
-              <a:buFont typeface="Arial" panose="020B0604020202020204" pitchFamily="34" charset="0"/>
-              <a:buChar char="•"/>
-            </a:pPr>
-            <a:r>
-              <a:rPr lang="it-IT" dirty="0"/>
-              <a:t>AdaptLLM Remote Sensing [20][25]: nessuna licenza, una repository GitHub linkata riporta licenza BIGAI</a:t>
-            </a:r>
-          </a:p>
-          <a:p>
-            <a:pPr marL="742950" lvl="1" indent="-285750">
-              <a:buFont typeface="Arial" panose="020B0604020202020204" pitchFamily="34" charset="0"/>
-              <a:buChar char="•"/>
-            </a:pPr>
-            <a:endParaRPr lang="it-IT" dirty="0"/>
-          </a:p>
-          <a:p>
-            <a:pPr marL="742950" lvl="1" indent="-285750">
-              <a:buFont typeface="Arial" panose="020B0604020202020204" pitchFamily="34" charset="0"/>
-              <a:buChar char="•"/>
-            </a:pPr>
-            <a:r>
-              <a:rPr lang="en-US" dirty="0"/>
-              <a:t>Leaf Detection and Classification [22]: </a:t>
-            </a:r>
-            <a:r>
-              <a:rPr lang="en-US" dirty="0" err="1"/>
-              <a:t>nessuna</a:t>
-            </a:r>
-            <a:r>
-              <a:rPr lang="en-US" dirty="0"/>
-              <a:t> </a:t>
-            </a:r>
-            <a:r>
-              <a:rPr lang="en-US" dirty="0" err="1"/>
-              <a:t>licenza</a:t>
-            </a:r>
-            <a:r>
-              <a:rPr lang="en-US" dirty="0"/>
-              <a:t>, ma </a:t>
-            </a:r>
-            <a:r>
-              <a:rPr lang="en-US" dirty="0" err="1"/>
-              <a:t>basato</a:t>
-            </a:r>
-            <a:r>
-              <a:rPr lang="en-US" dirty="0"/>
-              <a:t> </a:t>
-            </a:r>
-            <a:r>
-              <a:rPr lang="en-US" dirty="0" err="1"/>
-              <a:t>sull’architettura</a:t>
-            </a:r>
-            <a:r>
-              <a:rPr lang="en-US" dirty="0"/>
-              <a:t> YOLOv8, </a:t>
-            </a:r>
-            <a:r>
-              <a:rPr lang="en-US" dirty="0" err="1"/>
-              <a:t>disponibile</a:t>
-            </a:r>
-            <a:r>
-              <a:rPr lang="en-US" dirty="0"/>
-              <a:t> sotto </a:t>
-            </a:r>
-            <a:r>
-              <a:rPr lang="en-US" dirty="0" err="1"/>
-              <a:t>licenza</a:t>
-            </a:r>
-            <a:r>
-              <a:rPr lang="en-US" dirty="0"/>
-              <a:t> AGPL-3.0</a:t>
-            </a:r>
-          </a:p>
-          <a:p>
-            <a:pPr marL="742950" lvl="1" indent="-285750">
-              <a:buFont typeface="Arial" panose="020B0604020202020204" pitchFamily="34" charset="0"/>
-              <a:buChar char="•"/>
-            </a:pPr>
-            <a:endParaRPr lang="en-US" dirty="0"/>
-          </a:p>
-          <a:p>
-            <a:pPr marL="742950" lvl="1" indent="-285750">
-              <a:buFont typeface="Arial" panose="020B0604020202020204" pitchFamily="34" charset="0"/>
-              <a:buChar char="•"/>
-            </a:pPr>
-            <a:r>
-              <a:rPr lang="it-IT" dirty="0"/>
-              <a:t>CropSeekLLM [23]: fine-tune di DeepSeek-r1 (MIT), il modello ha licenza DARJYO 1.0</a:t>
-            </a:r>
-          </a:p>
-          <a:p>
-            <a:pPr marL="742950" lvl="1" indent="-285750">
-              <a:buFont typeface="Arial" panose="020B0604020202020204" pitchFamily="34" charset="0"/>
-              <a:buChar char="•"/>
-            </a:pPr>
-            <a:endParaRPr lang="it-IT" dirty="0"/>
-          </a:p>
-          <a:p>
-            <a:pPr marL="742950" lvl="1" indent="-285750">
-              <a:buFont typeface="Arial" panose="020B0604020202020204" pitchFamily="34" charset="0"/>
-              <a:buChar char="•"/>
-            </a:pPr>
-            <a:r>
-              <a:rPr lang="en-US" dirty="0"/>
-              <a:t>Classification of Leaf Diseases [24]: fine-tune di </a:t>
-            </a:r>
-            <a:r>
-              <a:rPr lang="en-US" dirty="0" err="1"/>
-              <a:t>LLaVA</a:t>
-            </a:r>
-            <a:r>
-              <a:rPr lang="en-US" dirty="0"/>
-              <a:t> 1.5, </a:t>
-            </a:r>
-            <a:r>
-              <a:rPr lang="en-US" dirty="0" err="1"/>
-              <a:t>che</a:t>
-            </a:r>
-            <a:r>
-              <a:rPr lang="en-US" dirty="0"/>
-              <a:t> </a:t>
-            </a:r>
-            <a:r>
-              <a:rPr lang="en-US" dirty="0" err="1"/>
-              <a:t>presenta</a:t>
-            </a:r>
-            <a:r>
-              <a:rPr lang="en-US" dirty="0"/>
-              <a:t> </a:t>
-            </a:r>
-            <a:r>
-              <a:rPr lang="en-US" dirty="0" err="1"/>
-              <a:t>licenza</a:t>
-            </a:r>
-            <a:r>
-              <a:rPr lang="en-US" dirty="0"/>
-              <a:t> llama2</a:t>
-            </a:r>
-            <a:endParaRPr lang="it-IT" dirty="0"/>
-          </a:p>
-        </p:txBody>
-      </p:sp>
-    </p:spTree>
-    <p:extLst>
-      <p:ext uri="{BB962C8B-B14F-4D97-AF65-F5344CB8AC3E}">
-        <p14:creationId xmlns:p14="http://schemas.microsoft.com/office/powerpoint/2010/main" val="983047718"/>
-      </p:ext>
-    </p:extLst>
-  </p:cSld>
-  <p:clrMapOvr>
-    <a:masterClrMapping/>
-  </p:clrMapOvr>
-</p:sld>
-</file>
-
-<file path=ppt/slides/slide13.xml><?xml version="1.0" encoding="utf-8"?>
+<file path=ppt/slides/slide11.xml><?xml version="1.0" encoding="utf-8"?>
 <p:sld xmlns:a="http://schemas.openxmlformats.org/drawingml/2006/main" xmlns:r="http://schemas.openxmlformats.org/officeDocument/2006/relationships" xmlns:p="http://schemas.openxmlformats.org/presentationml/2006/main">
   <p:cSld>
     <p:spTree>
@@ -5674,10 +5676,16 @@
           <a:lstStyle/>
           <a:p>
             <a:r>
+              <a:rPr lang="it-IT" sz="3100" noProof="0" dirty="0">
+                <a:latin typeface="+mn-lt"/>
+              </a:rPr>
+              <a:t>Modelli Rilevanti – Analisi</a:t>
+            </a:r>
+            <a:r>
               <a:rPr lang="it-IT" sz="3200" noProof="0" dirty="0">
                 <a:latin typeface="+mn-lt"/>
               </a:rPr>
-              <a:t>Modelli Rilevanti – Analisi </a:t>
+              <a:t> </a:t>
             </a:r>
             <a:r>
               <a:rPr lang="it-IT" sz="1600" noProof="0" dirty="0">
@@ -5690,10 +5698,10 @@
       </p:sp>
       <p:pic>
         <p:nvPicPr>
-          <p:cNvPr id="5" name="Picture 4">
-            <a:extLst>
-              <a:ext uri="{FF2B5EF4-FFF2-40B4-BE49-F238E27FC236}">
-                <a16:creationId xmlns:a16="http://schemas.microsoft.com/office/drawing/2014/main" id="{99FB4E3F-59C4-A260-BA7C-618EF0FDB5B7}"/>
+          <p:cNvPr id="4" name="Picture 3" descr="A diagram of a leaf detection&#10;&#10;AI-generated content may be incorrect.">
+            <a:extLst>
+              <a:ext uri="{FF2B5EF4-FFF2-40B4-BE49-F238E27FC236}">
+                <a16:creationId xmlns:a16="http://schemas.microsoft.com/office/drawing/2014/main" id="{B42E78B2-B733-BA81-CAED-B00349BDA031}"/>
               </a:ext>
             </a:extLst>
           </p:cNvPr>
@@ -5710,14 +5718,970 @@
         </p:blipFill>
         <p:spPr>
           <a:xfrm>
-            <a:off x="2393133" y="522851"/>
-            <a:ext cx="7405734" cy="6159745"/>
+            <a:off x="2169580" y="468319"/>
+            <a:ext cx="7997461" cy="6389681"/>
           </a:xfrm>
           <a:prstGeom prst="rect">
             <a:avLst/>
           </a:prstGeom>
         </p:spPr>
       </p:pic>
+      <mc:AlternateContent xmlns:mc="http://schemas.openxmlformats.org/markup-compatibility/2006" xmlns:p14="http://schemas.microsoft.com/office/powerpoint/2010/main">
+        <mc:Choice Requires="p14">
+          <p:contentPart p14:bwMode="auto" r:id="rId3">
+            <p14:nvContentPartPr>
+              <p14:cNvPr id="22" name="Ink 21">
+                <a:extLst>
+                  <a:ext uri="{FF2B5EF4-FFF2-40B4-BE49-F238E27FC236}">
+                    <a16:creationId xmlns:a16="http://schemas.microsoft.com/office/drawing/2014/main" id="{A87F1EBB-35B8-A3BE-AE0F-AFCB04E6B963}"/>
+                  </a:ext>
+                </a:extLst>
+              </p14:cNvPr>
+              <p14:cNvContentPartPr/>
+              <p14:nvPr/>
+            </p14:nvContentPartPr>
+            <p14:xfrm>
+              <a:off x="3181095" y="5920545"/>
+              <a:ext cx="1941840" cy="360"/>
+            </p14:xfrm>
+          </p:contentPart>
+        </mc:Choice>
+        <mc:Fallback xmlns="">
+          <p:pic>
+            <p:nvPicPr>
+              <p:cNvPr id="22" name="Ink 21">
+                <a:extLst>
+                  <a:ext uri="{FF2B5EF4-FFF2-40B4-BE49-F238E27FC236}">
+                    <a16:creationId xmlns:a16="http://schemas.microsoft.com/office/drawing/2014/main" id="{A87F1EBB-35B8-A3BE-AE0F-AFCB04E6B963}"/>
+                  </a:ext>
+                </a:extLst>
+              </p:cNvPr>
+              <p:cNvPicPr/>
+              <p:nvPr/>
+            </p:nvPicPr>
+            <p:blipFill>
+              <a:blip r:embed="rId4"/>
+              <a:stretch>
+                <a:fillRect/>
+              </a:stretch>
+            </p:blipFill>
+            <p:spPr>
+              <a:xfrm>
+                <a:off x="3127455" y="5812905"/>
+                <a:ext cx="2049480" cy="216000"/>
+              </a:xfrm>
+              <a:prstGeom prst="rect">
+                <a:avLst/>
+              </a:prstGeom>
+            </p:spPr>
+          </p:pic>
+        </mc:Fallback>
+      </mc:AlternateContent>
+      <mc:AlternateContent xmlns:mc="http://schemas.openxmlformats.org/markup-compatibility/2006" xmlns:p14="http://schemas.microsoft.com/office/powerpoint/2010/main">
+        <mc:Choice Requires="p14">
+          <p:contentPart p14:bwMode="auto" r:id="rId5">
+            <p14:nvContentPartPr>
+              <p14:cNvPr id="23" name="Ink 22">
+                <a:extLst>
+                  <a:ext uri="{FF2B5EF4-FFF2-40B4-BE49-F238E27FC236}">
+                    <a16:creationId xmlns:a16="http://schemas.microsoft.com/office/drawing/2014/main" id="{D447C772-D3F3-E73C-84CE-F352FB70122D}"/>
+                  </a:ext>
+                </a:extLst>
+              </p14:cNvPr>
+              <p14:cNvContentPartPr/>
+              <p14:nvPr/>
+            </p14:nvContentPartPr>
+            <p14:xfrm>
+              <a:off x="3590415" y="5663505"/>
+              <a:ext cx="986400" cy="360"/>
+            </p14:xfrm>
+          </p:contentPart>
+        </mc:Choice>
+        <mc:Fallback xmlns="">
+          <p:pic>
+            <p:nvPicPr>
+              <p:cNvPr id="23" name="Ink 22">
+                <a:extLst>
+                  <a:ext uri="{FF2B5EF4-FFF2-40B4-BE49-F238E27FC236}">
+                    <a16:creationId xmlns:a16="http://schemas.microsoft.com/office/drawing/2014/main" id="{D447C772-D3F3-E73C-84CE-F352FB70122D}"/>
+                  </a:ext>
+                </a:extLst>
+              </p:cNvPr>
+              <p:cNvPicPr/>
+              <p:nvPr/>
+            </p:nvPicPr>
+            <p:blipFill>
+              <a:blip r:embed="rId6"/>
+              <a:stretch>
+                <a:fillRect/>
+              </a:stretch>
+            </p:blipFill>
+            <p:spPr>
+              <a:xfrm>
+                <a:off x="3536775" y="5555505"/>
+                <a:ext cx="1094040" cy="216000"/>
+              </a:xfrm>
+              <a:prstGeom prst="rect">
+                <a:avLst/>
+              </a:prstGeom>
+            </p:spPr>
+          </p:pic>
+        </mc:Fallback>
+      </mc:AlternateContent>
+      <mc:AlternateContent xmlns:mc="http://schemas.openxmlformats.org/markup-compatibility/2006" xmlns:p14="http://schemas.microsoft.com/office/powerpoint/2010/main">
+        <mc:Choice Requires="p14">
+          <p:contentPart p14:bwMode="auto" r:id="rId7">
+            <p14:nvContentPartPr>
+              <p14:cNvPr id="25" name="Ink 24">
+                <a:extLst>
+                  <a:ext uri="{FF2B5EF4-FFF2-40B4-BE49-F238E27FC236}">
+                    <a16:creationId xmlns:a16="http://schemas.microsoft.com/office/drawing/2014/main" id="{7FE0B2F3-4841-35C2-A8C0-17C6DF05AF7B}"/>
+                  </a:ext>
+                </a:extLst>
+              </p14:cNvPr>
+              <p14:cNvContentPartPr/>
+              <p14:nvPr/>
+            </p14:nvContentPartPr>
+            <p14:xfrm>
+              <a:off x="3333375" y="5368305"/>
+              <a:ext cx="1494360" cy="360"/>
+            </p14:xfrm>
+          </p:contentPart>
+        </mc:Choice>
+        <mc:Fallback xmlns="">
+          <p:pic>
+            <p:nvPicPr>
+              <p:cNvPr id="25" name="Ink 24">
+                <a:extLst>
+                  <a:ext uri="{FF2B5EF4-FFF2-40B4-BE49-F238E27FC236}">
+                    <a16:creationId xmlns:a16="http://schemas.microsoft.com/office/drawing/2014/main" id="{7FE0B2F3-4841-35C2-A8C0-17C6DF05AF7B}"/>
+                  </a:ext>
+                </a:extLst>
+              </p:cNvPr>
+              <p:cNvPicPr/>
+              <p:nvPr/>
+            </p:nvPicPr>
+            <p:blipFill>
+              <a:blip r:embed="rId8"/>
+              <a:stretch>
+                <a:fillRect/>
+              </a:stretch>
+            </p:blipFill>
+            <p:spPr>
+              <a:xfrm>
+                <a:off x="3279735" y="5260305"/>
+                <a:ext cx="1602000" cy="216000"/>
+              </a:xfrm>
+              <a:prstGeom prst="rect">
+                <a:avLst/>
+              </a:prstGeom>
+            </p:spPr>
+          </p:pic>
+        </mc:Fallback>
+      </mc:AlternateContent>
+      <mc:AlternateContent xmlns:mc="http://schemas.openxmlformats.org/markup-compatibility/2006" xmlns:p14="http://schemas.microsoft.com/office/powerpoint/2010/main">
+        <mc:Choice Requires="p14">
+          <p:contentPart p14:bwMode="auto" r:id="rId9">
+            <p14:nvContentPartPr>
+              <p14:cNvPr id="26" name="Ink 25">
+                <a:extLst>
+                  <a:ext uri="{FF2B5EF4-FFF2-40B4-BE49-F238E27FC236}">
+                    <a16:creationId xmlns:a16="http://schemas.microsoft.com/office/drawing/2014/main" id="{36604EC6-DAB7-372F-BF03-8B96BB8793CE}"/>
+                  </a:ext>
+                </a:extLst>
+              </p14:cNvPr>
+              <p14:cNvContentPartPr/>
+              <p14:nvPr/>
+            </p14:nvContentPartPr>
+            <p14:xfrm>
+              <a:off x="5276295" y="4101465"/>
+              <a:ext cx="1161000" cy="360"/>
+            </p14:xfrm>
+          </p:contentPart>
+        </mc:Choice>
+        <mc:Fallback xmlns="">
+          <p:pic>
+            <p:nvPicPr>
+              <p:cNvPr id="26" name="Ink 25">
+                <a:extLst>
+                  <a:ext uri="{FF2B5EF4-FFF2-40B4-BE49-F238E27FC236}">
+                    <a16:creationId xmlns:a16="http://schemas.microsoft.com/office/drawing/2014/main" id="{36604EC6-DAB7-372F-BF03-8B96BB8793CE}"/>
+                  </a:ext>
+                </a:extLst>
+              </p:cNvPr>
+              <p:cNvPicPr/>
+              <p:nvPr/>
+            </p:nvPicPr>
+            <p:blipFill>
+              <a:blip r:embed="rId10"/>
+              <a:stretch>
+                <a:fillRect/>
+              </a:stretch>
+            </p:blipFill>
+            <p:spPr>
+              <a:xfrm>
+                <a:off x="5222655" y="3993465"/>
+                <a:ext cx="1268640" cy="216000"/>
+              </a:xfrm>
+              <a:prstGeom prst="rect">
+                <a:avLst/>
+              </a:prstGeom>
+            </p:spPr>
+          </p:pic>
+        </mc:Fallback>
+      </mc:AlternateContent>
+      <mc:AlternateContent xmlns:mc="http://schemas.openxmlformats.org/markup-compatibility/2006" xmlns:p14="http://schemas.microsoft.com/office/powerpoint/2010/main">
+        <mc:Choice Requires="p14">
+          <p:contentPart p14:bwMode="auto" r:id="rId11">
+            <p14:nvContentPartPr>
+              <p14:cNvPr id="27" name="Ink 26">
+                <a:extLst>
+                  <a:ext uri="{FF2B5EF4-FFF2-40B4-BE49-F238E27FC236}">
+                    <a16:creationId xmlns:a16="http://schemas.microsoft.com/office/drawing/2014/main" id="{34208423-86D3-6FE2-F35E-5095EA4623AE}"/>
+                  </a:ext>
+                </a:extLst>
+              </p14:cNvPr>
+              <p14:cNvContentPartPr/>
+              <p14:nvPr/>
+            </p14:nvContentPartPr>
+            <p14:xfrm>
+              <a:off x="7133895" y="5873025"/>
+              <a:ext cx="1941840" cy="360"/>
+            </p14:xfrm>
+          </p:contentPart>
+        </mc:Choice>
+        <mc:Fallback xmlns="">
+          <p:pic>
+            <p:nvPicPr>
+              <p:cNvPr id="27" name="Ink 26">
+                <a:extLst>
+                  <a:ext uri="{FF2B5EF4-FFF2-40B4-BE49-F238E27FC236}">
+                    <a16:creationId xmlns:a16="http://schemas.microsoft.com/office/drawing/2014/main" id="{34208423-86D3-6FE2-F35E-5095EA4623AE}"/>
+                  </a:ext>
+                </a:extLst>
+              </p:cNvPr>
+              <p:cNvPicPr/>
+              <p:nvPr/>
+            </p:nvPicPr>
+            <p:blipFill>
+              <a:blip r:embed="rId4"/>
+              <a:stretch>
+                <a:fillRect/>
+              </a:stretch>
+            </p:blipFill>
+            <p:spPr>
+              <a:xfrm>
+                <a:off x="7080255" y="5765025"/>
+                <a:ext cx="2049480" cy="216000"/>
+              </a:xfrm>
+              <a:prstGeom prst="rect">
+                <a:avLst/>
+              </a:prstGeom>
+            </p:spPr>
+          </p:pic>
+        </mc:Fallback>
+      </mc:AlternateContent>
+      <mc:AlternateContent xmlns:mc="http://schemas.openxmlformats.org/markup-compatibility/2006" xmlns:p14="http://schemas.microsoft.com/office/powerpoint/2010/main">
+        <mc:Choice Requires="p14">
+          <p:contentPart p14:bwMode="auto" r:id="rId12">
+            <p14:nvContentPartPr>
+              <p14:cNvPr id="28" name="Ink 27">
+                <a:extLst>
+                  <a:ext uri="{FF2B5EF4-FFF2-40B4-BE49-F238E27FC236}">
+                    <a16:creationId xmlns:a16="http://schemas.microsoft.com/office/drawing/2014/main" id="{73B67B43-8E03-9110-B6BD-DD0AF4B1E3B1}"/>
+                  </a:ext>
+                </a:extLst>
+              </p14:cNvPr>
+              <p14:cNvContentPartPr/>
+              <p14:nvPr/>
+            </p14:nvContentPartPr>
+            <p14:xfrm>
+              <a:off x="7647975" y="5606265"/>
+              <a:ext cx="1077840" cy="360"/>
+            </p14:xfrm>
+          </p:contentPart>
+        </mc:Choice>
+        <mc:Fallback xmlns="">
+          <p:pic>
+            <p:nvPicPr>
+              <p:cNvPr id="28" name="Ink 27">
+                <a:extLst>
+                  <a:ext uri="{FF2B5EF4-FFF2-40B4-BE49-F238E27FC236}">
+                    <a16:creationId xmlns:a16="http://schemas.microsoft.com/office/drawing/2014/main" id="{73B67B43-8E03-9110-B6BD-DD0AF4B1E3B1}"/>
+                  </a:ext>
+                </a:extLst>
+              </p:cNvPr>
+              <p:cNvPicPr/>
+              <p:nvPr/>
+            </p:nvPicPr>
+            <p:blipFill>
+              <a:blip r:embed="rId13"/>
+              <a:stretch>
+                <a:fillRect/>
+              </a:stretch>
+            </p:blipFill>
+            <p:spPr>
+              <a:xfrm>
+                <a:off x="7594335" y="5498625"/>
+                <a:ext cx="1185480" cy="216000"/>
+              </a:xfrm>
+              <a:prstGeom prst="rect">
+                <a:avLst/>
+              </a:prstGeom>
+            </p:spPr>
+          </p:pic>
+        </mc:Fallback>
+      </mc:AlternateContent>
+      <mc:AlternateContent xmlns:mc="http://schemas.openxmlformats.org/markup-compatibility/2006" xmlns:p14="http://schemas.microsoft.com/office/powerpoint/2010/main">
+        <mc:Choice Requires="p14">
+          <p:contentPart p14:bwMode="auto" r:id="rId14">
+            <p14:nvContentPartPr>
+              <p14:cNvPr id="30" name="Ink 29">
+                <a:extLst>
+                  <a:ext uri="{FF2B5EF4-FFF2-40B4-BE49-F238E27FC236}">
+                    <a16:creationId xmlns:a16="http://schemas.microsoft.com/office/drawing/2014/main" id="{6C00369E-2D82-ABD0-5CE0-37C15B520384}"/>
+                  </a:ext>
+                </a:extLst>
+              </p14:cNvPr>
+              <p14:cNvContentPartPr/>
+              <p14:nvPr/>
+            </p14:nvContentPartPr>
+            <p14:xfrm>
+              <a:off x="6790815" y="2129745"/>
+              <a:ext cx="2885040" cy="360"/>
+            </p14:xfrm>
+          </p:contentPart>
+        </mc:Choice>
+        <mc:Fallback xmlns="">
+          <p:pic>
+            <p:nvPicPr>
+              <p:cNvPr id="30" name="Ink 29">
+                <a:extLst>
+                  <a:ext uri="{FF2B5EF4-FFF2-40B4-BE49-F238E27FC236}">
+                    <a16:creationId xmlns:a16="http://schemas.microsoft.com/office/drawing/2014/main" id="{6C00369E-2D82-ABD0-5CE0-37C15B520384}"/>
+                  </a:ext>
+                </a:extLst>
+              </p:cNvPr>
+              <p:cNvPicPr/>
+              <p:nvPr/>
+            </p:nvPicPr>
+            <p:blipFill>
+              <a:blip r:embed="rId15"/>
+              <a:stretch>
+                <a:fillRect/>
+              </a:stretch>
+            </p:blipFill>
+            <p:spPr>
+              <a:xfrm>
+                <a:off x="6737175" y="2021745"/>
+                <a:ext cx="2992680" cy="216000"/>
+              </a:xfrm>
+              <a:prstGeom prst="rect">
+                <a:avLst/>
+              </a:prstGeom>
+            </p:spPr>
+          </p:pic>
+        </mc:Fallback>
+      </mc:AlternateContent>
+      <mc:AlternateContent xmlns:mc="http://schemas.openxmlformats.org/markup-compatibility/2006" xmlns:p14="http://schemas.microsoft.com/office/powerpoint/2010/main">
+        <mc:Choice Requires="p14">
+          <p:contentPart p14:bwMode="auto" r:id="rId16">
+            <p14:nvContentPartPr>
+              <p14:cNvPr id="31" name="Ink 30">
+                <a:extLst>
+                  <a:ext uri="{FF2B5EF4-FFF2-40B4-BE49-F238E27FC236}">
+                    <a16:creationId xmlns:a16="http://schemas.microsoft.com/office/drawing/2014/main" id="{7F6E13A7-7922-4768-F326-57363322487A}"/>
+                  </a:ext>
+                </a:extLst>
+              </p14:cNvPr>
+              <p14:cNvContentPartPr/>
+              <p14:nvPr/>
+            </p14:nvContentPartPr>
+            <p14:xfrm>
+              <a:off x="4419135" y="4415745"/>
+              <a:ext cx="2856960" cy="360"/>
+            </p14:xfrm>
+          </p:contentPart>
+        </mc:Choice>
+        <mc:Fallback xmlns="">
+          <p:pic>
+            <p:nvPicPr>
+              <p:cNvPr id="31" name="Ink 30">
+                <a:extLst>
+                  <a:ext uri="{FF2B5EF4-FFF2-40B4-BE49-F238E27FC236}">
+                    <a16:creationId xmlns:a16="http://schemas.microsoft.com/office/drawing/2014/main" id="{7F6E13A7-7922-4768-F326-57363322487A}"/>
+                  </a:ext>
+                </a:extLst>
+              </p:cNvPr>
+              <p:cNvPicPr/>
+              <p:nvPr/>
+            </p:nvPicPr>
+            <p:blipFill>
+              <a:blip r:embed="rId17"/>
+              <a:stretch>
+                <a:fillRect/>
+              </a:stretch>
+            </p:blipFill>
+            <p:spPr>
+              <a:xfrm>
+                <a:off x="4365495" y="4307745"/>
+                <a:ext cx="2964600" cy="216000"/>
+              </a:xfrm>
+              <a:prstGeom prst="rect">
+                <a:avLst/>
+              </a:prstGeom>
+            </p:spPr>
+          </p:pic>
+        </mc:Fallback>
+      </mc:AlternateContent>
+      <mc:AlternateContent xmlns:mc="http://schemas.openxmlformats.org/markup-compatibility/2006" xmlns:p14="http://schemas.microsoft.com/office/powerpoint/2010/main">
+        <mc:Choice Requires="p14">
+          <p:contentPart p14:bwMode="auto" r:id="rId18">
+            <p14:nvContentPartPr>
+              <p14:cNvPr id="32" name="Ink 31">
+                <a:extLst>
+                  <a:ext uri="{FF2B5EF4-FFF2-40B4-BE49-F238E27FC236}">
+                    <a16:creationId xmlns:a16="http://schemas.microsoft.com/office/drawing/2014/main" id="{D35777A8-575F-836E-6065-2892E29ED68F}"/>
+                  </a:ext>
+                </a:extLst>
+              </p14:cNvPr>
+              <p14:cNvContentPartPr/>
+              <p14:nvPr/>
+            </p14:nvContentPartPr>
+            <p14:xfrm>
+              <a:off x="4419135" y="3415665"/>
+              <a:ext cx="2980440" cy="360"/>
+            </p14:xfrm>
+          </p:contentPart>
+        </mc:Choice>
+        <mc:Fallback xmlns="">
+          <p:pic>
+            <p:nvPicPr>
+              <p:cNvPr id="32" name="Ink 31">
+                <a:extLst>
+                  <a:ext uri="{FF2B5EF4-FFF2-40B4-BE49-F238E27FC236}">
+                    <a16:creationId xmlns:a16="http://schemas.microsoft.com/office/drawing/2014/main" id="{D35777A8-575F-836E-6065-2892E29ED68F}"/>
+                  </a:ext>
+                </a:extLst>
+              </p:cNvPr>
+              <p:cNvPicPr/>
+              <p:nvPr/>
+            </p:nvPicPr>
+            <p:blipFill>
+              <a:blip r:embed="rId19"/>
+              <a:stretch>
+                <a:fillRect/>
+              </a:stretch>
+            </p:blipFill>
+            <p:spPr>
+              <a:xfrm>
+                <a:off x="4365495" y="3307665"/>
+                <a:ext cx="3088080" cy="216000"/>
+              </a:xfrm>
+              <a:prstGeom prst="rect">
+                <a:avLst/>
+              </a:prstGeom>
+            </p:spPr>
+          </p:pic>
+        </mc:Fallback>
+      </mc:AlternateContent>
+      <mc:AlternateContent xmlns:mc="http://schemas.openxmlformats.org/markup-compatibility/2006" xmlns:p14="http://schemas.microsoft.com/office/powerpoint/2010/main">
+        <mc:Choice Requires="p14">
+          <p:contentPart p14:bwMode="auto" r:id="rId20">
+            <p14:nvContentPartPr>
+              <p14:cNvPr id="33" name="Ink 32">
+                <a:extLst>
+                  <a:ext uri="{FF2B5EF4-FFF2-40B4-BE49-F238E27FC236}">
+                    <a16:creationId xmlns:a16="http://schemas.microsoft.com/office/drawing/2014/main" id="{2FBC051C-F071-EEA3-2934-0366FD7BE8A6}"/>
+                  </a:ext>
+                </a:extLst>
+              </p14:cNvPr>
+              <p14:cNvContentPartPr/>
+              <p14:nvPr/>
+            </p14:nvContentPartPr>
+            <p14:xfrm>
+              <a:off x="6943455" y="1862985"/>
+              <a:ext cx="2732760" cy="360"/>
+            </p14:xfrm>
+          </p:contentPart>
+        </mc:Choice>
+        <mc:Fallback xmlns="">
+          <p:pic>
+            <p:nvPicPr>
+              <p:cNvPr id="33" name="Ink 32">
+                <a:extLst>
+                  <a:ext uri="{FF2B5EF4-FFF2-40B4-BE49-F238E27FC236}">
+                    <a16:creationId xmlns:a16="http://schemas.microsoft.com/office/drawing/2014/main" id="{2FBC051C-F071-EEA3-2934-0366FD7BE8A6}"/>
+                  </a:ext>
+                </a:extLst>
+              </p:cNvPr>
+              <p:cNvPicPr/>
+              <p:nvPr/>
+            </p:nvPicPr>
+            <p:blipFill>
+              <a:blip r:embed="rId21"/>
+              <a:stretch>
+                <a:fillRect/>
+              </a:stretch>
+            </p:blipFill>
+            <p:spPr>
+              <a:xfrm>
+                <a:off x="6889815" y="1754985"/>
+                <a:ext cx="2840400" cy="216000"/>
+              </a:xfrm>
+              <a:prstGeom prst="rect">
+                <a:avLst/>
+              </a:prstGeom>
+            </p:spPr>
+          </p:pic>
+        </mc:Fallback>
+      </mc:AlternateContent>
+      <mc:AlternateContent xmlns:mc="http://schemas.openxmlformats.org/markup-compatibility/2006" xmlns:p14="http://schemas.microsoft.com/office/powerpoint/2010/main">
+        <mc:Choice Requires="p14">
+          <p:contentPart p14:bwMode="auto" r:id="rId22">
+            <p14:nvContentPartPr>
+              <p14:cNvPr id="34" name="Ink 33">
+                <a:extLst>
+                  <a:ext uri="{FF2B5EF4-FFF2-40B4-BE49-F238E27FC236}">
+                    <a16:creationId xmlns:a16="http://schemas.microsoft.com/office/drawing/2014/main" id="{50E11510-63CD-8E66-453F-23AF77BD07C4}"/>
+                  </a:ext>
+                </a:extLst>
+              </p14:cNvPr>
+              <p14:cNvContentPartPr/>
+              <p14:nvPr/>
+            </p14:nvContentPartPr>
+            <p14:xfrm>
+              <a:off x="7419375" y="5311065"/>
+              <a:ext cx="1495080" cy="360"/>
+            </p14:xfrm>
+          </p:contentPart>
+        </mc:Choice>
+        <mc:Fallback xmlns="">
+          <p:pic>
+            <p:nvPicPr>
+              <p:cNvPr id="34" name="Ink 33">
+                <a:extLst>
+                  <a:ext uri="{FF2B5EF4-FFF2-40B4-BE49-F238E27FC236}">
+                    <a16:creationId xmlns:a16="http://schemas.microsoft.com/office/drawing/2014/main" id="{50E11510-63CD-8E66-453F-23AF77BD07C4}"/>
+                  </a:ext>
+                </a:extLst>
+              </p:cNvPr>
+              <p:cNvPicPr/>
+              <p:nvPr/>
+            </p:nvPicPr>
+            <p:blipFill>
+              <a:blip r:embed="rId23"/>
+              <a:stretch>
+                <a:fillRect/>
+              </a:stretch>
+            </p:blipFill>
+            <p:spPr>
+              <a:xfrm>
+                <a:off x="7365735" y="5203065"/>
+                <a:ext cx="1602720" cy="216000"/>
+              </a:xfrm>
+              <a:prstGeom prst="rect">
+                <a:avLst/>
+              </a:prstGeom>
+            </p:spPr>
+          </p:pic>
+        </mc:Fallback>
+      </mc:AlternateContent>
+      <mc:AlternateContent xmlns:mc="http://schemas.openxmlformats.org/markup-compatibility/2006" xmlns:p14="http://schemas.microsoft.com/office/powerpoint/2010/main">
+        <mc:Choice Requires="p14">
+          <p:contentPart p14:bwMode="auto" r:id="rId24">
+            <p14:nvContentPartPr>
+              <p14:cNvPr id="37" name="Ink 36">
+                <a:extLst>
+                  <a:ext uri="{FF2B5EF4-FFF2-40B4-BE49-F238E27FC236}">
+                    <a16:creationId xmlns:a16="http://schemas.microsoft.com/office/drawing/2014/main" id="{A8E882AA-944F-227E-2AE9-44E67FA94C49}"/>
+                  </a:ext>
+                </a:extLst>
+              </p14:cNvPr>
+              <p14:cNvContentPartPr/>
+              <p14:nvPr/>
+            </p14:nvContentPartPr>
+            <p14:xfrm>
+              <a:off x="2876175" y="1853265"/>
+              <a:ext cx="2866320" cy="360"/>
+            </p14:xfrm>
+          </p:contentPart>
+        </mc:Choice>
+        <mc:Fallback xmlns="">
+          <p:pic>
+            <p:nvPicPr>
+              <p:cNvPr id="37" name="Ink 36">
+                <a:extLst>
+                  <a:ext uri="{FF2B5EF4-FFF2-40B4-BE49-F238E27FC236}">
+                    <a16:creationId xmlns:a16="http://schemas.microsoft.com/office/drawing/2014/main" id="{A8E882AA-944F-227E-2AE9-44E67FA94C49}"/>
+                  </a:ext>
+                </a:extLst>
+              </p:cNvPr>
+              <p:cNvPicPr/>
+              <p:nvPr/>
+            </p:nvPicPr>
+            <p:blipFill>
+              <a:blip r:embed="rId25"/>
+              <a:stretch>
+                <a:fillRect/>
+              </a:stretch>
+            </p:blipFill>
+            <p:spPr>
+              <a:xfrm>
+                <a:off x="2822535" y="1745625"/>
+                <a:ext cx="2973960" cy="216000"/>
+              </a:xfrm>
+              <a:prstGeom prst="rect">
+                <a:avLst/>
+              </a:prstGeom>
+            </p:spPr>
+          </p:pic>
+        </mc:Fallback>
+      </mc:AlternateContent>
+      <mc:AlternateContent xmlns:mc="http://schemas.openxmlformats.org/markup-compatibility/2006" xmlns:p14="http://schemas.microsoft.com/office/powerpoint/2010/main">
+        <mc:Choice Requires="p14">
+          <p:contentPart p14:bwMode="auto" r:id="rId26">
+            <p14:nvContentPartPr>
+              <p14:cNvPr id="38" name="Ink 37">
+                <a:extLst>
+                  <a:ext uri="{FF2B5EF4-FFF2-40B4-BE49-F238E27FC236}">
+                    <a16:creationId xmlns:a16="http://schemas.microsoft.com/office/drawing/2014/main" id="{96329053-CC80-4D5A-B22E-50FA01A23CF6}"/>
+                  </a:ext>
+                </a:extLst>
+              </p14:cNvPr>
+              <p14:cNvContentPartPr/>
+              <p14:nvPr/>
+            </p14:nvContentPartPr>
+            <p14:xfrm>
+              <a:off x="7429095" y="1624665"/>
+              <a:ext cx="1742400" cy="360"/>
+            </p14:xfrm>
+          </p:contentPart>
+        </mc:Choice>
+        <mc:Fallback xmlns="">
+          <p:pic>
+            <p:nvPicPr>
+              <p:cNvPr id="38" name="Ink 37">
+                <a:extLst>
+                  <a:ext uri="{FF2B5EF4-FFF2-40B4-BE49-F238E27FC236}">
+                    <a16:creationId xmlns:a16="http://schemas.microsoft.com/office/drawing/2014/main" id="{96329053-CC80-4D5A-B22E-50FA01A23CF6}"/>
+                  </a:ext>
+                </a:extLst>
+              </p:cNvPr>
+              <p:cNvPicPr/>
+              <p:nvPr/>
+            </p:nvPicPr>
+            <p:blipFill>
+              <a:blip r:embed="rId27"/>
+              <a:stretch>
+                <a:fillRect/>
+              </a:stretch>
+            </p:blipFill>
+            <p:spPr>
+              <a:xfrm>
+                <a:off x="7375455" y="1517025"/>
+                <a:ext cx="1850040" cy="216000"/>
+              </a:xfrm>
+              <a:prstGeom prst="rect">
+                <a:avLst/>
+              </a:prstGeom>
+            </p:spPr>
+          </p:pic>
+        </mc:Fallback>
+      </mc:AlternateContent>
+      <mc:AlternateContent xmlns:mc="http://schemas.openxmlformats.org/markup-compatibility/2006" xmlns:p14="http://schemas.microsoft.com/office/powerpoint/2010/main">
+        <mc:Choice Requires="p14">
+          <p:contentPart p14:bwMode="auto" r:id="rId28">
+            <p14:nvContentPartPr>
+              <p14:cNvPr id="39" name="Ink 38">
+                <a:extLst>
+                  <a:ext uri="{FF2B5EF4-FFF2-40B4-BE49-F238E27FC236}">
+                    <a16:creationId xmlns:a16="http://schemas.microsoft.com/office/drawing/2014/main" id="{6BEDFEE2-F5F9-C650-1DEF-BA0AD111614F}"/>
+                  </a:ext>
+                </a:extLst>
+              </p14:cNvPr>
+              <p14:cNvContentPartPr/>
+              <p14:nvPr/>
+            </p14:nvContentPartPr>
+            <p14:xfrm>
+              <a:off x="195974" y="5658691"/>
+              <a:ext cx="360" cy="360"/>
+            </p14:xfrm>
+          </p:contentPart>
+        </mc:Choice>
+        <mc:Fallback xmlns="">
+          <p:pic>
+            <p:nvPicPr>
+              <p:cNvPr id="39" name="Ink 38">
+                <a:extLst>
+                  <a:ext uri="{FF2B5EF4-FFF2-40B4-BE49-F238E27FC236}">
+                    <a16:creationId xmlns:a16="http://schemas.microsoft.com/office/drawing/2014/main" id="{6BEDFEE2-F5F9-C650-1DEF-BA0AD111614F}"/>
+                  </a:ext>
+                </a:extLst>
+              </p:cNvPr>
+              <p:cNvPicPr/>
+              <p:nvPr/>
+            </p:nvPicPr>
+            <p:blipFill>
+              <a:blip r:embed="rId29"/>
+              <a:stretch>
+                <a:fillRect/>
+              </a:stretch>
+            </p:blipFill>
+            <p:spPr>
+              <a:xfrm>
+                <a:off x="142334" y="5550691"/>
+                <a:ext cx="108000" cy="216000"/>
+              </a:xfrm>
+              <a:prstGeom prst="rect">
+                <a:avLst/>
+              </a:prstGeom>
+            </p:spPr>
+          </p:pic>
+        </mc:Fallback>
+      </mc:AlternateContent>
+      <mc:AlternateContent xmlns:mc="http://schemas.openxmlformats.org/markup-compatibility/2006" xmlns:p14="http://schemas.microsoft.com/office/powerpoint/2010/main">
+        <mc:Choice Requires="p14">
+          <p:contentPart p14:bwMode="auto" r:id="rId30">
+            <p14:nvContentPartPr>
+              <p14:cNvPr id="40" name="Ink 39">
+                <a:extLst>
+                  <a:ext uri="{FF2B5EF4-FFF2-40B4-BE49-F238E27FC236}">
+                    <a16:creationId xmlns:a16="http://schemas.microsoft.com/office/drawing/2014/main" id="{69B8D3C7-F6D5-FCB0-64D5-CA5C16CE1AEC}"/>
+                  </a:ext>
+                </a:extLst>
+              </p14:cNvPr>
+              <p14:cNvContentPartPr/>
+              <p14:nvPr/>
+            </p14:nvContentPartPr>
+            <p14:xfrm>
+              <a:off x="176894" y="6144331"/>
+              <a:ext cx="360" cy="360"/>
+            </p14:xfrm>
+          </p:contentPart>
+        </mc:Choice>
+        <mc:Fallback xmlns="">
+          <p:pic>
+            <p:nvPicPr>
+              <p:cNvPr id="40" name="Ink 39">
+                <a:extLst>
+                  <a:ext uri="{FF2B5EF4-FFF2-40B4-BE49-F238E27FC236}">
+                    <a16:creationId xmlns:a16="http://schemas.microsoft.com/office/drawing/2014/main" id="{69B8D3C7-F6D5-FCB0-64D5-CA5C16CE1AEC}"/>
+                  </a:ext>
+                </a:extLst>
+              </p:cNvPr>
+              <p:cNvPicPr/>
+              <p:nvPr/>
+            </p:nvPicPr>
+            <p:blipFill>
+              <a:blip r:embed="rId31"/>
+              <a:stretch>
+                <a:fillRect/>
+              </a:stretch>
+            </p:blipFill>
+            <p:spPr>
+              <a:xfrm>
+                <a:off x="123254" y="6036331"/>
+                <a:ext cx="108000" cy="216000"/>
+              </a:xfrm>
+              <a:prstGeom prst="rect">
+                <a:avLst/>
+              </a:prstGeom>
+            </p:spPr>
+          </p:pic>
+        </mc:Fallback>
+      </mc:AlternateContent>
+      <mc:AlternateContent xmlns:mc="http://schemas.openxmlformats.org/markup-compatibility/2006" xmlns:p14="http://schemas.microsoft.com/office/powerpoint/2010/main">
+        <mc:Choice Requires="p14">
+          <p:contentPart p14:bwMode="auto" r:id="rId32">
+            <p14:nvContentPartPr>
+              <p14:cNvPr id="41" name="Ink 40">
+                <a:extLst>
+                  <a:ext uri="{FF2B5EF4-FFF2-40B4-BE49-F238E27FC236}">
+                    <a16:creationId xmlns:a16="http://schemas.microsoft.com/office/drawing/2014/main" id="{F68039CD-F897-9309-0E5E-1D89F83156D1}"/>
+                  </a:ext>
+                </a:extLst>
+              </p14:cNvPr>
+              <p14:cNvContentPartPr/>
+              <p14:nvPr/>
+            </p14:nvContentPartPr>
+            <p14:xfrm>
+              <a:off x="176894" y="6592171"/>
+              <a:ext cx="360" cy="360"/>
+            </p14:xfrm>
+          </p:contentPart>
+        </mc:Choice>
+        <mc:Fallback xmlns="">
+          <p:pic>
+            <p:nvPicPr>
+              <p:cNvPr id="41" name="Ink 40">
+                <a:extLst>
+                  <a:ext uri="{FF2B5EF4-FFF2-40B4-BE49-F238E27FC236}">
+                    <a16:creationId xmlns:a16="http://schemas.microsoft.com/office/drawing/2014/main" id="{F68039CD-F897-9309-0E5E-1D89F83156D1}"/>
+                  </a:ext>
+                </a:extLst>
+              </p:cNvPr>
+              <p:cNvPicPr/>
+              <p:nvPr/>
+            </p:nvPicPr>
+            <p:blipFill>
+              <a:blip r:embed="rId33"/>
+              <a:stretch>
+                <a:fillRect/>
+              </a:stretch>
+            </p:blipFill>
+            <p:spPr>
+              <a:xfrm>
+                <a:off x="123254" y="6484171"/>
+                <a:ext cx="108000" cy="216000"/>
+              </a:xfrm>
+              <a:prstGeom prst="rect">
+                <a:avLst/>
+              </a:prstGeom>
+            </p:spPr>
+          </p:pic>
+        </mc:Fallback>
+      </mc:AlternateContent>
+      <p:sp>
+        <p:nvSpPr>
+          <p:cNvPr id="42" name="TextBox 41">
+            <a:extLst>
+              <a:ext uri="{FF2B5EF4-FFF2-40B4-BE49-F238E27FC236}">
+                <a16:creationId xmlns:a16="http://schemas.microsoft.com/office/drawing/2014/main" id="{3C8FC1AF-330F-22E6-57CD-C9A18B07DEB0}"/>
+              </a:ext>
+            </a:extLst>
+          </p:cNvPr>
+          <p:cNvSpPr txBox="1"/>
+          <p:nvPr/>
+        </p:nvSpPr>
+        <p:spPr>
+          <a:xfrm>
+            <a:off x="276432" y="5474025"/>
+            <a:ext cx="1733550" cy="369332"/>
+          </a:xfrm>
+          <a:prstGeom prst="rect">
+            <a:avLst/>
+          </a:prstGeom>
+          <a:noFill/>
+        </p:spPr>
+        <p:txBody>
+          <a:bodyPr wrap="square" rtlCol="0">
+            <a:spAutoFit/>
+          </a:bodyPr>
+          <a:lstStyle/>
+          <a:p>
+            <a:r>
+              <a:rPr lang="it-IT" i="1" dirty="0"/>
+              <a:t>Permissiva</a:t>
+            </a:r>
+          </a:p>
+        </p:txBody>
+      </p:sp>
+      <p:sp>
+        <p:nvSpPr>
+          <p:cNvPr id="43" name="TextBox 42">
+            <a:extLst>
+              <a:ext uri="{FF2B5EF4-FFF2-40B4-BE49-F238E27FC236}">
+                <a16:creationId xmlns:a16="http://schemas.microsoft.com/office/drawing/2014/main" id="{BC64FAB4-7311-5898-782E-8D04C7F7C16B}"/>
+              </a:ext>
+            </a:extLst>
+          </p:cNvPr>
+          <p:cNvSpPr txBox="1"/>
+          <p:nvPr/>
+        </p:nvSpPr>
+        <p:spPr>
+          <a:xfrm>
+            <a:off x="246582" y="5959665"/>
+            <a:ext cx="2349872" cy="369332"/>
+          </a:xfrm>
+          <a:prstGeom prst="rect">
+            <a:avLst/>
+          </a:prstGeom>
+          <a:noFill/>
+        </p:spPr>
+        <p:txBody>
+          <a:bodyPr wrap="square" rtlCol="0">
+            <a:spAutoFit/>
+          </a:bodyPr>
+          <a:lstStyle/>
+          <a:p>
+            <a:r>
+              <a:rPr lang="it-IT" i="1" dirty="0"/>
+              <a:t>Commerciale/Nessuna</a:t>
+            </a:r>
+          </a:p>
+        </p:txBody>
+      </p:sp>
+      <p:sp>
+        <p:nvSpPr>
+          <p:cNvPr id="44" name="TextBox 43">
+            <a:extLst>
+              <a:ext uri="{FF2B5EF4-FFF2-40B4-BE49-F238E27FC236}">
+                <a16:creationId xmlns:a16="http://schemas.microsoft.com/office/drawing/2014/main" id="{76A693E9-416C-FD57-F113-862930E27CEB}"/>
+              </a:ext>
+            </a:extLst>
+          </p:cNvPr>
+          <p:cNvSpPr txBox="1"/>
+          <p:nvPr/>
+        </p:nvSpPr>
+        <p:spPr>
+          <a:xfrm>
+            <a:off x="246582" y="6365280"/>
+            <a:ext cx="1733550" cy="369332"/>
+          </a:xfrm>
+          <a:prstGeom prst="rect">
+            <a:avLst/>
+          </a:prstGeom>
+          <a:noFill/>
+        </p:spPr>
+        <p:txBody>
+          <a:bodyPr wrap="square" rtlCol="0">
+            <a:spAutoFit/>
+          </a:bodyPr>
+          <a:lstStyle/>
+          <a:p>
+            <a:r>
+              <a:rPr lang="it-IT" i="1" dirty="0"/>
+              <a:t>Restrittiva</a:t>
+            </a:r>
+          </a:p>
+        </p:txBody>
+      </p:sp>
+      <p:sp>
+        <p:nvSpPr>
+          <p:cNvPr id="45" name="TextBox 44">
+            <a:extLst>
+              <a:ext uri="{FF2B5EF4-FFF2-40B4-BE49-F238E27FC236}">
+                <a16:creationId xmlns:a16="http://schemas.microsoft.com/office/drawing/2014/main" id="{A8C50D0C-6CBE-B29C-09D4-4A3123DC1C53}"/>
+              </a:ext>
+            </a:extLst>
+          </p:cNvPr>
+          <p:cNvSpPr txBox="1"/>
+          <p:nvPr/>
+        </p:nvSpPr>
+        <p:spPr>
+          <a:xfrm>
+            <a:off x="176894" y="5086552"/>
+            <a:ext cx="2349512" cy="369332"/>
+          </a:xfrm>
+          <a:prstGeom prst="rect">
+            <a:avLst/>
+          </a:prstGeom>
+          <a:noFill/>
+        </p:spPr>
+        <p:txBody>
+          <a:bodyPr wrap="square" rtlCol="0">
+            <a:spAutoFit/>
+          </a:bodyPr>
+          <a:lstStyle/>
+          <a:p>
+            <a:r>
+              <a:rPr lang="it-IT" dirty="0"/>
+              <a:t>Licenze</a:t>
+            </a:r>
+          </a:p>
+        </p:txBody>
+      </p:sp>
     </p:spTree>
     <p:extLst>
       <p:ext uri="{BB962C8B-B14F-4D97-AF65-F5344CB8AC3E}">
@@ -5731,7 +6695,7 @@
 </p:sld>
 </file>
 
-<file path=ppt/slides/slide14.xml><?xml version="1.0" encoding="utf-8"?>
+<file path=ppt/slides/slide12.xml><?xml version="1.0" encoding="utf-8"?>
 <p:sld xmlns:a="http://schemas.openxmlformats.org/drawingml/2006/main" xmlns:r="http://schemas.openxmlformats.org/officeDocument/2006/relationships" xmlns:p="http://schemas.openxmlformats.org/presentationml/2006/main">
   <p:cSld>
     <p:spTree>
@@ -6310,7 +7274,7 @@
 </p:sld>
 </file>
 
-<file path=ppt/slides/slide15.xml><?xml version="1.0" encoding="utf-8"?>
+<file path=ppt/slides/slide13.xml><?xml version="1.0" encoding="utf-8"?>
 <p:sld xmlns:a="http://schemas.openxmlformats.org/drawingml/2006/main" xmlns:r="http://schemas.openxmlformats.org/officeDocument/2006/relationships" xmlns:p="http://schemas.openxmlformats.org/presentationml/2006/main">
   <p:cSld>
     <p:spTree>
@@ -6389,8 +7353,8 @@
         </p:nvSpPr>
         <p:spPr>
           <a:xfrm>
-            <a:off x="986828" y="1016345"/>
-            <a:ext cx="10773623" cy="2954655"/>
+            <a:off x="688064" y="1016345"/>
+            <a:ext cx="11072388" cy="5755422"/>
           </a:xfrm>
           <a:prstGeom prst="rect">
             <a:avLst/>
@@ -6404,12 +7368,18 @@
           <a:lstStyle/>
           <a:p>
             <a:r>
-              <a:rPr lang="it-IT" sz="2000" dirty="0">
+              <a:rPr lang="it-IT" sz="2200" dirty="0">
                 <a:ea typeface="Calibri"/>
                 <a:cs typeface="Calibri"/>
               </a:rPr>
               <a:t>La metodologia proposta prevede l'assegnazione di un punteggio, da 1 a 3, in 4 categorie</a:t>
             </a:r>
+          </a:p>
+          <a:p>
+            <a:endParaRPr lang="it-IT" sz="2200" dirty="0">
+              <a:ea typeface="Calibri"/>
+              <a:cs typeface="Calibri"/>
+            </a:endParaRPr>
           </a:p>
           <a:p>
             <a:endParaRPr lang="it-IT" sz="2000" dirty="0">
@@ -6418,59 +7388,83 @@
             </a:endParaRPr>
           </a:p>
           <a:p>
+            <a:pPr marL="342900" indent="-342900">
+              <a:buFont typeface="Arial"/>
+              <a:buChar char="•"/>
+            </a:pPr>
+            <a:r>
+              <a:rPr lang="it-IT" sz="2000" b="1" dirty="0">
+                <a:ea typeface="Calibri"/>
+                <a:cs typeface="Calibri"/>
+              </a:rPr>
+              <a:t>Project Alignment (PA)</a:t>
+            </a:r>
+            <a:r>
+              <a:rPr lang="it-IT" sz="2000" dirty="0">
+                <a:ea typeface="Calibri"/>
+                <a:cs typeface="Calibri"/>
+              </a:rPr>
+              <a:t>: rilevanza verso Farm-Tech, sia in termini di task che dataset di addestramento</a:t>
+            </a:r>
+          </a:p>
+          <a:p>
+            <a:pPr marL="342900" indent="-342900">
+              <a:buFont typeface="Arial"/>
+              <a:buChar char="•"/>
+            </a:pPr>
+            <a:endParaRPr lang="it-IT" sz="2200" dirty="0">
+              <a:ea typeface="Calibri"/>
+              <a:cs typeface="Calibri"/>
+            </a:endParaRPr>
+          </a:p>
+          <a:p>
+            <a:pPr marL="285750" indent="-285750">
+              <a:buFont typeface="Arial"/>
+              <a:buChar char="•"/>
+            </a:pPr>
+            <a:r>
+              <a:rPr lang="it-IT" sz="2000" b="1" dirty="0">
+                <a:ea typeface="Calibri"/>
+                <a:cs typeface="Calibri"/>
+              </a:rPr>
+              <a:t>Quality of Documentation (QD)</a:t>
+            </a:r>
+            <a:r>
+              <a:rPr lang="it-IT" sz="2000" dirty="0">
+                <a:ea typeface="Calibri"/>
+                <a:cs typeface="Calibri"/>
+              </a:rPr>
+              <a:t>: utilità della documentazione nell'implementare il modello in un nuovo campo</a:t>
+            </a:r>
+          </a:p>
+          <a:p>
+            <a:pPr marL="285750" indent="-285750">
+              <a:buFont typeface="Arial"/>
+              <a:buChar char="•"/>
+            </a:pPr>
             <a:endParaRPr lang="it-IT" sz="2000" dirty="0">
               <a:ea typeface="Calibri"/>
               <a:cs typeface="Calibri"/>
             </a:endParaRPr>
           </a:p>
           <a:p>
-            <a:pPr marL="342900" indent="-342900">
-              <a:buFont typeface="Arial"/>
-              <a:buChar char="•"/>
-            </a:pPr>
-            <a:r>
-              <a:rPr lang="it-IT" b="1" dirty="0">
-                <a:ea typeface="Calibri"/>
-                <a:cs typeface="Calibri"/>
-              </a:rPr>
-              <a:t>Project Alignment (PA)</a:t>
-            </a:r>
-            <a:r>
-              <a:rPr lang="it-IT" dirty="0">
-                <a:ea typeface="Calibri"/>
-                <a:cs typeface="Calibri"/>
-              </a:rPr>
-              <a:t>: rilevanza verso Farm-Tech, sia in termini di task che dataset di addestramento</a:t>
-            </a:r>
-          </a:p>
-          <a:p>
-            <a:pPr marL="342900" indent="-342900">
-              <a:buFont typeface="Arial"/>
-              <a:buChar char="•"/>
-            </a:pPr>
-            <a:endParaRPr lang="it-IT" dirty="0">
-              <a:ea typeface="Calibri"/>
-              <a:cs typeface="Calibri"/>
-            </a:endParaRPr>
-          </a:p>
-          <a:p>
             <a:pPr marL="285750" indent="-285750">
               <a:buFont typeface="Arial"/>
               <a:buChar char="•"/>
             </a:pPr>
             <a:r>
-              <a:rPr lang="it-IT" b="1" dirty="0">
+              <a:rPr lang="it-IT" sz="2000" b="1" dirty="0">
                 <a:ea typeface="Calibri"/>
                 <a:cs typeface="Calibri"/>
               </a:rPr>
-              <a:t>Quality of Documentation (QD)</a:t>
-            </a:r>
-            <a:r>
-              <a:rPr lang="it-IT" dirty="0">
+              <a:t>Ease of Evaluation (EE)</a:t>
+            </a:r>
+            <a:r>
+              <a:rPr lang="it-IT" sz="2000" dirty="0">
                 <a:ea typeface="Calibri"/>
                 <a:cs typeface="Calibri"/>
               </a:rPr>
-              <a:t>: utilità della documentazione nell'implementare il modello in un nuovo campo</a:t>
+              <a:t>: quanto è semplice valutare l'efficacia del modello nel nuovo campo</a:t>
             </a:r>
           </a:p>
           <a:p>
@@ -6478,7 +7472,7 @@
               <a:buFont typeface="Arial"/>
               <a:buChar char="•"/>
             </a:pPr>
-            <a:endParaRPr lang="it-IT" dirty="0">
+            <a:endParaRPr lang="it-IT" sz="2200" dirty="0">
               <a:ea typeface="Calibri"/>
               <a:cs typeface="Calibri"/>
             </a:endParaRPr>
@@ -6489,18 +7483,11 @@
               <a:buChar char="•"/>
             </a:pPr>
             <a:r>
-              <a:rPr lang="it-IT" b="1" dirty="0">
+              <a:rPr lang="it-IT" sz="2000" b="1" dirty="0">
                 <a:ea typeface="Calibri"/>
                 <a:cs typeface="Calibri"/>
               </a:rPr>
-              <a:t>Ease of Evaluation (EE)</a:t>
-            </a:r>
-            <a:r>
-              <a:rPr lang="it-IT" dirty="0">
-                <a:ea typeface="Calibri"/>
-                <a:cs typeface="Calibri"/>
-              </a:rPr>
-              <a:t>: quanto è semplice valutare l'efficacia del modello nel nuovo campo</a:t>
+              <a:t>Licenza (LC)</a:t>
             </a:r>
           </a:p>
           <a:p>
@@ -6508,7 +7495,7 @@
               <a:buFont typeface="Arial"/>
               <a:buChar char="•"/>
             </a:pPr>
-            <a:endParaRPr lang="it-IT" dirty="0">
+            <a:endParaRPr lang="it-IT" sz="2000" b="1" dirty="0">
               <a:ea typeface="Calibri"/>
               <a:cs typeface="Calibri"/>
             </a:endParaRPr>
@@ -6518,14 +7505,53 @@
               <a:buFont typeface="Arial"/>
               <a:buChar char="•"/>
             </a:pPr>
-            <a:r>
-              <a:rPr lang="it-IT" b="1" dirty="0">
+            <a:endParaRPr lang="it-IT" sz="2000" b="1" dirty="0">
+              <a:ea typeface="Calibri"/>
+              <a:cs typeface="Calibri"/>
+            </a:endParaRPr>
+          </a:p>
+          <a:p>
+            <a:r>
+              <a:rPr lang="it-IT" sz="2000" dirty="0">
                 <a:ea typeface="Calibri"/>
                 <a:cs typeface="Calibri"/>
               </a:rPr>
-              <a:t>Licenza (LC)</a:t>
-            </a:r>
-            <a:endParaRPr lang="it-IT" dirty="0">
+              <a:t>Un punteggio finale è calcolato come la media di tutte le categorie</a:t>
+            </a:r>
+          </a:p>
+          <a:p>
+            <a:r>
+              <a:rPr lang="it-IT" sz="2000" dirty="0">
+                <a:ea typeface="Calibri"/>
+                <a:cs typeface="Calibri"/>
+              </a:rPr>
+              <a:t>Alternativamente, somma pesata:</a:t>
+            </a:r>
+          </a:p>
+          <a:p>
+            <a:endParaRPr lang="it-IT" sz="2000" dirty="0">
+              <a:ea typeface="Calibri"/>
+              <a:cs typeface="Calibri"/>
+            </a:endParaRPr>
+          </a:p>
+          <a:p>
+            <a:r>
+              <a:rPr lang="it-IT" sz="2000" dirty="0">
+                <a:ea typeface="Calibri"/>
+                <a:cs typeface="Calibri"/>
+              </a:rPr>
+              <a:t>			</a:t>
+            </a:r>
+            <a:r>
+              <a:rPr lang="it-IT" sz="2000" dirty="0">
+                <a:ea typeface="+mn-lt"/>
+                <a:cs typeface="+mn-lt"/>
+              </a:rPr>
+              <a:t>𝑇𝑜𝑡𝑎𝑙 𝑆𝑐𝑜𝑟𝑒 = 𝑃𝐴 ∗ 0.2 + 𝑄𝐷 ∗ 0.2 + 𝐸𝐸 ∗ 0.2 + 𝐿𝐶 ∗ 0.4</a:t>
+            </a:r>
+          </a:p>
+          <a:p>
+            <a:endParaRPr lang="it-IT" sz="2000" dirty="0">
               <a:ea typeface="Calibri"/>
               <a:cs typeface="Calibri"/>
             </a:endParaRPr>
@@ -6545,174 +7571,7 @@
 </p:sld>
 </file>
 
-<file path=ppt/slides/slide16.xml><?xml version="1.0" encoding="utf-8"?>
-<p:sld xmlns:a="http://schemas.openxmlformats.org/drawingml/2006/main" xmlns:r="http://schemas.openxmlformats.org/officeDocument/2006/relationships" xmlns:p="http://schemas.openxmlformats.org/presentationml/2006/main">
-  <p:cSld>
-    <p:spTree>
-      <p:nvGrpSpPr>
-        <p:cNvPr id="1" name="">
-          <a:extLst>
-            <a:ext uri="{FF2B5EF4-FFF2-40B4-BE49-F238E27FC236}">
-              <a16:creationId xmlns:a16="http://schemas.microsoft.com/office/drawing/2014/main" id="{1D49745B-E151-546B-0636-115DBAC37724}"/>
-            </a:ext>
-          </a:extLst>
-        </p:cNvPr>
-        <p:cNvGrpSpPr/>
-        <p:nvPr/>
-      </p:nvGrpSpPr>
-      <p:grpSpPr>
-        <a:xfrm>
-          <a:off x="0" y="0"/>
-          <a:ext cx="0" cy="0"/>
-          <a:chOff x="0" y="0"/>
-          <a:chExt cx="0" cy="0"/>
-        </a:xfrm>
-      </p:grpSpPr>
-      <p:sp>
-        <p:nvSpPr>
-          <p:cNvPr id="2" name="Title 1">
-            <a:extLst>
-              <a:ext uri="{FF2B5EF4-FFF2-40B4-BE49-F238E27FC236}">
-                <a16:creationId xmlns:a16="http://schemas.microsoft.com/office/drawing/2014/main" id="{BADB0696-B8F2-7CC9-67FB-9A23E22DA33B}"/>
-              </a:ext>
-            </a:extLst>
-          </p:cNvPr>
-          <p:cNvSpPr>
-            <a:spLocks noGrp="1"/>
-          </p:cNvSpPr>
-          <p:nvPr>
-            <p:ph type="title"/>
-          </p:nvPr>
-        </p:nvSpPr>
-        <p:spPr>
-          <a:xfrm>
-            <a:off x="838200" y="365126"/>
-            <a:ext cx="10515600" cy="766558"/>
-          </a:xfrm>
-        </p:spPr>
-        <p:txBody>
-          <a:bodyPr>
-            <a:normAutofit/>
-          </a:bodyPr>
-          <a:lstStyle/>
-          <a:p>
-            <a:r>
-              <a:rPr lang="it-IT" sz="3200" dirty="0">
-                <a:latin typeface="+mn-lt"/>
-              </a:rPr>
-              <a:t>Valutazione Riusabilità</a:t>
-            </a:r>
-            <a:endParaRPr lang="it-IT" sz="3200" u="sng" noProof="0" dirty="0" err="1">
-              <a:latin typeface="+mn-lt"/>
-              <a:ea typeface="Calibri"/>
-              <a:cs typeface="Calibri"/>
-            </a:endParaRPr>
-          </a:p>
-        </p:txBody>
-      </p:sp>
-      <p:sp>
-        <p:nvSpPr>
-          <p:cNvPr id="4" name="TextBox 3">
-            <a:extLst>
-              <a:ext uri="{FF2B5EF4-FFF2-40B4-BE49-F238E27FC236}">
-                <a16:creationId xmlns:a16="http://schemas.microsoft.com/office/drawing/2014/main" id="{A9EB5CC1-BD15-FA0F-DC51-6D65BADFD02E}"/>
-              </a:ext>
-            </a:extLst>
-          </p:cNvPr>
-          <p:cNvSpPr txBox="1"/>
-          <p:nvPr/>
-        </p:nvSpPr>
-        <p:spPr>
-          <a:xfrm>
-            <a:off x="986828" y="1192906"/>
-            <a:ext cx="10773623" cy="2554545"/>
-          </a:xfrm>
-          <a:prstGeom prst="rect">
-            <a:avLst/>
-          </a:prstGeom>
-          <a:noFill/>
-        </p:spPr>
-        <p:txBody>
-          <a:bodyPr wrap="square" lIns="91440" tIns="45720" rIns="91440" bIns="45720" rtlCol="0" anchor="t">
-            <a:spAutoFit/>
-          </a:bodyPr>
-          <a:lstStyle/>
-          <a:p>
-            <a:r>
-              <a:rPr lang="it-IT" sz="2000" dirty="0">
-                <a:ea typeface="Calibri"/>
-                <a:cs typeface="Calibri"/>
-              </a:rPr>
-              <a:t>Un punteggio finale è calcolato come la media di tutte le categorie</a:t>
-            </a:r>
-            <a:endParaRPr lang="it-IT" dirty="0">
-              <a:ea typeface="Calibri"/>
-              <a:cs typeface="Calibri"/>
-            </a:endParaRPr>
-          </a:p>
-          <a:p>
-            <a:endParaRPr lang="it-IT" sz="2000" dirty="0">
-              <a:ea typeface="Calibri"/>
-              <a:cs typeface="Calibri"/>
-            </a:endParaRPr>
-          </a:p>
-          <a:p>
-            <a:r>
-              <a:rPr lang="it-IT" sz="2000" dirty="0">
-                <a:ea typeface="Calibri"/>
-                <a:cs typeface="Calibri"/>
-              </a:rPr>
-              <a:t>Invece di una media, in base alle necessità del team di sviluppo, si può formulare un altro tipo di valutazione; ad esempio:</a:t>
-            </a:r>
-          </a:p>
-          <a:p>
-            <a:endParaRPr lang="it-IT" sz="2000" dirty="0">
-              <a:ea typeface="+mn-lt"/>
-              <a:cs typeface="+mn-lt"/>
-            </a:endParaRPr>
-          </a:p>
-          <a:p>
-            <a:pPr lvl="2"/>
-            <a:r>
-              <a:rPr lang="it-IT" sz="2000" dirty="0">
-                <a:ea typeface="+mn-lt"/>
-                <a:cs typeface="+mn-lt"/>
-              </a:rPr>
-              <a:t>     𝑇𝑜𝑡𝑎𝑙 𝑆𝑐𝑜𝑟𝑒 = 𝑃𝐴 ∗ 0.2 + 𝑄𝐷 ∗ 0.2 + 𝐸𝐸 ∗ 0.2 + 𝐿𝐶 ∗ 0.4</a:t>
-            </a:r>
-          </a:p>
-          <a:p>
-            <a:pPr lvl="2"/>
-            <a:endParaRPr lang="it-IT" sz="2000" dirty="0">
-              <a:ea typeface="Calibri" panose="020F0502020204030204"/>
-              <a:cs typeface="Calibri" panose="020F0502020204030204"/>
-            </a:endParaRPr>
-          </a:p>
-          <a:p>
-            <a:r>
-              <a:rPr lang="it-IT" sz="2000" dirty="0">
-                <a:ea typeface="Calibri" panose="020F0502020204030204"/>
-                <a:cs typeface="Calibri" panose="020F0502020204030204"/>
-              </a:rPr>
-              <a:t>Tramite una somma pesata si dà più peso alla categoria di interesse maggiore</a:t>
-            </a:r>
-          </a:p>
-        </p:txBody>
-      </p:sp>
-    </p:spTree>
-    <p:extLst>
-      <p:ext uri="{BB962C8B-B14F-4D97-AF65-F5344CB8AC3E}">
-        <p14:creationId xmlns:p14="http://schemas.microsoft.com/office/powerpoint/2010/main" val="500491253"/>
-      </p:ext>
-    </p:extLst>
-  </p:cSld>
-  <p:clrMapOvr>
-    <a:masterClrMapping/>
-  </p:clrMapOvr>
-</p:sld>
-</file>
-
-<file path=ppt/slides/slide17.xml><?xml version="1.0" encoding="utf-8"?>
+<file path=ppt/slides/slide14.xml><?xml version="1.0" encoding="utf-8"?>
 <p:sld xmlns:a="http://schemas.openxmlformats.org/drawingml/2006/main" xmlns:r="http://schemas.openxmlformats.org/officeDocument/2006/relationships" xmlns:p="http://schemas.openxmlformats.org/presentationml/2006/main">
   <p:cSld>
     <p:spTree>
@@ -6753,7 +7612,7 @@
         </p:nvSpPr>
         <p:spPr>
           <a:xfrm>
-            <a:off x="838200" y="365126"/>
+            <a:off x="620922" y="365126"/>
             <a:ext cx="10515600" cy="766558"/>
           </a:xfrm>
         </p:spPr>
@@ -6799,8 +7658,8 @@
         </p:blipFill>
         <p:spPr>
           <a:xfrm>
-            <a:off x="4956716" y="120805"/>
-            <a:ext cx="6850567" cy="6625683"/>
+            <a:off x="4831812" y="0"/>
+            <a:ext cx="7090768" cy="6857999"/>
           </a:xfrm>
           <a:prstGeom prst="rect">
             <a:avLst/>
@@ -7182,7 +8041,7 @@
 </p:sld>
 </file>
 
-<file path=ppt/slides/slide18.xml><?xml version="1.0" encoding="utf-8"?>
+<file path=ppt/slides/slide15.xml><?xml version="1.0" encoding="utf-8"?>
 <p:sld xmlns:a="http://schemas.openxmlformats.org/drawingml/2006/main" xmlns:r="http://schemas.openxmlformats.org/officeDocument/2006/relationships" xmlns:p="http://schemas.openxmlformats.org/presentationml/2006/main">
   <p:cSld>
     <p:spTree>
@@ -7262,7 +8121,7 @@
         <p:spPr>
           <a:xfrm>
             <a:off x="986828" y="1137150"/>
-            <a:ext cx="10773623" cy="1846659"/>
+            <a:ext cx="10773623" cy="2339102"/>
           </a:xfrm>
           <a:prstGeom prst="rect">
             <a:avLst/>
@@ -7280,7 +8139,7 @@
               <a:buChar char="•"/>
             </a:pPr>
             <a:r>
-              <a:rPr lang="it-IT" sz="2000" dirty="0">
+              <a:rPr lang="it-IT" sz="2200" dirty="0">
                 <a:ea typeface="Calibri"/>
                 <a:cs typeface="Calibri"/>
               </a:rPr>
@@ -7293,7 +8152,7 @@
               <a:buChar char="•"/>
             </a:pPr>
             <a:r>
-              <a:rPr lang="it-IT" dirty="0">
+              <a:rPr lang="it-IT" sz="2000" dirty="0">
                 <a:ea typeface="Calibri"/>
                 <a:cs typeface="Calibri"/>
               </a:rPr>
@@ -7306,7 +8165,7 @@
               <a:buChar char="•"/>
             </a:pPr>
             <a:r>
-              <a:rPr lang="it-IT" dirty="0">
+              <a:rPr lang="it-IT" sz="2000" dirty="0">
                 <a:ea typeface="Calibri"/>
                 <a:cs typeface="Calibri"/>
               </a:rPr>
@@ -7319,12 +8178,22 @@
               <a:buChar char="•"/>
             </a:pPr>
             <a:r>
-              <a:rPr lang="it-IT" dirty="0">
+              <a:rPr lang="it-IT" sz="2000" dirty="0">
                 <a:ea typeface="Calibri"/>
                 <a:cs typeface="Calibri"/>
               </a:rPr>
               <a:t>Singola sorgente</a:t>
             </a:r>
+          </a:p>
+          <a:p>
+            <a:pPr marL="800100" lvl="1" indent="-342900">
+              <a:buFont typeface="Arial"/>
+              <a:buChar char="•"/>
+            </a:pPr>
+            <a:endParaRPr lang="it-IT" sz="2000" dirty="0">
+              <a:ea typeface="Calibri"/>
+              <a:cs typeface="Calibri"/>
+            </a:endParaRPr>
           </a:p>
           <a:p>
             <a:pPr marL="342900" indent="-342900">
@@ -7332,7 +8201,7 @@
               <a:buChar char="•"/>
             </a:pPr>
             <a:r>
-              <a:rPr lang="it-IT" sz="2000" dirty="0">
+              <a:rPr lang="it-IT" sz="2200" dirty="0">
                 <a:ea typeface="Calibri"/>
                 <a:cs typeface="Calibri"/>
               </a:rPr>
@@ -7345,7 +8214,7 @@
               <a:buChar char="•"/>
             </a:pPr>
             <a:r>
-              <a:rPr lang="it-IT" sz="2000" dirty="0">
+              <a:rPr lang="it-IT" sz="2200" dirty="0">
                 <a:ea typeface="Calibri"/>
                 <a:cs typeface="Calibri"/>
               </a:rPr>
@@ -7367,7 +8236,7 @@
 </p:sld>
 </file>
 
-<file path=ppt/slides/slide19.xml><?xml version="1.0" encoding="utf-8"?>
+<file path=ppt/slides/slide16.xml><?xml version="1.0" encoding="utf-8"?>
 <p:sld xmlns:a="http://schemas.openxmlformats.org/drawingml/2006/main" xmlns:r="http://schemas.openxmlformats.org/officeDocument/2006/relationships" xmlns:p="http://schemas.openxmlformats.org/presentationml/2006/main">
   <p:cSld>
     <p:spTree>
@@ -7447,7 +8316,7 @@
         <p:spPr>
           <a:xfrm>
             <a:off x="986828" y="1137150"/>
-            <a:ext cx="10773623" cy="3539430"/>
+            <a:ext cx="10773623" cy="4708981"/>
           </a:xfrm>
           <a:prstGeom prst="rect">
             <a:avLst/>
@@ -7465,7 +8334,7 @@
               <a:buChar char="•"/>
             </a:pPr>
             <a:r>
-              <a:rPr lang="it-IT" sz="2000" dirty="0">
+              <a:rPr lang="it-IT" sz="2200" dirty="0">
                 <a:ea typeface="Calibri"/>
                 <a:cs typeface="Calibri"/>
               </a:rPr>
@@ -7478,7 +8347,7 @@
               <a:buChar char="•"/>
             </a:pPr>
             <a:r>
-              <a:rPr lang="it-IT" dirty="0">
+              <a:rPr lang="it-IT" sz="2000" dirty="0">
                 <a:ea typeface="Calibri"/>
                 <a:cs typeface="Calibri"/>
               </a:rPr>
@@ -7491,12 +8360,22 @@
               <a:buChar char="•"/>
             </a:pPr>
             <a:r>
-              <a:rPr lang="it-IT" dirty="0">
+              <a:rPr lang="it-IT" sz="2000" dirty="0">
                 <a:ea typeface="Calibri"/>
                 <a:cs typeface="Calibri"/>
               </a:rPr>
               <a:t>Il 46.6% di questi svolge analisi di serie temporali</a:t>
             </a:r>
+          </a:p>
+          <a:p>
+            <a:pPr marL="800100" lvl="1" indent="-342900">
+              <a:buFont typeface="Arial"/>
+              <a:buChar char="•"/>
+            </a:pPr>
+            <a:endParaRPr lang="it-IT" dirty="0">
+              <a:ea typeface="Calibri"/>
+              <a:cs typeface="Calibri"/>
+            </a:endParaRPr>
           </a:p>
           <a:p>
             <a:pPr marL="342900" indent="-342900">
@@ -7504,7 +8383,7 @@
               <a:buChar char="•"/>
             </a:pPr>
             <a:r>
-              <a:rPr lang="it-IT" sz="2000" dirty="0">
+              <a:rPr lang="it-IT" sz="2200" dirty="0">
                 <a:ea typeface="Calibri"/>
                 <a:cs typeface="Calibri"/>
               </a:rPr>
@@ -7517,7 +8396,7 @@
               <a:buChar char="•"/>
             </a:pPr>
             <a:r>
-              <a:rPr lang="it-IT" dirty="0">
+              <a:rPr lang="it-IT" sz="2000" dirty="0">
                 <a:ea typeface="Calibri"/>
                 <a:cs typeface="Calibri"/>
               </a:rPr>
@@ -7530,12 +8409,22 @@
               <a:buChar char="•"/>
             </a:pPr>
             <a:r>
-              <a:rPr lang="it-IT" dirty="0">
+              <a:rPr lang="it-IT" sz="2000" dirty="0">
                 <a:ea typeface="Calibri"/>
                 <a:cs typeface="Calibri"/>
               </a:rPr>
               <a:t>Quelli rimanenti richiedono l’acquisto di una licenza commerciale (tranne CropSeek)</a:t>
             </a:r>
+          </a:p>
+          <a:p>
+            <a:pPr marL="800100" lvl="1" indent="-342900">
+              <a:buFont typeface="Arial"/>
+              <a:buChar char="•"/>
+            </a:pPr>
+            <a:endParaRPr lang="it-IT" dirty="0">
+              <a:ea typeface="Calibri"/>
+              <a:cs typeface="Calibri"/>
+            </a:endParaRPr>
           </a:p>
           <a:p>
             <a:pPr marL="342900" indent="-342900">
@@ -7543,7 +8432,7 @@
               <a:buChar char="•"/>
             </a:pPr>
             <a:r>
-              <a:rPr lang="it-IT" sz="2000" dirty="0">
+              <a:rPr lang="it-IT" sz="2200" dirty="0">
                 <a:ea typeface="Calibri"/>
                 <a:cs typeface="Calibri"/>
               </a:rPr>
@@ -7556,7 +8445,7 @@
               <a:buChar char="•"/>
             </a:pPr>
             <a:r>
-              <a:rPr lang="it-IT" dirty="0">
+              <a:rPr lang="it-IT" sz="2000" dirty="0">
                 <a:ea typeface="Calibri"/>
                 <a:cs typeface="Calibri"/>
               </a:rPr>
@@ -7569,12 +8458,22 @@
               <a:buChar char="•"/>
             </a:pPr>
             <a:r>
-              <a:rPr lang="it-IT" dirty="0">
+              <a:rPr lang="it-IT" sz="2000" dirty="0">
                 <a:ea typeface="Calibri"/>
                 <a:cs typeface="Calibri"/>
               </a:rPr>
               <a:t>Necessiterà un’attenta valutazione nella pratica</a:t>
             </a:r>
+          </a:p>
+          <a:p>
+            <a:pPr marL="800100" lvl="1" indent="-342900">
+              <a:buFont typeface="Arial"/>
+              <a:buChar char="•"/>
+            </a:pPr>
+            <a:endParaRPr lang="it-IT" dirty="0">
+              <a:ea typeface="Calibri"/>
+              <a:cs typeface="Calibri"/>
+            </a:endParaRPr>
           </a:p>
           <a:p>
             <a:pPr marL="342900" indent="-342900">
@@ -7582,7 +8481,7 @@
               <a:buChar char="•"/>
             </a:pPr>
             <a:r>
-              <a:rPr lang="it-IT" sz="2000" dirty="0">
+              <a:rPr lang="it-IT" sz="2200" dirty="0">
                 <a:ea typeface="Calibri"/>
                 <a:cs typeface="Calibri"/>
               </a:rPr>
@@ -7595,7 +8494,7 @@
               <a:buChar char="•"/>
             </a:pPr>
             <a:r>
-              <a:rPr lang="it-IT" dirty="0">
+              <a:rPr lang="it-IT" sz="2000" dirty="0">
                 <a:ea typeface="Calibri"/>
                 <a:cs typeface="Calibri"/>
               </a:rPr>
@@ -7608,7 +8507,7 @@
               <a:buChar char="•"/>
             </a:pPr>
             <a:r>
-              <a:rPr lang="it-IT" dirty="0">
+              <a:rPr lang="it-IT" sz="2000" dirty="0">
                 <a:ea typeface="Calibri"/>
                 <a:cs typeface="Calibri"/>
               </a:rPr>
@@ -7621,6 +8520,298 @@
     <p:extLst>
       <p:ext uri="{BB962C8B-B14F-4D97-AF65-F5344CB8AC3E}">
         <p14:creationId xmlns:p14="http://schemas.microsoft.com/office/powerpoint/2010/main" val="951339458"/>
+      </p:ext>
+    </p:extLst>
+  </p:cSld>
+  <p:clrMapOvr>
+    <a:masterClrMapping/>
+  </p:clrMapOvr>
+</p:sld>
+</file>
+
+<file path=ppt/slides/slide17.xml><?xml version="1.0" encoding="utf-8"?>
+<p:sld xmlns:a="http://schemas.openxmlformats.org/drawingml/2006/main" xmlns:r="http://schemas.openxmlformats.org/officeDocument/2006/relationships" xmlns:p="http://schemas.openxmlformats.org/presentationml/2006/main">
+  <p:cSld>
+    <p:spTree>
+      <p:nvGrpSpPr>
+        <p:cNvPr id="1" name="">
+          <a:extLst>
+            <a:ext uri="{FF2B5EF4-FFF2-40B4-BE49-F238E27FC236}">
+              <a16:creationId xmlns:a16="http://schemas.microsoft.com/office/drawing/2014/main" id="{FF7B6C84-922C-B956-3DAD-E99F88C1632B}"/>
+            </a:ext>
+          </a:extLst>
+        </p:cNvPr>
+        <p:cNvGrpSpPr/>
+        <p:nvPr/>
+      </p:nvGrpSpPr>
+      <p:grpSpPr>
+        <a:xfrm>
+          <a:off x="0" y="0"/>
+          <a:ext cx="0" cy="0"/>
+          <a:chOff x="0" y="0"/>
+          <a:chExt cx="0" cy="0"/>
+        </a:xfrm>
+      </p:grpSpPr>
+      <p:sp>
+        <p:nvSpPr>
+          <p:cNvPr id="2" name="Title 1">
+            <a:extLst>
+              <a:ext uri="{FF2B5EF4-FFF2-40B4-BE49-F238E27FC236}">
+                <a16:creationId xmlns:a16="http://schemas.microsoft.com/office/drawing/2014/main" id="{1089A13B-3AA9-444D-F64E-D160B2B87D27}"/>
+              </a:ext>
+            </a:extLst>
+          </p:cNvPr>
+          <p:cNvSpPr>
+            <a:spLocks noGrp="1"/>
+          </p:cNvSpPr>
+          <p:nvPr>
+            <p:ph type="title"/>
+          </p:nvPr>
+        </p:nvSpPr>
+        <p:spPr>
+          <a:xfrm>
+            <a:off x="838200" y="365126"/>
+            <a:ext cx="10515600" cy="766558"/>
+          </a:xfrm>
+        </p:spPr>
+        <p:txBody>
+          <a:bodyPr>
+            <a:normAutofit/>
+          </a:bodyPr>
+          <a:lstStyle/>
+          <a:p>
+            <a:r>
+              <a:rPr lang="it-IT" sz="3200" noProof="0" dirty="0">
+                <a:latin typeface="+mn-lt"/>
+                <a:ea typeface="Calibri"/>
+                <a:cs typeface="Calibri"/>
+              </a:rPr>
+              <a:t>Sintesi</a:t>
+            </a:r>
+          </a:p>
+        </p:txBody>
+      </p:sp>
+      <p:sp>
+        <p:nvSpPr>
+          <p:cNvPr id="4" name="TextBox 3">
+            <a:extLst>
+              <a:ext uri="{FF2B5EF4-FFF2-40B4-BE49-F238E27FC236}">
+                <a16:creationId xmlns:a16="http://schemas.microsoft.com/office/drawing/2014/main" id="{1DFA91BF-EF06-C454-7F4E-647F05D6F3F7}"/>
+              </a:ext>
+            </a:extLst>
+          </p:cNvPr>
+          <p:cNvSpPr txBox="1"/>
+          <p:nvPr/>
+        </p:nvSpPr>
+        <p:spPr>
+          <a:xfrm>
+            <a:off x="986828" y="1137150"/>
+            <a:ext cx="10773623" cy="3693319"/>
+          </a:xfrm>
+          <a:prstGeom prst="rect">
+            <a:avLst/>
+          </a:prstGeom>
+          <a:noFill/>
+        </p:spPr>
+        <p:txBody>
+          <a:bodyPr wrap="square" lIns="91440" tIns="45720" rIns="91440" bIns="45720" rtlCol="0" anchor="t">
+            <a:spAutoFit/>
+          </a:bodyPr>
+          <a:lstStyle/>
+          <a:p>
+            <a:pPr marL="342900" indent="-342900">
+              <a:buFont typeface="Arial"/>
+              <a:buChar char="•"/>
+            </a:pPr>
+            <a:r>
+              <a:rPr lang="it-IT" sz="2000" dirty="0">
+                <a:ea typeface="Calibri"/>
+                <a:cs typeface="Calibri"/>
+              </a:rPr>
+              <a:t>Riuso modelli in Precision Farming</a:t>
+            </a:r>
+          </a:p>
+          <a:p>
+            <a:pPr marL="342900" indent="-342900">
+              <a:buFont typeface="Arial"/>
+              <a:buChar char="•"/>
+            </a:pPr>
+            <a:r>
+              <a:rPr lang="it-IT" sz="2000" dirty="0">
+                <a:ea typeface="Calibri"/>
+                <a:cs typeface="Calibri"/>
+              </a:rPr>
+              <a:t>Farm-Tech</a:t>
+            </a:r>
+          </a:p>
+          <a:p>
+            <a:pPr marL="342900" indent="-342900">
+              <a:buFont typeface="Arial"/>
+              <a:buChar char="•"/>
+            </a:pPr>
+            <a:r>
+              <a:rPr lang="it-IT" sz="2000" dirty="0">
+                <a:ea typeface="Calibri"/>
+                <a:cs typeface="Calibri"/>
+              </a:rPr>
+              <a:t>CRISP-DM per strutturare la ricerca</a:t>
+            </a:r>
+          </a:p>
+          <a:p>
+            <a:pPr marL="342900" indent="-342900">
+              <a:buFont typeface="Arial"/>
+              <a:buChar char="•"/>
+            </a:pPr>
+            <a:r>
+              <a:rPr lang="it-IT" sz="2000" dirty="0">
+                <a:ea typeface="Calibri"/>
+                <a:cs typeface="Calibri"/>
+              </a:rPr>
+              <a:t>Raccolta dei modelli da HuggingFace</a:t>
+            </a:r>
+          </a:p>
+          <a:p>
+            <a:pPr marL="342900" indent="-342900">
+              <a:buFont typeface="Arial"/>
+              <a:buChar char="•"/>
+            </a:pPr>
+            <a:r>
+              <a:rPr lang="it-IT" sz="2000" dirty="0">
+                <a:ea typeface="Calibri"/>
+                <a:cs typeface="Calibri"/>
+              </a:rPr>
+              <a:t>Revisione Manuale dei modelli</a:t>
+            </a:r>
+          </a:p>
+          <a:p>
+            <a:pPr marL="342900" indent="-342900">
+              <a:buFont typeface="Arial"/>
+              <a:buChar char="•"/>
+            </a:pPr>
+            <a:r>
+              <a:rPr lang="it-IT" sz="2000" dirty="0">
+                <a:ea typeface="Calibri"/>
+                <a:cs typeface="Calibri"/>
+              </a:rPr>
+              <a:t>Analisi di ogni modello</a:t>
+            </a:r>
+          </a:p>
+          <a:p>
+            <a:pPr marL="800100" lvl="1" indent="-342900">
+              <a:buFont typeface="Arial"/>
+              <a:buChar char="•"/>
+            </a:pPr>
+            <a:r>
+              <a:rPr lang="it-IT" dirty="0">
+                <a:ea typeface="Calibri"/>
+                <a:cs typeface="Calibri"/>
+              </a:rPr>
+              <a:t>Dataset</a:t>
+            </a:r>
+          </a:p>
+          <a:p>
+            <a:pPr marL="800100" lvl="1" indent="-342900">
+              <a:buFont typeface="Arial"/>
+              <a:buChar char="•"/>
+            </a:pPr>
+            <a:r>
+              <a:rPr lang="it-IT" dirty="0">
+                <a:ea typeface="Calibri"/>
+                <a:cs typeface="Calibri"/>
+              </a:rPr>
+              <a:t>Architettura</a:t>
+            </a:r>
+          </a:p>
+          <a:p>
+            <a:pPr marL="800100" lvl="1" indent="-342900">
+              <a:buFont typeface="Arial"/>
+              <a:buChar char="•"/>
+            </a:pPr>
+            <a:r>
+              <a:rPr lang="it-IT" dirty="0">
+                <a:ea typeface="Calibri"/>
+                <a:cs typeface="Calibri"/>
+              </a:rPr>
+              <a:t>Licenza</a:t>
+            </a:r>
+          </a:p>
+          <a:p>
+            <a:pPr marL="342900" indent="-342900">
+              <a:buFont typeface="Arial"/>
+              <a:buChar char="•"/>
+            </a:pPr>
+            <a:r>
+              <a:rPr lang="it-IT" sz="2000" dirty="0">
+                <a:ea typeface="Calibri"/>
+                <a:cs typeface="Calibri"/>
+              </a:rPr>
+              <a:t>Transfer Learning</a:t>
+            </a:r>
+          </a:p>
+          <a:p>
+            <a:pPr marL="800100" lvl="1" indent="-342900">
+              <a:buFont typeface="Arial"/>
+              <a:buChar char="•"/>
+            </a:pPr>
+            <a:r>
+              <a:rPr lang="it-IT" dirty="0">
+                <a:ea typeface="Calibri"/>
+                <a:cs typeface="Calibri"/>
+              </a:rPr>
+              <a:t>Metodo di valutazione</a:t>
+            </a:r>
+          </a:p>
+          <a:p>
+            <a:pPr marL="800100" lvl="1" indent="-342900">
+              <a:buFont typeface="Arial"/>
+              <a:buChar char="•"/>
+            </a:pPr>
+            <a:endParaRPr lang="it-IT" sz="2000" dirty="0">
+              <a:ea typeface="Calibri"/>
+              <a:cs typeface="Calibri"/>
+            </a:endParaRPr>
+          </a:p>
+        </p:txBody>
+      </p:sp>
+      <p:sp>
+        <p:nvSpPr>
+          <p:cNvPr id="3" name="TextBox 2">
+            <a:extLst>
+              <a:ext uri="{FF2B5EF4-FFF2-40B4-BE49-F238E27FC236}">
+                <a16:creationId xmlns:a16="http://schemas.microsoft.com/office/drawing/2014/main" id="{05B42B90-9935-0982-5ED5-7384457D4913}"/>
+              </a:ext>
+            </a:extLst>
+          </p:cNvPr>
+          <p:cNvSpPr txBox="1"/>
+          <p:nvPr/>
+        </p:nvSpPr>
+        <p:spPr>
+          <a:xfrm>
+            <a:off x="10608397" y="6581001"/>
+            <a:ext cx="1907263" cy="276999"/>
+          </a:xfrm>
+          <a:prstGeom prst="rect">
+            <a:avLst/>
+          </a:prstGeom>
+          <a:noFill/>
+        </p:spPr>
+        <p:txBody>
+          <a:bodyPr wrap="square" rtlCol="0">
+            <a:spAutoFit/>
+          </a:bodyPr>
+          <a:lstStyle/>
+          <a:p>
+            <a:r>
+              <a:rPr lang="it-IT" sz="1200" dirty="0"/>
+              <a:t>Grazie per l’attenzione</a:t>
+            </a:r>
+          </a:p>
+        </p:txBody>
+      </p:sp>
+    </p:spTree>
+    <p:extLst>
+      <p:ext uri="{BB962C8B-B14F-4D97-AF65-F5344CB8AC3E}">
+        <p14:creationId xmlns:p14="http://schemas.microsoft.com/office/powerpoint/2010/main" val="1413644724"/>
       </p:ext>
     </p:extLst>
   </p:cSld>
@@ -7701,40 +8892,40 @@
           <a:lstStyle/>
           <a:p>
             <a:r>
+              <a:rPr lang="it-IT" sz="2000" noProof="0" dirty="0"/>
+              <a:t>Il riuso consiste nell’adattare modelli AI già addestrati su grandi dataset a nuovi compiti</a:t>
+            </a:r>
+          </a:p>
+          <a:p>
+            <a:r>
+              <a:rPr lang="it-IT" sz="2000" noProof="0" dirty="0"/>
+              <a:t>Solo su HuggingFace sono caricati più di 2 milioni di modelli</a:t>
+            </a:r>
+          </a:p>
+          <a:p>
+            <a:r>
+              <a:rPr lang="it-IT" sz="2000" noProof="0" dirty="0"/>
+              <a:t>Riusare modelli pre-addestrati conviene in quanto:</a:t>
+            </a:r>
+          </a:p>
+          <a:p>
+            <a:pPr lvl="1"/>
+            <a:r>
               <a:rPr lang="it-IT" sz="1800" noProof="0" dirty="0"/>
-              <a:t>Il riuso consiste nell’adattare modelli AI già addestrati su grandi dataset a nuovi compiti</a:t>
-            </a:r>
-          </a:p>
-          <a:p>
+              <a:t>riduce tempi e costi di addestramento</a:t>
+            </a:r>
+          </a:p>
+          <a:p>
+            <a:pPr lvl="1"/>
             <a:r>
               <a:rPr lang="it-IT" sz="1800" noProof="0" dirty="0"/>
-              <a:t>Solo su HuggingFace sono caricati più di 2 milioni di modelli</a:t>
-            </a:r>
-          </a:p>
-          <a:p>
+              <a:t>sfrutta conoscenze già acquisite su grandi dataset</a:t>
+            </a:r>
+          </a:p>
+          <a:p>
+            <a:pPr lvl="1"/>
             <a:r>
               <a:rPr lang="it-IT" sz="1800" noProof="0" dirty="0"/>
-              <a:t>Riusare modelli pre-addestrati conviene in quanto:</a:t>
-            </a:r>
-          </a:p>
-          <a:p>
-            <a:pPr lvl="1"/>
-            <a:r>
-              <a:rPr lang="it-IT" sz="1400" noProof="0" dirty="0"/>
-              <a:t>riduce tempi e costi di addestramento</a:t>
-            </a:r>
-          </a:p>
-          <a:p>
-            <a:pPr lvl="1"/>
-            <a:r>
-              <a:rPr lang="it-IT" sz="1400" noProof="0" dirty="0"/>
-              <a:t>sfrutta conoscenze già acquisite su grandi dataset</a:t>
-            </a:r>
-          </a:p>
-          <a:p>
-            <a:pPr lvl="1"/>
-            <a:r>
-              <a:rPr lang="it-IT" sz="1400" noProof="0" dirty="0"/>
               <a:t>‘’facile’’ adattamento a compiti specifici</a:t>
             </a:r>
           </a:p>
@@ -7747,298 +8938,6 @@
     <p:extLst>
       <p:ext uri="{BB962C8B-B14F-4D97-AF65-F5344CB8AC3E}">
         <p14:creationId xmlns:p14="http://schemas.microsoft.com/office/powerpoint/2010/main" val="2967086791"/>
-      </p:ext>
-    </p:extLst>
-  </p:cSld>
-  <p:clrMapOvr>
-    <a:masterClrMapping/>
-  </p:clrMapOvr>
-</p:sld>
-</file>
-
-<file path=ppt/slides/slide20.xml><?xml version="1.0" encoding="utf-8"?>
-<p:sld xmlns:a="http://schemas.openxmlformats.org/drawingml/2006/main" xmlns:r="http://schemas.openxmlformats.org/officeDocument/2006/relationships" xmlns:p="http://schemas.openxmlformats.org/presentationml/2006/main">
-  <p:cSld>
-    <p:spTree>
-      <p:nvGrpSpPr>
-        <p:cNvPr id="1" name="">
-          <a:extLst>
-            <a:ext uri="{FF2B5EF4-FFF2-40B4-BE49-F238E27FC236}">
-              <a16:creationId xmlns:a16="http://schemas.microsoft.com/office/drawing/2014/main" id="{FF7B6C84-922C-B956-3DAD-E99F88C1632B}"/>
-            </a:ext>
-          </a:extLst>
-        </p:cNvPr>
-        <p:cNvGrpSpPr/>
-        <p:nvPr/>
-      </p:nvGrpSpPr>
-      <p:grpSpPr>
-        <a:xfrm>
-          <a:off x="0" y="0"/>
-          <a:ext cx="0" cy="0"/>
-          <a:chOff x="0" y="0"/>
-          <a:chExt cx="0" cy="0"/>
-        </a:xfrm>
-      </p:grpSpPr>
-      <p:sp>
-        <p:nvSpPr>
-          <p:cNvPr id="2" name="Title 1">
-            <a:extLst>
-              <a:ext uri="{FF2B5EF4-FFF2-40B4-BE49-F238E27FC236}">
-                <a16:creationId xmlns:a16="http://schemas.microsoft.com/office/drawing/2014/main" id="{1089A13B-3AA9-444D-F64E-D160B2B87D27}"/>
-              </a:ext>
-            </a:extLst>
-          </p:cNvPr>
-          <p:cNvSpPr>
-            <a:spLocks noGrp="1"/>
-          </p:cNvSpPr>
-          <p:nvPr>
-            <p:ph type="title"/>
-          </p:nvPr>
-        </p:nvSpPr>
-        <p:spPr>
-          <a:xfrm>
-            <a:off x="838200" y="365126"/>
-            <a:ext cx="10515600" cy="766558"/>
-          </a:xfrm>
-        </p:spPr>
-        <p:txBody>
-          <a:bodyPr>
-            <a:normAutofit/>
-          </a:bodyPr>
-          <a:lstStyle/>
-          <a:p>
-            <a:r>
-              <a:rPr lang="it-IT" sz="3200" noProof="0" dirty="0">
-                <a:latin typeface="+mn-lt"/>
-                <a:ea typeface="Calibri"/>
-                <a:cs typeface="Calibri"/>
-              </a:rPr>
-              <a:t>Sintesi</a:t>
-            </a:r>
-          </a:p>
-        </p:txBody>
-      </p:sp>
-      <p:sp>
-        <p:nvSpPr>
-          <p:cNvPr id="4" name="TextBox 3">
-            <a:extLst>
-              <a:ext uri="{FF2B5EF4-FFF2-40B4-BE49-F238E27FC236}">
-                <a16:creationId xmlns:a16="http://schemas.microsoft.com/office/drawing/2014/main" id="{1DFA91BF-EF06-C454-7F4E-647F05D6F3F7}"/>
-              </a:ext>
-            </a:extLst>
-          </p:cNvPr>
-          <p:cNvSpPr txBox="1"/>
-          <p:nvPr/>
-        </p:nvSpPr>
-        <p:spPr>
-          <a:xfrm>
-            <a:off x="986828" y="1137150"/>
-            <a:ext cx="10773623" cy="3693319"/>
-          </a:xfrm>
-          <a:prstGeom prst="rect">
-            <a:avLst/>
-          </a:prstGeom>
-          <a:noFill/>
-        </p:spPr>
-        <p:txBody>
-          <a:bodyPr wrap="square" lIns="91440" tIns="45720" rIns="91440" bIns="45720" rtlCol="0" anchor="t">
-            <a:spAutoFit/>
-          </a:bodyPr>
-          <a:lstStyle/>
-          <a:p>
-            <a:pPr marL="342900" indent="-342900">
-              <a:buFont typeface="Arial"/>
-              <a:buChar char="•"/>
-            </a:pPr>
-            <a:r>
-              <a:rPr lang="it-IT" sz="2000" dirty="0">
-                <a:ea typeface="Calibri"/>
-                <a:cs typeface="Calibri"/>
-              </a:rPr>
-              <a:t>Riuso modelli in Precision Farming</a:t>
-            </a:r>
-          </a:p>
-          <a:p>
-            <a:pPr marL="342900" indent="-342900">
-              <a:buFont typeface="Arial"/>
-              <a:buChar char="•"/>
-            </a:pPr>
-            <a:r>
-              <a:rPr lang="it-IT" sz="2000" dirty="0">
-                <a:ea typeface="Calibri"/>
-                <a:cs typeface="Calibri"/>
-              </a:rPr>
-              <a:t>Farm-Tech</a:t>
-            </a:r>
-          </a:p>
-          <a:p>
-            <a:pPr marL="342900" indent="-342900">
-              <a:buFont typeface="Arial"/>
-              <a:buChar char="•"/>
-            </a:pPr>
-            <a:r>
-              <a:rPr lang="it-IT" sz="2000" dirty="0">
-                <a:ea typeface="Calibri"/>
-                <a:cs typeface="Calibri"/>
-              </a:rPr>
-              <a:t>CRISP-DM per strutturare la ricerca</a:t>
-            </a:r>
-          </a:p>
-          <a:p>
-            <a:pPr marL="342900" indent="-342900">
-              <a:buFont typeface="Arial"/>
-              <a:buChar char="•"/>
-            </a:pPr>
-            <a:r>
-              <a:rPr lang="it-IT" sz="2000" dirty="0">
-                <a:ea typeface="Calibri"/>
-                <a:cs typeface="Calibri"/>
-              </a:rPr>
-              <a:t>Raccolta dei modelli da HuggingFace</a:t>
-            </a:r>
-          </a:p>
-          <a:p>
-            <a:pPr marL="342900" indent="-342900">
-              <a:buFont typeface="Arial"/>
-              <a:buChar char="•"/>
-            </a:pPr>
-            <a:r>
-              <a:rPr lang="it-IT" sz="2000" dirty="0">
-                <a:ea typeface="Calibri"/>
-                <a:cs typeface="Calibri"/>
-              </a:rPr>
-              <a:t>Revisione Manuale dei modelli</a:t>
-            </a:r>
-          </a:p>
-          <a:p>
-            <a:pPr marL="342900" indent="-342900">
-              <a:buFont typeface="Arial"/>
-              <a:buChar char="•"/>
-            </a:pPr>
-            <a:r>
-              <a:rPr lang="it-IT" sz="2000" dirty="0">
-                <a:ea typeface="Calibri"/>
-                <a:cs typeface="Calibri"/>
-              </a:rPr>
-              <a:t>Analisi di ogni modello</a:t>
-            </a:r>
-          </a:p>
-          <a:p>
-            <a:pPr marL="800100" lvl="1" indent="-342900">
-              <a:buFont typeface="Arial"/>
-              <a:buChar char="•"/>
-            </a:pPr>
-            <a:r>
-              <a:rPr lang="it-IT" dirty="0">
-                <a:ea typeface="Calibri"/>
-                <a:cs typeface="Calibri"/>
-              </a:rPr>
-              <a:t>Dataset</a:t>
-            </a:r>
-          </a:p>
-          <a:p>
-            <a:pPr marL="800100" lvl="1" indent="-342900">
-              <a:buFont typeface="Arial"/>
-              <a:buChar char="•"/>
-            </a:pPr>
-            <a:r>
-              <a:rPr lang="it-IT" dirty="0">
-                <a:ea typeface="Calibri"/>
-                <a:cs typeface="Calibri"/>
-              </a:rPr>
-              <a:t>Architettura</a:t>
-            </a:r>
-          </a:p>
-          <a:p>
-            <a:pPr marL="800100" lvl="1" indent="-342900">
-              <a:buFont typeface="Arial"/>
-              <a:buChar char="•"/>
-            </a:pPr>
-            <a:r>
-              <a:rPr lang="it-IT" dirty="0">
-                <a:ea typeface="Calibri"/>
-                <a:cs typeface="Calibri"/>
-              </a:rPr>
-              <a:t>Licenza</a:t>
-            </a:r>
-          </a:p>
-          <a:p>
-            <a:pPr marL="342900" indent="-342900">
-              <a:buFont typeface="Arial"/>
-              <a:buChar char="•"/>
-            </a:pPr>
-            <a:r>
-              <a:rPr lang="it-IT" sz="2000" dirty="0">
-                <a:ea typeface="Calibri"/>
-                <a:cs typeface="Calibri"/>
-              </a:rPr>
-              <a:t>Transfer Learning</a:t>
-            </a:r>
-          </a:p>
-          <a:p>
-            <a:pPr marL="800100" lvl="1" indent="-342900">
-              <a:buFont typeface="Arial"/>
-              <a:buChar char="•"/>
-            </a:pPr>
-            <a:r>
-              <a:rPr lang="it-IT" dirty="0">
-                <a:ea typeface="Calibri"/>
-                <a:cs typeface="Calibri"/>
-              </a:rPr>
-              <a:t>Metodo di valutazione</a:t>
-            </a:r>
-          </a:p>
-          <a:p>
-            <a:pPr marL="800100" lvl="1" indent="-342900">
-              <a:buFont typeface="Arial"/>
-              <a:buChar char="•"/>
-            </a:pPr>
-            <a:endParaRPr lang="it-IT" sz="2000" dirty="0">
-              <a:ea typeface="Calibri"/>
-              <a:cs typeface="Calibri"/>
-            </a:endParaRPr>
-          </a:p>
-        </p:txBody>
-      </p:sp>
-      <p:sp>
-        <p:nvSpPr>
-          <p:cNvPr id="3" name="TextBox 2">
-            <a:extLst>
-              <a:ext uri="{FF2B5EF4-FFF2-40B4-BE49-F238E27FC236}">
-                <a16:creationId xmlns:a16="http://schemas.microsoft.com/office/drawing/2014/main" id="{05B42B90-9935-0982-5ED5-7384457D4913}"/>
-              </a:ext>
-            </a:extLst>
-          </p:cNvPr>
-          <p:cNvSpPr txBox="1"/>
-          <p:nvPr/>
-        </p:nvSpPr>
-        <p:spPr>
-          <a:xfrm>
-            <a:off x="10608397" y="6581001"/>
-            <a:ext cx="1907263" cy="276999"/>
-          </a:xfrm>
-          <a:prstGeom prst="rect">
-            <a:avLst/>
-          </a:prstGeom>
-          <a:noFill/>
-        </p:spPr>
-        <p:txBody>
-          <a:bodyPr wrap="square" rtlCol="0">
-            <a:spAutoFit/>
-          </a:bodyPr>
-          <a:lstStyle/>
-          <a:p>
-            <a:r>
-              <a:rPr lang="it-IT" sz="1200" dirty="0"/>
-              <a:t>Grazie per l’attenzione</a:t>
-            </a:r>
-          </a:p>
-        </p:txBody>
-      </p:sp>
-    </p:spTree>
-    <p:extLst>
-      <p:ext uri="{BB962C8B-B14F-4D97-AF65-F5344CB8AC3E}">
-        <p14:creationId xmlns:p14="http://schemas.microsoft.com/office/powerpoint/2010/main" val="1413644724"/>
       </p:ext>
     </p:extLst>
   </p:cSld>
@@ -8087,7 +8986,12 @@
             <p:ph type="title"/>
           </p:nvPr>
         </p:nvSpPr>
-        <p:spPr/>
+        <p:spPr>
+          <a:xfrm>
+            <a:off x="611866" y="175004"/>
+            <a:ext cx="10515600" cy="1325563"/>
+          </a:xfrm>
+        </p:spPr>
         <p:txBody>
           <a:bodyPr>
             <a:normAutofit/>
@@ -8098,7 +9002,7 @@
               <a:rPr lang="it-IT" sz="3200" noProof="0" dirty="0">
                 <a:latin typeface="+mn-lt"/>
               </a:rPr>
-              <a:t>Precision Farming</a:t>
+              <a:t>Precision Farming – Farm-Tech</a:t>
             </a:r>
           </a:p>
         </p:txBody>
@@ -8119,7 +9023,12 @@
             <p:ph idx="1"/>
           </p:nvPr>
         </p:nvSpPr>
-        <p:spPr/>
+        <p:spPr>
+          <a:xfrm>
+            <a:off x="294996" y="1572132"/>
+            <a:ext cx="10515600" cy="4351338"/>
+          </a:xfrm>
+        </p:spPr>
         <p:txBody>
           <a:bodyPr>
             <a:normAutofit/>
@@ -8134,7 +9043,7 @@
           <a:p>
             <a:pPr lvl="1"/>
             <a:r>
-              <a:rPr lang="it-IT" sz="1400" noProof="0" dirty="0"/>
+              <a:rPr lang="it-IT" sz="1600" noProof="0" dirty="0"/>
               <a:t>Sensori IoT, droni, immagini satellitarie...</a:t>
             </a:r>
           </a:p>
@@ -8165,17 +9074,49 @@
             </a:pPr>
             <a:r>
               <a:rPr lang="it-IT" sz="1800" noProof="0" dirty="0"/>
-              <a:t>Vista l’elevata quantità di dati coinvolta in questa tecnica, l’AI si presta bene a processarli e analizzarli</a:t>
+              <a:t>Progetto di riferimento: Farm-Tech</a:t>
             </a:r>
           </a:p>
           <a:p>
             <a:pPr marL="0" indent="0">
               <a:buNone/>
             </a:pPr>
-            <a:r>
-              <a:rPr lang="it-IT" sz="1800" noProof="0" dirty="0"/>
-              <a:t>Progetto di riferimento: Farm-Tech</a:t>
-            </a:r>
+            <a:endParaRPr lang="it-IT" sz="1800" dirty="0"/>
+          </a:p>
+          <a:p>
+            <a:pPr marL="0" indent="0">
+              <a:buNone/>
+            </a:pPr>
+            <a:endParaRPr lang="it-IT" sz="1800" noProof="0" dirty="0"/>
+          </a:p>
+          <a:p>
+            <a:pPr marL="0" indent="0">
+              <a:buNone/>
+            </a:pPr>
+            <a:r>
+              <a:rPr lang="it-IT" sz="1800" dirty="0"/>
+              <a:t>chaM3Leon è un framework modulare sviluppato da Smart Shaped</a:t>
+            </a:r>
+            <a:br>
+              <a:rPr lang="it-IT" sz="1800" dirty="0"/>
+            </a:br>
+            <a:r>
+              <a:rPr lang="it-IT" sz="1800" dirty="0"/>
+              <a:t>a supporto di applicazioni machine learning; è in questo modulo</a:t>
+            </a:r>
+            <a:br>
+              <a:rPr lang="it-IT" sz="1800" dirty="0"/>
+            </a:br>
+            <a:r>
+              <a:rPr lang="it-IT" sz="1800" dirty="0"/>
+              <a:t>che vengono addestrati/usati modelli di ML</a:t>
+            </a:r>
+          </a:p>
+          <a:p>
+            <a:pPr marL="0" indent="0">
+              <a:buNone/>
+            </a:pPr>
+            <a:endParaRPr lang="it-IT" sz="1800" noProof="0" dirty="0"/>
           </a:p>
           <a:p>
             <a:pPr lvl="1"/>
@@ -8187,6 +9128,42 @@
           </a:p>
         </p:txBody>
       </p:sp>
+      <p:pic>
+        <p:nvPicPr>
+          <p:cNvPr id="4" name="Picture 3">
+            <a:extLst>
+              <a:ext uri="{FF2B5EF4-FFF2-40B4-BE49-F238E27FC236}">
+                <a16:creationId xmlns:a16="http://schemas.microsoft.com/office/drawing/2014/main" id="{873BEE62-659D-A0C9-FCB9-76D7EB05580E}"/>
+              </a:ext>
+            </a:extLst>
+          </p:cNvPr>
+          <p:cNvPicPr>
+            <a:picLocks noChangeAspect="1"/>
+          </p:cNvPicPr>
+          <p:nvPr/>
+        </p:nvPicPr>
+        <p:blipFill>
+          <a:blip r:embed="rId2">
+            <a:extLst>
+              <a:ext uri="{28A0092B-C50C-407E-A947-70E740481C1C}">
+                <a14:useLocalDpi xmlns:a14="http://schemas.microsoft.com/office/drawing/2010/main" val="0"/>
+              </a:ext>
+            </a:extLst>
+          </a:blip>
+          <a:stretch>
+            <a:fillRect/>
+          </a:stretch>
+        </p:blipFill>
+        <p:spPr>
+          <a:xfrm>
+            <a:off x="6595554" y="2172832"/>
+            <a:ext cx="5505915" cy="4594639"/>
+          </a:xfrm>
+          <a:prstGeom prst="rect">
+            <a:avLst/>
+          </a:prstGeom>
+        </p:spPr>
+      </p:pic>
     </p:spTree>
     <p:extLst>
       <p:ext uri="{BB962C8B-B14F-4D97-AF65-F5344CB8AC3E}">
@@ -8201,226 +9178,6 @@
 </file>
 
 <file path=ppt/slides/slide4.xml><?xml version="1.0" encoding="utf-8"?>
-<p:sld xmlns:a="http://schemas.openxmlformats.org/drawingml/2006/main" xmlns:r="http://schemas.openxmlformats.org/officeDocument/2006/relationships" xmlns:p="http://schemas.openxmlformats.org/presentationml/2006/main">
-  <p:cSld>
-    <p:spTree>
-      <p:nvGrpSpPr>
-        <p:cNvPr id="1" name="">
-          <a:extLst>
-            <a:ext uri="{FF2B5EF4-FFF2-40B4-BE49-F238E27FC236}">
-              <a16:creationId xmlns:a16="http://schemas.microsoft.com/office/drawing/2014/main" id="{69F4E7DC-01BA-7A78-9498-DBEAD39D8A95}"/>
-            </a:ext>
-          </a:extLst>
-        </p:cNvPr>
-        <p:cNvGrpSpPr/>
-        <p:nvPr/>
-      </p:nvGrpSpPr>
-      <p:grpSpPr>
-        <a:xfrm>
-          <a:off x="0" y="0"/>
-          <a:ext cx="0" cy="0"/>
-          <a:chOff x="0" y="0"/>
-          <a:chExt cx="0" cy="0"/>
-        </a:xfrm>
-      </p:grpSpPr>
-      <p:sp>
-        <p:nvSpPr>
-          <p:cNvPr id="2" name="Title 1">
-            <a:extLst>
-              <a:ext uri="{FF2B5EF4-FFF2-40B4-BE49-F238E27FC236}">
-                <a16:creationId xmlns:a16="http://schemas.microsoft.com/office/drawing/2014/main" id="{86B3FDEB-58DA-E349-BD4E-94940C6A17BE}"/>
-              </a:ext>
-            </a:extLst>
-          </p:cNvPr>
-          <p:cNvSpPr>
-            <a:spLocks noGrp="1"/>
-          </p:cNvSpPr>
-          <p:nvPr>
-            <p:ph type="title"/>
-          </p:nvPr>
-        </p:nvSpPr>
-        <p:spPr/>
-        <p:txBody>
-          <a:bodyPr>
-            <a:normAutofit/>
-          </a:bodyPr>
-          <a:lstStyle/>
-          <a:p>
-            <a:r>
-              <a:rPr lang="it-IT" sz="3200" noProof="0" dirty="0">
-                <a:latin typeface="+mn-lt"/>
-              </a:rPr>
-              <a:t>Farm-Tech</a:t>
-            </a:r>
-          </a:p>
-        </p:txBody>
-      </p:sp>
-      <p:sp>
-        <p:nvSpPr>
-          <p:cNvPr id="3" name="Content Placeholder 2">
-            <a:extLst>
-              <a:ext uri="{FF2B5EF4-FFF2-40B4-BE49-F238E27FC236}">
-                <a16:creationId xmlns:a16="http://schemas.microsoft.com/office/drawing/2014/main" id="{B927DD7A-2BD1-39E5-0364-97DDD222C997}"/>
-              </a:ext>
-            </a:extLst>
-          </p:cNvPr>
-          <p:cNvSpPr>
-            <a:spLocks noGrp="1"/>
-          </p:cNvSpPr>
-          <p:nvPr>
-            <p:ph idx="1"/>
-          </p:nvPr>
-        </p:nvSpPr>
-        <p:spPr>
-          <a:xfrm>
-            <a:off x="633025" y="1518966"/>
-            <a:ext cx="10692897" cy="4351338"/>
-          </a:xfrm>
-        </p:spPr>
-        <p:txBody>
-          <a:bodyPr>
-            <a:normAutofit/>
-          </a:bodyPr>
-          <a:lstStyle/>
-          <a:p>
-            <a:r>
-              <a:rPr lang="it-IT" sz="1800" noProof="0" dirty="0"/>
-              <a:t>Progetto di ricerca congiunto tra SmartShaped e Trace Technologies, parte dell’ecosistema Tech4You</a:t>
-            </a:r>
-          </a:p>
-          <a:p>
-            <a:r>
-              <a:rPr lang="it-IT" sz="1800" noProof="0" dirty="0"/>
-              <a:t>Implementazione pratica del Precision Farming, mirata a supportare l’agricoltura sostenibile in ambienti Mediterranei</a:t>
-            </a:r>
-          </a:p>
-          <a:p>
-            <a:r>
-              <a:rPr lang="it-IT" sz="1800" noProof="0" dirty="0"/>
-              <a:t>Architettura Modulare</a:t>
-            </a:r>
-          </a:p>
-          <a:p>
-            <a:pPr lvl="1"/>
-            <a:r>
-              <a:rPr lang="it-IT" sz="1400" noProof="0" dirty="0"/>
-              <a:t>Immagazzinamento e gestione dati (MinIO, GeoNode)</a:t>
-            </a:r>
-          </a:p>
-          <a:p>
-            <a:pPr lvl="1"/>
-            <a:r>
-              <a:rPr lang="it-IT" sz="1400" noProof="0" dirty="0"/>
-              <a:t>Presentazione dati (GeoServer)</a:t>
-            </a:r>
-          </a:p>
-          <a:p>
-            <a:pPr lvl="1"/>
-            <a:r>
-              <a:rPr lang="it-IT" sz="1400" noProof="0" dirty="0"/>
-              <a:t>Machine Learning (chaM3Leon)</a:t>
-            </a:r>
-          </a:p>
-          <a:p>
-            <a:pPr lvl="1"/>
-            <a:r>
-              <a:rPr lang="it-IT" sz="1400" noProof="0" dirty="0"/>
-              <a:t>Moduli di supporto (PostgreSQL, Spark, Django...)</a:t>
-            </a:r>
-          </a:p>
-          <a:p>
-            <a:pPr marL="457200" lvl="1" indent="0">
-              <a:buNone/>
-            </a:pPr>
-            <a:endParaRPr lang="it-IT" sz="1400" noProof="0" dirty="0"/>
-          </a:p>
-          <a:p>
-            <a:pPr marL="457200" lvl="1" indent="0">
-              <a:buNone/>
-            </a:pPr>
-            <a:endParaRPr lang="it-IT" sz="1400" noProof="0" dirty="0"/>
-          </a:p>
-          <a:p>
-            <a:pPr marL="457200" lvl="1" indent="0">
-              <a:buNone/>
-            </a:pPr>
-            <a:endParaRPr lang="it-IT" sz="1400" noProof="0" dirty="0"/>
-          </a:p>
-          <a:p>
-            <a:pPr marL="0" indent="0">
-              <a:buNone/>
-            </a:pPr>
-            <a:r>
-              <a:rPr lang="it-IT" sz="1800" noProof="0" dirty="0"/>
-              <a:t>chaM3Leon è un framework modulare sviluppato da Smart Shaped</a:t>
-            </a:r>
-            <a:br>
-              <a:rPr lang="it-IT" sz="1800" noProof="0" dirty="0"/>
-            </a:br>
-            <a:r>
-              <a:rPr lang="it-IT" sz="1800" noProof="0" dirty="0"/>
-              <a:t>a supporto di applicazioni machine learning; è in questo modulo</a:t>
-            </a:r>
-            <a:br>
-              <a:rPr lang="it-IT" sz="1800" noProof="0" dirty="0"/>
-            </a:br>
-            <a:r>
-              <a:rPr lang="it-IT" sz="1800" noProof="0" dirty="0"/>
-              <a:t>che vengono addestrati/usati modelli di ML</a:t>
-            </a:r>
-          </a:p>
-        </p:txBody>
-      </p:sp>
-      <p:pic>
-        <p:nvPicPr>
-          <p:cNvPr id="5" name="Picture 4">
-            <a:extLst>
-              <a:ext uri="{FF2B5EF4-FFF2-40B4-BE49-F238E27FC236}">
-                <a16:creationId xmlns:a16="http://schemas.microsoft.com/office/drawing/2014/main" id="{5EB6F499-F3EE-CFB6-56BF-515EE4169810}"/>
-              </a:ext>
-            </a:extLst>
-          </p:cNvPr>
-          <p:cNvPicPr>
-            <a:picLocks noChangeAspect="1"/>
-          </p:cNvPicPr>
-          <p:nvPr/>
-        </p:nvPicPr>
-        <p:blipFill>
-          <a:blip r:embed="rId2">
-            <a:extLst>
-              <a:ext uri="{28A0092B-C50C-407E-A947-70E740481C1C}">
-                <a14:useLocalDpi xmlns:a14="http://schemas.microsoft.com/office/drawing/2010/main" val="0"/>
-              </a:ext>
-            </a:extLst>
-          </a:blip>
-          <a:stretch>
-            <a:fillRect/>
-          </a:stretch>
-        </p:blipFill>
-        <p:spPr>
-          <a:xfrm>
-            <a:off x="6989279" y="2501391"/>
-            <a:ext cx="5112190" cy="4266079"/>
-          </a:xfrm>
-          <a:prstGeom prst="rect">
-            <a:avLst/>
-          </a:prstGeom>
-        </p:spPr>
-      </p:pic>
-    </p:spTree>
-    <p:extLst>
-      <p:ext uri="{BB962C8B-B14F-4D97-AF65-F5344CB8AC3E}">
-        <p14:creationId xmlns:p14="http://schemas.microsoft.com/office/powerpoint/2010/main" val="1765262218"/>
-      </p:ext>
-    </p:extLst>
-  </p:cSld>
-  <p:clrMapOvr>
-    <a:masterClrMapping/>
-  </p:clrMapOvr>
-</p:sld>
-</file>
-
-<file path=ppt/slides/slide5.xml><?xml version="1.0" encoding="utf-8"?>
 <p:sld xmlns:a="http://schemas.openxmlformats.org/drawingml/2006/main" xmlns:r="http://schemas.openxmlformats.org/officeDocument/2006/relationships" xmlns:p="http://schemas.openxmlformats.org/presentationml/2006/main">
   <p:cSld>
     <p:spTree>
@@ -8544,7 +9301,7 @@
             </a:pPr>
             <a:r>
               <a:rPr lang="it-IT" sz="2000" noProof="0" dirty="0"/>
-              <a:t>Stabilito un metodo per valutare la riusabilità di modelli pre-addestrati, verrà applicato a un elenco di modelli selezionati, analizzando in modo sistematico il loro potenziale impiego in Farm-Tech.</a:t>
+              <a:t>Stabilito un metodo per valutare la riusabilità di modelli pre-addestrati, verrà applicato a un elenco di modelli selezionati, analizzando in modo sistematico il loro impiego in Farm-Tech</a:t>
             </a:r>
           </a:p>
           <a:p>
@@ -8568,7 +9325,7 @@
 </p:sld>
 </file>
 
-<file path=ppt/slides/slide6.xml><?xml version="1.0" encoding="utf-8"?>
+<file path=ppt/slides/slide5.xml><?xml version="1.0" encoding="utf-8"?>
 <p:sld xmlns:a="http://schemas.openxmlformats.org/drawingml/2006/main" xmlns:r="http://schemas.openxmlformats.org/officeDocument/2006/relationships" xmlns:p="http://schemas.openxmlformats.org/presentationml/2006/main">
   <p:cSld>
     <p:spTree>
@@ -8601,7 +9358,12 @@
             <p:ph type="title"/>
           </p:nvPr>
         </p:nvSpPr>
-        <p:spPr/>
+        <p:spPr>
+          <a:xfrm>
+            <a:off x="838200" y="156900"/>
+            <a:ext cx="10515600" cy="1325563"/>
+          </a:xfrm>
+        </p:spPr>
         <p:txBody>
           <a:bodyPr>
             <a:normAutofit/>
@@ -8647,8 +9409,8 @@
         </p:blipFill>
         <p:spPr>
           <a:xfrm>
-            <a:off x="1663092" y="1954779"/>
-            <a:ext cx="8865816" cy="4538096"/>
+            <a:off x="1409100" y="1740025"/>
+            <a:ext cx="9373800" cy="4798115"/>
           </a:xfrm>
         </p:spPr>
       </p:pic>
@@ -8666,8 +9428,8 @@
         </p:nvSpPr>
         <p:spPr>
           <a:xfrm>
-            <a:off x="950614" y="1421394"/>
-            <a:ext cx="8437830" cy="369332"/>
+            <a:off x="950614" y="1339915"/>
+            <a:ext cx="8437830" cy="400110"/>
           </a:xfrm>
           <a:prstGeom prst="rect">
             <a:avLst/>
@@ -8681,7 +9443,7 @@
           <a:lstStyle/>
           <a:p>
             <a:r>
-              <a:rPr lang="it-IT" noProof="0" dirty="0"/>
+              <a:rPr lang="it-IT" sz="2000" noProof="0" dirty="0"/>
               <a:t>La metodologia seguita in questa ricerca si basa sullo standard CRISP-DM</a:t>
             </a:r>
           </a:p>
@@ -8700,7 +9462,7 @@
 </p:sld>
 </file>
 
-<file path=ppt/slides/slide7.xml><?xml version="1.0" encoding="utf-8"?>
+<file path=ppt/slides/slide6.xml><?xml version="1.0" encoding="utf-8"?>
 <p:sld xmlns:a="http://schemas.openxmlformats.org/drawingml/2006/main" xmlns:r="http://schemas.openxmlformats.org/officeDocument/2006/relationships" xmlns:p="http://schemas.openxmlformats.org/presentationml/2006/main">
   <p:cSld>
     <p:spTree>
@@ -8771,10 +9533,15 @@
             <p:ph idx="1"/>
           </p:nvPr>
         </p:nvSpPr>
-        <p:spPr/>
+        <p:spPr>
+          <a:xfrm>
+            <a:off x="838200" y="1825624"/>
+            <a:ext cx="10515600" cy="4873939"/>
+          </a:xfrm>
+        </p:spPr>
         <p:txBody>
           <a:bodyPr>
-            <a:normAutofit/>
+            <a:noAutofit/>
           </a:bodyPr>
           <a:lstStyle/>
           <a:p>
@@ -8787,38 +9554,47 @@
             </a:r>
           </a:p>
           <a:p>
+            <a:pPr marL="0" indent="0">
+              <a:buNone/>
+            </a:pPr>
+            <a:endParaRPr lang="it-IT" sz="2000" noProof="0" dirty="0"/>
+          </a:p>
+          <a:p>
             <a:pPr lvl="1"/>
             <a:r>
-              <a:rPr lang="it-IT" sz="1800" noProof="0" dirty="0"/>
+              <a:rPr lang="it-IT" sz="2000" noProof="0" dirty="0"/>
               <a:t>Contiene uno qualunque dei seguenti termini all’interno della model card</a:t>
             </a:r>
           </a:p>
           <a:p>
             <a:pPr lvl="2"/>
             <a:r>
-              <a:rPr lang="it-IT" sz="1400" dirty="0"/>
-              <a:t>"agriculture", "crop", "biomass", "yield", "nitrogen", "phosphorus", "soil", "plant", "drone", "remote sensing", "time series", "field", "tomato", "heatmap", "organism", "vegetable"</a:t>
-            </a:r>
-            <a:endParaRPr lang="it-IT" sz="1400" noProof="0" dirty="0"/>
+              <a:rPr lang="it-IT" sz="1800" dirty="0"/>
+              <a:t>"agriculture", "crop", "biomass", "yield", "nitrogen", "phosphorus", "soil", "plant", "drone", "remote sensing", "time series", "field", "tomato", "heatmap", "organism", "vegetable "</a:t>
+            </a:r>
+          </a:p>
+          <a:p>
+            <a:pPr lvl="2"/>
+            <a:endParaRPr lang="it-IT" sz="1800" noProof="0" dirty="0"/>
           </a:p>
           <a:p>
             <a:pPr lvl="1"/>
             <a:r>
+              <a:rPr lang="it-IT" sz="2000" dirty="0"/>
+              <a:t>Il modello deve avere più di 100 download totali</a:t>
+            </a:r>
+          </a:p>
+          <a:p>
+            <a:pPr lvl="2"/>
+            <a:r>
               <a:rPr lang="it-IT" sz="1800" dirty="0"/>
-              <a:t>Il modello deve avere più di 100 download totali</a:t>
+              <a:t>Rilevanza</a:t>
             </a:r>
           </a:p>
           <a:p>
             <a:pPr lvl="2"/>
             <a:r>
-              <a:rPr lang="it-IT" sz="1400" dirty="0"/>
-              <a:t>Rilevanza</a:t>
-            </a:r>
-          </a:p>
-          <a:p>
-            <a:pPr lvl="2"/>
-            <a:r>
-              <a:rPr lang="it-IT" sz="1400" dirty="0"/>
+              <a:rPr lang="it-IT" sz="1800" dirty="0"/>
               <a:t>Sicurezza</a:t>
             </a:r>
           </a:p>
@@ -8840,7 +9616,22 @@
             </a:pPr>
             <a:r>
               <a:rPr lang="it-IT" sz="2000" dirty="0"/>
-              <a:t>In tutto, 100 modelli sono stati recuperati</a:t>
+              <a:t>In tutto, sono stati recuperati 100 modelli</a:t>
+            </a:r>
+          </a:p>
+          <a:p>
+            <a:pPr marL="0" indent="0">
+              <a:buNone/>
+            </a:pPr>
+            <a:endParaRPr lang="it-IT" sz="2000" dirty="0"/>
+          </a:p>
+          <a:p>
+            <a:pPr marL="0" indent="0">
+              <a:buNone/>
+            </a:pPr>
+            <a:r>
+              <a:rPr lang="it-IT" sz="1600" dirty="0"/>
+              <a:t>Lo script usato è accessibile dall’appendice della tesi</a:t>
             </a:r>
           </a:p>
         </p:txBody>
@@ -8858,7 +9649,7 @@
 </p:sld>
 </file>
 
-<file path=ppt/slides/slide8.xml><?xml version="1.0" encoding="utf-8"?>
+<file path=ppt/slides/slide7.xml><?xml version="1.0" encoding="utf-8"?>
 <p:sld xmlns:a="http://schemas.openxmlformats.org/drawingml/2006/main" xmlns:r="http://schemas.openxmlformats.org/officeDocument/2006/relationships" xmlns:p="http://schemas.openxmlformats.org/presentationml/2006/main">
   <p:cSld>
     <p:spTree>
@@ -8899,7 +9690,7 @@
         </p:nvSpPr>
         <p:spPr>
           <a:xfrm>
-            <a:off x="838200" y="365126"/>
+            <a:off x="838200" y="283646"/>
             <a:ext cx="10515600" cy="766558"/>
           </a:xfrm>
         </p:spPr>
@@ -8936,7 +9727,7 @@
         </p:nvSpPr>
         <p:spPr>
           <a:xfrm>
-            <a:off x="838200" y="1182837"/>
+            <a:off x="838200" y="1101357"/>
             <a:ext cx="10515600" cy="4351338"/>
           </a:xfrm>
         </p:spPr>
@@ -9001,8 +9792,8 @@
         </p:blipFill>
         <p:spPr>
           <a:xfrm>
-            <a:off x="684556" y="3076753"/>
-            <a:ext cx="3781991" cy="3416121"/>
+            <a:off x="440108" y="2826127"/>
+            <a:ext cx="4059460" cy="3666748"/>
           </a:xfrm>
           <a:prstGeom prst="rect">
             <a:avLst/>
@@ -9023,7 +9814,7 @@
         </p:nvSpPr>
         <p:spPr>
           <a:xfrm>
-            <a:off x="1156543" y="6492874"/>
+            <a:off x="1174649" y="6501927"/>
             <a:ext cx="2387898" cy="338554"/>
           </a:xfrm>
           <a:prstGeom prst="rect">
@@ -9066,8 +9857,8 @@
         </p:blipFill>
         <p:spPr>
           <a:xfrm>
-            <a:off x="6557644" y="3076752"/>
-            <a:ext cx="4828962" cy="3416121"/>
+            <a:off x="6493067" y="2826126"/>
+            <a:ext cx="5183243" cy="3666748"/>
           </a:xfrm>
           <a:prstGeom prst="rect">
             <a:avLst/>
@@ -9122,7 +9913,7 @@
 </p:sld>
 </file>
 
-<file path=ppt/slides/slide9.xml><?xml version="1.0" encoding="utf-8"?>
+<file path=ppt/slides/slide8.xml><?xml version="1.0" encoding="utf-8"?>
 <p:sld xmlns:a="http://schemas.openxmlformats.org/drawingml/2006/main" xmlns:r="http://schemas.openxmlformats.org/officeDocument/2006/relationships" xmlns:p="http://schemas.openxmlformats.org/presentationml/2006/main">
   <p:cSld>
     <p:spTree>
@@ -9353,6 +10144,179 @@
     <p:extLst>
       <p:ext uri="{BB962C8B-B14F-4D97-AF65-F5344CB8AC3E}">
         <p14:creationId xmlns:p14="http://schemas.microsoft.com/office/powerpoint/2010/main" val="2235080143"/>
+      </p:ext>
+    </p:extLst>
+  </p:cSld>
+  <p:clrMapOvr>
+    <a:masterClrMapping/>
+  </p:clrMapOvr>
+</p:sld>
+</file>
+
+<file path=ppt/slides/slide9.xml><?xml version="1.0" encoding="utf-8"?>
+<p:sld xmlns:a="http://schemas.openxmlformats.org/drawingml/2006/main" xmlns:r="http://schemas.openxmlformats.org/officeDocument/2006/relationships" xmlns:p="http://schemas.openxmlformats.org/presentationml/2006/main">
+  <p:cSld>
+    <p:spTree>
+      <p:nvGrpSpPr>
+        <p:cNvPr id="1" name="">
+          <a:extLst>
+            <a:ext uri="{FF2B5EF4-FFF2-40B4-BE49-F238E27FC236}">
+              <a16:creationId xmlns:a16="http://schemas.microsoft.com/office/drawing/2014/main" id="{2996D1DD-CAF5-5B43-24D9-C2AFD5BF4876}"/>
+            </a:ext>
+          </a:extLst>
+        </p:cNvPr>
+        <p:cNvGrpSpPr/>
+        <p:nvPr/>
+      </p:nvGrpSpPr>
+      <p:grpSpPr>
+        <a:xfrm>
+          <a:off x="0" y="0"/>
+          <a:ext cx="0" cy="0"/>
+          <a:chOff x="0" y="0"/>
+          <a:chExt cx="0" cy="0"/>
+        </a:xfrm>
+      </p:grpSpPr>
+      <p:sp>
+        <p:nvSpPr>
+          <p:cNvPr id="2" name="Title 1">
+            <a:extLst>
+              <a:ext uri="{FF2B5EF4-FFF2-40B4-BE49-F238E27FC236}">
+                <a16:creationId xmlns:a16="http://schemas.microsoft.com/office/drawing/2014/main" id="{692298ED-78F5-6C8A-A53E-2834298F67C6}"/>
+              </a:ext>
+            </a:extLst>
+          </p:cNvPr>
+          <p:cNvSpPr>
+            <a:spLocks noGrp="1"/>
+          </p:cNvSpPr>
+          <p:nvPr>
+            <p:ph type="title"/>
+          </p:nvPr>
+        </p:nvSpPr>
+        <p:spPr>
+          <a:xfrm>
+            <a:off x="838200" y="365126"/>
+            <a:ext cx="10515600" cy="766558"/>
+          </a:xfrm>
+        </p:spPr>
+        <p:txBody>
+          <a:bodyPr>
+            <a:normAutofit/>
+          </a:bodyPr>
+          <a:lstStyle/>
+          <a:p>
+            <a:r>
+              <a:rPr lang="it-IT" sz="3200" noProof="0" dirty="0">
+                <a:latin typeface="+mn-lt"/>
+              </a:rPr>
+              <a:t>Modelli Rilevanti</a:t>
+            </a:r>
+          </a:p>
+        </p:txBody>
+      </p:sp>
+      <p:sp>
+        <p:nvSpPr>
+          <p:cNvPr id="4" name="Content Placeholder 3">
+            <a:extLst>
+              <a:ext uri="{FF2B5EF4-FFF2-40B4-BE49-F238E27FC236}">
+                <a16:creationId xmlns:a16="http://schemas.microsoft.com/office/drawing/2014/main" id="{DFDEA30E-715D-CF1B-8468-3304A7F48756}"/>
+              </a:ext>
+            </a:extLst>
+          </p:cNvPr>
+          <p:cNvSpPr>
+            <a:spLocks noGrp="1"/>
+          </p:cNvSpPr>
+          <p:nvPr>
+            <p:ph idx="1"/>
+          </p:nvPr>
+        </p:nvSpPr>
+        <p:spPr>
+          <a:xfrm>
+            <a:off x="838200" y="1182837"/>
+            <a:ext cx="10515600" cy="4351338"/>
+          </a:xfrm>
+        </p:spPr>
+        <p:txBody>
+          <a:bodyPr vert="horz" lIns="91440" tIns="45720" rIns="91440" bIns="45720" rtlCol="0" anchor="t">
+            <a:normAutofit/>
+          </a:bodyPr>
+          <a:lstStyle/>
+          <a:p>
+            <a:pPr marL="0" indent="0">
+              <a:buNone/>
+            </a:pPr>
+            <a:r>
+              <a:rPr lang="it-IT" sz="2000" dirty="0"/>
+              <a:t>I 15 modelli rilevanti svolgono 4 task:</a:t>
+            </a:r>
+          </a:p>
+          <a:p>
+            <a:pPr lvl="1"/>
+            <a:r>
+              <a:rPr lang="it-IT" sz="2000" dirty="0"/>
+              <a:t>Analisi di Serie Temporali</a:t>
+            </a:r>
+          </a:p>
+          <a:p>
+            <a:pPr lvl="1"/>
+            <a:r>
+              <a:rPr lang="it-IT" sz="2000" dirty="0"/>
+              <a:t>Classificazione di Immagini</a:t>
+            </a:r>
+          </a:p>
+          <a:p>
+            <a:pPr lvl="1"/>
+            <a:r>
+              <a:rPr lang="it-IT" sz="2000" dirty="0"/>
+              <a:t>Analisi di immagini acquisite da droni (Drone Image Processing)</a:t>
+            </a:r>
+            <a:endParaRPr lang="it-IT" sz="2000" dirty="0">
+              <a:ea typeface="Calibri"/>
+              <a:cs typeface="Calibri"/>
+            </a:endParaRPr>
+          </a:p>
+          <a:p>
+            <a:pPr lvl="1"/>
+            <a:r>
+              <a:rPr lang="it-IT" sz="2000" dirty="0"/>
+              <a:t>Assistente chatbot</a:t>
+            </a:r>
+          </a:p>
+        </p:txBody>
+      </p:sp>
+      <p:pic>
+        <p:nvPicPr>
+          <p:cNvPr id="5" name="Picture 4">
+            <a:extLst>
+              <a:ext uri="{FF2B5EF4-FFF2-40B4-BE49-F238E27FC236}">
+                <a16:creationId xmlns:a16="http://schemas.microsoft.com/office/drawing/2014/main" id="{8955469E-0F76-91F6-0E0C-7B626250A723}"/>
+              </a:ext>
+            </a:extLst>
+          </p:cNvPr>
+          <p:cNvPicPr>
+            <a:picLocks noChangeAspect="1"/>
+          </p:cNvPicPr>
+          <p:nvPr/>
+        </p:nvPicPr>
+        <p:blipFill>
+          <a:blip r:embed="rId2"/>
+          <a:stretch>
+            <a:fillRect/>
+          </a:stretch>
+        </p:blipFill>
+        <p:spPr>
+          <a:xfrm>
+            <a:off x="838200" y="3517629"/>
+            <a:ext cx="9103740" cy="2774529"/>
+          </a:xfrm>
+          <a:prstGeom prst="rect">
+            <a:avLst/>
+          </a:prstGeom>
+        </p:spPr>
+      </p:pic>
+    </p:spTree>
+    <p:extLst>
+      <p:ext uri="{BB962C8B-B14F-4D97-AF65-F5344CB8AC3E}">
+        <p14:creationId xmlns:p14="http://schemas.microsoft.com/office/powerpoint/2010/main" val="744833003"/>
       </p:ext>
     </p:extLst>
   </p:cSld>
